--- a/images/posts/2025-03-28-blog-post/新建 Microsoft PowerPoint 演示文稿.pptx
+++ b/images/posts/2025-03-28-blog-post/新建 Microsoft PowerPoint 演示文稿.pptx
@@ -7,6 +7,8 @@
   <p:sldIdLst>
     <p:sldId id="256" r:id="rId2"/>
     <p:sldId id="257" r:id="rId3"/>
+    <p:sldId id="258" r:id="rId4"/>
+    <p:sldId id="259" r:id="rId5"/>
   </p:sldIdLst>
   <p:sldSz cx="12192000" cy="6858000"/>
   <p:notesSz cx="6858000" cy="9144000"/>
@@ -105,6 +107,11 @@
       </a:defRPr>
     </a:lvl9pPr>
   </p:defaultTextStyle>
+  <p:extLst>
+    <p:ext uri="{EFAFB233-063F-42B5-8137-9DF3F51BA10A}">
+      <p15:sldGuideLst xmlns:p15="http://schemas.microsoft.com/office/powerpoint/2012/main"/>
+    </p:ext>
+  </p:extLst>
 </p:presentation>
 </file>
 
@@ -255,7 +262,7 @@
           <a:p>
             <a:fld id="{9140CE54-3337-4FC0-9FD6-16A19B958699}" type="datetimeFigureOut">
               <a:rPr lang="zh-CN" altLang="en-US" smtClean="0"/>
-              <a:t>2025/9/18</a:t>
+              <a:t>2025/9/19</a:t>
             </a:fld>
             <a:endParaRPr lang="zh-CN" altLang="en-US"/>
           </a:p>
@@ -453,7 +460,7 @@
           <a:p>
             <a:fld id="{9140CE54-3337-4FC0-9FD6-16A19B958699}" type="datetimeFigureOut">
               <a:rPr lang="zh-CN" altLang="en-US" smtClean="0"/>
-              <a:t>2025/9/18</a:t>
+              <a:t>2025/9/19</a:t>
             </a:fld>
             <a:endParaRPr lang="zh-CN" altLang="en-US"/>
           </a:p>
@@ -661,7 +668,7 @@
           <a:p>
             <a:fld id="{9140CE54-3337-4FC0-9FD6-16A19B958699}" type="datetimeFigureOut">
               <a:rPr lang="zh-CN" altLang="en-US" smtClean="0"/>
-              <a:t>2025/9/18</a:t>
+              <a:t>2025/9/19</a:t>
             </a:fld>
             <a:endParaRPr lang="zh-CN" altLang="en-US"/>
           </a:p>
@@ -859,7 +866,7 @@
           <a:p>
             <a:fld id="{9140CE54-3337-4FC0-9FD6-16A19B958699}" type="datetimeFigureOut">
               <a:rPr lang="zh-CN" altLang="en-US" smtClean="0"/>
-              <a:t>2025/9/18</a:t>
+              <a:t>2025/9/19</a:t>
             </a:fld>
             <a:endParaRPr lang="zh-CN" altLang="en-US"/>
           </a:p>
@@ -1134,7 +1141,7 @@
           <a:p>
             <a:fld id="{9140CE54-3337-4FC0-9FD6-16A19B958699}" type="datetimeFigureOut">
               <a:rPr lang="zh-CN" altLang="en-US" smtClean="0"/>
-              <a:t>2025/9/18</a:t>
+              <a:t>2025/9/19</a:t>
             </a:fld>
             <a:endParaRPr lang="zh-CN" altLang="en-US"/>
           </a:p>
@@ -1399,7 +1406,7 @@
           <a:p>
             <a:fld id="{9140CE54-3337-4FC0-9FD6-16A19B958699}" type="datetimeFigureOut">
               <a:rPr lang="zh-CN" altLang="en-US" smtClean="0"/>
-              <a:t>2025/9/18</a:t>
+              <a:t>2025/9/19</a:t>
             </a:fld>
             <a:endParaRPr lang="zh-CN" altLang="en-US"/>
           </a:p>
@@ -1811,7 +1818,7 @@
           <a:p>
             <a:fld id="{9140CE54-3337-4FC0-9FD6-16A19B958699}" type="datetimeFigureOut">
               <a:rPr lang="zh-CN" altLang="en-US" smtClean="0"/>
-              <a:t>2025/9/18</a:t>
+              <a:t>2025/9/19</a:t>
             </a:fld>
             <a:endParaRPr lang="zh-CN" altLang="en-US"/>
           </a:p>
@@ -1952,7 +1959,7 @@
           <a:p>
             <a:fld id="{9140CE54-3337-4FC0-9FD6-16A19B958699}" type="datetimeFigureOut">
               <a:rPr lang="zh-CN" altLang="en-US" smtClean="0"/>
-              <a:t>2025/9/18</a:t>
+              <a:t>2025/9/19</a:t>
             </a:fld>
             <a:endParaRPr lang="zh-CN" altLang="en-US"/>
           </a:p>
@@ -2065,7 +2072,7 @@
           <a:p>
             <a:fld id="{9140CE54-3337-4FC0-9FD6-16A19B958699}" type="datetimeFigureOut">
               <a:rPr lang="zh-CN" altLang="en-US" smtClean="0"/>
-              <a:t>2025/9/18</a:t>
+              <a:t>2025/9/19</a:t>
             </a:fld>
             <a:endParaRPr lang="zh-CN" altLang="en-US"/>
           </a:p>
@@ -2376,7 +2383,7 @@
           <a:p>
             <a:fld id="{9140CE54-3337-4FC0-9FD6-16A19B958699}" type="datetimeFigureOut">
               <a:rPr lang="zh-CN" altLang="en-US" smtClean="0"/>
-              <a:t>2025/9/18</a:t>
+              <a:t>2025/9/19</a:t>
             </a:fld>
             <a:endParaRPr lang="zh-CN" altLang="en-US"/>
           </a:p>
@@ -2664,7 +2671,7 @@
           <a:p>
             <a:fld id="{9140CE54-3337-4FC0-9FD6-16A19B958699}" type="datetimeFigureOut">
               <a:rPr lang="zh-CN" altLang="en-US" smtClean="0"/>
-              <a:t>2025/9/18</a:t>
+              <a:t>2025/9/19</a:t>
             </a:fld>
             <a:endParaRPr lang="zh-CN" altLang="en-US"/>
           </a:p>
@@ -2905,7 +2912,7 @@
           <a:p>
             <a:fld id="{9140CE54-3337-4FC0-9FD6-16A19B958699}" type="datetimeFigureOut">
               <a:rPr lang="zh-CN" altLang="en-US" smtClean="0"/>
-              <a:t>2025/9/18</a:t>
+              <a:t>2025/9/19</a:t>
             </a:fld>
             <a:endParaRPr lang="zh-CN" altLang="en-US"/>
           </a:p>
@@ -3322,8 +3329,8 @@
           <a:chExt cx="0" cy="0"/>
         </a:xfrm>
       </p:grpSpPr>
-      <mc:AlternateContent xmlns:mc="http://schemas.openxmlformats.org/markup-compatibility/2006">
-        <mc:Choice xmlns:a14="http://schemas.microsoft.com/office/drawing/2010/main" Requires="a14">
+      <mc:AlternateContent xmlns:mc="http://schemas.openxmlformats.org/markup-compatibility/2006" xmlns:a14="http://schemas.microsoft.com/office/drawing/2010/main">
+        <mc:Choice Requires="a14">
           <p:sp>
             <p:nvSpPr>
               <p:cNvPr id="4" name="文本框 3">
@@ -3352,6 +3359,7 @@
               </a:bodyPr>
               <a:lstStyle/>
               <a:p>
+                <a:pPr/>
                 <a14:m>
                   <m:oMathPara xmlns:m="http://schemas.openxmlformats.org/officeDocument/2006/math">
                     <m:oMathParaPr>
@@ -3372,7 +3380,7 @@
             </p:txBody>
           </p:sp>
         </mc:Choice>
-        <mc:Fallback>
+        <mc:Fallback xmlns="">
           <p:sp>
             <p:nvSpPr>
               <p:cNvPr id="4" name="文本框 3">
@@ -3417,8 +3425,8 @@
           </p:sp>
         </mc:Fallback>
       </mc:AlternateContent>
-      <mc:AlternateContent xmlns:mc="http://schemas.openxmlformats.org/markup-compatibility/2006">
-        <mc:Choice xmlns:a14="http://schemas.microsoft.com/office/drawing/2010/main" Requires="a14">
+      <mc:AlternateContent xmlns:mc="http://schemas.openxmlformats.org/markup-compatibility/2006" xmlns:a14="http://schemas.microsoft.com/office/drawing/2010/main">
+        <mc:Choice Requires="a14">
           <p:sp>
             <p:nvSpPr>
               <p:cNvPr id="5" name="文本框 4">
@@ -3447,6 +3455,7 @@
               </a:bodyPr>
               <a:lstStyle/>
               <a:p>
+                <a:pPr/>
                 <a14:m>
                   <m:oMathPara xmlns:m="http://schemas.openxmlformats.org/officeDocument/2006/math">
                     <m:oMathParaPr>
@@ -3486,7 +3495,7 @@
             </p:txBody>
           </p:sp>
         </mc:Choice>
-        <mc:Fallback>
+        <mc:Fallback xmlns="">
           <p:sp>
             <p:nvSpPr>
               <p:cNvPr id="5" name="文本框 4">
@@ -3531,8 +3540,8 @@
           </p:sp>
         </mc:Fallback>
       </mc:AlternateContent>
-      <mc:AlternateContent xmlns:mc="http://schemas.openxmlformats.org/markup-compatibility/2006">
-        <mc:Choice xmlns:a14="http://schemas.microsoft.com/office/drawing/2010/main" Requires="a14">
+      <mc:AlternateContent xmlns:mc="http://schemas.openxmlformats.org/markup-compatibility/2006" xmlns:a14="http://schemas.microsoft.com/office/drawing/2010/main">
+        <mc:Choice Requires="a14">
           <p:sp>
             <p:nvSpPr>
               <p:cNvPr id="6" name="文本框 5">
@@ -3561,6 +3570,7 @@
               </a:bodyPr>
               <a:lstStyle/>
               <a:p>
+                <a:pPr/>
                 <a14:m>
                   <m:oMathPara xmlns:m="http://schemas.openxmlformats.org/officeDocument/2006/math">
                     <m:oMathParaPr>
@@ -3612,7 +3622,7 @@
             </p:txBody>
           </p:sp>
         </mc:Choice>
-        <mc:Fallback>
+        <mc:Fallback xmlns="">
           <p:sp>
             <p:nvSpPr>
               <p:cNvPr id="6" name="文本框 5">
@@ -3657,8 +3667,8 @@
           </p:sp>
         </mc:Fallback>
       </mc:AlternateContent>
-      <mc:AlternateContent xmlns:mc="http://schemas.openxmlformats.org/markup-compatibility/2006">
-        <mc:Choice xmlns:a14="http://schemas.microsoft.com/office/drawing/2010/main" Requires="a14">
+      <mc:AlternateContent xmlns:mc="http://schemas.openxmlformats.org/markup-compatibility/2006" xmlns:a14="http://schemas.microsoft.com/office/drawing/2010/main">
+        <mc:Choice Requires="a14">
           <p:sp>
             <p:nvSpPr>
               <p:cNvPr id="7" name="文本框 6">
@@ -3687,6 +3697,7 @@
               </a:bodyPr>
               <a:lstStyle/>
               <a:p>
+                <a:pPr/>
                 <a14:m>
                   <m:oMathPara xmlns:m="http://schemas.openxmlformats.org/officeDocument/2006/math">
                     <m:oMathParaPr>
@@ -3726,7 +3737,7 @@
             </p:txBody>
           </p:sp>
         </mc:Choice>
-        <mc:Fallback>
+        <mc:Fallback xmlns="">
           <p:sp>
             <p:nvSpPr>
               <p:cNvPr id="7" name="文本框 6">
@@ -3771,8 +3782,8 @@
           </p:sp>
         </mc:Fallback>
       </mc:AlternateContent>
-      <mc:AlternateContent xmlns:mc="http://schemas.openxmlformats.org/markup-compatibility/2006">
-        <mc:Choice xmlns:a14="http://schemas.microsoft.com/office/drawing/2010/main" Requires="a14">
+      <mc:AlternateContent xmlns:mc="http://schemas.openxmlformats.org/markup-compatibility/2006" xmlns:a14="http://schemas.microsoft.com/office/drawing/2010/main">
+        <mc:Choice Requires="a14">
           <p:sp>
             <p:nvSpPr>
               <p:cNvPr id="8" name="文本框 7">
@@ -3801,6 +3812,7 @@
               </a:bodyPr>
               <a:lstStyle/>
               <a:p>
+                <a:pPr/>
                 <a14:m>
                   <m:oMathPara xmlns:m="http://schemas.openxmlformats.org/officeDocument/2006/math">
                     <m:oMathParaPr>
@@ -3852,7 +3864,7 @@
             </p:txBody>
           </p:sp>
         </mc:Choice>
-        <mc:Fallback>
+        <mc:Fallback xmlns="">
           <p:sp>
             <p:nvSpPr>
               <p:cNvPr id="8" name="文本框 7">
@@ -3897,8 +3909,8 @@
           </p:sp>
         </mc:Fallback>
       </mc:AlternateContent>
-      <mc:AlternateContent xmlns:mc="http://schemas.openxmlformats.org/markup-compatibility/2006">
-        <mc:Choice xmlns:a14="http://schemas.microsoft.com/office/drawing/2010/main" Requires="a14">
+      <mc:AlternateContent xmlns:mc="http://schemas.openxmlformats.org/markup-compatibility/2006" xmlns:a14="http://schemas.microsoft.com/office/drawing/2010/main">
+        <mc:Choice Requires="a14">
           <p:sp>
             <p:nvSpPr>
               <p:cNvPr id="9" name="文本框 8">
@@ -3927,6 +3939,7 @@
               </a:bodyPr>
               <a:lstStyle/>
               <a:p>
+                <a:pPr/>
                 <a14:m>
                   <m:oMathPara xmlns:m="http://schemas.openxmlformats.org/officeDocument/2006/math">
                     <m:oMathParaPr>
@@ -3978,7 +3991,7 @@
             </p:txBody>
           </p:sp>
         </mc:Choice>
-        <mc:Fallback>
+        <mc:Fallback xmlns="">
           <p:sp>
             <p:nvSpPr>
               <p:cNvPr id="9" name="文本框 8">
@@ -4023,8 +4036,8 @@
           </p:sp>
         </mc:Fallback>
       </mc:AlternateContent>
-      <mc:AlternateContent xmlns:mc="http://schemas.openxmlformats.org/markup-compatibility/2006">
-        <mc:Choice xmlns:a14="http://schemas.microsoft.com/office/drawing/2010/main" Requires="a14">
+      <mc:AlternateContent xmlns:mc="http://schemas.openxmlformats.org/markup-compatibility/2006" xmlns:a14="http://schemas.microsoft.com/office/drawing/2010/main">
+        <mc:Choice Requires="a14">
           <p:sp>
             <p:nvSpPr>
               <p:cNvPr id="10" name="文本框 9">
@@ -4053,6 +4066,7 @@
               </a:bodyPr>
               <a:lstStyle/>
               <a:p>
+                <a:pPr/>
                 <a14:m>
                   <m:oMathPara xmlns:m="http://schemas.openxmlformats.org/officeDocument/2006/math">
                     <m:oMathParaPr>
@@ -4092,7 +4106,7 @@
             </p:txBody>
           </p:sp>
         </mc:Choice>
-        <mc:Fallback>
+        <mc:Fallback xmlns="">
           <p:sp>
             <p:nvSpPr>
               <p:cNvPr id="10" name="文本框 9">
@@ -4137,8 +4151,8 @@
           </p:sp>
         </mc:Fallback>
       </mc:AlternateContent>
-      <mc:AlternateContent xmlns:mc="http://schemas.openxmlformats.org/markup-compatibility/2006">
-        <mc:Choice xmlns:a14="http://schemas.microsoft.com/office/drawing/2010/main" Requires="a14">
+      <mc:AlternateContent xmlns:mc="http://schemas.openxmlformats.org/markup-compatibility/2006" xmlns:a14="http://schemas.microsoft.com/office/drawing/2010/main">
+        <mc:Choice Requires="a14">
           <p:sp>
             <p:nvSpPr>
               <p:cNvPr id="11" name="文本框 10">
@@ -4167,6 +4181,7 @@
               </a:bodyPr>
               <a:lstStyle/>
               <a:p>
+                <a:pPr/>
                 <a14:m>
                   <m:oMathPara xmlns:m="http://schemas.openxmlformats.org/officeDocument/2006/math">
                     <m:oMathParaPr>
@@ -4187,7 +4202,7 @@
             </p:txBody>
           </p:sp>
         </mc:Choice>
-        <mc:Fallback>
+        <mc:Fallback xmlns="">
           <p:sp>
             <p:nvSpPr>
               <p:cNvPr id="11" name="文本框 10">
@@ -4232,8 +4247,8 @@
           </p:sp>
         </mc:Fallback>
       </mc:AlternateContent>
-      <mc:AlternateContent xmlns:mc="http://schemas.openxmlformats.org/markup-compatibility/2006">
-        <mc:Choice xmlns:a14="http://schemas.microsoft.com/office/drawing/2010/main" Requires="a14">
+      <mc:AlternateContent xmlns:mc="http://schemas.openxmlformats.org/markup-compatibility/2006" xmlns:a14="http://schemas.microsoft.com/office/drawing/2010/main">
+        <mc:Choice Requires="a14">
           <p:sp>
             <p:nvSpPr>
               <p:cNvPr id="12" name="文本框 11">
@@ -4262,6 +4277,7 @@
               </a:bodyPr>
               <a:lstStyle/>
               <a:p>
+                <a:pPr/>
                 <a14:m>
                   <m:oMathPara xmlns:m="http://schemas.openxmlformats.org/officeDocument/2006/math">
                     <m:oMathParaPr>
@@ -4301,7 +4317,7 @@
             </p:txBody>
           </p:sp>
         </mc:Choice>
-        <mc:Fallback>
+        <mc:Fallback xmlns="">
           <p:sp>
             <p:nvSpPr>
               <p:cNvPr id="12" name="文本框 11">
@@ -4389,8 +4405,8 @@
           </a:fontRef>
         </p:style>
       </p:cxnSp>
-      <mc:AlternateContent xmlns:mc="http://schemas.openxmlformats.org/markup-compatibility/2006">
-        <mc:Choice xmlns:a14="http://schemas.microsoft.com/office/drawing/2010/main" Requires="a14">
+      <mc:AlternateContent xmlns:mc="http://schemas.openxmlformats.org/markup-compatibility/2006" xmlns:a14="http://schemas.microsoft.com/office/drawing/2010/main">
+        <mc:Choice Requires="a14">
           <p:sp>
             <p:nvSpPr>
               <p:cNvPr id="17" name="文本框 16">
@@ -4419,6 +4435,7 @@
               </a:bodyPr>
               <a:lstStyle/>
               <a:p>
+                <a:pPr/>
                 <a14:m>
                   <m:oMathPara xmlns:m="http://schemas.openxmlformats.org/officeDocument/2006/math">
                     <m:oMathParaPr>
@@ -4489,7 +4506,7 @@
             </p:txBody>
           </p:sp>
         </mc:Choice>
-        <mc:Fallback>
+        <mc:Fallback xmlns="">
           <p:sp>
             <p:nvSpPr>
               <p:cNvPr id="17" name="文本框 16">
@@ -4534,8 +4551,8 @@
           </p:sp>
         </mc:Fallback>
       </mc:AlternateContent>
-      <mc:AlternateContent xmlns:mc="http://schemas.openxmlformats.org/markup-compatibility/2006">
-        <mc:Choice xmlns:a14="http://schemas.microsoft.com/office/drawing/2010/main" Requires="a14">
+      <mc:AlternateContent xmlns:mc="http://schemas.openxmlformats.org/markup-compatibility/2006" xmlns:a14="http://schemas.microsoft.com/office/drawing/2010/main">
+        <mc:Choice Requires="a14">
           <p:sp>
             <p:nvSpPr>
               <p:cNvPr id="18" name="文本框 17">
@@ -4564,6 +4581,7 @@
               </a:bodyPr>
               <a:lstStyle/>
               <a:p>
+                <a:pPr/>
                 <a14:m>
                   <m:oMathPara xmlns:m="http://schemas.openxmlformats.org/officeDocument/2006/math">
                     <m:oMathParaPr>
@@ -4660,7 +4678,7 @@
             </p:txBody>
           </p:sp>
         </mc:Choice>
-        <mc:Fallback>
+        <mc:Fallback xmlns="">
           <p:sp>
             <p:nvSpPr>
               <p:cNvPr id="18" name="文本框 17">
@@ -4705,8 +4723,8 @@
           </p:sp>
         </mc:Fallback>
       </mc:AlternateContent>
-      <mc:AlternateContent xmlns:mc="http://schemas.openxmlformats.org/markup-compatibility/2006">
-        <mc:Choice xmlns:a14="http://schemas.microsoft.com/office/drawing/2010/main" Requires="a14">
+      <mc:AlternateContent xmlns:mc="http://schemas.openxmlformats.org/markup-compatibility/2006" xmlns:a14="http://schemas.microsoft.com/office/drawing/2010/main">
+        <mc:Choice Requires="a14">
           <p:sp>
             <p:nvSpPr>
               <p:cNvPr id="19" name="文本框 18">
@@ -4735,6 +4753,7 @@
               </a:bodyPr>
               <a:lstStyle/>
               <a:p>
+                <a:pPr/>
                 <a14:m>
                   <m:oMathPara xmlns:m="http://schemas.openxmlformats.org/officeDocument/2006/math">
                     <m:oMathParaPr>
@@ -4831,7 +4850,7 @@
             </p:txBody>
           </p:sp>
         </mc:Choice>
-        <mc:Fallback>
+        <mc:Fallback xmlns="">
           <p:sp>
             <p:nvSpPr>
               <p:cNvPr id="19" name="文本框 18">
@@ -4876,8 +4895,8 @@
           </p:sp>
         </mc:Fallback>
       </mc:AlternateContent>
-      <mc:AlternateContent xmlns:mc="http://schemas.openxmlformats.org/markup-compatibility/2006">
-        <mc:Choice xmlns:a14="http://schemas.microsoft.com/office/drawing/2010/main" Requires="a14">
+      <mc:AlternateContent xmlns:mc="http://schemas.openxmlformats.org/markup-compatibility/2006" xmlns:a14="http://schemas.microsoft.com/office/drawing/2010/main">
+        <mc:Choice Requires="a14">
           <p:sp>
             <p:nvSpPr>
               <p:cNvPr id="20" name="文本框 19">
@@ -4906,6 +4925,7 @@
               </a:bodyPr>
               <a:lstStyle/>
               <a:p>
+                <a:pPr/>
                 <a14:m>
                   <m:oMathPara xmlns:m="http://schemas.openxmlformats.org/officeDocument/2006/math">
                     <m:oMathParaPr>
@@ -5002,7 +5022,7 @@
             </p:txBody>
           </p:sp>
         </mc:Choice>
-        <mc:Fallback>
+        <mc:Fallback xmlns="">
           <p:sp>
             <p:nvSpPr>
               <p:cNvPr id="20" name="文本框 19">
@@ -5642,8 +5662,8 @@
           </a:p>
         </p:txBody>
       </p:sp>
-      <mc:AlternateContent xmlns:mc="http://schemas.openxmlformats.org/markup-compatibility/2006">
-        <mc:Choice xmlns:a14="http://schemas.microsoft.com/office/drawing/2010/main" Requires="a14">
+      <mc:AlternateContent xmlns:mc="http://schemas.openxmlformats.org/markup-compatibility/2006" xmlns:a14="http://schemas.microsoft.com/office/drawing/2010/main">
+        <mc:Choice Requires="a14">
           <p:sp>
             <p:nvSpPr>
               <p:cNvPr id="49" name="文本框 48">
@@ -5698,7 +5718,7 @@
             </p:txBody>
           </p:sp>
         </mc:Choice>
-        <mc:Fallback>
+        <mc:Fallback xmlns="">
           <p:sp>
             <p:nvSpPr>
               <p:cNvPr id="49" name="文本框 48">
@@ -5863,8 +5883,8 @@
           <a:chExt cx="0" cy="0"/>
         </a:xfrm>
       </p:grpSpPr>
-      <mc:AlternateContent xmlns:mc="http://schemas.openxmlformats.org/markup-compatibility/2006">
-        <mc:Choice xmlns:a14="http://schemas.microsoft.com/office/drawing/2010/main" Requires="a14">
+      <mc:AlternateContent xmlns:mc="http://schemas.openxmlformats.org/markup-compatibility/2006" xmlns:a14="http://schemas.microsoft.com/office/drawing/2010/main">
+        <mc:Choice Requires="a14">
           <p:sp>
             <p:nvSpPr>
               <p:cNvPr id="4" name="文本框 3">
@@ -5893,6 +5913,7 @@
               </a:bodyPr>
               <a:lstStyle/>
               <a:p>
+                <a:pPr/>
                 <a14:m>
                   <m:oMathPara xmlns:m="http://schemas.openxmlformats.org/officeDocument/2006/math">
                     <m:oMathParaPr>
@@ -5913,7 +5934,7 @@
             </p:txBody>
           </p:sp>
         </mc:Choice>
-        <mc:Fallback>
+        <mc:Fallback xmlns="">
           <p:sp>
             <p:nvSpPr>
               <p:cNvPr id="4" name="文本框 3">
@@ -5958,8 +5979,8 @@
           </p:sp>
         </mc:Fallback>
       </mc:AlternateContent>
-      <mc:AlternateContent xmlns:mc="http://schemas.openxmlformats.org/markup-compatibility/2006">
-        <mc:Choice xmlns:a14="http://schemas.microsoft.com/office/drawing/2010/main" Requires="a14">
+      <mc:AlternateContent xmlns:mc="http://schemas.openxmlformats.org/markup-compatibility/2006" xmlns:a14="http://schemas.microsoft.com/office/drawing/2010/main">
+        <mc:Choice Requires="a14">
           <p:sp>
             <p:nvSpPr>
               <p:cNvPr id="5" name="文本框 4">
@@ -5988,6 +6009,7 @@
               </a:bodyPr>
               <a:lstStyle/>
               <a:p>
+                <a:pPr/>
                 <a14:m>
                   <m:oMathPara xmlns:m="http://schemas.openxmlformats.org/officeDocument/2006/math">
                     <m:oMathParaPr>
@@ -6027,7 +6049,7 @@
             </p:txBody>
           </p:sp>
         </mc:Choice>
-        <mc:Fallback>
+        <mc:Fallback xmlns="">
           <p:sp>
             <p:nvSpPr>
               <p:cNvPr id="5" name="文本框 4">
@@ -6072,8 +6094,8 @@
           </p:sp>
         </mc:Fallback>
       </mc:AlternateContent>
-      <mc:AlternateContent xmlns:mc="http://schemas.openxmlformats.org/markup-compatibility/2006">
-        <mc:Choice xmlns:a14="http://schemas.microsoft.com/office/drawing/2010/main" Requires="a14">
+      <mc:AlternateContent xmlns:mc="http://schemas.openxmlformats.org/markup-compatibility/2006" xmlns:a14="http://schemas.microsoft.com/office/drawing/2010/main">
+        <mc:Choice Requires="a14">
           <p:sp>
             <p:nvSpPr>
               <p:cNvPr id="6" name="文本框 5">
@@ -6102,6 +6124,7 @@
               </a:bodyPr>
               <a:lstStyle/>
               <a:p>
+                <a:pPr/>
                 <a14:m>
                   <m:oMathPara xmlns:m="http://schemas.openxmlformats.org/officeDocument/2006/math">
                     <m:oMathParaPr>
@@ -6153,7 +6176,7 @@
             </p:txBody>
           </p:sp>
         </mc:Choice>
-        <mc:Fallback>
+        <mc:Fallback xmlns="">
           <p:sp>
             <p:nvSpPr>
               <p:cNvPr id="6" name="文本框 5">
@@ -6198,8 +6221,8 @@
           </p:sp>
         </mc:Fallback>
       </mc:AlternateContent>
-      <mc:AlternateContent xmlns:mc="http://schemas.openxmlformats.org/markup-compatibility/2006">
-        <mc:Choice xmlns:a14="http://schemas.microsoft.com/office/drawing/2010/main" Requires="a14">
+      <mc:AlternateContent xmlns:mc="http://schemas.openxmlformats.org/markup-compatibility/2006" xmlns:a14="http://schemas.microsoft.com/office/drawing/2010/main">
+        <mc:Choice Requires="a14">
           <p:sp>
             <p:nvSpPr>
               <p:cNvPr id="7" name="文本框 6">
@@ -6228,6 +6251,7 @@
               </a:bodyPr>
               <a:lstStyle/>
               <a:p>
+                <a:pPr/>
                 <a14:m>
                   <m:oMathPara xmlns:m="http://schemas.openxmlformats.org/officeDocument/2006/math">
                     <m:oMathParaPr>
@@ -6267,7 +6291,7 @@
             </p:txBody>
           </p:sp>
         </mc:Choice>
-        <mc:Fallback>
+        <mc:Fallback xmlns="">
           <p:sp>
             <p:nvSpPr>
               <p:cNvPr id="7" name="文本框 6">
@@ -6312,8 +6336,8 @@
           </p:sp>
         </mc:Fallback>
       </mc:AlternateContent>
-      <mc:AlternateContent xmlns:mc="http://schemas.openxmlformats.org/markup-compatibility/2006">
-        <mc:Choice xmlns:a14="http://schemas.microsoft.com/office/drawing/2010/main" Requires="a14">
+      <mc:AlternateContent xmlns:mc="http://schemas.openxmlformats.org/markup-compatibility/2006" xmlns:a14="http://schemas.microsoft.com/office/drawing/2010/main">
+        <mc:Choice Requires="a14">
           <p:sp>
             <p:nvSpPr>
               <p:cNvPr id="8" name="文本框 7">
@@ -6342,6 +6366,7 @@
               </a:bodyPr>
               <a:lstStyle/>
               <a:p>
+                <a:pPr/>
                 <a14:m>
                   <m:oMathPara xmlns:m="http://schemas.openxmlformats.org/officeDocument/2006/math">
                     <m:oMathParaPr>
@@ -6393,7 +6418,7 @@
             </p:txBody>
           </p:sp>
         </mc:Choice>
-        <mc:Fallback>
+        <mc:Fallback xmlns="">
           <p:sp>
             <p:nvSpPr>
               <p:cNvPr id="8" name="文本框 7">
@@ -6438,8 +6463,8 @@
           </p:sp>
         </mc:Fallback>
       </mc:AlternateContent>
-      <mc:AlternateContent xmlns:mc="http://schemas.openxmlformats.org/markup-compatibility/2006">
-        <mc:Choice xmlns:a14="http://schemas.microsoft.com/office/drawing/2010/main" Requires="a14">
+      <mc:AlternateContent xmlns:mc="http://schemas.openxmlformats.org/markup-compatibility/2006" xmlns:a14="http://schemas.microsoft.com/office/drawing/2010/main">
+        <mc:Choice Requires="a14">
           <p:sp>
             <p:nvSpPr>
               <p:cNvPr id="9" name="文本框 8">
@@ -6468,6 +6493,7 @@
               </a:bodyPr>
               <a:lstStyle/>
               <a:p>
+                <a:pPr/>
                 <a14:m>
                   <m:oMathPara xmlns:m="http://schemas.openxmlformats.org/officeDocument/2006/math">
                     <m:oMathParaPr>
@@ -6519,7 +6545,7 @@
             </p:txBody>
           </p:sp>
         </mc:Choice>
-        <mc:Fallback>
+        <mc:Fallback xmlns="">
           <p:sp>
             <p:nvSpPr>
               <p:cNvPr id="9" name="文本框 8">
@@ -6564,8 +6590,8 @@
           </p:sp>
         </mc:Fallback>
       </mc:AlternateContent>
-      <mc:AlternateContent xmlns:mc="http://schemas.openxmlformats.org/markup-compatibility/2006">
-        <mc:Choice xmlns:a14="http://schemas.microsoft.com/office/drawing/2010/main" Requires="a14">
+      <mc:AlternateContent xmlns:mc="http://schemas.openxmlformats.org/markup-compatibility/2006" xmlns:a14="http://schemas.microsoft.com/office/drawing/2010/main">
+        <mc:Choice Requires="a14">
           <p:sp>
             <p:nvSpPr>
               <p:cNvPr id="10" name="文本框 9">
@@ -6594,6 +6620,7 @@
               </a:bodyPr>
               <a:lstStyle/>
               <a:p>
+                <a:pPr/>
                 <a14:m>
                   <m:oMathPara xmlns:m="http://schemas.openxmlformats.org/officeDocument/2006/math">
                     <m:oMathParaPr>
@@ -6633,7 +6660,7 @@
             </p:txBody>
           </p:sp>
         </mc:Choice>
-        <mc:Fallback>
+        <mc:Fallback xmlns="">
           <p:sp>
             <p:nvSpPr>
               <p:cNvPr id="10" name="文本框 9">
@@ -6678,8 +6705,8 @@
           </p:sp>
         </mc:Fallback>
       </mc:AlternateContent>
-      <mc:AlternateContent xmlns:mc="http://schemas.openxmlformats.org/markup-compatibility/2006">
-        <mc:Choice xmlns:a14="http://schemas.microsoft.com/office/drawing/2010/main" Requires="a14">
+      <mc:AlternateContent xmlns:mc="http://schemas.openxmlformats.org/markup-compatibility/2006" xmlns:a14="http://schemas.microsoft.com/office/drawing/2010/main">
+        <mc:Choice Requires="a14">
           <p:sp>
             <p:nvSpPr>
               <p:cNvPr id="12" name="文本框 11">
@@ -6708,6 +6735,7 @@
               </a:bodyPr>
               <a:lstStyle/>
               <a:p>
+                <a:pPr/>
                 <a14:m>
                   <m:oMathPara xmlns:m="http://schemas.openxmlformats.org/officeDocument/2006/math">
                     <m:oMathParaPr>
@@ -6747,7 +6775,7 @@
             </p:txBody>
           </p:sp>
         </mc:Choice>
-        <mc:Fallback>
+        <mc:Fallback xmlns="">
           <p:sp>
             <p:nvSpPr>
               <p:cNvPr id="12" name="文本框 11">
@@ -7345,8 +7373,8 @@
           </a:p>
         </p:txBody>
       </p:sp>
-      <mc:AlternateContent xmlns:mc="http://schemas.openxmlformats.org/markup-compatibility/2006">
-        <mc:Choice xmlns:a14="http://schemas.microsoft.com/office/drawing/2010/main" Requires="a14">
+      <mc:AlternateContent xmlns:mc="http://schemas.openxmlformats.org/markup-compatibility/2006" xmlns:a14="http://schemas.microsoft.com/office/drawing/2010/main">
+        <mc:Choice Requires="a14">
           <p:sp>
             <p:nvSpPr>
               <p:cNvPr id="49" name="文本框 48">
@@ -7401,7 +7429,7 @@
             </p:txBody>
           </p:sp>
         </mc:Choice>
-        <mc:Fallback>
+        <mc:Fallback xmlns="">
           <p:sp>
             <p:nvSpPr>
               <p:cNvPr id="49" name="文本框 48">
@@ -7530,8 +7558,8 @@
           </a:p>
         </p:txBody>
       </p:sp>
-      <mc:AlternateContent xmlns:mc="http://schemas.openxmlformats.org/markup-compatibility/2006">
-        <mc:Choice xmlns:a14="http://schemas.microsoft.com/office/drawing/2010/main" Requires="a14">
+      <mc:AlternateContent xmlns:mc="http://schemas.openxmlformats.org/markup-compatibility/2006" xmlns:a14="http://schemas.microsoft.com/office/drawing/2010/main">
+        <mc:Choice Requires="a14">
           <p:sp>
             <p:nvSpPr>
               <p:cNvPr id="13" name="文本框 12">
@@ -7560,6 +7588,7 @@
               </a:bodyPr>
               <a:lstStyle/>
               <a:p>
+                <a:pPr/>
                 <a14:m>
                   <m:oMathPara xmlns:m="http://schemas.openxmlformats.org/officeDocument/2006/math">
                     <m:oMathParaPr>
@@ -7611,7 +7640,7 @@
             </p:txBody>
           </p:sp>
         </mc:Choice>
-        <mc:Fallback>
+        <mc:Fallback xmlns="">
           <p:sp>
             <p:nvSpPr>
               <p:cNvPr id="13" name="文本框 12">
@@ -7745,6 +7774,6299 @@
     <p:extLst>
       <p:ext uri="{BB962C8B-B14F-4D97-AF65-F5344CB8AC3E}">
         <p14:creationId xmlns:p14="http://schemas.microsoft.com/office/powerpoint/2010/main" val="3272529271"/>
+      </p:ext>
+    </p:extLst>
+  </p:cSld>
+  <p:clrMapOvr>
+    <a:masterClrMapping/>
+  </p:clrMapOvr>
+</p:sld>
+</file>
+
+<file path=ppt/slides/slide3.xml><?xml version="1.0" encoding="utf-8"?>
+<p:sld xmlns:a="http://schemas.openxmlformats.org/drawingml/2006/main" xmlns:r="http://schemas.openxmlformats.org/officeDocument/2006/relationships" xmlns:p="http://schemas.openxmlformats.org/presentationml/2006/main">
+  <p:cSld>
+    <p:spTree>
+      <p:nvGrpSpPr>
+        <p:cNvPr id="1" name=""/>
+        <p:cNvGrpSpPr/>
+        <p:nvPr/>
+      </p:nvGrpSpPr>
+      <p:grpSpPr>
+        <a:xfrm>
+          <a:off x="0" y="0"/>
+          <a:ext cx="0" cy="0"/>
+          <a:chOff x="0" y="0"/>
+          <a:chExt cx="0" cy="0"/>
+        </a:xfrm>
+      </p:grpSpPr>
+      <p:graphicFrame>
+        <p:nvGraphicFramePr>
+          <p:cNvPr id="4" name="表格 3">
+            <a:extLst>
+              <a:ext uri="{FF2B5EF4-FFF2-40B4-BE49-F238E27FC236}">
+                <a16:creationId xmlns:a16="http://schemas.microsoft.com/office/drawing/2014/main" id="{E9819346-BEE2-8251-A406-29924E74C254}"/>
+              </a:ext>
+            </a:extLst>
+          </p:cNvPr>
+          <p:cNvGraphicFramePr>
+            <a:graphicFrameLocks noGrp="1"/>
+          </p:cNvGraphicFramePr>
+          <p:nvPr>
+            <p:extLst>
+              <p:ext uri="{D42A27DB-BD31-4B8C-83A1-F6EECF244321}">
+                <p14:modId xmlns:p14="http://schemas.microsoft.com/office/powerpoint/2010/main" val="226367451"/>
+              </p:ext>
+            </p:extLst>
+          </p:nvPr>
+        </p:nvGraphicFramePr>
+        <p:xfrm>
+          <a:off x="376238" y="897463"/>
+          <a:ext cx="4267200" cy="4282019"/>
+        </p:xfrm>
+        <a:graphic>
+          <a:graphicData uri="http://schemas.openxmlformats.org/drawingml/2006/table">
+            <a:tbl>
+              <a:tblPr firstRow="1" bandRow="1">
+                <a:tableStyleId>{5C22544A-7EE6-4342-B048-85BDC9FD1C3A}</a:tableStyleId>
+              </a:tblPr>
+              <a:tblGrid>
+                <a:gridCol w="609600">
+                  <a:extLst>
+                    <a:ext uri="{9D8B030D-6E8A-4147-A177-3AD203B41FA5}">
+                      <a16:colId xmlns:a16="http://schemas.microsoft.com/office/drawing/2014/main" val="2052738748"/>
+                    </a:ext>
+                  </a:extLst>
+                </a:gridCol>
+                <a:gridCol w="609600">
+                  <a:extLst>
+                    <a:ext uri="{9D8B030D-6E8A-4147-A177-3AD203B41FA5}">
+                      <a16:colId xmlns:a16="http://schemas.microsoft.com/office/drawing/2014/main" val="1500165287"/>
+                    </a:ext>
+                  </a:extLst>
+                </a:gridCol>
+                <a:gridCol w="609600">
+                  <a:extLst>
+                    <a:ext uri="{9D8B030D-6E8A-4147-A177-3AD203B41FA5}">
+                      <a16:colId xmlns:a16="http://schemas.microsoft.com/office/drawing/2014/main" val="2267750499"/>
+                    </a:ext>
+                  </a:extLst>
+                </a:gridCol>
+                <a:gridCol w="609600">
+                  <a:extLst>
+                    <a:ext uri="{9D8B030D-6E8A-4147-A177-3AD203B41FA5}">
+                      <a16:colId xmlns:a16="http://schemas.microsoft.com/office/drawing/2014/main" val="3206999951"/>
+                    </a:ext>
+                  </a:extLst>
+                </a:gridCol>
+                <a:gridCol w="609600">
+                  <a:extLst>
+                    <a:ext uri="{9D8B030D-6E8A-4147-A177-3AD203B41FA5}">
+                      <a16:colId xmlns:a16="http://schemas.microsoft.com/office/drawing/2014/main" val="1815613397"/>
+                    </a:ext>
+                  </a:extLst>
+                </a:gridCol>
+                <a:gridCol w="609600">
+                  <a:extLst>
+                    <a:ext uri="{9D8B030D-6E8A-4147-A177-3AD203B41FA5}">
+                      <a16:colId xmlns:a16="http://schemas.microsoft.com/office/drawing/2014/main" val="139942101"/>
+                    </a:ext>
+                  </a:extLst>
+                </a:gridCol>
+                <a:gridCol w="609600">
+                  <a:extLst>
+                    <a:ext uri="{9D8B030D-6E8A-4147-A177-3AD203B41FA5}">
+                      <a16:colId xmlns:a16="http://schemas.microsoft.com/office/drawing/2014/main" val="1717705308"/>
+                    </a:ext>
+                  </a:extLst>
+                </a:gridCol>
+              </a:tblGrid>
+              <a:tr h="611717">
+                <a:tc>
+                  <a:txBody>
+                    <a:bodyPr/>
+                    <a:lstStyle/>
+                    <a:p>
+                      <a:endParaRPr lang="zh-CN" altLang="en-US" dirty="0"/>
+                    </a:p>
+                  </a:txBody>
+                  <a:tcPr>
+                    <a:lnL w="12700" cap="flat" cmpd="sng" algn="ctr">
+                      <a:solidFill>
+                        <a:schemeClr val="tx1"/>
+                      </a:solidFill>
+                      <a:prstDash val="solid"/>
+                      <a:round/>
+                      <a:headEnd type="none" w="med" len="med"/>
+                      <a:tailEnd type="none" w="med" len="med"/>
+                    </a:lnL>
+                    <a:lnR w="12700" cap="flat" cmpd="sng" algn="ctr">
+                      <a:solidFill>
+                        <a:schemeClr val="tx1"/>
+                      </a:solidFill>
+                      <a:prstDash val="solid"/>
+                      <a:round/>
+                      <a:headEnd type="none" w="med" len="med"/>
+                      <a:tailEnd type="none" w="med" len="med"/>
+                    </a:lnR>
+                    <a:lnT w="12700" cap="flat" cmpd="sng" algn="ctr">
+                      <a:solidFill>
+                        <a:schemeClr val="tx1"/>
+                      </a:solidFill>
+                      <a:prstDash val="solid"/>
+                      <a:round/>
+                      <a:headEnd type="none" w="med" len="med"/>
+                      <a:tailEnd type="none" w="med" len="med"/>
+                    </a:lnT>
+                    <a:lnB w="12700" cap="flat" cmpd="sng" algn="ctr">
+                      <a:solidFill>
+                        <a:schemeClr val="tx1"/>
+                      </a:solidFill>
+                      <a:prstDash val="solid"/>
+                      <a:round/>
+                      <a:headEnd type="none" w="med" len="med"/>
+                      <a:tailEnd type="none" w="med" len="med"/>
+                    </a:lnB>
+                    <a:solidFill>
+                      <a:schemeClr val="tx2">
+                        <a:lumMod val="10000"/>
+                        <a:lumOff val="90000"/>
+                      </a:schemeClr>
+                    </a:solidFill>
+                  </a:tcPr>
+                </a:tc>
+                <a:tc>
+                  <a:txBody>
+                    <a:bodyPr/>
+                    <a:lstStyle/>
+                    <a:p>
+                      <a:endParaRPr lang="zh-CN" altLang="en-US" dirty="0"/>
+                    </a:p>
+                  </a:txBody>
+                  <a:tcPr>
+                    <a:lnL w="12700" cap="flat" cmpd="sng" algn="ctr">
+                      <a:solidFill>
+                        <a:schemeClr val="tx1"/>
+                      </a:solidFill>
+                      <a:prstDash val="solid"/>
+                      <a:round/>
+                      <a:headEnd type="none" w="med" len="med"/>
+                      <a:tailEnd type="none" w="med" len="med"/>
+                    </a:lnL>
+                    <a:lnR w="12700" cap="flat" cmpd="sng" algn="ctr">
+                      <a:solidFill>
+                        <a:schemeClr val="tx1"/>
+                      </a:solidFill>
+                      <a:prstDash val="solid"/>
+                      <a:round/>
+                      <a:headEnd type="none" w="med" len="med"/>
+                      <a:tailEnd type="none" w="med" len="med"/>
+                    </a:lnR>
+                    <a:lnT w="12700" cap="flat" cmpd="sng" algn="ctr">
+                      <a:solidFill>
+                        <a:schemeClr val="tx1"/>
+                      </a:solidFill>
+                      <a:prstDash val="solid"/>
+                      <a:round/>
+                      <a:headEnd type="none" w="med" len="med"/>
+                      <a:tailEnd type="none" w="med" len="med"/>
+                    </a:lnT>
+                    <a:lnB w="12700" cap="flat" cmpd="sng" algn="ctr">
+                      <a:solidFill>
+                        <a:schemeClr val="tx1"/>
+                      </a:solidFill>
+                      <a:prstDash val="solid"/>
+                      <a:round/>
+                      <a:headEnd type="none" w="med" len="med"/>
+                      <a:tailEnd type="none" w="med" len="med"/>
+                    </a:lnB>
+                    <a:solidFill>
+                      <a:schemeClr val="tx2">
+                        <a:lumMod val="10000"/>
+                        <a:lumOff val="90000"/>
+                      </a:schemeClr>
+                    </a:solidFill>
+                  </a:tcPr>
+                </a:tc>
+                <a:tc>
+                  <a:txBody>
+                    <a:bodyPr/>
+                    <a:lstStyle/>
+                    <a:p>
+                      <a:endParaRPr lang="zh-CN" altLang="en-US"/>
+                    </a:p>
+                  </a:txBody>
+                  <a:tcPr>
+                    <a:lnL w="12700" cap="flat" cmpd="sng" algn="ctr">
+                      <a:solidFill>
+                        <a:schemeClr val="tx1"/>
+                      </a:solidFill>
+                      <a:prstDash val="solid"/>
+                      <a:round/>
+                      <a:headEnd type="none" w="med" len="med"/>
+                      <a:tailEnd type="none" w="med" len="med"/>
+                    </a:lnL>
+                    <a:lnR w="12700" cap="flat" cmpd="sng" algn="ctr">
+                      <a:solidFill>
+                        <a:schemeClr val="tx1"/>
+                      </a:solidFill>
+                      <a:prstDash val="solid"/>
+                      <a:round/>
+                      <a:headEnd type="none" w="med" len="med"/>
+                      <a:tailEnd type="none" w="med" len="med"/>
+                    </a:lnR>
+                    <a:lnT w="12700" cap="flat" cmpd="sng" algn="ctr">
+                      <a:solidFill>
+                        <a:schemeClr val="tx1"/>
+                      </a:solidFill>
+                      <a:prstDash val="solid"/>
+                      <a:round/>
+                      <a:headEnd type="none" w="med" len="med"/>
+                      <a:tailEnd type="none" w="med" len="med"/>
+                    </a:lnT>
+                    <a:lnB w="12700" cap="flat" cmpd="sng" algn="ctr">
+                      <a:solidFill>
+                        <a:schemeClr val="tx1"/>
+                      </a:solidFill>
+                      <a:prstDash val="solid"/>
+                      <a:round/>
+                      <a:headEnd type="none" w="med" len="med"/>
+                      <a:tailEnd type="none" w="med" len="med"/>
+                    </a:lnB>
+                    <a:solidFill>
+                      <a:schemeClr val="bg2">
+                        <a:lumMod val="90000"/>
+                      </a:schemeClr>
+                    </a:solidFill>
+                  </a:tcPr>
+                </a:tc>
+                <a:tc>
+                  <a:txBody>
+                    <a:bodyPr/>
+                    <a:lstStyle/>
+                    <a:p>
+                      <a:endParaRPr lang="zh-CN" altLang="en-US"/>
+                    </a:p>
+                  </a:txBody>
+                  <a:tcPr>
+                    <a:lnL w="12700" cap="flat" cmpd="sng" algn="ctr">
+                      <a:solidFill>
+                        <a:schemeClr val="tx1"/>
+                      </a:solidFill>
+                      <a:prstDash val="solid"/>
+                      <a:round/>
+                      <a:headEnd type="none" w="med" len="med"/>
+                      <a:tailEnd type="none" w="med" len="med"/>
+                    </a:lnL>
+                    <a:lnR w="12700" cap="flat" cmpd="sng" algn="ctr">
+                      <a:solidFill>
+                        <a:schemeClr val="tx1"/>
+                      </a:solidFill>
+                      <a:prstDash val="solid"/>
+                      <a:round/>
+                      <a:headEnd type="none" w="med" len="med"/>
+                      <a:tailEnd type="none" w="med" len="med"/>
+                    </a:lnR>
+                    <a:lnT w="12700" cap="flat" cmpd="sng" algn="ctr">
+                      <a:solidFill>
+                        <a:schemeClr val="tx1"/>
+                      </a:solidFill>
+                      <a:prstDash val="solid"/>
+                      <a:round/>
+                      <a:headEnd type="none" w="med" len="med"/>
+                      <a:tailEnd type="none" w="med" len="med"/>
+                    </a:lnT>
+                    <a:lnB w="12700" cap="flat" cmpd="sng" algn="ctr">
+                      <a:solidFill>
+                        <a:schemeClr val="tx1"/>
+                      </a:solidFill>
+                      <a:prstDash val="solid"/>
+                      <a:round/>
+                      <a:headEnd type="none" w="med" len="med"/>
+                      <a:tailEnd type="none" w="med" len="med"/>
+                    </a:lnB>
+                    <a:solidFill>
+                      <a:schemeClr val="bg2">
+                        <a:lumMod val="90000"/>
+                      </a:schemeClr>
+                    </a:solidFill>
+                  </a:tcPr>
+                </a:tc>
+                <a:tc>
+                  <a:txBody>
+                    <a:bodyPr/>
+                    <a:lstStyle/>
+                    <a:p>
+                      <a:endParaRPr lang="zh-CN" altLang="en-US"/>
+                    </a:p>
+                  </a:txBody>
+                  <a:tcPr>
+                    <a:lnL w="12700" cap="flat" cmpd="sng" algn="ctr">
+                      <a:solidFill>
+                        <a:schemeClr val="tx1"/>
+                      </a:solidFill>
+                      <a:prstDash val="solid"/>
+                      <a:round/>
+                      <a:headEnd type="none" w="med" len="med"/>
+                      <a:tailEnd type="none" w="med" len="med"/>
+                    </a:lnL>
+                    <a:lnR w="12700" cap="flat" cmpd="sng" algn="ctr">
+                      <a:solidFill>
+                        <a:schemeClr val="tx1"/>
+                      </a:solidFill>
+                      <a:prstDash val="solid"/>
+                      <a:round/>
+                      <a:headEnd type="none" w="med" len="med"/>
+                      <a:tailEnd type="none" w="med" len="med"/>
+                    </a:lnR>
+                    <a:lnT w="12700" cap="flat" cmpd="sng" algn="ctr">
+                      <a:solidFill>
+                        <a:schemeClr val="tx1"/>
+                      </a:solidFill>
+                      <a:prstDash val="solid"/>
+                      <a:round/>
+                      <a:headEnd type="none" w="med" len="med"/>
+                      <a:tailEnd type="none" w="med" len="med"/>
+                    </a:lnT>
+                    <a:lnB w="12700" cap="flat" cmpd="sng" algn="ctr">
+                      <a:solidFill>
+                        <a:schemeClr val="tx1"/>
+                      </a:solidFill>
+                      <a:prstDash val="solid"/>
+                      <a:round/>
+                      <a:headEnd type="none" w="med" len="med"/>
+                      <a:tailEnd type="none" w="med" len="med"/>
+                    </a:lnB>
+                    <a:solidFill>
+                      <a:schemeClr val="bg2">
+                        <a:lumMod val="90000"/>
+                      </a:schemeClr>
+                    </a:solidFill>
+                  </a:tcPr>
+                </a:tc>
+                <a:tc>
+                  <a:txBody>
+                    <a:bodyPr/>
+                    <a:lstStyle/>
+                    <a:p>
+                      <a:endParaRPr lang="zh-CN" altLang="en-US"/>
+                    </a:p>
+                  </a:txBody>
+                  <a:tcPr>
+                    <a:lnL w="12700" cap="flat" cmpd="sng" algn="ctr">
+                      <a:solidFill>
+                        <a:schemeClr val="tx1"/>
+                      </a:solidFill>
+                      <a:prstDash val="solid"/>
+                      <a:round/>
+                      <a:headEnd type="none" w="med" len="med"/>
+                      <a:tailEnd type="none" w="med" len="med"/>
+                    </a:lnL>
+                    <a:lnR w="12700" cap="flat" cmpd="sng" algn="ctr">
+                      <a:solidFill>
+                        <a:schemeClr val="tx1"/>
+                      </a:solidFill>
+                      <a:prstDash val="solid"/>
+                      <a:round/>
+                      <a:headEnd type="none" w="med" len="med"/>
+                      <a:tailEnd type="none" w="med" len="med"/>
+                    </a:lnR>
+                    <a:lnT w="12700" cap="flat" cmpd="sng" algn="ctr">
+                      <a:solidFill>
+                        <a:schemeClr val="tx1"/>
+                      </a:solidFill>
+                      <a:prstDash val="solid"/>
+                      <a:round/>
+                      <a:headEnd type="none" w="med" len="med"/>
+                      <a:tailEnd type="none" w="med" len="med"/>
+                    </a:lnT>
+                    <a:lnB w="12700" cap="flat" cmpd="sng" algn="ctr">
+                      <a:solidFill>
+                        <a:schemeClr val="tx1"/>
+                      </a:solidFill>
+                      <a:prstDash val="solid"/>
+                      <a:round/>
+                      <a:headEnd type="none" w="med" len="med"/>
+                      <a:tailEnd type="none" w="med" len="med"/>
+                    </a:lnB>
+                    <a:solidFill>
+                      <a:schemeClr val="bg2">
+                        <a:lumMod val="90000"/>
+                      </a:schemeClr>
+                    </a:solidFill>
+                  </a:tcPr>
+                </a:tc>
+                <a:tc>
+                  <a:txBody>
+                    <a:bodyPr/>
+                    <a:lstStyle/>
+                    <a:p>
+                      <a:endParaRPr lang="zh-CN" altLang="en-US"/>
+                    </a:p>
+                  </a:txBody>
+                  <a:tcPr>
+                    <a:lnL w="12700" cap="flat" cmpd="sng" algn="ctr">
+                      <a:solidFill>
+                        <a:schemeClr val="tx1"/>
+                      </a:solidFill>
+                      <a:prstDash val="solid"/>
+                      <a:round/>
+                      <a:headEnd type="none" w="med" len="med"/>
+                      <a:tailEnd type="none" w="med" len="med"/>
+                    </a:lnL>
+                    <a:lnR w="12700" cap="flat" cmpd="sng" algn="ctr">
+                      <a:solidFill>
+                        <a:schemeClr val="tx1"/>
+                      </a:solidFill>
+                      <a:prstDash val="solid"/>
+                      <a:round/>
+                      <a:headEnd type="none" w="med" len="med"/>
+                      <a:tailEnd type="none" w="med" len="med"/>
+                    </a:lnR>
+                    <a:lnT w="12700" cap="flat" cmpd="sng" algn="ctr">
+                      <a:solidFill>
+                        <a:schemeClr val="tx1"/>
+                      </a:solidFill>
+                      <a:prstDash val="solid"/>
+                      <a:round/>
+                      <a:headEnd type="none" w="med" len="med"/>
+                      <a:tailEnd type="none" w="med" len="med"/>
+                    </a:lnT>
+                    <a:lnB w="12700" cap="flat" cmpd="sng" algn="ctr">
+                      <a:solidFill>
+                        <a:schemeClr val="tx1"/>
+                      </a:solidFill>
+                      <a:prstDash val="solid"/>
+                      <a:round/>
+                      <a:headEnd type="none" w="med" len="med"/>
+                      <a:tailEnd type="none" w="med" len="med"/>
+                    </a:lnB>
+                    <a:solidFill>
+                      <a:schemeClr val="bg2">
+                        <a:lumMod val="90000"/>
+                      </a:schemeClr>
+                    </a:solidFill>
+                  </a:tcPr>
+                </a:tc>
+                <a:extLst>
+                  <a:ext uri="{0D108BD9-81ED-4DB2-BD59-A6C34878D82A}">
+                    <a16:rowId xmlns:a16="http://schemas.microsoft.com/office/drawing/2014/main" val="102820898"/>
+                  </a:ext>
+                </a:extLst>
+              </a:tr>
+              <a:tr h="611717">
+                <a:tc>
+                  <a:txBody>
+                    <a:bodyPr/>
+                    <a:lstStyle/>
+                    <a:p>
+                      <a:endParaRPr lang="zh-CN" altLang="en-US" dirty="0"/>
+                    </a:p>
+                  </a:txBody>
+                  <a:tcPr>
+                    <a:lnL w="12700" cap="flat" cmpd="sng" algn="ctr">
+                      <a:solidFill>
+                        <a:schemeClr val="tx1"/>
+                      </a:solidFill>
+                      <a:prstDash val="solid"/>
+                      <a:round/>
+                      <a:headEnd type="none" w="med" len="med"/>
+                      <a:tailEnd type="none" w="med" len="med"/>
+                    </a:lnL>
+                    <a:lnR w="12700" cap="flat" cmpd="sng" algn="ctr">
+                      <a:solidFill>
+                        <a:schemeClr val="tx1"/>
+                      </a:solidFill>
+                      <a:prstDash val="solid"/>
+                      <a:round/>
+                      <a:headEnd type="none" w="med" len="med"/>
+                      <a:tailEnd type="none" w="med" len="med"/>
+                    </a:lnR>
+                    <a:lnT w="12700" cap="flat" cmpd="sng" algn="ctr">
+                      <a:solidFill>
+                        <a:schemeClr val="tx1"/>
+                      </a:solidFill>
+                      <a:prstDash val="solid"/>
+                      <a:round/>
+                      <a:headEnd type="none" w="med" len="med"/>
+                      <a:tailEnd type="none" w="med" len="med"/>
+                    </a:lnT>
+                    <a:lnB w="12700" cap="flat" cmpd="sng" algn="ctr">
+                      <a:solidFill>
+                        <a:schemeClr val="tx1"/>
+                      </a:solidFill>
+                      <a:prstDash val="solid"/>
+                      <a:round/>
+                      <a:headEnd type="none" w="med" len="med"/>
+                      <a:tailEnd type="none" w="med" len="med"/>
+                    </a:lnB>
+                    <a:solidFill>
+                      <a:schemeClr val="tx2">
+                        <a:lumMod val="10000"/>
+                        <a:lumOff val="90000"/>
+                      </a:schemeClr>
+                    </a:solidFill>
+                  </a:tcPr>
+                </a:tc>
+                <a:tc>
+                  <a:txBody>
+                    <a:bodyPr/>
+                    <a:lstStyle/>
+                    <a:p>
+                      <a:endParaRPr lang="zh-CN" altLang="en-US" dirty="0"/>
+                    </a:p>
+                  </a:txBody>
+                  <a:tcPr>
+                    <a:lnL w="12700" cap="flat" cmpd="sng" algn="ctr">
+                      <a:solidFill>
+                        <a:schemeClr val="tx1"/>
+                      </a:solidFill>
+                      <a:prstDash val="solid"/>
+                      <a:round/>
+                      <a:headEnd type="none" w="med" len="med"/>
+                      <a:tailEnd type="none" w="med" len="med"/>
+                    </a:lnL>
+                    <a:lnR w="12700" cap="flat" cmpd="sng" algn="ctr">
+                      <a:solidFill>
+                        <a:schemeClr val="tx1"/>
+                      </a:solidFill>
+                      <a:prstDash val="solid"/>
+                      <a:round/>
+                      <a:headEnd type="none" w="med" len="med"/>
+                      <a:tailEnd type="none" w="med" len="med"/>
+                    </a:lnR>
+                    <a:lnT w="12700" cap="flat" cmpd="sng" algn="ctr">
+                      <a:solidFill>
+                        <a:schemeClr val="tx1"/>
+                      </a:solidFill>
+                      <a:prstDash val="solid"/>
+                      <a:round/>
+                      <a:headEnd type="none" w="med" len="med"/>
+                      <a:tailEnd type="none" w="med" len="med"/>
+                    </a:lnT>
+                    <a:lnB w="12700" cap="flat" cmpd="sng" algn="ctr">
+                      <a:solidFill>
+                        <a:schemeClr val="tx1"/>
+                      </a:solidFill>
+                      <a:prstDash val="solid"/>
+                      <a:round/>
+                      <a:headEnd type="none" w="med" len="med"/>
+                      <a:tailEnd type="none" w="med" len="med"/>
+                    </a:lnB>
+                    <a:solidFill>
+                      <a:schemeClr val="tx2">
+                        <a:lumMod val="10000"/>
+                        <a:lumOff val="90000"/>
+                      </a:schemeClr>
+                    </a:solidFill>
+                  </a:tcPr>
+                </a:tc>
+                <a:tc>
+                  <a:txBody>
+                    <a:bodyPr/>
+                    <a:lstStyle/>
+                    <a:p>
+                      <a:endParaRPr lang="zh-CN" altLang="en-US" dirty="0"/>
+                    </a:p>
+                  </a:txBody>
+                  <a:tcPr>
+                    <a:lnL w="12700" cap="flat" cmpd="sng" algn="ctr">
+                      <a:solidFill>
+                        <a:schemeClr val="tx1"/>
+                      </a:solidFill>
+                      <a:prstDash val="solid"/>
+                      <a:round/>
+                      <a:headEnd type="none" w="med" len="med"/>
+                      <a:tailEnd type="none" w="med" len="med"/>
+                    </a:lnL>
+                    <a:lnR w="12700" cap="flat" cmpd="sng" algn="ctr">
+                      <a:solidFill>
+                        <a:schemeClr val="tx1"/>
+                      </a:solidFill>
+                      <a:prstDash val="solid"/>
+                      <a:round/>
+                      <a:headEnd type="none" w="med" len="med"/>
+                      <a:tailEnd type="none" w="med" len="med"/>
+                    </a:lnR>
+                    <a:lnT w="12700" cap="flat" cmpd="sng" algn="ctr">
+                      <a:solidFill>
+                        <a:schemeClr val="tx1"/>
+                      </a:solidFill>
+                      <a:prstDash val="solid"/>
+                      <a:round/>
+                      <a:headEnd type="none" w="med" len="med"/>
+                      <a:tailEnd type="none" w="med" len="med"/>
+                    </a:lnT>
+                    <a:lnB w="12700" cap="flat" cmpd="sng" algn="ctr">
+                      <a:solidFill>
+                        <a:schemeClr val="tx1"/>
+                      </a:solidFill>
+                      <a:prstDash val="solid"/>
+                      <a:round/>
+                      <a:headEnd type="none" w="med" len="med"/>
+                      <a:tailEnd type="none" w="med" len="med"/>
+                    </a:lnB>
+                    <a:solidFill>
+                      <a:schemeClr val="tx2">
+                        <a:lumMod val="10000"/>
+                        <a:lumOff val="90000"/>
+                      </a:schemeClr>
+                    </a:solidFill>
+                  </a:tcPr>
+                </a:tc>
+                <a:tc>
+                  <a:txBody>
+                    <a:bodyPr/>
+                    <a:lstStyle/>
+                    <a:p>
+                      <a:endParaRPr lang="zh-CN" altLang="en-US" dirty="0"/>
+                    </a:p>
+                  </a:txBody>
+                  <a:tcPr>
+                    <a:lnL w="12700" cap="flat" cmpd="sng" algn="ctr">
+                      <a:solidFill>
+                        <a:schemeClr val="tx1"/>
+                      </a:solidFill>
+                      <a:prstDash val="solid"/>
+                      <a:round/>
+                      <a:headEnd type="none" w="med" len="med"/>
+                      <a:tailEnd type="none" w="med" len="med"/>
+                    </a:lnL>
+                    <a:lnR w="12700" cap="flat" cmpd="sng" algn="ctr">
+                      <a:solidFill>
+                        <a:schemeClr val="tx1"/>
+                      </a:solidFill>
+                      <a:prstDash val="solid"/>
+                      <a:round/>
+                      <a:headEnd type="none" w="med" len="med"/>
+                      <a:tailEnd type="none" w="med" len="med"/>
+                    </a:lnR>
+                    <a:lnT w="12700" cap="flat" cmpd="sng" algn="ctr">
+                      <a:solidFill>
+                        <a:schemeClr val="tx1"/>
+                      </a:solidFill>
+                      <a:prstDash val="solid"/>
+                      <a:round/>
+                      <a:headEnd type="none" w="med" len="med"/>
+                      <a:tailEnd type="none" w="med" len="med"/>
+                    </a:lnT>
+                    <a:lnB w="12700" cap="flat" cmpd="sng" algn="ctr">
+                      <a:solidFill>
+                        <a:schemeClr val="tx1"/>
+                      </a:solidFill>
+                      <a:prstDash val="solid"/>
+                      <a:round/>
+                      <a:headEnd type="none" w="med" len="med"/>
+                      <a:tailEnd type="none" w="med" len="med"/>
+                    </a:lnB>
+                    <a:solidFill>
+                      <a:schemeClr val="bg2">
+                        <a:lumMod val="90000"/>
+                      </a:schemeClr>
+                    </a:solidFill>
+                  </a:tcPr>
+                </a:tc>
+                <a:tc>
+                  <a:txBody>
+                    <a:bodyPr/>
+                    <a:lstStyle/>
+                    <a:p>
+                      <a:endParaRPr lang="zh-CN" altLang="en-US"/>
+                    </a:p>
+                  </a:txBody>
+                  <a:tcPr>
+                    <a:lnL w="12700" cap="flat" cmpd="sng" algn="ctr">
+                      <a:solidFill>
+                        <a:schemeClr val="tx1"/>
+                      </a:solidFill>
+                      <a:prstDash val="solid"/>
+                      <a:round/>
+                      <a:headEnd type="none" w="med" len="med"/>
+                      <a:tailEnd type="none" w="med" len="med"/>
+                    </a:lnL>
+                    <a:lnR w="12700" cap="flat" cmpd="sng" algn="ctr">
+                      <a:solidFill>
+                        <a:schemeClr val="tx1"/>
+                      </a:solidFill>
+                      <a:prstDash val="solid"/>
+                      <a:round/>
+                      <a:headEnd type="none" w="med" len="med"/>
+                      <a:tailEnd type="none" w="med" len="med"/>
+                    </a:lnR>
+                    <a:lnT w="12700" cap="flat" cmpd="sng" algn="ctr">
+                      <a:solidFill>
+                        <a:schemeClr val="tx1"/>
+                      </a:solidFill>
+                      <a:prstDash val="solid"/>
+                      <a:round/>
+                      <a:headEnd type="none" w="med" len="med"/>
+                      <a:tailEnd type="none" w="med" len="med"/>
+                    </a:lnT>
+                    <a:lnB w="12700" cap="flat" cmpd="sng" algn="ctr">
+                      <a:solidFill>
+                        <a:schemeClr val="tx1"/>
+                      </a:solidFill>
+                      <a:prstDash val="solid"/>
+                      <a:round/>
+                      <a:headEnd type="none" w="med" len="med"/>
+                      <a:tailEnd type="none" w="med" len="med"/>
+                    </a:lnB>
+                    <a:solidFill>
+                      <a:schemeClr val="bg2">
+                        <a:lumMod val="90000"/>
+                      </a:schemeClr>
+                    </a:solidFill>
+                  </a:tcPr>
+                </a:tc>
+                <a:tc>
+                  <a:txBody>
+                    <a:bodyPr/>
+                    <a:lstStyle/>
+                    <a:p>
+                      <a:endParaRPr lang="zh-CN" altLang="en-US"/>
+                    </a:p>
+                  </a:txBody>
+                  <a:tcPr>
+                    <a:lnL w="12700" cap="flat" cmpd="sng" algn="ctr">
+                      <a:solidFill>
+                        <a:schemeClr val="tx1"/>
+                      </a:solidFill>
+                      <a:prstDash val="solid"/>
+                      <a:round/>
+                      <a:headEnd type="none" w="med" len="med"/>
+                      <a:tailEnd type="none" w="med" len="med"/>
+                    </a:lnL>
+                    <a:lnR w="12700" cap="flat" cmpd="sng" algn="ctr">
+                      <a:solidFill>
+                        <a:schemeClr val="tx1"/>
+                      </a:solidFill>
+                      <a:prstDash val="solid"/>
+                      <a:round/>
+                      <a:headEnd type="none" w="med" len="med"/>
+                      <a:tailEnd type="none" w="med" len="med"/>
+                    </a:lnR>
+                    <a:lnT w="12700" cap="flat" cmpd="sng" algn="ctr">
+                      <a:solidFill>
+                        <a:schemeClr val="tx1"/>
+                      </a:solidFill>
+                      <a:prstDash val="solid"/>
+                      <a:round/>
+                      <a:headEnd type="none" w="med" len="med"/>
+                      <a:tailEnd type="none" w="med" len="med"/>
+                    </a:lnT>
+                    <a:lnB w="12700" cap="flat" cmpd="sng" algn="ctr">
+                      <a:solidFill>
+                        <a:schemeClr val="tx1"/>
+                      </a:solidFill>
+                      <a:prstDash val="solid"/>
+                      <a:round/>
+                      <a:headEnd type="none" w="med" len="med"/>
+                      <a:tailEnd type="none" w="med" len="med"/>
+                    </a:lnB>
+                    <a:solidFill>
+                      <a:schemeClr val="bg2">
+                        <a:lumMod val="90000"/>
+                      </a:schemeClr>
+                    </a:solidFill>
+                  </a:tcPr>
+                </a:tc>
+                <a:tc>
+                  <a:txBody>
+                    <a:bodyPr/>
+                    <a:lstStyle/>
+                    <a:p>
+                      <a:endParaRPr lang="zh-CN" altLang="en-US" dirty="0"/>
+                    </a:p>
+                  </a:txBody>
+                  <a:tcPr>
+                    <a:lnL w="12700" cap="flat" cmpd="sng" algn="ctr">
+                      <a:solidFill>
+                        <a:schemeClr val="tx1"/>
+                      </a:solidFill>
+                      <a:prstDash val="solid"/>
+                      <a:round/>
+                      <a:headEnd type="none" w="med" len="med"/>
+                      <a:tailEnd type="none" w="med" len="med"/>
+                    </a:lnL>
+                    <a:lnR w="12700" cap="flat" cmpd="sng" algn="ctr">
+                      <a:solidFill>
+                        <a:schemeClr val="tx1"/>
+                      </a:solidFill>
+                      <a:prstDash val="solid"/>
+                      <a:round/>
+                      <a:headEnd type="none" w="med" len="med"/>
+                      <a:tailEnd type="none" w="med" len="med"/>
+                    </a:lnR>
+                    <a:lnT w="12700" cap="flat" cmpd="sng" algn="ctr">
+                      <a:solidFill>
+                        <a:schemeClr val="tx1"/>
+                      </a:solidFill>
+                      <a:prstDash val="solid"/>
+                      <a:round/>
+                      <a:headEnd type="none" w="med" len="med"/>
+                      <a:tailEnd type="none" w="med" len="med"/>
+                    </a:lnT>
+                    <a:lnB w="12700" cap="flat" cmpd="sng" algn="ctr">
+                      <a:solidFill>
+                        <a:schemeClr val="tx1"/>
+                      </a:solidFill>
+                      <a:prstDash val="solid"/>
+                      <a:round/>
+                      <a:headEnd type="none" w="med" len="med"/>
+                      <a:tailEnd type="none" w="med" len="med"/>
+                    </a:lnB>
+                    <a:solidFill>
+                      <a:schemeClr val="bg2">
+                        <a:lumMod val="90000"/>
+                      </a:schemeClr>
+                    </a:solidFill>
+                  </a:tcPr>
+                </a:tc>
+                <a:extLst>
+                  <a:ext uri="{0D108BD9-81ED-4DB2-BD59-A6C34878D82A}">
+                    <a16:rowId xmlns:a16="http://schemas.microsoft.com/office/drawing/2014/main" val="4281124658"/>
+                  </a:ext>
+                </a:extLst>
+              </a:tr>
+              <a:tr h="611717">
+                <a:tc>
+                  <a:txBody>
+                    <a:bodyPr/>
+                    <a:lstStyle/>
+                    <a:p>
+                      <a:endParaRPr lang="zh-CN" altLang="en-US"/>
+                    </a:p>
+                  </a:txBody>
+                  <a:tcPr>
+                    <a:lnL w="12700" cap="flat" cmpd="sng" algn="ctr">
+                      <a:solidFill>
+                        <a:schemeClr val="tx1"/>
+                      </a:solidFill>
+                      <a:prstDash val="solid"/>
+                      <a:round/>
+                      <a:headEnd type="none" w="med" len="med"/>
+                      <a:tailEnd type="none" w="med" len="med"/>
+                    </a:lnL>
+                    <a:lnR w="12700" cap="flat" cmpd="sng" algn="ctr">
+                      <a:solidFill>
+                        <a:schemeClr val="tx1"/>
+                      </a:solidFill>
+                      <a:prstDash val="solid"/>
+                      <a:round/>
+                      <a:headEnd type="none" w="med" len="med"/>
+                      <a:tailEnd type="none" w="med" len="med"/>
+                    </a:lnR>
+                    <a:lnT w="12700" cap="flat" cmpd="sng" algn="ctr">
+                      <a:solidFill>
+                        <a:schemeClr val="tx1"/>
+                      </a:solidFill>
+                      <a:prstDash val="solid"/>
+                      <a:round/>
+                      <a:headEnd type="none" w="med" len="med"/>
+                      <a:tailEnd type="none" w="med" len="med"/>
+                    </a:lnT>
+                    <a:lnB w="12700" cap="flat" cmpd="sng" algn="ctr">
+                      <a:solidFill>
+                        <a:schemeClr val="tx1"/>
+                      </a:solidFill>
+                      <a:prstDash val="solid"/>
+                      <a:round/>
+                      <a:headEnd type="none" w="med" len="med"/>
+                      <a:tailEnd type="none" w="med" len="med"/>
+                    </a:lnB>
+                    <a:solidFill>
+                      <a:schemeClr val="bg2">
+                        <a:lumMod val="90000"/>
+                      </a:schemeClr>
+                    </a:solidFill>
+                  </a:tcPr>
+                </a:tc>
+                <a:tc>
+                  <a:txBody>
+                    <a:bodyPr/>
+                    <a:lstStyle/>
+                    <a:p>
+                      <a:endParaRPr lang="zh-CN" altLang="en-US" dirty="0"/>
+                    </a:p>
+                  </a:txBody>
+                  <a:tcPr>
+                    <a:lnL w="12700" cap="flat" cmpd="sng" algn="ctr">
+                      <a:solidFill>
+                        <a:schemeClr val="tx1"/>
+                      </a:solidFill>
+                      <a:prstDash val="solid"/>
+                      <a:round/>
+                      <a:headEnd type="none" w="med" len="med"/>
+                      <a:tailEnd type="none" w="med" len="med"/>
+                    </a:lnL>
+                    <a:lnR w="12700" cap="flat" cmpd="sng" algn="ctr">
+                      <a:solidFill>
+                        <a:schemeClr val="tx1"/>
+                      </a:solidFill>
+                      <a:prstDash val="solid"/>
+                      <a:round/>
+                      <a:headEnd type="none" w="med" len="med"/>
+                      <a:tailEnd type="none" w="med" len="med"/>
+                    </a:lnR>
+                    <a:lnT w="12700" cap="flat" cmpd="sng" algn="ctr">
+                      <a:solidFill>
+                        <a:schemeClr val="tx1"/>
+                      </a:solidFill>
+                      <a:prstDash val="solid"/>
+                      <a:round/>
+                      <a:headEnd type="none" w="med" len="med"/>
+                      <a:tailEnd type="none" w="med" len="med"/>
+                    </a:lnT>
+                    <a:lnB w="12700" cap="flat" cmpd="sng" algn="ctr">
+                      <a:solidFill>
+                        <a:schemeClr val="tx1"/>
+                      </a:solidFill>
+                      <a:prstDash val="solid"/>
+                      <a:round/>
+                      <a:headEnd type="none" w="med" len="med"/>
+                      <a:tailEnd type="none" w="med" len="med"/>
+                    </a:lnB>
+                    <a:solidFill>
+                      <a:schemeClr val="tx2">
+                        <a:lumMod val="10000"/>
+                        <a:lumOff val="90000"/>
+                      </a:schemeClr>
+                    </a:solidFill>
+                  </a:tcPr>
+                </a:tc>
+                <a:tc>
+                  <a:txBody>
+                    <a:bodyPr/>
+                    <a:lstStyle/>
+                    <a:p>
+                      <a:endParaRPr lang="zh-CN" altLang="en-US" dirty="0"/>
+                    </a:p>
+                  </a:txBody>
+                  <a:tcPr>
+                    <a:lnL w="12700" cap="flat" cmpd="sng" algn="ctr">
+                      <a:solidFill>
+                        <a:schemeClr val="tx1"/>
+                      </a:solidFill>
+                      <a:prstDash val="solid"/>
+                      <a:round/>
+                      <a:headEnd type="none" w="med" len="med"/>
+                      <a:tailEnd type="none" w="med" len="med"/>
+                    </a:lnL>
+                    <a:lnR w="12700" cap="flat" cmpd="sng" algn="ctr">
+                      <a:solidFill>
+                        <a:schemeClr val="tx1"/>
+                      </a:solidFill>
+                      <a:prstDash val="solid"/>
+                      <a:round/>
+                      <a:headEnd type="none" w="med" len="med"/>
+                      <a:tailEnd type="none" w="med" len="med"/>
+                    </a:lnR>
+                    <a:lnT w="12700" cap="flat" cmpd="sng" algn="ctr">
+                      <a:solidFill>
+                        <a:schemeClr val="tx1"/>
+                      </a:solidFill>
+                      <a:prstDash val="solid"/>
+                      <a:round/>
+                      <a:headEnd type="none" w="med" len="med"/>
+                      <a:tailEnd type="none" w="med" len="med"/>
+                    </a:lnT>
+                    <a:lnB w="12700" cap="flat" cmpd="sng" algn="ctr">
+                      <a:solidFill>
+                        <a:schemeClr val="tx1"/>
+                      </a:solidFill>
+                      <a:prstDash val="solid"/>
+                      <a:round/>
+                      <a:headEnd type="none" w="med" len="med"/>
+                      <a:tailEnd type="none" w="med" len="med"/>
+                    </a:lnB>
+                    <a:solidFill>
+                      <a:schemeClr val="tx2">
+                        <a:lumMod val="10000"/>
+                        <a:lumOff val="90000"/>
+                      </a:schemeClr>
+                    </a:solidFill>
+                  </a:tcPr>
+                </a:tc>
+                <a:tc>
+                  <a:txBody>
+                    <a:bodyPr/>
+                    <a:lstStyle/>
+                    <a:p>
+                      <a:endParaRPr lang="zh-CN" altLang="en-US" dirty="0"/>
+                    </a:p>
+                  </a:txBody>
+                  <a:tcPr>
+                    <a:lnL w="12700" cap="flat" cmpd="sng" algn="ctr">
+                      <a:solidFill>
+                        <a:schemeClr val="tx1"/>
+                      </a:solidFill>
+                      <a:prstDash val="solid"/>
+                      <a:round/>
+                      <a:headEnd type="none" w="med" len="med"/>
+                      <a:tailEnd type="none" w="med" len="med"/>
+                    </a:lnL>
+                    <a:lnR w="12700" cap="flat" cmpd="sng" algn="ctr">
+                      <a:solidFill>
+                        <a:schemeClr val="tx1"/>
+                      </a:solidFill>
+                      <a:prstDash val="solid"/>
+                      <a:round/>
+                      <a:headEnd type="none" w="med" len="med"/>
+                      <a:tailEnd type="none" w="med" len="med"/>
+                    </a:lnR>
+                    <a:lnT w="12700" cap="flat" cmpd="sng" algn="ctr">
+                      <a:solidFill>
+                        <a:schemeClr val="tx1"/>
+                      </a:solidFill>
+                      <a:prstDash val="solid"/>
+                      <a:round/>
+                      <a:headEnd type="none" w="med" len="med"/>
+                      <a:tailEnd type="none" w="med" len="med"/>
+                    </a:lnT>
+                    <a:lnB w="12700" cap="flat" cmpd="sng" algn="ctr">
+                      <a:solidFill>
+                        <a:schemeClr val="tx1"/>
+                      </a:solidFill>
+                      <a:prstDash val="solid"/>
+                      <a:round/>
+                      <a:headEnd type="none" w="med" len="med"/>
+                      <a:tailEnd type="none" w="med" len="med"/>
+                    </a:lnB>
+                    <a:solidFill>
+                      <a:schemeClr val="tx2">
+                        <a:lumMod val="10000"/>
+                        <a:lumOff val="90000"/>
+                      </a:schemeClr>
+                    </a:solidFill>
+                  </a:tcPr>
+                </a:tc>
+                <a:tc>
+                  <a:txBody>
+                    <a:bodyPr/>
+                    <a:lstStyle/>
+                    <a:p>
+                      <a:endParaRPr lang="zh-CN" altLang="en-US" dirty="0"/>
+                    </a:p>
+                  </a:txBody>
+                  <a:tcPr>
+                    <a:lnL w="12700" cap="flat" cmpd="sng" algn="ctr">
+                      <a:solidFill>
+                        <a:schemeClr val="tx1"/>
+                      </a:solidFill>
+                      <a:prstDash val="solid"/>
+                      <a:round/>
+                      <a:headEnd type="none" w="med" len="med"/>
+                      <a:tailEnd type="none" w="med" len="med"/>
+                    </a:lnL>
+                    <a:lnR w="12700" cap="flat" cmpd="sng" algn="ctr">
+                      <a:solidFill>
+                        <a:schemeClr val="tx1"/>
+                      </a:solidFill>
+                      <a:prstDash val="solid"/>
+                      <a:round/>
+                      <a:headEnd type="none" w="med" len="med"/>
+                      <a:tailEnd type="none" w="med" len="med"/>
+                    </a:lnR>
+                    <a:lnT w="12700" cap="flat" cmpd="sng" algn="ctr">
+                      <a:solidFill>
+                        <a:schemeClr val="tx1"/>
+                      </a:solidFill>
+                      <a:prstDash val="solid"/>
+                      <a:round/>
+                      <a:headEnd type="none" w="med" len="med"/>
+                      <a:tailEnd type="none" w="med" len="med"/>
+                    </a:lnT>
+                    <a:lnB w="12700" cap="flat" cmpd="sng" algn="ctr">
+                      <a:solidFill>
+                        <a:schemeClr val="tx1"/>
+                      </a:solidFill>
+                      <a:prstDash val="solid"/>
+                      <a:round/>
+                      <a:headEnd type="none" w="med" len="med"/>
+                      <a:tailEnd type="none" w="med" len="med"/>
+                    </a:lnB>
+                    <a:solidFill>
+                      <a:schemeClr val="bg2">
+                        <a:lumMod val="90000"/>
+                      </a:schemeClr>
+                    </a:solidFill>
+                  </a:tcPr>
+                </a:tc>
+                <a:tc>
+                  <a:txBody>
+                    <a:bodyPr/>
+                    <a:lstStyle/>
+                    <a:p>
+                      <a:endParaRPr lang="zh-CN" altLang="en-US" dirty="0"/>
+                    </a:p>
+                  </a:txBody>
+                  <a:tcPr>
+                    <a:lnL w="12700" cap="flat" cmpd="sng" algn="ctr">
+                      <a:solidFill>
+                        <a:schemeClr val="tx1"/>
+                      </a:solidFill>
+                      <a:prstDash val="solid"/>
+                      <a:round/>
+                      <a:headEnd type="none" w="med" len="med"/>
+                      <a:tailEnd type="none" w="med" len="med"/>
+                    </a:lnL>
+                    <a:lnR w="12700" cap="flat" cmpd="sng" algn="ctr">
+                      <a:solidFill>
+                        <a:schemeClr val="tx1"/>
+                      </a:solidFill>
+                      <a:prstDash val="solid"/>
+                      <a:round/>
+                      <a:headEnd type="none" w="med" len="med"/>
+                      <a:tailEnd type="none" w="med" len="med"/>
+                    </a:lnR>
+                    <a:lnT w="12700" cap="flat" cmpd="sng" algn="ctr">
+                      <a:solidFill>
+                        <a:schemeClr val="tx1"/>
+                      </a:solidFill>
+                      <a:prstDash val="solid"/>
+                      <a:round/>
+                      <a:headEnd type="none" w="med" len="med"/>
+                      <a:tailEnd type="none" w="med" len="med"/>
+                    </a:lnT>
+                    <a:lnB w="12700" cap="flat" cmpd="sng" algn="ctr">
+                      <a:solidFill>
+                        <a:schemeClr val="tx1"/>
+                      </a:solidFill>
+                      <a:prstDash val="solid"/>
+                      <a:round/>
+                      <a:headEnd type="none" w="med" len="med"/>
+                      <a:tailEnd type="none" w="med" len="med"/>
+                    </a:lnB>
+                    <a:solidFill>
+                      <a:schemeClr val="bg2">
+                        <a:lumMod val="90000"/>
+                      </a:schemeClr>
+                    </a:solidFill>
+                  </a:tcPr>
+                </a:tc>
+                <a:tc>
+                  <a:txBody>
+                    <a:bodyPr/>
+                    <a:lstStyle/>
+                    <a:p>
+                      <a:endParaRPr lang="zh-CN" altLang="en-US" dirty="0"/>
+                    </a:p>
+                  </a:txBody>
+                  <a:tcPr>
+                    <a:lnL w="12700" cap="flat" cmpd="sng" algn="ctr">
+                      <a:solidFill>
+                        <a:schemeClr val="tx1"/>
+                      </a:solidFill>
+                      <a:prstDash val="solid"/>
+                      <a:round/>
+                      <a:headEnd type="none" w="med" len="med"/>
+                      <a:tailEnd type="none" w="med" len="med"/>
+                    </a:lnL>
+                    <a:lnR w="12700" cap="flat" cmpd="sng" algn="ctr">
+                      <a:solidFill>
+                        <a:schemeClr val="tx1"/>
+                      </a:solidFill>
+                      <a:prstDash val="solid"/>
+                      <a:round/>
+                      <a:headEnd type="none" w="med" len="med"/>
+                      <a:tailEnd type="none" w="med" len="med"/>
+                    </a:lnR>
+                    <a:lnT w="12700" cap="flat" cmpd="sng" algn="ctr">
+                      <a:solidFill>
+                        <a:schemeClr val="tx1"/>
+                      </a:solidFill>
+                      <a:prstDash val="solid"/>
+                      <a:round/>
+                      <a:headEnd type="none" w="med" len="med"/>
+                      <a:tailEnd type="none" w="med" len="med"/>
+                    </a:lnT>
+                    <a:lnB w="12700" cap="flat" cmpd="sng" algn="ctr">
+                      <a:solidFill>
+                        <a:schemeClr val="tx1"/>
+                      </a:solidFill>
+                      <a:prstDash val="solid"/>
+                      <a:round/>
+                      <a:headEnd type="none" w="med" len="med"/>
+                      <a:tailEnd type="none" w="med" len="med"/>
+                    </a:lnB>
+                    <a:solidFill>
+                      <a:schemeClr val="bg2">
+                        <a:lumMod val="90000"/>
+                      </a:schemeClr>
+                    </a:solidFill>
+                  </a:tcPr>
+                </a:tc>
+                <a:extLst>
+                  <a:ext uri="{0D108BD9-81ED-4DB2-BD59-A6C34878D82A}">
+                    <a16:rowId xmlns:a16="http://schemas.microsoft.com/office/drawing/2014/main" val="3579659078"/>
+                  </a:ext>
+                </a:extLst>
+              </a:tr>
+              <a:tr h="611717">
+                <a:tc>
+                  <a:txBody>
+                    <a:bodyPr/>
+                    <a:lstStyle/>
+                    <a:p>
+                      <a:endParaRPr lang="zh-CN" altLang="en-US"/>
+                    </a:p>
+                  </a:txBody>
+                  <a:tcPr>
+                    <a:lnL w="12700" cap="flat" cmpd="sng" algn="ctr">
+                      <a:solidFill>
+                        <a:schemeClr val="tx1"/>
+                      </a:solidFill>
+                      <a:prstDash val="solid"/>
+                      <a:round/>
+                      <a:headEnd type="none" w="med" len="med"/>
+                      <a:tailEnd type="none" w="med" len="med"/>
+                    </a:lnL>
+                    <a:lnR w="12700" cap="flat" cmpd="sng" algn="ctr">
+                      <a:solidFill>
+                        <a:schemeClr val="tx1"/>
+                      </a:solidFill>
+                      <a:prstDash val="solid"/>
+                      <a:round/>
+                      <a:headEnd type="none" w="med" len="med"/>
+                      <a:tailEnd type="none" w="med" len="med"/>
+                    </a:lnR>
+                    <a:lnT w="12700" cap="flat" cmpd="sng" algn="ctr">
+                      <a:solidFill>
+                        <a:schemeClr val="tx1"/>
+                      </a:solidFill>
+                      <a:prstDash val="solid"/>
+                      <a:round/>
+                      <a:headEnd type="none" w="med" len="med"/>
+                      <a:tailEnd type="none" w="med" len="med"/>
+                    </a:lnT>
+                    <a:lnB w="12700" cap="flat" cmpd="sng" algn="ctr">
+                      <a:solidFill>
+                        <a:schemeClr val="tx1"/>
+                      </a:solidFill>
+                      <a:prstDash val="solid"/>
+                      <a:round/>
+                      <a:headEnd type="none" w="med" len="med"/>
+                      <a:tailEnd type="none" w="med" len="med"/>
+                    </a:lnB>
+                    <a:solidFill>
+                      <a:schemeClr val="bg2">
+                        <a:lumMod val="90000"/>
+                      </a:schemeClr>
+                    </a:solidFill>
+                  </a:tcPr>
+                </a:tc>
+                <a:tc>
+                  <a:txBody>
+                    <a:bodyPr/>
+                    <a:lstStyle/>
+                    <a:p>
+                      <a:endParaRPr lang="zh-CN" altLang="en-US"/>
+                    </a:p>
+                  </a:txBody>
+                  <a:tcPr>
+                    <a:lnL w="12700" cap="flat" cmpd="sng" algn="ctr">
+                      <a:solidFill>
+                        <a:schemeClr val="tx1"/>
+                      </a:solidFill>
+                      <a:prstDash val="solid"/>
+                      <a:round/>
+                      <a:headEnd type="none" w="med" len="med"/>
+                      <a:tailEnd type="none" w="med" len="med"/>
+                    </a:lnL>
+                    <a:lnR w="12700" cap="flat" cmpd="sng" algn="ctr">
+                      <a:solidFill>
+                        <a:schemeClr val="tx1"/>
+                      </a:solidFill>
+                      <a:prstDash val="solid"/>
+                      <a:round/>
+                      <a:headEnd type="none" w="med" len="med"/>
+                      <a:tailEnd type="none" w="med" len="med"/>
+                    </a:lnR>
+                    <a:lnT w="12700" cap="flat" cmpd="sng" algn="ctr">
+                      <a:solidFill>
+                        <a:schemeClr val="tx1"/>
+                      </a:solidFill>
+                      <a:prstDash val="solid"/>
+                      <a:round/>
+                      <a:headEnd type="none" w="med" len="med"/>
+                      <a:tailEnd type="none" w="med" len="med"/>
+                    </a:lnT>
+                    <a:lnB w="12700" cap="flat" cmpd="sng" algn="ctr">
+                      <a:solidFill>
+                        <a:schemeClr val="tx1"/>
+                      </a:solidFill>
+                      <a:prstDash val="solid"/>
+                      <a:round/>
+                      <a:headEnd type="none" w="med" len="med"/>
+                      <a:tailEnd type="none" w="med" len="med"/>
+                    </a:lnB>
+                    <a:solidFill>
+                      <a:schemeClr val="bg2">
+                        <a:lumMod val="90000"/>
+                      </a:schemeClr>
+                    </a:solidFill>
+                  </a:tcPr>
+                </a:tc>
+                <a:tc>
+                  <a:txBody>
+                    <a:bodyPr/>
+                    <a:lstStyle/>
+                    <a:p>
+                      <a:endParaRPr lang="zh-CN" altLang="en-US" dirty="0"/>
+                    </a:p>
+                  </a:txBody>
+                  <a:tcPr>
+                    <a:lnL w="12700" cap="flat" cmpd="sng" algn="ctr">
+                      <a:solidFill>
+                        <a:schemeClr val="tx1"/>
+                      </a:solidFill>
+                      <a:prstDash val="solid"/>
+                      <a:round/>
+                      <a:headEnd type="none" w="med" len="med"/>
+                      <a:tailEnd type="none" w="med" len="med"/>
+                    </a:lnL>
+                    <a:lnR w="12700" cap="flat" cmpd="sng" algn="ctr">
+                      <a:solidFill>
+                        <a:schemeClr val="tx1"/>
+                      </a:solidFill>
+                      <a:prstDash val="solid"/>
+                      <a:round/>
+                      <a:headEnd type="none" w="med" len="med"/>
+                      <a:tailEnd type="none" w="med" len="med"/>
+                    </a:lnR>
+                    <a:lnT w="12700" cap="flat" cmpd="sng" algn="ctr">
+                      <a:solidFill>
+                        <a:schemeClr val="tx1"/>
+                      </a:solidFill>
+                      <a:prstDash val="solid"/>
+                      <a:round/>
+                      <a:headEnd type="none" w="med" len="med"/>
+                      <a:tailEnd type="none" w="med" len="med"/>
+                    </a:lnT>
+                    <a:lnB w="12700" cap="flat" cmpd="sng" algn="ctr">
+                      <a:solidFill>
+                        <a:schemeClr val="tx1"/>
+                      </a:solidFill>
+                      <a:prstDash val="solid"/>
+                      <a:round/>
+                      <a:headEnd type="none" w="med" len="med"/>
+                      <a:tailEnd type="none" w="med" len="med"/>
+                    </a:lnB>
+                    <a:solidFill>
+                      <a:schemeClr val="tx2">
+                        <a:lumMod val="10000"/>
+                        <a:lumOff val="90000"/>
+                      </a:schemeClr>
+                    </a:solidFill>
+                  </a:tcPr>
+                </a:tc>
+                <a:tc>
+                  <a:txBody>
+                    <a:bodyPr/>
+                    <a:lstStyle/>
+                    <a:p>
+                      <a:endParaRPr lang="zh-CN" altLang="en-US" dirty="0"/>
+                    </a:p>
+                  </a:txBody>
+                  <a:tcPr>
+                    <a:lnL w="12700" cap="flat" cmpd="sng" algn="ctr">
+                      <a:solidFill>
+                        <a:schemeClr val="tx1"/>
+                      </a:solidFill>
+                      <a:prstDash val="solid"/>
+                      <a:round/>
+                      <a:headEnd type="none" w="med" len="med"/>
+                      <a:tailEnd type="none" w="med" len="med"/>
+                    </a:lnL>
+                    <a:lnR w="12700" cap="flat" cmpd="sng" algn="ctr">
+                      <a:solidFill>
+                        <a:schemeClr val="tx1"/>
+                      </a:solidFill>
+                      <a:prstDash val="solid"/>
+                      <a:round/>
+                      <a:headEnd type="none" w="med" len="med"/>
+                      <a:tailEnd type="none" w="med" len="med"/>
+                    </a:lnR>
+                    <a:lnT w="12700" cap="flat" cmpd="sng" algn="ctr">
+                      <a:solidFill>
+                        <a:schemeClr val="tx1"/>
+                      </a:solidFill>
+                      <a:prstDash val="solid"/>
+                      <a:round/>
+                      <a:headEnd type="none" w="med" len="med"/>
+                      <a:tailEnd type="none" w="med" len="med"/>
+                    </a:lnT>
+                    <a:lnB w="12700" cap="flat" cmpd="sng" algn="ctr">
+                      <a:solidFill>
+                        <a:schemeClr val="tx1"/>
+                      </a:solidFill>
+                      <a:prstDash val="solid"/>
+                      <a:round/>
+                      <a:headEnd type="none" w="med" len="med"/>
+                      <a:tailEnd type="none" w="med" len="med"/>
+                    </a:lnB>
+                    <a:solidFill>
+                      <a:schemeClr val="tx2">
+                        <a:lumMod val="10000"/>
+                        <a:lumOff val="90000"/>
+                      </a:schemeClr>
+                    </a:solidFill>
+                  </a:tcPr>
+                </a:tc>
+                <a:tc>
+                  <a:txBody>
+                    <a:bodyPr/>
+                    <a:lstStyle/>
+                    <a:p>
+                      <a:endParaRPr lang="zh-CN" altLang="en-US" dirty="0"/>
+                    </a:p>
+                  </a:txBody>
+                  <a:tcPr>
+                    <a:lnL w="12700" cap="flat" cmpd="sng" algn="ctr">
+                      <a:solidFill>
+                        <a:schemeClr val="tx1"/>
+                      </a:solidFill>
+                      <a:prstDash val="solid"/>
+                      <a:round/>
+                      <a:headEnd type="none" w="med" len="med"/>
+                      <a:tailEnd type="none" w="med" len="med"/>
+                    </a:lnL>
+                    <a:lnR w="12700" cap="flat" cmpd="sng" algn="ctr">
+                      <a:solidFill>
+                        <a:schemeClr val="tx1"/>
+                      </a:solidFill>
+                      <a:prstDash val="solid"/>
+                      <a:round/>
+                      <a:headEnd type="none" w="med" len="med"/>
+                      <a:tailEnd type="none" w="med" len="med"/>
+                    </a:lnR>
+                    <a:lnT w="12700" cap="flat" cmpd="sng" algn="ctr">
+                      <a:solidFill>
+                        <a:schemeClr val="tx1"/>
+                      </a:solidFill>
+                      <a:prstDash val="solid"/>
+                      <a:round/>
+                      <a:headEnd type="none" w="med" len="med"/>
+                      <a:tailEnd type="none" w="med" len="med"/>
+                    </a:lnT>
+                    <a:lnB w="12700" cap="flat" cmpd="sng" algn="ctr">
+                      <a:solidFill>
+                        <a:schemeClr val="tx1"/>
+                      </a:solidFill>
+                      <a:prstDash val="solid"/>
+                      <a:round/>
+                      <a:headEnd type="none" w="med" len="med"/>
+                      <a:tailEnd type="none" w="med" len="med"/>
+                    </a:lnB>
+                    <a:solidFill>
+                      <a:schemeClr val="tx2">
+                        <a:lumMod val="10000"/>
+                        <a:lumOff val="90000"/>
+                      </a:schemeClr>
+                    </a:solidFill>
+                  </a:tcPr>
+                </a:tc>
+                <a:tc>
+                  <a:txBody>
+                    <a:bodyPr/>
+                    <a:lstStyle/>
+                    <a:p>
+                      <a:endParaRPr lang="zh-CN" altLang="en-US" dirty="0"/>
+                    </a:p>
+                  </a:txBody>
+                  <a:tcPr>
+                    <a:lnL w="12700" cap="flat" cmpd="sng" algn="ctr">
+                      <a:solidFill>
+                        <a:schemeClr val="tx1"/>
+                      </a:solidFill>
+                      <a:prstDash val="solid"/>
+                      <a:round/>
+                      <a:headEnd type="none" w="med" len="med"/>
+                      <a:tailEnd type="none" w="med" len="med"/>
+                    </a:lnL>
+                    <a:lnR w="12700" cap="flat" cmpd="sng" algn="ctr">
+                      <a:solidFill>
+                        <a:schemeClr val="tx1"/>
+                      </a:solidFill>
+                      <a:prstDash val="solid"/>
+                      <a:round/>
+                      <a:headEnd type="none" w="med" len="med"/>
+                      <a:tailEnd type="none" w="med" len="med"/>
+                    </a:lnR>
+                    <a:lnT w="12700" cap="flat" cmpd="sng" algn="ctr">
+                      <a:solidFill>
+                        <a:schemeClr val="tx1"/>
+                      </a:solidFill>
+                      <a:prstDash val="solid"/>
+                      <a:round/>
+                      <a:headEnd type="none" w="med" len="med"/>
+                      <a:tailEnd type="none" w="med" len="med"/>
+                    </a:lnT>
+                    <a:lnB w="12700" cap="flat" cmpd="sng" algn="ctr">
+                      <a:solidFill>
+                        <a:schemeClr val="tx1"/>
+                      </a:solidFill>
+                      <a:prstDash val="solid"/>
+                      <a:round/>
+                      <a:headEnd type="none" w="med" len="med"/>
+                      <a:tailEnd type="none" w="med" len="med"/>
+                    </a:lnB>
+                    <a:solidFill>
+                      <a:schemeClr val="bg2">
+                        <a:lumMod val="90000"/>
+                      </a:schemeClr>
+                    </a:solidFill>
+                  </a:tcPr>
+                </a:tc>
+                <a:tc>
+                  <a:txBody>
+                    <a:bodyPr/>
+                    <a:lstStyle/>
+                    <a:p>
+                      <a:endParaRPr lang="zh-CN" altLang="en-US" dirty="0"/>
+                    </a:p>
+                  </a:txBody>
+                  <a:tcPr>
+                    <a:lnL w="12700" cap="flat" cmpd="sng" algn="ctr">
+                      <a:solidFill>
+                        <a:schemeClr val="tx1"/>
+                      </a:solidFill>
+                      <a:prstDash val="solid"/>
+                      <a:round/>
+                      <a:headEnd type="none" w="med" len="med"/>
+                      <a:tailEnd type="none" w="med" len="med"/>
+                    </a:lnL>
+                    <a:lnR w="12700" cap="flat" cmpd="sng" algn="ctr">
+                      <a:solidFill>
+                        <a:schemeClr val="tx1"/>
+                      </a:solidFill>
+                      <a:prstDash val="solid"/>
+                      <a:round/>
+                      <a:headEnd type="none" w="med" len="med"/>
+                      <a:tailEnd type="none" w="med" len="med"/>
+                    </a:lnR>
+                    <a:lnT w="12700" cap="flat" cmpd="sng" algn="ctr">
+                      <a:solidFill>
+                        <a:schemeClr val="tx1"/>
+                      </a:solidFill>
+                      <a:prstDash val="solid"/>
+                      <a:round/>
+                      <a:headEnd type="none" w="med" len="med"/>
+                      <a:tailEnd type="none" w="med" len="med"/>
+                    </a:lnT>
+                    <a:lnB w="12700" cap="flat" cmpd="sng" algn="ctr">
+                      <a:solidFill>
+                        <a:schemeClr val="tx1"/>
+                      </a:solidFill>
+                      <a:prstDash val="solid"/>
+                      <a:round/>
+                      <a:headEnd type="none" w="med" len="med"/>
+                      <a:tailEnd type="none" w="med" len="med"/>
+                    </a:lnB>
+                    <a:solidFill>
+                      <a:schemeClr val="bg2">
+                        <a:lumMod val="90000"/>
+                      </a:schemeClr>
+                    </a:solidFill>
+                  </a:tcPr>
+                </a:tc>
+                <a:extLst>
+                  <a:ext uri="{0D108BD9-81ED-4DB2-BD59-A6C34878D82A}">
+                    <a16:rowId xmlns:a16="http://schemas.microsoft.com/office/drawing/2014/main" val="2758723882"/>
+                  </a:ext>
+                </a:extLst>
+              </a:tr>
+              <a:tr h="611717">
+                <a:tc>
+                  <a:txBody>
+                    <a:bodyPr/>
+                    <a:lstStyle/>
+                    <a:p>
+                      <a:endParaRPr lang="zh-CN" altLang="en-US"/>
+                    </a:p>
+                  </a:txBody>
+                  <a:tcPr>
+                    <a:lnL w="12700" cap="flat" cmpd="sng" algn="ctr">
+                      <a:solidFill>
+                        <a:schemeClr val="tx1"/>
+                      </a:solidFill>
+                      <a:prstDash val="solid"/>
+                      <a:round/>
+                      <a:headEnd type="none" w="med" len="med"/>
+                      <a:tailEnd type="none" w="med" len="med"/>
+                    </a:lnL>
+                    <a:lnR w="12700" cap="flat" cmpd="sng" algn="ctr">
+                      <a:solidFill>
+                        <a:schemeClr val="tx1"/>
+                      </a:solidFill>
+                      <a:prstDash val="solid"/>
+                      <a:round/>
+                      <a:headEnd type="none" w="med" len="med"/>
+                      <a:tailEnd type="none" w="med" len="med"/>
+                    </a:lnR>
+                    <a:lnT w="12700" cap="flat" cmpd="sng" algn="ctr">
+                      <a:solidFill>
+                        <a:schemeClr val="tx1"/>
+                      </a:solidFill>
+                      <a:prstDash val="solid"/>
+                      <a:round/>
+                      <a:headEnd type="none" w="med" len="med"/>
+                      <a:tailEnd type="none" w="med" len="med"/>
+                    </a:lnT>
+                    <a:lnB w="12700" cap="flat" cmpd="sng" algn="ctr">
+                      <a:solidFill>
+                        <a:schemeClr val="tx1"/>
+                      </a:solidFill>
+                      <a:prstDash val="solid"/>
+                      <a:round/>
+                      <a:headEnd type="none" w="med" len="med"/>
+                      <a:tailEnd type="none" w="med" len="med"/>
+                    </a:lnB>
+                    <a:solidFill>
+                      <a:schemeClr val="bg2">
+                        <a:lumMod val="90000"/>
+                      </a:schemeClr>
+                    </a:solidFill>
+                  </a:tcPr>
+                </a:tc>
+                <a:tc>
+                  <a:txBody>
+                    <a:bodyPr/>
+                    <a:lstStyle/>
+                    <a:p>
+                      <a:endParaRPr lang="zh-CN" altLang="en-US"/>
+                    </a:p>
+                  </a:txBody>
+                  <a:tcPr>
+                    <a:lnL w="12700" cap="flat" cmpd="sng" algn="ctr">
+                      <a:solidFill>
+                        <a:schemeClr val="tx1"/>
+                      </a:solidFill>
+                      <a:prstDash val="solid"/>
+                      <a:round/>
+                      <a:headEnd type="none" w="med" len="med"/>
+                      <a:tailEnd type="none" w="med" len="med"/>
+                    </a:lnL>
+                    <a:lnR w="12700" cap="flat" cmpd="sng" algn="ctr">
+                      <a:solidFill>
+                        <a:schemeClr val="tx1"/>
+                      </a:solidFill>
+                      <a:prstDash val="solid"/>
+                      <a:round/>
+                      <a:headEnd type="none" w="med" len="med"/>
+                      <a:tailEnd type="none" w="med" len="med"/>
+                    </a:lnR>
+                    <a:lnT w="12700" cap="flat" cmpd="sng" algn="ctr">
+                      <a:solidFill>
+                        <a:schemeClr val="tx1"/>
+                      </a:solidFill>
+                      <a:prstDash val="solid"/>
+                      <a:round/>
+                      <a:headEnd type="none" w="med" len="med"/>
+                      <a:tailEnd type="none" w="med" len="med"/>
+                    </a:lnT>
+                    <a:lnB w="12700" cap="flat" cmpd="sng" algn="ctr">
+                      <a:solidFill>
+                        <a:schemeClr val="tx1"/>
+                      </a:solidFill>
+                      <a:prstDash val="solid"/>
+                      <a:round/>
+                      <a:headEnd type="none" w="med" len="med"/>
+                      <a:tailEnd type="none" w="med" len="med"/>
+                    </a:lnB>
+                    <a:solidFill>
+                      <a:schemeClr val="bg2">
+                        <a:lumMod val="90000"/>
+                      </a:schemeClr>
+                    </a:solidFill>
+                  </a:tcPr>
+                </a:tc>
+                <a:tc>
+                  <a:txBody>
+                    <a:bodyPr/>
+                    <a:lstStyle/>
+                    <a:p>
+                      <a:endParaRPr lang="zh-CN" altLang="en-US"/>
+                    </a:p>
+                  </a:txBody>
+                  <a:tcPr>
+                    <a:lnL w="12700" cap="flat" cmpd="sng" algn="ctr">
+                      <a:solidFill>
+                        <a:schemeClr val="tx1"/>
+                      </a:solidFill>
+                      <a:prstDash val="solid"/>
+                      <a:round/>
+                      <a:headEnd type="none" w="med" len="med"/>
+                      <a:tailEnd type="none" w="med" len="med"/>
+                    </a:lnL>
+                    <a:lnR w="12700" cap="flat" cmpd="sng" algn="ctr">
+                      <a:solidFill>
+                        <a:schemeClr val="tx1"/>
+                      </a:solidFill>
+                      <a:prstDash val="solid"/>
+                      <a:round/>
+                      <a:headEnd type="none" w="med" len="med"/>
+                      <a:tailEnd type="none" w="med" len="med"/>
+                    </a:lnR>
+                    <a:lnT w="12700" cap="flat" cmpd="sng" algn="ctr">
+                      <a:solidFill>
+                        <a:schemeClr val="tx1"/>
+                      </a:solidFill>
+                      <a:prstDash val="solid"/>
+                      <a:round/>
+                      <a:headEnd type="none" w="med" len="med"/>
+                      <a:tailEnd type="none" w="med" len="med"/>
+                    </a:lnT>
+                    <a:lnB w="12700" cap="flat" cmpd="sng" algn="ctr">
+                      <a:solidFill>
+                        <a:schemeClr val="tx1"/>
+                      </a:solidFill>
+                      <a:prstDash val="solid"/>
+                      <a:round/>
+                      <a:headEnd type="none" w="med" len="med"/>
+                      <a:tailEnd type="none" w="med" len="med"/>
+                    </a:lnB>
+                    <a:solidFill>
+                      <a:schemeClr val="bg2">
+                        <a:lumMod val="90000"/>
+                      </a:schemeClr>
+                    </a:solidFill>
+                  </a:tcPr>
+                </a:tc>
+                <a:tc>
+                  <a:txBody>
+                    <a:bodyPr/>
+                    <a:lstStyle/>
+                    <a:p>
+                      <a:endParaRPr lang="zh-CN" altLang="en-US" dirty="0"/>
+                    </a:p>
+                  </a:txBody>
+                  <a:tcPr>
+                    <a:lnL w="12700" cap="flat" cmpd="sng" algn="ctr">
+                      <a:solidFill>
+                        <a:schemeClr val="tx1"/>
+                      </a:solidFill>
+                      <a:prstDash val="solid"/>
+                      <a:round/>
+                      <a:headEnd type="none" w="med" len="med"/>
+                      <a:tailEnd type="none" w="med" len="med"/>
+                    </a:lnL>
+                    <a:lnR w="12700" cap="flat" cmpd="sng" algn="ctr">
+                      <a:solidFill>
+                        <a:schemeClr val="tx1"/>
+                      </a:solidFill>
+                      <a:prstDash val="solid"/>
+                      <a:round/>
+                      <a:headEnd type="none" w="med" len="med"/>
+                      <a:tailEnd type="none" w="med" len="med"/>
+                    </a:lnR>
+                    <a:lnT w="12700" cap="flat" cmpd="sng" algn="ctr">
+                      <a:solidFill>
+                        <a:schemeClr val="tx1"/>
+                      </a:solidFill>
+                      <a:prstDash val="solid"/>
+                      <a:round/>
+                      <a:headEnd type="none" w="med" len="med"/>
+                      <a:tailEnd type="none" w="med" len="med"/>
+                    </a:lnT>
+                    <a:lnB w="12700" cap="flat" cmpd="sng" algn="ctr">
+                      <a:solidFill>
+                        <a:schemeClr val="tx1"/>
+                      </a:solidFill>
+                      <a:prstDash val="solid"/>
+                      <a:round/>
+                      <a:headEnd type="none" w="med" len="med"/>
+                      <a:tailEnd type="none" w="med" len="med"/>
+                    </a:lnB>
+                    <a:solidFill>
+                      <a:schemeClr val="tx2">
+                        <a:lumMod val="10000"/>
+                        <a:lumOff val="90000"/>
+                      </a:schemeClr>
+                    </a:solidFill>
+                  </a:tcPr>
+                </a:tc>
+                <a:tc>
+                  <a:txBody>
+                    <a:bodyPr/>
+                    <a:lstStyle/>
+                    <a:p>
+                      <a:endParaRPr lang="zh-CN" altLang="en-US" dirty="0"/>
+                    </a:p>
+                  </a:txBody>
+                  <a:tcPr>
+                    <a:lnL w="12700" cap="flat" cmpd="sng" algn="ctr">
+                      <a:solidFill>
+                        <a:schemeClr val="tx1"/>
+                      </a:solidFill>
+                      <a:prstDash val="solid"/>
+                      <a:round/>
+                      <a:headEnd type="none" w="med" len="med"/>
+                      <a:tailEnd type="none" w="med" len="med"/>
+                    </a:lnL>
+                    <a:lnR w="12700" cap="flat" cmpd="sng" algn="ctr">
+                      <a:solidFill>
+                        <a:schemeClr val="tx1"/>
+                      </a:solidFill>
+                      <a:prstDash val="solid"/>
+                      <a:round/>
+                      <a:headEnd type="none" w="med" len="med"/>
+                      <a:tailEnd type="none" w="med" len="med"/>
+                    </a:lnR>
+                    <a:lnT w="12700" cap="flat" cmpd="sng" algn="ctr">
+                      <a:solidFill>
+                        <a:schemeClr val="tx1"/>
+                      </a:solidFill>
+                      <a:prstDash val="solid"/>
+                      <a:round/>
+                      <a:headEnd type="none" w="med" len="med"/>
+                      <a:tailEnd type="none" w="med" len="med"/>
+                    </a:lnT>
+                    <a:lnB w="12700" cap="flat" cmpd="sng" algn="ctr">
+                      <a:solidFill>
+                        <a:schemeClr val="tx1"/>
+                      </a:solidFill>
+                      <a:prstDash val="solid"/>
+                      <a:round/>
+                      <a:headEnd type="none" w="med" len="med"/>
+                      <a:tailEnd type="none" w="med" len="med"/>
+                    </a:lnB>
+                    <a:solidFill>
+                      <a:schemeClr val="tx2">
+                        <a:lumMod val="10000"/>
+                        <a:lumOff val="90000"/>
+                      </a:schemeClr>
+                    </a:solidFill>
+                  </a:tcPr>
+                </a:tc>
+                <a:tc>
+                  <a:txBody>
+                    <a:bodyPr/>
+                    <a:lstStyle/>
+                    <a:p>
+                      <a:endParaRPr lang="zh-CN" altLang="en-US" dirty="0"/>
+                    </a:p>
+                  </a:txBody>
+                  <a:tcPr>
+                    <a:lnL w="12700" cap="flat" cmpd="sng" algn="ctr">
+                      <a:solidFill>
+                        <a:schemeClr val="tx1"/>
+                      </a:solidFill>
+                      <a:prstDash val="solid"/>
+                      <a:round/>
+                      <a:headEnd type="none" w="med" len="med"/>
+                      <a:tailEnd type="none" w="med" len="med"/>
+                    </a:lnL>
+                    <a:lnR w="12700" cap="flat" cmpd="sng" algn="ctr">
+                      <a:solidFill>
+                        <a:schemeClr val="tx1"/>
+                      </a:solidFill>
+                      <a:prstDash val="solid"/>
+                      <a:round/>
+                      <a:headEnd type="none" w="med" len="med"/>
+                      <a:tailEnd type="none" w="med" len="med"/>
+                    </a:lnR>
+                    <a:lnT w="12700" cap="flat" cmpd="sng" algn="ctr">
+                      <a:solidFill>
+                        <a:schemeClr val="tx1"/>
+                      </a:solidFill>
+                      <a:prstDash val="solid"/>
+                      <a:round/>
+                      <a:headEnd type="none" w="med" len="med"/>
+                      <a:tailEnd type="none" w="med" len="med"/>
+                    </a:lnT>
+                    <a:lnB w="12700" cap="flat" cmpd="sng" algn="ctr">
+                      <a:solidFill>
+                        <a:schemeClr val="tx1"/>
+                      </a:solidFill>
+                      <a:prstDash val="solid"/>
+                      <a:round/>
+                      <a:headEnd type="none" w="med" len="med"/>
+                      <a:tailEnd type="none" w="med" len="med"/>
+                    </a:lnB>
+                    <a:solidFill>
+                      <a:schemeClr val="tx2">
+                        <a:lumMod val="10000"/>
+                        <a:lumOff val="90000"/>
+                      </a:schemeClr>
+                    </a:solidFill>
+                  </a:tcPr>
+                </a:tc>
+                <a:tc>
+                  <a:txBody>
+                    <a:bodyPr/>
+                    <a:lstStyle/>
+                    <a:p>
+                      <a:endParaRPr lang="zh-CN" altLang="en-US" dirty="0"/>
+                    </a:p>
+                  </a:txBody>
+                  <a:tcPr>
+                    <a:lnL w="12700" cap="flat" cmpd="sng" algn="ctr">
+                      <a:solidFill>
+                        <a:schemeClr val="tx1"/>
+                      </a:solidFill>
+                      <a:prstDash val="solid"/>
+                      <a:round/>
+                      <a:headEnd type="none" w="med" len="med"/>
+                      <a:tailEnd type="none" w="med" len="med"/>
+                    </a:lnL>
+                    <a:lnR w="12700" cap="flat" cmpd="sng" algn="ctr">
+                      <a:solidFill>
+                        <a:schemeClr val="tx1"/>
+                      </a:solidFill>
+                      <a:prstDash val="solid"/>
+                      <a:round/>
+                      <a:headEnd type="none" w="med" len="med"/>
+                      <a:tailEnd type="none" w="med" len="med"/>
+                    </a:lnR>
+                    <a:lnT w="12700" cap="flat" cmpd="sng" algn="ctr">
+                      <a:solidFill>
+                        <a:schemeClr val="tx1"/>
+                      </a:solidFill>
+                      <a:prstDash val="solid"/>
+                      <a:round/>
+                      <a:headEnd type="none" w="med" len="med"/>
+                      <a:tailEnd type="none" w="med" len="med"/>
+                    </a:lnT>
+                    <a:lnB w="12700" cap="flat" cmpd="sng" algn="ctr">
+                      <a:solidFill>
+                        <a:schemeClr val="tx1"/>
+                      </a:solidFill>
+                      <a:prstDash val="solid"/>
+                      <a:round/>
+                      <a:headEnd type="none" w="med" len="med"/>
+                      <a:tailEnd type="none" w="med" len="med"/>
+                    </a:lnB>
+                    <a:solidFill>
+                      <a:schemeClr val="bg2">
+                        <a:lumMod val="90000"/>
+                      </a:schemeClr>
+                    </a:solidFill>
+                  </a:tcPr>
+                </a:tc>
+                <a:extLst>
+                  <a:ext uri="{0D108BD9-81ED-4DB2-BD59-A6C34878D82A}">
+                    <a16:rowId xmlns:a16="http://schemas.microsoft.com/office/drawing/2014/main" val="1206258964"/>
+                  </a:ext>
+                </a:extLst>
+              </a:tr>
+              <a:tr h="611717">
+                <a:tc>
+                  <a:txBody>
+                    <a:bodyPr/>
+                    <a:lstStyle/>
+                    <a:p>
+                      <a:endParaRPr lang="zh-CN" altLang="en-US"/>
+                    </a:p>
+                  </a:txBody>
+                  <a:tcPr>
+                    <a:lnL w="12700" cap="flat" cmpd="sng" algn="ctr">
+                      <a:solidFill>
+                        <a:schemeClr val="tx1"/>
+                      </a:solidFill>
+                      <a:prstDash val="solid"/>
+                      <a:round/>
+                      <a:headEnd type="none" w="med" len="med"/>
+                      <a:tailEnd type="none" w="med" len="med"/>
+                    </a:lnL>
+                    <a:lnR w="12700" cap="flat" cmpd="sng" algn="ctr">
+                      <a:solidFill>
+                        <a:schemeClr val="tx1"/>
+                      </a:solidFill>
+                      <a:prstDash val="solid"/>
+                      <a:round/>
+                      <a:headEnd type="none" w="med" len="med"/>
+                      <a:tailEnd type="none" w="med" len="med"/>
+                    </a:lnR>
+                    <a:lnT w="12700" cap="flat" cmpd="sng" algn="ctr">
+                      <a:solidFill>
+                        <a:schemeClr val="tx1"/>
+                      </a:solidFill>
+                      <a:prstDash val="solid"/>
+                      <a:round/>
+                      <a:headEnd type="none" w="med" len="med"/>
+                      <a:tailEnd type="none" w="med" len="med"/>
+                    </a:lnT>
+                    <a:lnB w="12700" cap="flat" cmpd="sng" algn="ctr">
+                      <a:solidFill>
+                        <a:schemeClr val="tx1"/>
+                      </a:solidFill>
+                      <a:prstDash val="solid"/>
+                      <a:round/>
+                      <a:headEnd type="none" w="med" len="med"/>
+                      <a:tailEnd type="none" w="med" len="med"/>
+                    </a:lnB>
+                    <a:solidFill>
+                      <a:schemeClr val="bg2">
+                        <a:lumMod val="90000"/>
+                      </a:schemeClr>
+                    </a:solidFill>
+                  </a:tcPr>
+                </a:tc>
+                <a:tc>
+                  <a:txBody>
+                    <a:bodyPr/>
+                    <a:lstStyle/>
+                    <a:p>
+                      <a:endParaRPr lang="zh-CN" altLang="en-US"/>
+                    </a:p>
+                  </a:txBody>
+                  <a:tcPr>
+                    <a:lnL w="12700" cap="flat" cmpd="sng" algn="ctr">
+                      <a:solidFill>
+                        <a:schemeClr val="tx1"/>
+                      </a:solidFill>
+                      <a:prstDash val="solid"/>
+                      <a:round/>
+                      <a:headEnd type="none" w="med" len="med"/>
+                      <a:tailEnd type="none" w="med" len="med"/>
+                    </a:lnL>
+                    <a:lnR w="12700" cap="flat" cmpd="sng" algn="ctr">
+                      <a:solidFill>
+                        <a:schemeClr val="tx1"/>
+                      </a:solidFill>
+                      <a:prstDash val="solid"/>
+                      <a:round/>
+                      <a:headEnd type="none" w="med" len="med"/>
+                      <a:tailEnd type="none" w="med" len="med"/>
+                    </a:lnR>
+                    <a:lnT w="12700" cap="flat" cmpd="sng" algn="ctr">
+                      <a:solidFill>
+                        <a:schemeClr val="tx1"/>
+                      </a:solidFill>
+                      <a:prstDash val="solid"/>
+                      <a:round/>
+                      <a:headEnd type="none" w="med" len="med"/>
+                      <a:tailEnd type="none" w="med" len="med"/>
+                    </a:lnT>
+                    <a:lnB w="12700" cap="flat" cmpd="sng" algn="ctr">
+                      <a:solidFill>
+                        <a:schemeClr val="tx1"/>
+                      </a:solidFill>
+                      <a:prstDash val="solid"/>
+                      <a:round/>
+                      <a:headEnd type="none" w="med" len="med"/>
+                      <a:tailEnd type="none" w="med" len="med"/>
+                    </a:lnB>
+                    <a:solidFill>
+                      <a:schemeClr val="bg2">
+                        <a:lumMod val="90000"/>
+                      </a:schemeClr>
+                    </a:solidFill>
+                  </a:tcPr>
+                </a:tc>
+                <a:tc>
+                  <a:txBody>
+                    <a:bodyPr/>
+                    <a:lstStyle/>
+                    <a:p>
+                      <a:endParaRPr lang="zh-CN" altLang="en-US"/>
+                    </a:p>
+                  </a:txBody>
+                  <a:tcPr>
+                    <a:lnL w="12700" cap="flat" cmpd="sng" algn="ctr">
+                      <a:solidFill>
+                        <a:schemeClr val="tx1"/>
+                      </a:solidFill>
+                      <a:prstDash val="solid"/>
+                      <a:round/>
+                      <a:headEnd type="none" w="med" len="med"/>
+                      <a:tailEnd type="none" w="med" len="med"/>
+                    </a:lnL>
+                    <a:lnR w="12700" cap="flat" cmpd="sng" algn="ctr">
+                      <a:solidFill>
+                        <a:schemeClr val="tx1"/>
+                      </a:solidFill>
+                      <a:prstDash val="solid"/>
+                      <a:round/>
+                      <a:headEnd type="none" w="med" len="med"/>
+                      <a:tailEnd type="none" w="med" len="med"/>
+                    </a:lnR>
+                    <a:lnT w="12700" cap="flat" cmpd="sng" algn="ctr">
+                      <a:solidFill>
+                        <a:schemeClr val="tx1"/>
+                      </a:solidFill>
+                      <a:prstDash val="solid"/>
+                      <a:round/>
+                      <a:headEnd type="none" w="med" len="med"/>
+                      <a:tailEnd type="none" w="med" len="med"/>
+                    </a:lnT>
+                    <a:lnB w="12700" cap="flat" cmpd="sng" algn="ctr">
+                      <a:solidFill>
+                        <a:schemeClr val="tx1"/>
+                      </a:solidFill>
+                      <a:prstDash val="solid"/>
+                      <a:round/>
+                      <a:headEnd type="none" w="med" len="med"/>
+                      <a:tailEnd type="none" w="med" len="med"/>
+                    </a:lnB>
+                    <a:solidFill>
+                      <a:schemeClr val="bg2">
+                        <a:lumMod val="90000"/>
+                      </a:schemeClr>
+                    </a:solidFill>
+                  </a:tcPr>
+                </a:tc>
+                <a:tc>
+                  <a:txBody>
+                    <a:bodyPr/>
+                    <a:lstStyle/>
+                    <a:p>
+                      <a:endParaRPr lang="zh-CN" altLang="en-US" dirty="0"/>
+                    </a:p>
+                  </a:txBody>
+                  <a:tcPr>
+                    <a:lnL w="12700" cap="flat" cmpd="sng" algn="ctr">
+                      <a:solidFill>
+                        <a:schemeClr val="tx1"/>
+                      </a:solidFill>
+                      <a:prstDash val="solid"/>
+                      <a:round/>
+                      <a:headEnd type="none" w="med" len="med"/>
+                      <a:tailEnd type="none" w="med" len="med"/>
+                    </a:lnL>
+                    <a:lnR w="12700" cap="flat" cmpd="sng" algn="ctr">
+                      <a:solidFill>
+                        <a:schemeClr val="tx1"/>
+                      </a:solidFill>
+                      <a:prstDash val="solid"/>
+                      <a:round/>
+                      <a:headEnd type="none" w="med" len="med"/>
+                      <a:tailEnd type="none" w="med" len="med"/>
+                    </a:lnR>
+                    <a:lnT w="12700" cap="flat" cmpd="sng" algn="ctr">
+                      <a:solidFill>
+                        <a:schemeClr val="tx1"/>
+                      </a:solidFill>
+                      <a:prstDash val="solid"/>
+                      <a:round/>
+                      <a:headEnd type="none" w="med" len="med"/>
+                      <a:tailEnd type="none" w="med" len="med"/>
+                    </a:lnT>
+                    <a:lnB w="12700" cap="flat" cmpd="sng" algn="ctr">
+                      <a:solidFill>
+                        <a:schemeClr val="tx1"/>
+                      </a:solidFill>
+                      <a:prstDash val="solid"/>
+                      <a:round/>
+                      <a:headEnd type="none" w="med" len="med"/>
+                      <a:tailEnd type="none" w="med" len="med"/>
+                    </a:lnB>
+                    <a:solidFill>
+                      <a:schemeClr val="bg2">
+                        <a:lumMod val="90000"/>
+                      </a:schemeClr>
+                    </a:solidFill>
+                  </a:tcPr>
+                </a:tc>
+                <a:tc>
+                  <a:txBody>
+                    <a:bodyPr/>
+                    <a:lstStyle/>
+                    <a:p>
+                      <a:endParaRPr lang="zh-CN" altLang="en-US" dirty="0"/>
+                    </a:p>
+                  </a:txBody>
+                  <a:tcPr>
+                    <a:lnL w="12700" cap="flat" cmpd="sng" algn="ctr">
+                      <a:solidFill>
+                        <a:schemeClr val="tx1"/>
+                      </a:solidFill>
+                      <a:prstDash val="solid"/>
+                      <a:round/>
+                      <a:headEnd type="none" w="med" len="med"/>
+                      <a:tailEnd type="none" w="med" len="med"/>
+                    </a:lnL>
+                    <a:lnR w="12700" cap="flat" cmpd="sng" algn="ctr">
+                      <a:solidFill>
+                        <a:schemeClr val="tx1"/>
+                      </a:solidFill>
+                      <a:prstDash val="solid"/>
+                      <a:round/>
+                      <a:headEnd type="none" w="med" len="med"/>
+                      <a:tailEnd type="none" w="med" len="med"/>
+                    </a:lnR>
+                    <a:lnT w="12700" cap="flat" cmpd="sng" algn="ctr">
+                      <a:solidFill>
+                        <a:schemeClr val="tx1"/>
+                      </a:solidFill>
+                      <a:prstDash val="solid"/>
+                      <a:round/>
+                      <a:headEnd type="none" w="med" len="med"/>
+                      <a:tailEnd type="none" w="med" len="med"/>
+                    </a:lnT>
+                    <a:lnB w="12700" cap="flat" cmpd="sng" algn="ctr">
+                      <a:solidFill>
+                        <a:schemeClr val="tx1"/>
+                      </a:solidFill>
+                      <a:prstDash val="solid"/>
+                      <a:round/>
+                      <a:headEnd type="none" w="med" len="med"/>
+                      <a:tailEnd type="none" w="med" len="med"/>
+                    </a:lnB>
+                    <a:solidFill>
+                      <a:schemeClr val="tx2">
+                        <a:lumMod val="10000"/>
+                        <a:lumOff val="90000"/>
+                      </a:schemeClr>
+                    </a:solidFill>
+                  </a:tcPr>
+                </a:tc>
+                <a:tc>
+                  <a:txBody>
+                    <a:bodyPr/>
+                    <a:lstStyle/>
+                    <a:p>
+                      <a:endParaRPr lang="zh-CN" altLang="en-US" dirty="0"/>
+                    </a:p>
+                  </a:txBody>
+                  <a:tcPr>
+                    <a:lnL w="12700" cap="flat" cmpd="sng" algn="ctr">
+                      <a:solidFill>
+                        <a:schemeClr val="tx1"/>
+                      </a:solidFill>
+                      <a:prstDash val="solid"/>
+                      <a:round/>
+                      <a:headEnd type="none" w="med" len="med"/>
+                      <a:tailEnd type="none" w="med" len="med"/>
+                    </a:lnL>
+                    <a:lnR w="12700" cap="flat" cmpd="sng" algn="ctr">
+                      <a:solidFill>
+                        <a:schemeClr val="tx1"/>
+                      </a:solidFill>
+                      <a:prstDash val="solid"/>
+                      <a:round/>
+                      <a:headEnd type="none" w="med" len="med"/>
+                      <a:tailEnd type="none" w="med" len="med"/>
+                    </a:lnR>
+                    <a:lnT w="12700" cap="flat" cmpd="sng" algn="ctr">
+                      <a:solidFill>
+                        <a:schemeClr val="tx1"/>
+                      </a:solidFill>
+                      <a:prstDash val="solid"/>
+                      <a:round/>
+                      <a:headEnd type="none" w="med" len="med"/>
+                      <a:tailEnd type="none" w="med" len="med"/>
+                    </a:lnT>
+                    <a:lnB w="12700" cap="flat" cmpd="sng" algn="ctr">
+                      <a:solidFill>
+                        <a:schemeClr val="tx1"/>
+                      </a:solidFill>
+                      <a:prstDash val="solid"/>
+                      <a:round/>
+                      <a:headEnd type="none" w="med" len="med"/>
+                      <a:tailEnd type="none" w="med" len="med"/>
+                    </a:lnB>
+                    <a:solidFill>
+                      <a:schemeClr val="tx2">
+                        <a:lumMod val="10000"/>
+                        <a:lumOff val="90000"/>
+                      </a:schemeClr>
+                    </a:solidFill>
+                  </a:tcPr>
+                </a:tc>
+                <a:tc>
+                  <a:txBody>
+                    <a:bodyPr/>
+                    <a:lstStyle/>
+                    <a:p>
+                      <a:endParaRPr lang="zh-CN" altLang="en-US" dirty="0"/>
+                    </a:p>
+                  </a:txBody>
+                  <a:tcPr>
+                    <a:lnL w="12700" cap="flat" cmpd="sng" algn="ctr">
+                      <a:solidFill>
+                        <a:schemeClr val="tx1"/>
+                      </a:solidFill>
+                      <a:prstDash val="solid"/>
+                      <a:round/>
+                      <a:headEnd type="none" w="med" len="med"/>
+                      <a:tailEnd type="none" w="med" len="med"/>
+                    </a:lnL>
+                    <a:lnR w="12700" cap="flat" cmpd="sng" algn="ctr">
+                      <a:solidFill>
+                        <a:schemeClr val="tx1"/>
+                      </a:solidFill>
+                      <a:prstDash val="solid"/>
+                      <a:round/>
+                      <a:headEnd type="none" w="med" len="med"/>
+                      <a:tailEnd type="none" w="med" len="med"/>
+                    </a:lnR>
+                    <a:lnT w="12700" cap="flat" cmpd="sng" algn="ctr">
+                      <a:solidFill>
+                        <a:schemeClr val="tx1"/>
+                      </a:solidFill>
+                      <a:prstDash val="solid"/>
+                      <a:round/>
+                      <a:headEnd type="none" w="med" len="med"/>
+                      <a:tailEnd type="none" w="med" len="med"/>
+                    </a:lnT>
+                    <a:lnB w="12700" cap="flat" cmpd="sng" algn="ctr">
+                      <a:solidFill>
+                        <a:schemeClr val="tx1"/>
+                      </a:solidFill>
+                      <a:prstDash val="solid"/>
+                      <a:round/>
+                      <a:headEnd type="none" w="med" len="med"/>
+                      <a:tailEnd type="none" w="med" len="med"/>
+                    </a:lnB>
+                    <a:solidFill>
+                      <a:schemeClr val="tx2">
+                        <a:lumMod val="10000"/>
+                        <a:lumOff val="90000"/>
+                      </a:schemeClr>
+                    </a:solidFill>
+                  </a:tcPr>
+                </a:tc>
+                <a:extLst>
+                  <a:ext uri="{0D108BD9-81ED-4DB2-BD59-A6C34878D82A}">
+                    <a16:rowId xmlns:a16="http://schemas.microsoft.com/office/drawing/2014/main" val="3149203978"/>
+                  </a:ext>
+                </a:extLst>
+              </a:tr>
+              <a:tr h="611717">
+                <a:tc>
+                  <a:txBody>
+                    <a:bodyPr/>
+                    <a:lstStyle/>
+                    <a:p>
+                      <a:endParaRPr lang="zh-CN" altLang="en-US"/>
+                    </a:p>
+                  </a:txBody>
+                  <a:tcPr>
+                    <a:lnL w="12700" cap="flat" cmpd="sng" algn="ctr">
+                      <a:solidFill>
+                        <a:schemeClr val="tx1"/>
+                      </a:solidFill>
+                      <a:prstDash val="solid"/>
+                      <a:round/>
+                      <a:headEnd type="none" w="med" len="med"/>
+                      <a:tailEnd type="none" w="med" len="med"/>
+                    </a:lnL>
+                    <a:lnR w="12700" cap="flat" cmpd="sng" algn="ctr">
+                      <a:solidFill>
+                        <a:schemeClr val="tx1"/>
+                      </a:solidFill>
+                      <a:prstDash val="solid"/>
+                      <a:round/>
+                      <a:headEnd type="none" w="med" len="med"/>
+                      <a:tailEnd type="none" w="med" len="med"/>
+                    </a:lnR>
+                    <a:lnT w="12700" cap="flat" cmpd="sng" algn="ctr">
+                      <a:solidFill>
+                        <a:schemeClr val="tx1"/>
+                      </a:solidFill>
+                      <a:prstDash val="solid"/>
+                      <a:round/>
+                      <a:headEnd type="none" w="med" len="med"/>
+                      <a:tailEnd type="none" w="med" len="med"/>
+                    </a:lnT>
+                    <a:lnB w="12700" cap="flat" cmpd="sng" algn="ctr">
+                      <a:solidFill>
+                        <a:schemeClr val="tx1"/>
+                      </a:solidFill>
+                      <a:prstDash val="solid"/>
+                      <a:round/>
+                      <a:headEnd type="none" w="med" len="med"/>
+                      <a:tailEnd type="none" w="med" len="med"/>
+                    </a:lnB>
+                    <a:solidFill>
+                      <a:schemeClr val="bg2">
+                        <a:lumMod val="90000"/>
+                      </a:schemeClr>
+                    </a:solidFill>
+                  </a:tcPr>
+                </a:tc>
+                <a:tc>
+                  <a:txBody>
+                    <a:bodyPr/>
+                    <a:lstStyle/>
+                    <a:p>
+                      <a:endParaRPr lang="zh-CN" altLang="en-US"/>
+                    </a:p>
+                  </a:txBody>
+                  <a:tcPr>
+                    <a:lnL w="12700" cap="flat" cmpd="sng" algn="ctr">
+                      <a:solidFill>
+                        <a:schemeClr val="tx1"/>
+                      </a:solidFill>
+                      <a:prstDash val="solid"/>
+                      <a:round/>
+                      <a:headEnd type="none" w="med" len="med"/>
+                      <a:tailEnd type="none" w="med" len="med"/>
+                    </a:lnL>
+                    <a:lnR w="12700" cap="flat" cmpd="sng" algn="ctr">
+                      <a:solidFill>
+                        <a:schemeClr val="tx1"/>
+                      </a:solidFill>
+                      <a:prstDash val="solid"/>
+                      <a:round/>
+                      <a:headEnd type="none" w="med" len="med"/>
+                      <a:tailEnd type="none" w="med" len="med"/>
+                    </a:lnR>
+                    <a:lnT w="12700" cap="flat" cmpd="sng" algn="ctr">
+                      <a:solidFill>
+                        <a:schemeClr val="tx1"/>
+                      </a:solidFill>
+                      <a:prstDash val="solid"/>
+                      <a:round/>
+                      <a:headEnd type="none" w="med" len="med"/>
+                      <a:tailEnd type="none" w="med" len="med"/>
+                    </a:lnT>
+                    <a:lnB w="12700" cap="flat" cmpd="sng" algn="ctr">
+                      <a:solidFill>
+                        <a:schemeClr val="tx1"/>
+                      </a:solidFill>
+                      <a:prstDash val="solid"/>
+                      <a:round/>
+                      <a:headEnd type="none" w="med" len="med"/>
+                      <a:tailEnd type="none" w="med" len="med"/>
+                    </a:lnB>
+                    <a:solidFill>
+                      <a:schemeClr val="bg2">
+                        <a:lumMod val="90000"/>
+                      </a:schemeClr>
+                    </a:solidFill>
+                  </a:tcPr>
+                </a:tc>
+                <a:tc>
+                  <a:txBody>
+                    <a:bodyPr/>
+                    <a:lstStyle/>
+                    <a:p>
+                      <a:endParaRPr lang="zh-CN" altLang="en-US"/>
+                    </a:p>
+                  </a:txBody>
+                  <a:tcPr>
+                    <a:lnL w="12700" cap="flat" cmpd="sng" algn="ctr">
+                      <a:solidFill>
+                        <a:schemeClr val="tx1"/>
+                      </a:solidFill>
+                      <a:prstDash val="solid"/>
+                      <a:round/>
+                      <a:headEnd type="none" w="med" len="med"/>
+                      <a:tailEnd type="none" w="med" len="med"/>
+                    </a:lnL>
+                    <a:lnR w="12700" cap="flat" cmpd="sng" algn="ctr">
+                      <a:solidFill>
+                        <a:schemeClr val="tx1"/>
+                      </a:solidFill>
+                      <a:prstDash val="solid"/>
+                      <a:round/>
+                      <a:headEnd type="none" w="med" len="med"/>
+                      <a:tailEnd type="none" w="med" len="med"/>
+                    </a:lnR>
+                    <a:lnT w="12700" cap="flat" cmpd="sng" algn="ctr">
+                      <a:solidFill>
+                        <a:schemeClr val="tx1"/>
+                      </a:solidFill>
+                      <a:prstDash val="solid"/>
+                      <a:round/>
+                      <a:headEnd type="none" w="med" len="med"/>
+                      <a:tailEnd type="none" w="med" len="med"/>
+                    </a:lnT>
+                    <a:lnB w="12700" cap="flat" cmpd="sng" algn="ctr">
+                      <a:solidFill>
+                        <a:schemeClr val="tx1"/>
+                      </a:solidFill>
+                      <a:prstDash val="solid"/>
+                      <a:round/>
+                      <a:headEnd type="none" w="med" len="med"/>
+                      <a:tailEnd type="none" w="med" len="med"/>
+                    </a:lnB>
+                    <a:solidFill>
+                      <a:schemeClr val="bg2">
+                        <a:lumMod val="90000"/>
+                      </a:schemeClr>
+                    </a:solidFill>
+                  </a:tcPr>
+                </a:tc>
+                <a:tc>
+                  <a:txBody>
+                    <a:bodyPr/>
+                    <a:lstStyle/>
+                    <a:p>
+                      <a:endParaRPr lang="zh-CN" altLang="en-US" dirty="0"/>
+                    </a:p>
+                  </a:txBody>
+                  <a:tcPr>
+                    <a:lnL w="12700" cap="flat" cmpd="sng" algn="ctr">
+                      <a:solidFill>
+                        <a:schemeClr val="tx1"/>
+                      </a:solidFill>
+                      <a:prstDash val="solid"/>
+                      <a:round/>
+                      <a:headEnd type="none" w="med" len="med"/>
+                      <a:tailEnd type="none" w="med" len="med"/>
+                    </a:lnL>
+                    <a:lnR w="12700" cap="flat" cmpd="sng" algn="ctr">
+                      <a:solidFill>
+                        <a:schemeClr val="tx1"/>
+                      </a:solidFill>
+                      <a:prstDash val="solid"/>
+                      <a:round/>
+                      <a:headEnd type="none" w="med" len="med"/>
+                      <a:tailEnd type="none" w="med" len="med"/>
+                    </a:lnR>
+                    <a:lnT w="12700" cap="flat" cmpd="sng" algn="ctr">
+                      <a:solidFill>
+                        <a:schemeClr val="tx1"/>
+                      </a:solidFill>
+                      <a:prstDash val="solid"/>
+                      <a:round/>
+                      <a:headEnd type="none" w="med" len="med"/>
+                      <a:tailEnd type="none" w="med" len="med"/>
+                    </a:lnT>
+                    <a:lnB w="12700" cap="flat" cmpd="sng" algn="ctr">
+                      <a:solidFill>
+                        <a:schemeClr val="tx1"/>
+                      </a:solidFill>
+                      <a:prstDash val="solid"/>
+                      <a:round/>
+                      <a:headEnd type="none" w="med" len="med"/>
+                      <a:tailEnd type="none" w="med" len="med"/>
+                    </a:lnB>
+                    <a:solidFill>
+                      <a:schemeClr val="bg2">
+                        <a:lumMod val="90000"/>
+                      </a:schemeClr>
+                    </a:solidFill>
+                  </a:tcPr>
+                </a:tc>
+                <a:tc>
+                  <a:txBody>
+                    <a:bodyPr/>
+                    <a:lstStyle/>
+                    <a:p>
+                      <a:endParaRPr lang="zh-CN" altLang="en-US" dirty="0"/>
+                    </a:p>
+                  </a:txBody>
+                  <a:tcPr>
+                    <a:lnL w="12700" cap="flat" cmpd="sng" algn="ctr">
+                      <a:solidFill>
+                        <a:schemeClr val="tx1"/>
+                      </a:solidFill>
+                      <a:prstDash val="solid"/>
+                      <a:round/>
+                      <a:headEnd type="none" w="med" len="med"/>
+                      <a:tailEnd type="none" w="med" len="med"/>
+                    </a:lnL>
+                    <a:lnR w="12700" cap="flat" cmpd="sng" algn="ctr">
+                      <a:solidFill>
+                        <a:schemeClr val="tx1"/>
+                      </a:solidFill>
+                      <a:prstDash val="solid"/>
+                      <a:round/>
+                      <a:headEnd type="none" w="med" len="med"/>
+                      <a:tailEnd type="none" w="med" len="med"/>
+                    </a:lnR>
+                    <a:lnT w="12700" cap="flat" cmpd="sng" algn="ctr">
+                      <a:solidFill>
+                        <a:schemeClr val="tx1"/>
+                      </a:solidFill>
+                      <a:prstDash val="solid"/>
+                      <a:round/>
+                      <a:headEnd type="none" w="med" len="med"/>
+                      <a:tailEnd type="none" w="med" len="med"/>
+                    </a:lnT>
+                    <a:lnB w="12700" cap="flat" cmpd="sng" algn="ctr">
+                      <a:solidFill>
+                        <a:schemeClr val="tx1"/>
+                      </a:solidFill>
+                      <a:prstDash val="solid"/>
+                      <a:round/>
+                      <a:headEnd type="none" w="med" len="med"/>
+                      <a:tailEnd type="none" w="med" len="med"/>
+                    </a:lnB>
+                    <a:solidFill>
+                      <a:schemeClr val="bg2">
+                        <a:lumMod val="90000"/>
+                      </a:schemeClr>
+                    </a:solidFill>
+                  </a:tcPr>
+                </a:tc>
+                <a:tc>
+                  <a:txBody>
+                    <a:bodyPr/>
+                    <a:lstStyle/>
+                    <a:p>
+                      <a:endParaRPr lang="zh-CN" altLang="en-US" dirty="0"/>
+                    </a:p>
+                  </a:txBody>
+                  <a:tcPr>
+                    <a:lnL w="12700" cap="flat" cmpd="sng" algn="ctr">
+                      <a:solidFill>
+                        <a:schemeClr val="tx1"/>
+                      </a:solidFill>
+                      <a:prstDash val="solid"/>
+                      <a:round/>
+                      <a:headEnd type="none" w="med" len="med"/>
+                      <a:tailEnd type="none" w="med" len="med"/>
+                    </a:lnL>
+                    <a:lnR w="12700" cap="flat" cmpd="sng" algn="ctr">
+                      <a:solidFill>
+                        <a:schemeClr val="tx1"/>
+                      </a:solidFill>
+                      <a:prstDash val="solid"/>
+                      <a:round/>
+                      <a:headEnd type="none" w="med" len="med"/>
+                      <a:tailEnd type="none" w="med" len="med"/>
+                    </a:lnR>
+                    <a:lnT w="12700" cap="flat" cmpd="sng" algn="ctr">
+                      <a:solidFill>
+                        <a:schemeClr val="tx1"/>
+                      </a:solidFill>
+                      <a:prstDash val="solid"/>
+                      <a:round/>
+                      <a:headEnd type="none" w="med" len="med"/>
+                      <a:tailEnd type="none" w="med" len="med"/>
+                    </a:lnT>
+                    <a:lnB w="12700" cap="flat" cmpd="sng" algn="ctr">
+                      <a:solidFill>
+                        <a:schemeClr val="tx1"/>
+                      </a:solidFill>
+                      <a:prstDash val="solid"/>
+                      <a:round/>
+                      <a:headEnd type="none" w="med" len="med"/>
+                      <a:tailEnd type="none" w="med" len="med"/>
+                    </a:lnB>
+                    <a:solidFill>
+                      <a:schemeClr val="tx2">
+                        <a:lumMod val="10000"/>
+                        <a:lumOff val="90000"/>
+                      </a:schemeClr>
+                    </a:solidFill>
+                  </a:tcPr>
+                </a:tc>
+                <a:tc>
+                  <a:txBody>
+                    <a:bodyPr/>
+                    <a:lstStyle/>
+                    <a:p>
+                      <a:endParaRPr lang="zh-CN" altLang="en-US" dirty="0"/>
+                    </a:p>
+                  </a:txBody>
+                  <a:tcPr>
+                    <a:lnL w="12700" cap="flat" cmpd="sng" algn="ctr">
+                      <a:solidFill>
+                        <a:schemeClr val="tx1"/>
+                      </a:solidFill>
+                      <a:prstDash val="solid"/>
+                      <a:round/>
+                      <a:headEnd type="none" w="med" len="med"/>
+                      <a:tailEnd type="none" w="med" len="med"/>
+                    </a:lnL>
+                    <a:lnR w="12700" cap="flat" cmpd="sng" algn="ctr">
+                      <a:solidFill>
+                        <a:schemeClr val="tx1"/>
+                      </a:solidFill>
+                      <a:prstDash val="solid"/>
+                      <a:round/>
+                      <a:headEnd type="none" w="med" len="med"/>
+                      <a:tailEnd type="none" w="med" len="med"/>
+                    </a:lnR>
+                    <a:lnT w="12700" cap="flat" cmpd="sng" algn="ctr">
+                      <a:solidFill>
+                        <a:schemeClr val="tx1"/>
+                      </a:solidFill>
+                      <a:prstDash val="solid"/>
+                      <a:round/>
+                      <a:headEnd type="none" w="med" len="med"/>
+                      <a:tailEnd type="none" w="med" len="med"/>
+                    </a:lnT>
+                    <a:lnB w="12700" cap="flat" cmpd="sng" algn="ctr">
+                      <a:solidFill>
+                        <a:schemeClr val="tx1"/>
+                      </a:solidFill>
+                      <a:prstDash val="solid"/>
+                      <a:round/>
+                      <a:headEnd type="none" w="med" len="med"/>
+                      <a:tailEnd type="none" w="med" len="med"/>
+                    </a:lnB>
+                    <a:solidFill>
+                      <a:schemeClr val="tx2">
+                        <a:lumMod val="10000"/>
+                        <a:lumOff val="90000"/>
+                      </a:schemeClr>
+                    </a:solidFill>
+                  </a:tcPr>
+                </a:tc>
+                <a:extLst>
+                  <a:ext uri="{0D108BD9-81ED-4DB2-BD59-A6C34878D82A}">
+                    <a16:rowId xmlns:a16="http://schemas.microsoft.com/office/drawing/2014/main" val="516771733"/>
+                  </a:ext>
+                </a:extLst>
+              </a:tr>
+            </a:tbl>
+          </a:graphicData>
+        </a:graphic>
+      </p:graphicFrame>
+      <p:sp>
+        <p:nvSpPr>
+          <p:cNvPr id="5" name="矩形 4">
+            <a:extLst>
+              <a:ext uri="{FF2B5EF4-FFF2-40B4-BE49-F238E27FC236}">
+                <a16:creationId xmlns:a16="http://schemas.microsoft.com/office/drawing/2014/main" id="{75527326-7FF0-5B69-AF4C-942584680F6D}"/>
+              </a:ext>
+            </a:extLst>
+          </p:cNvPr>
+          <p:cNvSpPr/>
+          <p:nvPr/>
+        </p:nvSpPr>
+        <p:spPr>
+          <a:xfrm>
+            <a:off x="8794750" y="2851147"/>
+            <a:ext cx="590550" cy="374650"/>
+          </a:xfrm>
+          <a:prstGeom prst="rect">
+            <a:avLst/>
+          </a:prstGeom>
+          <a:solidFill>
+            <a:schemeClr val="bg2">
+              <a:lumMod val="90000"/>
+            </a:schemeClr>
+          </a:solidFill>
+        </p:spPr>
+        <p:style>
+          <a:lnRef idx="2">
+            <a:schemeClr val="accent1">
+              <a:shade val="15000"/>
+            </a:schemeClr>
+          </a:lnRef>
+          <a:fillRef idx="1">
+            <a:schemeClr val="accent1"/>
+          </a:fillRef>
+          <a:effectRef idx="0">
+            <a:schemeClr val="accent1"/>
+          </a:effectRef>
+          <a:fontRef idx="minor">
+            <a:schemeClr val="lt1"/>
+          </a:fontRef>
+        </p:style>
+        <p:txBody>
+          <a:bodyPr rtlCol="0" anchor="ctr"/>
+          <a:lstStyle/>
+          <a:p>
+            <a:pPr algn="ctr"/>
+            <a:endParaRPr lang="zh-CN" altLang="en-US"/>
+          </a:p>
+        </p:txBody>
+      </p:sp>
+      <p:sp>
+        <p:nvSpPr>
+          <p:cNvPr id="6" name="矩形 5">
+            <a:extLst>
+              <a:ext uri="{FF2B5EF4-FFF2-40B4-BE49-F238E27FC236}">
+                <a16:creationId xmlns:a16="http://schemas.microsoft.com/office/drawing/2014/main" id="{6D86449E-0611-6C01-8888-2F052D0AB091}"/>
+              </a:ext>
+            </a:extLst>
+          </p:cNvPr>
+          <p:cNvSpPr/>
+          <p:nvPr/>
+        </p:nvSpPr>
+        <p:spPr>
+          <a:xfrm>
+            <a:off x="7981950" y="2851147"/>
+            <a:ext cx="590550" cy="374650"/>
+          </a:xfrm>
+          <a:prstGeom prst="rect">
+            <a:avLst/>
+          </a:prstGeom>
+          <a:solidFill>
+            <a:schemeClr val="bg2">
+              <a:lumMod val="90000"/>
+            </a:schemeClr>
+          </a:solidFill>
+        </p:spPr>
+        <p:style>
+          <a:lnRef idx="2">
+            <a:schemeClr val="accent1">
+              <a:shade val="15000"/>
+            </a:schemeClr>
+          </a:lnRef>
+          <a:fillRef idx="1">
+            <a:schemeClr val="accent1"/>
+          </a:fillRef>
+          <a:effectRef idx="0">
+            <a:schemeClr val="accent1"/>
+          </a:effectRef>
+          <a:fontRef idx="minor">
+            <a:schemeClr val="lt1"/>
+          </a:fontRef>
+        </p:style>
+        <p:txBody>
+          <a:bodyPr rtlCol="0" anchor="ctr"/>
+          <a:lstStyle/>
+          <a:p>
+            <a:pPr algn="ctr"/>
+            <a:endParaRPr lang="zh-CN" altLang="en-US"/>
+          </a:p>
+        </p:txBody>
+      </p:sp>
+      <p:sp>
+        <p:nvSpPr>
+          <p:cNvPr id="7" name="矩形 6">
+            <a:extLst>
+              <a:ext uri="{FF2B5EF4-FFF2-40B4-BE49-F238E27FC236}">
+                <a16:creationId xmlns:a16="http://schemas.microsoft.com/office/drawing/2014/main" id="{1B7167AE-BE1B-220E-DF00-0A0FB00FA5B1}"/>
+              </a:ext>
+            </a:extLst>
+          </p:cNvPr>
+          <p:cNvSpPr/>
+          <p:nvPr/>
+        </p:nvSpPr>
+        <p:spPr>
+          <a:xfrm>
+            <a:off x="9607550" y="2851147"/>
+            <a:ext cx="590550" cy="374650"/>
+          </a:xfrm>
+          <a:prstGeom prst="rect">
+            <a:avLst/>
+          </a:prstGeom>
+          <a:solidFill>
+            <a:schemeClr val="bg2">
+              <a:lumMod val="90000"/>
+            </a:schemeClr>
+          </a:solidFill>
+        </p:spPr>
+        <p:style>
+          <a:lnRef idx="2">
+            <a:schemeClr val="accent1">
+              <a:shade val="15000"/>
+            </a:schemeClr>
+          </a:lnRef>
+          <a:fillRef idx="1">
+            <a:schemeClr val="accent1"/>
+          </a:fillRef>
+          <a:effectRef idx="0">
+            <a:schemeClr val="accent1"/>
+          </a:effectRef>
+          <a:fontRef idx="minor">
+            <a:schemeClr val="lt1"/>
+          </a:fontRef>
+        </p:style>
+        <p:txBody>
+          <a:bodyPr rtlCol="0" anchor="ctr"/>
+          <a:lstStyle/>
+          <a:p>
+            <a:pPr algn="ctr"/>
+            <a:endParaRPr lang="zh-CN" altLang="en-US"/>
+          </a:p>
+        </p:txBody>
+      </p:sp>
+      <p:sp>
+        <p:nvSpPr>
+          <p:cNvPr id="8" name="矩形 7">
+            <a:extLst>
+              <a:ext uri="{FF2B5EF4-FFF2-40B4-BE49-F238E27FC236}">
+                <a16:creationId xmlns:a16="http://schemas.microsoft.com/office/drawing/2014/main" id="{8E9EABCC-14BE-7D3D-DDE6-A5C1EF397DC3}"/>
+              </a:ext>
+            </a:extLst>
+          </p:cNvPr>
+          <p:cNvSpPr/>
+          <p:nvPr/>
+        </p:nvSpPr>
+        <p:spPr>
+          <a:xfrm>
+            <a:off x="10420350" y="2851147"/>
+            <a:ext cx="590550" cy="374650"/>
+          </a:xfrm>
+          <a:prstGeom prst="rect">
+            <a:avLst/>
+          </a:prstGeom>
+          <a:solidFill>
+            <a:schemeClr val="bg2">
+              <a:lumMod val="90000"/>
+            </a:schemeClr>
+          </a:solidFill>
+        </p:spPr>
+        <p:style>
+          <a:lnRef idx="2">
+            <a:schemeClr val="accent1">
+              <a:shade val="15000"/>
+            </a:schemeClr>
+          </a:lnRef>
+          <a:fillRef idx="1">
+            <a:schemeClr val="accent1"/>
+          </a:fillRef>
+          <a:effectRef idx="0">
+            <a:schemeClr val="accent1"/>
+          </a:effectRef>
+          <a:fontRef idx="minor">
+            <a:schemeClr val="lt1"/>
+          </a:fontRef>
+        </p:style>
+        <p:txBody>
+          <a:bodyPr rtlCol="0" anchor="ctr"/>
+          <a:lstStyle/>
+          <a:p>
+            <a:pPr algn="ctr"/>
+            <a:endParaRPr lang="zh-CN" altLang="en-US"/>
+          </a:p>
+        </p:txBody>
+      </p:sp>
+      <p:sp>
+        <p:nvSpPr>
+          <p:cNvPr id="9" name="矩形 8">
+            <a:extLst>
+              <a:ext uri="{FF2B5EF4-FFF2-40B4-BE49-F238E27FC236}">
+                <a16:creationId xmlns:a16="http://schemas.microsoft.com/office/drawing/2014/main" id="{A35E18F7-CD0A-351E-2B3F-E562E3BC9BF1}"/>
+              </a:ext>
+            </a:extLst>
+          </p:cNvPr>
+          <p:cNvSpPr/>
+          <p:nvPr/>
+        </p:nvSpPr>
+        <p:spPr>
+          <a:xfrm>
+            <a:off x="7169150" y="2851147"/>
+            <a:ext cx="590550" cy="374650"/>
+          </a:xfrm>
+          <a:prstGeom prst="rect">
+            <a:avLst/>
+          </a:prstGeom>
+          <a:solidFill>
+            <a:schemeClr val="bg2">
+              <a:lumMod val="90000"/>
+            </a:schemeClr>
+          </a:solidFill>
+        </p:spPr>
+        <p:style>
+          <a:lnRef idx="2">
+            <a:schemeClr val="accent1">
+              <a:shade val="15000"/>
+            </a:schemeClr>
+          </a:lnRef>
+          <a:fillRef idx="1">
+            <a:schemeClr val="accent1"/>
+          </a:fillRef>
+          <a:effectRef idx="0">
+            <a:schemeClr val="accent1"/>
+          </a:effectRef>
+          <a:fontRef idx="minor">
+            <a:schemeClr val="lt1"/>
+          </a:fontRef>
+        </p:style>
+        <p:txBody>
+          <a:bodyPr rtlCol="0" anchor="ctr"/>
+          <a:lstStyle/>
+          <a:p>
+            <a:pPr algn="ctr"/>
+            <a:endParaRPr lang="zh-CN" altLang="en-US"/>
+          </a:p>
+        </p:txBody>
+      </p:sp>
+      <p:sp>
+        <p:nvSpPr>
+          <p:cNvPr id="10" name="文本框 9">
+            <a:extLst>
+              <a:ext uri="{FF2B5EF4-FFF2-40B4-BE49-F238E27FC236}">
+                <a16:creationId xmlns:a16="http://schemas.microsoft.com/office/drawing/2014/main" id="{8DD44AC9-F9AA-7F75-B1EC-104F4F2FD3C6}"/>
+              </a:ext>
+            </a:extLst>
+          </p:cNvPr>
+          <p:cNvSpPr txBox="1"/>
+          <p:nvPr/>
+        </p:nvSpPr>
+        <p:spPr>
+          <a:xfrm>
+            <a:off x="11118850" y="2746084"/>
+            <a:ext cx="518091" cy="584775"/>
+          </a:xfrm>
+          <a:prstGeom prst="rect">
+            <a:avLst/>
+          </a:prstGeom>
+          <a:noFill/>
+        </p:spPr>
+        <p:txBody>
+          <a:bodyPr wrap="none" rtlCol="0">
+            <a:spAutoFit/>
+          </a:bodyPr>
+          <a:lstStyle/>
+          <a:p>
+            <a:r>
+              <a:rPr lang="en-US" altLang="zh-CN" sz="3200" b="1" dirty="0"/>
+              <a:t>…</a:t>
+            </a:r>
+            <a:endParaRPr lang="zh-CN" altLang="en-US" b="1" dirty="0"/>
+          </a:p>
+        </p:txBody>
+      </p:sp>
+      <p:sp>
+        <p:nvSpPr>
+          <p:cNvPr id="11" name="文本框 10">
+            <a:extLst>
+              <a:ext uri="{FF2B5EF4-FFF2-40B4-BE49-F238E27FC236}">
+                <a16:creationId xmlns:a16="http://schemas.microsoft.com/office/drawing/2014/main" id="{93A6635E-1CCF-1C59-C047-413DA8838A1A}"/>
+              </a:ext>
+            </a:extLst>
+          </p:cNvPr>
+          <p:cNvSpPr txBox="1"/>
+          <p:nvPr/>
+        </p:nvSpPr>
+        <p:spPr>
+          <a:xfrm>
+            <a:off x="6539934" y="2746083"/>
+            <a:ext cx="518091" cy="584775"/>
+          </a:xfrm>
+          <a:prstGeom prst="rect">
+            <a:avLst/>
+          </a:prstGeom>
+          <a:noFill/>
+        </p:spPr>
+        <p:txBody>
+          <a:bodyPr wrap="none" rtlCol="0">
+            <a:spAutoFit/>
+          </a:bodyPr>
+          <a:lstStyle/>
+          <a:p>
+            <a:r>
+              <a:rPr lang="en-US" altLang="zh-CN" sz="3200" b="1" dirty="0"/>
+              <a:t>…</a:t>
+            </a:r>
+            <a:endParaRPr lang="zh-CN" altLang="en-US" b="1" dirty="0"/>
+          </a:p>
+        </p:txBody>
+      </p:sp>
+      <p:cxnSp>
+        <p:nvCxnSpPr>
+          <p:cNvPr id="13" name="连接符: 肘形 12">
+            <a:extLst>
+              <a:ext uri="{FF2B5EF4-FFF2-40B4-BE49-F238E27FC236}">
+                <a16:creationId xmlns:a16="http://schemas.microsoft.com/office/drawing/2014/main" id="{99746F6B-EF17-9DE2-FFCB-851F9989612A}"/>
+              </a:ext>
+            </a:extLst>
+          </p:cNvPr>
+          <p:cNvCxnSpPr>
+            <a:cxnSpLocks/>
+          </p:cNvCxnSpPr>
+          <p:nvPr/>
+        </p:nvCxnSpPr>
+        <p:spPr>
+          <a:xfrm rot="16200000" flipV="1">
+            <a:off x="8541771" y="2438397"/>
+            <a:ext cx="12700" cy="812800"/>
+          </a:xfrm>
+          <a:prstGeom prst="bentConnector3">
+            <a:avLst>
+              <a:gd name="adj1" fmla="val 4150000"/>
+            </a:avLst>
+          </a:prstGeom>
+          <a:ln>
+            <a:tailEnd type="triangle"/>
+          </a:ln>
+        </p:spPr>
+        <p:style>
+          <a:lnRef idx="2">
+            <a:schemeClr val="accent1"/>
+          </a:lnRef>
+          <a:fillRef idx="0">
+            <a:schemeClr val="accent1"/>
+          </a:fillRef>
+          <a:effectRef idx="1">
+            <a:schemeClr val="accent1"/>
+          </a:effectRef>
+          <a:fontRef idx="minor">
+            <a:schemeClr val="tx1"/>
+          </a:fontRef>
+        </p:style>
+      </p:cxnSp>
+      <p:cxnSp>
+        <p:nvCxnSpPr>
+          <p:cNvPr id="17" name="连接符: 肘形 16">
+            <a:extLst>
+              <a:ext uri="{FF2B5EF4-FFF2-40B4-BE49-F238E27FC236}">
+                <a16:creationId xmlns:a16="http://schemas.microsoft.com/office/drawing/2014/main" id="{A375340F-895C-EE7E-2E56-C24B9C9160FE}"/>
+              </a:ext>
+            </a:extLst>
+          </p:cNvPr>
+          <p:cNvCxnSpPr>
+            <a:cxnSpLocks/>
+          </p:cNvCxnSpPr>
+          <p:nvPr/>
+        </p:nvCxnSpPr>
+        <p:spPr>
+          <a:xfrm rot="5400000" flipH="1" flipV="1">
+            <a:off x="9604375" y="2444747"/>
+            <a:ext cx="12700" cy="812800"/>
+          </a:xfrm>
+          <a:prstGeom prst="bentConnector3">
+            <a:avLst>
+              <a:gd name="adj1" fmla="val 4150000"/>
+            </a:avLst>
+          </a:prstGeom>
+          <a:ln>
+            <a:tailEnd type="triangle"/>
+          </a:ln>
+        </p:spPr>
+        <p:style>
+          <a:lnRef idx="2">
+            <a:schemeClr val="accent1"/>
+          </a:lnRef>
+          <a:fillRef idx="0">
+            <a:schemeClr val="accent1"/>
+          </a:fillRef>
+          <a:effectRef idx="1">
+            <a:schemeClr val="accent1"/>
+          </a:effectRef>
+          <a:fontRef idx="minor">
+            <a:schemeClr val="tx1"/>
+          </a:fontRef>
+        </p:style>
+      </p:cxnSp>
+    </p:spTree>
+    <p:extLst>
+      <p:ext uri="{BB962C8B-B14F-4D97-AF65-F5344CB8AC3E}">
+        <p14:creationId xmlns:p14="http://schemas.microsoft.com/office/powerpoint/2010/main" val="797928970"/>
+      </p:ext>
+    </p:extLst>
+  </p:cSld>
+  <p:clrMapOvr>
+    <a:masterClrMapping/>
+  </p:clrMapOvr>
+</p:sld>
+</file>
+
+<file path=ppt/slides/slide4.xml><?xml version="1.0" encoding="utf-8"?>
+<p:sld xmlns:a="http://schemas.openxmlformats.org/drawingml/2006/main" xmlns:r="http://schemas.openxmlformats.org/officeDocument/2006/relationships" xmlns:p="http://schemas.openxmlformats.org/presentationml/2006/main">
+  <p:cSld>
+    <p:spTree>
+      <p:nvGrpSpPr>
+        <p:cNvPr id="1" name="">
+          <a:extLst>
+            <a:ext uri="{FF2B5EF4-FFF2-40B4-BE49-F238E27FC236}">
+              <a16:creationId xmlns:a16="http://schemas.microsoft.com/office/drawing/2014/main" id="{3DFD0310-5D12-19D7-AEEA-C6D447CB082A}"/>
+            </a:ext>
+          </a:extLst>
+        </p:cNvPr>
+        <p:cNvGrpSpPr/>
+        <p:nvPr/>
+      </p:nvGrpSpPr>
+      <p:grpSpPr>
+        <a:xfrm>
+          <a:off x="0" y="0"/>
+          <a:ext cx="0" cy="0"/>
+          <a:chOff x="0" y="0"/>
+          <a:chExt cx="0" cy="0"/>
+        </a:xfrm>
+      </p:grpSpPr>
+      <p:graphicFrame>
+        <p:nvGraphicFramePr>
+          <p:cNvPr id="4" name="表格 3">
+            <a:extLst>
+              <a:ext uri="{FF2B5EF4-FFF2-40B4-BE49-F238E27FC236}">
+                <a16:creationId xmlns:a16="http://schemas.microsoft.com/office/drawing/2014/main" id="{82BC7C66-54FC-7260-3602-8A3B8467542C}"/>
+              </a:ext>
+            </a:extLst>
+          </p:cNvPr>
+          <p:cNvGraphicFramePr>
+            <a:graphicFrameLocks noGrp="1"/>
+          </p:cNvGraphicFramePr>
+          <p:nvPr>
+            <p:extLst>
+              <p:ext uri="{D42A27DB-BD31-4B8C-83A1-F6EECF244321}">
+                <p14:modId xmlns:p14="http://schemas.microsoft.com/office/powerpoint/2010/main" val="75209686"/>
+              </p:ext>
+            </p:extLst>
+          </p:nvPr>
+        </p:nvGraphicFramePr>
+        <p:xfrm>
+          <a:off x="376238" y="897463"/>
+          <a:ext cx="4267200" cy="4282019"/>
+        </p:xfrm>
+        <a:graphic>
+          <a:graphicData uri="http://schemas.openxmlformats.org/drawingml/2006/table">
+            <a:tbl>
+              <a:tblPr firstRow="1" bandRow="1">
+                <a:tableStyleId>{5C22544A-7EE6-4342-B048-85BDC9FD1C3A}</a:tableStyleId>
+              </a:tblPr>
+              <a:tblGrid>
+                <a:gridCol w="609600">
+                  <a:extLst>
+                    <a:ext uri="{9D8B030D-6E8A-4147-A177-3AD203B41FA5}">
+                      <a16:colId xmlns:a16="http://schemas.microsoft.com/office/drawing/2014/main" val="2052738748"/>
+                    </a:ext>
+                  </a:extLst>
+                </a:gridCol>
+                <a:gridCol w="609600">
+                  <a:extLst>
+                    <a:ext uri="{9D8B030D-6E8A-4147-A177-3AD203B41FA5}">
+                      <a16:colId xmlns:a16="http://schemas.microsoft.com/office/drawing/2014/main" val="1500165287"/>
+                    </a:ext>
+                  </a:extLst>
+                </a:gridCol>
+                <a:gridCol w="609600">
+                  <a:extLst>
+                    <a:ext uri="{9D8B030D-6E8A-4147-A177-3AD203B41FA5}">
+                      <a16:colId xmlns:a16="http://schemas.microsoft.com/office/drawing/2014/main" val="2267750499"/>
+                    </a:ext>
+                  </a:extLst>
+                </a:gridCol>
+                <a:gridCol w="609600">
+                  <a:extLst>
+                    <a:ext uri="{9D8B030D-6E8A-4147-A177-3AD203B41FA5}">
+                      <a16:colId xmlns:a16="http://schemas.microsoft.com/office/drawing/2014/main" val="3206999951"/>
+                    </a:ext>
+                  </a:extLst>
+                </a:gridCol>
+                <a:gridCol w="609600">
+                  <a:extLst>
+                    <a:ext uri="{9D8B030D-6E8A-4147-A177-3AD203B41FA5}">
+                      <a16:colId xmlns:a16="http://schemas.microsoft.com/office/drawing/2014/main" val="1815613397"/>
+                    </a:ext>
+                  </a:extLst>
+                </a:gridCol>
+                <a:gridCol w="609600">
+                  <a:extLst>
+                    <a:ext uri="{9D8B030D-6E8A-4147-A177-3AD203B41FA5}">
+                      <a16:colId xmlns:a16="http://schemas.microsoft.com/office/drawing/2014/main" val="139942101"/>
+                    </a:ext>
+                  </a:extLst>
+                </a:gridCol>
+                <a:gridCol w="609600">
+                  <a:extLst>
+                    <a:ext uri="{9D8B030D-6E8A-4147-A177-3AD203B41FA5}">
+                      <a16:colId xmlns:a16="http://schemas.microsoft.com/office/drawing/2014/main" val="1717705308"/>
+                    </a:ext>
+                  </a:extLst>
+                </a:gridCol>
+              </a:tblGrid>
+              <a:tr h="611717">
+                <a:tc>
+                  <a:txBody>
+                    <a:bodyPr/>
+                    <a:lstStyle/>
+                    <a:p>
+                      <a:endParaRPr lang="zh-CN" altLang="en-US" dirty="0"/>
+                    </a:p>
+                  </a:txBody>
+                  <a:tcPr>
+                    <a:lnL w="12700" cap="flat" cmpd="sng" algn="ctr">
+                      <a:solidFill>
+                        <a:schemeClr val="tx1"/>
+                      </a:solidFill>
+                      <a:prstDash val="solid"/>
+                      <a:round/>
+                      <a:headEnd type="none" w="med" len="med"/>
+                      <a:tailEnd type="none" w="med" len="med"/>
+                    </a:lnL>
+                    <a:lnR w="12700" cap="flat" cmpd="sng" algn="ctr">
+                      <a:solidFill>
+                        <a:schemeClr val="tx1"/>
+                      </a:solidFill>
+                      <a:prstDash val="solid"/>
+                      <a:round/>
+                      <a:headEnd type="none" w="med" len="med"/>
+                      <a:tailEnd type="none" w="med" len="med"/>
+                    </a:lnR>
+                    <a:lnT w="12700" cap="flat" cmpd="sng" algn="ctr">
+                      <a:solidFill>
+                        <a:schemeClr val="tx1"/>
+                      </a:solidFill>
+                      <a:prstDash val="solid"/>
+                      <a:round/>
+                      <a:headEnd type="none" w="med" len="med"/>
+                      <a:tailEnd type="none" w="med" len="med"/>
+                    </a:lnT>
+                    <a:lnB w="12700" cap="flat" cmpd="sng" algn="ctr">
+                      <a:solidFill>
+                        <a:schemeClr val="tx1"/>
+                      </a:solidFill>
+                      <a:prstDash val="solid"/>
+                      <a:round/>
+                      <a:headEnd type="none" w="med" len="med"/>
+                      <a:tailEnd type="none" w="med" len="med"/>
+                    </a:lnB>
+                    <a:solidFill>
+                      <a:schemeClr val="tx2">
+                        <a:lumMod val="10000"/>
+                        <a:lumOff val="90000"/>
+                      </a:schemeClr>
+                    </a:solidFill>
+                  </a:tcPr>
+                </a:tc>
+                <a:tc>
+                  <a:txBody>
+                    <a:bodyPr/>
+                    <a:lstStyle/>
+                    <a:p>
+                      <a:endParaRPr lang="zh-CN" altLang="en-US" dirty="0"/>
+                    </a:p>
+                  </a:txBody>
+                  <a:tcPr>
+                    <a:lnL w="12700" cap="flat" cmpd="sng" algn="ctr">
+                      <a:solidFill>
+                        <a:schemeClr val="tx1"/>
+                      </a:solidFill>
+                      <a:prstDash val="solid"/>
+                      <a:round/>
+                      <a:headEnd type="none" w="med" len="med"/>
+                      <a:tailEnd type="none" w="med" len="med"/>
+                    </a:lnL>
+                    <a:lnR w="12700" cap="flat" cmpd="sng" algn="ctr">
+                      <a:solidFill>
+                        <a:schemeClr val="tx1"/>
+                      </a:solidFill>
+                      <a:prstDash val="solid"/>
+                      <a:round/>
+                      <a:headEnd type="none" w="med" len="med"/>
+                      <a:tailEnd type="none" w="med" len="med"/>
+                    </a:lnR>
+                    <a:lnT w="12700" cap="flat" cmpd="sng" algn="ctr">
+                      <a:solidFill>
+                        <a:schemeClr val="tx1"/>
+                      </a:solidFill>
+                      <a:prstDash val="solid"/>
+                      <a:round/>
+                      <a:headEnd type="none" w="med" len="med"/>
+                      <a:tailEnd type="none" w="med" len="med"/>
+                    </a:lnT>
+                    <a:lnB w="12700" cap="flat" cmpd="sng" algn="ctr">
+                      <a:solidFill>
+                        <a:schemeClr val="tx1"/>
+                      </a:solidFill>
+                      <a:prstDash val="solid"/>
+                      <a:round/>
+                      <a:headEnd type="none" w="med" len="med"/>
+                      <a:tailEnd type="none" w="med" len="med"/>
+                    </a:lnB>
+                    <a:solidFill>
+                      <a:schemeClr val="bg2">
+                        <a:lumMod val="90000"/>
+                      </a:schemeClr>
+                    </a:solidFill>
+                  </a:tcPr>
+                </a:tc>
+                <a:tc>
+                  <a:txBody>
+                    <a:bodyPr/>
+                    <a:lstStyle/>
+                    <a:p>
+                      <a:endParaRPr lang="zh-CN" altLang="en-US" dirty="0"/>
+                    </a:p>
+                  </a:txBody>
+                  <a:tcPr>
+                    <a:lnL w="12700" cap="flat" cmpd="sng" algn="ctr">
+                      <a:solidFill>
+                        <a:schemeClr val="tx1"/>
+                      </a:solidFill>
+                      <a:prstDash val="solid"/>
+                      <a:round/>
+                      <a:headEnd type="none" w="med" len="med"/>
+                      <a:tailEnd type="none" w="med" len="med"/>
+                    </a:lnL>
+                    <a:lnR w="12700" cap="flat" cmpd="sng" algn="ctr">
+                      <a:solidFill>
+                        <a:schemeClr val="tx1"/>
+                      </a:solidFill>
+                      <a:prstDash val="solid"/>
+                      <a:round/>
+                      <a:headEnd type="none" w="med" len="med"/>
+                      <a:tailEnd type="none" w="med" len="med"/>
+                    </a:lnR>
+                    <a:lnT w="12700" cap="flat" cmpd="sng" algn="ctr">
+                      <a:solidFill>
+                        <a:schemeClr val="tx1"/>
+                      </a:solidFill>
+                      <a:prstDash val="solid"/>
+                      <a:round/>
+                      <a:headEnd type="none" w="med" len="med"/>
+                      <a:tailEnd type="none" w="med" len="med"/>
+                    </a:lnT>
+                    <a:lnB w="12700" cap="flat" cmpd="sng" algn="ctr">
+                      <a:solidFill>
+                        <a:schemeClr val="tx1"/>
+                      </a:solidFill>
+                      <a:prstDash val="solid"/>
+                      <a:round/>
+                      <a:headEnd type="none" w="med" len="med"/>
+                      <a:tailEnd type="none" w="med" len="med"/>
+                    </a:lnB>
+                    <a:solidFill>
+                      <a:schemeClr val="bg2">
+                        <a:lumMod val="90000"/>
+                      </a:schemeClr>
+                    </a:solidFill>
+                  </a:tcPr>
+                </a:tc>
+                <a:tc>
+                  <a:txBody>
+                    <a:bodyPr/>
+                    <a:lstStyle/>
+                    <a:p>
+                      <a:endParaRPr lang="zh-CN" altLang="en-US" dirty="0"/>
+                    </a:p>
+                  </a:txBody>
+                  <a:tcPr>
+                    <a:lnL w="12700" cap="flat" cmpd="sng" algn="ctr">
+                      <a:solidFill>
+                        <a:schemeClr val="tx1"/>
+                      </a:solidFill>
+                      <a:prstDash val="solid"/>
+                      <a:round/>
+                      <a:headEnd type="none" w="med" len="med"/>
+                      <a:tailEnd type="none" w="med" len="med"/>
+                    </a:lnL>
+                    <a:lnR w="12700" cap="flat" cmpd="sng" algn="ctr">
+                      <a:solidFill>
+                        <a:schemeClr val="tx1"/>
+                      </a:solidFill>
+                      <a:prstDash val="solid"/>
+                      <a:round/>
+                      <a:headEnd type="none" w="med" len="med"/>
+                      <a:tailEnd type="none" w="med" len="med"/>
+                    </a:lnR>
+                    <a:lnT w="12700" cap="flat" cmpd="sng" algn="ctr">
+                      <a:solidFill>
+                        <a:schemeClr val="tx1"/>
+                      </a:solidFill>
+                      <a:prstDash val="solid"/>
+                      <a:round/>
+                      <a:headEnd type="none" w="med" len="med"/>
+                      <a:tailEnd type="none" w="med" len="med"/>
+                    </a:lnT>
+                    <a:lnB w="12700" cap="flat" cmpd="sng" algn="ctr">
+                      <a:solidFill>
+                        <a:schemeClr val="tx1"/>
+                      </a:solidFill>
+                      <a:prstDash val="solid"/>
+                      <a:round/>
+                      <a:headEnd type="none" w="med" len="med"/>
+                      <a:tailEnd type="none" w="med" len="med"/>
+                    </a:lnB>
+                    <a:solidFill>
+                      <a:schemeClr val="bg2">
+                        <a:lumMod val="90000"/>
+                      </a:schemeClr>
+                    </a:solidFill>
+                  </a:tcPr>
+                </a:tc>
+                <a:tc>
+                  <a:txBody>
+                    <a:bodyPr/>
+                    <a:lstStyle/>
+                    <a:p>
+                      <a:endParaRPr lang="zh-CN" altLang="en-US"/>
+                    </a:p>
+                  </a:txBody>
+                  <a:tcPr>
+                    <a:lnL w="12700" cap="flat" cmpd="sng" algn="ctr">
+                      <a:solidFill>
+                        <a:schemeClr val="tx1"/>
+                      </a:solidFill>
+                      <a:prstDash val="solid"/>
+                      <a:round/>
+                      <a:headEnd type="none" w="med" len="med"/>
+                      <a:tailEnd type="none" w="med" len="med"/>
+                    </a:lnL>
+                    <a:lnR w="12700" cap="flat" cmpd="sng" algn="ctr">
+                      <a:solidFill>
+                        <a:schemeClr val="tx1"/>
+                      </a:solidFill>
+                      <a:prstDash val="solid"/>
+                      <a:round/>
+                      <a:headEnd type="none" w="med" len="med"/>
+                      <a:tailEnd type="none" w="med" len="med"/>
+                    </a:lnR>
+                    <a:lnT w="12700" cap="flat" cmpd="sng" algn="ctr">
+                      <a:solidFill>
+                        <a:schemeClr val="tx1"/>
+                      </a:solidFill>
+                      <a:prstDash val="solid"/>
+                      <a:round/>
+                      <a:headEnd type="none" w="med" len="med"/>
+                      <a:tailEnd type="none" w="med" len="med"/>
+                    </a:lnT>
+                    <a:lnB w="12700" cap="flat" cmpd="sng" algn="ctr">
+                      <a:solidFill>
+                        <a:schemeClr val="tx1"/>
+                      </a:solidFill>
+                      <a:prstDash val="solid"/>
+                      <a:round/>
+                      <a:headEnd type="none" w="med" len="med"/>
+                      <a:tailEnd type="none" w="med" len="med"/>
+                    </a:lnB>
+                    <a:solidFill>
+                      <a:schemeClr val="bg2">
+                        <a:lumMod val="90000"/>
+                      </a:schemeClr>
+                    </a:solidFill>
+                  </a:tcPr>
+                </a:tc>
+                <a:tc>
+                  <a:txBody>
+                    <a:bodyPr/>
+                    <a:lstStyle/>
+                    <a:p>
+                      <a:endParaRPr lang="zh-CN" altLang="en-US"/>
+                    </a:p>
+                  </a:txBody>
+                  <a:tcPr>
+                    <a:lnL w="12700" cap="flat" cmpd="sng" algn="ctr">
+                      <a:solidFill>
+                        <a:schemeClr val="tx1"/>
+                      </a:solidFill>
+                      <a:prstDash val="solid"/>
+                      <a:round/>
+                      <a:headEnd type="none" w="med" len="med"/>
+                      <a:tailEnd type="none" w="med" len="med"/>
+                    </a:lnL>
+                    <a:lnR w="12700" cap="flat" cmpd="sng" algn="ctr">
+                      <a:solidFill>
+                        <a:schemeClr val="tx1"/>
+                      </a:solidFill>
+                      <a:prstDash val="solid"/>
+                      <a:round/>
+                      <a:headEnd type="none" w="med" len="med"/>
+                      <a:tailEnd type="none" w="med" len="med"/>
+                    </a:lnR>
+                    <a:lnT w="12700" cap="flat" cmpd="sng" algn="ctr">
+                      <a:solidFill>
+                        <a:schemeClr val="tx1"/>
+                      </a:solidFill>
+                      <a:prstDash val="solid"/>
+                      <a:round/>
+                      <a:headEnd type="none" w="med" len="med"/>
+                      <a:tailEnd type="none" w="med" len="med"/>
+                    </a:lnT>
+                    <a:lnB w="12700" cap="flat" cmpd="sng" algn="ctr">
+                      <a:solidFill>
+                        <a:schemeClr val="tx1"/>
+                      </a:solidFill>
+                      <a:prstDash val="solid"/>
+                      <a:round/>
+                      <a:headEnd type="none" w="med" len="med"/>
+                      <a:tailEnd type="none" w="med" len="med"/>
+                    </a:lnB>
+                    <a:solidFill>
+                      <a:schemeClr val="bg2">
+                        <a:lumMod val="90000"/>
+                      </a:schemeClr>
+                    </a:solidFill>
+                  </a:tcPr>
+                </a:tc>
+                <a:tc>
+                  <a:txBody>
+                    <a:bodyPr/>
+                    <a:lstStyle/>
+                    <a:p>
+                      <a:endParaRPr lang="zh-CN" altLang="en-US" dirty="0"/>
+                    </a:p>
+                  </a:txBody>
+                  <a:tcPr>
+                    <a:lnL w="12700" cap="flat" cmpd="sng" algn="ctr">
+                      <a:solidFill>
+                        <a:schemeClr val="tx1"/>
+                      </a:solidFill>
+                      <a:prstDash val="solid"/>
+                      <a:round/>
+                      <a:headEnd type="none" w="med" len="med"/>
+                      <a:tailEnd type="none" w="med" len="med"/>
+                    </a:lnL>
+                    <a:lnR w="12700" cap="flat" cmpd="sng" algn="ctr">
+                      <a:solidFill>
+                        <a:schemeClr val="tx1"/>
+                      </a:solidFill>
+                      <a:prstDash val="solid"/>
+                      <a:round/>
+                      <a:headEnd type="none" w="med" len="med"/>
+                      <a:tailEnd type="none" w="med" len="med"/>
+                    </a:lnR>
+                    <a:lnT w="12700" cap="flat" cmpd="sng" algn="ctr">
+                      <a:solidFill>
+                        <a:schemeClr val="tx1"/>
+                      </a:solidFill>
+                      <a:prstDash val="solid"/>
+                      <a:round/>
+                      <a:headEnd type="none" w="med" len="med"/>
+                      <a:tailEnd type="none" w="med" len="med"/>
+                    </a:lnT>
+                    <a:lnB w="12700" cap="flat" cmpd="sng" algn="ctr">
+                      <a:solidFill>
+                        <a:schemeClr val="tx1"/>
+                      </a:solidFill>
+                      <a:prstDash val="solid"/>
+                      <a:round/>
+                      <a:headEnd type="none" w="med" len="med"/>
+                      <a:tailEnd type="none" w="med" len="med"/>
+                    </a:lnB>
+                    <a:solidFill>
+                      <a:schemeClr val="bg2">
+                        <a:lumMod val="90000"/>
+                      </a:schemeClr>
+                    </a:solidFill>
+                  </a:tcPr>
+                </a:tc>
+                <a:extLst>
+                  <a:ext uri="{0D108BD9-81ED-4DB2-BD59-A6C34878D82A}">
+                    <a16:rowId xmlns:a16="http://schemas.microsoft.com/office/drawing/2014/main" val="102820898"/>
+                  </a:ext>
+                </a:extLst>
+              </a:tr>
+              <a:tr h="611717">
+                <a:tc>
+                  <a:txBody>
+                    <a:bodyPr/>
+                    <a:lstStyle/>
+                    <a:p>
+                      <a:endParaRPr lang="zh-CN" altLang="en-US" dirty="0"/>
+                    </a:p>
+                  </a:txBody>
+                  <a:tcPr>
+                    <a:lnL w="12700" cap="flat" cmpd="sng" algn="ctr">
+                      <a:solidFill>
+                        <a:schemeClr val="tx1"/>
+                      </a:solidFill>
+                      <a:prstDash val="solid"/>
+                      <a:round/>
+                      <a:headEnd type="none" w="med" len="med"/>
+                      <a:tailEnd type="none" w="med" len="med"/>
+                    </a:lnL>
+                    <a:lnR w="12700" cap="flat" cmpd="sng" algn="ctr">
+                      <a:solidFill>
+                        <a:schemeClr val="tx1"/>
+                      </a:solidFill>
+                      <a:prstDash val="solid"/>
+                      <a:round/>
+                      <a:headEnd type="none" w="med" len="med"/>
+                      <a:tailEnd type="none" w="med" len="med"/>
+                    </a:lnR>
+                    <a:lnT w="12700" cap="flat" cmpd="sng" algn="ctr">
+                      <a:solidFill>
+                        <a:schemeClr val="tx1"/>
+                      </a:solidFill>
+                      <a:prstDash val="solid"/>
+                      <a:round/>
+                      <a:headEnd type="none" w="med" len="med"/>
+                      <a:tailEnd type="none" w="med" len="med"/>
+                    </a:lnT>
+                    <a:lnB w="12700" cap="flat" cmpd="sng" algn="ctr">
+                      <a:solidFill>
+                        <a:schemeClr val="tx1"/>
+                      </a:solidFill>
+                      <a:prstDash val="solid"/>
+                      <a:round/>
+                      <a:headEnd type="none" w="med" len="med"/>
+                      <a:tailEnd type="none" w="med" len="med"/>
+                    </a:lnB>
+                    <a:solidFill>
+                      <a:schemeClr val="tx2">
+                        <a:lumMod val="10000"/>
+                        <a:lumOff val="90000"/>
+                      </a:schemeClr>
+                    </a:solidFill>
+                  </a:tcPr>
+                </a:tc>
+                <a:tc>
+                  <a:txBody>
+                    <a:bodyPr/>
+                    <a:lstStyle/>
+                    <a:p>
+                      <a:endParaRPr lang="zh-CN" altLang="en-US" dirty="0"/>
+                    </a:p>
+                  </a:txBody>
+                  <a:tcPr>
+                    <a:lnL w="12700" cap="flat" cmpd="sng" algn="ctr">
+                      <a:solidFill>
+                        <a:schemeClr val="tx1"/>
+                      </a:solidFill>
+                      <a:prstDash val="solid"/>
+                      <a:round/>
+                      <a:headEnd type="none" w="med" len="med"/>
+                      <a:tailEnd type="none" w="med" len="med"/>
+                    </a:lnL>
+                    <a:lnR w="12700" cap="flat" cmpd="sng" algn="ctr">
+                      <a:solidFill>
+                        <a:schemeClr val="tx1"/>
+                      </a:solidFill>
+                      <a:prstDash val="solid"/>
+                      <a:round/>
+                      <a:headEnd type="none" w="med" len="med"/>
+                      <a:tailEnd type="none" w="med" len="med"/>
+                    </a:lnR>
+                    <a:lnT w="12700" cap="flat" cmpd="sng" algn="ctr">
+                      <a:solidFill>
+                        <a:schemeClr val="tx1"/>
+                      </a:solidFill>
+                      <a:prstDash val="solid"/>
+                      <a:round/>
+                      <a:headEnd type="none" w="med" len="med"/>
+                      <a:tailEnd type="none" w="med" len="med"/>
+                    </a:lnT>
+                    <a:lnB w="12700" cap="flat" cmpd="sng" algn="ctr">
+                      <a:solidFill>
+                        <a:schemeClr val="tx1"/>
+                      </a:solidFill>
+                      <a:prstDash val="solid"/>
+                      <a:round/>
+                      <a:headEnd type="none" w="med" len="med"/>
+                      <a:tailEnd type="none" w="med" len="med"/>
+                    </a:lnB>
+                    <a:solidFill>
+                      <a:schemeClr val="tx2">
+                        <a:lumMod val="10000"/>
+                        <a:lumOff val="90000"/>
+                      </a:schemeClr>
+                    </a:solidFill>
+                  </a:tcPr>
+                </a:tc>
+                <a:tc>
+                  <a:txBody>
+                    <a:bodyPr/>
+                    <a:lstStyle/>
+                    <a:p>
+                      <a:endParaRPr lang="zh-CN" altLang="en-US" dirty="0"/>
+                    </a:p>
+                  </a:txBody>
+                  <a:tcPr>
+                    <a:lnL w="12700" cap="flat" cmpd="sng" algn="ctr">
+                      <a:solidFill>
+                        <a:schemeClr val="tx1"/>
+                      </a:solidFill>
+                      <a:prstDash val="solid"/>
+                      <a:round/>
+                      <a:headEnd type="none" w="med" len="med"/>
+                      <a:tailEnd type="none" w="med" len="med"/>
+                    </a:lnL>
+                    <a:lnR w="12700" cap="flat" cmpd="sng" algn="ctr">
+                      <a:solidFill>
+                        <a:schemeClr val="tx1"/>
+                      </a:solidFill>
+                      <a:prstDash val="solid"/>
+                      <a:round/>
+                      <a:headEnd type="none" w="med" len="med"/>
+                      <a:tailEnd type="none" w="med" len="med"/>
+                    </a:lnR>
+                    <a:lnT w="12700" cap="flat" cmpd="sng" algn="ctr">
+                      <a:solidFill>
+                        <a:schemeClr val="tx1"/>
+                      </a:solidFill>
+                      <a:prstDash val="solid"/>
+                      <a:round/>
+                      <a:headEnd type="none" w="med" len="med"/>
+                      <a:tailEnd type="none" w="med" len="med"/>
+                    </a:lnT>
+                    <a:lnB w="12700" cap="flat" cmpd="sng" algn="ctr">
+                      <a:solidFill>
+                        <a:schemeClr val="tx1"/>
+                      </a:solidFill>
+                      <a:prstDash val="solid"/>
+                      <a:round/>
+                      <a:headEnd type="none" w="med" len="med"/>
+                      <a:tailEnd type="none" w="med" len="med"/>
+                    </a:lnB>
+                    <a:solidFill>
+                      <a:schemeClr val="tx2">
+                        <a:lumMod val="10000"/>
+                        <a:lumOff val="90000"/>
+                      </a:schemeClr>
+                    </a:solidFill>
+                  </a:tcPr>
+                </a:tc>
+                <a:tc>
+                  <a:txBody>
+                    <a:bodyPr/>
+                    <a:lstStyle/>
+                    <a:p>
+                      <a:endParaRPr lang="zh-CN" altLang="en-US" dirty="0"/>
+                    </a:p>
+                  </a:txBody>
+                  <a:tcPr>
+                    <a:lnL w="12700" cap="flat" cmpd="sng" algn="ctr">
+                      <a:solidFill>
+                        <a:schemeClr val="tx1"/>
+                      </a:solidFill>
+                      <a:prstDash val="solid"/>
+                      <a:round/>
+                      <a:headEnd type="none" w="med" len="med"/>
+                      <a:tailEnd type="none" w="med" len="med"/>
+                    </a:lnL>
+                    <a:lnR w="12700" cap="flat" cmpd="sng" algn="ctr">
+                      <a:solidFill>
+                        <a:schemeClr val="tx1"/>
+                      </a:solidFill>
+                      <a:prstDash val="solid"/>
+                      <a:round/>
+                      <a:headEnd type="none" w="med" len="med"/>
+                      <a:tailEnd type="none" w="med" len="med"/>
+                    </a:lnR>
+                    <a:lnT w="12700" cap="flat" cmpd="sng" algn="ctr">
+                      <a:solidFill>
+                        <a:schemeClr val="tx1"/>
+                      </a:solidFill>
+                      <a:prstDash val="solid"/>
+                      <a:round/>
+                      <a:headEnd type="none" w="med" len="med"/>
+                      <a:tailEnd type="none" w="med" len="med"/>
+                    </a:lnT>
+                    <a:lnB w="12700" cap="flat" cmpd="sng" algn="ctr">
+                      <a:solidFill>
+                        <a:schemeClr val="tx1"/>
+                      </a:solidFill>
+                      <a:prstDash val="solid"/>
+                      <a:round/>
+                      <a:headEnd type="none" w="med" len="med"/>
+                      <a:tailEnd type="none" w="med" len="med"/>
+                    </a:lnB>
+                    <a:solidFill>
+                      <a:schemeClr val="bg2">
+                        <a:lumMod val="90000"/>
+                      </a:schemeClr>
+                    </a:solidFill>
+                  </a:tcPr>
+                </a:tc>
+                <a:tc>
+                  <a:txBody>
+                    <a:bodyPr/>
+                    <a:lstStyle/>
+                    <a:p>
+                      <a:endParaRPr lang="zh-CN" altLang="en-US"/>
+                    </a:p>
+                  </a:txBody>
+                  <a:tcPr>
+                    <a:lnL w="12700" cap="flat" cmpd="sng" algn="ctr">
+                      <a:solidFill>
+                        <a:schemeClr val="tx1"/>
+                      </a:solidFill>
+                      <a:prstDash val="solid"/>
+                      <a:round/>
+                      <a:headEnd type="none" w="med" len="med"/>
+                      <a:tailEnd type="none" w="med" len="med"/>
+                    </a:lnL>
+                    <a:lnR w="12700" cap="flat" cmpd="sng" algn="ctr">
+                      <a:solidFill>
+                        <a:schemeClr val="tx1"/>
+                      </a:solidFill>
+                      <a:prstDash val="solid"/>
+                      <a:round/>
+                      <a:headEnd type="none" w="med" len="med"/>
+                      <a:tailEnd type="none" w="med" len="med"/>
+                    </a:lnR>
+                    <a:lnT w="12700" cap="flat" cmpd="sng" algn="ctr">
+                      <a:solidFill>
+                        <a:schemeClr val="tx1"/>
+                      </a:solidFill>
+                      <a:prstDash val="solid"/>
+                      <a:round/>
+                      <a:headEnd type="none" w="med" len="med"/>
+                      <a:tailEnd type="none" w="med" len="med"/>
+                    </a:lnT>
+                    <a:lnB w="12700" cap="flat" cmpd="sng" algn="ctr">
+                      <a:solidFill>
+                        <a:schemeClr val="tx1"/>
+                      </a:solidFill>
+                      <a:prstDash val="solid"/>
+                      <a:round/>
+                      <a:headEnd type="none" w="med" len="med"/>
+                      <a:tailEnd type="none" w="med" len="med"/>
+                    </a:lnB>
+                    <a:solidFill>
+                      <a:schemeClr val="bg2">
+                        <a:lumMod val="90000"/>
+                      </a:schemeClr>
+                    </a:solidFill>
+                  </a:tcPr>
+                </a:tc>
+                <a:tc>
+                  <a:txBody>
+                    <a:bodyPr/>
+                    <a:lstStyle/>
+                    <a:p>
+                      <a:endParaRPr lang="zh-CN" altLang="en-US"/>
+                    </a:p>
+                  </a:txBody>
+                  <a:tcPr>
+                    <a:lnL w="12700" cap="flat" cmpd="sng" algn="ctr">
+                      <a:solidFill>
+                        <a:schemeClr val="tx1"/>
+                      </a:solidFill>
+                      <a:prstDash val="solid"/>
+                      <a:round/>
+                      <a:headEnd type="none" w="med" len="med"/>
+                      <a:tailEnd type="none" w="med" len="med"/>
+                    </a:lnL>
+                    <a:lnR w="12700" cap="flat" cmpd="sng" algn="ctr">
+                      <a:solidFill>
+                        <a:schemeClr val="tx1"/>
+                      </a:solidFill>
+                      <a:prstDash val="solid"/>
+                      <a:round/>
+                      <a:headEnd type="none" w="med" len="med"/>
+                      <a:tailEnd type="none" w="med" len="med"/>
+                    </a:lnR>
+                    <a:lnT w="12700" cap="flat" cmpd="sng" algn="ctr">
+                      <a:solidFill>
+                        <a:schemeClr val="tx1"/>
+                      </a:solidFill>
+                      <a:prstDash val="solid"/>
+                      <a:round/>
+                      <a:headEnd type="none" w="med" len="med"/>
+                      <a:tailEnd type="none" w="med" len="med"/>
+                    </a:lnT>
+                    <a:lnB w="12700" cap="flat" cmpd="sng" algn="ctr">
+                      <a:solidFill>
+                        <a:schemeClr val="tx1"/>
+                      </a:solidFill>
+                      <a:prstDash val="solid"/>
+                      <a:round/>
+                      <a:headEnd type="none" w="med" len="med"/>
+                      <a:tailEnd type="none" w="med" len="med"/>
+                    </a:lnB>
+                    <a:solidFill>
+                      <a:schemeClr val="bg2">
+                        <a:lumMod val="90000"/>
+                      </a:schemeClr>
+                    </a:solidFill>
+                  </a:tcPr>
+                </a:tc>
+                <a:tc>
+                  <a:txBody>
+                    <a:bodyPr/>
+                    <a:lstStyle/>
+                    <a:p>
+                      <a:endParaRPr lang="zh-CN" altLang="en-US" dirty="0"/>
+                    </a:p>
+                  </a:txBody>
+                  <a:tcPr>
+                    <a:lnL w="12700" cap="flat" cmpd="sng" algn="ctr">
+                      <a:solidFill>
+                        <a:schemeClr val="tx1"/>
+                      </a:solidFill>
+                      <a:prstDash val="solid"/>
+                      <a:round/>
+                      <a:headEnd type="none" w="med" len="med"/>
+                      <a:tailEnd type="none" w="med" len="med"/>
+                    </a:lnL>
+                    <a:lnR w="12700" cap="flat" cmpd="sng" algn="ctr">
+                      <a:solidFill>
+                        <a:schemeClr val="tx1"/>
+                      </a:solidFill>
+                      <a:prstDash val="solid"/>
+                      <a:round/>
+                      <a:headEnd type="none" w="med" len="med"/>
+                      <a:tailEnd type="none" w="med" len="med"/>
+                    </a:lnR>
+                    <a:lnT w="12700" cap="flat" cmpd="sng" algn="ctr">
+                      <a:solidFill>
+                        <a:schemeClr val="tx1"/>
+                      </a:solidFill>
+                      <a:prstDash val="solid"/>
+                      <a:round/>
+                      <a:headEnd type="none" w="med" len="med"/>
+                      <a:tailEnd type="none" w="med" len="med"/>
+                    </a:lnT>
+                    <a:lnB w="12700" cap="flat" cmpd="sng" algn="ctr">
+                      <a:solidFill>
+                        <a:schemeClr val="tx1"/>
+                      </a:solidFill>
+                      <a:prstDash val="solid"/>
+                      <a:round/>
+                      <a:headEnd type="none" w="med" len="med"/>
+                      <a:tailEnd type="none" w="med" len="med"/>
+                    </a:lnB>
+                    <a:solidFill>
+                      <a:schemeClr val="bg2">
+                        <a:lumMod val="90000"/>
+                      </a:schemeClr>
+                    </a:solidFill>
+                  </a:tcPr>
+                </a:tc>
+                <a:extLst>
+                  <a:ext uri="{0D108BD9-81ED-4DB2-BD59-A6C34878D82A}">
+                    <a16:rowId xmlns:a16="http://schemas.microsoft.com/office/drawing/2014/main" val="4281124658"/>
+                  </a:ext>
+                </a:extLst>
+              </a:tr>
+              <a:tr h="611717">
+                <a:tc>
+                  <a:txBody>
+                    <a:bodyPr/>
+                    <a:lstStyle/>
+                    <a:p>
+                      <a:endParaRPr lang="zh-CN" altLang="en-US"/>
+                    </a:p>
+                  </a:txBody>
+                  <a:tcPr>
+                    <a:lnL w="12700" cap="flat" cmpd="sng" algn="ctr">
+                      <a:solidFill>
+                        <a:schemeClr val="tx1"/>
+                      </a:solidFill>
+                      <a:prstDash val="solid"/>
+                      <a:round/>
+                      <a:headEnd type="none" w="med" len="med"/>
+                      <a:tailEnd type="none" w="med" len="med"/>
+                    </a:lnL>
+                    <a:lnR w="12700" cap="flat" cmpd="sng" algn="ctr">
+                      <a:solidFill>
+                        <a:schemeClr val="tx1"/>
+                      </a:solidFill>
+                      <a:prstDash val="solid"/>
+                      <a:round/>
+                      <a:headEnd type="none" w="med" len="med"/>
+                      <a:tailEnd type="none" w="med" len="med"/>
+                    </a:lnR>
+                    <a:lnT w="12700" cap="flat" cmpd="sng" algn="ctr">
+                      <a:solidFill>
+                        <a:schemeClr val="tx1"/>
+                      </a:solidFill>
+                      <a:prstDash val="solid"/>
+                      <a:round/>
+                      <a:headEnd type="none" w="med" len="med"/>
+                      <a:tailEnd type="none" w="med" len="med"/>
+                    </a:lnT>
+                    <a:lnB w="12700" cap="flat" cmpd="sng" algn="ctr">
+                      <a:solidFill>
+                        <a:schemeClr val="tx1"/>
+                      </a:solidFill>
+                      <a:prstDash val="solid"/>
+                      <a:round/>
+                      <a:headEnd type="none" w="med" len="med"/>
+                      <a:tailEnd type="none" w="med" len="med"/>
+                    </a:lnB>
+                    <a:solidFill>
+                      <a:schemeClr val="bg2">
+                        <a:lumMod val="90000"/>
+                      </a:schemeClr>
+                    </a:solidFill>
+                  </a:tcPr>
+                </a:tc>
+                <a:tc>
+                  <a:txBody>
+                    <a:bodyPr/>
+                    <a:lstStyle/>
+                    <a:p>
+                      <a:endParaRPr lang="zh-CN" altLang="en-US" dirty="0"/>
+                    </a:p>
+                  </a:txBody>
+                  <a:tcPr>
+                    <a:lnL w="12700" cap="flat" cmpd="sng" algn="ctr">
+                      <a:solidFill>
+                        <a:schemeClr val="tx1"/>
+                      </a:solidFill>
+                      <a:prstDash val="solid"/>
+                      <a:round/>
+                      <a:headEnd type="none" w="med" len="med"/>
+                      <a:tailEnd type="none" w="med" len="med"/>
+                    </a:lnL>
+                    <a:lnR w="12700" cap="flat" cmpd="sng" algn="ctr">
+                      <a:solidFill>
+                        <a:schemeClr val="tx1"/>
+                      </a:solidFill>
+                      <a:prstDash val="solid"/>
+                      <a:round/>
+                      <a:headEnd type="none" w="med" len="med"/>
+                      <a:tailEnd type="none" w="med" len="med"/>
+                    </a:lnR>
+                    <a:lnT w="12700" cap="flat" cmpd="sng" algn="ctr">
+                      <a:solidFill>
+                        <a:schemeClr val="tx1"/>
+                      </a:solidFill>
+                      <a:prstDash val="solid"/>
+                      <a:round/>
+                      <a:headEnd type="none" w="med" len="med"/>
+                      <a:tailEnd type="none" w="med" len="med"/>
+                    </a:lnT>
+                    <a:lnB w="12700" cap="flat" cmpd="sng" algn="ctr">
+                      <a:solidFill>
+                        <a:schemeClr val="tx1"/>
+                      </a:solidFill>
+                      <a:prstDash val="solid"/>
+                      <a:round/>
+                      <a:headEnd type="none" w="med" len="med"/>
+                      <a:tailEnd type="none" w="med" len="med"/>
+                    </a:lnB>
+                    <a:solidFill>
+                      <a:schemeClr val="tx2">
+                        <a:lumMod val="10000"/>
+                        <a:lumOff val="90000"/>
+                      </a:schemeClr>
+                    </a:solidFill>
+                  </a:tcPr>
+                </a:tc>
+                <a:tc>
+                  <a:txBody>
+                    <a:bodyPr/>
+                    <a:lstStyle/>
+                    <a:p>
+                      <a:endParaRPr lang="zh-CN" altLang="en-US" dirty="0"/>
+                    </a:p>
+                  </a:txBody>
+                  <a:tcPr>
+                    <a:lnL w="12700" cap="flat" cmpd="sng" algn="ctr">
+                      <a:solidFill>
+                        <a:schemeClr val="tx1"/>
+                      </a:solidFill>
+                      <a:prstDash val="solid"/>
+                      <a:round/>
+                      <a:headEnd type="none" w="med" len="med"/>
+                      <a:tailEnd type="none" w="med" len="med"/>
+                    </a:lnL>
+                    <a:lnR w="12700" cap="flat" cmpd="sng" algn="ctr">
+                      <a:solidFill>
+                        <a:schemeClr val="tx1"/>
+                      </a:solidFill>
+                      <a:prstDash val="solid"/>
+                      <a:round/>
+                      <a:headEnd type="none" w="med" len="med"/>
+                      <a:tailEnd type="none" w="med" len="med"/>
+                    </a:lnR>
+                    <a:lnT w="12700" cap="flat" cmpd="sng" algn="ctr">
+                      <a:solidFill>
+                        <a:schemeClr val="tx1"/>
+                      </a:solidFill>
+                      <a:prstDash val="solid"/>
+                      <a:round/>
+                      <a:headEnd type="none" w="med" len="med"/>
+                      <a:tailEnd type="none" w="med" len="med"/>
+                    </a:lnT>
+                    <a:lnB w="12700" cap="flat" cmpd="sng" algn="ctr">
+                      <a:solidFill>
+                        <a:schemeClr val="tx1"/>
+                      </a:solidFill>
+                      <a:prstDash val="solid"/>
+                      <a:round/>
+                      <a:headEnd type="none" w="med" len="med"/>
+                      <a:tailEnd type="none" w="med" len="med"/>
+                    </a:lnB>
+                    <a:solidFill>
+                      <a:schemeClr val="tx2">
+                        <a:lumMod val="10000"/>
+                        <a:lumOff val="90000"/>
+                      </a:schemeClr>
+                    </a:solidFill>
+                  </a:tcPr>
+                </a:tc>
+                <a:tc>
+                  <a:txBody>
+                    <a:bodyPr/>
+                    <a:lstStyle/>
+                    <a:p>
+                      <a:endParaRPr lang="zh-CN" altLang="en-US" dirty="0"/>
+                    </a:p>
+                  </a:txBody>
+                  <a:tcPr>
+                    <a:lnL w="12700" cap="flat" cmpd="sng" algn="ctr">
+                      <a:solidFill>
+                        <a:schemeClr val="tx1"/>
+                      </a:solidFill>
+                      <a:prstDash val="solid"/>
+                      <a:round/>
+                      <a:headEnd type="none" w="med" len="med"/>
+                      <a:tailEnd type="none" w="med" len="med"/>
+                    </a:lnL>
+                    <a:lnR w="12700" cap="flat" cmpd="sng" algn="ctr">
+                      <a:solidFill>
+                        <a:schemeClr val="tx1"/>
+                      </a:solidFill>
+                      <a:prstDash val="solid"/>
+                      <a:round/>
+                      <a:headEnd type="none" w="med" len="med"/>
+                      <a:tailEnd type="none" w="med" len="med"/>
+                    </a:lnR>
+                    <a:lnT w="12700" cap="flat" cmpd="sng" algn="ctr">
+                      <a:solidFill>
+                        <a:schemeClr val="tx1"/>
+                      </a:solidFill>
+                      <a:prstDash val="solid"/>
+                      <a:round/>
+                      <a:headEnd type="none" w="med" len="med"/>
+                      <a:tailEnd type="none" w="med" len="med"/>
+                    </a:lnT>
+                    <a:lnB w="12700" cap="flat" cmpd="sng" algn="ctr">
+                      <a:solidFill>
+                        <a:schemeClr val="tx1"/>
+                      </a:solidFill>
+                      <a:prstDash val="solid"/>
+                      <a:round/>
+                      <a:headEnd type="none" w="med" len="med"/>
+                      <a:tailEnd type="none" w="med" len="med"/>
+                    </a:lnB>
+                    <a:solidFill>
+                      <a:schemeClr val="tx2">
+                        <a:lumMod val="10000"/>
+                        <a:lumOff val="90000"/>
+                      </a:schemeClr>
+                    </a:solidFill>
+                  </a:tcPr>
+                </a:tc>
+                <a:tc>
+                  <a:txBody>
+                    <a:bodyPr/>
+                    <a:lstStyle/>
+                    <a:p>
+                      <a:endParaRPr lang="zh-CN" altLang="en-US" dirty="0"/>
+                    </a:p>
+                  </a:txBody>
+                  <a:tcPr>
+                    <a:lnL w="12700" cap="flat" cmpd="sng" algn="ctr">
+                      <a:solidFill>
+                        <a:schemeClr val="tx1"/>
+                      </a:solidFill>
+                      <a:prstDash val="solid"/>
+                      <a:round/>
+                      <a:headEnd type="none" w="med" len="med"/>
+                      <a:tailEnd type="none" w="med" len="med"/>
+                    </a:lnL>
+                    <a:lnR w="12700" cap="flat" cmpd="sng" algn="ctr">
+                      <a:solidFill>
+                        <a:schemeClr val="tx1"/>
+                      </a:solidFill>
+                      <a:prstDash val="solid"/>
+                      <a:round/>
+                      <a:headEnd type="none" w="med" len="med"/>
+                      <a:tailEnd type="none" w="med" len="med"/>
+                    </a:lnR>
+                    <a:lnT w="12700" cap="flat" cmpd="sng" algn="ctr">
+                      <a:solidFill>
+                        <a:schemeClr val="tx1"/>
+                      </a:solidFill>
+                      <a:prstDash val="solid"/>
+                      <a:round/>
+                      <a:headEnd type="none" w="med" len="med"/>
+                      <a:tailEnd type="none" w="med" len="med"/>
+                    </a:lnT>
+                    <a:lnB w="12700" cap="flat" cmpd="sng" algn="ctr">
+                      <a:solidFill>
+                        <a:schemeClr val="tx1"/>
+                      </a:solidFill>
+                      <a:prstDash val="solid"/>
+                      <a:round/>
+                      <a:headEnd type="none" w="med" len="med"/>
+                      <a:tailEnd type="none" w="med" len="med"/>
+                    </a:lnB>
+                    <a:solidFill>
+                      <a:schemeClr val="bg2">
+                        <a:lumMod val="90000"/>
+                      </a:schemeClr>
+                    </a:solidFill>
+                  </a:tcPr>
+                </a:tc>
+                <a:tc>
+                  <a:txBody>
+                    <a:bodyPr/>
+                    <a:lstStyle/>
+                    <a:p>
+                      <a:endParaRPr lang="zh-CN" altLang="en-US" dirty="0"/>
+                    </a:p>
+                  </a:txBody>
+                  <a:tcPr>
+                    <a:lnL w="12700" cap="flat" cmpd="sng" algn="ctr">
+                      <a:solidFill>
+                        <a:schemeClr val="tx1"/>
+                      </a:solidFill>
+                      <a:prstDash val="solid"/>
+                      <a:round/>
+                      <a:headEnd type="none" w="med" len="med"/>
+                      <a:tailEnd type="none" w="med" len="med"/>
+                    </a:lnL>
+                    <a:lnR w="12700" cap="flat" cmpd="sng" algn="ctr">
+                      <a:solidFill>
+                        <a:schemeClr val="tx1"/>
+                      </a:solidFill>
+                      <a:prstDash val="solid"/>
+                      <a:round/>
+                      <a:headEnd type="none" w="med" len="med"/>
+                      <a:tailEnd type="none" w="med" len="med"/>
+                    </a:lnR>
+                    <a:lnT w="12700" cap="flat" cmpd="sng" algn="ctr">
+                      <a:solidFill>
+                        <a:schemeClr val="tx1"/>
+                      </a:solidFill>
+                      <a:prstDash val="solid"/>
+                      <a:round/>
+                      <a:headEnd type="none" w="med" len="med"/>
+                      <a:tailEnd type="none" w="med" len="med"/>
+                    </a:lnT>
+                    <a:lnB w="12700" cap="flat" cmpd="sng" algn="ctr">
+                      <a:solidFill>
+                        <a:schemeClr val="tx1"/>
+                      </a:solidFill>
+                      <a:prstDash val="solid"/>
+                      <a:round/>
+                      <a:headEnd type="none" w="med" len="med"/>
+                      <a:tailEnd type="none" w="med" len="med"/>
+                    </a:lnB>
+                    <a:solidFill>
+                      <a:schemeClr val="bg2">
+                        <a:lumMod val="90000"/>
+                      </a:schemeClr>
+                    </a:solidFill>
+                  </a:tcPr>
+                </a:tc>
+                <a:tc>
+                  <a:txBody>
+                    <a:bodyPr/>
+                    <a:lstStyle/>
+                    <a:p>
+                      <a:endParaRPr lang="zh-CN" altLang="en-US" dirty="0"/>
+                    </a:p>
+                  </a:txBody>
+                  <a:tcPr>
+                    <a:lnL w="12700" cap="flat" cmpd="sng" algn="ctr">
+                      <a:solidFill>
+                        <a:schemeClr val="tx1"/>
+                      </a:solidFill>
+                      <a:prstDash val="solid"/>
+                      <a:round/>
+                      <a:headEnd type="none" w="med" len="med"/>
+                      <a:tailEnd type="none" w="med" len="med"/>
+                    </a:lnL>
+                    <a:lnR w="12700" cap="flat" cmpd="sng" algn="ctr">
+                      <a:solidFill>
+                        <a:schemeClr val="tx1"/>
+                      </a:solidFill>
+                      <a:prstDash val="solid"/>
+                      <a:round/>
+                      <a:headEnd type="none" w="med" len="med"/>
+                      <a:tailEnd type="none" w="med" len="med"/>
+                    </a:lnR>
+                    <a:lnT w="12700" cap="flat" cmpd="sng" algn="ctr">
+                      <a:solidFill>
+                        <a:schemeClr val="tx1"/>
+                      </a:solidFill>
+                      <a:prstDash val="solid"/>
+                      <a:round/>
+                      <a:headEnd type="none" w="med" len="med"/>
+                      <a:tailEnd type="none" w="med" len="med"/>
+                    </a:lnT>
+                    <a:lnB w="12700" cap="flat" cmpd="sng" algn="ctr">
+                      <a:solidFill>
+                        <a:schemeClr val="tx1"/>
+                      </a:solidFill>
+                      <a:prstDash val="solid"/>
+                      <a:round/>
+                      <a:headEnd type="none" w="med" len="med"/>
+                      <a:tailEnd type="none" w="med" len="med"/>
+                    </a:lnB>
+                    <a:solidFill>
+                      <a:schemeClr val="bg2">
+                        <a:lumMod val="90000"/>
+                      </a:schemeClr>
+                    </a:solidFill>
+                  </a:tcPr>
+                </a:tc>
+                <a:extLst>
+                  <a:ext uri="{0D108BD9-81ED-4DB2-BD59-A6C34878D82A}">
+                    <a16:rowId xmlns:a16="http://schemas.microsoft.com/office/drawing/2014/main" val="3579659078"/>
+                  </a:ext>
+                </a:extLst>
+              </a:tr>
+              <a:tr h="611717">
+                <a:tc>
+                  <a:txBody>
+                    <a:bodyPr/>
+                    <a:lstStyle/>
+                    <a:p>
+                      <a:endParaRPr lang="zh-CN" altLang="en-US"/>
+                    </a:p>
+                  </a:txBody>
+                  <a:tcPr>
+                    <a:lnL w="12700" cap="flat" cmpd="sng" algn="ctr">
+                      <a:solidFill>
+                        <a:schemeClr val="tx1"/>
+                      </a:solidFill>
+                      <a:prstDash val="solid"/>
+                      <a:round/>
+                      <a:headEnd type="none" w="med" len="med"/>
+                      <a:tailEnd type="none" w="med" len="med"/>
+                    </a:lnL>
+                    <a:lnR w="12700" cap="flat" cmpd="sng" algn="ctr">
+                      <a:solidFill>
+                        <a:schemeClr val="tx1"/>
+                      </a:solidFill>
+                      <a:prstDash val="solid"/>
+                      <a:round/>
+                      <a:headEnd type="none" w="med" len="med"/>
+                      <a:tailEnd type="none" w="med" len="med"/>
+                    </a:lnR>
+                    <a:lnT w="12700" cap="flat" cmpd="sng" algn="ctr">
+                      <a:solidFill>
+                        <a:schemeClr val="tx1"/>
+                      </a:solidFill>
+                      <a:prstDash val="solid"/>
+                      <a:round/>
+                      <a:headEnd type="none" w="med" len="med"/>
+                      <a:tailEnd type="none" w="med" len="med"/>
+                    </a:lnT>
+                    <a:lnB w="12700" cap="flat" cmpd="sng" algn="ctr">
+                      <a:solidFill>
+                        <a:schemeClr val="tx1"/>
+                      </a:solidFill>
+                      <a:prstDash val="solid"/>
+                      <a:round/>
+                      <a:headEnd type="none" w="med" len="med"/>
+                      <a:tailEnd type="none" w="med" len="med"/>
+                    </a:lnB>
+                    <a:solidFill>
+                      <a:schemeClr val="bg2">
+                        <a:lumMod val="90000"/>
+                      </a:schemeClr>
+                    </a:solidFill>
+                  </a:tcPr>
+                </a:tc>
+                <a:tc>
+                  <a:txBody>
+                    <a:bodyPr/>
+                    <a:lstStyle/>
+                    <a:p>
+                      <a:endParaRPr lang="zh-CN" altLang="en-US"/>
+                    </a:p>
+                  </a:txBody>
+                  <a:tcPr>
+                    <a:lnL w="12700" cap="flat" cmpd="sng" algn="ctr">
+                      <a:solidFill>
+                        <a:schemeClr val="tx1"/>
+                      </a:solidFill>
+                      <a:prstDash val="solid"/>
+                      <a:round/>
+                      <a:headEnd type="none" w="med" len="med"/>
+                      <a:tailEnd type="none" w="med" len="med"/>
+                    </a:lnL>
+                    <a:lnR w="12700" cap="flat" cmpd="sng" algn="ctr">
+                      <a:solidFill>
+                        <a:schemeClr val="tx1"/>
+                      </a:solidFill>
+                      <a:prstDash val="solid"/>
+                      <a:round/>
+                      <a:headEnd type="none" w="med" len="med"/>
+                      <a:tailEnd type="none" w="med" len="med"/>
+                    </a:lnR>
+                    <a:lnT w="12700" cap="flat" cmpd="sng" algn="ctr">
+                      <a:solidFill>
+                        <a:schemeClr val="tx1"/>
+                      </a:solidFill>
+                      <a:prstDash val="solid"/>
+                      <a:round/>
+                      <a:headEnd type="none" w="med" len="med"/>
+                      <a:tailEnd type="none" w="med" len="med"/>
+                    </a:lnT>
+                    <a:lnB w="12700" cap="flat" cmpd="sng" algn="ctr">
+                      <a:solidFill>
+                        <a:schemeClr val="tx1"/>
+                      </a:solidFill>
+                      <a:prstDash val="solid"/>
+                      <a:round/>
+                      <a:headEnd type="none" w="med" len="med"/>
+                      <a:tailEnd type="none" w="med" len="med"/>
+                    </a:lnB>
+                    <a:solidFill>
+                      <a:schemeClr val="bg2">
+                        <a:lumMod val="90000"/>
+                      </a:schemeClr>
+                    </a:solidFill>
+                  </a:tcPr>
+                </a:tc>
+                <a:tc>
+                  <a:txBody>
+                    <a:bodyPr/>
+                    <a:lstStyle/>
+                    <a:p>
+                      <a:endParaRPr lang="zh-CN" altLang="en-US" dirty="0"/>
+                    </a:p>
+                  </a:txBody>
+                  <a:tcPr>
+                    <a:lnL w="12700" cap="flat" cmpd="sng" algn="ctr">
+                      <a:solidFill>
+                        <a:schemeClr val="tx1"/>
+                      </a:solidFill>
+                      <a:prstDash val="solid"/>
+                      <a:round/>
+                      <a:headEnd type="none" w="med" len="med"/>
+                      <a:tailEnd type="none" w="med" len="med"/>
+                    </a:lnL>
+                    <a:lnR w="12700" cap="flat" cmpd="sng" algn="ctr">
+                      <a:solidFill>
+                        <a:schemeClr val="tx1"/>
+                      </a:solidFill>
+                      <a:prstDash val="solid"/>
+                      <a:round/>
+                      <a:headEnd type="none" w="med" len="med"/>
+                      <a:tailEnd type="none" w="med" len="med"/>
+                    </a:lnR>
+                    <a:lnT w="12700" cap="flat" cmpd="sng" algn="ctr">
+                      <a:solidFill>
+                        <a:schemeClr val="tx1"/>
+                      </a:solidFill>
+                      <a:prstDash val="solid"/>
+                      <a:round/>
+                      <a:headEnd type="none" w="med" len="med"/>
+                      <a:tailEnd type="none" w="med" len="med"/>
+                    </a:lnT>
+                    <a:lnB w="12700" cap="flat" cmpd="sng" algn="ctr">
+                      <a:solidFill>
+                        <a:schemeClr val="tx1"/>
+                      </a:solidFill>
+                      <a:prstDash val="solid"/>
+                      <a:round/>
+                      <a:headEnd type="none" w="med" len="med"/>
+                      <a:tailEnd type="none" w="med" len="med"/>
+                    </a:lnB>
+                    <a:solidFill>
+                      <a:schemeClr val="tx2">
+                        <a:lumMod val="10000"/>
+                        <a:lumOff val="90000"/>
+                      </a:schemeClr>
+                    </a:solidFill>
+                  </a:tcPr>
+                </a:tc>
+                <a:tc>
+                  <a:txBody>
+                    <a:bodyPr/>
+                    <a:lstStyle/>
+                    <a:p>
+                      <a:endParaRPr lang="zh-CN" altLang="en-US" dirty="0"/>
+                    </a:p>
+                  </a:txBody>
+                  <a:tcPr>
+                    <a:lnL w="12700" cap="flat" cmpd="sng" algn="ctr">
+                      <a:solidFill>
+                        <a:schemeClr val="tx1"/>
+                      </a:solidFill>
+                      <a:prstDash val="solid"/>
+                      <a:round/>
+                      <a:headEnd type="none" w="med" len="med"/>
+                      <a:tailEnd type="none" w="med" len="med"/>
+                    </a:lnL>
+                    <a:lnR w="12700" cap="flat" cmpd="sng" algn="ctr">
+                      <a:solidFill>
+                        <a:schemeClr val="tx1"/>
+                      </a:solidFill>
+                      <a:prstDash val="solid"/>
+                      <a:round/>
+                      <a:headEnd type="none" w="med" len="med"/>
+                      <a:tailEnd type="none" w="med" len="med"/>
+                    </a:lnR>
+                    <a:lnT w="12700" cap="flat" cmpd="sng" algn="ctr">
+                      <a:solidFill>
+                        <a:schemeClr val="tx1"/>
+                      </a:solidFill>
+                      <a:prstDash val="solid"/>
+                      <a:round/>
+                      <a:headEnd type="none" w="med" len="med"/>
+                      <a:tailEnd type="none" w="med" len="med"/>
+                    </a:lnT>
+                    <a:lnB w="12700" cap="flat" cmpd="sng" algn="ctr">
+                      <a:solidFill>
+                        <a:schemeClr val="tx1"/>
+                      </a:solidFill>
+                      <a:prstDash val="solid"/>
+                      <a:round/>
+                      <a:headEnd type="none" w="med" len="med"/>
+                      <a:tailEnd type="none" w="med" len="med"/>
+                    </a:lnB>
+                    <a:solidFill>
+                      <a:schemeClr val="tx2">
+                        <a:lumMod val="10000"/>
+                        <a:lumOff val="90000"/>
+                      </a:schemeClr>
+                    </a:solidFill>
+                  </a:tcPr>
+                </a:tc>
+                <a:tc>
+                  <a:txBody>
+                    <a:bodyPr/>
+                    <a:lstStyle/>
+                    <a:p>
+                      <a:endParaRPr lang="zh-CN" altLang="en-US" dirty="0"/>
+                    </a:p>
+                  </a:txBody>
+                  <a:tcPr>
+                    <a:lnL w="12700" cap="flat" cmpd="sng" algn="ctr">
+                      <a:solidFill>
+                        <a:schemeClr val="tx1"/>
+                      </a:solidFill>
+                      <a:prstDash val="solid"/>
+                      <a:round/>
+                      <a:headEnd type="none" w="med" len="med"/>
+                      <a:tailEnd type="none" w="med" len="med"/>
+                    </a:lnL>
+                    <a:lnR w="12700" cap="flat" cmpd="sng" algn="ctr">
+                      <a:solidFill>
+                        <a:schemeClr val="tx1"/>
+                      </a:solidFill>
+                      <a:prstDash val="solid"/>
+                      <a:round/>
+                      <a:headEnd type="none" w="med" len="med"/>
+                      <a:tailEnd type="none" w="med" len="med"/>
+                    </a:lnR>
+                    <a:lnT w="12700" cap="flat" cmpd="sng" algn="ctr">
+                      <a:solidFill>
+                        <a:schemeClr val="tx1"/>
+                      </a:solidFill>
+                      <a:prstDash val="solid"/>
+                      <a:round/>
+                      <a:headEnd type="none" w="med" len="med"/>
+                      <a:tailEnd type="none" w="med" len="med"/>
+                    </a:lnT>
+                    <a:lnB w="12700" cap="flat" cmpd="sng" algn="ctr">
+                      <a:solidFill>
+                        <a:schemeClr val="tx1"/>
+                      </a:solidFill>
+                      <a:prstDash val="solid"/>
+                      <a:round/>
+                      <a:headEnd type="none" w="med" len="med"/>
+                      <a:tailEnd type="none" w="med" len="med"/>
+                    </a:lnB>
+                    <a:solidFill>
+                      <a:schemeClr val="tx2">
+                        <a:lumMod val="10000"/>
+                        <a:lumOff val="90000"/>
+                      </a:schemeClr>
+                    </a:solidFill>
+                  </a:tcPr>
+                </a:tc>
+                <a:tc>
+                  <a:txBody>
+                    <a:bodyPr/>
+                    <a:lstStyle/>
+                    <a:p>
+                      <a:endParaRPr lang="zh-CN" altLang="en-US" dirty="0"/>
+                    </a:p>
+                  </a:txBody>
+                  <a:tcPr>
+                    <a:lnL w="12700" cap="flat" cmpd="sng" algn="ctr">
+                      <a:solidFill>
+                        <a:schemeClr val="tx1"/>
+                      </a:solidFill>
+                      <a:prstDash val="solid"/>
+                      <a:round/>
+                      <a:headEnd type="none" w="med" len="med"/>
+                      <a:tailEnd type="none" w="med" len="med"/>
+                    </a:lnL>
+                    <a:lnR w="12700" cap="flat" cmpd="sng" algn="ctr">
+                      <a:solidFill>
+                        <a:schemeClr val="tx1"/>
+                      </a:solidFill>
+                      <a:prstDash val="solid"/>
+                      <a:round/>
+                      <a:headEnd type="none" w="med" len="med"/>
+                      <a:tailEnd type="none" w="med" len="med"/>
+                    </a:lnR>
+                    <a:lnT w="12700" cap="flat" cmpd="sng" algn="ctr">
+                      <a:solidFill>
+                        <a:schemeClr val="tx1"/>
+                      </a:solidFill>
+                      <a:prstDash val="solid"/>
+                      <a:round/>
+                      <a:headEnd type="none" w="med" len="med"/>
+                      <a:tailEnd type="none" w="med" len="med"/>
+                    </a:lnT>
+                    <a:lnB w="12700" cap="flat" cmpd="sng" algn="ctr">
+                      <a:solidFill>
+                        <a:schemeClr val="tx1"/>
+                      </a:solidFill>
+                      <a:prstDash val="solid"/>
+                      <a:round/>
+                      <a:headEnd type="none" w="med" len="med"/>
+                      <a:tailEnd type="none" w="med" len="med"/>
+                    </a:lnB>
+                    <a:solidFill>
+                      <a:schemeClr val="bg2">
+                        <a:lumMod val="90000"/>
+                      </a:schemeClr>
+                    </a:solidFill>
+                  </a:tcPr>
+                </a:tc>
+                <a:tc>
+                  <a:txBody>
+                    <a:bodyPr/>
+                    <a:lstStyle/>
+                    <a:p>
+                      <a:endParaRPr lang="zh-CN" altLang="en-US" dirty="0"/>
+                    </a:p>
+                  </a:txBody>
+                  <a:tcPr>
+                    <a:lnL w="12700" cap="flat" cmpd="sng" algn="ctr">
+                      <a:solidFill>
+                        <a:schemeClr val="tx1"/>
+                      </a:solidFill>
+                      <a:prstDash val="solid"/>
+                      <a:round/>
+                      <a:headEnd type="none" w="med" len="med"/>
+                      <a:tailEnd type="none" w="med" len="med"/>
+                    </a:lnL>
+                    <a:lnR w="12700" cap="flat" cmpd="sng" algn="ctr">
+                      <a:solidFill>
+                        <a:schemeClr val="tx1"/>
+                      </a:solidFill>
+                      <a:prstDash val="solid"/>
+                      <a:round/>
+                      <a:headEnd type="none" w="med" len="med"/>
+                      <a:tailEnd type="none" w="med" len="med"/>
+                    </a:lnR>
+                    <a:lnT w="12700" cap="flat" cmpd="sng" algn="ctr">
+                      <a:solidFill>
+                        <a:schemeClr val="tx1"/>
+                      </a:solidFill>
+                      <a:prstDash val="solid"/>
+                      <a:round/>
+                      <a:headEnd type="none" w="med" len="med"/>
+                      <a:tailEnd type="none" w="med" len="med"/>
+                    </a:lnT>
+                    <a:lnB w="12700" cap="flat" cmpd="sng" algn="ctr">
+                      <a:solidFill>
+                        <a:schemeClr val="tx1"/>
+                      </a:solidFill>
+                      <a:prstDash val="solid"/>
+                      <a:round/>
+                      <a:headEnd type="none" w="med" len="med"/>
+                      <a:tailEnd type="none" w="med" len="med"/>
+                    </a:lnB>
+                    <a:solidFill>
+                      <a:schemeClr val="bg2">
+                        <a:lumMod val="90000"/>
+                      </a:schemeClr>
+                    </a:solidFill>
+                  </a:tcPr>
+                </a:tc>
+                <a:extLst>
+                  <a:ext uri="{0D108BD9-81ED-4DB2-BD59-A6C34878D82A}">
+                    <a16:rowId xmlns:a16="http://schemas.microsoft.com/office/drawing/2014/main" val="2758723882"/>
+                  </a:ext>
+                </a:extLst>
+              </a:tr>
+              <a:tr h="611717">
+                <a:tc>
+                  <a:txBody>
+                    <a:bodyPr/>
+                    <a:lstStyle/>
+                    <a:p>
+                      <a:endParaRPr lang="zh-CN" altLang="en-US"/>
+                    </a:p>
+                  </a:txBody>
+                  <a:tcPr>
+                    <a:lnL w="12700" cap="flat" cmpd="sng" algn="ctr">
+                      <a:solidFill>
+                        <a:schemeClr val="tx1"/>
+                      </a:solidFill>
+                      <a:prstDash val="solid"/>
+                      <a:round/>
+                      <a:headEnd type="none" w="med" len="med"/>
+                      <a:tailEnd type="none" w="med" len="med"/>
+                    </a:lnL>
+                    <a:lnR w="12700" cap="flat" cmpd="sng" algn="ctr">
+                      <a:solidFill>
+                        <a:schemeClr val="tx1"/>
+                      </a:solidFill>
+                      <a:prstDash val="solid"/>
+                      <a:round/>
+                      <a:headEnd type="none" w="med" len="med"/>
+                      <a:tailEnd type="none" w="med" len="med"/>
+                    </a:lnR>
+                    <a:lnT w="12700" cap="flat" cmpd="sng" algn="ctr">
+                      <a:solidFill>
+                        <a:schemeClr val="tx1"/>
+                      </a:solidFill>
+                      <a:prstDash val="solid"/>
+                      <a:round/>
+                      <a:headEnd type="none" w="med" len="med"/>
+                      <a:tailEnd type="none" w="med" len="med"/>
+                    </a:lnT>
+                    <a:lnB w="12700" cap="flat" cmpd="sng" algn="ctr">
+                      <a:solidFill>
+                        <a:schemeClr val="tx1"/>
+                      </a:solidFill>
+                      <a:prstDash val="solid"/>
+                      <a:round/>
+                      <a:headEnd type="none" w="med" len="med"/>
+                      <a:tailEnd type="none" w="med" len="med"/>
+                    </a:lnB>
+                    <a:solidFill>
+                      <a:schemeClr val="bg2">
+                        <a:lumMod val="90000"/>
+                      </a:schemeClr>
+                    </a:solidFill>
+                  </a:tcPr>
+                </a:tc>
+                <a:tc>
+                  <a:txBody>
+                    <a:bodyPr/>
+                    <a:lstStyle/>
+                    <a:p>
+                      <a:endParaRPr lang="zh-CN" altLang="en-US"/>
+                    </a:p>
+                  </a:txBody>
+                  <a:tcPr>
+                    <a:lnL w="12700" cap="flat" cmpd="sng" algn="ctr">
+                      <a:solidFill>
+                        <a:schemeClr val="tx1"/>
+                      </a:solidFill>
+                      <a:prstDash val="solid"/>
+                      <a:round/>
+                      <a:headEnd type="none" w="med" len="med"/>
+                      <a:tailEnd type="none" w="med" len="med"/>
+                    </a:lnL>
+                    <a:lnR w="12700" cap="flat" cmpd="sng" algn="ctr">
+                      <a:solidFill>
+                        <a:schemeClr val="tx1"/>
+                      </a:solidFill>
+                      <a:prstDash val="solid"/>
+                      <a:round/>
+                      <a:headEnd type="none" w="med" len="med"/>
+                      <a:tailEnd type="none" w="med" len="med"/>
+                    </a:lnR>
+                    <a:lnT w="12700" cap="flat" cmpd="sng" algn="ctr">
+                      <a:solidFill>
+                        <a:schemeClr val="tx1"/>
+                      </a:solidFill>
+                      <a:prstDash val="solid"/>
+                      <a:round/>
+                      <a:headEnd type="none" w="med" len="med"/>
+                      <a:tailEnd type="none" w="med" len="med"/>
+                    </a:lnT>
+                    <a:lnB w="12700" cap="flat" cmpd="sng" algn="ctr">
+                      <a:solidFill>
+                        <a:schemeClr val="tx1"/>
+                      </a:solidFill>
+                      <a:prstDash val="solid"/>
+                      <a:round/>
+                      <a:headEnd type="none" w="med" len="med"/>
+                      <a:tailEnd type="none" w="med" len="med"/>
+                    </a:lnB>
+                    <a:solidFill>
+                      <a:schemeClr val="bg2">
+                        <a:lumMod val="90000"/>
+                      </a:schemeClr>
+                    </a:solidFill>
+                  </a:tcPr>
+                </a:tc>
+                <a:tc>
+                  <a:txBody>
+                    <a:bodyPr/>
+                    <a:lstStyle/>
+                    <a:p>
+                      <a:endParaRPr lang="zh-CN" altLang="en-US"/>
+                    </a:p>
+                  </a:txBody>
+                  <a:tcPr>
+                    <a:lnL w="12700" cap="flat" cmpd="sng" algn="ctr">
+                      <a:solidFill>
+                        <a:schemeClr val="tx1"/>
+                      </a:solidFill>
+                      <a:prstDash val="solid"/>
+                      <a:round/>
+                      <a:headEnd type="none" w="med" len="med"/>
+                      <a:tailEnd type="none" w="med" len="med"/>
+                    </a:lnL>
+                    <a:lnR w="12700" cap="flat" cmpd="sng" algn="ctr">
+                      <a:solidFill>
+                        <a:schemeClr val="tx1"/>
+                      </a:solidFill>
+                      <a:prstDash val="solid"/>
+                      <a:round/>
+                      <a:headEnd type="none" w="med" len="med"/>
+                      <a:tailEnd type="none" w="med" len="med"/>
+                    </a:lnR>
+                    <a:lnT w="12700" cap="flat" cmpd="sng" algn="ctr">
+                      <a:solidFill>
+                        <a:schemeClr val="tx1"/>
+                      </a:solidFill>
+                      <a:prstDash val="solid"/>
+                      <a:round/>
+                      <a:headEnd type="none" w="med" len="med"/>
+                      <a:tailEnd type="none" w="med" len="med"/>
+                    </a:lnT>
+                    <a:lnB w="12700" cap="flat" cmpd="sng" algn="ctr">
+                      <a:solidFill>
+                        <a:schemeClr val="tx1"/>
+                      </a:solidFill>
+                      <a:prstDash val="solid"/>
+                      <a:round/>
+                      <a:headEnd type="none" w="med" len="med"/>
+                      <a:tailEnd type="none" w="med" len="med"/>
+                    </a:lnB>
+                    <a:solidFill>
+                      <a:schemeClr val="bg2">
+                        <a:lumMod val="90000"/>
+                      </a:schemeClr>
+                    </a:solidFill>
+                  </a:tcPr>
+                </a:tc>
+                <a:tc>
+                  <a:txBody>
+                    <a:bodyPr/>
+                    <a:lstStyle/>
+                    <a:p>
+                      <a:endParaRPr lang="zh-CN" altLang="en-US" dirty="0"/>
+                    </a:p>
+                  </a:txBody>
+                  <a:tcPr>
+                    <a:lnL w="12700" cap="flat" cmpd="sng" algn="ctr">
+                      <a:solidFill>
+                        <a:schemeClr val="tx1"/>
+                      </a:solidFill>
+                      <a:prstDash val="solid"/>
+                      <a:round/>
+                      <a:headEnd type="none" w="med" len="med"/>
+                      <a:tailEnd type="none" w="med" len="med"/>
+                    </a:lnL>
+                    <a:lnR w="12700" cap="flat" cmpd="sng" algn="ctr">
+                      <a:solidFill>
+                        <a:schemeClr val="tx1"/>
+                      </a:solidFill>
+                      <a:prstDash val="solid"/>
+                      <a:round/>
+                      <a:headEnd type="none" w="med" len="med"/>
+                      <a:tailEnd type="none" w="med" len="med"/>
+                    </a:lnR>
+                    <a:lnT w="12700" cap="flat" cmpd="sng" algn="ctr">
+                      <a:solidFill>
+                        <a:schemeClr val="tx1"/>
+                      </a:solidFill>
+                      <a:prstDash val="solid"/>
+                      <a:round/>
+                      <a:headEnd type="none" w="med" len="med"/>
+                      <a:tailEnd type="none" w="med" len="med"/>
+                    </a:lnT>
+                    <a:lnB w="12700" cap="flat" cmpd="sng" algn="ctr">
+                      <a:solidFill>
+                        <a:schemeClr val="tx1"/>
+                      </a:solidFill>
+                      <a:prstDash val="solid"/>
+                      <a:round/>
+                      <a:headEnd type="none" w="med" len="med"/>
+                      <a:tailEnd type="none" w="med" len="med"/>
+                    </a:lnB>
+                    <a:solidFill>
+                      <a:schemeClr val="tx2">
+                        <a:lumMod val="10000"/>
+                        <a:lumOff val="90000"/>
+                      </a:schemeClr>
+                    </a:solidFill>
+                  </a:tcPr>
+                </a:tc>
+                <a:tc>
+                  <a:txBody>
+                    <a:bodyPr/>
+                    <a:lstStyle/>
+                    <a:p>
+                      <a:endParaRPr lang="zh-CN" altLang="en-US" dirty="0"/>
+                    </a:p>
+                  </a:txBody>
+                  <a:tcPr>
+                    <a:lnL w="12700" cap="flat" cmpd="sng" algn="ctr">
+                      <a:solidFill>
+                        <a:schemeClr val="tx1"/>
+                      </a:solidFill>
+                      <a:prstDash val="solid"/>
+                      <a:round/>
+                      <a:headEnd type="none" w="med" len="med"/>
+                      <a:tailEnd type="none" w="med" len="med"/>
+                    </a:lnL>
+                    <a:lnR w="12700" cap="flat" cmpd="sng" algn="ctr">
+                      <a:solidFill>
+                        <a:schemeClr val="tx1"/>
+                      </a:solidFill>
+                      <a:prstDash val="solid"/>
+                      <a:round/>
+                      <a:headEnd type="none" w="med" len="med"/>
+                      <a:tailEnd type="none" w="med" len="med"/>
+                    </a:lnR>
+                    <a:lnT w="12700" cap="flat" cmpd="sng" algn="ctr">
+                      <a:solidFill>
+                        <a:schemeClr val="tx1"/>
+                      </a:solidFill>
+                      <a:prstDash val="solid"/>
+                      <a:round/>
+                      <a:headEnd type="none" w="med" len="med"/>
+                      <a:tailEnd type="none" w="med" len="med"/>
+                    </a:lnT>
+                    <a:lnB w="12700" cap="flat" cmpd="sng" algn="ctr">
+                      <a:solidFill>
+                        <a:schemeClr val="tx1"/>
+                      </a:solidFill>
+                      <a:prstDash val="solid"/>
+                      <a:round/>
+                      <a:headEnd type="none" w="med" len="med"/>
+                      <a:tailEnd type="none" w="med" len="med"/>
+                    </a:lnB>
+                    <a:solidFill>
+                      <a:schemeClr val="tx2">
+                        <a:lumMod val="10000"/>
+                        <a:lumOff val="90000"/>
+                      </a:schemeClr>
+                    </a:solidFill>
+                  </a:tcPr>
+                </a:tc>
+                <a:tc>
+                  <a:txBody>
+                    <a:bodyPr/>
+                    <a:lstStyle/>
+                    <a:p>
+                      <a:endParaRPr lang="zh-CN" altLang="en-US" dirty="0"/>
+                    </a:p>
+                  </a:txBody>
+                  <a:tcPr>
+                    <a:lnL w="12700" cap="flat" cmpd="sng" algn="ctr">
+                      <a:solidFill>
+                        <a:schemeClr val="tx1"/>
+                      </a:solidFill>
+                      <a:prstDash val="solid"/>
+                      <a:round/>
+                      <a:headEnd type="none" w="med" len="med"/>
+                      <a:tailEnd type="none" w="med" len="med"/>
+                    </a:lnL>
+                    <a:lnR w="12700" cap="flat" cmpd="sng" algn="ctr">
+                      <a:solidFill>
+                        <a:schemeClr val="tx1"/>
+                      </a:solidFill>
+                      <a:prstDash val="solid"/>
+                      <a:round/>
+                      <a:headEnd type="none" w="med" len="med"/>
+                      <a:tailEnd type="none" w="med" len="med"/>
+                    </a:lnR>
+                    <a:lnT w="12700" cap="flat" cmpd="sng" algn="ctr">
+                      <a:solidFill>
+                        <a:schemeClr val="tx1"/>
+                      </a:solidFill>
+                      <a:prstDash val="solid"/>
+                      <a:round/>
+                      <a:headEnd type="none" w="med" len="med"/>
+                      <a:tailEnd type="none" w="med" len="med"/>
+                    </a:lnT>
+                    <a:lnB w="12700" cap="flat" cmpd="sng" algn="ctr">
+                      <a:solidFill>
+                        <a:schemeClr val="tx1"/>
+                      </a:solidFill>
+                      <a:prstDash val="solid"/>
+                      <a:round/>
+                      <a:headEnd type="none" w="med" len="med"/>
+                      <a:tailEnd type="none" w="med" len="med"/>
+                    </a:lnB>
+                    <a:solidFill>
+                      <a:schemeClr val="tx2">
+                        <a:lumMod val="10000"/>
+                        <a:lumOff val="90000"/>
+                      </a:schemeClr>
+                    </a:solidFill>
+                  </a:tcPr>
+                </a:tc>
+                <a:tc>
+                  <a:txBody>
+                    <a:bodyPr/>
+                    <a:lstStyle/>
+                    <a:p>
+                      <a:endParaRPr lang="zh-CN" altLang="en-US" dirty="0"/>
+                    </a:p>
+                  </a:txBody>
+                  <a:tcPr>
+                    <a:lnL w="12700" cap="flat" cmpd="sng" algn="ctr">
+                      <a:solidFill>
+                        <a:schemeClr val="tx1"/>
+                      </a:solidFill>
+                      <a:prstDash val="solid"/>
+                      <a:round/>
+                      <a:headEnd type="none" w="med" len="med"/>
+                      <a:tailEnd type="none" w="med" len="med"/>
+                    </a:lnL>
+                    <a:lnR w="12700" cap="flat" cmpd="sng" algn="ctr">
+                      <a:solidFill>
+                        <a:schemeClr val="tx1"/>
+                      </a:solidFill>
+                      <a:prstDash val="solid"/>
+                      <a:round/>
+                      <a:headEnd type="none" w="med" len="med"/>
+                      <a:tailEnd type="none" w="med" len="med"/>
+                    </a:lnR>
+                    <a:lnT w="12700" cap="flat" cmpd="sng" algn="ctr">
+                      <a:solidFill>
+                        <a:schemeClr val="tx1"/>
+                      </a:solidFill>
+                      <a:prstDash val="solid"/>
+                      <a:round/>
+                      <a:headEnd type="none" w="med" len="med"/>
+                      <a:tailEnd type="none" w="med" len="med"/>
+                    </a:lnT>
+                    <a:lnB w="12700" cap="flat" cmpd="sng" algn="ctr">
+                      <a:solidFill>
+                        <a:schemeClr val="tx1"/>
+                      </a:solidFill>
+                      <a:prstDash val="solid"/>
+                      <a:round/>
+                      <a:headEnd type="none" w="med" len="med"/>
+                      <a:tailEnd type="none" w="med" len="med"/>
+                    </a:lnB>
+                    <a:solidFill>
+                      <a:schemeClr val="bg2">
+                        <a:lumMod val="90000"/>
+                      </a:schemeClr>
+                    </a:solidFill>
+                  </a:tcPr>
+                </a:tc>
+                <a:extLst>
+                  <a:ext uri="{0D108BD9-81ED-4DB2-BD59-A6C34878D82A}">
+                    <a16:rowId xmlns:a16="http://schemas.microsoft.com/office/drawing/2014/main" val="1206258964"/>
+                  </a:ext>
+                </a:extLst>
+              </a:tr>
+              <a:tr h="611717">
+                <a:tc>
+                  <a:txBody>
+                    <a:bodyPr/>
+                    <a:lstStyle/>
+                    <a:p>
+                      <a:endParaRPr lang="zh-CN" altLang="en-US"/>
+                    </a:p>
+                  </a:txBody>
+                  <a:tcPr>
+                    <a:lnL w="12700" cap="flat" cmpd="sng" algn="ctr">
+                      <a:solidFill>
+                        <a:schemeClr val="tx1"/>
+                      </a:solidFill>
+                      <a:prstDash val="solid"/>
+                      <a:round/>
+                      <a:headEnd type="none" w="med" len="med"/>
+                      <a:tailEnd type="none" w="med" len="med"/>
+                    </a:lnL>
+                    <a:lnR w="12700" cap="flat" cmpd="sng" algn="ctr">
+                      <a:solidFill>
+                        <a:schemeClr val="tx1"/>
+                      </a:solidFill>
+                      <a:prstDash val="solid"/>
+                      <a:round/>
+                      <a:headEnd type="none" w="med" len="med"/>
+                      <a:tailEnd type="none" w="med" len="med"/>
+                    </a:lnR>
+                    <a:lnT w="12700" cap="flat" cmpd="sng" algn="ctr">
+                      <a:solidFill>
+                        <a:schemeClr val="tx1"/>
+                      </a:solidFill>
+                      <a:prstDash val="solid"/>
+                      <a:round/>
+                      <a:headEnd type="none" w="med" len="med"/>
+                      <a:tailEnd type="none" w="med" len="med"/>
+                    </a:lnT>
+                    <a:lnB w="12700" cap="flat" cmpd="sng" algn="ctr">
+                      <a:solidFill>
+                        <a:schemeClr val="tx1"/>
+                      </a:solidFill>
+                      <a:prstDash val="solid"/>
+                      <a:round/>
+                      <a:headEnd type="none" w="med" len="med"/>
+                      <a:tailEnd type="none" w="med" len="med"/>
+                    </a:lnB>
+                    <a:solidFill>
+                      <a:schemeClr val="bg2">
+                        <a:lumMod val="90000"/>
+                      </a:schemeClr>
+                    </a:solidFill>
+                  </a:tcPr>
+                </a:tc>
+                <a:tc>
+                  <a:txBody>
+                    <a:bodyPr/>
+                    <a:lstStyle/>
+                    <a:p>
+                      <a:endParaRPr lang="zh-CN" altLang="en-US"/>
+                    </a:p>
+                  </a:txBody>
+                  <a:tcPr>
+                    <a:lnL w="12700" cap="flat" cmpd="sng" algn="ctr">
+                      <a:solidFill>
+                        <a:schemeClr val="tx1"/>
+                      </a:solidFill>
+                      <a:prstDash val="solid"/>
+                      <a:round/>
+                      <a:headEnd type="none" w="med" len="med"/>
+                      <a:tailEnd type="none" w="med" len="med"/>
+                    </a:lnL>
+                    <a:lnR w="12700" cap="flat" cmpd="sng" algn="ctr">
+                      <a:solidFill>
+                        <a:schemeClr val="tx1"/>
+                      </a:solidFill>
+                      <a:prstDash val="solid"/>
+                      <a:round/>
+                      <a:headEnd type="none" w="med" len="med"/>
+                      <a:tailEnd type="none" w="med" len="med"/>
+                    </a:lnR>
+                    <a:lnT w="12700" cap="flat" cmpd="sng" algn="ctr">
+                      <a:solidFill>
+                        <a:schemeClr val="tx1"/>
+                      </a:solidFill>
+                      <a:prstDash val="solid"/>
+                      <a:round/>
+                      <a:headEnd type="none" w="med" len="med"/>
+                      <a:tailEnd type="none" w="med" len="med"/>
+                    </a:lnT>
+                    <a:lnB w="12700" cap="flat" cmpd="sng" algn="ctr">
+                      <a:solidFill>
+                        <a:schemeClr val="tx1"/>
+                      </a:solidFill>
+                      <a:prstDash val="solid"/>
+                      <a:round/>
+                      <a:headEnd type="none" w="med" len="med"/>
+                      <a:tailEnd type="none" w="med" len="med"/>
+                    </a:lnB>
+                    <a:solidFill>
+                      <a:schemeClr val="bg2">
+                        <a:lumMod val="90000"/>
+                      </a:schemeClr>
+                    </a:solidFill>
+                  </a:tcPr>
+                </a:tc>
+                <a:tc>
+                  <a:txBody>
+                    <a:bodyPr/>
+                    <a:lstStyle/>
+                    <a:p>
+                      <a:endParaRPr lang="zh-CN" altLang="en-US"/>
+                    </a:p>
+                  </a:txBody>
+                  <a:tcPr>
+                    <a:lnL w="12700" cap="flat" cmpd="sng" algn="ctr">
+                      <a:solidFill>
+                        <a:schemeClr val="tx1"/>
+                      </a:solidFill>
+                      <a:prstDash val="solid"/>
+                      <a:round/>
+                      <a:headEnd type="none" w="med" len="med"/>
+                      <a:tailEnd type="none" w="med" len="med"/>
+                    </a:lnL>
+                    <a:lnR w="12700" cap="flat" cmpd="sng" algn="ctr">
+                      <a:solidFill>
+                        <a:schemeClr val="tx1"/>
+                      </a:solidFill>
+                      <a:prstDash val="solid"/>
+                      <a:round/>
+                      <a:headEnd type="none" w="med" len="med"/>
+                      <a:tailEnd type="none" w="med" len="med"/>
+                    </a:lnR>
+                    <a:lnT w="12700" cap="flat" cmpd="sng" algn="ctr">
+                      <a:solidFill>
+                        <a:schemeClr val="tx1"/>
+                      </a:solidFill>
+                      <a:prstDash val="solid"/>
+                      <a:round/>
+                      <a:headEnd type="none" w="med" len="med"/>
+                      <a:tailEnd type="none" w="med" len="med"/>
+                    </a:lnT>
+                    <a:lnB w="12700" cap="flat" cmpd="sng" algn="ctr">
+                      <a:solidFill>
+                        <a:schemeClr val="tx1"/>
+                      </a:solidFill>
+                      <a:prstDash val="solid"/>
+                      <a:round/>
+                      <a:headEnd type="none" w="med" len="med"/>
+                      <a:tailEnd type="none" w="med" len="med"/>
+                    </a:lnB>
+                    <a:solidFill>
+                      <a:schemeClr val="bg2">
+                        <a:lumMod val="90000"/>
+                      </a:schemeClr>
+                    </a:solidFill>
+                  </a:tcPr>
+                </a:tc>
+                <a:tc>
+                  <a:txBody>
+                    <a:bodyPr/>
+                    <a:lstStyle/>
+                    <a:p>
+                      <a:endParaRPr lang="zh-CN" altLang="en-US" dirty="0"/>
+                    </a:p>
+                  </a:txBody>
+                  <a:tcPr>
+                    <a:lnL w="12700" cap="flat" cmpd="sng" algn="ctr">
+                      <a:solidFill>
+                        <a:schemeClr val="tx1"/>
+                      </a:solidFill>
+                      <a:prstDash val="solid"/>
+                      <a:round/>
+                      <a:headEnd type="none" w="med" len="med"/>
+                      <a:tailEnd type="none" w="med" len="med"/>
+                    </a:lnL>
+                    <a:lnR w="12700" cap="flat" cmpd="sng" algn="ctr">
+                      <a:solidFill>
+                        <a:schemeClr val="tx1"/>
+                      </a:solidFill>
+                      <a:prstDash val="solid"/>
+                      <a:round/>
+                      <a:headEnd type="none" w="med" len="med"/>
+                      <a:tailEnd type="none" w="med" len="med"/>
+                    </a:lnR>
+                    <a:lnT w="12700" cap="flat" cmpd="sng" algn="ctr">
+                      <a:solidFill>
+                        <a:schemeClr val="tx1"/>
+                      </a:solidFill>
+                      <a:prstDash val="solid"/>
+                      <a:round/>
+                      <a:headEnd type="none" w="med" len="med"/>
+                      <a:tailEnd type="none" w="med" len="med"/>
+                    </a:lnT>
+                    <a:lnB w="12700" cap="flat" cmpd="sng" algn="ctr">
+                      <a:solidFill>
+                        <a:schemeClr val="tx1"/>
+                      </a:solidFill>
+                      <a:prstDash val="solid"/>
+                      <a:round/>
+                      <a:headEnd type="none" w="med" len="med"/>
+                      <a:tailEnd type="none" w="med" len="med"/>
+                    </a:lnB>
+                    <a:solidFill>
+                      <a:schemeClr val="bg2">
+                        <a:lumMod val="90000"/>
+                      </a:schemeClr>
+                    </a:solidFill>
+                  </a:tcPr>
+                </a:tc>
+                <a:tc>
+                  <a:txBody>
+                    <a:bodyPr/>
+                    <a:lstStyle/>
+                    <a:p>
+                      <a:endParaRPr lang="zh-CN" altLang="en-US" dirty="0"/>
+                    </a:p>
+                  </a:txBody>
+                  <a:tcPr>
+                    <a:lnL w="12700" cap="flat" cmpd="sng" algn="ctr">
+                      <a:solidFill>
+                        <a:schemeClr val="tx1"/>
+                      </a:solidFill>
+                      <a:prstDash val="solid"/>
+                      <a:round/>
+                      <a:headEnd type="none" w="med" len="med"/>
+                      <a:tailEnd type="none" w="med" len="med"/>
+                    </a:lnL>
+                    <a:lnR w="12700" cap="flat" cmpd="sng" algn="ctr">
+                      <a:solidFill>
+                        <a:schemeClr val="tx1"/>
+                      </a:solidFill>
+                      <a:prstDash val="solid"/>
+                      <a:round/>
+                      <a:headEnd type="none" w="med" len="med"/>
+                      <a:tailEnd type="none" w="med" len="med"/>
+                    </a:lnR>
+                    <a:lnT w="12700" cap="flat" cmpd="sng" algn="ctr">
+                      <a:solidFill>
+                        <a:schemeClr val="tx1"/>
+                      </a:solidFill>
+                      <a:prstDash val="solid"/>
+                      <a:round/>
+                      <a:headEnd type="none" w="med" len="med"/>
+                      <a:tailEnd type="none" w="med" len="med"/>
+                    </a:lnT>
+                    <a:lnB w="12700" cap="flat" cmpd="sng" algn="ctr">
+                      <a:solidFill>
+                        <a:schemeClr val="tx1"/>
+                      </a:solidFill>
+                      <a:prstDash val="solid"/>
+                      <a:round/>
+                      <a:headEnd type="none" w="med" len="med"/>
+                      <a:tailEnd type="none" w="med" len="med"/>
+                    </a:lnB>
+                    <a:solidFill>
+                      <a:schemeClr val="tx2">
+                        <a:lumMod val="10000"/>
+                        <a:lumOff val="90000"/>
+                      </a:schemeClr>
+                    </a:solidFill>
+                  </a:tcPr>
+                </a:tc>
+                <a:tc>
+                  <a:txBody>
+                    <a:bodyPr/>
+                    <a:lstStyle/>
+                    <a:p>
+                      <a:endParaRPr lang="zh-CN" altLang="en-US" dirty="0"/>
+                    </a:p>
+                  </a:txBody>
+                  <a:tcPr>
+                    <a:lnL w="12700" cap="flat" cmpd="sng" algn="ctr">
+                      <a:solidFill>
+                        <a:schemeClr val="tx1"/>
+                      </a:solidFill>
+                      <a:prstDash val="solid"/>
+                      <a:round/>
+                      <a:headEnd type="none" w="med" len="med"/>
+                      <a:tailEnd type="none" w="med" len="med"/>
+                    </a:lnL>
+                    <a:lnR w="12700" cap="flat" cmpd="sng" algn="ctr">
+                      <a:solidFill>
+                        <a:schemeClr val="tx1"/>
+                      </a:solidFill>
+                      <a:prstDash val="solid"/>
+                      <a:round/>
+                      <a:headEnd type="none" w="med" len="med"/>
+                      <a:tailEnd type="none" w="med" len="med"/>
+                    </a:lnR>
+                    <a:lnT w="12700" cap="flat" cmpd="sng" algn="ctr">
+                      <a:solidFill>
+                        <a:schemeClr val="tx1"/>
+                      </a:solidFill>
+                      <a:prstDash val="solid"/>
+                      <a:round/>
+                      <a:headEnd type="none" w="med" len="med"/>
+                      <a:tailEnd type="none" w="med" len="med"/>
+                    </a:lnT>
+                    <a:lnB w="12700" cap="flat" cmpd="sng" algn="ctr">
+                      <a:solidFill>
+                        <a:schemeClr val="tx1"/>
+                      </a:solidFill>
+                      <a:prstDash val="solid"/>
+                      <a:round/>
+                      <a:headEnd type="none" w="med" len="med"/>
+                      <a:tailEnd type="none" w="med" len="med"/>
+                    </a:lnB>
+                    <a:solidFill>
+                      <a:schemeClr val="tx2">
+                        <a:lumMod val="10000"/>
+                        <a:lumOff val="90000"/>
+                      </a:schemeClr>
+                    </a:solidFill>
+                  </a:tcPr>
+                </a:tc>
+                <a:tc>
+                  <a:txBody>
+                    <a:bodyPr/>
+                    <a:lstStyle/>
+                    <a:p>
+                      <a:endParaRPr lang="zh-CN" altLang="en-US" dirty="0"/>
+                    </a:p>
+                  </a:txBody>
+                  <a:tcPr>
+                    <a:lnL w="12700" cap="flat" cmpd="sng" algn="ctr">
+                      <a:solidFill>
+                        <a:schemeClr val="tx1"/>
+                      </a:solidFill>
+                      <a:prstDash val="solid"/>
+                      <a:round/>
+                      <a:headEnd type="none" w="med" len="med"/>
+                      <a:tailEnd type="none" w="med" len="med"/>
+                    </a:lnL>
+                    <a:lnR w="12700" cap="flat" cmpd="sng" algn="ctr">
+                      <a:solidFill>
+                        <a:schemeClr val="tx1"/>
+                      </a:solidFill>
+                      <a:prstDash val="solid"/>
+                      <a:round/>
+                      <a:headEnd type="none" w="med" len="med"/>
+                      <a:tailEnd type="none" w="med" len="med"/>
+                    </a:lnR>
+                    <a:lnT w="12700" cap="flat" cmpd="sng" algn="ctr">
+                      <a:solidFill>
+                        <a:schemeClr val="tx1"/>
+                      </a:solidFill>
+                      <a:prstDash val="solid"/>
+                      <a:round/>
+                      <a:headEnd type="none" w="med" len="med"/>
+                      <a:tailEnd type="none" w="med" len="med"/>
+                    </a:lnT>
+                    <a:lnB w="12700" cap="flat" cmpd="sng" algn="ctr">
+                      <a:solidFill>
+                        <a:schemeClr val="tx1"/>
+                      </a:solidFill>
+                      <a:prstDash val="solid"/>
+                      <a:round/>
+                      <a:headEnd type="none" w="med" len="med"/>
+                      <a:tailEnd type="none" w="med" len="med"/>
+                    </a:lnB>
+                    <a:solidFill>
+                      <a:schemeClr val="tx2">
+                        <a:lumMod val="10000"/>
+                        <a:lumOff val="90000"/>
+                      </a:schemeClr>
+                    </a:solidFill>
+                  </a:tcPr>
+                </a:tc>
+                <a:extLst>
+                  <a:ext uri="{0D108BD9-81ED-4DB2-BD59-A6C34878D82A}">
+                    <a16:rowId xmlns:a16="http://schemas.microsoft.com/office/drawing/2014/main" val="3149203978"/>
+                  </a:ext>
+                </a:extLst>
+              </a:tr>
+              <a:tr h="611717">
+                <a:tc>
+                  <a:txBody>
+                    <a:bodyPr/>
+                    <a:lstStyle/>
+                    <a:p>
+                      <a:endParaRPr lang="zh-CN" altLang="en-US"/>
+                    </a:p>
+                  </a:txBody>
+                  <a:tcPr>
+                    <a:lnL w="12700" cap="flat" cmpd="sng" algn="ctr">
+                      <a:solidFill>
+                        <a:schemeClr val="tx1"/>
+                      </a:solidFill>
+                      <a:prstDash val="solid"/>
+                      <a:round/>
+                      <a:headEnd type="none" w="med" len="med"/>
+                      <a:tailEnd type="none" w="med" len="med"/>
+                    </a:lnL>
+                    <a:lnR w="12700" cap="flat" cmpd="sng" algn="ctr">
+                      <a:solidFill>
+                        <a:schemeClr val="tx1"/>
+                      </a:solidFill>
+                      <a:prstDash val="solid"/>
+                      <a:round/>
+                      <a:headEnd type="none" w="med" len="med"/>
+                      <a:tailEnd type="none" w="med" len="med"/>
+                    </a:lnR>
+                    <a:lnT w="12700" cap="flat" cmpd="sng" algn="ctr">
+                      <a:solidFill>
+                        <a:schemeClr val="tx1"/>
+                      </a:solidFill>
+                      <a:prstDash val="solid"/>
+                      <a:round/>
+                      <a:headEnd type="none" w="med" len="med"/>
+                      <a:tailEnd type="none" w="med" len="med"/>
+                    </a:lnT>
+                    <a:lnB w="12700" cap="flat" cmpd="sng" algn="ctr">
+                      <a:solidFill>
+                        <a:schemeClr val="tx1"/>
+                      </a:solidFill>
+                      <a:prstDash val="solid"/>
+                      <a:round/>
+                      <a:headEnd type="none" w="med" len="med"/>
+                      <a:tailEnd type="none" w="med" len="med"/>
+                    </a:lnB>
+                    <a:solidFill>
+                      <a:schemeClr val="bg2">
+                        <a:lumMod val="90000"/>
+                      </a:schemeClr>
+                    </a:solidFill>
+                  </a:tcPr>
+                </a:tc>
+                <a:tc>
+                  <a:txBody>
+                    <a:bodyPr/>
+                    <a:lstStyle/>
+                    <a:p>
+                      <a:endParaRPr lang="zh-CN" altLang="en-US"/>
+                    </a:p>
+                  </a:txBody>
+                  <a:tcPr>
+                    <a:lnL w="12700" cap="flat" cmpd="sng" algn="ctr">
+                      <a:solidFill>
+                        <a:schemeClr val="tx1"/>
+                      </a:solidFill>
+                      <a:prstDash val="solid"/>
+                      <a:round/>
+                      <a:headEnd type="none" w="med" len="med"/>
+                      <a:tailEnd type="none" w="med" len="med"/>
+                    </a:lnL>
+                    <a:lnR w="12700" cap="flat" cmpd="sng" algn="ctr">
+                      <a:solidFill>
+                        <a:schemeClr val="tx1"/>
+                      </a:solidFill>
+                      <a:prstDash val="solid"/>
+                      <a:round/>
+                      <a:headEnd type="none" w="med" len="med"/>
+                      <a:tailEnd type="none" w="med" len="med"/>
+                    </a:lnR>
+                    <a:lnT w="12700" cap="flat" cmpd="sng" algn="ctr">
+                      <a:solidFill>
+                        <a:schemeClr val="tx1"/>
+                      </a:solidFill>
+                      <a:prstDash val="solid"/>
+                      <a:round/>
+                      <a:headEnd type="none" w="med" len="med"/>
+                      <a:tailEnd type="none" w="med" len="med"/>
+                    </a:lnT>
+                    <a:lnB w="12700" cap="flat" cmpd="sng" algn="ctr">
+                      <a:solidFill>
+                        <a:schemeClr val="tx1"/>
+                      </a:solidFill>
+                      <a:prstDash val="solid"/>
+                      <a:round/>
+                      <a:headEnd type="none" w="med" len="med"/>
+                      <a:tailEnd type="none" w="med" len="med"/>
+                    </a:lnB>
+                    <a:solidFill>
+                      <a:schemeClr val="bg2">
+                        <a:lumMod val="90000"/>
+                      </a:schemeClr>
+                    </a:solidFill>
+                  </a:tcPr>
+                </a:tc>
+                <a:tc>
+                  <a:txBody>
+                    <a:bodyPr/>
+                    <a:lstStyle/>
+                    <a:p>
+                      <a:endParaRPr lang="zh-CN" altLang="en-US"/>
+                    </a:p>
+                  </a:txBody>
+                  <a:tcPr>
+                    <a:lnL w="12700" cap="flat" cmpd="sng" algn="ctr">
+                      <a:solidFill>
+                        <a:schemeClr val="tx1"/>
+                      </a:solidFill>
+                      <a:prstDash val="solid"/>
+                      <a:round/>
+                      <a:headEnd type="none" w="med" len="med"/>
+                      <a:tailEnd type="none" w="med" len="med"/>
+                    </a:lnL>
+                    <a:lnR w="12700" cap="flat" cmpd="sng" algn="ctr">
+                      <a:solidFill>
+                        <a:schemeClr val="tx1"/>
+                      </a:solidFill>
+                      <a:prstDash val="solid"/>
+                      <a:round/>
+                      <a:headEnd type="none" w="med" len="med"/>
+                      <a:tailEnd type="none" w="med" len="med"/>
+                    </a:lnR>
+                    <a:lnT w="12700" cap="flat" cmpd="sng" algn="ctr">
+                      <a:solidFill>
+                        <a:schemeClr val="tx1"/>
+                      </a:solidFill>
+                      <a:prstDash val="solid"/>
+                      <a:round/>
+                      <a:headEnd type="none" w="med" len="med"/>
+                      <a:tailEnd type="none" w="med" len="med"/>
+                    </a:lnT>
+                    <a:lnB w="12700" cap="flat" cmpd="sng" algn="ctr">
+                      <a:solidFill>
+                        <a:schemeClr val="tx1"/>
+                      </a:solidFill>
+                      <a:prstDash val="solid"/>
+                      <a:round/>
+                      <a:headEnd type="none" w="med" len="med"/>
+                      <a:tailEnd type="none" w="med" len="med"/>
+                    </a:lnB>
+                    <a:solidFill>
+                      <a:schemeClr val="bg2">
+                        <a:lumMod val="90000"/>
+                      </a:schemeClr>
+                    </a:solidFill>
+                  </a:tcPr>
+                </a:tc>
+                <a:tc>
+                  <a:txBody>
+                    <a:bodyPr/>
+                    <a:lstStyle/>
+                    <a:p>
+                      <a:endParaRPr lang="zh-CN" altLang="en-US" dirty="0"/>
+                    </a:p>
+                  </a:txBody>
+                  <a:tcPr>
+                    <a:lnL w="12700" cap="flat" cmpd="sng" algn="ctr">
+                      <a:solidFill>
+                        <a:schemeClr val="tx1"/>
+                      </a:solidFill>
+                      <a:prstDash val="solid"/>
+                      <a:round/>
+                      <a:headEnd type="none" w="med" len="med"/>
+                      <a:tailEnd type="none" w="med" len="med"/>
+                    </a:lnL>
+                    <a:lnR w="12700" cap="flat" cmpd="sng" algn="ctr">
+                      <a:solidFill>
+                        <a:schemeClr val="tx1"/>
+                      </a:solidFill>
+                      <a:prstDash val="solid"/>
+                      <a:round/>
+                      <a:headEnd type="none" w="med" len="med"/>
+                      <a:tailEnd type="none" w="med" len="med"/>
+                    </a:lnR>
+                    <a:lnT w="12700" cap="flat" cmpd="sng" algn="ctr">
+                      <a:solidFill>
+                        <a:schemeClr val="tx1"/>
+                      </a:solidFill>
+                      <a:prstDash val="solid"/>
+                      <a:round/>
+                      <a:headEnd type="none" w="med" len="med"/>
+                      <a:tailEnd type="none" w="med" len="med"/>
+                    </a:lnT>
+                    <a:lnB w="12700" cap="flat" cmpd="sng" algn="ctr">
+                      <a:solidFill>
+                        <a:schemeClr val="tx1"/>
+                      </a:solidFill>
+                      <a:prstDash val="solid"/>
+                      <a:round/>
+                      <a:headEnd type="none" w="med" len="med"/>
+                      <a:tailEnd type="none" w="med" len="med"/>
+                    </a:lnB>
+                    <a:solidFill>
+                      <a:schemeClr val="bg2">
+                        <a:lumMod val="90000"/>
+                      </a:schemeClr>
+                    </a:solidFill>
+                  </a:tcPr>
+                </a:tc>
+                <a:tc>
+                  <a:txBody>
+                    <a:bodyPr/>
+                    <a:lstStyle/>
+                    <a:p>
+                      <a:endParaRPr lang="zh-CN" altLang="en-US" dirty="0"/>
+                    </a:p>
+                  </a:txBody>
+                  <a:tcPr>
+                    <a:lnL w="12700" cap="flat" cmpd="sng" algn="ctr">
+                      <a:solidFill>
+                        <a:schemeClr val="tx1"/>
+                      </a:solidFill>
+                      <a:prstDash val="solid"/>
+                      <a:round/>
+                      <a:headEnd type="none" w="med" len="med"/>
+                      <a:tailEnd type="none" w="med" len="med"/>
+                    </a:lnL>
+                    <a:lnR w="12700" cap="flat" cmpd="sng" algn="ctr">
+                      <a:solidFill>
+                        <a:schemeClr val="tx1"/>
+                      </a:solidFill>
+                      <a:prstDash val="solid"/>
+                      <a:round/>
+                      <a:headEnd type="none" w="med" len="med"/>
+                      <a:tailEnd type="none" w="med" len="med"/>
+                    </a:lnR>
+                    <a:lnT w="12700" cap="flat" cmpd="sng" algn="ctr">
+                      <a:solidFill>
+                        <a:schemeClr val="tx1"/>
+                      </a:solidFill>
+                      <a:prstDash val="solid"/>
+                      <a:round/>
+                      <a:headEnd type="none" w="med" len="med"/>
+                      <a:tailEnd type="none" w="med" len="med"/>
+                    </a:lnT>
+                    <a:lnB w="12700" cap="flat" cmpd="sng" algn="ctr">
+                      <a:solidFill>
+                        <a:schemeClr val="tx1"/>
+                      </a:solidFill>
+                      <a:prstDash val="solid"/>
+                      <a:round/>
+                      <a:headEnd type="none" w="med" len="med"/>
+                      <a:tailEnd type="none" w="med" len="med"/>
+                    </a:lnB>
+                    <a:solidFill>
+                      <a:schemeClr val="bg2">
+                        <a:lumMod val="90000"/>
+                      </a:schemeClr>
+                    </a:solidFill>
+                  </a:tcPr>
+                </a:tc>
+                <a:tc>
+                  <a:txBody>
+                    <a:bodyPr/>
+                    <a:lstStyle/>
+                    <a:p>
+                      <a:endParaRPr lang="zh-CN" altLang="en-US" dirty="0"/>
+                    </a:p>
+                  </a:txBody>
+                  <a:tcPr>
+                    <a:lnL w="12700" cap="flat" cmpd="sng" algn="ctr">
+                      <a:solidFill>
+                        <a:schemeClr val="tx1"/>
+                      </a:solidFill>
+                      <a:prstDash val="solid"/>
+                      <a:round/>
+                      <a:headEnd type="none" w="med" len="med"/>
+                      <a:tailEnd type="none" w="med" len="med"/>
+                    </a:lnL>
+                    <a:lnR w="12700" cap="flat" cmpd="sng" algn="ctr">
+                      <a:solidFill>
+                        <a:schemeClr val="tx1"/>
+                      </a:solidFill>
+                      <a:prstDash val="solid"/>
+                      <a:round/>
+                      <a:headEnd type="none" w="med" len="med"/>
+                      <a:tailEnd type="none" w="med" len="med"/>
+                    </a:lnR>
+                    <a:lnT w="12700" cap="flat" cmpd="sng" algn="ctr">
+                      <a:solidFill>
+                        <a:schemeClr val="tx1"/>
+                      </a:solidFill>
+                      <a:prstDash val="solid"/>
+                      <a:round/>
+                      <a:headEnd type="none" w="med" len="med"/>
+                      <a:tailEnd type="none" w="med" len="med"/>
+                    </a:lnT>
+                    <a:lnB w="12700" cap="flat" cmpd="sng" algn="ctr">
+                      <a:solidFill>
+                        <a:schemeClr val="tx1"/>
+                      </a:solidFill>
+                      <a:prstDash val="solid"/>
+                      <a:round/>
+                      <a:headEnd type="none" w="med" len="med"/>
+                      <a:tailEnd type="none" w="med" len="med"/>
+                    </a:lnB>
+                    <a:solidFill>
+                      <a:schemeClr val="tx2">
+                        <a:lumMod val="10000"/>
+                        <a:lumOff val="90000"/>
+                      </a:schemeClr>
+                    </a:solidFill>
+                  </a:tcPr>
+                </a:tc>
+                <a:tc>
+                  <a:txBody>
+                    <a:bodyPr/>
+                    <a:lstStyle/>
+                    <a:p>
+                      <a:endParaRPr lang="zh-CN" altLang="en-US" dirty="0"/>
+                    </a:p>
+                  </a:txBody>
+                  <a:tcPr>
+                    <a:lnL w="12700" cap="flat" cmpd="sng" algn="ctr">
+                      <a:solidFill>
+                        <a:schemeClr val="tx1"/>
+                      </a:solidFill>
+                      <a:prstDash val="solid"/>
+                      <a:round/>
+                      <a:headEnd type="none" w="med" len="med"/>
+                      <a:tailEnd type="none" w="med" len="med"/>
+                    </a:lnL>
+                    <a:lnR w="12700" cap="flat" cmpd="sng" algn="ctr">
+                      <a:solidFill>
+                        <a:schemeClr val="tx1"/>
+                      </a:solidFill>
+                      <a:prstDash val="solid"/>
+                      <a:round/>
+                      <a:headEnd type="none" w="med" len="med"/>
+                      <a:tailEnd type="none" w="med" len="med"/>
+                    </a:lnR>
+                    <a:lnT w="12700" cap="flat" cmpd="sng" algn="ctr">
+                      <a:solidFill>
+                        <a:schemeClr val="tx1"/>
+                      </a:solidFill>
+                      <a:prstDash val="solid"/>
+                      <a:round/>
+                      <a:headEnd type="none" w="med" len="med"/>
+                      <a:tailEnd type="none" w="med" len="med"/>
+                    </a:lnT>
+                    <a:lnB w="12700" cap="flat" cmpd="sng" algn="ctr">
+                      <a:solidFill>
+                        <a:schemeClr val="tx1"/>
+                      </a:solidFill>
+                      <a:prstDash val="solid"/>
+                      <a:round/>
+                      <a:headEnd type="none" w="med" len="med"/>
+                      <a:tailEnd type="none" w="med" len="med"/>
+                    </a:lnB>
+                    <a:solidFill>
+                      <a:schemeClr val="tx2">
+                        <a:lumMod val="10000"/>
+                        <a:lumOff val="90000"/>
+                      </a:schemeClr>
+                    </a:solidFill>
+                  </a:tcPr>
+                </a:tc>
+                <a:extLst>
+                  <a:ext uri="{0D108BD9-81ED-4DB2-BD59-A6C34878D82A}">
+                    <a16:rowId xmlns:a16="http://schemas.microsoft.com/office/drawing/2014/main" val="516771733"/>
+                  </a:ext>
+                </a:extLst>
+              </a:tr>
+            </a:tbl>
+          </a:graphicData>
+        </a:graphic>
+      </p:graphicFrame>
+      <p:sp>
+        <p:nvSpPr>
+          <p:cNvPr id="5" name="矩形 4">
+            <a:extLst>
+              <a:ext uri="{FF2B5EF4-FFF2-40B4-BE49-F238E27FC236}">
+                <a16:creationId xmlns:a16="http://schemas.microsoft.com/office/drawing/2014/main" id="{6F302B1C-B462-2EFB-F73B-D03E8A4657A1}"/>
+              </a:ext>
+            </a:extLst>
+          </p:cNvPr>
+          <p:cNvSpPr/>
+          <p:nvPr/>
+        </p:nvSpPr>
+        <p:spPr>
+          <a:xfrm>
+            <a:off x="8794750" y="2851147"/>
+            <a:ext cx="590550" cy="374650"/>
+          </a:xfrm>
+          <a:prstGeom prst="rect">
+            <a:avLst/>
+          </a:prstGeom>
+          <a:solidFill>
+            <a:schemeClr val="bg2">
+              <a:lumMod val="90000"/>
+            </a:schemeClr>
+          </a:solidFill>
+        </p:spPr>
+        <p:style>
+          <a:lnRef idx="2">
+            <a:schemeClr val="accent1">
+              <a:shade val="15000"/>
+            </a:schemeClr>
+          </a:lnRef>
+          <a:fillRef idx="1">
+            <a:schemeClr val="accent1"/>
+          </a:fillRef>
+          <a:effectRef idx="0">
+            <a:schemeClr val="accent1"/>
+          </a:effectRef>
+          <a:fontRef idx="minor">
+            <a:schemeClr val="lt1"/>
+          </a:fontRef>
+        </p:style>
+        <p:txBody>
+          <a:bodyPr rtlCol="0" anchor="ctr"/>
+          <a:lstStyle/>
+          <a:p>
+            <a:pPr algn="ctr"/>
+            <a:endParaRPr lang="zh-CN" altLang="en-US"/>
+          </a:p>
+        </p:txBody>
+      </p:sp>
+      <p:sp>
+        <p:nvSpPr>
+          <p:cNvPr id="6" name="矩形 5">
+            <a:extLst>
+              <a:ext uri="{FF2B5EF4-FFF2-40B4-BE49-F238E27FC236}">
+                <a16:creationId xmlns:a16="http://schemas.microsoft.com/office/drawing/2014/main" id="{CC066652-1BDE-888E-D756-007FFD908D0A}"/>
+              </a:ext>
+            </a:extLst>
+          </p:cNvPr>
+          <p:cNvSpPr/>
+          <p:nvPr/>
+        </p:nvSpPr>
+        <p:spPr>
+          <a:xfrm>
+            <a:off x="7981950" y="2851147"/>
+            <a:ext cx="590550" cy="374650"/>
+          </a:xfrm>
+          <a:prstGeom prst="rect">
+            <a:avLst/>
+          </a:prstGeom>
+          <a:solidFill>
+            <a:schemeClr val="bg2">
+              <a:lumMod val="90000"/>
+            </a:schemeClr>
+          </a:solidFill>
+        </p:spPr>
+        <p:style>
+          <a:lnRef idx="2">
+            <a:schemeClr val="accent1">
+              <a:shade val="15000"/>
+            </a:schemeClr>
+          </a:lnRef>
+          <a:fillRef idx="1">
+            <a:schemeClr val="accent1"/>
+          </a:fillRef>
+          <a:effectRef idx="0">
+            <a:schemeClr val="accent1"/>
+          </a:effectRef>
+          <a:fontRef idx="minor">
+            <a:schemeClr val="lt1"/>
+          </a:fontRef>
+        </p:style>
+        <p:txBody>
+          <a:bodyPr rtlCol="0" anchor="ctr"/>
+          <a:lstStyle/>
+          <a:p>
+            <a:pPr algn="ctr"/>
+            <a:endParaRPr lang="zh-CN" altLang="en-US"/>
+          </a:p>
+        </p:txBody>
+      </p:sp>
+      <p:sp>
+        <p:nvSpPr>
+          <p:cNvPr id="7" name="矩形 6">
+            <a:extLst>
+              <a:ext uri="{FF2B5EF4-FFF2-40B4-BE49-F238E27FC236}">
+                <a16:creationId xmlns:a16="http://schemas.microsoft.com/office/drawing/2014/main" id="{6D7184D3-58CB-AC3B-0763-62D405A2A10A}"/>
+              </a:ext>
+            </a:extLst>
+          </p:cNvPr>
+          <p:cNvSpPr/>
+          <p:nvPr/>
+        </p:nvSpPr>
+        <p:spPr>
+          <a:xfrm>
+            <a:off x="9607550" y="2851147"/>
+            <a:ext cx="590550" cy="374650"/>
+          </a:xfrm>
+          <a:prstGeom prst="rect">
+            <a:avLst/>
+          </a:prstGeom>
+          <a:solidFill>
+            <a:schemeClr val="bg2">
+              <a:lumMod val="90000"/>
+            </a:schemeClr>
+          </a:solidFill>
+        </p:spPr>
+        <p:style>
+          <a:lnRef idx="2">
+            <a:schemeClr val="accent1">
+              <a:shade val="15000"/>
+            </a:schemeClr>
+          </a:lnRef>
+          <a:fillRef idx="1">
+            <a:schemeClr val="accent1"/>
+          </a:fillRef>
+          <a:effectRef idx="0">
+            <a:schemeClr val="accent1"/>
+          </a:effectRef>
+          <a:fontRef idx="minor">
+            <a:schemeClr val="lt1"/>
+          </a:fontRef>
+        </p:style>
+        <p:txBody>
+          <a:bodyPr rtlCol="0" anchor="ctr"/>
+          <a:lstStyle/>
+          <a:p>
+            <a:pPr algn="ctr"/>
+            <a:endParaRPr lang="zh-CN" altLang="en-US"/>
+          </a:p>
+        </p:txBody>
+      </p:sp>
+      <p:sp>
+        <p:nvSpPr>
+          <p:cNvPr id="8" name="矩形 7">
+            <a:extLst>
+              <a:ext uri="{FF2B5EF4-FFF2-40B4-BE49-F238E27FC236}">
+                <a16:creationId xmlns:a16="http://schemas.microsoft.com/office/drawing/2014/main" id="{1F920671-C28E-620B-17FE-FA214FC2B430}"/>
+              </a:ext>
+            </a:extLst>
+          </p:cNvPr>
+          <p:cNvSpPr/>
+          <p:nvPr/>
+        </p:nvSpPr>
+        <p:spPr>
+          <a:xfrm>
+            <a:off x="10420350" y="2851147"/>
+            <a:ext cx="590550" cy="374650"/>
+          </a:xfrm>
+          <a:prstGeom prst="rect">
+            <a:avLst/>
+          </a:prstGeom>
+          <a:solidFill>
+            <a:schemeClr val="bg2">
+              <a:lumMod val="90000"/>
+            </a:schemeClr>
+          </a:solidFill>
+        </p:spPr>
+        <p:style>
+          <a:lnRef idx="2">
+            <a:schemeClr val="accent1">
+              <a:shade val="15000"/>
+            </a:schemeClr>
+          </a:lnRef>
+          <a:fillRef idx="1">
+            <a:schemeClr val="accent1"/>
+          </a:fillRef>
+          <a:effectRef idx="0">
+            <a:schemeClr val="accent1"/>
+          </a:effectRef>
+          <a:fontRef idx="minor">
+            <a:schemeClr val="lt1"/>
+          </a:fontRef>
+        </p:style>
+        <p:txBody>
+          <a:bodyPr rtlCol="0" anchor="ctr"/>
+          <a:lstStyle/>
+          <a:p>
+            <a:pPr algn="ctr"/>
+            <a:endParaRPr lang="zh-CN" altLang="en-US"/>
+          </a:p>
+        </p:txBody>
+      </p:sp>
+      <p:sp>
+        <p:nvSpPr>
+          <p:cNvPr id="9" name="矩形 8">
+            <a:extLst>
+              <a:ext uri="{FF2B5EF4-FFF2-40B4-BE49-F238E27FC236}">
+                <a16:creationId xmlns:a16="http://schemas.microsoft.com/office/drawing/2014/main" id="{738A936D-C85B-A0D0-0B08-DAF9060479A2}"/>
+              </a:ext>
+            </a:extLst>
+          </p:cNvPr>
+          <p:cNvSpPr/>
+          <p:nvPr/>
+        </p:nvSpPr>
+        <p:spPr>
+          <a:xfrm>
+            <a:off x="7169150" y="2851147"/>
+            <a:ext cx="590550" cy="374650"/>
+          </a:xfrm>
+          <a:prstGeom prst="rect">
+            <a:avLst/>
+          </a:prstGeom>
+          <a:solidFill>
+            <a:schemeClr val="bg2">
+              <a:lumMod val="90000"/>
+            </a:schemeClr>
+          </a:solidFill>
+        </p:spPr>
+        <p:style>
+          <a:lnRef idx="2">
+            <a:schemeClr val="accent1">
+              <a:shade val="15000"/>
+            </a:schemeClr>
+          </a:lnRef>
+          <a:fillRef idx="1">
+            <a:schemeClr val="accent1"/>
+          </a:fillRef>
+          <a:effectRef idx="0">
+            <a:schemeClr val="accent1"/>
+          </a:effectRef>
+          <a:fontRef idx="minor">
+            <a:schemeClr val="lt1"/>
+          </a:fontRef>
+        </p:style>
+        <p:txBody>
+          <a:bodyPr rtlCol="0" anchor="ctr"/>
+          <a:lstStyle/>
+          <a:p>
+            <a:pPr algn="ctr"/>
+            <a:endParaRPr lang="zh-CN" altLang="en-US"/>
+          </a:p>
+        </p:txBody>
+      </p:sp>
+      <p:sp>
+        <p:nvSpPr>
+          <p:cNvPr id="10" name="文本框 9">
+            <a:extLst>
+              <a:ext uri="{FF2B5EF4-FFF2-40B4-BE49-F238E27FC236}">
+                <a16:creationId xmlns:a16="http://schemas.microsoft.com/office/drawing/2014/main" id="{2D4D400F-A14D-69A0-25C7-55CC2BCA4D35}"/>
+              </a:ext>
+            </a:extLst>
+          </p:cNvPr>
+          <p:cNvSpPr txBox="1"/>
+          <p:nvPr/>
+        </p:nvSpPr>
+        <p:spPr>
+          <a:xfrm>
+            <a:off x="11118850" y="2746084"/>
+            <a:ext cx="518091" cy="584775"/>
+          </a:xfrm>
+          <a:prstGeom prst="rect">
+            <a:avLst/>
+          </a:prstGeom>
+          <a:noFill/>
+        </p:spPr>
+        <p:txBody>
+          <a:bodyPr wrap="none" rtlCol="0">
+            <a:spAutoFit/>
+          </a:bodyPr>
+          <a:lstStyle/>
+          <a:p>
+            <a:r>
+              <a:rPr lang="en-US" altLang="zh-CN" sz="3200" b="1" dirty="0"/>
+              <a:t>…</a:t>
+            </a:r>
+            <a:endParaRPr lang="zh-CN" altLang="en-US" b="1" dirty="0"/>
+          </a:p>
+        </p:txBody>
+      </p:sp>
+      <p:sp>
+        <p:nvSpPr>
+          <p:cNvPr id="11" name="文本框 10">
+            <a:extLst>
+              <a:ext uri="{FF2B5EF4-FFF2-40B4-BE49-F238E27FC236}">
+                <a16:creationId xmlns:a16="http://schemas.microsoft.com/office/drawing/2014/main" id="{143EAB85-1D86-623E-DC5A-D7279B12E3CA}"/>
+              </a:ext>
+            </a:extLst>
+          </p:cNvPr>
+          <p:cNvSpPr txBox="1"/>
+          <p:nvPr/>
+        </p:nvSpPr>
+        <p:spPr>
+          <a:xfrm>
+            <a:off x="6539934" y="2746083"/>
+            <a:ext cx="518091" cy="584775"/>
+          </a:xfrm>
+          <a:prstGeom prst="rect">
+            <a:avLst/>
+          </a:prstGeom>
+          <a:noFill/>
+        </p:spPr>
+        <p:txBody>
+          <a:bodyPr wrap="none" rtlCol="0">
+            <a:spAutoFit/>
+          </a:bodyPr>
+          <a:lstStyle/>
+          <a:p>
+            <a:r>
+              <a:rPr lang="en-US" altLang="zh-CN" sz="3200" b="1" dirty="0"/>
+              <a:t>…</a:t>
+            </a:r>
+            <a:endParaRPr lang="zh-CN" altLang="en-US" b="1" dirty="0"/>
+          </a:p>
+        </p:txBody>
+      </p:sp>
+      <p:cxnSp>
+        <p:nvCxnSpPr>
+          <p:cNvPr id="13" name="连接符: 肘形 12">
+            <a:extLst>
+              <a:ext uri="{FF2B5EF4-FFF2-40B4-BE49-F238E27FC236}">
+                <a16:creationId xmlns:a16="http://schemas.microsoft.com/office/drawing/2014/main" id="{BE8B2EC3-97FB-4432-B673-67A6ADA9EC81}"/>
+              </a:ext>
+            </a:extLst>
+          </p:cNvPr>
+          <p:cNvCxnSpPr>
+            <a:cxnSpLocks/>
+          </p:cNvCxnSpPr>
+          <p:nvPr/>
+        </p:nvCxnSpPr>
+        <p:spPr>
+          <a:xfrm rot="16200000" flipV="1">
+            <a:off x="8541771" y="2438397"/>
+            <a:ext cx="12700" cy="812800"/>
+          </a:xfrm>
+          <a:prstGeom prst="bentConnector3">
+            <a:avLst>
+              <a:gd name="adj1" fmla="val 4150000"/>
+            </a:avLst>
+          </a:prstGeom>
+          <a:ln>
+            <a:tailEnd type="triangle"/>
+          </a:ln>
+        </p:spPr>
+        <p:style>
+          <a:lnRef idx="2">
+            <a:schemeClr val="accent1"/>
+          </a:lnRef>
+          <a:fillRef idx="0">
+            <a:schemeClr val="accent1"/>
+          </a:fillRef>
+          <a:effectRef idx="1">
+            <a:schemeClr val="accent1"/>
+          </a:effectRef>
+          <a:fontRef idx="minor">
+            <a:schemeClr val="tx1"/>
+          </a:fontRef>
+        </p:style>
+      </p:cxnSp>
+      <p:cxnSp>
+        <p:nvCxnSpPr>
+          <p:cNvPr id="17" name="连接符: 肘形 16">
+            <a:extLst>
+              <a:ext uri="{FF2B5EF4-FFF2-40B4-BE49-F238E27FC236}">
+                <a16:creationId xmlns:a16="http://schemas.microsoft.com/office/drawing/2014/main" id="{8BD8C96D-10BA-DA7E-2E32-6D1292D66762}"/>
+              </a:ext>
+            </a:extLst>
+          </p:cNvPr>
+          <p:cNvCxnSpPr>
+            <a:cxnSpLocks/>
+          </p:cNvCxnSpPr>
+          <p:nvPr/>
+        </p:nvCxnSpPr>
+        <p:spPr>
+          <a:xfrm rot="5400000" flipH="1" flipV="1">
+            <a:off x="9604375" y="2444747"/>
+            <a:ext cx="12700" cy="812800"/>
+          </a:xfrm>
+          <a:prstGeom prst="bentConnector3">
+            <a:avLst>
+              <a:gd name="adj1" fmla="val 4150000"/>
+            </a:avLst>
+          </a:prstGeom>
+          <a:ln>
+            <a:tailEnd type="triangle"/>
+          </a:ln>
+        </p:spPr>
+        <p:style>
+          <a:lnRef idx="2">
+            <a:schemeClr val="accent1"/>
+          </a:lnRef>
+          <a:fillRef idx="0">
+            <a:schemeClr val="accent1"/>
+          </a:fillRef>
+          <a:effectRef idx="1">
+            <a:schemeClr val="accent1"/>
+          </a:effectRef>
+          <a:fontRef idx="minor">
+            <a:schemeClr val="tx1"/>
+          </a:fontRef>
+        </p:style>
+      </p:cxnSp>
+    </p:spTree>
+    <p:extLst>
+      <p:ext uri="{BB962C8B-B14F-4D97-AF65-F5344CB8AC3E}">
+        <p14:creationId xmlns:p14="http://schemas.microsoft.com/office/powerpoint/2010/main" val="3415780028"/>
       </p:ext>
     </p:extLst>
   </p:cSld>

--- a/images/posts/2025-03-28-blog-post/新建 Microsoft PowerPoint 演示文稿.pptx
+++ b/images/posts/2025-03-28-blog-post/新建 Microsoft PowerPoint 演示文稿.pptx
@@ -268,7 +268,7 @@
           <a:p>
             <a:fld id="{9140CE54-3337-4FC0-9FD6-16A19B958699}" type="datetimeFigureOut">
               <a:rPr lang="zh-CN" altLang="en-US" smtClean="0"/>
-              <a:t>2025/9/21</a:t>
+              <a:t>2025/9/22</a:t>
             </a:fld>
             <a:endParaRPr lang="zh-CN" altLang="en-US"/>
           </a:p>
@@ -466,7 +466,7 @@
           <a:p>
             <a:fld id="{9140CE54-3337-4FC0-9FD6-16A19B958699}" type="datetimeFigureOut">
               <a:rPr lang="zh-CN" altLang="en-US" smtClean="0"/>
-              <a:t>2025/9/21</a:t>
+              <a:t>2025/9/22</a:t>
             </a:fld>
             <a:endParaRPr lang="zh-CN" altLang="en-US"/>
           </a:p>
@@ -674,7 +674,7 @@
           <a:p>
             <a:fld id="{9140CE54-3337-4FC0-9FD6-16A19B958699}" type="datetimeFigureOut">
               <a:rPr lang="zh-CN" altLang="en-US" smtClean="0"/>
-              <a:t>2025/9/21</a:t>
+              <a:t>2025/9/22</a:t>
             </a:fld>
             <a:endParaRPr lang="zh-CN" altLang="en-US"/>
           </a:p>
@@ -872,7 +872,7 @@
           <a:p>
             <a:fld id="{9140CE54-3337-4FC0-9FD6-16A19B958699}" type="datetimeFigureOut">
               <a:rPr lang="zh-CN" altLang="en-US" smtClean="0"/>
-              <a:t>2025/9/21</a:t>
+              <a:t>2025/9/22</a:t>
             </a:fld>
             <a:endParaRPr lang="zh-CN" altLang="en-US"/>
           </a:p>
@@ -1147,7 +1147,7 @@
           <a:p>
             <a:fld id="{9140CE54-3337-4FC0-9FD6-16A19B958699}" type="datetimeFigureOut">
               <a:rPr lang="zh-CN" altLang="en-US" smtClean="0"/>
-              <a:t>2025/9/21</a:t>
+              <a:t>2025/9/22</a:t>
             </a:fld>
             <a:endParaRPr lang="zh-CN" altLang="en-US"/>
           </a:p>
@@ -1412,7 +1412,7 @@
           <a:p>
             <a:fld id="{9140CE54-3337-4FC0-9FD6-16A19B958699}" type="datetimeFigureOut">
               <a:rPr lang="zh-CN" altLang="en-US" smtClean="0"/>
-              <a:t>2025/9/21</a:t>
+              <a:t>2025/9/22</a:t>
             </a:fld>
             <a:endParaRPr lang="zh-CN" altLang="en-US"/>
           </a:p>
@@ -1824,7 +1824,7 @@
           <a:p>
             <a:fld id="{9140CE54-3337-4FC0-9FD6-16A19B958699}" type="datetimeFigureOut">
               <a:rPr lang="zh-CN" altLang="en-US" smtClean="0"/>
-              <a:t>2025/9/21</a:t>
+              <a:t>2025/9/22</a:t>
             </a:fld>
             <a:endParaRPr lang="zh-CN" altLang="en-US"/>
           </a:p>
@@ -1965,7 +1965,7 @@
           <a:p>
             <a:fld id="{9140CE54-3337-4FC0-9FD6-16A19B958699}" type="datetimeFigureOut">
               <a:rPr lang="zh-CN" altLang="en-US" smtClean="0"/>
-              <a:t>2025/9/21</a:t>
+              <a:t>2025/9/22</a:t>
             </a:fld>
             <a:endParaRPr lang="zh-CN" altLang="en-US"/>
           </a:p>
@@ -2078,7 +2078,7 @@
           <a:p>
             <a:fld id="{9140CE54-3337-4FC0-9FD6-16A19B958699}" type="datetimeFigureOut">
               <a:rPr lang="zh-CN" altLang="en-US" smtClean="0"/>
-              <a:t>2025/9/21</a:t>
+              <a:t>2025/9/22</a:t>
             </a:fld>
             <a:endParaRPr lang="zh-CN" altLang="en-US"/>
           </a:p>
@@ -2389,7 +2389,7 @@
           <a:p>
             <a:fld id="{9140CE54-3337-4FC0-9FD6-16A19B958699}" type="datetimeFigureOut">
               <a:rPr lang="zh-CN" altLang="en-US" smtClean="0"/>
-              <a:t>2025/9/21</a:t>
+              <a:t>2025/9/22</a:t>
             </a:fld>
             <a:endParaRPr lang="zh-CN" altLang="en-US"/>
           </a:p>
@@ -2677,7 +2677,7 @@
           <a:p>
             <a:fld id="{9140CE54-3337-4FC0-9FD6-16A19B958699}" type="datetimeFigureOut">
               <a:rPr lang="zh-CN" altLang="en-US" smtClean="0"/>
-              <a:t>2025/9/21</a:t>
+              <a:t>2025/9/22</a:t>
             </a:fld>
             <a:endParaRPr lang="zh-CN" altLang="en-US"/>
           </a:p>
@@ -2918,7 +2918,7 @@
           <a:p>
             <a:fld id="{9140CE54-3337-4FC0-9FD6-16A19B958699}" type="datetimeFigureOut">
               <a:rPr lang="zh-CN" altLang="en-US" smtClean="0"/>
-              <a:t>2025/9/21</a:t>
+              <a:t>2025/9/22</a:t>
             </a:fld>
             <a:endParaRPr lang="zh-CN" altLang="en-US"/>
           </a:p>
@@ -5986,8 +5986,8 @@
           </a:p>
         </p:txBody>
       </p:sp>
-      <mc:AlternateContent xmlns:mc="http://schemas.openxmlformats.org/markup-compatibility/2006">
-        <mc:Choice xmlns:a14="http://schemas.microsoft.com/office/drawing/2010/main" Requires="a14">
+      <mc:AlternateContent xmlns:mc="http://schemas.openxmlformats.org/markup-compatibility/2006" xmlns:a14="http://schemas.microsoft.com/office/drawing/2010/main">
+        <mc:Choice Requires="a14">
           <p:sp>
             <p:nvSpPr>
               <p:cNvPr id="8" name="文本框 7">
@@ -6016,6 +6016,7 @@
               </a:bodyPr>
               <a:lstStyle/>
               <a:p>
+                <a:pPr/>
                 <a14:m>
                   <m:oMathPara xmlns:m="http://schemas.openxmlformats.org/officeDocument/2006/math">
                     <m:oMathParaPr>
@@ -6055,7 +6056,7 @@
             </p:txBody>
           </p:sp>
         </mc:Choice>
-        <mc:Fallback>
+        <mc:Fallback xmlns="">
           <p:sp>
             <p:nvSpPr>
               <p:cNvPr id="8" name="文本框 7">
@@ -6163,7 +6164,7 @@
         </p:nvSpPr>
         <p:spPr>
           <a:xfrm>
-            <a:off x="3822629" y="641131"/>
+            <a:off x="3491552" y="641131"/>
             <a:ext cx="590550" cy="1626476"/>
           </a:xfrm>
           <a:prstGeom prst="roundRect">
@@ -6219,7 +6220,7 @@
             </p:nvSpPr>
             <p:spPr>
               <a:xfrm>
-                <a:off x="3980963" y="1304711"/>
+                <a:off x="3629384" y="1354403"/>
                 <a:ext cx="355290" cy="323422"/>
               </a:xfrm>
               <a:prstGeom prst="rect">
@@ -6233,6 +6234,7 @@
               </a:bodyPr>
               <a:lstStyle/>
               <a:p>
+                <a:pPr/>
                 <a14:m>
                   <m:oMathPara xmlns:m="http://schemas.openxmlformats.org/officeDocument/2006/math">
                     <m:oMathParaPr>
@@ -6297,7 +6299,7 @@
             </p:nvSpPr>
             <p:spPr>
               <a:xfrm>
-                <a:off x="3980963" y="1304711"/>
+                <a:off x="3629384" y="1354403"/>
                 <a:ext cx="355290" cy="323422"/>
               </a:xfrm>
               <a:prstGeom prst="rect">
@@ -6306,7 +6308,7 @@
               <a:blipFill>
                 <a:blip r:embed="rId3"/>
                 <a:stretch>
-                  <a:fillRect l="-13793" r="-3448" b="-22642"/>
+                  <a:fillRect l="-13559" r="-1695" b="-22642"/>
                 </a:stretch>
               </a:blipFill>
             </p:spPr>
@@ -6380,8 +6382,8 @@
           </a:p>
         </p:txBody>
       </p:sp>
-      <mc:AlternateContent xmlns:mc="http://schemas.openxmlformats.org/markup-compatibility/2006">
-        <mc:Choice xmlns:a14="http://schemas.microsoft.com/office/drawing/2010/main" Requires="a14">
+      <mc:AlternateContent xmlns:mc="http://schemas.openxmlformats.org/markup-compatibility/2006" xmlns:a14="http://schemas.microsoft.com/office/drawing/2010/main">
+        <mc:Choice Requires="a14">
           <p:sp>
             <p:nvSpPr>
               <p:cNvPr id="16" name="文本框 15">
@@ -6410,6 +6412,7 @@
               </a:bodyPr>
               <a:lstStyle/>
               <a:p>
+                <a:pPr/>
                 <a14:m>
                   <m:oMathPara xmlns:m="http://schemas.openxmlformats.org/officeDocument/2006/math">
                     <m:oMathParaPr>
@@ -6430,7 +6433,7 @@
             </p:txBody>
           </p:sp>
         </mc:Choice>
-        <mc:Fallback>
+        <mc:Fallback xmlns="">
           <p:sp>
             <p:nvSpPr>
               <p:cNvPr id="16" name="文本框 15">
@@ -6530,8 +6533,8 @@
           </a:p>
         </p:txBody>
       </p:sp>
-      <mc:AlternateContent xmlns:mc="http://schemas.openxmlformats.org/markup-compatibility/2006">
-        <mc:Choice xmlns:a14="http://schemas.microsoft.com/office/drawing/2010/main" Requires="a14">
+      <mc:AlternateContent xmlns:mc="http://schemas.openxmlformats.org/markup-compatibility/2006" xmlns:a14="http://schemas.microsoft.com/office/drawing/2010/main">
+        <mc:Choice Requires="a14">
           <p:sp>
             <p:nvSpPr>
               <p:cNvPr id="18" name="文本框 17">
@@ -6560,6 +6563,7 @@
               </a:bodyPr>
               <a:lstStyle/>
               <a:p>
+                <a:pPr/>
                 <a14:m>
                   <m:oMathPara xmlns:m="http://schemas.openxmlformats.org/officeDocument/2006/math">
                     <m:oMathParaPr>
@@ -6580,7 +6584,7 @@
             </p:txBody>
           </p:sp>
         </mc:Choice>
-        <mc:Fallback>
+        <mc:Fallback xmlns="">
           <p:sp>
             <p:nvSpPr>
               <p:cNvPr id="18" name="文本框 17">
@@ -6729,8 +6733,8 @@
           </a:p>
         </p:txBody>
       </p:sp>
-      <mc:AlternateContent xmlns:mc="http://schemas.openxmlformats.org/markup-compatibility/2006">
-        <mc:Choice xmlns:a14="http://schemas.microsoft.com/office/drawing/2010/main" Requires="a14">
+      <mc:AlternateContent xmlns:mc="http://schemas.openxmlformats.org/markup-compatibility/2006" xmlns:a14="http://schemas.microsoft.com/office/drawing/2010/main">
+        <mc:Choice Requires="a14">
           <p:sp>
             <p:nvSpPr>
               <p:cNvPr id="21" name="文本框 20">
@@ -6759,6 +6763,7 @@
               </a:bodyPr>
               <a:lstStyle/>
               <a:p>
+                <a:pPr/>
                 <a14:m>
                   <m:oMathPara xmlns:m="http://schemas.openxmlformats.org/officeDocument/2006/math">
                     <m:oMathParaPr>
@@ -6779,7 +6784,7 @@
             </p:txBody>
           </p:sp>
         </mc:Choice>
-        <mc:Fallback>
+        <mc:Fallback xmlns="">
           <p:sp>
             <p:nvSpPr>
               <p:cNvPr id="21" name="文本框 20">
@@ -6824,8 +6829,8 @@
           </p:sp>
         </mc:Fallback>
       </mc:AlternateContent>
-      <mc:AlternateContent xmlns:mc="http://schemas.openxmlformats.org/markup-compatibility/2006">
-        <mc:Choice xmlns:a14="http://schemas.microsoft.com/office/drawing/2010/main" Requires="a14">
+      <mc:AlternateContent xmlns:mc="http://schemas.openxmlformats.org/markup-compatibility/2006" xmlns:a14="http://schemas.microsoft.com/office/drawing/2010/main">
+        <mc:Choice Requires="a14">
           <p:sp>
             <p:nvSpPr>
               <p:cNvPr id="22" name="文本框 21">
@@ -6854,6 +6859,7 @@
               </a:bodyPr>
               <a:lstStyle/>
               <a:p>
+                <a:pPr/>
                 <a14:m>
                   <m:oMathPara xmlns:m="http://schemas.openxmlformats.org/officeDocument/2006/math">
                     <m:oMathParaPr>
@@ -6874,7 +6880,7 @@
             </p:txBody>
           </p:sp>
         </mc:Choice>
-        <mc:Fallback>
+        <mc:Fallback xmlns="">
           <p:sp>
             <p:nvSpPr>
               <p:cNvPr id="22" name="文本框 21">
@@ -7041,7 +7047,7 @@
         </p:nvSpPr>
         <p:spPr>
           <a:xfrm>
-            <a:off x="4625290" y="1262002"/>
+            <a:off x="4432444" y="1262002"/>
             <a:ext cx="615553" cy="384080"/>
           </a:xfrm>
           <a:prstGeom prst="rect">
@@ -7131,8 +7137,8 @@
             </p:nvSpPr>
             <p:spPr>
               <a:xfrm>
-                <a:off x="1066334" y="1297182"/>
-                <a:ext cx="158377" cy="246221"/>
+                <a:off x="1063263" y="1304711"/>
+                <a:ext cx="264560" cy="246221"/>
               </a:xfrm>
               <a:prstGeom prst="rect">
                 <a:avLst/>
@@ -7145,18 +7151,38 @@
               </a:bodyPr>
               <a:lstStyle/>
               <a:p>
+                <a:pPr/>
                 <a14:m>
                   <m:oMathPara xmlns:m="http://schemas.openxmlformats.org/officeDocument/2006/math">
                     <m:oMathParaPr>
                       <m:jc m:val="centerGroup"/>
                     </m:oMathParaPr>
                     <m:oMath xmlns:m="http://schemas.openxmlformats.org/officeDocument/2006/math">
-                      <m:r>
-                        <a:rPr lang="en-US" altLang="zh-CN" sz="1600" b="0" i="1" smtClean="0">
-                          <a:latin typeface="Cambria Math" panose="02040503050406030204" pitchFamily="18" charset="0"/>
-                        </a:rPr>
-                        <m:t>𝑟</m:t>
-                      </m:r>
+                      <m:sSub>
+                        <m:sSubPr>
+                          <m:ctrlPr>
+                            <a:rPr lang="en-US" altLang="zh-CN" sz="1600" b="0" i="1" smtClean="0">
+                              <a:latin typeface="Cambria Math" panose="02040503050406030204" pitchFamily="18" charset="0"/>
+                            </a:rPr>
+                          </m:ctrlPr>
+                        </m:sSubPr>
+                        <m:e>
+                          <m:r>
+                            <a:rPr lang="en-US" altLang="zh-CN" sz="1600" b="0" i="1" smtClean="0">
+                              <a:latin typeface="Cambria Math" panose="02040503050406030204" pitchFamily="18" charset="0"/>
+                            </a:rPr>
+                            <m:t>𝐵</m:t>
+                          </m:r>
+                        </m:e>
+                        <m:sub>
+                          <m:r>
+                            <a:rPr lang="en-US" altLang="zh-CN" sz="1600" b="0" i="1" smtClean="0">
+                              <a:latin typeface="Cambria Math" panose="02040503050406030204" pitchFamily="18" charset="0"/>
+                            </a:rPr>
+                            <m:t>𝑟</m:t>
+                          </m:r>
+                        </m:sub>
+                      </m:sSub>
                     </m:oMath>
                   </m:oMathPara>
                 </a14:m>
@@ -7182,8 +7208,8 @@
             </p:nvSpPr>
             <p:spPr>
               <a:xfrm>
-                <a:off x="1066334" y="1297182"/>
-                <a:ext cx="158377" cy="246221"/>
+                <a:off x="1063263" y="1304711"/>
+                <a:ext cx="264560" cy="246221"/>
               </a:xfrm>
               <a:prstGeom prst="rect">
                 <a:avLst/>
@@ -7191,7 +7217,7 @@
               <a:blipFill>
                 <a:blip r:embed="rId8"/>
                 <a:stretch>
-                  <a:fillRect l="-15385" r="-11538"/>
+                  <a:fillRect l="-13636" b="-12500"/>
                 </a:stretch>
               </a:blipFill>
             </p:spPr>
@@ -7210,153 +7236,6 @@
           </p:sp>
         </mc:Fallback>
       </mc:AlternateContent>
-      <mc:AlternateContent xmlns:mc="http://schemas.openxmlformats.org/markup-compatibility/2006">
-        <mc:Choice xmlns:a14="http://schemas.microsoft.com/office/drawing/2010/main" Requires="a14">
-          <p:sp>
-            <p:nvSpPr>
-              <p:cNvPr id="29" name="文本框 28">
-                <a:extLst>
-                  <a:ext uri="{FF2B5EF4-FFF2-40B4-BE49-F238E27FC236}">
-                    <a16:creationId xmlns:a16="http://schemas.microsoft.com/office/drawing/2014/main" id="{38365D5F-E24D-1B45-F6FE-5B5F0E1FF5EC}"/>
-                  </a:ext>
-                </a:extLst>
-              </p:cNvPr>
-              <p:cNvSpPr txBox="1"/>
-              <p:nvPr/>
-            </p:nvSpPr>
-            <p:spPr>
-              <a:xfrm>
-                <a:off x="4045020" y="782823"/>
-                <a:ext cx="172418" cy="246221"/>
-              </a:xfrm>
-              <a:prstGeom prst="rect">
-                <a:avLst/>
-              </a:prstGeom>
-              <a:noFill/>
-            </p:spPr>
-            <p:txBody>
-              <a:bodyPr wrap="none" lIns="0" tIns="0" rIns="0" bIns="0" rtlCol="0">
-                <a:spAutoFit/>
-              </a:bodyPr>
-              <a:lstStyle/>
-              <a:p>
-                <a14:m>
-                  <m:oMathPara xmlns:m="http://schemas.openxmlformats.org/officeDocument/2006/math">
-                    <m:oMathParaPr>
-                      <m:jc m:val="centerGroup"/>
-                    </m:oMathParaPr>
-                    <m:oMath xmlns:m="http://schemas.openxmlformats.org/officeDocument/2006/math">
-                      <m:r>
-                        <a:rPr lang="en-US" altLang="zh-CN" sz="1600" b="0" i="1" smtClean="0">
-                          <a:latin typeface="Cambria Math" panose="02040503050406030204" pitchFamily="18" charset="0"/>
-                        </a:rPr>
-                        <m:t>𝑝</m:t>
-                      </m:r>
-                    </m:oMath>
-                  </m:oMathPara>
-                </a14:m>
-                <a:endParaRPr lang="zh-CN" altLang="en-US" dirty="0"/>
-              </a:p>
-            </p:txBody>
-          </p:sp>
-        </mc:Choice>
-        <mc:Fallback>
-          <p:sp>
-            <p:nvSpPr>
-              <p:cNvPr id="29" name="文本框 28">
-                <a:extLst>
-                  <a:ext uri="{FF2B5EF4-FFF2-40B4-BE49-F238E27FC236}">
-                    <a16:creationId xmlns:a16="http://schemas.microsoft.com/office/drawing/2014/main" id="{38365D5F-E24D-1B45-F6FE-5B5F0E1FF5EC}"/>
-                  </a:ext>
-                </a:extLst>
-              </p:cNvPr>
-              <p:cNvSpPr txBox="1">
-                <a:spLocks noRot="1" noChangeAspect="1" noMove="1" noResize="1" noEditPoints="1" noAdjustHandles="1" noChangeArrowheads="1" noChangeShapeType="1" noTextEdit="1"/>
-              </p:cNvSpPr>
-              <p:nvPr/>
-            </p:nvSpPr>
-            <p:spPr>
-              <a:xfrm>
-                <a:off x="4045020" y="782823"/>
-                <a:ext cx="172418" cy="246221"/>
-              </a:xfrm>
-              <a:prstGeom prst="rect">
-                <a:avLst/>
-              </a:prstGeom>
-              <a:blipFill>
-                <a:blip r:embed="rId9"/>
-                <a:stretch>
-                  <a:fillRect l="-25000" r="-25000" b="-21951"/>
-                </a:stretch>
-              </a:blipFill>
-            </p:spPr>
-            <p:txBody>
-              <a:bodyPr/>
-              <a:lstStyle/>
-              <a:p>
-                <a:r>
-                  <a:rPr lang="zh-CN" altLang="en-US">
-                    <a:noFill/>
-                  </a:rPr>
-                  <a:t> </a:t>
-                </a:r>
-              </a:p>
-            </p:txBody>
-          </p:sp>
-        </mc:Fallback>
-      </mc:AlternateContent>
-      <p:sp>
-        <p:nvSpPr>
-          <p:cNvPr id="30" name="左大括号 29">
-            <a:extLst>
-              <a:ext uri="{FF2B5EF4-FFF2-40B4-BE49-F238E27FC236}">
-                <a16:creationId xmlns:a16="http://schemas.microsoft.com/office/drawing/2014/main" id="{8249AB88-DF6B-9493-5D57-347974AE615C}"/>
-              </a:ext>
-            </a:extLst>
-          </p:cNvPr>
-          <p:cNvSpPr/>
-          <p:nvPr/>
-        </p:nvSpPr>
-        <p:spPr>
-          <a:xfrm rot="5400000" flipH="1">
-            <a:off x="4039001" y="507020"/>
-            <a:ext cx="153635" cy="497160"/>
-          </a:xfrm>
-          <a:prstGeom prst="leftBrace">
-            <a:avLst>
-              <a:gd name="adj1" fmla="val 70238"/>
-              <a:gd name="adj2" fmla="val 50000"/>
-            </a:avLst>
-          </a:prstGeom>
-          <a:ln w="12700">
-            <a:solidFill>
-              <a:schemeClr val="tx1"/>
-            </a:solidFill>
-          </a:ln>
-        </p:spPr>
-        <p:style>
-          <a:lnRef idx="2">
-            <a:schemeClr val="accent1"/>
-          </a:lnRef>
-          <a:fillRef idx="0">
-            <a:schemeClr val="accent1"/>
-          </a:fillRef>
-          <a:effectRef idx="1">
-            <a:schemeClr val="accent1"/>
-          </a:effectRef>
-          <a:fontRef idx="minor">
-            <a:schemeClr val="tx1"/>
-          </a:fontRef>
-        </p:style>
-        <p:txBody>
-          <a:bodyPr rtlCol="0" anchor="ctr"/>
-          <a:lstStyle/>
-          <a:p>
-            <a:pPr algn="ctr"/>
-            <a:endParaRPr lang="zh-CN" altLang="en-US"/>
-          </a:p>
-        </p:txBody>
-      </p:sp>
       <p:sp>
         <p:nvSpPr>
           <p:cNvPr id="31" name="矩形: 圆角 30">
@@ -7541,7 +7420,7 @@
         </p:nvSpPr>
         <p:spPr>
           <a:xfrm>
-            <a:off x="7635420" y="1119350"/>
+            <a:off x="7104648" y="1119350"/>
             <a:ext cx="476412" cy="562302"/>
           </a:xfrm>
           <a:prstGeom prst="roundRect">
@@ -7597,7 +7476,7 @@
             </p:nvSpPr>
             <p:spPr>
               <a:xfrm>
-                <a:off x="7734972" y="1248366"/>
+                <a:off x="7179155" y="1232683"/>
                 <a:ext cx="327397" cy="299313"/>
               </a:xfrm>
               <a:prstGeom prst="rect">
@@ -7611,6 +7490,7 @@
               </a:bodyPr>
               <a:lstStyle/>
               <a:p>
+                <a:pPr/>
                 <a14:m>
                   <m:oMathPara xmlns:m="http://schemas.openxmlformats.org/officeDocument/2006/math">
                     <m:oMathParaPr>
@@ -7667,16 +7547,16 @@
             </p:nvSpPr>
             <p:spPr>
               <a:xfrm>
-                <a:off x="7734972" y="1248366"/>
+                <a:off x="7179155" y="1232683"/>
                 <a:ext cx="327397" cy="299313"/>
               </a:xfrm>
               <a:prstGeom prst="rect">
                 <a:avLst/>
               </a:prstGeom>
               <a:blipFill>
-                <a:blip r:embed="rId10"/>
+                <a:blip r:embed="rId9"/>
                 <a:stretch>
-                  <a:fillRect l="-16667" r="-5556" b="-24490"/>
+                  <a:fillRect l="-16981" r="-7547" b="-24490"/>
                 </a:stretch>
               </a:blipFill>
             </p:spPr>
@@ -7798,8 +7678,8 @@
           </a:p>
         </p:txBody>
       </p:sp>
-      <mc:AlternateContent xmlns:mc="http://schemas.openxmlformats.org/markup-compatibility/2006">
-        <mc:Choice xmlns:a14="http://schemas.microsoft.com/office/drawing/2010/main" Requires="a14">
+      <mc:AlternateContent xmlns:mc="http://schemas.openxmlformats.org/markup-compatibility/2006" xmlns:a14="http://schemas.microsoft.com/office/drawing/2010/main">
+        <mc:Choice Requires="a14">
           <p:sp>
             <p:nvSpPr>
               <p:cNvPr id="70" name="文本框 69">
@@ -7828,6 +7708,7 @@
               </a:bodyPr>
               <a:lstStyle/>
               <a:p>
+                <a:pPr/>
                 <a14:m>
                   <m:oMathPara xmlns:m="http://schemas.openxmlformats.org/officeDocument/2006/math">
                     <m:oMathParaPr>
@@ -7867,7 +7748,7 @@
             </p:txBody>
           </p:sp>
         </mc:Choice>
-        <mc:Fallback>
+        <mc:Fallback xmlns="">
           <p:sp>
             <p:nvSpPr>
               <p:cNvPr id="70" name="文本框 69">
@@ -8015,8 +7896,8 @@
           </a:p>
         </p:txBody>
       </p:sp>
-      <mc:AlternateContent xmlns:mc="http://schemas.openxmlformats.org/markup-compatibility/2006">
-        <mc:Choice xmlns:a14="http://schemas.microsoft.com/office/drawing/2010/main" Requires="a14">
+      <mc:AlternateContent xmlns:mc="http://schemas.openxmlformats.org/markup-compatibility/2006" xmlns:a14="http://schemas.microsoft.com/office/drawing/2010/main">
+        <mc:Choice Requires="a14">
           <p:sp>
             <p:nvSpPr>
               <p:cNvPr id="73" name="文本框 72">
@@ -8045,6 +7926,7 @@
               </a:bodyPr>
               <a:lstStyle/>
               <a:p>
+                <a:pPr/>
                 <a14:m>
                   <m:oMathPara xmlns:m="http://schemas.openxmlformats.org/officeDocument/2006/math">
                     <m:oMathParaPr>
@@ -8098,7 +7980,7 @@
             </p:txBody>
           </p:sp>
         </mc:Choice>
-        <mc:Fallback>
+        <mc:Fallback xmlns="">
           <p:sp>
             <p:nvSpPr>
               <p:cNvPr id="73" name="文本框 72">
@@ -8198,8 +8080,8 @@
           </a:p>
         </p:txBody>
       </p:sp>
-      <mc:AlternateContent xmlns:mc="http://schemas.openxmlformats.org/markup-compatibility/2006">
-        <mc:Choice xmlns:a14="http://schemas.microsoft.com/office/drawing/2010/main" Requires="a14">
+      <mc:AlternateContent xmlns:mc="http://schemas.openxmlformats.org/markup-compatibility/2006" xmlns:a14="http://schemas.microsoft.com/office/drawing/2010/main">
+        <mc:Choice Requires="a14">
           <p:sp>
             <p:nvSpPr>
               <p:cNvPr id="75" name="文本框 74">
@@ -8228,6 +8110,7 @@
               </a:bodyPr>
               <a:lstStyle/>
               <a:p>
+                <a:pPr/>
                 <a14:m>
                   <m:oMathPara xmlns:m="http://schemas.openxmlformats.org/officeDocument/2006/math">
                     <m:oMathParaPr>
@@ -8248,7 +8131,7 @@
             </p:txBody>
           </p:sp>
         </mc:Choice>
-        <mc:Fallback>
+        <mc:Fallback xmlns="">
           <p:sp>
             <p:nvSpPr>
               <p:cNvPr id="75" name="文本框 74">
@@ -8348,8 +8231,8 @@
           </a:p>
         </p:txBody>
       </p:sp>
-      <mc:AlternateContent xmlns:mc="http://schemas.openxmlformats.org/markup-compatibility/2006">
-        <mc:Choice xmlns:a14="http://schemas.microsoft.com/office/drawing/2010/main" Requires="a14">
+      <mc:AlternateContent xmlns:mc="http://schemas.openxmlformats.org/markup-compatibility/2006" xmlns:a14="http://schemas.microsoft.com/office/drawing/2010/main">
+        <mc:Choice Requires="a14">
           <p:sp>
             <p:nvSpPr>
               <p:cNvPr id="77" name="文本框 76">
@@ -8378,6 +8261,7 @@
               </a:bodyPr>
               <a:lstStyle/>
               <a:p>
+                <a:pPr/>
                 <a14:m>
                   <m:oMathPara xmlns:m="http://schemas.openxmlformats.org/officeDocument/2006/math">
                     <m:oMathParaPr>
@@ -8398,7 +8282,7 @@
             </p:txBody>
           </p:sp>
         </mc:Choice>
-        <mc:Fallback>
+        <mc:Fallback xmlns="">
           <p:sp>
             <p:nvSpPr>
               <p:cNvPr id="77" name="文本框 76">
@@ -8547,8 +8431,8 @@
           </a:p>
         </p:txBody>
       </p:sp>
-      <mc:AlternateContent xmlns:mc="http://schemas.openxmlformats.org/markup-compatibility/2006">
-        <mc:Choice xmlns:a14="http://schemas.microsoft.com/office/drawing/2010/main" Requires="a14">
+      <mc:AlternateContent xmlns:mc="http://schemas.openxmlformats.org/markup-compatibility/2006" xmlns:a14="http://schemas.microsoft.com/office/drawing/2010/main">
+        <mc:Choice Requires="a14">
           <p:sp>
             <p:nvSpPr>
               <p:cNvPr id="80" name="文本框 79">
@@ -8577,6 +8461,7 @@
               </a:bodyPr>
               <a:lstStyle/>
               <a:p>
+                <a:pPr/>
                 <a14:m>
                   <m:oMathPara xmlns:m="http://schemas.openxmlformats.org/officeDocument/2006/math">
                     <m:oMathParaPr>
@@ -8597,7 +8482,7 @@
             </p:txBody>
           </p:sp>
         </mc:Choice>
-        <mc:Fallback>
+        <mc:Fallback xmlns="">
           <p:sp>
             <p:nvSpPr>
               <p:cNvPr id="80" name="文本框 79">
@@ -8642,8 +8527,8 @@
           </p:sp>
         </mc:Fallback>
       </mc:AlternateContent>
-      <mc:AlternateContent xmlns:mc="http://schemas.openxmlformats.org/markup-compatibility/2006">
-        <mc:Choice xmlns:a14="http://schemas.microsoft.com/office/drawing/2010/main" Requires="a14">
+      <mc:AlternateContent xmlns:mc="http://schemas.openxmlformats.org/markup-compatibility/2006" xmlns:a14="http://schemas.microsoft.com/office/drawing/2010/main">
+        <mc:Choice Requires="a14">
           <p:sp>
             <p:nvSpPr>
               <p:cNvPr id="81" name="文本框 80">
@@ -8672,6 +8557,7 @@
               </a:bodyPr>
               <a:lstStyle/>
               <a:p>
+                <a:pPr/>
                 <a14:m>
                   <m:oMathPara xmlns:m="http://schemas.openxmlformats.org/officeDocument/2006/math">
                     <m:oMathParaPr>
@@ -8692,7 +8578,7 @@
             </p:txBody>
           </p:sp>
         </mc:Choice>
-        <mc:Fallback>
+        <mc:Fallback xmlns="">
           <p:sp>
             <p:nvSpPr>
               <p:cNvPr id="81" name="文本框 80">
@@ -8933,8 +8819,8 @@
           </a:p>
         </p:txBody>
       </p:sp>
-      <mc:AlternateContent xmlns:mc="http://schemas.openxmlformats.org/markup-compatibility/2006">
-        <mc:Choice xmlns:a14="http://schemas.microsoft.com/office/drawing/2010/main" Requires="a14">
+      <mc:AlternateContent xmlns:mc="http://schemas.openxmlformats.org/markup-compatibility/2006" xmlns:a14="http://schemas.microsoft.com/office/drawing/2010/main">
+        <mc:Choice Requires="a14">
           <p:sp>
             <p:nvSpPr>
               <p:cNvPr id="87" name="文本框 86">
@@ -8963,6 +8849,7 @@
               </a:bodyPr>
               <a:lstStyle/>
               <a:p>
+                <a:pPr/>
                 <a14:m>
                   <m:oMathPara xmlns:m="http://schemas.openxmlformats.org/officeDocument/2006/math">
                     <m:oMathParaPr>
@@ -8983,7 +8870,7 @@
             </p:txBody>
           </p:sp>
         </mc:Choice>
-        <mc:Fallback>
+        <mc:Fallback xmlns="">
           <p:sp>
             <p:nvSpPr>
               <p:cNvPr id="87" name="文本框 86">
@@ -9028,8 +8915,8 @@
           </p:sp>
         </mc:Fallback>
       </mc:AlternateContent>
-      <mc:AlternateContent xmlns:mc="http://schemas.openxmlformats.org/markup-compatibility/2006">
-        <mc:Choice xmlns:a14="http://schemas.microsoft.com/office/drawing/2010/main" Requires="a14">
+      <mc:AlternateContent xmlns:mc="http://schemas.openxmlformats.org/markup-compatibility/2006" xmlns:a14="http://schemas.microsoft.com/office/drawing/2010/main">
+        <mc:Choice Requires="a14">
           <p:sp>
             <p:nvSpPr>
               <p:cNvPr id="88" name="文本框 87">
@@ -9058,6 +8945,7 @@
               </a:bodyPr>
               <a:lstStyle/>
               <a:p>
+                <a:pPr/>
                 <a14:m>
                   <m:oMathPara xmlns:m="http://schemas.openxmlformats.org/officeDocument/2006/math">
                     <m:oMathParaPr>
@@ -9078,7 +8966,7 @@
             </p:txBody>
           </p:sp>
         </mc:Choice>
-        <mc:Fallback>
+        <mc:Fallback xmlns="">
           <p:sp>
             <p:nvSpPr>
               <p:cNvPr id="88" name="文本框 87">
@@ -9399,8 +9287,8 @@
           </a:p>
         </p:txBody>
       </p:sp>
-      <mc:AlternateContent xmlns:mc="http://schemas.openxmlformats.org/markup-compatibility/2006">
-        <mc:Choice xmlns:a14="http://schemas.microsoft.com/office/drawing/2010/main" Requires="a14">
+      <mc:AlternateContent xmlns:mc="http://schemas.openxmlformats.org/markup-compatibility/2006" xmlns:a14="http://schemas.microsoft.com/office/drawing/2010/main">
+        <mc:Choice Requires="a14">
           <p:sp>
             <p:nvSpPr>
               <p:cNvPr id="95" name="文本框 94">
@@ -9429,6 +9317,7 @@
               </a:bodyPr>
               <a:lstStyle/>
               <a:p>
+                <a:pPr/>
                 <a14:m>
                   <m:oMathPara xmlns:m="http://schemas.openxmlformats.org/officeDocument/2006/math">
                     <m:oMathParaPr>
@@ -9480,7 +9369,7 @@
             </p:txBody>
           </p:sp>
         </mc:Choice>
-        <mc:Fallback>
+        <mc:Fallback xmlns="">
           <p:sp>
             <p:nvSpPr>
               <p:cNvPr id="95" name="文本框 94">
@@ -9579,8 +9468,8 @@
           </a:p>
         </p:txBody>
       </p:sp>
-      <mc:AlternateContent xmlns:mc="http://schemas.openxmlformats.org/markup-compatibility/2006">
-        <mc:Choice xmlns:a14="http://schemas.microsoft.com/office/drawing/2010/main" Requires="a14">
+      <mc:AlternateContent xmlns:mc="http://schemas.openxmlformats.org/markup-compatibility/2006" xmlns:a14="http://schemas.microsoft.com/office/drawing/2010/main">
+        <mc:Choice Requires="a14">
           <p:sp>
             <p:nvSpPr>
               <p:cNvPr id="97" name="文本框 96">
@@ -9609,6 +9498,7 @@
               </a:bodyPr>
               <a:lstStyle/>
               <a:p>
+                <a:pPr/>
                 <a14:m>
                   <m:oMathPara xmlns:m="http://schemas.openxmlformats.org/officeDocument/2006/math">
                     <m:oMathParaPr>
@@ -9666,7 +9556,7 @@
             </p:txBody>
           </p:sp>
         </mc:Choice>
-        <mc:Fallback>
+        <mc:Fallback xmlns="">
           <p:sp>
             <p:nvSpPr>
               <p:cNvPr id="97" name="文本框 96">
@@ -9713,62 +9603,6 @@
       </mc:AlternateContent>
       <p:sp>
         <p:nvSpPr>
-          <p:cNvPr id="98" name="矩形: 圆角 97">
-            <a:extLst>
-              <a:ext uri="{FF2B5EF4-FFF2-40B4-BE49-F238E27FC236}">
-                <a16:creationId xmlns:a16="http://schemas.microsoft.com/office/drawing/2014/main" id="{4819661D-6142-8D5F-3C23-91E3E4D7C4FF}"/>
-              </a:ext>
-            </a:extLst>
-          </p:cNvPr>
-          <p:cNvSpPr/>
-          <p:nvPr/>
-        </p:nvSpPr>
-        <p:spPr>
-          <a:xfrm>
-            <a:off x="3499253" y="641130"/>
-            <a:ext cx="314981" cy="1626476"/>
-          </a:xfrm>
-          <a:prstGeom prst="roundRect">
-            <a:avLst>
-              <a:gd name="adj" fmla="val 0"/>
-            </a:avLst>
-          </a:prstGeom>
-          <a:solidFill>
-            <a:schemeClr val="bg2">
-              <a:lumMod val="90000"/>
-            </a:schemeClr>
-          </a:solidFill>
-          <a:ln>
-            <a:noFill/>
-          </a:ln>
-        </p:spPr>
-        <p:style>
-          <a:lnRef idx="2">
-            <a:schemeClr val="accent1">
-              <a:shade val="15000"/>
-            </a:schemeClr>
-          </a:lnRef>
-          <a:fillRef idx="1">
-            <a:schemeClr val="accent1"/>
-          </a:fillRef>
-          <a:effectRef idx="0">
-            <a:schemeClr val="accent1"/>
-          </a:effectRef>
-          <a:fontRef idx="minor">
-            <a:schemeClr val="lt1"/>
-          </a:fontRef>
-        </p:style>
-        <p:txBody>
-          <a:bodyPr rtlCol="0" anchor="ctr"/>
-          <a:lstStyle/>
-          <a:p>
-            <a:pPr algn="ctr"/>
-            <a:endParaRPr lang="zh-CN" altLang="en-US"/>
-          </a:p>
-        </p:txBody>
-      </p:sp>
-      <p:sp>
-        <p:nvSpPr>
           <p:cNvPr id="99" name="矩形: 圆角 98">
             <a:extLst>
               <a:ext uri="{FF2B5EF4-FFF2-40B4-BE49-F238E27FC236}">
@@ -9797,59 +9631,6 @@
           <a:ln>
             <a:noFill/>
           </a:ln>
-        </p:spPr>
-        <p:style>
-          <a:lnRef idx="2">
-            <a:schemeClr val="accent1">
-              <a:shade val="15000"/>
-            </a:schemeClr>
-          </a:lnRef>
-          <a:fillRef idx="1">
-            <a:schemeClr val="accent1"/>
-          </a:fillRef>
-          <a:effectRef idx="0">
-            <a:schemeClr val="accent1"/>
-          </a:effectRef>
-          <a:fontRef idx="minor">
-            <a:schemeClr val="lt1"/>
-          </a:fontRef>
-        </p:style>
-        <p:txBody>
-          <a:bodyPr rtlCol="0" anchor="ctr"/>
-          <a:lstStyle/>
-          <a:p>
-            <a:pPr algn="ctr"/>
-            <a:endParaRPr lang="zh-CN" altLang="en-US"/>
-          </a:p>
-        </p:txBody>
-      </p:sp>
-      <p:sp>
-        <p:nvSpPr>
-          <p:cNvPr id="100" name="矩形: 圆角 99">
-            <a:extLst>
-              <a:ext uri="{FF2B5EF4-FFF2-40B4-BE49-F238E27FC236}">
-                <a16:creationId xmlns:a16="http://schemas.microsoft.com/office/drawing/2014/main" id="{487AAFBE-1DD0-8FA2-E7AD-173718D69DAB}"/>
-              </a:ext>
-            </a:extLst>
-          </p:cNvPr>
-          <p:cNvSpPr/>
-          <p:nvPr/>
-        </p:nvSpPr>
-        <p:spPr>
-          <a:xfrm>
-            <a:off x="7103299" y="1113378"/>
-            <a:ext cx="532121" cy="562302"/>
-          </a:xfrm>
-          <a:prstGeom prst="roundRect">
-            <a:avLst>
-              <a:gd name="adj" fmla="val 0"/>
-            </a:avLst>
-          </a:prstGeom>
-          <a:solidFill>
-            <a:schemeClr val="bg2">
-              <a:lumMod val="90000"/>
-            </a:schemeClr>
-          </a:solidFill>
         </p:spPr>
         <p:style>
           <a:lnRef idx="2">
@@ -9929,6 +9710,173 @@
           </a:p>
         </p:txBody>
       </p:sp>
+      <p:sp>
+        <p:nvSpPr>
+          <p:cNvPr id="2" name="左大括号 1">
+            <a:extLst>
+              <a:ext uri="{FF2B5EF4-FFF2-40B4-BE49-F238E27FC236}">
+                <a16:creationId xmlns:a16="http://schemas.microsoft.com/office/drawing/2014/main" id="{1A0C0996-37C3-79D3-12E8-F1C2A664B795}"/>
+              </a:ext>
+            </a:extLst>
+          </p:cNvPr>
+          <p:cNvSpPr/>
+          <p:nvPr/>
+        </p:nvSpPr>
+        <p:spPr>
+          <a:xfrm rot="5400000" flipH="1">
+            <a:off x="3707718" y="555006"/>
+            <a:ext cx="153635" cy="497160"/>
+          </a:xfrm>
+          <a:prstGeom prst="leftBrace">
+            <a:avLst>
+              <a:gd name="adj1" fmla="val 70238"/>
+              <a:gd name="adj2" fmla="val 50000"/>
+            </a:avLst>
+          </a:prstGeom>
+          <a:ln w="12700">
+            <a:solidFill>
+              <a:schemeClr val="tx1"/>
+            </a:solidFill>
+          </a:ln>
+        </p:spPr>
+        <p:style>
+          <a:lnRef idx="2">
+            <a:schemeClr val="accent1"/>
+          </a:lnRef>
+          <a:fillRef idx="0">
+            <a:schemeClr val="accent1"/>
+          </a:fillRef>
+          <a:effectRef idx="1">
+            <a:schemeClr val="accent1"/>
+          </a:effectRef>
+          <a:fontRef idx="minor">
+            <a:schemeClr val="tx1"/>
+          </a:fontRef>
+        </p:style>
+        <p:txBody>
+          <a:bodyPr rtlCol="0" anchor="ctr"/>
+          <a:lstStyle/>
+          <a:p>
+            <a:pPr algn="ctr"/>
+            <a:endParaRPr lang="zh-CN" altLang="en-US"/>
+          </a:p>
+        </p:txBody>
+      </p:sp>
+      <mc:AlternateContent xmlns:mc="http://schemas.openxmlformats.org/markup-compatibility/2006">
+        <mc:Choice xmlns:a14="http://schemas.microsoft.com/office/drawing/2010/main" Requires="a14">
+          <p:sp>
+            <p:nvSpPr>
+              <p:cNvPr id="3" name="文本框 2">
+                <a:extLst>
+                  <a:ext uri="{FF2B5EF4-FFF2-40B4-BE49-F238E27FC236}">
+                    <a16:creationId xmlns:a16="http://schemas.microsoft.com/office/drawing/2014/main" id="{A3ABA741-9E05-70D5-0395-B9DD6AEC4B3E}"/>
+                  </a:ext>
+                </a:extLst>
+              </p:cNvPr>
+              <p:cNvSpPr txBox="1"/>
+              <p:nvPr/>
+            </p:nvSpPr>
+            <p:spPr>
+              <a:xfrm>
+                <a:off x="3659704" y="910591"/>
+                <a:ext cx="261354" cy="246221"/>
+              </a:xfrm>
+              <a:prstGeom prst="rect">
+                <a:avLst/>
+              </a:prstGeom>
+              <a:noFill/>
+            </p:spPr>
+            <p:txBody>
+              <a:bodyPr wrap="none" lIns="0" tIns="0" rIns="0" bIns="0" rtlCol="0">
+                <a:spAutoFit/>
+              </a:bodyPr>
+              <a:lstStyle/>
+              <a:p>
+                <a:pPr/>
+                <a14:m>
+                  <m:oMathPara xmlns:m="http://schemas.openxmlformats.org/officeDocument/2006/math">
+                    <m:oMathParaPr>
+                      <m:jc m:val="centerGroup"/>
+                    </m:oMathParaPr>
+                    <m:oMath xmlns:m="http://schemas.openxmlformats.org/officeDocument/2006/math">
+                      <m:sSub>
+                        <m:sSubPr>
+                          <m:ctrlPr>
+                            <a:rPr lang="en-US" altLang="zh-CN" sz="1600" b="0" i="1" smtClean="0">
+                              <a:latin typeface="Cambria Math" panose="02040503050406030204" pitchFamily="18" charset="0"/>
+                            </a:rPr>
+                          </m:ctrlPr>
+                        </m:sSubPr>
+                        <m:e>
+                          <m:r>
+                            <a:rPr lang="en-US" altLang="zh-CN" sz="1600" b="0" i="1" smtClean="0">
+                              <a:latin typeface="Cambria Math" panose="02040503050406030204" pitchFamily="18" charset="0"/>
+                            </a:rPr>
+                            <m:t>𝐵</m:t>
+                          </m:r>
+                        </m:e>
+                        <m:sub>
+                          <m:r>
+                            <a:rPr lang="en-US" altLang="zh-CN" sz="1600" b="0" i="1" smtClean="0">
+                              <a:latin typeface="Cambria Math" panose="02040503050406030204" pitchFamily="18" charset="0"/>
+                            </a:rPr>
+                            <m:t>𝑐</m:t>
+                          </m:r>
+                        </m:sub>
+                      </m:sSub>
+                    </m:oMath>
+                  </m:oMathPara>
+                </a14:m>
+                <a:endParaRPr lang="zh-CN" altLang="en-US" dirty="0"/>
+              </a:p>
+            </p:txBody>
+          </p:sp>
+        </mc:Choice>
+        <mc:Fallback>
+          <p:sp>
+            <p:nvSpPr>
+              <p:cNvPr id="3" name="文本框 2">
+                <a:extLst>
+                  <a:ext uri="{FF2B5EF4-FFF2-40B4-BE49-F238E27FC236}">
+                    <a16:creationId xmlns:a16="http://schemas.microsoft.com/office/drawing/2014/main" id="{A3ABA741-9E05-70D5-0395-B9DD6AEC4B3E}"/>
+                  </a:ext>
+                </a:extLst>
+              </p:cNvPr>
+              <p:cNvSpPr txBox="1">
+                <a:spLocks noRot="1" noChangeAspect="1" noMove="1" noResize="1" noEditPoints="1" noAdjustHandles="1" noChangeArrowheads="1" noChangeShapeType="1" noTextEdit="1"/>
+              </p:cNvSpPr>
+              <p:nvPr/>
+            </p:nvSpPr>
+            <p:spPr>
+              <a:xfrm>
+                <a:off x="3659704" y="910591"/>
+                <a:ext cx="261354" cy="246221"/>
+              </a:xfrm>
+              <a:prstGeom prst="rect">
+                <a:avLst/>
+              </a:prstGeom>
+              <a:blipFill>
+                <a:blip r:embed="rId21"/>
+                <a:stretch>
+                  <a:fillRect l="-13953" b="-9756"/>
+                </a:stretch>
+              </a:blipFill>
+            </p:spPr>
+            <p:txBody>
+              <a:bodyPr/>
+              <a:lstStyle/>
+              <a:p>
+                <a:r>
+                  <a:rPr lang="zh-CN" altLang="en-US">
+                    <a:noFill/>
+                  </a:rPr>
+                  <a:t> </a:t>
+                </a:r>
+              </a:p>
+            </p:txBody>
+          </p:sp>
+        </mc:Fallback>
+      </mc:AlternateContent>
     </p:spTree>
     <p:extLst>
       <p:ext uri="{BB962C8B-B14F-4D97-AF65-F5344CB8AC3E}">
@@ -18284,8 +18232,8 @@
           </a:p>
         </p:txBody>
       </p:sp>
-      <mc:AlternateContent xmlns:mc="http://schemas.openxmlformats.org/markup-compatibility/2006">
-        <mc:Choice xmlns:a14="http://schemas.microsoft.com/office/drawing/2010/main" Requires="a14">
+      <mc:AlternateContent xmlns:mc="http://schemas.openxmlformats.org/markup-compatibility/2006" xmlns:a14="http://schemas.microsoft.com/office/drawing/2010/main">
+        <mc:Choice Requires="a14">
           <p:sp>
             <p:nvSpPr>
               <p:cNvPr id="8" name="文本框 7">
@@ -18314,6 +18262,7 @@
               </a:bodyPr>
               <a:lstStyle/>
               <a:p>
+                <a:pPr/>
                 <a14:m>
                   <m:oMathPara xmlns:m="http://schemas.openxmlformats.org/officeDocument/2006/math">
                     <m:oMathParaPr>
@@ -18353,7 +18302,7 @@
             </p:txBody>
           </p:sp>
         </mc:Choice>
-        <mc:Fallback>
+        <mc:Fallback xmlns="">
           <p:sp>
             <p:nvSpPr>
               <p:cNvPr id="8" name="文本框 7">
@@ -18501,8 +18450,8 @@
           </a:p>
         </p:txBody>
       </p:sp>
-      <mc:AlternateContent xmlns:mc="http://schemas.openxmlformats.org/markup-compatibility/2006">
-        <mc:Choice xmlns:a14="http://schemas.microsoft.com/office/drawing/2010/main" Requires="a14">
+      <mc:AlternateContent xmlns:mc="http://schemas.openxmlformats.org/markup-compatibility/2006" xmlns:a14="http://schemas.microsoft.com/office/drawing/2010/main">
+        <mc:Choice Requires="a14">
           <p:sp>
             <p:nvSpPr>
               <p:cNvPr id="11" name="文本框 10">
@@ -18531,6 +18480,7 @@
               </a:bodyPr>
               <a:lstStyle/>
               <a:p>
+                <a:pPr/>
                 <a14:m>
                   <m:oMathPara xmlns:m="http://schemas.openxmlformats.org/officeDocument/2006/math">
                     <m:oMathParaPr>
@@ -18578,7 +18528,7 @@
             </p:txBody>
           </p:sp>
         </mc:Choice>
-        <mc:Fallback>
+        <mc:Fallback xmlns="">
           <p:sp>
             <p:nvSpPr>
               <p:cNvPr id="11" name="文本框 10">
@@ -18946,8 +18896,8 @@
           </a:p>
         </p:txBody>
       </p:sp>
-      <mc:AlternateContent xmlns:mc="http://schemas.openxmlformats.org/markup-compatibility/2006">
-        <mc:Choice xmlns:a14="http://schemas.microsoft.com/office/drawing/2010/main" Requires="a14">
+      <mc:AlternateContent xmlns:mc="http://schemas.openxmlformats.org/markup-compatibility/2006" xmlns:a14="http://schemas.microsoft.com/office/drawing/2010/main">
+        <mc:Choice Requires="a14">
           <p:sp>
             <p:nvSpPr>
               <p:cNvPr id="13" name="文本框 12">
@@ -18976,6 +18926,7 @@
               </a:bodyPr>
               <a:lstStyle/>
               <a:p>
+                <a:pPr/>
                 <a14:m>
                   <m:oMathPara xmlns:m="http://schemas.openxmlformats.org/officeDocument/2006/math">
                     <m:oMathParaPr>
@@ -18985,7 +18936,7 @@
                       <m:sSub>
                         <m:sSubPr>
                           <m:ctrlPr>
-                            <a:rPr lang="en-US" altLang="zh-CN" sz="1600" b="0" smtClean="0">
+                            <a:rPr lang="en-US" altLang="zh-CN" sz="1600" b="0" i="1" smtClean="0">
                               <a:latin typeface="Cambria Math" panose="02040503050406030204" pitchFamily="18" charset="0"/>
                             </a:rPr>
                           </m:ctrlPr>
@@ -19018,7 +18969,7 @@
             </p:txBody>
           </p:sp>
         </mc:Choice>
-        <mc:Fallback>
+        <mc:Fallback xmlns="">
           <p:sp>
             <p:nvSpPr>
               <p:cNvPr id="13" name="文本框 12">
@@ -19063,8 +19014,8 @@
           </p:sp>
         </mc:Fallback>
       </mc:AlternateContent>
-      <mc:AlternateContent xmlns:mc="http://schemas.openxmlformats.org/markup-compatibility/2006">
-        <mc:Choice xmlns:a14="http://schemas.microsoft.com/office/drawing/2010/main" Requires="a14">
+      <mc:AlternateContent xmlns:mc="http://schemas.openxmlformats.org/markup-compatibility/2006" xmlns:a14="http://schemas.microsoft.com/office/drawing/2010/main">
+        <mc:Choice Requires="a14">
           <p:sp>
             <p:nvSpPr>
               <p:cNvPr id="40" name="文本框 39">
@@ -19093,6 +19044,7 @@
               </a:bodyPr>
               <a:lstStyle/>
               <a:p>
+                <a:pPr/>
                 <a14:m>
                   <m:oMathPara xmlns:m="http://schemas.openxmlformats.org/officeDocument/2006/math">
                     <m:oMathParaPr>
@@ -19102,7 +19054,7 @@
                       <m:sSub>
                         <m:sSubPr>
                           <m:ctrlPr>
-                            <a:rPr lang="en-US" altLang="zh-CN" sz="1600" b="0" smtClean="0">
+                            <a:rPr lang="en-US" altLang="zh-CN" sz="1600" b="0" i="1" smtClean="0">
                               <a:latin typeface="Cambria Math" panose="02040503050406030204" pitchFamily="18" charset="0"/>
                             </a:rPr>
                           </m:ctrlPr>
@@ -19138,7 +19090,7 @@
             </p:txBody>
           </p:sp>
         </mc:Choice>
-        <mc:Fallback>
+        <mc:Fallback xmlns="">
           <p:sp>
             <p:nvSpPr>
               <p:cNvPr id="40" name="文本框 39">
@@ -19183,8 +19135,8 @@
           </p:sp>
         </mc:Fallback>
       </mc:AlternateContent>
-      <mc:AlternateContent xmlns:mc="http://schemas.openxmlformats.org/markup-compatibility/2006">
-        <mc:Choice xmlns:a14="http://schemas.microsoft.com/office/drawing/2010/main" Requires="a14">
+      <mc:AlternateContent xmlns:mc="http://schemas.openxmlformats.org/markup-compatibility/2006" xmlns:a14="http://schemas.microsoft.com/office/drawing/2010/main">
+        <mc:Choice Requires="a14">
           <p:sp>
             <p:nvSpPr>
               <p:cNvPr id="41" name="文本框 40">
@@ -19213,6 +19165,7 @@
               </a:bodyPr>
               <a:lstStyle/>
               <a:p>
+                <a:pPr/>
                 <a14:m>
                   <m:oMathPara xmlns:m="http://schemas.openxmlformats.org/officeDocument/2006/math">
                     <m:oMathParaPr>
@@ -19252,7 +19205,7 @@
             </p:txBody>
           </p:sp>
         </mc:Choice>
-        <mc:Fallback>
+        <mc:Fallback xmlns="">
           <p:sp>
             <p:nvSpPr>
               <p:cNvPr id="41" name="文本框 40">
@@ -19297,8 +19250,8 @@
           </p:sp>
         </mc:Fallback>
       </mc:AlternateContent>
-      <mc:AlternateContent xmlns:mc="http://schemas.openxmlformats.org/markup-compatibility/2006">
-        <mc:Choice xmlns:a14="http://schemas.microsoft.com/office/drawing/2010/main" Requires="a14">
+      <mc:AlternateContent xmlns:mc="http://schemas.openxmlformats.org/markup-compatibility/2006" xmlns:a14="http://schemas.microsoft.com/office/drawing/2010/main">
+        <mc:Choice Requires="a14">
           <p:sp>
             <p:nvSpPr>
               <p:cNvPr id="43" name="文本框 42">
@@ -19327,6 +19280,7 @@
               </a:bodyPr>
               <a:lstStyle/>
               <a:p>
+                <a:pPr/>
                 <a14:m>
                   <m:oMathPara xmlns:m="http://schemas.openxmlformats.org/officeDocument/2006/math">
                     <m:oMathParaPr>
@@ -19374,7 +19328,7 @@
             </p:txBody>
           </p:sp>
         </mc:Choice>
-        <mc:Fallback>
+        <mc:Fallback xmlns="">
           <p:sp>
             <p:nvSpPr>
               <p:cNvPr id="43" name="文本框 42">
@@ -19419,8 +19373,8 @@
           </p:sp>
         </mc:Fallback>
       </mc:AlternateContent>
-      <mc:AlternateContent xmlns:mc="http://schemas.openxmlformats.org/markup-compatibility/2006">
-        <mc:Choice xmlns:a14="http://schemas.microsoft.com/office/drawing/2010/main" Requires="a14">
+      <mc:AlternateContent xmlns:mc="http://schemas.openxmlformats.org/markup-compatibility/2006" xmlns:a14="http://schemas.microsoft.com/office/drawing/2010/main">
+        <mc:Choice Requires="a14">
           <p:sp>
             <p:nvSpPr>
               <p:cNvPr id="47" name="文本框 46">
@@ -19449,6 +19403,7 @@
               </a:bodyPr>
               <a:lstStyle/>
               <a:p>
+                <a:pPr/>
                 <a14:m>
                   <m:oMathPara xmlns:m="http://schemas.openxmlformats.org/officeDocument/2006/math">
                     <m:oMathParaPr>
@@ -19558,7 +19513,7 @@
             </p:txBody>
           </p:sp>
         </mc:Choice>
-        <mc:Fallback>
+        <mc:Fallback xmlns="">
           <p:sp>
             <p:nvSpPr>
               <p:cNvPr id="47" name="文本框 46">
@@ -19603,8 +19558,8 @@
           </p:sp>
         </mc:Fallback>
       </mc:AlternateContent>
-      <mc:AlternateContent xmlns:mc="http://schemas.openxmlformats.org/markup-compatibility/2006">
-        <mc:Choice xmlns:a14="http://schemas.microsoft.com/office/drawing/2010/main" Requires="a14">
+      <mc:AlternateContent xmlns:mc="http://schemas.openxmlformats.org/markup-compatibility/2006" xmlns:a14="http://schemas.microsoft.com/office/drawing/2010/main">
+        <mc:Choice Requires="a14">
           <p:sp>
             <p:nvSpPr>
               <p:cNvPr id="48" name="文本框 47">
@@ -19633,6 +19588,7 @@
               </a:bodyPr>
               <a:lstStyle/>
               <a:p>
+                <a:pPr/>
                 <a14:m>
                   <m:oMathPara xmlns:m="http://schemas.openxmlformats.org/officeDocument/2006/math">
                     <m:oMathParaPr>
@@ -19653,7 +19609,7 @@
             </p:txBody>
           </p:sp>
         </mc:Choice>
-        <mc:Fallback>
+        <mc:Fallback xmlns="">
           <p:sp>
             <p:nvSpPr>
               <p:cNvPr id="48" name="文本框 47">
@@ -19698,8 +19654,8 @@
           </p:sp>
         </mc:Fallback>
       </mc:AlternateContent>
-      <mc:AlternateContent xmlns:mc="http://schemas.openxmlformats.org/markup-compatibility/2006">
-        <mc:Choice xmlns:a14="http://schemas.microsoft.com/office/drawing/2010/main" Requires="a14">
+      <mc:AlternateContent xmlns:mc="http://schemas.openxmlformats.org/markup-compatibility/2006" xmlns:a14="http://schemas.microsoft.com/office/drawing/2010/main">
+        <mc:Choice Requires="a14">
           <p:sp>
             <p:nvSpPr>
               <p:cNvPr id="49" name="文本框 48">
@@ -19728,6 +19684,7 @@
               </a:bodyPr>
               <a:lstStyle/>
               <a:p>
+                <a:pPr/>
                 <a14:m>
                   <m:oMathPara xmlns:m="http://schemas.openxmlformats.org/officeDocument/2006/math">
                     <m:oMathParaPr>
@@ -19748,7 +19705,7 @@
             </p:txBody>
           </p:sp>
         </mc:Choice>
-        <mc:Fallback>
+        <mc:Fallback xmlns="">
           <p:sp>
             <p:nvSpPr>
               <p:cNvPr id="49" name="文本框 48">
@@ -20008,8 +19965,8 @@
           </a:p>
         </p:txBody>
       </p:sp>
-      <mc:AlternateContent xmlns:mc="http://schemas.openxmlformats.org/markup-compatibility/2006">
-        <mc:Choice xmlns:a14="http://schemas.microsoft.com/office/drawing/2010/main" Requires="a14">
+      <mc:AlternateContent xmlns:mc="http://schemas.openxmlformats.org/markup-compatibility/2006" xmlns:a14="http://schemas.microsoft.com/office/drawing/2010/main">
+        <mc:Choice Requires="a14">
           <p:sp>
             <p:nvSpPr>
               <p:cNvPr id="54" name="文本框 53">
@@ -20038,6 +19995,7 @@
               </a:bodyPr>
               <a:lstStyle/>
               <a:p>
+                <a:pPr/>
                 <a14:m>
                   <m:oMathPara xmlns:m="http://schemas.openxmlformats.org/officeDocument/2006/math">
                     <m:oMathParaPr>
@@ -20077,7 +20035,7 @@
             </p:txBody>
           </p:sp>
         </mc:Choice>
-        <mc:Fallback>
+        <mc:Fallback xmlns="">
           <p:sp>
             <p:nvSpPr>
               <p:cNvPr id="54" name="文本框 53">
@@ -20122,8 +20080,8 @@
           </p:sp>
         </mc:Fallback>
       </mc:AlternateContent>
-      <mc:AlternateContent xmlns:mc="http://schemas.openxmlformats.org/markup-compatibility/2006">
-        <mc:Choice xmlns:a14="http://schemas.microsoft.com/office/drawing/2010/main" Requires="a14">
+      <mc:AlternateContent xmlns:mc="http://schemas.openxmlformats.org/markup-compatibility/2006" xmlns:a14="http://schemas.microsoft.com/office/drawing/2010/main">
+        <mc:Choice Requires="a14">
           <p:sp>
             <p:nvSpPr>
               <p:cNvPr id="55" name="文本框 54">
@@ -20152,6 +20110,7 @@
               </a:bodyPr>
               <a:lstStyle/>
               <a:p>
+                <a:pPr/>
                 <a14:m>
                   <m:oMathPara xmlns:m="http://schemas.openxmlformats.org/officeDocument/2006/math">
                     <m:oMathParaPr>
@@ -20199,7 +20158,7 @@
             </p:txBody>
           </p:sp>
         </mc:Choice>
-        <mc:Fallback>
+        <mc:Fallback xmlns="">
           <p:sp>
             <p:nvSpPr>
               <p:cNvPr id="55" name="文本框 54">
@@ -20244,8 +20203,8 @@
           </p:sp>
         </mc:Fallback>
       </mc:AlternateContent>
-      <mc:AlternateContent xmlns:mc="http://schemas.openxmlformats.org/markup-compatibility/2006">
-        <mc:Choice xmlns:a14="http://schemas.microsoft.com/office/drawing/2010/main" Requires="a14">
+      <mc:AlternateContent xmlns:mc="http://schemas.openxmlformats.org/markup-compatibility/2006" xmlns:a14="http://schemas.microsoft.com/office/drawing/2010/main">
+        <mc:Choice Requires="a14">
           <p:sp>
             <p:nvSpPr>
               <p:cNvPr id="56" name="文本框 55">
@@ -20274,6 +20233,7 @@
               </a:bodyPr>
               <a:lstStyle/>
               <a:p>
+                <a:pPr/>
                 <a14:m>
                   <m:oMathPara xmlns:m="http://schemas.openxmlformats.org/officeDocument/2006/math">
                     <m:oMathParaPr>
@@ -20395,7 +20355,7 @@
             </p:txBody>
           </p:sp>
         </mc:Choice>
-        <mc:Fallback>
+        <mc:Fallback xmlns="">
           <p:sp>
             <p:nvSpPr>
               <p:cNvPr id="56" name="文本框 55">
@@ -20440,8 +20400,8 @@
           </p:sp>
         </mc:Fallback>
       </mc:AlternateContent>
-      <mc:AlternateContent xmlns:mc="http://schemas.openxmlformats.org/markup-compatibility/2006">
-        <mc:Choice xmlns:a14="http://schemas.microsoft.com/office/drawing/2010/main" Requires="a14">
+      <mc:AlternateContent xmlns:mc="http://schemas.openxmlformats.org/markup-compatibility/2006" xmlns:a14="http://schemas.microsoft.com/office/drawing/2010/main">
+        <mc:Choice Requires="a14">
           <p:sp>
             <p:nvSpPr>
               <p:cNvPr id="57" name="文本框 56">
@@ -20470,6 +20430,7 @@
               </a:bodyPr>
               <a:lstStyle/>
               <a:p>
+                <a:pPr/>
                 <a14:m>
                   <m:oMathPara xmlns:m="http://schemas.openxmlformats.org/officeDocument/2006/math">
                     <m:oMathParaPr>
@@ -20490,7 +20451,7 @@
             </p:txBody>
           </p:sp>
         </mc:Choice>
-        <mc:Fallback>
+        <mc:Fallback xmlns="">
           <p:sp>
             <p:nvSpPr>
               <p:cNvPr id="57" name="文本框 56">
@@ -20535,8 +20496,8 @@
           </p:sp>
         </mc:Fallback>
       </mc:AlternateContent>
-      <mc:AlternateContent xmlns:mc="http://schemas.openxmlformats.org/markup-compatibility/2006">
-        <mc:Choice xmlns:a14="http://schemas.microsoft.com/office/drawing/2010/main" Requires="a14">
+      <mc:AlternateContent xmlns:mc="http://schemas.openxmlformats.org/markup-compatibility/2006" xmlns:a14="http://schemas.microsoft.com/office/drawing/2010/main">
+        <mc:Choice Requires="a14">
           <p:sp>
             <p:nvSpPr>
               <p:cNvPr id="58" name="文本框 57">
@@ -20565,6 +20526,7 @@
               </a:bodyPr>
               <a:lstStyle/>
               <a:p>
+                <a:pPr/>
                 <a14:m>
                   <m:oMathPara xmlns:m="http://schemas.openxmlformats.org/officeDocument/2006/math">
                     <m:oMathParaPr>
@@ -20585,7 +20547,7 @@
             </p:txBody>
           </p:sp>
         </mc:Choice>
-        <mc:Fallback>
+        <mc:Fallback xmlns="">
           <p:sp>
             <p:nvSpPr>
               <p:cNvPr id="58" name="文本框 57">
@@ -20702,8 +20664,8 @@
           </a:p>
         </p:txBody>
       </p:sp>
-      <mc:AlternateContent xmlns:mc="http://schemas.openxmlformats.org/markup-compatibility/2006">
-        <mc:Choice xmlns:a14="http://schemas.microsoft.com/office/drawing/2010/main" Requires="a14">
+      <mc:AlternateContent xmlns:mc="http://schemas.openxmlformats.org/markup-compatibility/2006" xmlns:a14="http://schemas.microsoft.com/office/drawing/2010/main">
+        <mc:Choice Requires="a14">
           <p:sp>
             <p:nvSpPr>
               <p:cNvPr id="61" name="文本框 60">
@@ -20732,6 +20694,7 @@
               </a:bodyPr>
               <a:lstStyle/>
               <a:p>
+                <a:pPr/>
                 <a14:m>
                   <m:oMathPara xmlns:m="http://schemas.openxmlformats.org/officeDocument/2006/math">
                     <m:oMathParaPr>
@@ -20752,7 +20715,7 @@
             </p:txBody>
           </p:sp>
         </mc:Choice>
-        <mc:Fallback>
+        <mc:Fallback xmlns="">
           <p:sp>
             <p:nvSpPr>
               <p:cNvPr id="61" name="文本框 60">
@@ -20882,8 +20845,8 @@
           </a:p>
         </p:txBody>
       </p:sp>
-      <mc:AlternateContent xmlns:mc="http://schemas.openxmlformats.org/markup-compatibility/2006">
-        <mc:Choice xmlns:a14="http://schemas.microsoft.com/office/drawing/2010/main" Requires="a14">
+      <mc:AlternateContent xmlns:mc="http://schemas.openxmlformats.org/markup-compatibility/2006" xmlns:a14="http://schemas.microsoft.com/office/drawing/2010/main">
+        <mc:Choice Requires="a14">
           <p:sp>
             <p:nvSpPr>
               <p:cNvPr id="64" name="文本框 63">
@@ -20915,6 +20878,7 @@
               </a:bodyPr>
               <a:lstStyle/>
               <a:p>
+                <a:pPr/>
                 <a14:m>
                   <m:oMathPara xmlns:m="http://schemas.openxmlformats.org/officeDocument/2006/math">
                     <m:oMathParaPr>
@@ -20972,7 +20936,7 @@
             </p:txBody>
           </p:sp>
         </mc:Choice>
-        <mc:Fallback>
+        <mc:Fallback xmlns="">
           <p:sp>
             <p:nvSpPr>
               <p:cNvPr id="64" name="文本框 63">
@@ -21020,8 +20984,8 @@
           </p:sp>
         </mc:Fallback>
       </mc:AlternateContent>
-      <mc:AlternateContent xmlns:mc="http://schemas.openxmlformats.org/markup-compatibility/2006">
-        <mc:Choice xmlns:a14="http://schemas.microsoft.com/office/drawing/2010/main" Requires="a14">
+      <mc:AlternateContent xmlns:mc="http://schemas.openxmlformats.org/markup-compatibility/2006" xmlns:a14="http://schemas.microsoft.com/office/drawing/2010/main">
+        <mc:Choice Requires="a14">
           <p:sp>
             <p:nvSpPr>
               <p:cNvPr id="66" name="文本框 65">
@@ -21050,6 +21014,7 @@
               </a:bodyPr>
               <a:lstStyle/>
               <a:p>
+                <a:pPr/>
                 <a14:m>
                   <m:oMathPara xmlns:m="http://schemas.openxmlformats.org/officeDocument/2006/math">
                     <m:oMathParaPr>
@@ -21070,7 +21035,7 @@
             </p:txBody>
           </p:sp>
         </mc:Choice>
-        <mc:Fallback>
+        <mc:Fallback xmlns="">
           <p:sp>
             <p:nvSpPr>
               <p:cNvPr id="66" name="文本框 65">
@@ -21115,8 +21080,8 @@
           </p:sp>
         </mc:Fallback>
       </mc:AlternateContent>
-      <mc:AlternateContent xmlns:mc="http://schemas.openxmlformats.org/markup-compatibility/2006">
-        <mc:Choice xmlns:a14="http://schemas.microsoft.com/office/drawing/2010/main" Requires="a14">
+      <mc:AlternateContent xmlns:mc="http://schemas.openxmlformats.org/markup-compatibility/2006" xmlns:a14="http://schemas.microsoft.com/office/drawing/2010/main">
+        <mc:Choice Requires="a14">
           <p:sp>
             <p:nvSpPr>
               <p:cNvPr id="67" name="文本框 66">
@@ -21145,6 +21110,7 @@
               </a:bodyPr>
               <a:lstStyle/>
               <a:p>
+                <a:pPr/>
                 <a14:m>
                   <m:oMathPara xmlns:m="http://schemas.openxmlformats.org/officeDocument/2006/math">
                     <m:oMathParaPr>
@@ -21165,7 +21131,7 @@
             </p:txBody>
           </p:sp>
         </mc:Choice>
-        <mc:Fallback>
+        <mc:Fallback xmlns="">
           <p:sp>
             <p:nvSpPr>
               <p:cNvPr id="67" name="文本框 66">
@@ -21210,8 +21176,8 @@
           </p:sp>
         </mc:Fallback>
       </mc:AlternateContent>
-      <mc:AlternateContent xmlns:mc="http://schemas.openxmlformats.org/markup-compatibility/2006">
-        <mc:Choice xmlns:a14="http://schemas.microsoft.com/office/drawing/2010/main" Requires="a14">
+      <mc:AlternateContent xmlns:mc="http://schemas.openxmlformats.org/markup-compatibility/2006" xmlns:a14="http://schemas.microsoft.com/office/drawing/2010/main">
+        <mc:Choice Requires="a14">
           <p:sp>
             <p:nvSpPr>
               <p:cNvPr id="102" name="文本框 101">
@@ -21240,6 +21206,7 @@
               </a:bodyPr>
               <a:lstStyle/>
               <a:p>
+                <a:pPr/>
                 <a14:m>
                   <m:oMathPara xmlns:m="http://schemas.openxmlformats.org/officeDocument/2006/math">
                     <m:oMathParaPr>
@@ -21260,7 +21227,7 @@
             </p:txBody>
           </p:sp>
         </mc:Choice>
-        <mc:Fallback>
+        <mc:Fallback xmlns="">
           <p:sp>
             <p:nvSpPr>
               <p:cNvPr id="102" name="文本框 101">
@@ -21439,8 +21406,8 @@
           </a:p>
         </p:txBody>
       </p:sp>
-      <mc:AlternateContent xmlns:mc="http://schemas.openxmlformats.org/markup-compatibility/2006">
-        <mc:Choice xmlns:a14="http://schemas.microsoft.com/office/drawing/2010/main" Requires="a14">
+      <mc:AlternateContent xmlns:mc="http://schemas.openxmlformats.org/markup-compatibility/2006" xmlns:a14="http://schemas.microsoft.com/office/drawing/2010/main">
+        <mc:Choice Requires="a14">
           <p:sp>
             <p:nvSpPr>
               <p:cNvPr id="111" name="文本框 110">
@@ -21469,6 +21436,7 @@
               </a:bodyPr>
               <a:lstStyle/>
               <a:p>
+                <a:pPr/>
                 <a14:m>
                   <m:oMathPara xmlns:m="http://schemas.openxmlformats.org/officeDocument/2006/math">
                     <m:oMathParaPr>
@@ -21489,7 +21457,7 @@
             </p:txBody>
           </p:sp>
         </mc:Choice>
-        <mc:Fallback>
+        <mc:Fallback xmlns="">
           <p:sp>
             <p:nvSpPr>
               <p:cNvPr id="111" name="文本框 110">
@@ -21586,8 +21554,8 @@
           </a:p>
         </p:txBody>
       </p:sp>
-      <mc:AlternateContent xmlns:mc="http://schemas.openxmlformats.org/markup-compatibility/2006">
-        <mc:Choice xmlns:a14="http://schemas.microsoft.com/office/drawing/2010/main" Requires="a14">
+      <mc:AlternateContent xmlns:mc="http://schemas.openxmlformats.org/markup-compatibility/2006" xmlns:a14="http://schemas.microsoft.com/office/drawing/2010/main">
+        <mc:Choice Requires="a14">
           <p:sp>
             <p:nvSpPr>
               <p:cNvPr id="113" name="文本框 112">
@@ -21616,6 +21584,7 @@
               </a:bodyPr>
               <a:lstStyle/>
               <a:p>
+                <a:pPr/>
                 <a14:m>
                   <m:oMathPara xmlns:m="http://schemas.openxmlformats.org/officeDocument/2006/math">
                     <m:oMathParaPr>
@@ -21636,7 +21605,7 @@
             </p:txBody>
           </p:sp>
         </mc:Choice>
-        <mc:Fallback>
+        <mc:Fallback xmlns="">
           <p:sp>
             <p:nvSpPr>
               <p:cNvPr id="113" name="文本框 112">
@@ -21733,8 +21702,8 @@
           </a:p>
         </p:txBody>
       </p:sp>
-      <mc:AlternateContent xmlns:mc="http://schemas.openxmlformats.org/markup-compatibility/2006">
-        <mc:Choice xmlns:a14="http://schemas.microsoft.com/office/drawing/2010/main" Requires="a14">
+      <mc:AlternateContent xmlns:mc="http://schemas.openxmlformats.org/markup-compatibility/2006" xmlns:a14="http://schemas.microsoft.com/office/drawing/2010/main">
+        <mc:Choice Requires="a14">
           <p:sp>
             <p:nvSpPr>
               <p:cNvPr id="115" name="文本框 114">
@@ -21763,6 +21732,7 @@
               </a:bodyPr>
               <a:lstStyle/>
               <a:p>
+                <a:pPr/>
                 <a14:m>
                   <m:oMathPara xmlns:m="http://schemas.openxmlformats.org/officeDocument/2006/math">
                     <m:oMathParaPr>
@@ -21783,7 +21753,7 @@
             </p:txBody>
           </p:sp>
         </mc:Choice>
-        <mc:Fallback>
+        <mc:Fallback xmlns="">
           <p:sp>
             <p:nvSpPr>
               <p:cNvPr id="115" name="文本框 114">
@@ -21880,8 +21850,8 @@
           </a:p>
         </p:txBody>
       </p:sp>
-      <mc:AlternateContent xmlns:mc="http://schemas.openxmlformats.org/markup-compatibility/2006">
-        <mc:Choice xmlns:a14="http://schemas.microsoft.com/office/drawing/2010/main" Requires="a14">
+      <mc:AlternateContent xmlns:mc="http://schemas.openxmlformats.org/markup-compatibility/2006" xmlns:a14="http://schemas.microsoft.com/office/drawing/2010/main">
+        <mc:Choice Requires="a14">
           <p:sp>
             <p:nvSpPr>
               <p:cNvPr id="117" name="文本框 116">
@@ -21910,6 +21880,7 @@
               </a:bodyPr>
               <a:lstStyle/>
               <a:p>
+                <a:pPr/>
                 <a14:m>
                   <m:oMathPara xmlns:m="http://schemas.openxmlformats.org/officeDocument/2006/math">
                     <m:oMathParaPr>
@@ -21930,7 +21901,7 @@
             </p:txBody>
           </p:sp>
         </mc:Choice>
-        <mc:Fallback>
+        <mc:Fallback xmlns="">
           <p:sp>
             <p:nvSpPr>
               <p:cNvPr id="117" name="文本框 116">
@@ -22027,8 +21998,8 @@
           </a:p>
         </p:txBody>
       </p:sp>
-      <mc:AlternateContent xmlns:mc="http://schemas.openxmlformats.org/markup-compatibility/2006">
-        <mc:Choice xmlns:a14="http://schemas.microsoft.com/office/drawing/2010/main" Requires="a14">
+      <mc:AlternateContent xmlns:mc="http://schemas.openxmlformats.org/markup-compatibility/2006" xmlns:a14="http://schemas.microsoft.com/office/drawing/2010/main">
+        <mc:Choice Requires="a14">
           <p:sp>
             <p:nvSpPr>
               <p:cNvPr id="119" name="文本框 118">
@@ -22057,6 +22028,7 @@
               </a:bodyPr>
               <a:lstStyle/>
               <a:p>
+                <a:pPr/>
                 <a14:m>
                   <m:oMathPara xmlns:m="http://schemas.openxmlformats.org/officeDocument/2006/math">
                     <m:oMathParaPr>
@@ -22077,7 +22049,7 @@
             </p:txBody>
           </p:sp>
         </mc:Choice>
-        <mc:Fallback>
+        <mc:Fallback xmlns="">
           <p:sp>
             <p:nvSpPr>
               <p:cNvPr id="119" name="文本框 118">
@@ -22174,8 +22146,8 @@
           </a:p>
         </p:txBody>
       </p:sp>
-      <mc:AlternateContent xmlns:mc="http://schemas.openxmlformats.org/markup-compatibility/2006">
-        <mc:Choice xmlns:a14="http://schemas.microsoft.com/office/drawing/2010/main" Requires="a14">
+      <mc:AlternateContent xmlns:mc="http://schemas.openxmlformats.org/markup-compatibility/2006" xmlns:a14="http://schemas.microsoft.com/office/drawing/2010/main">
+        <mc:Choice Requires="a14">
           <p:sp>
             <p:nvSpPr>
               <p:cNvPr id="121" name="文本框 120">
@@ -22204,6 +22176,7 @@
               </a:bodyPr>
               <a:lstStyle/>
               <a:p>
+                <a:pPr/>
                 <a14:m>
                   <m:oMathPara xmlns:m="http://schemas.openxmlformats.org/officeDocument/2006/math">
                     <m:oMathParaPr>
@@ -22224,7 +22197,7 @@
             </p:txBody>
           </p:sp>
         </mc:Choice>
-        <mc:Fallback>
+        <mc:Fallback xmlns="">
           <p:sp>
             <p:nvSpPr>
               <p:cNvPr id="121" name="文本框 120">
@@ -22465,8 +22438,8 @@
           </a:p>
         </p:txBody>
       </p:sp>
-      <mc:AlternateContent xmlns:mc="http://schemas.openxmlformats.org/markup-compatibility/2006">
-        <mc:Choice xmlns:a14="http://schemas.microsoft.com/office/drawing/2010/main" Requires="a14">
+      <mc:AlternateContent xmlns:mc="http://schemas.openxmlformats.org/markup-compatibility/2006" xmlns:a14="http://schemas.microsoft.com/office/drawing/2010/main">
+        <mc:Choice Requires="a14">
           <p:sp>
             <p:nvSpPr>
               <p:cNvPr id="13" name="文本框 12">
@@ -22495,6 +22468,7 @@
               </a:bodyPr>
               <a:lstStyle/>
               <a:p>
+                <a:pPr/>
                 <a14:m>
                   <m:oMathPara xmlns:m="http://schemas.openxmlformats.org/officeDocument/2006/math">
                     <m:oMathParaPr>
@@ -22504,7 +22478,7 @@
                       <m:sSub>
                         <m:sSubPr>
                           <m:ctrlPr>
-                            <a:rPr lang="en-US" altLang="zh-CN" sz="1600" b="0" smtClean="0">
+                            <a:rPr lang="en-US" altLang="zh-CN" sz="1600" b="0" i="1" smtClean="0">
                               <a:latin typeface="Cambria Math" panose="02040503050406030204" pitchFamily="18" charset="0"/>
                             </a:rPr>
                           </m:ctrlPr>
@@ -22537,7 +22511,7 @@
             </p:txBody>
           </p:sp>
         </mc:Choice>
-        <mc:Fallback>
+        <mc:Fallback xmlns="">
           <p:sp>
             <p:nvSpPr>
               <p:cNvPr id="13" name="文本框 12">
@@ -22582,8 +22556,8 @@
           </p:sp>
         </mc:Fallback>
       </mc:AlternateContent>
-      <mc:AlternateContent xmlns:mc="http://schemas.openxmlformats.org/markup-compatibility/2006">
-        <mc:Choice xmlns:a14="http://schemas.microsoft.com/office/drawing/2010/main" Requires="a14">
+      <mc:AlternateContent xmlns:mc="http://schemas.openxmlformats.org/markup-compatibility/2006" xmlns:a14="http://schemas.microsoft.com/office/drawing/2010/main">
+        <mc:Choice Requires="a14">
           <p:sp>
             <p:nvSpPr>
               <p:cNvPr id="40" name="文本框 39">
@@ -22612,6 +22586,7 @@
               </a:bodyPr>
               <a:lstStyle/>
               <a:p>
+                <a:pPr/>
                 <a14:m>
                   <m:oMathPara xmlns:m="http://schemas.openxmlformats.org/officeDocument/2006/math">
                     <m:oMathParaPr>
@@ -22621,7 +22596,7 @@
                       <m:sSub>
                         <m:sSubPr>
                           <m:ctrlPr>
-                            <a:rPr lang="en-US" altLang="zh-CN" sz="1600" b="0" smtClean="0">
+                            <a:rPr lang="en-US" altLang="zh-CN" sz="1600" b="0" i="1" smtClean="0">
                               <a:latin typeface="Cambria Math" panose="02040503050406030204" pitchFamily="18" charset="0"/>
                             </a:rPr>
                           </m:ctrlPr>
@@ -22657,7 +22632,7 @@
             </p:txBody>
           </p:sp>
         </mc:Choice>
-        <mc:Fallback>
+        <mc:Fallback xmlns="">
           <p:sp>
             <p:nvSpPr>
               <p:cNvPr id="40" name="文本框 39">
@@ -22702,8 +22677,8 @@
           </p:sp>
         </mc:Fallback>
       </mc:AlternateContent>
-      <mc:AlternateContent xmlns:mc="http://schemas.openxmlformats.org/markup-compatibility/2006">
-        <mc:Choice xmlns:a14="http://schemas.microsoft.com/office/drawing/2010/main" Requires="a14">
+      <mc:AlternateContent xmlns:mc="http://schemas.openxmlformats.org/markup-compatibility/2006" xmlns:a14="http://schemas.microsoft.com/office/drawing/2010/main">
+        <mc:Choice Requires="a14">
           <p:sp>
             <p:nvSpPr>
               <p:cNvPr id="41" name="文本框 40">
@@ -22732,6 +22707,7 @@
               </a:bodyPr>
               <a:lstStyle/>
               <a:p>
+                <a:pPr/>
                 <a14:m>
                   <m:oMathPara xmlns:m="http://schemas.openxmlformats.org/officeDocument/2006/math">
                     <m:oMathParaPr>
@@ -22771,7 +22747,7 @@
             </p:txBody>
           </p:sp>
         </mc:Choice>
-        <mc:Fallback>
+        <mc:Fallback xmlns="">
           <p:sp>
             <p:nvSpPr>
               <p:cNvPr id="41" name="文本框 40">
@@ -22816,8 +22792,8 @@
           </p:sp>
         </mc:Fallback>
       </mc:AlternateContent>
-      <mc:AlternateContent xmlns:mc="http://schemas.openxmlformats.org/markup-compatibility/2006">
-        <mc:Choice xmlns:a14="http://schemas.microsoft.com/office/drawing/2010/main" Requires="a14">
+      <mc:AlternateContent xmlns:mc="http://schemas.openxmlformats.org/markup-compatibility/2006" xmlns:a14="http://schemas.microsoft.com/office/drawing/2010/main">
+        <mc:Choice Requires="a14">
           <p:sp>
             <p:nvSpPr>
               <p:cNvPr id="47" name="文本框 46">
@@ -22846,6 +22822,7 @@
               </a:bodyPr>
               <a:lstStyle/>
               <a:p>
+                <a:pPr/>
                 <a14:m>
                   <m:oMathPara xmlns:m="http://schemas.openxmlformats.org/officeDocument/2006/math">
                     <m:oMathParaPr>
@@ -22942,7 +22919,7 @@
             </p:txBody>
           </p:sp>
         </mc:Choice>
-        <mc:Fallback>
+        <mc:Fallback xmlns="">
           <p:sp>
             <p:nvSpPr>
               <p:cNvPr id="47" name="文本框 46">
@@ -23108,8 +23085,8 @@
           </a:p>
         </p:txBody>
       </p:sp>
-      <mc:AlternateContent xmlns:mc="http://schemas.openxmlformats.org/markup-compatibility/2006">
-        <mc:Choice xmlns:a14="http://schemas.microsoft.com/office/drawing/2010/main" Requires="a14">
+      <mc:AlternateContent xmlns:mc="http://schemas.openxmlformats.org/markup-compatibility/2006" xmlns:a14="http://schemas.microsoft.com/office/drawing/2010/main">
+        <mc:Choice Requires="a14">
           <p:sp>
             <p:nvSpPr>
               <p:cNvPr id="64" name="文本框 63">
@@ -23138,6 +23115,7 @@
               </a:bodyPr>
               <a:lstStyle/>
               <a:p>
+                <a:pPr/>
                 <a14:m>
                   <m:oMathPara xmlns:m="http://schemas.openxmlformats.org/officeDocument/2006/math">
                     <m:oMathParaPr>
@@ -23218,7 +23196,7 @@
             </p:txBody>
           </p:sp>
         </mc:Choice>
-        <mc:Fallback>
+        <mc:Fallback xmlns="">
           <p:sp>
             <p:nvSpPr>
               <p:cNvPr id="64" name="文本框 63">
@@ -23263,8 +23241,8 @@
           </p:sp>
         </mc:Fallback>
       </mc:AlternateContent>
-      <mc:AlternateContent xmlns:mc="http://schemas.openxmlformats.org/markup-compatibility/2006">
-        <mc:Choice xmlns:a14="http://schemas.microsoft.com/office/drawing/2010/main" Requires="a14">
+      <mc:AlternateContent xmlns:mc="http://schemas.openxmlformats.org/markup-compatibility/2006" xmlns:a14="http://schemas.microsoft.com/office/drawing/2010/main">
+        <mc:Choice Requires="a14">
           <p:sp>
             <p:nvSpPr>
               <p:cNvPr id="67" name="文本框 66">
@@ -23293,6 +23271,7 @@
               </a:bodyPr>
               <a:lstStyle/>
               <a:p>
+                <a:pPr/>
                 <a14:m>
                   <m:oMathPara xmlns:m="http://schemas.openxmlformats.org/officeDocument/2006/math">
                     <m:oMathParaPr>
@@ -23313,7 +23292,7 @@
             </p:txBody>
           </p:sp>
         </mc:Choice>
-        <mc:Fallback>
+        <mc:Fallback xmlns="">
           <p:sp>
             <p:nvSpPr>
               <p:cNvPr id="67" name="文本框 66">
@@ -23358,8 +23337,8 @@
           </p:sp>
         </mc:Fallback>
       </mc:AlternateContent>
-      <mc:AlternateContent xmlns:mc="http://schemas.openxmlformats.org/markup-compatibility/2006">
-        <mc:Choice xmlns:a14="http://schemas.microsoft.com/office/drawing/2010/main" Requires="a14">
+      <mc:AlternateContent xmlns:mc="http://schemas.openxmlformats.org/markup-compatibility/2006" xmlns:a14="http://schemas.microsoft.com/office/drawing/2010/main">
+        <mc:Choice Requires="a14">
           <p:sp>
             <p:nvSpPr>
               <p:cNvPr id="102" name="文本框 101">
@@ -23388,6 +23367,7 @@
               </a:bodyPr>
               <a:lstStyle/>
               <a:p>
+                <a:pPr/>
                 <a14:m>
                   <m:oMathPara xmlns:m="http://schemas.openxmlformats.org/officeDocument/2006/math">
                     <m:oMathParaPr>
@@ -23408,7 +23388,7 @@
             </p:txBody>
           </p:sp>
         </mc:Choice>
-        <mc:Fallback>
+        <mc:Fallback xmlns="">
           <p:sp>
             <p:nvSpPr>
               <p:cNvPr id="102" name="文本框 101">
@@ -23587,8 +23567,8 @@
           </a:p>
         </p:txBody>
       </p:sp>
-      <mc:AlternateContent xmlns:mc="http://schemas.openxmlformats.org/markup-compatibility/2006">
-        <mc:Choice xmlns:a14="http://schemas.microsoft.com/office/drawing/2010/main" Requires="a14">
+      <mc:AlternateContent xmlns:mc="http://schemas.openxmlformats.org/markup-compatibility/2006" xmlns:a14="http://schemas.microsoft.com/office/drawing/2010/main">
+        <mc:Choice Requires="a14">
           <p:sp>
             <p:nvSpPr>
               <p:cNvPr id="117" name="文本框 116">
@@ -23617,6 +23597,7 @@
               </a:bodyPr>
               <a:lstStyle/>
               <a:p>
+                <a:pPr/>
                 <a14:m>
                   <m:oMathPara xmlns:m="http://schemas.openxmlformats.org/officeDocument/2006/math">
                     <m:oMathParaPr>
@@ -23637,7 +23618,7 @@
             </p:txBody>
           </p:sp>
         </mc:Choice>
-        <mc:Fallback>
+        <mc:Fallback xmlns="">
           <p:sp>
             <p:nvSpPr>
               <p:cNvPr id="117" name="文本框 116">
@@ -23734,8 +23715,8 @@
           </a:p>
         </p:txBody>
       </p:sp>
-      <mc:AlternateContent xmlns:mc="http://schemas.openxmlformats.org/markup-compatibility/2006">
-        <mc:Choice xmlns:a14="http://schemas.microsoft.com/office/drawing/2010/main" Requires="a14">
+      <mc:AlternateContent xmlns:mc="http://schemas.openxmlformats.org/markup-compatibility/2006" xmlns:a14="http://schemas.microsoft.com/office/drawing/2010/main">
+        <mc:Choice Requires="a14">
           <p:sp>
             <p:nvSpPr>
               <p:cNvPr id="119" name="文本框 118">
@@ -23764,6 +23745,7 @@
               </a:bodyPr>
               <a:lstStyle/>
               <a:p>
+                <a:pPr/>
                 <a14:m>
                   <m:oMathPara xmlns:m="http://schemas.openxmlformats.org/officeDocument/2006/math">
                     <m:oMathParaPr>
@@ -23784,7 +23766,7 @@
             </p:txBody>
           </p:sp>
         </mc:Choice>
-        <mc:Fallback>
+        <mc:Fallback xmlns="">
           <p:sp>
             <p:nvSpPr>
               <p:cNvPr id="119" name="文本框 118">
@@ -23881,8 +23863,8 @@
           </a:p>
         </p:txBody>
       </p:sp>
-      <mc:AlternateContent xmlns:mc="http://schemas.openxmlformats.org/markup-compatibility/2006">
-        <mc:Choice xmlns:a14="http://schemas.microsoft.com/office/drawing/2010/main" Requires="a14">
+      <mc:AlternateContent xmlns:mc="http://schemas.openxmlformats.org/markup-compatibility/2006" xmlns:a14="http://schemas.microsoft.com/office/drawing/2010/main">
+        <mc:Choice Requires="a14">
           <p:sp>
             <p:nvSpPr>
               <p:cNvPr id="121" name="文本框 120">
@@ -23911,6 +23893,7 @@
               </a:bodyPr>
               <a:lstStyle/>
               <a:p>
+                <a:pPr/>
                 <a14:m>
                   <m:oMathPara xmlns:m="http://schemas.openxmlformats.org/officeDocument/2006/math">
                     <m:oMathParaPr>
@@ -23931,7 +23914,7 @@
             </p:txBody>
           </p:sp>
         </mc:Choice>
-        <mc:Fallback>
+        <mc:Fallback xmlns="">
           <p:sp>
             <p:nvSpPr>
               <p:cNvPr id="121" name="文本框 120">
@@ -24025,8 +24008,8 @@
           </a:p>
         </p:txBody>
       </p:sp>
-      <mc:AlternateContent xmlns:mc="http://schemas.openxmlformats.org/markup-compatibility/2006">
-        <mc:Choice xmlns:a14="http://schemas.microsoft.com/office/drawing/2010/main" Requires="a14">
+      <mc:AlternateContent xmlns:mc="http://schemas.openxmlformats.org/markup-compatibility/2006" xmlns:a14="http://schemas.microsoft.com/office/drawing/2010/main">
+        <mc:Choice Requires="a14">
           <p:sp>
             <p:nvSpPr>
               <p:cNvPr id="14" name="文本框 13">
@@ -24055,6 +24038,7 @@
               </a:bodyPr>
               <a:lstStyle/>
               <a:p>
+                <a:pPr/>
                 <a14:m>
                   <m:oMathPara xmlns:m="http://schemas.openxmlformats.org/officeDocument/2006/math">
                     <m:oMathParaPr>
@@ -24112,7 +24096,7 @@
             </p:txBody>
           </p:sp>
         </mc:Choice>
-        <mc:Fallback>
+        <mc:Fallback xmlns="">
           <p:sp>
             <p:nvSpPr>
               <p:cNvPr id="14" name="文本框 13">
@@ -24157,8 +24141,8 @@
           </p:sp>
         </mc:Fallback>
       </mc:AlternateContent>
-      <mc:AlternateContent xmlns:mc="http://schemas.openxmlformats.org/markup-compatibility/2006">
-        <mc:Choice xmlns:a14="http://schemas.microsoft.com/office/drawing/2010/main" Requires="a14">
+      <mc:AlternateContent xmlns:mc="http://schemas.openxmlformats.org/markup-compatibility/2006" xmlns:a14="http://schemas.microsoft.com/office/drawing/2010/main">
+        <mc:Choice Requires="a14">
           <p:sp>
             <p:nvSpPr>
               <p:cNvPr id="15" name="文本框 14">
@@ -24187,6 +24171,7 @@
               </a:bodyPr>
               <a:lstStyle/>
               <a:p>
+                <a:pPr/>
                 <a14:m>
                   <m:oMathPara xmlns:m="http://schemas.openxmlformats.org/officeDocument/2006/math">
                     <m:oMathParaPr>
@@ -24207,7 +24192,7 @@
             </p:txBody>
           </p:sp>
         </mc:Choice>
-        <mc:Fallback>
+        <mc:Fallback xmlns="">
           <p:sp>
             <p:nvSpPr>
               <p:cNvPr id="15" name="文本框 14">
@@ -24304,8 +24289,8 @@
           </a:p>
         </p:txBody>
       </p:sp>
-      <mc:AlternateContent xmlns:mc="http://schemas.openxmlformats.org/markup-compatibility/2006">
-        <mc:Choice xmlns:a14="http://schemas.microsoft.com/office/drawing/2010/main" Requires="a14">
+      <mc:AlternateContent xmlns:mc="http://schemas.openxmlformats.org/markup-compatibility/2006" xmlns:a14="http://schemas.microsoft.com/office/drawing/2010/main">
+        <mc:Choice Requires="a14">
           <p:sp>
             <p:nvSpPr>
               <p:cNvPr id="17" name="文本框 16">
@@ -24334,6 +24319,7 @@
               </a:bodyPr>
               <a:lstStyle/>
               <a:p>
+                <a:pPr/>
                 <a14:m>
                   <m:oMathPara xmlns:m="http://schemas.openxmlformats.org/officeDocument/2006/math">
                     <m:oMathParaPr>
@@ -24354,7 +24340,7 @@
             </p:txBody>
           </p:sp>
         </mc:Choice>
-        <mc:Fallback>
+        <mc:Fallback xmlns="">
           <p:sp>
             <p:nvSpPr>
               <p:cNvPr id="17" name="文本框 16">
@@ -24451,8 +24437,8 @@
           </a:p>
         </p:txBody>
       </p:sp>
-      <mc:AlternateContent xmlns:mc="http://schemas.openxmlformats.org/markup-compatibility/2006">
-        <mc:Choice xmlns:a14="http://schemas.microsoft.com/office/drawing/2010/main" Requires="a14">
+      <mc:AlternateContent xmlns:mc="http://schemas.openxmlformats.org/markup-compatibility/2006" xmlns:a14="http://schemas.microsoft.com/office/drawing/2010/main">
+        <mc:Choice Requires="a14">
           <p:sp>
             <p:nvSpPr>
               <p:cNvPr id="21" name="文本框 20">
@@ -24481,6 +24467,7 @@
               </a:bodyPr>
               <a:lstStyle/>
               <a:p>
+                <a:pPr/>
                 <a14:m>
                   <m:oMathPara xmlns:m="http://schemas.openxmlformats.org/officeDocument/2006/math">
                     <m:oMathParaPr>
@@ -24504,7 +24491,7 @@
             </p:txBody>
           </p:sp>
         </mc:Choice>
-        <mc:Fallback>
+        <mc:Fallback xmlns="">
           <p:sp>
             <p:nvSpPr>
               <p:cNvPr id="21" name="文本框 20">
@@ -24709,8 +24696,8 @@
           </a:p>
         </p:txBody>
       </p:sp>
-      <mc:AlternateContent xmlns:mc="http://schemas.openxmlformats.org/markup-compatibility/2006">
-        <mc:Choice xmlns:a14="http://schemas.microsoft.com/office/drawing/2010/main" Requires="a14">
+      <mc:AlternateContent xmlns:mc="http://schemas.openxmlformats.org/markup-compatibility/2006" xmlns:a14="http://schemas.microsoft.com/office/drawing/2010/main">
+        <mc:Choice Requires="a14">
           <p:sp>
             <p:nvSpPr>
               <p:cNvPr id="28" name="文本框 27">
@@ -24739,6 +24726,7 @@
               </a:bodyPr>
               <a:lstStyle/>
               <a:p>
+                <a:pPr/>
                 <a14:m>
                   <m:oMathPara xmlns:m="http://schemas.openxmlformats.org/officeDocument/2006/math">
                     <m:oMathParaPr>
@@ -24778,7 +24766,7 @@
             </p:txBody>
           </p:sp>
         </mc:Choice>
-        <mc:Fallback>
+        <mc:Fallback xmlns="">
           <p:sp>
             <p:nvSpPr>
               <p:cNvPr id="28" name="文本框 27">
@@ -24823,8 +24811,8 @@
           </p:sp>
         </mc:Fallback>
       </mc:AlternateContent>
-      <mc:AlternateContent xmlns:mc="http://schemas.openxmlformats.org/markup-compatibility/2006">
-        <mc:Choice xmlns:a14="http://schemas.microsoft.com/office/drawing/2010/main" Requires="a14">
+      <mc:AlternateContent xmlns:mc="http://schemas.openxmlformats.org/markup-compatibility/2006" xmlns:a14="http://schemas.microsoft.com/office/drawing/2010/main">
+        <mc:Choice Requires="a14">
           <p:sp>
             <p:nvSpPr>
               <p:cNvPr id="29" name="文本框 28">
@@ -24853,6 +24841,7 @@
               </a:bodyPr>
               <a:lstStyle/>
               <a:p>
+                <a:pPr/>
                 <a14:m>
                   <m:oMathPara xmlns:m="http://schemas.openxmlformats.org/officeDocument/2006/math">
                     <m:oMathParaPr>
@@ -24949,7 +24938,7 @@
             </p:txBody>
           </p:sp>
         </mc:Choice>
-        <mc:Fallback>
+        <mc:Fallback xmlns="">
           <p:sp>
             <p:nvSpPr>
               <p:cNvPr id="29" name="文本框 28">
@@ -25046,8 +25035,8 @@
           </a:p>
         </p:txBody>
       </p:sp>
-      <mc:AlternateContent xmlns:mc="http://schemas.openxmlformats.org/markup-compatibility/2006">
-        <mc:Choice xmlns:a14="http://schemas.microsoft.com/office/drawing/2010/main" Requires="a14">
+      <mc:AlternateContent xmlns:mc="http://schemas.openxmlformats.org/markup-compatibility/2006" xmlns:a14="http://schemas.microsoft.com/office/drawing/2010/main">
+        <mc:Choice Requires="a14">
           <p:sp>
             <p:nvSpPr>
               <p:cNvPr id="31" name="文本框 30">
@@ -25076,6 +25065,7 @@
               </a:bodyPr>
               <a:lstStyle/>
               <a:p>
+                <a:pPr/>
                 <a14:m>
                   <m:oMathPara xmlns:m="http://schemas.openxmlformats.org/officeDocument/2006/math">
                     <m:oMathParaPr>
@@ -25099,7 +25089,7 @@
             </p:txBody>
           </p:sp>
         </mc:Choice>
-        <mc:Fallback>
+        <mc:Fallback xmlns="">
           <p:sp>
             <p:nvSpPr>
               <p:cNvPr id="31" name="文本框 30">
@@ -25395,8 +25385,8 @@
           </a:p>
         </p:txBody>
       </p:sp>
-      <mc:AlternateContent xmlns:mc="http://schemas.openxmlformats.org/markup-compatibility/2006">
-        <mc:Choice xmlns:a14="http://schemas.microsoft.com/office/drawing/2010/main" Requires="a14">
+      <mc:AlternateContent xmlns:mc="http://schemas.openxmlformats.org/markup-compatibility/2006" xmlns:a14="http://schemas.microsoft.com/office/drawing/2010/main">
+        <mc:Choice Requires="a14">
           <p:sp>
             <p:nvSpPr>
               <p:cNvPr id="13" name="文本框 12">
@@ -25425,6 +25415,7 @@
               </a:bodyPr>
               <a:lstStyle/>
               <a:p>
+                <a:pPr/>
                 <a14:m>
                   <m:oMathPara xmlns:m="http://schemas.openxmlformats.org/officeDocument/2006/math">
                     <m:oMathParaPr>
@@ -25434,7 +25425,7 @@
                       <m:sSub>
                         <m:sSubPr>
                           <m:ctrlPr>
-                            <a:rPr lang="en-US" altLang="zh-CN" sz="1600" b="0" smtClean="0">
+                            <a:rPr lang="en-US" altLang="zh-CN" sz="1600" b="0" i="1" smtClean="0">
                               <a:latin typeface="Cambria Math" panose="02040503050406030204" pitchFamily="18" charset="0"/>
                             </a:rPr>
                           </m:ctrlPr>
@@ -25467,7 +25458,7 @@
             </p:txBody>
           </p:sp>
         </mc:Choice>
-        <mc:Fallback>
+        <mc:Fallback xmlns="">
           <p:sp>
             <p:nvSpPr>
               <p:cNvPr id="13" name="文本框 12">
@@ -25512,8 +25503,8 @@
           </p:sp>
         </mc:Fallback>
       </mc:AlternateContent>
-      <mc:AlternateContent xmlns:mc="http://schemas.openxmlformats.org/markup-compatibility/2006">
-        <mc:Choice xmlns:a14="http://schemas.microsoft.com/office/drawing/2010/main" Requires="a14">
+      <mc:AlternateContent xmlns:mc="http://schemas.openxmlformats.org/markup-compatibility/2006" xmlns:a14="http://schemas.microsoft.com/office/drawing/2010/main">
+        <mc:Choice Requires="a14">
           <p:sp>
             <p:nvSpPr>
               <p:cNvPr id="40" name="文本框 39">
@@ -25542,6 +25533,7 @@
               </a:bodyPr>
               <a:lstStyle/>
               <a:p>
+                <a:pPr/>
                 <a14:m>
                   <m:oMathPara xmlns:m="http://schemas.openxmlformats.org/officeDocument/2006/math">
                     <m:oMathParaPr>
@@ -25551,7 +25543,7 @@
                       <m:sSub>
                         <m:sSubPr>
                           <m:ctrlPr>
-                            <a:rPr lang="en-US" altLang="zh-CN" sz="1600" b="0" smtClean="0">
+                            <a:rPr lang="en-US" altLang="zh-CN" sz="1600" b="0" i="1" smtClean="0">
                               <a:latin typeface="Cambria Math" panose="02040503050406030204" pitchFamily="18" charset="0"/>
                             </a:rPr>
                           </m:ctrlPr>
@@ -25587,7 +25579,7 @@
             </p:txBody>
           </p:sp>
         </mc:Choice>
-        <mc:Fallback>
+        <mc:Fallback xmlns="">
           <p:sp>
             <p:nvSpPr>
               <p:cNvPr id="40" name="文本框 39">
@@ -25632,8 +25624,8 @@
           </p:sp>
         </mc:Fallback>
       </mc:AlternateContent>
-      <mc:AlternateContent xmlns:mc="http://schemas.openxmlformats.org/markup-compatibility/2006">
-        <mc:Choice xmlns:a14="http://schemas.microsoft.com/office/drawing/2010/main" Requires="a14">
+      <mc:AlternateContent xmlns:mc="http://schemas.openxmlformats.org/markup-compatibility/2006" xmlns:a14="http://schemas.microsoft.com/office/drawing/2010/main">
+        <mc:Choice Requires="a14">
           <p:sp>
             <p:nvSpPr>
               <p:cNvPr id="41" name="文本框 40">
@@ -25662,6 +25654,7 @@
               </a:bodyPr>
               <a:lstStyle/>
               <a:p>
+                <a:pPr/>
                 <a14:m>
                   <m:oMathPara xmlns:m="http://schemas.openxmlformats.org/officeDocument/2006/math">
                     <m:oMathParaPr>
@@ -25701,7 +25694,7 @@
             </p:txBody>
           </p:sp>
         </mc:Choice>
-        <mc:Fallback>
+        <mc:Fallback xmlns="">
           <p:sp>
             <p:nvSpPr>
               <p:cNvPr id="41" name="文本框 40">
@@ -25746,8 +25739,8 @@
           </p:sp>
         </mc:Fallback>
       </mc:AlternateContent>
-      <mc:AlternateContent xmlns:mc="http://schemas.openxmlformats.org/markup-compatibility/2006">
-        <mc:Choice xmlns:a14="http://schemas.microsoft.com/office/drawing/2010/main" Requires="a14">
+      <mc:AlternateContent xmlns:mc="http://schemas.openxmlformats.org/markup-compatibility/2006" xmlns:a14="http://schemas.microsoft.com/office/drawing/2010/main">
+        <mc:Choice Requires="a14">
           <p:sp>
             <p:nvSpPr>
               <p:cNvPr id="43" name="文本框 42">
@@ -25816,7 +25809,7 @@
             </p:txBody>
           </p:sp>
         </mc:Choice>
-        <mc:Fallback>
+        <mc:Fallback xmlns="">
           <p:sp>
             <p:nvSpPr>
               <p:cNvPr id="43" name="文本框 42">
@@ -25861,8 +25854,8 @@
           </p:sp>
         </mc:Fallback>
       </mc:AlternateContent>
-      <mc:AlternateContent xmlns:mc="http://schemas.openxmlformats.org/markup-compatibility/2006">
-        <mc:Choice xmlns:a14="http://schemas.microsoft.com/office/drawing/2010/main" Requires="a14">
+      <mc:AlternateContent xmlns:mc="http://schemas.openxmlformats.org/markup-compatibility/2006" xmlns:a14="http://schemas.microsoft.com/office/drawing/2010/main">
+        <mc:Choice Requires="a14">
           <p:sp>
             <p:nvSpPr>
               <p:cNvPr id="47" name="文本框 46">
@@ -25891,6 +25884,7 @@
               </a:bodyPr>
               <a:lstStyle/>
               <a:p>
+                <a:pPr/>
                 <a14:m>
                   <m:oMathPara xmlns:m="http://schemas.openxmlformats.org/officeDocument/2006/math">
                     <m:oMathParaPr>
@@ -25992,7 +25986,7 @@
             </p:txBody>
           </p:sp>
         </mc:Choice>
-        <mc:Fallback>
+        <mc:Fallback xmlns="">
           <p:sp>
             <p:nvSpPr>
               <p:cNvPr id="47" name="文本框 46">
@@ -26037,8 +26031,8 @@
           </p:sp>
         </mc:Fallback>
       </mc:AlternateContent>
-      <mc:AlternateContent xmlns:mc="http://schemas.openxmlformats.org/markup-compatibility/2006">
-        <mc:Choice xmlns:a14="http://schemas.microsoft.com/office/drawing/2010/main" Requires="a14">
+      <mc:AlternateContent xmlns:mc="http://schemas.openxmlformats.org/markup-compatibility/2006" xmlns:a14="http://schemas.microsoft.com/office/drawing/2010/main">
+        <mc:Choice Requires="a14">
           <p:sp>
             <p:nvSpPr>
               <p:cNvPr id="48" name="文本框 47">
@@ -26067,6 +26061,7 @@
               </a:bodyPr>
               <a:lstStyle/>
               <a:p>
+                <a:pPr/>
                 <a14:m>
                   <m:oMathPara xmlns:m="http://schemas.openxmlformats.org/officeDocument/2006/math">
                     <m:oMathParaPr>
@@ -26087,7 +26082,7 @@
             </p:txBody>
           </p:sp>
         </mc:Choice>
-        <mc:Fallback>
+        <mc:Fallback xmlns="">
           <p:sp>
             <p:nvSpPr>
               <p:cNvPr id="48" name="文本框 47">
@@ -26132,8 +26127,8 @@
           </p:sp>
         </mc:Fallback>
       </mc:AlternateContent>
-      <mc:AlternateContent xmlns:mc="http://schemas.openxmlformats.org/markup-compatibility/2006">
-        <mc:Choice xmlns:a14="http://schemas.microsoft.com/office/drawing/2010/main" Requires="a14">
+      <mc:AlternateContent xmlns:mc="http://schemas.openxmlformats.org/markup-compatibility/2006" xmlns:a14="http://schemas.microsoft.com/office/drawing/2010/main">
+        <mc:Choice Requires="a14">
           <p:sp>
             <p:nvSpPr>
               <p:cNvPr id="49" name="文本框 48">
@@ -26162,6 +26157,7 @@
               </a:bodyPr>
               <a:lstStyle/>
               <a:p>
+                <a:pPr/>
                 <a14:m>
                   <m:oMathPara xmlns:m="http://schemas.openxmlformats.org/officeDocument/2006/math">
                     <m:oMathParaPr>
@@ -26182,7 +26178,7 @@
             </p:txBody>
           </p:sp>
         </mc:Choice>
-        <mc:Fallback>
+        <mc:Fallback xmlns="">
           <p:sp>
             <p:nvSpPr>
               <p:cNvPr id="49" name="文本框 48">
@@ -26442,8 +26438,8 @@
           </a:p>
         </p:txBody>
       </p:sp>
-      <mc:AlternateContent xmlns:mc="http://schemas.openxmlformats.org/markup-compatibility/2006">
-        <mc:Choice xmlns:a14="http://schemas.microsoft.com/office/drawing/2010/main" Requires="a14">
+      <mc:AlternateContent xmlns:mc="http://schemas.openxmlformats.org/markup-compatibility/2006" xmlns:a14="http://schemas.microsoft.com/office/drawing/2010/main">
+        <mc:Choice Requires="a14">
           <p:sp>
             <p:nvSpPr>
               <p:cNvPr id="54" name="文本框 53">
@@ -26472,6 +26468,7 @@
               </a:bodyPr>
               <a:lstStyle/>
               <a:p>
+                <a:pPr/>
                 <a14:m>
                   <m:oMathPara xmlns:m="http://schemas.openxmlformats.org/officeDocument/2006/math">
                     <m:oMathParaPr>
@@ -26511,7 +26508,7 @@
             </p:txBody>
           </p:sp>
         </mc:Choice>
-        <mc:Fallback>
+        <mc:Fallback xmlns="">
           <p:sp>
             <p:nvSpPr>
               <p:cNvPr id="54" name="文本框 53">
@@ -26556,8 +26553,8 @@
           </p:sp>
         </mc:Fallback>
       </mc:AlternateContent>
-      <mc:AlternateContent xmlns:mc="http://schemas.openxmlformats.org/markup-compatibility/2006">
-        <mc:Choice xmlns:a14="http://schemas.microsoft.com/office/drawing/2010/main" Requires="a14">
+      <mc:AlternateContent xmlns:mc="http://schemas.openxmlformats.org/markup-compatibility/2006" xmlns:a14="http://schemas.microsoft.com/office/drawing/2010/main">
+        <mc:Choice Requires="a14">
           <p:sp>
             <p:nvSpPr>
               <p:cNvPr id="55" name="文本框 54">
@@ -26626,7 +26623,7 @@
             </p:txBody>
           </p:sp>
         </mc:Choice>
-        <mc:Fallback>
+        <mc:Fallback xmlns="">
           <p:sp>
             <p:nvSpPr>
               <p:cNvPr id="55" name="文本框 54">
@@ -26671,8 +26668,8 @@
           </p:sp>
         </mc:Fallback>
       </mc:AlternateContent>
-      <mc:AlternateContent xmlns:mc="http://schemas.openxmlformats.org/markup-compatibility/2006">
-        <mc:Choice xmlns:a14="http://schemas.microsoft.com/office/drawing/2010/main" Requires="a14">
+      <mc:AlternateContent xmlns:mc="http://schemas.openxmlformats.org/markup-compatibility/2006" xmlns:a14="http://schemas.microsoft.com/office/drawing/2010/main">
+        <mc:Choice Requires="a14">
           <p:sp>
             <p:nvSpPr>
               <p:cNvPr id="56" name="文本框 55">
@@ -26701,6 +26698,7 @@
               </a:bodyPr>
               <a:lstStyle/>
               <a:p>
+                <a:pPr/>
                 <a14:m>
                   <m:oMathPara xmlns:m="http://schemas.openxmlformats.org/officeDocument/2006/math">
                     <m:oMathParaPr>
@@ -26814,7 +26812,7 @@
             </p:txBody>
           </p:sp>
         </mc:Choice>
-        <mc:Fallback>
+        <mc:Fallback xmlns="">
           <p:sp>
             <p:nvSpPr>
               <p:cNvPr id="56" name="文本框 55">
@@ -26859,8 +26857,8 @@
           </p:sp>
         </mc:Fallback>
       </mc:AlternateContent>
-      <mc:AlternateContent xmlns:mc="http://schemas.openxmlformats.org/markup-compatibility/2006">
-        <mc:Choice xmlns:a14="http://schemas.microsoft.com/office/drawing/2010/main" Requires="a14">
+      <mc:AlternateContent xmlns:mc="http://schemas.openxmlformats.org/markup-compatibility/2006" xmlns:a14="http://schemas.microsoft.com/office/drawing/2010/main">
+        <mc:Choice Requires="a14">
           <p:sp>
             <p:nvSpPr>
               <p:cNvPr id="57" name="文本框 56">
@@ -26889,6 +26887,7 @@
               </a:bodyPr>
               <a:lstStyle/>
               <a:p>
+                <a:pPr/>
                 <a14:m>
                   <m:oMathPara xmlns:m="http://schemas.openxmlformats.org/officeDocument/2006/math">
                     <m:oMathParaPr>
@@ -26909,7 +26908,7 @@
             </p:txBody>
           </p:sp>
         </mc:Choice>
-        <mc:Fallback>
+        <mc:Fallback xmlns="">
           <p:sp>
             <p:nvSpPr>
               <p:cNvPr id="57" name="文本框 56">
@@ -26954,8 +26953,8 @@
           </p:sp>
         </mc:Fallback>
       </mc:AlternateContent>
-      <mc:AlternateContent xmlns:mc="http://schemas.openxmlformats.org/markup-compatibility/2006">
-        <mc:Choice xmlns:a14="http://schemas.microsoft.com/office/drawing/2010/main" Requires="a14">
+      <mc:AlternateContent xmlns:mc="http://schemas.openxmlformats.org/markup-compatibility/2006" xmlns:a14="http://schemas.microsoft.com/office/drawing/2010/main">
+        <mc:Choice Requires="a14">
           <p:sp>
             <p:nvSpPr>
               <p:cNvPr id="58" name="文本框 57">
@@ -26984,6 +26983,7 @@
               </a:bodyPr>
               <a:lstStyle/>
               <a:p>
+                <a:pPr/>
                 <a14:m>
                   <m:oMathPara xmlns:m="http://schemas.openxmlformats.org/officeDocument/2006/math">
                     <m:oMathParaPr>
@@ -27004,7 +27004,7 @@
             </p:txBody>
           </p:sp>
         </mc:Choice>
-        <mc:Fallback>
+        <mc:Fallback xmlns="">
           <p:sp>
             <p:nvSpPr>
               <p:cNvPr id="58" name="文本框 57">
@@ -27170,8 +27170,8 @@
           </a:p>
         </p:txBody>
       </p:sp>
-      <mc:AlternateContent xmlns:mc="http://schemas.openxmlformats.org/markup-compatibility/2006">
-        <mc:Choice xmlns:a14="http://schemas.microsoft.com/office/drawing/2010/main" Requires="a14">
+      <mc:AlternateContent xmlns:mc="http://schemas.openxmlformats.org/markup-compatibility/2006" xmlns:a14="http://schemas.microsoft.com/office/drawing/2010/main">
+        <mc:Choice Requires="a14">
           <p:sp>
             <p:nvSpPr>
               <p:cNvPr id="64" name="文本框 63">
@@ -27203,6 +27203,7 @@
               </a:bodyPr>
               <a:lstStyle/>
               <a:p>
+                <a:pPr/>
                 <a14:m>
                   <m:oMathPara xmlns:m="http://schemas.openxmlformats.org/officeDocument/2006/math">
                     <m:oMathParaPr>
@@ -27235,7 +27236,7 @@
             </p:txBody>
           </p:sp>
         </mc:Choice>
-        <mc:Fallback>
+        <mc:Fallback xmlns="">
           <p:sp>
             <p:nvSpPr>
               <p:cNvPr id="64" name="文本框 63">
@@ -27283,8 +27284,8 @@
           </p:sp>
         </mc:Fallback>
       </mc:AlternateContent>
-      <mc:AlternateContent xmlns:mc="http://schemas.openxmlformats.org/markup-compatibility/2006">
-        <mc:Choice xmlns:a14="http://schemas.microsoft.com/office/drawing/2010/main" Requires="a14">
+      <mc:AlternateContent xmlns:mc="http://schemas.openxmlformats.org/markup-compatibility/2006" xmlns:a14="http://schemas.microsoft.com/office/drawing/2010/main">
+        <mc:Choice Requires="a14">
           <p:sp>
             <p:nvSpPr>
               <p:cNvPr id="66" name="文本框 65">
@@ -27313,6 +27314,7 @@
               </a:bodyPr>
               <a:lstStyle/>
               <a:p>
+                <a:pPr/>
                 <a14:m>
                   <m:oMathPara xmlns:m="http://schemas.openxmlformats.org/officeDocument/2006/math">
                     <m:oMathParaPr>
@@ -27333,7 +27335,7 @@
             </p:txBody>
           </p:sp>
         </mc:Choice>
-        <mc:Fallback>
+        <mc:Fallback xmlns="">
           <p:sp>
             <p:nvSpPr>
               <p:cNvPr id="66" name="文本框 65">
@@ -27378,8 +27380,8 @@
           </p:sp>
         </mc:Fallback>
       </mc:AlternateContent>
-      <mc:AlternateContent xmlns:mc="http://schemas.openxmlformats.org/markup-compatibility/2006">
-        <mc:Choice xmlns:a14="http://schemas.microsoft.com/office/drawing/2010/main" Requires="a14">
+      <mc:AlternateContent xmlns:mc="http://schemas.openxmlformats.org/markup-compatibility/2006" xmlns:a14="http://schemas.microsoft.com/office/drawing/2010/main">
+        <mc:Choice Requires="a14">
           <p:sp>
             <p:nvSpPr>
               <p:cNvPr id="67" name="文本框 66">
@@ -27408,6 +27410,7 @@
               </a:bodyPr>
               <a:lstStyle/>
               <a:p>
+                <a:pPr/>
                 <a14:m>
                   <m:oMathPara xmlns:m="http://schemas.openxmlformats.org/officeDocument/2006/math">
                     <m:oMathParaPr>
@@ -27428,7 +27431,7 @@
             </p:txBody>
           </p:sp>
         </mc:Choice>
-        <mc:Fallback>
+        <mc:Fallback xmlns="">
           <p:sp>
             <p:nvSpPr>
               <p:cNvPr id="67" name="文本框 66">
@@ -27473,8 +27476,8 @@
           </p:sp>
         </mc:Fallback>
       </mc:AlternateContent>
-      <mc:AlternateContent xmlns:mc="http://schemas.openxmlformats.org/markup-compatibility/2006">
-        <mc:Choice xmlns:a14="http://schemas.microsoft.com/office/drawing/2010/main" Requires="a14">
+      <mc:AlternateContent xmlns:mc="http://schemas.openxmlformats.org/markup-compatibility/2006" xmlns:a14="http://schemas.microsoft.com/office/drawing/2010/main">
+        <mc:Choice Requires="a14">
           <p:sp>
             <p:nvSpPr>
               <p:cNvPr id="102" name="文本框 101">
@@ -27503,6 +27506,7 @@
               </a:bodyPr>
               <a:lstStyle/>
               <a:p>
+                <a:pPr/>
                 <a14:m>
                   <m:oMathPara xmlns:m="http://schemas.openxmlformats.org/officeDocument/2006/math">
                     <m:oMathParaPr>
@@ -27523,7 +27527,7 @@
             </p:txBody>
           </p:sp>
         </mc:Choice>
-        <mc:Fallback>
+        <mc:Fallback xmlns="">
           <p:sp>
             <p:nvSpPr>
               <p:cNvPr id="102" name="文本框 101">
@@ -27702,8 +27706,8 @@
           </a:p>
         </p:txBody>
       </p:sp>
-      <mc:AlternateContent xmlns:mc="http://schemas.openxmlformats.org/markup-compatibility/2006">
-        <mc:Choice xmlns:a14="http://schemas.microsoft.com/office/drawing/2010/main" Requires="a14">
+      <mc:AlternateContent xmlns:mc="http://schemas.openxmlformats.org/markup-compatibility/2006" xmlns:a14="http://schemas.microsoft.com/office/drawing/2010/main">
+        <mc:Choice Requires="a14">
           <p:sp>
             <p:nvSpPr>
               <p:cNvPr id="119" name="文本框 118">
@@ -27732,6 +27736,7 @@
               </a:bodyPr>
               <a:lstStyle/>
               <a:p>
+                <a:pPr/>
                 <a14:m>
                   <m:oMathPara xmlns:m="http://schemas.openxmlformats.org/officeDocument/2006/math">
                     <m:oMathParaPr>
@@ -27752,7 +27757,7 @@
             </p:txBody>
           </p:sp>
         </mc:Choice>
-        <mc:Fallback>
+        <mc:Fallback xmlns="">
           <p:sp>
             <p:nvSpPr>
               <p:cNvPr id="119" name="文本框 118">
@@ -27849,8 +27854,8 @@
           </a:p>
         </p:txBody>
       </p:sp>
-      <mc:AlternateContent xmlns:mc="http://schemas.openxmlformats.org/markup-compatibility/2006">
-        <mc:Choice xmlns:a14="http://schemas.microsoft.com/office/drawing/2010/main" Requires="a14">
+      <mc:AlternateContent xmlns:mc="http://schemas.openxmlformats.org/markup-compatibility/2006" xmlns:a14="http://schemas.microsoft.com/office/drawing/2010/main">
+        <mc:Choice Requires="a14">
           <p:sp>
             <p:nvSpPr>
               <p:cNvPr id="121" name="文本框 120">
@@ -27879,6 +27884,7 @@
               </a:bodyPr>
               <a:lstStyle/>
               <a:p>
+                <a:pPr/>
                 <a14:m>
                   <m:oMathPara xmlns:m="http://schemas.openxmlformats.org/officeDocument/2006/math">
                     <m:oMathParaPr>
@@ -27899,7 +27905,7 @@
             </p:txBody>
           </p:sp>
         </mc:Choice>
-        <mc:Fallback>
+        <mc:Fallback xmlns="">
           <p:sp>
             <p:nvSpPr>
               <p:cNvPr id="121" name="文本框 120">
@@ -28047,8 +28053,8 @@
           </a:p>
         </p:txBody>
       </p:sp>
-      <mc:AlternateContent xmlns:mc="http://schemas.openxmlformats.org/markup-compatibility/2006">
-        <mc:Choice xmlns:a14="http://schemas.microsoft.com/office/drawing/2010/main" Requires="a14">
+      <mc:AlternateContent xmlns:mc="http://schemas.openxmlformats.org/markup-compatibility/2006" xmlns:a14="http://schemas.microsoft.com/office/drawing/2010/main">
+        <mc:Choice Requires="a14">
           <p:sp>
             <p:nvSpPr>
               <p:cNvPr id="28" name="文本框 27">
@@ -28077,6 +28083,7 @@
               </a:bodyPr>
               <a:lstStyle/>
               <a:p>
+                <a:pPr/>
                 <a14:m>
                   <m:oMathPara xmlns:m="http://schemas.openxmlformats.org/officeDocument/2006/math">
                     <m:oMathParaPr>
@@ -28116,7 +28123,7 @@
             </p:txBody>
           </p:sp>
         </mc:Choice>
-        <mc:Fallback>
+        <mc:Fallback xmlns="">
           <p:sp>
             <p:nvSpPr>
               <p:cNvPr id="28" name="文本框 27">
@@ -28372,8 +28379,8 @@
           </a:p>
         </p:txBody>
       </p:sp>
-      <mc:AlternateContent xmlns:mc="http://schemas.openxmlformats.org/markup-compatibility/2006">
-        <mc:Choice xmlns:a14="http://schemas.microsoft.com/office/drawing/2010/main" Requires="a14">
+      <mc:AlternateContent xmlns:mc="http://schemas.openxmlformats.org/markup-compatibility/2006" xmlns:a14="http://schemas.microsoft.com/office/drawing/2010/main">
+        <mc:Choice Requires="a14">
           <p:sp>
             <p:nvSpPr>
               <p:cNvPr id="35" name="文本框 34">
@@ -28402,6 +28409,7 @@
               </a:bodyPr>
               <a:lstStyle/>
               <a:p>
+                <a:pPr/>
                 <a14:m>
                   <m:oMathPara xmlns:m="http://schemas.openxmlformats.org/officeDocument/2006/math">
                     <m:oMathParaPr>
@@ -28422,7 +28430,7 @@
             </p:txBody>
           </p:sp>
         </mc:Choice>
-        <mc:Fallback>
+        <mc:Fallback xmlns="">
           <p:sp>
             <p:nvSpPr>
               <p:cNvPr id="35" name="文本框 34">
@@ -28555,8 +28563,8 @@
           </a:p>
         </p:txBody>
       </p:sp>
-      <mc:AlternateContent xmlns:mc="http://schemas.openxmlformats.org/markup-compatibility/2006">
-        <mc:Choice xmlns:a14="http://schemas.microsoft.com/office/drawing/2010/main" Requires="a14">
+      <mc:AlternateContent xmlns:mc="http://schemas.openxmlformats.org/markup-compatibility/2006" xmlns:a14="http://schemas.microsoft.com/office/drawing/2010/main">
+        <mc:Choice Requires="a14">
           <p:sp>
             <p:nvSpPr>
               <p:cNvPr id="38" name="文本框 37">
@@ -28585,6 +28593,7 @@
               </a:bodyPr>
               <a:lstStyle/>
               <a:p>
+                <a:pPr/>
                 <a14:m>
                   <m:oMathPara xmlns:m="http://schemas.openxmlformats.org/officeDocument/2006/math">
                     <m:oMathParaPr>
@@ -28605,7 +28614,7 @@
             </p:txBody>
           </p:sp>
         </mc:Choice>
-        <mc:Fallback>
+        <mc:Fallback xmlns="">
           <p:sp>
             <p:nvSpPr>
               <p:cNvPr id="38" name="文本框 37">
@@ -28702,8 +28711,8 @@
           </a:p>
         </p:txBody>
       </p:sp>
-      <mc:AlternateContent xmlns:mc="http://schemas.openxmlformats.org/markup-compatibility/2006">
-        <mc:Choice xmlns:a14="http://schemas.microsoft.com/office/drawing/2010/main" Requires="a14">
+      <mc:AlternateContent xmlns:mc="http://schemas.openxmlformats.org/markup-compatibility/2006" xmlns:a14="http://schemas.microsoft.com/office/drawing/2010/main">
+        <mc:Choice Requires="a14">
           <p:sp>
             <p:nvSpPr>
               <p:cNvPr id="42" name="文本框 41">
@@ -28732,6 +28741,7 @@
               </a:bodyPr>
               <a:lstStyle/>
               <a:p>
+                <a:pPr/>
                 <a14:m>
                   <m:oMathPara xmlns:m="http://schemas.openxmlformats.org/officeDocument/2006/math">
                     <m:oMathParaPr>
@@ -28752,7 +28762,7 @@
             </p:txBody>
           </p:sp>
         </mc:Choice>
-        <mc:Fallback>
+        <mc:Fallback xmlns="">
           <p:sp>
             <p:nvSpPr>
               <p:cNvPr id="42" name="文本框 41">
@@ -28849,8 +28859,8 @@
           </a:p>
         </p:txBody>
       </p:sp>
-      <mc:AlternateContent xmlns:mc="http://schemas.openxmlformats.org/markup-compatibility/2006">
-        <mc:Choice xmlns:a14="http://schemas.microsoft.com/office/drawing/2010/main" Requires="a14">
+      <mc:AlternateContent xmlns:mc="http://schemas.openxmlformats.org/markup-compatibility/2006" xmlns:a14="http://schemas.microsoft.com/office/drawing/2010/main">
+        <mc:Choice Requires="a14">
           <p:sp>
             <p:nvSpPr>
               <p:cNvPr id="45" name="文本框 44">
@@ -28879,6 +28889,7 @@
               </a:bodyPr>
               <a:lstStyle/>
               <a:p>
+                <a:pPr/>
                 <a14:m>
                   <m:oMathPara xmlns:m="http://schemas.openxmlformats.org/officeDocument/2006/math">
                     <m:oMathParaPr>
@@ -28899,7 +28910,7 @@
             </p:txBody>
           </p:sp>
         </mc:Choice>
-        <mc:Fallback>
+        <mc:Fallback xmlns="">
           <p:sp>
             <p:nvSpPr>
               <p:cNvPr id="45" name="文本框 44">
@@ -28996,8 +29007,8 @@
           </a:p>
         </p:txBody>
       </p:sp>
-      <mc:AlternateContent xmlns:mc="http://schemas.openxmlformats.org/markup-compatibility/2006">
-        <mc:Choice xmlns:a14="http://schemas.microsoft.com/office/drawing/2010/main" Requires="a14">
+      <mc:AlternateContent xmlns:mc="http://schemas.openxmlformats.org/markup-compatibility/2006" xmlns:a14="http://schemas.microsoft.com/office/drawing/2010/main">
+        <mc:Choice Requires="a14">
           <p:sp>
             <p:nvSpPr>
               <p:cNvPr id="65" name="文本框 64">
@@ -29026,6 +29037,7 @@
               </a:bodyPr>
               <a:lstStyle/>
               <a:p>
+                <a:pPr/>
                 <a14:m>
                   <m:oMathPara xmlns:m="http://schemas.openxmlformats.org/officeDocument/2006/math">
                     <m:oMathParaPr>
@@ -29046,7 +29058,7 @@
             </p:txBody>
           </p:sp>
         </mc:Choice>
-        <mc:Fallback>
+        <mc:Fallback xmlns="">
           <p:sp>
             <p:nvSpPr>
               <p:cNvPr id="65" name="文本框 64">
@@ -29091,8 +29103,8 @@
           </p:sp>
         </mc:Fallback>
       </mc:AlternateContent>
-      <mc:AlternateContent xmlns:mc="http://schemas.openxmlformats.org/markup-compatibility/2006">
-        <mc:Choice xmlns:a14="http://schemas.microsoft.com/office/drawing/2010/main" Requires="a14">
+      <mc:AlternateContent xmlns:mc="http://schemas.openxmlformats.org/markup-compatibility/2006" xmlns:a14="http://schemas.microsoft.com/office/drawing/2010/main">
+        <mc:Choice Requires="a14">
           <p:sp>
             <p:nvSpPr>
               <p:cNvPr id="68" name="文本框 67">
@@ -29121,6 +29133,7 @@
               </a:bodyPr>
               <a:lstStyle/>
               <a:p>
+                <a:pPr/>
                 <a14:m>
                   <m:oMathPara xmlns:m="http://schemas.openxmlformats.org/officeDocument/2006/math">
                     <m:oMathParaPr>
@@ -29160,7 +29173,7 @@
             </p:txBody>
           </p:sp>
         </mc:Choice>
-        <mc:Fallback>
+        <mc:Fallback xmlns="">
           <p:sp>
             <p:nvSpPr>
               <p:cNvPr id="68" name="文本框 67">
@@ -29344,8 +29357,8 @@
           </a:p>
         </p:txBody>
       </p:sp>
-      <mc:AlternateContent xmlns:mc="http://schemas.openxmlformats.org/markup-compatibility/2006">
-        <mc:Choice xmlns:a14="http://schemas.microsoft.com/office/drawing/2010/main" Requires="a14">
+      <mc:AlternateContent xmlns:mc="http://schemas.openxmlformats.org/markup-compatibility/2006" xmlns:a14="http://schemas.microsoft.com/office/drawing/2010/main">
+        <mc:Choice Requires="a14">
           <p:sp>
             <p:nvSpPr>
               <p:cNvPr id="8" name="文本框 7">
@@ -29374,6 +29387,7 @@
               </a:bodyPr>
               <a:lstStyle/>
               <a:p>
+                <a:pPr/>
                 <a14:m>
                   <m:oMathPara xmlns:m="http://schemas.openxmlformats.org/officeDocument/2006/math">
                     <m:oMathParaPr>
@@ -29413,7 +29427,7 @@
             </p:txBody>
           </p:sp>
         </mc:Choice>
-        <mc:Fallback>
+        <mc:Fallback xmlns="">
           <p:sp>
             <p:nvSpPr>
               <p:cNvPr id="8" name="文本框 7">
@@ -29561,8 +29575,8 @@
           </a:p>
         </p:txBody>
       </p:sp>
-      <mc:AlternateContent xmlns:mc="http://schemas.openxmlformats.org/markup-compatibility/2006">
-        <mc:Choice xmlns:a14="http://schemas.microsoft.com/office/drawing/2010/main" Requires="a14">
+      <mc:AlternateContent xmlns:mc="http://schemas.openxmlformats.org/markup-compatibility/2006" xmlns:a14="http://schemas.microsoft.com/office/drawing/2010/main">
+        <mc:Choice Requires="a14">
           <p:sp>
             <p:nvSpPr>
               <p:cNvPr id="11" name="文本框 10">
@@ -29591,6 +29605,7 @@
               </a:bodyPr>
               <a:lstStyle/>
               <a:p>
+                <a:pPr/>
                 <a14:m>
                   <m:oMathPara xmlns:m="http://schemas.openxmlformats.org/officeDocument/2006/math">
                     <m:oMathParaPr>
@@ -29638,7 +29653,7 @@
             </p:txBody>
           </p:sp>
         </mc:Choice>
-        <mc:Fallback>
+        <mc:Fallback xmlns="">
           <p:sp>
             <p:nvSpPr>
               <p:cNvPr id="11" name="文本框 10">
@@ -30006,8 +30021,8 @@
           </a:p>
         </p:txBody>
       </p:sp>
-      <mc:AlternateContent xmlns:mc="http://schemas.openxmlformats.org/markup-compatibility/2006">
-        <mc:Choice xmlns:a14="http://schemas.microsoft.com/office/drawing/2010/main" Requires="a14">
+      <mc:AlternateContent xmlns:mc="http://schemas.openxmlformats.org/markup-compatibility/2006" xmlns:a14="http://schemas.microsoft.com/office/drawing/2010/main">
+        <mc:Choice Requires="a14">
           <p:sp>
             <p:nvSpPr>
               <p:cNvPr id="13" name="文本框 12">
@@ -30036,6 +30051,7 @@
               </a:bodyPr>
               <a:lstStyle/>
               <a:p>
+                <a:pPr/>
                 <a14:m>
                   <m:oMathPara xmlns:m="http://schemas.openxmlformats.org/officeDocument/2006/math">
                     <m:oMathParaPr>
@@ -30045,7 +30061,7 @@
                       <m:sSub>
                         <m:sSubPr>
                           <m:ctrlPr>
-                            <a:rPr lang="en-US" altLang="zh-CN" sz="1600" b="0" smtClean="0">
+                            <a:rPr lang="en-US" altLang="zh-CN" sz="1600" b="0" i="1" smtClean="0">
                               <a:latin typeface="Cambria Math" panose="02040503050406030204" pitchFamily="18" charset="0"/>
                             </a:rPr>
                           </m:ctrlPr>
@@ -30078,7 +30094,7 @@
             </p:txBody>
           </p:sp>
         </mc:Choice>
-        <mc:Fallback>
+        <mc:Fallback xmlns="">
           <p:sp>
             <p:nvSpPr>
               <p:cNvPr id="13" name="文本框 12">
@@ -30123,8 +30139,8 @@
           </p:sp>
         </mc:Fallback>
       </mc:AlternateContent>
-      <mc:AlternateContent xmlns:mc="http://schemas.openxmlformats.org/markup-compatibility/2006">
-        <mc:Choice xmlns:a14="http://schemas.microsoft.com/office/drawing/2010/main" Requires="a14">
+      <mc:AlternateContent xmlns:mc="http://schemas.openxmlformats.org/markup-compatibility/2006" xmlns:a14="http://schemas.microsoft.com/office/drawing/2010/main">
+        <mc:Choice Requires="a14">
           <p:sp>
             <p:nvSpPr>
               <p:cNvPr id="40" name="文本框 39">
@@ -30153,6 +30169,7 @@
               </a:bodyPr>
               <a:lstStyle/>
               <a:p>
+                <a:pPr/>
                 <a14:m>
                   <m:oMathPara xmlns:m="http://schemas.openxmlformats.org/officeDocument/2006/math">
                     <m:oMathParaPr>
@@ -30162,7 +30179,7 @@
                       <m:sSub>
                         <m:sSubPr>
                           <m:ctrlPr>
-                            <a:rPr lang="en-US" altLang="zh-CN" sz="1600" b="0" smtClean="0">
+                            <a:rPr lang="en-US" altLang="zh-CN" sz="1600" b="0" i="1" smtClean="0">
                               <a:latin typeface="Cambria Math" panose="02040503050406030204" pitchFamily="18" charset="0"/>
                             </a:rPr>
                           </m:ctrlPr>
@@ -30198,7 +30215,7 @@
             </p:txBody>
           </p:sp>
         </mc:Choice>
-        <mc:Fallback>
+        <mc:Fallback xmlns="">
           <p:sp>
             <p:nvSpPr>
               <p:cNvPr id="40" name="文本框 39">
@@ -30243,8 +30260,8 @@
           </p:sp>
         </mc:Fallback>
       </mc:AlternateContent>
-      <mc:AlternateContent xmlns:mc="http://schemas.openxmlformats.org/markup-compatibility/2006">
-        <mc:Choice xmlns:a14="http://schemas.microsoft.com/office/drawing/2010/main" Requires="a14">
+      <mc:AlternateContent xmlns:mc="http://schemas.openxmlformats.org/markup-compatibility/2006" xmlns:a14="http://schemas.microsoft.com/office/drawing/2010/main">
+        <mc:Choice Requires="a14">
           <p:sp>
             <p:nvSpPr>
               <p:cNvPr id="41" name="文本框 40">
@@ -30273,6 +30290,7 @@
               </a:bodyPr>
               <a:lstStyle/>
               <a:p>
+                <a:pPr/>
                 <a14:m>
                   <m:oMathPara xmlns:m="http://schemas.openxmlformats.org/officeDocument/2006/math">
                     <m:oMathParaPr>
@@ -30312,7 +30330,7 @@
             </p:txBody>
           </p:sp>
         </mc:Choice>
-        <mc:Fallback>
+        <mc:Fallback xmlns="">
           <p:sp>
             <p:nvSpPr>
               <p:cNvPr id="41" name="文本框 40">
@@ -30357,8 +30375,8 @@
           </p:sp>
         </mc:Fallback>
       </mc:AlternateContent>
-      <mc:AlternateContent xmlns:mc="http://schemas.openxmlformats.org/markup-compatibility/2006">
-        <mc:Choice xmlns:a14="http://schemas.microsoft.com/office/drawing/2010/main" Requires="a14">
+      <mc:AlternateContent xmlns:mc="http://schemas.openxmlformats.org/markup-compatibility/2006" xmlns:a14="http://schemas.microsoft.com/office/drawing/2010/main">
+        <mc:Choice Requires="a14">
           <p:sp>
             <p:nvSpPr>
               <p:cNvPr id="43" name="文本框 42">
@@ -30387,6 +30405,7 @@
               </a:bodyPr>
               <a:lstStyle/>
               <a:p>
+                <a:pPr/>
                 <a14:m>
                   <m:oMathPara xmlns:m="http://schemas.openxmlformats.org/officeDocument/2006/math">
                     <m:oMathParaPr>
@@ -30434,7 +30453,7 @@
             </p:txBody>
           </p:sp>
         </mc:Choice>
-        <mc:Fallback>
+        <mc:Fallback xmlns="">
           <p:sp>
             <p:nvSpPr>
               <p:cNvPr id="43" name="文本框 42">
@@ -30479,8 +30498,8 @@
           </p:sp>
         </mc:Fallback>
       </mc:AlternateContent>
-      <mc:AlternateContent xmlns:mc="http://schemas.openxmlformats.org/markup-compatibility/2006">
-        <mc:Choice xmlns:a14="http://schemas.microsoft.com/office/drawing/2010/main" Requires="a14">
+      <mc:AlternateContent xmlns:mc="http://schemas.openxmlformats.org/markup-compatibility/2006" xmlns:a14="http://schemas.microsoft.com/office/drawing/2010/main">
+        <mc:Choice Requires="a14">
           <p:sp>
             <p:nvSpPr>
               <p:cNvPr id="47" name="文本框 46">
@@ -30509,6 +30528,7 @@
               </a:bodyPr>
               <a:lstStyle/>
               <a:p>
+                <a:pPr/>
                 <a14:m>
                   <m:oMathPara xmlns:m="http://schemas.openxmlformats.org/officeDocument/2006/math">
                     <m:oMathParaPr>
@@ -30618,7 +30638,7 @@
             </p:txBody>
           </p:sp>
         </mc:Choice>
-        <mc:Fallback>
+        <mc:Fallback xmlns="">
           <p:sp>
             <p:nvSpPr>
               <p:cNvPr id="47" name="文本框 46">
@@ -30663,8 +30683,8 @@
           </p:sp>
         </mc:Fallback>
       </mc:AlternateContent>
-      <mc:AlternateContent xmlns:mc="http://schemas.openxmlformats.org/markup-compatibility/2006">
-        <mc:Choice xmlns:a14="http://schemas.microsoft.com/office/drawing/2010/main" Requires="a14">
+      <mc:AlternateContent xmlns:mc="http://schemas.openxmlformats.org/markup-compatibility/2006" xmlns:a14="http://schemas.microsoft.com/office/drawing/2010/main">
+        <mc:Choice Requires="a14">
           <p:sp>
             <p:nvSpPr>
               <p:cNvPr id="48" name="文本框 47">
@@ -30693,6 +30713,7 @@
               </a:bodyPr>
               <a:lstStyle/>
               <a:p>
+                <a:pPr/>
                 <a14:m>
                   <m:oMathPara xmlns:m="http://schemas.openxmlformats.org/officeDocument/2006/math">
                     <m:oMathParaPr>
@@ -30713,7 +30734,7 @@
             </p:txBody>
           </p:sp>
         </mc:Choice>
-        <mc:Fallback>
+        <mc:Fallback xmlns="">
           <p:sp>
             <p:nvSpPr>
               <p:cNvPr id="48" name="文本框 47">
@@ -30758,8 +30779,8 @@
           </p:sp>
         </mc:Fallback>
       </mc:AlternateContent>
-      <mc:AlternateContent xmlns:mc="http://schemas.openxmlformats.org/markup-compatibility/2006">
-        <mc:Choice xmlns:a14="http://schemas.microsoft.com/office/drawing/2010/main" Requires="a14">
+      <mc:AlternateContent xmlns:mc="http://schemas.openxmlformats.org/markup-compatibility/2006" xmlns:a14="http://schemas.microsoft.com/office/drawing/2010/main">
+        <mc:Choice Requires="a14">
           <p:sp>
             <p:nvSpPr>
               <p:cNvPr id="49" name="文本框 48">
@@ -30788,6 +30809,7 @@
               </a:bodyPr>
               <a:lstStyle/>
               <a:p>
+                <a:pPr/>
                 <a14:m>
                   <m:oMathPara xmlns:m="http://schemas.openxmlformats.org/officeDocument/2006/math">
                     <m:oMathParaPr>
@@ -30808,7 +30830,7 @@
             </p:txBody>
           </p:sp>
         </mc:Choice>
-        <mc:Fallback>
+        <mc:Fallback xmlns="">
           <p:sp>
             <p:nvSpPr>
               <p:cNvPr id="49" name="文本框 48">
@@ -31068,8 +31090,8 @@
           </a:p>
         </p:txBody>
       </p:sp>
-      <mc:AlternateContent xmlns:mc="http://schemas.openxmlformats.org/markup-compatibility/2006">
-        <mc:Choice xmlns:a14="http://schemas.microsoft.com/office/drawing/2010/main" Requires="a14">
+      <mc:AlternateContent xmlns:mc="http://schemas.openxmlformats.org/markup-compatibility/2006" xmlns:a14="http://schemas.microsoft.com/office/drawing/2010/main">
+        <mc:Choice Requires="a14">
           <p:sp>
             <p:nvSpPr>
               <p:cNvPr id="54" name="文本框 53">
@@ -31098,6 +31120,7 @@
               </a:bodyPr>
               <a:lstStyle/>
               <a:p>
+                <a:pPr/>
                 <a14:m>
                   <m:oMathPara xmlns:m="http://schemas.openxmlformats.org/officeDocument/2006/math">
                     <m:oMathParaPr>
@@ -31137,7 +31160,7 @@
             </p:txBody>
           </p:sp>
         </mc:Choice>
-        <mc:Fallback>
+        <mc:Fallback xmlns="">
           <p:sp>
             <p:nvSpPr>
               <p:cNvPr id="54" name="文本框 53">
@@ -31182,8 +31205,8 @@
           </p:sp>
         </mc:Fallback>
       </mc:AlternateContent>
-      <mc:AlternateContent xmlns:mc="http://schemas.openxmlformats.org/markup-compatibility/2006">
-        <mc:Choice xmlns:a14="http://schemas.microsoft.com/office/drawing/2010/main" Requires="a14">
+      <mc:AlternateContent xmlns:mc="http://schemas.openxmlformats.org/markup-compatibility/2006" xmlns:a14="http://schemas.microsoft.com/office/drawing/2010/main">
+        <mc:Choice Requires="a14">
           <p:sp>
             <p:nvSpPr>
               <p:cNvPr id="55" name="文本框 54">
@@ -31212,6 +31235,7 @@
               </a:bodyPr>
               <a:lstStyle/>
               <a:p>
+                <a:pPr/>
                 <a14:m>
                   <m:oMathPara xmlns:m="http://schemas.openxmlformats.org/officeDocument/2006/math">
                     <m:oMathParaPr>
@@ -31259,7 +31283,7 @@
             </p:txBody>
           </p:sp>
         </mc:Choice>
-        <mc:Fallback>
+        <mc:Fallback xmlns="">
           <p:sp>
             <p:nvSpPr>
               <p:cNvPr id="55" name="文本框 54">
@@ -31304,8 +31328,8 @@
           </p:sp>
         </mc:Fallback>
       </mc:AlternateContent>
-      <mc:AlternateContent xmlns:mc="http://schemas.openxmlformats.org/markup-compatibility/2006">
-        <mc:Choice xmlns:a14="http://schemas.microsoft.com/office/drawing/2010/main" Requires="a14">
+      <mc:AlternateContent xmlns:mc="http://schemas.openxmlformats.org/markup-compatibility/2006" xmlns:a14="http://schemas.microsoft.com/office/drawing/2010/main">
+        <mc:Choice Requires="a14">
           <p:sp>
             <p:nvSpPr>
               <p:cNvPr id="56" name="文本框 55">
@@ -31334,6 +31358,7 @@
               </a:bodyPr>
               <a:lstStyle/>
               <a:p>
+                <a:pPr/>
                 <a14:m>
                   <m:oMathPara xmlns:m="http://schemas.openxmlformats.org/officeDocument/2006/math">
                     <m:oMathParaPr>
@@ -31455,7 +31480,7 @@
             </p:txBody>
           </p:sp>
         </mc:Choice>
-        <mc:Fallback>
+        <mc:Fallback xmlns="">
           <p:sp>
             <p:nvSpPr>
               <p:cNvPr id="56" name="文本框 55">
@@ -31500,8 +31525,8 @@
           </p:sp>
         </mc:Fallback>
       </mc:AlternateContent>
-      <mc:AlternateContent xmlns:mc="http://schemas.openxmlformats.org/markup-compatibility/2006">
-        <mc:Choice xmlns:a14="http://schemas.microsoft.com/office/drawing/2010/main" Requires="a14">
+      <mc:AlternateContent xmlns:mc="http://schemas.openxmlformats.org/markup-compatibility/2006" xmlns:a14="http://schemas.microsoft.com/office/drawing/2010/main">
+        <mc:Choice Requires="a14">
           <p:sp>
             <p:nvSpPr>
               <p:cNvPr id="57" name="文本框 56">
@@ -31530,6 +31555,7 @@
               </a:bodyPr>
               <a:lstStyle/>
               <a:p>
+                <a:pPr/>
                 <a14:m>
                   <m:oMathPara xmlns:m="http://schemas.openxmlformats.org/officeDocument/2006/math">
                     <m:oMathParaPr>
@@ -31550,7 +31576,7 @@
             </p:txBody>
           </p:sp>
         </mc:Choice>
-        <mc:Fallback>
+        <mc:Fallback xmlns="">
           <p:sp>
             <p:nvSpPr>
               <p:cNvPr id="57" name="文本框 56">
@@ -31595,8 +31621,8 @@
           </p:sp>
         </mc:Fallback>
       </mc:AlternateContent>
-      <mc:AlternateContent xmlns:mc="http://schemas.openxmlformats.org/markup-compatibility/2006">
-        <mc:Choice xmlns:a14="http://schemas.microsoft.com/office/drawing/2010/main" Requires="a14">
+      <mc:AlternateContent xmlns:mc="http://schemas.openxmlformats.org/markup-compatibility/2006" xmlns:a14="http://schemas.microsoft.com/office/drawing/2010/main">
+        <mc:Choice Requires="a14">
           <p:sp>
             <p:nvSpPr>
               <p:cNvPr id="58" name="文本框 57">
@@ -31625,6 +31651,7 @@
               </a:bodyPr>
               <a:lstStyle/>
               <a:p>
+                <a:pPr/>
                 <a14:m>
                   <m:oMathPara xmlns:m="http://schemas.openxmlformats.org/officeDocument/2006/math">
                     <m:oMathParaPr>
@@ -31645,7 +31672,7 @@
             </p:txBody>
           </p:sp>
         </mc:Choice>
-        <mc:Fallback>
+        <mc:Fallback xmlns="">
           <p:sp>
             <p:nvSpPr>
               <p:cNvPr id="58" name="文本框 57">
@@ -31762,8 +31789,8 @@
           </a:p>
         </p:txBody>
       </p:sp>
-      <mc:AlternateContent xmlns:mc="http://schemas.openxmlformats.org/markup-compatibility/2006">
-        <mc:Choice xmlns:a14="http://schemas.microsoft.com/office/drawing/2010/main" Requires="a14">
+      <mc:AlternateContent xmlns:mc="http://schemas.openxmlformats.org/markup-compatibility/2006" xmlns:a14="http://schemas.microsoft.com/office/drawing/2010/main">
+        <mc:Choice Requires="a14">
           <p:sp>
             <p:nvSpPr>
               <p:cNvPr id="61" name="文本框 60">
@@ -31792,6 +31819,7 @@
               </a:bodyPr>
               <a:lstStyle/>
               <a:p>
+                <a:pPr/>
                 <a14:m>
                   <m:oMathPara xmlns:m="http://schemas.openxmlformats.org/officeDocument/2006/math">
                     <m:oMathParaPr>
@@ -31812,7 +31840,7 @@
             </p:txBody>
           </p:sp>
         </mc:Choice>
-        <mc:Fallback>
+        <mc:Fallback xmlns="">
           <p:sp>
             <p:nvSpPr>
               <p:cNvPr id="61" name="文本框 60">
@@ -31942,8 +31970,8 @@
           </a:p>
         </p:txBody>
       </p:sp>
-      <mc:AlternateContent xmlns:mc="http://schemas.openxmlformats.org/markup-compatibility/2006">
-        <mc:Choice xmlns:a14="http://schemas.microsoft.com/office/drawing/2010/main" Requires="a14">
+      <mc:AlternateContent xmlns:mc="http://schemas.openxmlformats.org/markup-compatibility/2006" xmlns:a14="http://schemas.microsoft.com/office/drawing/2010/main">
+        <mc:Choice Requires="a14">
           <p:sp>
             <p:nvSpPr>
               <p:cNvPr id="64" name="文本框 63">
@@ -31972,6 +32000,7 @@
               </a:bodyPr>
               <a:lstStyle/>
               <a:p>
+                <a:pPr/>
                 <a14:m>
                   <m:oMathPara xmlns:m="http://schemas.openxmlformats.org/officeDocument/2006/math">
                     <m:oMathParaPr>
@@ -32029,7 +32058,7 @@
             </p:txBody>
           </p:sp>
         </mc:Choice>
-        <mc:Fallback>
+        <mc:Fallback xmlns="">
           <p:sp>
             <p:nvSpPr>
               <p:cNvPr id="64" name="文本框 63">
@@ -32074,8 +32103,8 @@
           </p:sp>
         </mc:Fallback>
       </mc:AlternateContent>
-      <mc:AlternateContent xmlns:mc="http://schemas.openxmlformats.org/markup-compatibility/2006">
-        <mc:Choice xmlns:a14="http://schemas.microsoft.com/office/drawing/2010/main" Requires="a14">
+      <mc:AlternateContent xmlns:mc="http://schemas.openxmlformats.org/markup-compatibility/2006" xmlns:a14="http://schemas.microsoft.com/office/drawing/2010/main">
+        <mc:Choice Requires="a14">
           <p:sp>
             <p:nvSpPr>
               <p:cNvPr id="66" name="文本框 65">
@@ -32104,6 +32133,7 @@
               </a:bodyPr>
               <a:lstStyle/>
               <a:p>
+                <a:pPr/>
                 <a14:m>
                   <m:oMathPara xmlns:m="http://schemas.openxmlformats.org/officeDocument/2006/math">
                     <m:oMathParaPr>
@@ -32127,7 +32157,7 @@
             </p:txBody>
           </p:sp>
         </mc:Choice>
-        <mc:Fallback>
+        <mc:Fallback xmlns="">
           <p:sp>
             <p:nvSpPr>
               <p:cNvPr id="66" name="文本框 65">
@@ -32172,8 +32202,8 @@
           </p:sp>
         </mc:Fallback>
       </mc:AlternateContent>
-      <mc:AlternateContent xmlns:mc="http://schemas.openxmlformats.org/markup-compatibility/2006">
-        <mc:Choice xmlns:a14="http://schemas.microsoft.com/office/drawing/2010/main" Requires="a14">
+      <mc:AlternateContent xmlns:mc="http://schemas.openxmlformats.org/markup-compatibility/2006" xmlns:a14="http://schemas.microsoft.com/office/drawing/2010/main">
+        <mc:Choice Requires="a14">
           <p:sp>
             <p:nvSpPr>
               <p:cNvPr id="67" name="文本框 66">
@@ -32202,6 +32232,7 @@
               </a:bodyPr>
               <a:lstStyle/>
               <a:p>
+                <a:pPr/>
                 <a14:m>
                   <m:oMathPara xmlns:m="http://schemas.openxmlformats.org/officeDocument/2006/math">
                     <m:oMathParaPr>
@@ -32225,7 +32256,7 @@
             </p:txBody>
           </p:sp>
         </mc:Choice>
-        <mc:Fallback>
+        <mc:Fallback xmlns="">
           <p:sp>
             <p:nvSpPr>
               <p:cNvPr id="67" name="文本框 66">
@@ -32270,8 +32301,8 @@
           </p:sp>
         </mc:Fallback>
       </mc:AlternateContent>
-      <mc:AlternateContent xmlns:mc="http://schemas.openxmlformats.org/markup-compatibility/2006">
-        <mc:Choice xmlns:a14="http://schemas.microsoft.com/office/drawing/2010/main" Requires="a14">
+      <mc:AlternateContent xmlns:mc="http://schemas.openxmlformats.org/markup-compatibility/2006" xmlns:a14="http://schemas.microsoft.com/office/drawing/2010/main">
+        <mc:Choice Requires="a14">
           <p:sp>
             <p:nvSpPr>
               <p:cNvPr id="102" name="文本框 101">
@@ -32300,6 +32331,7 @@
               </a:bodyPr>
               <a:lstStyle/>
               <a:p>
+                <a:pPr/>
                 <a14:m>
                   <m:oMathPara xmlns:m="http://schemas.openxmlformats.org/officeDocument/2006/math">
                     <m:oMathParaPr>
@@ -32323,7 +32355,7 @@
             </p:txBody>
           </p:sp>
         </mc:Choice>
-        <mc:Fallback>
+        <mc:Fallback xmlns="">
           <p:sp>
             <p:nvSpPr>
               <p:cNvPr id="102" name="文本框 101">
@@ -32535,8 +32567,8 @@
           </a:p>
         </p:txBody>
       </p:sp>
-      <mc:AlternateContent xmlns:mc="http://schemas.openxmlformats.org/markup-compatibility/2006">
-        <mc:Choice xmlns:a14="http://schemas.microsoft.com/office/drawing/2010/main" Requires="a14">
+      <mc:AlternateContent xmlns:mc="http://schemas.openxmlformats.org/markup-compatibility/2006" xmlns:a14="http://schemas.microsoft.com/office/drawing/2010/main">
+        <mc:Choice Requires="a14">
           <p:sp>
             <p:nvSpPr>
               <p:cNvPr id="41" name="文本框 40">
@@ -32565,6 +32597,7 @@
               </a:bodyPr>
               <a:lstStyle/>
               <a:p>
+                <a:pPr/>
                 <a14:m>
                   <m:oMathPara xmlns:m="http://schemas.openxmlformats.org/officeDocument/2006/math">
                     <m:oMathParaPr>
@@ -32588,7 +32621,7 @@
             </p:txBody>
           </p:sp>
         </mc:Choice>
-        <mc:Fallback>
+        <mc:Fallback xmlns="">
           <p:sp>
             <p:nvSpPr>
               <p:cNvPr id="41" name="文本框 40">
@@ -32775,8 +32808,8 @@
           </a:p>
         </p:txBody>
       </p:sp>
-      <mc:AlternateContent xmlns:mc="http://schemas.openxmlformats.org/markup-compatibility/2006">
-        <mc:Choice xmlns:a14="http://schemas.microsoft.com/office/drawing/2010/main" Requires="a14">
+      <mc:AlternateContent xmlns:mc="http://schemas.openxmlformats.org/markup-compatibility/2006" xmlns:a14="http://schemas.microsoft.com/office/drawing/2010/main">
+        <mc:Choice Requires="a14">
           <p:sp>
             <p:nvSpPr>
               <p:cNvPr id="50" name="文本框 49">
@@ -32805,6 +32838,7 @@
               </a:bodyPr>
               <a:lstStyle/>
               <a:p>
+                <a:pPr/>
                 <a14:m>
                   <m:oMathPara xmlns:m="http://schemas.openxmlformats.org/officeDocument/2006/math">
                     <m:oMathParaPr>
@@ -32868,7 +32902,7 @@
             </p:txBody>
           </p:sp>
         </mc:Choice>
-        <mc:Fallback>
+        <mc:Fallback xmlns="">
           <p:sp>
             <p:nvSpPr>
               <p:cNvPr id="50" name="文本框 49">
@@ -32913,8 +32947,8 @@
           </p:sp>
         </mc:Fallback>
       </mc:AlternateContent>
-      <mc:AlternateContent xmlns:mc="http://schemas.openxmlformats.org/markup-compatibility/2006">
-        <mc:Choice xmlns:a14="http://schemas.microsoft.com/office/drawing/2010/main" Requires="a14">
+      <mc:AlternateContent xmlns:mc="http://schemas.openxmlformats.org/markup-compatibility/2006" xmlns:a14="http://schemas.microsoft.com/office/drawing/2010/main">
+        <mc:Choice Requires="a14">
           <p:sp>
             <p:nvSpPr>
               <p:cNvPr id="51" name="文本框 50">
@@ -32943,6 +32977,7 @@
               </a:bodyPr>
               <a:lstStyle/>
               <a:p>
+                <a:pPr/>
                 <a14:m>
                   <m:oMathPara xmlns:m="http://schemas.openxmlformats.org/officeDocument/2006/math">
                     <m:oMathParaPr>
@@ -33076,7 +33111,7 @@
             </p:txBody>
           </p:sp>
         </mc:Choice>
-        <mc:Fallback>
+        <mc:Fallback xmlns="">
           <p:sp>
             <p:nvSpPr>
               <p:cNvPr id="51" name="文本框 50">
@@ -33121,8 +33156,8 @@
           </p:sp>
         </mc:Fallback>
       </mc:AlternateContent>
-      <mc:AlternateContent xmlns:mc="http://schemas.openxmlformats.org/markup-compatibility/2006">
-        <mc:Choice xmlns:a14="http://schemas.microsoft.com/office/drawing/2010/main" Requires="a14">
+      <mc:AlternateContent xmlns:mc="http://schemas.openxmlformats.org/markup-compatibility/2006" xmlns:a14="http://schemas.microsoft.com/office/drawing/2010/main">
+        <mc:Choice Requires="a14">
           <p:sp>
             <p:nvSpPr>
               <p:cNvPr id="52" name="文本框 51">
@@ -33151,6 +33186,7 @@
               </a:bodyPr>
               <a:lstStyle/>
               <a:p>
+                <a:pPr/>
                 <a14:m>
                   <m:oMathPara xmlns:m="http://schemas.openxmlformats.org/officeDocument/2006/math">
                     <m:oMathParaPr>
@@ -33214,7 +33250,7 @@
             </p:txBody>
           </p:sp>
         </mc:Choice>
-        <mc:Fallback>
+        <mc:Fallback xmlns="">
           <p:sp>
             <p:nvSpPr>
               <p:cNvPr id="52" name="文本框 51">
@@ -33259,8 +33295,8 @@
           </p:sp>
         </mc:Fallback>
       </mc:AlternateContent>
-      <mc:AlternateContent xmlns:mc="http://schemas.openxmlformats.org/markup-compatibility/2006">
-        <mc:Choice xmlns:a14="http://schemas.microsoft.com/office/drawing/2010/main" Requires="a14">
+      <mc:AlternateContent xmlns:mc="http://schemas.openxmlformats.org/markup-compatibility/2006" xmlns:a14="http://schemas.microsoft.com/office/drawing/2010/main">
+        <mc:Choice Requires="a14">
           <p:sp>
             <p:nvSpPr>
               <p:cNvPr id="53" name="文本框 52">
@@ -33289,6 +33325,7 @@
               </a:bodyPr>
               <a:lstStyle/>
               <a:p>
+                <a:pPr/>
                 <a14:m>
                   <m:oMathPara xmlns:m="http://schemas.openxmlformats.org/officeDocument/2006/math">
                     <m:oMathParaPr>
@@ -33309,7 +33346,7 @@
             </p:txBody>
           </p:sp>
         </mc:Choice>
-        <mc:Fallback>
+        <mc:Fallback xmlns="">
           <p:sp>
             <p:nvSpPr>
               <p:cNvPr id="53" name="文本框 52">
@@ -33354,8 +33391,8 @@
           </p:sp>
         </mc:Fallback>
       </mc:AlternateContent>
-      <mc:AlternateContent xmlns:mc="http://schemas.openxmlformats.org/markup-compatibility/2006">
-        <mc:Choice xmlns:a14="http://schemas.microsoft.com/office/drawing/2010/main" Requires="a14">
+      <mc:AlternateContent xmlns:mc="http://schemas.openxmlformats.org/markup-compatibility/2006" xmlns:a14="http://schemas.microsoft.com/office/drawing/2010/main">
+        <mc:Choice Requires="a14">
           <p:sp>
             <p:nvSpPr>
               <p:cNvPr id="54" name="文本框 53">
@@ -33384,6 +33421,7 @@
               </a:bodyPr>
               <a:lstStyle/>
               <a:p>
+                <a:pPr/>
                 <a14:m>
                   <m:oMathPara xmlns:m="http://schemas.openxmlformats.org/officeDocument/2006/math">
                     <m:oMathParaPr>
@@ -33404,7 +33442,7 @@
             </p:txBody>
           </p:sp>
         </mc:Choice>
-        <mc:Fallback>
+        <mc:Fallback xmlns="">
           <p:sp>
             <p:nvSpPr>
               <p:cNvPr id="54" name="文本框 53">

--- a/images/posts/2025-03-28-blog-post/新建 Microsoft PowerPoint 演示文稿.pptx
+++ b/images/posts/2025-03-28-blog-post/新建 Microsoft PowerPoint 演示文稿.pptx
@@ -15,6 +15,8 @@
     <p:sldId id="264" r:id="rId9"/>
     <p:sldId id="261" r:id="rId10"/>
     <p:sldId id="260" r:id="rId11"/>
+    <p:sldId id="268" r:id="rId12"/>
+    <p:sldId id="267" r:id="rId13"/>
   </p:sldIdLst>
   <p:sldSz cx="12192000" cy="6858000"/>
   <p:notesSz cx="6858000" cy="9144000"/>
@@ -268,7 +270,7 @@
           <a:p>
             <a:fld id="{9140CE54-3337-4FC0-9FD6-16A19B958699}" type="datetimeFigureOut">
               <a:rPr lang="zh-CN" altLang="en-US" smtClean="0"/>
-              <a:t>2025/9/22</a:t>
+              <a:t>2025/9/23</a:t>
             </a:fld>
             <a:endParaRPr lang="zh-CN" altLang="en-US"/>
           </a:p>
@@ -466,7 +468,7 @@
           <a:p>
             <a:fld id="{9140CE54-3337-4FC0-9FD6-16A19B958699}" type="datetimeFigureOut">
               <a:rPr lang="zh-CN" altLang="en-US" smtClean="0"/>
-              <a:t>2025/9/22</a:t>
+              <a:t>2025/9/23</a:t>
             </a:fld>
             <a:endParaRPr lang="zh-CN" altLang="en-US"/>
           </a:p>
@@ -674,7 +676,7 @@
           <a:p>
             <a:fld id="{9140CE54-3337-4FC0-9FD6-16A19B958699}" type="datetimeFigureOut">
               <a:rPr lang="zh-CN" altLang="en-US" smtClean="0"/>
-              <a:t>2025/9/22</a:t>
+              <a:t>2025/9/23</a:t>
             </a:fld>
             <a:endParaRPr lang="zh-CN" altLang="en-US"/>
           </a:p>
@@ -872,7 +874,7 @@
           <a:p>
             <a:fld id="{9140CE54-3337-4FC0-9FD6-16A19B958699}" type="datetimeFigureOut">
               <a:rPr lang="zh-CN" altLang="en-US" smtClean="0"/>
-              <a:t>2025/9/22</a:t>
+              <a:t>2025/9/23</a:t>
             </a:fld>
             <a:endParaRPr lang="zh-CN" altLang="en-US"/>
           </a:p>
@@ -1147,7 +1149,7 @@
           <a:p>
             <a:fld id="{9140CE54-3337-4FC0-9FD6-16A19B958699}" type="datetimeFigureOut">
               <a:rPr lang="zh-CN" altLang="en-US" smtClean="0"/>
-              <a:t>2025/9/22</a:t>
+              <a:t>2025/9/23</a:t>
             </a:fld>
             <a:endParaRPr lang="zh-CN" altLang="en-US"/>
           </a:p>
@@ -1412,7 +1414,7 @@
           <a:p>
             <a:fld id="{9140CE54-3337-4FC0-9FD6-16A19B958699}" type="datetimeFigureOut">
               <a:rPr lang="zh-CN" altLang="en-US" smtClean="0"/>
-              <a:t>2025/9/22</a:t>
+              <a:t>2025/9/23</a:t>
             </a:fld>
             <a:endParaRPr lang="zh-CN" altLang="en-US"/>
           </a:p>
@@ -1824,7 +1826,7 @@
           <a:p>
             <a:fld id="{9140CE54-3337-4FC0-9FD6-16A19B958699}" type="datetimeFigureOut">
               <a:rPr lang="zh-CN" altLang="en-US" smtClean="0"/>
-              <a:t>2025/9/22</a:t>
+              <a:t>2025/9/23</a:t>
             </a:fld>
             <a:endParaRPr lang="zh-CN" altLang="en-US"/>
           </a:p>
@@ -1965,7 +1967,7 @@
           <a:p>
             <a:fld id="{9140CE54-3337-4FC0-9FD6-16A19B958699}" type="datetimeFigureOut">
               <a:rPr lang="zh-CN" altLang="en-US" smtClean="0"/>
-              <a:t>2025/9/22</a:t>
+              <a:t>2025/9/23</a:t>
             </a:fld>
             <a:endParaRPr lang="zh-CN" altLang="en-US"/>
           </a:p>
@@ -2078,7 +2080,7 @@
           <a:p>
             <a:fld id="{9140CE54-3337-4FC0-9FD6-16A19B958699}" type="datetimeFigureOut">
               <a:rPr lang="zh-CN" altLang="en-US" smtClean="0"/>
-              <a:t>2025/9/22</a:t>
+              <a:t>2025/9/23</a:t>
             </a:fld>
             <a:endParaRPr lang="zh-CN" altLang="en-US"/>
           </a:p>
@@ -2389,7 +2391,7 @@
           <a:p>
             <a:fld id="{9140CE54-3337-4FC0-9FD6-16A19B958699}" type="datetimeFigureOut">
               <a:rPr lang="zh-CN" altLang="en-US" smtClean="0"/>
-              <a:t>2025/9/22</a:t>
+              <a:t>2025/9/23</a:t>
             </a:fld>
             <a:endParaRPr lang="zh-CN" altLang="en-US"/>
           </a:p>
@@ -2677,7 +2679,7 @@
           <a:p>
             <a:fld id="{9140CE54-3337-4FC0-9FD6-16A19B958699}" type="datetimeFigureOut">
               <a:rPr lang="zh-CN" altLang="en-US" smtClean="0"/>
-              <a:t>2025/9/22</a:t>
+              <a:t>2025/9/23</a:t>
             </a:fld>
             <a:endParaRPr lang="zh-CN" altLang="en-US"/>
           </a:p>
@@ -2918,7 +2920,7 @@
           <a:p>
             <a:fld id="{9140CE54-3337-4FC0-9FD6-16A19B958699}" type="datetimeFigureOut">
               <a:rPr lang="zh-CN" altLang="en-US" smtClean="0"/>
-              <a:t>2025/9/22</a:t>
+              <a:t>2025/9/23</a:t>
             </a:fld>
             <a:endParaRPr lang="zh-CN" altLang="en-US"/>
           </a:p>
@@ -6204,8 +6206,8 @@
           </a:p>
         </p:txBody>
       </p:sp>
-      <mc:AlternateContent xmlns:mc="http://schemas.openxmlformats.org/markup-compatibility/2006">
-        <mc:Choice xmlns:a14="http://schemas.microsoft.com/office/drawing/2010/main" Requires="a14">
+      <mc:AlternateContent xmlns:mc="http://schemas.openxmlformats.org/markup-compatibility/2006" xmlns:a14="http://schemas.microsoft.com/office/drawing/2010/main">
+        <mc:Choice Requires="a14">
           <p:sp>
             <p:nvSpPr>
               <p:cNvPr id="11" name="文本框 10">
@@ -6282,7 +6284,7 @@
             </p:txBody>
           </p:sp>
         </mc:Choice>
-        <mc:Fallback>
+        <mc:Fallback xmlns="">
           <p:sp>
             <p:nvSpPr>
               <p:cNvPr id="11" name="文本框 10">
@@ -7121,8 +7123,8 @@
           </a:p>
         </p:txBody>
       </p:sp>
-      <mc:AlternateContent xmlns:mc="http://schemas.openxmlformats.org/markup-compatibility/2006">
-        <mc:Choice xmlns:a14="http://schemas.microsoft.com/office/drawing/2010/main" Requires="a14">
+      <mc:AlternateContent xmlns:mc="http://schemas.openxmlformats.org/markup-compatibility/2006" xmlns:a14="http://schemas.microsoft.com/office/drawing/2010/main">
+        <mc:Choice Requires="a14">
           <p:sp>
             <p:nvSpPr>
               <p:cNvPr id="28" name="文本框 27">
@@ -7191,7 +7193,7 @@
             </p:txBody>
           </p:sp>
         </mc:Choice>
-        <mc:Fallback>
+        <mc:Fallback xmlns="">
           <p:sp>
             <p:nvSpPr>
               <p:cNvPr id="28" name="文本框 27">
@@ -7460,8 +7462,8 @@
           </a:p>
         </p:txBody>
       </p:sp>
-      <mc:AlternateContent xmlns:mc="http://schemas.openxmlformats.org/markup-compatibility/2006">
-        <mc:Choice xmlns:a14="http://schemas.microsoft.com/office/drawing/2010/main" Requires="a14">
+      <mc:AlternateContent xmlns:mc="http://schemas.openxmlformats.org/markup-compatibility/2006" xmlns:a14="http://schemas.microsoft.com/office/drawing/2010/main">
+        <mc:Choice Requires="a14">
           <p:sp>
             <p:nvSpPr>
               <p:cNvPr id="39" name="文本框 38">
@@ -7530,7 +7532,7 @@
             </p:txBody>
           </p:sp>
         </mc:Choice>
-        <mc:Fallback>
+        <mc:Fallback xmlns="">
           <p:sp>
             <p:nvSpPr>
               <p:cNvPr id="39" name="文本框 38">
@@ -9762,8 +9764,8 @@
           </a:p>
         </p:txBody>
       </p:sp>
-      <mc:AlternateContent xmlns:mc="http://schemas.openxmlformats.org/markup-compatibility/2006">
-        <mc:Choice xmlns:a14="http://schemas.microsoft.com/office/drawing/2010/main" Requires="a14">
+      <mc:AlternateContent xmlns:mc="http://schemas.openxmlformats.org/markup-compatibility/2006" xmlns:a14="http://schemas.microsoft.com/office/drawing/2010/main">
+        <mc:Choice Requires="a14">
           <p:sp>
             <p:nvSpPr>
               <p:cNvPr id="3" name="文本框 2">
@@ -9832,7 +9834,7 @@
             </p:txBody>
           </p:sp>
         </mc:Choice>
-        <mc:Fallback>
+        <mc:Fallback xmlns="">
           <p:sp>
             <p:nvSpPr>
               <p:cNvPr id="3" name="文本框 2">
@@ -9881,6 +9883,2965 @@
     <p:extLst>
       <p:ext uri="{BB962C8B-B14F-4D97-AF65-F5344CB8AC3E}">
         <p14:creationId xmlns:p14="http://schemas.microsoft.com/office/powerpoint/2010/main" val="1937668135"/>
+      </p:ext>
+    </p:extLst>
+  </p:cSld>
+  <p:clrMapOvr>
+    <a:masterClrMapping/>
+  </p:clrMapOvr>
+</p:sld>
+</file>
+
+<file path=ppt/slides/slide11.xml><?xml version="1.0" encoding="utf-8"?>
+<p:sld xmlns:a="http://schemas.openxmlformats.org/drawingml/2006/main" xmlns:r="http://schemas.openxmlformats.org/officeDocument/2006/relationships" xmlns:p="http://schemas.openxmlformats.org/presentationml/2006/main">
+  <p:cSld>
+    <p:spTree>
+      <p:nvGrpSpPr>
+        <p:cNvPr id="1" name="">
+          <a:extLst>
+            <a:ext uri="{FF2B5EF4-FFF2-40B4-BE49-F238E27FC236}">
+              <a16:creationId xmlns:a16="http://schemas.microsoft.com/office/drawing/2014/main" id="{37F48F5A-7A0C-FE07-FD2A-352E567BA1FC}"/>
+            </a:ext>
+          </a:extLst>
+        </p:cNvPr>
+        <p:cNvGrpSpPr/>
+        <p:nvPr/>
+      </p:nvGrpSpPr>
+      <p:grpSpPr>
+        <a:xfrm>
+          <a:off x="0" y="0"/>
+          <a:ext cx="0" cy="0"/>
+          <a:chOff x="0" y="0"/>
+          <a:chExt cx="0" cy="0"/>
+        </a:xfrm>
+      </p:grpSpPr>
+      <mc:AlternateContent xmlns:mc="http://schemas.openxmlformats.org/markup-compatibility/2006">
+        <mc:Choice xmlns:a14="http://schemas.microsoft.com/office/drawing/2010/main" Requires="a14">
+          <p:sp>
+            <p:nvSpPr>
+              <p:cNvPr id="4" name="文本框 3">
+                <a:extLst>
+                  <a:ext uri="{FF2B5EF4-FFF2-40B4-BE49-F238E27FC236}">
+                    <a16:creationId xmlns:a16="http://schemas.microsoft.com/office/drawing/2014/main" id="{6FA6162C-2EB0-3141-9886-CB9B3C8227C6}"/>
+                  </a:ext>
+                </a:extLst>
+              </p:cNvPr>
+              <p:cNvSpPr txBox="1"/>
+              <p:nvPr/>
+            </p:nvSpPr>
+            <p:spPr>
+              <a:xfrm>
+                <a:off x="345126" y="2500363"/>
+                <a:ext cx="582211" cy="492443"/>
+              </a:xfrm>
+              <a:prstGeom prst="rect">
+                <a:avLst/>
+              </a:prstGeom>
+              <a:noFill/>
+            </p:spPr>
+            <p:txBody>
+              <a:bodyPr wrap="none" lIns="0" tIns="0" rIns="0" bIns="0" rtlCol="0">
+                <a:spAutoFit/>
+              </a:bodyPr>
+              <a:lstStyle/>
+              <a:p>
+                <a:pPr/>
+                <a14:m>
+                  <m:oMathPara xmlns:m="http://schemas.openxmlformats.org/officeDocument/2006/math">
+                    <m:oMathParaPr>
+                      <m:jc m:val="centerGroup"/>
+                    </m:oMathParaPr>
+                    <m:oMath xmlns:m="http://schemas.openxmlformats.org/officeDocument/2006/math">
+                      <m:sSub>
+                        <m:sSubPr>
+                          <m:ctrlPr>
+                            <a:rPr lang="en-US" altLang="zh-CN" sz="3200" b="0" i="1" smtClean="0">
+                              <a:latin typeface="Cambria Math" panose="02040503050406030204" pitchFamily="18" charset="0"/>
+                            </a:rPr>
+                          </m:ctrlPr>
+                        </m:sSubPr>
+                        <m:e>
+                          <m:r>
+                            <a:rPr lang="en-US" altLang="zh-CN" sz="3200" b="0" i="1" smtClean="0">
+                              <a:latin typeface="Cambria Math" panose="02040503050406030204" pitchFamily="18" charset="0"/>
+                            </a:rPr>
+                            <m:t>𝑑</m:t>
+                          </m:r>
+                        </m:e>
+                        <m:sub>
+                          <m:r>
+                            <a:rPr lang="en-US" altLang="zh-CN" sz="3200" b="0" i="1" smtClean="0">
+                              <a:latin typeface="Cambria Math" panose="02040503050406030204" pitchFamily="18" charset="0"/>
+                            </a:rPr>
+                            <m:t>𝑂</m:t>
+                          </m:r>
+                        </m:sub>
+                      </m:sSub>
+                    </m:oMath>
+                  </m:oMathPara>
+                </a14:m>
+                <a:endParaRPr lang="zh-CN" altLang="en-US" dirty="0"/>
+              </a:p>
+            </p:txBody>
+          </p:sp>
+        </mc:Choice>
+        <mc:Fallback>
+          <p:sp>
+            <p:nvSpPr>
+              <p:cNvPr id="4" name="文本框 3">
+                <a:extLst>
+                  <a:ext uri="{FF2B5EF4-FFF2-40B4-BE49-F238E27FC236}">
+                    <a16:creationId xmlns:a16="http://schemas.microsoft.com/office/drawing/2014/main" id="{6FA6162C-2EB0-3141-9886-CB9B3C8227C6}"/>
+                  </a:ext>
+                </a:extLst>
+              </p:cNvPr>
+              <p:cNvSpPr txBox="1">
+                <a:spLocks noRot="1" noChangeAspect="1" noMove="1" noResize="1" noEditPoints="1" noAdjustHandles="1" noChangeArrowheads="1" noChangeShapeType="1" noTextEdit="1"/>
+              </p:cNvSpPr>
+              <p:nvPr/>
+            </p:nvSpPr>
+            <p:spPr>
+              <a:xfrm>
+                <a:off x="345126" y="2500363"/>
+                <a:ext cx="582211" cy="492443"/>
+              </a:xfrm>
+              <a:prstGeom prst="rect">
+                <a:avLst/>
+              </a:prstGeom>
+              <a:blipFill>
+                <a:blip r:embed="rId2"/>
+                <a:stretch>
+                  <a:fillRect/>
+                </a:stretch>
+              </a:blipFill>
+            </p:spPr>
+            <p:txBody>
+              <a:bodyPr/>
+              <a:lstStyle/>
+              <a:p>
+                <a:r>
+                  <a:rPr lang="zh-CN" altLang="en-US">
+                    <a:noFill/>
+                  </a:rPr>
+                  <a:t> </a:t>
+                </a:r>
+              </a:p>
+            </p:txBody>
+          </p:sp>
+        </mc:Fallback>
+      </mc:AlternateContent>
+      <mc:AlternateContent xmlns:mc="http://schemas.openxmlformats.org/markup-compatibility/2006">
+        <mc:Choice xmlns:a14="http://schemas.microsoft.com/office/drawing/2010/main" Requires="a14">
+          <p:sp>
+            <p:nvSpPr>
+              <p:cNvPr id="5" name="文本框 4">
+                <a:extLst>
+                  <a:ext uri="{FF2B5EF4-FFF2-40B4-BE49-F238E27FC236}">
+                    <a16:creationId xmlns:a16="http://schemas.microsoft.com/office/drawing/2014/main" id="{FE8DC4B9-9A1A-BEEF-AE8A-043EFC46A38D}"/>
+                  </a:ext>
+                </a:extLst>
+              </p:cNvPr>
+              <p:cNvSpPr txBox="1"/>
+              <p:nvPr/>
+            </p:nvSpPr>
+            <p:spPr>
+              <a:xfrm>
+                <a:off x="1793630" y="1102487"/>
+                <a:ext cx="547778" cy="492443"/>
+              </a:xfrm>
+              <a:prstGeom prst="rect">
+                <a:avLst/>
+              </a:prstGeom>
+              <a:noFill/>
+            </p:spPr>
+            <p:txBody>
+              <a:bodyPr wrap="none" lIns="0" tIns="0" rIns="0" bIns="0" rtlCol="0">
+                <a:spAutoFit/>
+              </a:bodyPr>
+              <a:lstStyle/>
+              <a:p>
+                <a:pPr/>
+                <a14:m>
+                  <m:oMathPara xmlns:m="http://schemas.openxmlformats.org/officeDocument/2006/math">
+                    <m:oMathParaPr>
+                      <m:jc m:val="centerGroup"/>
+                    </m:oMathParaPr>
+                    <m:oMath xmlns:m="http://schemas.openxmlformats.org/officeDocument/2006/math">
+                      <m:sSub>
+                        <m:sSubPr>
+                          <m:ctrlPr>
+                            <a:rPr lang="en-US" altLang="zh-CN" sz="3200" b="0" i="1" smtClean="0">
+                              <a:latin typeface="Cambria Math" panose="02040503050406030204" pitchFamily="18" charset="0"/>
+                            </a:rPr>
+                          </m:ctrlPr>
+                        </m:sSubPr>
+                        <m:e>
+                          <m:r>
+                            <a:rPr lang="en-US" altLang="zh-CN" sz="3200" b="0" i="1" smtClean="0">
+                              <a:latin typeface="Cambria Math" panose="02040503050406030204" pitchFamily="18" charset="0"/>
+                            </a:rPr>
+                            <m:t>𝑑</m:t>
+                          </m:r>
+                        </m:e>
+                        <m:sub>
+                          <m:r>
+                            <a:rPr lang="en-US" altLang="zh-CN" sz="3200" b="0" i="1" smtClean="0">
+                              <a:latin typeface="Cambria Math" panose="02040503050406030204" pitchFamily="18" charset="0"/>
+                            </a:rPr>
+                            <m:t>𝐴</m:t>
+                          </m:r>
+                        </m:sub>
+                      </m:sSub>
+                    </m:oMath>
+                  </m:oMathPara>
+                </a14:m>
+                <a:endParaRPr lang="zh-CN" altLang="en-US" dirty="0"/>
+              </a:p>
+            </p:txBody>
+          </p:sp>
+        </mc:Choice>
+        <mc:Fallback>
+          <p:sp>
+            <p:nvSpPr>
+              <p:cNvPr id="5" name="文本框 4">
+                <a:extLst>
+                  <a:ext uri="{FF2B5EF4-FFF2-40B4-BE49-F238E27FC236}">
+                    <a16:creationId xmlns:a16="http://schemas.microsoft.com/office/drawing/2014/main" id="{FE8DC4B9-9A1A-BEEF-AE8A-043EFC46A38D}"/>
+                  </a:ext>
+                </a:extLst>
+              </p:cNvPr>
+              <p:cNvSpPr txBox="1">
+                <a:spLocks noRot="1" noChangeAspect="1" noMove="1" noResize="1" noEditPoints="1" noAdjustHandles="1" noChangeArrowheads="1" noChangeShapeType="1" noTextEdit="1"/>
+              </p:cNvSpPr>
+              <p:nvPr/>
+            </p:nvSpPr>
+            <p:spPr>
+              <a:xfrm>
+                <a:off x="1793630" y="1102487"/>
+                <a:ext cx="547778" cy="492443"/>
+              </a:xfrm>
+              <a:prstGeom prst="rect">
+                <a:avLst/>
+              </a:prstGeom>
+              <a:blipFill>
+                <a:blip r:embed="rId3"/>
+                <a:stretch>
+                  <a:fillRect/>
+                </a:stretch>
+              </a:blipFill>
+            </p:spPr>
+            <p:txBody>
+              <a:bodyPr/>
+              <a:lstStyle/>
+              <a:p>
+                <a:r>
+                  <a:rPr lang="zh-CN" altLang="en-US">
+                    <a:noFill/>
+                  </a:rPr>
+                  <a:t> </a:t>
+                </a:r>
+              </a:p>
+            </p:txBody>
+          </p:sp>
+        </mc:Fallback>
+      </mc:AlternateContent>
+      <p:cxnSp>
+        <p:nvCxnSpPr>
+          <p:cNvPr id="14" name="直接箭头连接符 13">
+            <a:extLst>
+              <a:ext uri="{FF2B5EF4-FFF2-40B4-BE49-F238E27FC236}">
+                <a16:creationId xmlns:a16="http://schemas.microsoft.com/office/drawing/2014/main" id="{19459A09-4A7C-B3E3-9199-5F2B26DF13F3}"/>
+              </a:ext>
+            </a:extLst>
+          </p:cNvPr>
+          <p:cNvCxnSpPr>
+            <a:cxnSpLocks/>
+            <a:stCxn id="41" idx="3"/>
+            <a:endCxn id="51" idx="1"/>
+          </p:cNvCxnSpPr>
+          <p:nvPr/>
+        </p:nvCxnSpPr>
+        <p:spPr>
+          <a:xfrm flipV="1">
+            <a:off x="902411" y="1369519"/>
+            <a:ext cx="774481" cy="1432148"/>
+          </a:xfrm>
+          <a:prstGeom prst="straightConnector1">
+            <a:avLst/>
+          </a:prstGeom>
+          <a:ln>
+            <a:tailEnd type="triangle"/>
+          </a:ln>
+        </p:spPr>
+        <p:style>
+          <a:lnRef idx="2">
+            <a:schemeClr val="accent1"/>
+          </a:lnRef>
+          <a:fillRef idx="0">
+            <a:schemeClr val="accent1"/>
+          </a:fillRef>
+          <a:effectRef idx="1">
+            <a:schemeClr val="accent1"/>
+          </a:effectRef>
+          <a:fontRef idx="minor">
+            <a:schemeClr val="tx1"/>
+          </a:fontRef>
+        </p:style>
+      </p:cxnSp>
+      <p:cxnSp>
+        <p:nvCxnSpPr>
+          <p:cNvPr id="21" name="直接箭头连接符 20">
+            <a:extLst>
+              <a:ext uri="{FF2B5EF4-FFF2-40B4-BE49-F238E27FC236}">
+                <a16:creationId xmlns:a16="http://schemas.microsoft.com/office/drawing/2014/main" id="{2CE0D37B-5A8B-0199-E276-4E4252F73CC7}"/>
+              </a:ext>
+            </a:extLst>
+          </p:cNvPr>
+          <p:cNvCxnSpPr>
+            <a:cxnSpLocks/>
+            <a:stCxn id="51" idx="3"/>
+            <a:endCxn id="52" idx="1"/>
+          </p:cNvCxnSpPr>
+          <p:nvPr/>
+        </p:nvCxnSpPr>
+        <p:spPr>
+          <a:xfrm flipV="1">
+            <a:off x="2458143" y="1369518"/>
+            <a:ext cx="1151701" cy="1"/>
+          </a:xfrm>
+          <a:prstGeom prst="straightConnector1">
+            <a:avLst/>
+          </a:prstGeom>
+          <a:ln>
+            <a:tailEnd type="triangle"/>
+          </a:ln>
+        </p:spPr>
+        <p:style>
+          <a:lnRef idx="2">
+            <a:schemeClr val="accent1"/>
+          </a:lnRef>
+          <a:fillRef idx="0">
+            <a:schemeClr val="accent1"/>
+          </a:fillRef>
+          <a:effectRef idx="1">
+            <a:schemeClr val="accent1"/>
+          </a:effectRef>
+          <a:fontRef idx="minor">
+            <a:schemeClr val="tx1"/>
+          </a:fontRef>
+        </p:style>
+      </p:cxnSp>
+      <mc:AlternateContent xmlns:mc="http://schemas.openxmlformats.org/markup-compatibility/2006">
+        <mc:Choice xmlns:a14="http://schemas.microsoft.com/office/drawing/2010/main" Requires="a14">
+          <p:sp>
+            <p:nvSpPr>
+              <p:cNvPr id="17" name="文本框 16">
+                <a:extLst>
+                  <a:ext uri="{FF2B5EF4-FFF2-40B4-BE49-F238E27FC236}">
+                    <a16:creationId xmlns:a16="http://schemas.microsoft.com/office/drawing/2014/main" id="{5FC0F71A-E2AF-9783-CFE0-527A5FE1440D}"/>
+                  </a:ext>
+                </a:extLst>
+              </p:cNvPr>
+              <p:cNvSpPr txBox="1"/>
+              <p:nvPr/>
+            </p:nvSpPr>
+            <p:spPr>
+              <a:xfrm>
+                <a:off x="1781960" y="3989781"/>
+                <a:ext cx="571117" cy="492443"/>
+              </a:xfrm>
+              <a:prstGeom prst="rect">
+                <a:avLst/>
+              </a:prstGeom>
+              <a:noFill/>
+            </p:spPr>
+            <p:txBody>
+              <a:bodyPr wrap="none" lIns="0" tIns="0" rIns="0" bIns="0" rtlCol="0">
+                <a:spAutoFit/>
+              </a:bodyPr>
+              <a:lstStyle/>
+              <a:p>
+                <a:pPr/>
+                <a14:m>
+                  <m:oMathPara xmlns:m="http://schemas.openxmlformats.org/officeDocument/2006/math">
+                    <m:oMathParaPr>
+                      <m:jc m:val="centerGroup"/>
+                    </m:oMathParaPr>
+                    <m:oMath xmlns:m="http://schemas.openxmlformats.org/officeDocument/2006/math">
+                      <m:sSub>
+                        <m:sSubPr>
+                          <m:ctrlPr>
+                            <a:rPr lang="en-US" altLang="zh-CN" sz="3200" b="0" i="1" smtClean="0">
+                              <a:latin typeface="Cambria Math" panose="02040503050406030204" pitchFamily="18" charset="0"/>
+                            </a:rPr>
+                          </m:ctrlPr>
+                        </m:sSubPr>
+                        <m:e>
+                          <m:r>
+                            <a:rPr lang="en-US" altLang="zh-CN" sz="3200" b="0" i="1" smtClean="0">
+                              <a:latin typeface="Cambria Math" panose="02040503050406030204" pitchFamily="18" charset="0"/>
+                            </a:rPr>
+                            <m:t>𝑑</m:t>
+                          </m:r>
+                        </m:e>
+                        <m:sub>
+                          <m:r>
+                            <a:rPr lang="en-US" altLang="zh-CN" sz="3200" b="0" i="1" smtClean="0">
+                              <a:latin typeface="Cambria Math" panose="02040503050406030204" pitchFamily="18" charset="0"/>
+                            </a:rPr>
+                            <m:t>𝑉</m:t>
+                          </m:r>
+                        </m:sub>
+                      </m:sSub>
+                    </m:oMath>
+                  </m:oMathPara>
+                </a14:m>
+                <a:endParaRPr lang="zh-CN" altLang="en-US" dirty="0"/>
+              </a:p>
+            </p:txBody>
+          </p:sp>
+        </mc:Choice>
+        <mc:Fallback>
+          <p:sp>
+            <p:nvSpPr>
+              <p:cNvPr id="17" name="文本框 16">
+                <a:extLst>
+                  <a:ext uri="{FF2B5EF4-FFF2-40B4-BE49-F238E27FC236}">
+                    <a16:creationId xmlns:a16="http://schemas.microsoft.com/office/drawing/2014/main" id="{5FC0F71A-E2AF-9783-CFE0-527A5FE1440D}"/>
+                  </a:ext>
+                </a:extLst>
+              </p:cNvPr>
+              <p:cNvSpPr txBox="1">
+                <a:spLocks noRot="1" noChangeAspect="1" noMove="1" noResize="1" noEditPoints="1" noAdjustHandles="1" noChangeArrowheads="1" noChangeShapeType="1" noTextEdit="1"/>
+              </p:cNvSpPr>
+              <p:nvPr/>
+            </p:nvSpPr>
+            <p:spPr>
+              <a:xfrm>
+                <a:off x="1781960" y="3989781"/>
+                <a:ext cx="571117" cy="492443"/>
+              </a:xfrm>
+              <a:prstGeom prst="rect">
+                <a:avLst/>
+              </a:prstGeom>
+              <a:blipFill>
+                <a:blip r:embed="rId4"/>
+                <a:stretch>
+                  <a:fillRect/>
+                </a:stretch>
+              </a:blipFill>
+            </p:spPr>
+            <p:txBody>
+              <a:bodyPr/>
+              <a:lstStyle/>
+              <a:p>
+                <a:r>
+                  <a:rPr lang="zh-CN" altLang="en-US">
+                    <a:noFill/>
+                  </a:rPr>
+                  <a:t> </a:t>
+                </a:r>
+              </a:p>
+            </p:txBody>
+          </p:sp>
+        </mc:Fallback>
+      </mc:AlternateContent>
+      <mc:AlternateContent xmlns:mc="http://schemas.openxmlformats.org/markup-compatibility/2006">
+        <mc:Choice xmlns:a14="http://schemas.microsoft.com/office/drawing/2010/main" Requires="a14">
+          <p:sp>
+            <p:nvSpPr>
+              <p:cNvPr id="20" name="文本框 19">
+                <a:extLst>
+                  <a:ext uri="{FF2B5EF4-FFF2-40B4-BE49-F238E27FC236}">
+                    <a16:creationId xmlns:a16="http://schemas.microsoft.com/office/drawing/2014/main" id="{7EDFB72D-7D2A-6858-4B9D-FBF4D53C3FA3}"/>
+                  </a:ext>
+                </a:extLst>
+              </p:cNvPr>
+              <p:cNvSpPr txBox="1"/>
+              <p:nvPr/>
+            </p:nvSpPr>
+            <p:spPr>
+              <a:xfrm>
+                <a:off x="3524049" y="3989781"/>
+                <a:ext cx="1856662" cy="537583"/>
+              </a:xfrm>
+              <a:prstGeom prst="rect">
+                <a:avLst/>
+              </a:prstGeom>
+              <a:noFill/>
+            </p:spPr>
+            <p:txBody>
+              <a:bodyPr wrap="none" lIns="0" tIns="0" rIns="0" bIns="0" rtlCol="0">
+                <a:spAutoFit/>
+              </a:bodyPr>
+              <a:lstStyle/>
+              <a:p>
+                <a:pPr/>
+                <a14:m>
+                  <m:oMathPara xmlns:m="http://schemas.openxmlformats.org/officeDocument/2006/math">
+                    <m:oMathParaPr>
+                      <m:jc m:val="centerGroup"/>
+                    </m:oMathParaPr>
+                    <m:oMath xmlns:m="http://schemas.openxmlformats.org/officeDocument/2006/math">
+                      <m:sSub>
+                        <m:sSubPr>
+                          <m:ctrlPr>
+                            <a:rPr lang="en-US" altLang="zh-CN" sz="3200" b="0" i="1" smtClean="0">
+                              <a:latin typeface="Cambria Math" panose="02040503050406030204" pitchFamily="18" charset="0"/>
+                            </a:rPr>
+                          </m:ctrlPr>
+                        </m:sSubPr>
+                        <m:e>
+                          <m:r>
+                            <a:rPr lang="en-US" altLang="zh-CN" sz="3200" b="0" i="1" smtClean="0">
+                              <a:latin typeface="Cambria Math" panose="02040503050406030204" pitchFamily="18" charset="0"/>
+                            </a:rPr>
+                            <m:t>𝑑</m:t>
+                          </m:r>
+                        </m:e>
+                        <m:sub>
+                          <m:sSub>
+                            <m:sSubPr>
+                              <m:ctrlPr>
+                                <a:rPr lang="en-US" altLang="zh-CN" sz="3200" b="0" i="1" smtClean="0">
+                                  <a:latin typeface="Cambria Math" panose="02040503050406030204" pitchFamily="18" charset="0"/>
+                                </a:rPr>
+                              </m:ctrlPr>
+                            </m:sSubPr>
+                            <m:e>
+                              <m:r>
+                                <a:rPr lang="en-US" altLang="zh-CN" sz="3200" b="0" i="1" smtClean="0">
+                                  <a:latin typeface="Cambria Math" panose="02040503050406030204" pitchFamily="18" charset="0"/>
+                                </a:rPr>
+                                <m:t>𝑊</m:t>
+                              </m:r>
+                            </m:e>
+                            <m:sub>
+                              <m:r>
+                                <a:rPr lang="en-US" altLang="zh-CN" sz="3200" b="0" i="1" smtClean="0">
+                                  <a:latin typeface="Cambria Math" panose="02040503050406030204" pitchFamily="18" charset="0"/>
+                                </a:rPr>
+                                <m:t>𝑉</m:t>
+                              </m:r>
+                            </m:sub>
+                          </m:sSub>
+                        </m:sub>
+                      </m:sSub>
+                      <m:r>
+                        <a:rPr lang="en-US" altLang="zh-CN" sz="3200" b="0" i="1" smtClean="0">
+                          <a:latin typeface="Cambria Math" panose="02040503050406030204" pitchFamily="18" charset="0"/>
+                        </a:rPr>
+                        <m:t>   </m:t>
+                      </m:r>
+                      <m:sSub>
+                        <m:sSubPr>
+                          <m:ctrlPr>
+                            <a:rPr lang="en-US" altLang="zh-CN" sz="3200" b="0" i="1" smtClean="0">
+                              <a:latin typeface="Cambria Math" panose="02040503050406030204" pitchFamily="18" charset="0"/>
+                            </a:rPr>
+                          </m:ctrlPr>
+                        </m:sSubPr>
+                        <m:e>
+                          <m:r>
+                            <a:rPr lang="en-US" altLang="zh-CN" sz="3200" b="0" i="1" smtClean="0">
+                              <a:latin typeface="Cambria Math" panose="02040503050406030204" pitchFamily="18" charset="0"/>
+                            </a:rPr>
+                            <m:t>𝑑</m:t>
+                          </m:r>
+                        </m:e>
+                        <m:sub>
+                          <m:sSub>
+                            <m:sSubPr>
+                              <m:ctrlPr>
+                                <a:rPr lang="en-US" altLang="zh-CN" sz="3200" b="0" i="1" smtClean="0">
+                                  <a:latin typeface="Cambria Math" panose="02040503050406030204" pitchFamily="18" charset="0"/>
+                                </a:rPr>
+                              </m:ctrlPr>
+                            </m:sSubPr>
+                            <m:e>
+                              <m:r>
+                                <a:rPr lang="en-US" altLang="zh-CN" sz="3200" b="0" i="1" smtClean="0">
+                                  <a:latin typeface="Cambria Math" panose="02040503050406030204" pitchFamily="18" charset="0"/>
+                                </a:rPr>
+                                <m:t>𝑋</m:t>
+                              </m:r>
+                            </m:e>
+                            <m:sub>
+                              <m:r>
+                                <a:rPr lang="en-US" altLang="zh-CN" sz="3200" b="0" i="1" smtClean="0">
+                                  <a:latin typeface="Cambria Math" panose="02040503050406030204" pitchFamily="18" charset="0"/>
+                                </a:rPr>
+                                <m:t>𝑉</m:t>
+                              </m:r>
+                            </m:sub>
+                          </m:sSub>
+                        </m:sub>
+                      </m:sSub>
+                      <m:r>
+                        <a:rPr lang="en-US" altLang="zh-CN" sz="3200" b="0" i="1" smtClean="0">
+                          <a:latin typeface="Cambria Math" panose="02040503050406030204" pitchFamily="18" charset="0"/>
+                        </a:rPr>
+                        <m:t> </m:t>
+                      </m:r>
+                    </m:oMath>
+                  </m:oMathPara>
+                </a14:m>
+                <a:endParaRPr lang="zh-CN" altLang="en-US" dirty="0"/>
+              </a:p>
+            </p:txBody>
+          </p:sp>
+        </mc:Choice>
+        <mc:Fallback>
+          <p:sp>
+            <p:nvSpPr>
+              <p:cNvPr id="20" name="文本框 19">
+                <a:extLst>
+                  <a:ext uri="{FF2B5EF4-FFF2-40B4-BE49-F238E27FC236}">
+                    <a16:creationId xmlns:a16="http://schemas.microsoft.com/office/drawing/2014/main" id="{7EDFB72D-7D2A-6858-4B9D-FBF4D53C3FA3}"/>
+                  </a:ext>
+                </a:extLst>
+              </p:cNvPr>
+              <p:cNvSpPr txBox="1">
+                <a:spLocks noRot="1" noChangeAspect="1" noMove="1" noResize="1" noEditPoints="1" noAdjustHandles="1" noChangeArrowheads="1" noChangeShapeType="1" noTextEdit="1"/>
+              </p:cNvSpPr>
+              <p:nvPr/>
+            </p:nvSpPr>
+            <p:spPr>
+              <a:xfrm>
+                <a:off x="3524049" y="3989781"/>
+                <a:ext cx="1856662" cy="537583"/>
+              </a:xfrm>
+              <a:prstGeom prst="rect">
+                <a:avLst/>
+              </a:prstGeom>
+              <a:blipFill>
+                <a:blip r:embed="rId5"/>
+                <a:stretch>
+                  <a:fillRect/>
+                </a:stretch>
+              </a:blipFill>
+            </p:spPr>
+            <p:txBody>
+              <a:bodyPr/>
+              <a:lstStyle/>
+              <a:p>
+                <a:r>
+                  <a:rPr lang="zh-CN" altLang="en-US">
+                    <a:noFill/>
+                  </a:rPr>
+                  <a:t> </a:t>
+                </a:r>
+              </a:p>
+            </p:txBody>
+          </p:sp>
+        </mc:Fallback>
+      </mc:AlternateContent>
+      <mc:AlternateContent xmlns:mc="http://schemas.openxmlformats.org/markup-compatibility/2006">
+        <mc:Choice xmlns:a14="http://schemas.microsoft.com/office/drawing/2010/main" Requires="a14">
+          <p:sp>
+            <p:nvSpPr>
+              <p:cNvPr id="26" name="文本框 25">
+                <a:extLst>
+                  <a:ext uri="{FF2B5EF4-FFF2-40B4-BE49-F238E27FC236}">
+                    <a16:creationId xmlns:a16="http://schemas.microsoft.com/office/drawing/2014/main" id="{488294F2-9B2F-8312-6245-DEF7FB61CD82}"/>
+                  </a:ext>
+                </a:extLst>
+              </p:cNvPr>
+              <p:cNvSpPr txBox="1"/>
+              <p:nvPr/>
+            </p:nvSpPr>
+            <p:spPr>
+              <a:xfrm>
+                <a:off x="3737578" y="1102486"/>
+                <a:ext cx="525785" cy="492443"/>
+              </a:xfrm>
+              <a:prstGeom prst="rect">
+                <a:avLst/>
+              </a:prstGeom>
+              <a:noFill/>
+            </p:spPr>
+            <p:txBody>
+              <a:bodyPr wrap="none" lIns="0" tIns="0" rIns="0" bIns="0" rtlCol="0">
+                <a:spAutoFit/>
+              </a:bodyPr>
+              <a:lstStyle/>
+              <a:p>
+                <a:pPr/>
+                <a14:m>
+                  <m:oMathPara xmlns:m="http://schemas.openxmlformats.org/officeDocument/2006/math">
+                    <m:oMathParaPr>
+                      <m:jc m:val="centerGroup"/>
+                    </m:oMathParaPr>
+                    <m:oMath xmlns:m="http://schemas.openxmlformats.org/officeDocument/2006/math">
+                      <m:sSub>
+                        <m:sSubPr>
+                          <m:ctrlPr>
+                            <a:rPr lang="en-US" altLang="zh-CN" sz="3200" b="0" i="1" smtClean="0">
+                              <a:latin typeface="Cambria Math" panose="02040503050406030204" pitchFamily="18" charset="0"/>
+                            </a:rPr>
+                          </m:ctrlPr>
+                        </m:sSubPr>
+                        <m:e>
+                          <m:r>
+                            <a:rPr lang="en-US" altLang="zh-CN" sz="3200" b="0" i="1" smtClean="0">
+                              <a:latin typeface="Cambria Math" panose="02040503050406030204" pitchFamily="18" charset="0"/>
+                            </a:rPr>
+                            <m:t>𝑑</m:t>
+                          </m:r>
+                        </m:e>
+                        <m:sub>
+                          <m:r>
+                            <a:rPr lang="en-US" altLang="zh-CN" sz="3200" b="0" i="1" smtClean="0">
+                              <a:latin typeface="Cambria Math" panose="02040503050406030204" pitchFamily="18" charset="0"/>
+                            </a:rPr>
+                            <m:t>𝑆</m:t>
+                          </m:r>
+                        </m:sub>
+                      </m:sSub>
+                    </m:oMath>
+                  </m:oMathPara>
+                </a14:m>
+                <a:endParaRPr lang="zh-CN" altLang="en-US" dirty="0"/>
+              </a:p>
+            </p:txBody>
+          </p:sp>
+        </mc:Choice>
+        <mc:Fallback>
+          <p:sp>
+            <p:nvSpPr>
+              <p:cNvPr id="26" name="文本框 25">
+                <a:extLst>
+                  <a:ext uri="{FF2B5EF4-FFF2-40B4-BE49-F238E27FC236}">
+                    <a16:creationId xmlns:a16="http://schemas.microsoft.com/office/drawing/2014/main" id="{488294F2-9B2F-8312-6245-DEF7FB61CD82}"/>
+                  </a:ext>
+                </a:extLst>
+              </p:cNvPr>
+              <p:cNvSpPr txBox="1">
+                <a:spLocks noRot="1" noChangeAspect="1" noMove="1" noResize="1" noEditPoints="1" noAdjustHandles="1" noChangeArrowheads="1" noChangeShapeType="1" noTextEdit="1"/>
+              </p:cNvSpPr>
+              <p:nvPr/>
+            </p:nvSpPr>
+            <p:spPr>
+              <a:xfrm>
+                <a:off x="3737578" y="1102486"/>
+                <a:ext cx="525785" cy="492443"/>
+              </a:xfrm>
+              <a:prstGeom prst="rect">
+                <a:avLst/>
+              </a:prstGeom>
+              <a:blipFill>
+                <a:blip r:embed="rId6"/>
+                <a:stretch>
+                  <a:fillRect/>
+                </a:stretch>
+              </a:blipFill>
+            </p:spPr>
+            <p:txBody>
+              <a:bodyPr/>
+              <a:lstStyle/>
+              <a:p>
+                <a:r>
+                  <a:rPr lang="zh-CN" altLang="en-US">
+                    <a:noFill/>
+                  </a:rPr>
+                  <a:t> </a:t>
+                </a:r>
+              </a:p>
+            </p:txBody>
+          </p:sp>
+        </mc:Fallback>
+      </mc:AlternateContent>
+      <mc:AlternateContent xmlns:mc="http://schemas.openxmlformats.org/markup-compatibility/2006">
+        <mc:Choice xmlns:a14="http://schemas.microsoft.com/office/drawing/2010/main" Requires="a14">
+          <p:sp>
+            <p:nvSpPr>
+              <p:cNvPr id="34" name="文本框 33">
+                <a:extLst>
+                  <a:ext uri="{FF2B5EF4-FFF2-40B4-BE49-F238E27FC236}">
+                    <a16:creationId xmlns:a16="http://schemas.microsoft.com/office/drawing/2014/main" id="{54EFBC8C-6B52-2B52-9B14-740C1139D1E0}"/>
+                  </a:ext>
+                </a:extLst>
+              </p:cNvPr>
+              <p:cNvSpPr txBox="1"/>
+              <p:nvPr/>
+            </p:nvSpPr>
+            <p:spPr>
+              <a:xfrm>
+                <a:off x="5833107" y="261659"/>
+                <a:ext cx="582915" cy="527196"/>
+              </a:xfrm>
+              <a:prstGeom prst="rect">
+                <a:avLst/>
+              </a:prstGeom>
+              <a:noFill/>
+            </p:spPr>
+            <p:txBody>
+              <a:bodyPr wrap="none" lIns="0" tIns="0" rIns="0" bIns="0" rtlCol="0">
+                <a:spAutoFit/>
+              </a:bodyPr>
+              <a:lstStyle/>
+              <a:p>
+                <a:pPr/>
+                <a14:m>
+                  <m:oMathPara xmlns:m="http://schemas.openxmlformats.org/officeDocument/2006/math">
+                    <m:oMathParaPr>
+                      <m:jc m:val="centerGroup"/>
+                    </m:oMathParaPr>
+                    <m:oMath xmlns:m="http://schemas.openxmlformats.org/officeDocument/2006/math">
+                      <m:sSub>
+                        <m:sSubPr>
+                          <m:ctrlPr>
+                            <a:rPr lang="en-US" altLang="zh-CN" sz="3200" b="0" i="1" smtClean="0">
+                              <a:latin typeface="Cambria Math" panose="02040503050406030204" pitchFamily="18" charset="0"/>
+                            </a:rPr>
+                          </m:ctrlPr>
+                        </m:sSubPr>
+                        <m:e>
+                          <m:r>
+                            <a:rPr lang="en-US" altLang="zh-CN" sz="3200" b="0" i="1" smtClean="0">
+                              <a:latin typeface="Cambria Math" panose="02040503050406030204" pitchFamily="18" charset="0"/>
+                            </a:rPr>
+                            <m:t>𝑑</m:t>
+                          </m:r>
+                        </m:e>
+                        <m:sub>
+                          <m:r>
+                            <a:rPr lang="en-US" altLang="zh-CN" sz="3200" b="0" i="1" smtClean="0">
+                              <a:latin typeface="Cambria Math" panose="02040503050406030204" pitchFamily="18" charset="0"/>
+                            </a:rPr>
+                            <m:t>𝑄</m:t>
+                          </m:r>
+                        </m:sub>
+                      </m:sSub>
+                    </m:oMath>
+                  </m:oMathPara>
+                </a14:m>
+                <a:endParaRPr lang="zh-CN" altLang="en-US" dirty="0"/>
+              </a:p>
+            </p:txBody>
+          </p:sp>
+        </mc:Choice>
+        <mc:Fallback>
+          <p:sp>
+            <p:nvSpPr>
+              <p:cNvPr id="34" name="文本框 33">
+                <a:extLst>
+                  <a:ext uri="{FF2B5EF4-FFF2-40B4-BE49-F238E27FC236}">
+                    <a16:creationId xmlns:a16="http://schemas.microsoft.com/office/drawing/2014/main" id="{54EFBC8C-6B52-2B52-9B14-740C1139D1E0}"/>
+                  </a:ext>
+                </a:extLst>
+              </p:cNvPr>
+              <p:cNvSpPr txBox="1">
+                <a:spLocks noRot="1" noChangeAspect="1" noMove="1" noResize="1" noEditPoints="1" noAdjustHandles="1" noChangeArrowheads="1" noChangeShapeType="1" noTextEdit="1"/>
+              </p:cNvSpPr>
+              <p:nvPr/>
+            </p:nvSpPr>
+            <p:spPr>
+              <a:xfrm>
+                <a:off x="5833107" y="261659"/>
+                <a:ext cx="582915" cy="527196"/>
+              </a:xfrm>
+              <a:prstGeom prst="rect">
+                <a:avLst/>
+              </a:prstGeom>
+              <a:blipFill>
+                <a:blip r:embed="rId7"/>
+                <a:stretch>
+                  <a:fillRect/>
+                </a:stretch>
+              </a:blipFill>
+            </p:spPr>
+            <p:txBody>
+              <a:bodyPr/>
+              <a:lstStyle/>
+              <a:p>
+                <a:r>
+                  <a:rPr lang="zh-CN" altLang="en-US">
+                    <a:noFill/>
+                  </a:rPr>
+                  <a:t> </a:t>
+                </a:r>
+              </a:p>
+            </p:txBody>
+          </p:sp>
+        </mc:Fallback>
+      </mc:AlternateContent>
+      <mc:AlternateContent xmlns:mc="http://schemas.openxmlformats.org/markup-compatibility/2006">
+        <mc:Choice xmlns:a14="http://schemas.microsoft.com/office/drawing/2010/main" Requires="a14">
+          <p:sp>
+            <p:nvSpPr>
+              <p:cNvPr id="35" name="文本框 34">
+                <a:extLst>
+                  <a:ext uri="{FF2B5EF4-FFF2-40B4-BE49-F238E27FC236}">
+                    <a16:creationId xmlns:a16="http://schemas.microsoft.com/office/drawing/2014/main" id="{913C01D0-6461-E717-9E17-EB39C511A584}"/>
+                  </a:ext>
+                </a:extLst>
+              </p:cNvPr>
+              <p:cNvSpPr txBox="1"/>
+              <p:nvPr/>
+            </p:nvSpPr>
+            <p:spPr>
+              <a:xfrm>
+                <a:off x="5833107" y="1973167"/>
+                <a:ext cx="591957" cy="492443"/>
+              </a:xfrm>
+              <a:prstGeom prst="rect">
+                <a:avLst/>
+              </a:prstGeom>
+              <a:noFill/>
+            </p:spPr>
+            <p:txBody>
+              <a:bodyPr wrap="none" lIns="0" tIns="0" rIns="0" bIns="0" rtlCol="0">
+                <a:spAutoFit/>
+              </a:bodyPr>
+              <a:lstStyle/>
+              <a:p>
+                <a:pPr/>
+                <a14:m>
+                  <m:oMathPara xmlns:m="http://schemas.openxmlformats.org/officeDocument/2006/math">
+                    <m:oMathParaPr>
+                      <m:jc m:val="centerGroup"/>
+                    </m:oMathParaPr>
+                    <m:oMath xmlns:m="http://schemas.openxmlformats.org/officeDocument/2006/math">
+                      <m:sSub>
+                        <m:sSubPr>
+                          <m:ctrlPr>
+                            <a:rPr lang="en-US" altLang="zh-CN" sz="3200" b="0" i="1" smtClean="0">
+                              <a:latin typeface="Cambria Math" panose="02040503050406030204" pitchFamily="18" charset="0"/>
+                            </a:rPr>
+                          </m:ctrlPr>
+                        </m:sSubPr>
+                        <m:e>
+                          <m:r>
+                            <a:rPr lang="en-US" altLang="zh-CN" sz="3200" b="0" i="1" smtClean="0">
+                              <a:latin typeface="Cambria Math" panose="02040503050406030204" pitchFamily="18" charset="0"/>
+                            </a:rPr>
+                            <m:t>𝑑</m:t>
+                          </m:r>
+                        </m:e>
+                        <m:sub>
+                          <m:r>
+                            <a:rPr lang="en-US" altLang="zh-CN" sz="3200" b="0" i="1" smtClean="0">
+                              <a:latin typeface="Cambria Math" panose="02040503050406030204" pitchFamily="18" charset="0"/>
+                            </a:rPr>
+                            <m:t>𝐾</m:t>
+                          </m:r>
+                        </m:sub>
+                      </m:sSub>
+                    </m:oMath>
+                  </m:oMathPara>
+                </a14:m>
+                <a:endParaRPr lang="zh-CN" altLang="en-US" dirty="0"/>
+              </a:p>
+            </p:txBody>
+          </p:sp>
+        </mc:Choice>
+        <mc:Fallback>
+          <p:sp>
+            <p:nvSpPr>
+              <p:cNvPr id="35" name="文本框 34">
+                <a:extLst>
+                  <a:ext uri="{FF2B5EF4-FFF2-40B4-BE49-F238E27FC236}">
+                    <a16:creationId xmlns:a16="http://schemas.microsoft.com/office/drawing/2014/main" id="{913C01D0-6461-E717-9E17-EB39C511A584}"/>
+                  </a:ext>
+                </a:extLst>
+              </p:cNvPr>
+              <p:cNvSpPr txBox="1">
+                <a:spLocks noRot="1" noChangeAspect="1" noMove="1" noResize="1" noEditPoints="1" noAdjustHandles="1" noChangeArrowheads="1" noChangeShapeType="1" noTextEdit="1"/>
+              </p:cNvSpPr>
+              <p:nvPr/>
+            </p:nvSpPr>
+            <p:spPr>
+              <a:xfrm>
+                <a:off x="5833107" y="1973167"/>
+                <a:ext cx="591957" cy="492443"/>
+              </a:xfrm>
+              <a:prstGeom prst="rect">
+                <a:avLst/>
+              </a:prstGeom>
+              <a:blipFill>
+                <a:blip r:embed="rId8"/>
+                <a:stretch>
+                  <a:fillRect/>
+                </a:stretch>
+              </a:blipFill>
+            </p:spPr>
+            <p:txBody>
+              <a:bodyPr/>
+              <a:lstStyle/>
+              <a:p>
+                <a:r>
+                  <a:rPr lang="zh-CN" altLang="en-US">
+                    <a:noFill/>
+                  </a:rPr>
+                  <a:t> </a:t>
+                </a:r>
+              </a:p>
+            </p:txBody>
+          </p:sp>
+        </mc:Fallback>
+      </mc:AlternateContent>
+      <mc:AlternateContent xmlns:mc="http://schemas.openxmlformats.org/markup-compatibility/2006">
+        <mc:Choice xmlns:a14="http://schemas.microsoft.com/office/drawing/2010/main" Requires="a14">
+          <p:sp>
+            <p:nvSpPr>
+              <p:cNvPr id="37" name="文本框 36">
+                <a:extLst>
+                  <a:ext uri="{FF2B5EF4-FFF2-40B4-BE49-F238E27FC236}">
+                    <a16:creationId xmlns:a16="http://schemas.microsoft.com/office/drawing/2014/main" id="{276ABB66-8C3B-A194-551D-463233521C3B}"/>
+                  </a:ext>
+                </a:extLst>
+              </p:cNvPr>
+              <p:cNvSpPr txBox="1"/>
+              <p:nvPr/>
+            </p:nvSpPr>
+            <p:spPr>
+              <a:xfrm>
+                <a:off x="7852026" y="198535"/>
+                <a:ext cx="1879104" cy="581185"/>
+              </a:xfrm>
+              <a:prstGeom prst="rect">
+                <a:avLst/>
+              </a:prstGeom>
+              <a:noFill/>
+            </p:spPr>
+            <p:txBody>
+              <a:bodyPr wrap="none" lIns="0" tIns="0" rIns="0" bIns="0" rtlCol="0">
+                <a:spAutoFit/>
+              </a:bodyPr>
+              <a:lstStyle/>
+              <a:p>
+                <a:pPr/>
+                <a14:m>
+                  <m:oMathPara xmlns:m="http://schemas.openxmlformats.org/officeDocument/2006/math">
+                    <m:oMathParaPr>
+                      <m:jc m:val="centerGroup"/>
+                    </m:oMathParaPr>
+                    <m:oMath xmlns:m="http://schemas.openxmlformats.org/officeDocument/2006/math">
+                      <m:sSub>
+                        <m:sSubPr>
+                          <m:ctrlPr>
+                            <a:rPr lang="en-US" altLang="zh-CN" sz="3200" b="0" i="1" smtClean="0">
+                              <a:latin typeface="Cambria Math" panose="02040503050406030204" pitchFamily="18" charset="0"/>
+                            </a:rPr>
+                          </m:ctrlPr>
+                        </m:sSubPr>
+                        <m:e>
+                          <m:r>
+                            <a:rPr lang="en-US" altLang="zh-CN" sz="3200" b="0" i="1" smtClean="0">
+                              <a:latin typeface="Cambria Math" panose="02040503050406030204" pitchFamily="18" charset="0"/>
+                            </a:rPr>
+                            <m:t>𝑑</m:t>
+                          </m:r>
+                        </m:e>
+                        <m:sub>
+                          <m:sSub>
+                            <m:sSubPr>
+                              <m:ctrlPr>
+                                <a:rPr lang="en-US" altLang="zh-CN" sz="3200" b="0" i="1" smtClean="0">
+                                  <a:latin typeface="Cambria Math" panose="02040503050406030204" pitchFamily="18" charset="0"/>
+                                </a:rPr>
+                              </m:ctrlPr>
+                            </m:sSubPr>
+                            <m:e>
+                              <m:r>
+                                <a:rPr lang="en-US" altLang="zh-CN" sz="3200" b="0" i="1" smtClean="0">
+                                  <a:latin typeface="Cambria Math" panose="02040503050406030204" pitchFamily="18" charset="0"/>
+                                </a:rPr>
+                                <m:t>𝑊</m:t>
+                              </m:r>
+                            </m:e>
+                            <m:sub>
+                              <m:r>
+                                <a:rPr lang="en-US" altLang="zh-CN" sz="3200" b="0" i="1" smtClean="0">
+                                  <a:latin typeface="Cambria Math" panose="02040503050406030204" pitchFamily="18" charset="0"/>
+                                </a:rPr>
+                                <m:t>𝑄</m:t>
+                              </m:r>
+                            </m:sub>
+                          </m:sSub>
+                        </m:sub>
+                      </m:sSub>
+                      <m:r>
+                        <a:rPr lang="en-US" altLang="zh-CN" sz="3200" b="0" i="1" smtClean="0">
+                          <a:latin typeface="Cambria Math" panose="02040503050406030204" pitchFamily="18" charset="0"/>
+                        </a:rPr>
+                        <m:t>   </m:t>
+                      </m:r>
+                      <m:sSub>
+                        <m:sSubPr>
+                          <m:ctrlPr>
+                            <a:rPr lang="en-US" altLang="zh-CN" sz="3200" b="0" i="1" smtClean="0">
+                              <a:latin typeface="Cambria Math" panose="02040503050406030204" pitchFamily="18" charset="0"/>
+                            </a:rPr>
+                          </m:ctrlPr>
+                        </m:sSubPr>
+                        <m:e>
+                          <m:r>
+                            <a:rPr lang="en-US" altLang="zh-CN" sz="3200" b="0" i="1" smtClean="0">
+                              <a:latin typeface="Cambria Math" panose="02040503050406030204" pitchFamily="18" charset="0"/>
+                            </a:rPr>
+                            <m:t>𝑑</m:t>
+                          </m:r>
+                        </m:e>
+                        <m:sub>
+                          <m:sSub>
+                            <m:sSubPr>
+                              <m:ctrlPr>
+                                <a:rPr lang="en-US" altLang="zh-CN" sz="3200" b="0" i="1" smtClean="0">
+                                  <a:latin typeface="Cambria Math" panose="02040503050406030204" pitchFamily="18" charset="0"/>
+                                </a:rPr>
+                              </m:ctrlPr>
+                            </m:sSubPr>
+                            <m:e>
+                              <m:r>
+                                <a:rPr lang="en-US" altLang="zh-CN" sz="3200" b="0" i="1" smtClean="0">
+                                  <a:latin typeface="Cambria Math" panose="02040503050406030204" pitchFamily="18" charset="0"/>
+                                </a:rPr>
+                                <m:t>𝑋</m:t>
+                              </m:r>
+                            </m:e>
+                            <m:sub>
+                              <m:r>
+                                <a:rPr lang="en-US" altLang="zh-CN" sz="3200" b="0" i="1" smtClean="0">
+                                  <a:latin typeface="Cambria Math" panose="02040503050406030204" pitchFamily="18" charset="0"/>
+                                </a:rPr>
+                                <m:t>𝑄</m:t>
+                              </m:r>
+                            </m:sub>
+                          </m:sSub>
+                        </m:sub>
+                      </m:sSub>
+                      <m:r>
+                        <a:rPr lang="en-US" altLang="zh-CN" sz="3200" b="0" i="1" smtClean="0">
+                          <a:latin typeface="Cambria Math" panose="02040503050406030204" pitchFamily="18" charset="0"/>
+                        </a:rPr>
+                        <m:t> </m:t>
+                      </m:r>
+                    </m:oMath>
+                  </m:oMathPara>
+                </a14:m>
+                <a:endParaRPr lang="zh-CN" altLang="en-US" dirty="0"/>
+              </a:p>
+            </p:txBody>
+          </p:sp>
+        </mc:Choice>
+        <mc:Fallback>
+          <p:sp>
+            <p:nvSpPr>
+              <p:cNvPr id="37" name="文本框 36">
+                <a:extLst>
+                  <a:ext uri="{FF2B5EF4-FFF2-40B4-BE49-F238E27FC236}">
+                    <a16:creationId xmlns:a16="http://schemas.microsoft.com/office/drawing/2014/main" id="{276ABB66-8C3B-A194-551D-463233521C3B}"/>
+                  </a:ext>
+                </a:extLst>
+              </p:cNvPr>
+              <p:cNvSpPr txBox="1">
+                <a:spLocks noRot="1" noChangeAspect="1" noMove="1" noResize="1" noEditPoints="1" noAdjustHandles="1" noChangeArrowheads="1" noChangeShapeType="1" noTextEdit="1"/>
+              </p:cNvSpPr>
+              <p:nvPr/>
+            </p:nvSpPr>
+            <p:spPr>
+              <a:xfrm>
+                <a:off x="7852026" y="198535"/>
+                <a:ext cx="1879104" cy="581185"/>
+              </a:xfrm>
+              <a:prstGeom prst="rect">
+                <a:avLst/>
+              </a:prstGeom>
+              <a:blipFill>
+                <a:blip r:embed="rId9"/>
+                <a:stretch>
+                  <a:fillRect/>
+                </a:stretch>
+              </a:blipFill>
+            </p:spPr>
+            <p:txBody>
+              <a:bodyPr/>
+              <a:lstStyle/>
+              <a:p>
+                <a:r>
+                  <a:rPr lang="zh-CN" altLang="en-US">
+                    <a:noFill/>
+                  </a:rPr>
+                  <a:t> </a:t>
+                </a:r>
+              </a:p>
+            </p:txBody>
+          </p:sp>
+        </mc:Fallback>
+      </mc:AlternateContent>
+      <mc:AlternateContent xmlns:mc="http://schemas.openxmlformats.org/markup-compatibility/2006">
+        <mc:Choice xmlns:a14="http://schemas.microsoft.com/office/drawing/2010/main" Requires="a14">
+          <p:sp>
+            <p:nvSpPr>
+              <p:cNvPr id="38" name="文本框 37">
+                <a:extLst>
+                  <a:ext uri="{FF2B5EF4-FFF2-40B4-BE49-F238E27FC236}">
+                    <a16:creationId xmlns:a16="http://schemas.microsoft.com/office/drawing/2014/main" id="{503DFD78-7FE5-B01D-64F8-E3875B2078ED}"/>
+                  </a:ext>
+                </a:extLst>
+              </p:cNvPr>
+              <p:cNvSpPr txBox="1"/>
+              <p:nvPr/>
+            </p:nvSpPr>
+            <p:spPr>
+              <a:xfrm>
+                <a:off x="7839202" y="1928795"/>
+                <a:ext cx="1891928" cy="534762"/>
+              </a:xfrm>
+              <a:prstGeom prst="rect">
+                <a:avLst/>
+              </a:prstGeom>
+              <a:noFill/>
+            </p:spPr>
+            <p:txBody>
+              <a:bodyPr wrap="none" lIns="0" tIns="0" rIns="0" bIns="0" rtlCol="0">
+                <a:spAutoFit/>
+              </a:bodyPr>
+              <a:lstStyle/>
+              <a:p>
+                <a:pPr/>
+                <a14:m>
+                  <m:oMathPara xmlns:m="http://schemas.openxmlformats.org/officeDocument/2006/math">
+                    <m:oMathParaPr>
+                      <m:jc m:val="centerGroup"/>
+                    </m:oMathParaPr>
+                    <m:oMath xmlns:m="http://schemas.openxmlformats.org/officeDocument/2006/math">
+                      <m:sSub>
+                        <m:sSubPr>
+                          <m:ctrlPr>
+                            <a:rPr lang="en-US" altLang="zh-CN" sz="3200" b="0" i="1" smtClean="0">
+                              <a:latin typeface="Cambria Math" panose="02040503050406030204" pitchFamily="18" charset="0"/>
+                            </a:rPr>
+                          </m:ctrlPr>
+                        </m:sSubPr>
+                        <m:e>
+                          <m:r>
+                            <a:rPr lang="en-US" altLang="zh-CN" sz="3200" b="0" i="1" smtClean="0">
+                              <a:latin typeface="Cambria Math" panose="02040503050406030204" pitchFamily="18" charset="0"/>
+                            </a:rPr>
+                            <m:t>𝑑</m:t>
+                          </m:r>
+                        </m:e>
+                        <m:sub>
+                          <m:sSub>
+                            <m:sSubPr>
+                              <m:ctrlPr>
+                                <a:rPr lang="en-US" altLang="zh-CN" sz="3200" b="0" i="1" smtClean="0">
+                                  <a:latin typeface="Cambria Math" panose="02040503050406030204" pitchFamily="18" charset="0"/>
+                                </a:rPr>
+                              </m:ctrlPr>
+                            </m:sSubPr>
+                            <m:e>
+                              <m:r>
+                                <a:rPr lang="en-US" altLang="zh-CN" sz="3200" b="0" i="1" smtClean="0">
+                                  <a:latin typeface="Cambria Math" panose="02040503050406030204" pitchFamily="18" charset="0"/>
+                                </a:rPr>
+                                <m:t>𝑊</m:t>
+                              </m:r>
+                            </m:e>
+                            <m:sub>
+                              <m:r>
+                                <a:rPr lang="en-US" altLang="zh-CN" sz="3200" b="0" i="1" smtClean="0">
+                                  <a:latin typeface="Cambria Math" panose="02040503050406030204" pitchFamily="18" charset="0"/>
+                                </a:rPr>
+                                <m:t>𝐾</m:t>
+                              </m:r>
+                            </m:sub>
+                          </m:sSub>
+                        </m:sub>
+                      </m:sSub>
+                      <m:r>
+                        <a:rPr lang="en-US" altLang="zh-CN" sz="3200" b="0" i="1" smtClean="0">
+                          <a:latin typeface="Cambria Math" panose="02040503050406030204" pitchFamily="18" charset="0"/>
+                        </a:rPr>
+                        <m:t>   </m:t>
+                      </m:r>
+                      <m:sSub>
+                        <m:sSubPr>
+                          <m:ctrlPr>
+                            <a:rPr lang="en-US" altLang="zh-CN" sz="3200" b="0" i="1" smtClean="0">
+                              <a:latin typeface="Cambria Math" panose="02040503050406030204" pitchFamily="18" charset="0"/>
+                            </a:rPr>
+                          </m:ctrlPr>
+                        </m:sSubPr>
+                        <m:e>
+                          <m:r>
+                            <a:rPr lang="en-US" altLang="zh-CN" sz="3200" b="0" i="1" smtClean="0">
+                              <a:latin typeface="Cambria Math" panose="02040503050406030204" pitchFamily="18" charset="0"/>
+                            </a:rPr>
+                            <m:t>𝑑</m:t>
+                          </m:r>
+                        </m:e>
+                        <m:sub>
+                          <m:sSub>
+                            <m:sSubPr>
+                              <m:ctrlPr>
+                                <a:rPr lang="en-US" altLang="zh-CN" sz="3200" b="0" i="1" smtClean="0">
+                                  <a:latin typeface="Cambria Math" panose="02040503050406030204" pitchFamily="18" charset="0"/>
+                                </a:rPr>
+                              </m:ctrlPr>
+                            </m:sSubPr>
+                            <m:e>
+                              <m:r>
+                                <a:rPr lang="en-US" altLang="zh-CN" sz="3200" b="0" i="1" smtClean="0">
+                                  <a:latin typeface="Cambria Math" panose="02040503050406030204" pitchFamily="18" charset="0"/>
+                                </a:rPr>
+                                <m:t>𝑋</m:t>
+                              </m:r>
+                            </m:e>
+                            <m:sub>
+                              <m:r>
+                                <a:rPr lang="en-US" altLang="zh-CN" sz="3200" b="0" i="1" smtClean="0">
+                                  <a:latin typeface="Cambria Math" panose="02040503050406030204" pitchFamily="18" charset="0"/>
+                                </a:rPr>
+                                <m:t>𝐾</m:t>
+                              </m:r>
+                            </m:sub>
+                          </m:sSub>
+                        </m:sub>
+                      </m:sSub>
+                      <m:r>
+                        <a:rPr lang="en-US" altLang="zh-CN" sz="3200" b="0" i="1" smtClean="0">
+                          <a:latin typeface="Cambria Math" panose="02040503050406030204" pitchFamily="18" charset="0"/>
+                        </a:rPr>
+                        <m:t> </m:t>
+                      </m:r>
+                    </m:oMath>
+                  </m:oMathPara>
+                </a14:m>
+                <a:endParaRPr lang="zh-CN" altLang="en-US" dirty="0"/>
+              </a:p>
+            </p:txBody>
+          </p:sp>
+        </mc:Choice>
+        <mc:Fallback>
+          <p:sp>
+            <p:nvSpPr>
+              <p:cNvPr id="38" name="文本框 37">
+                <a:extLst>
+                  <a:ext uri="{FF2B5EF4-FFF2-40B4-BE49-F238E27FC236}">
+                    <a16:creationId xmlns:a16="http://schemas.microsoft.com/office/drawing/2014/main" id="{503DFD78-7FE5-B01D-64F8-E3875B2078ED}"/>
+                  </a:ext>
+                </a:extLst>
+              </p:cNvPr>
+              <p:cNvSpPr txBox="1">
+                <a:spLocks noRot="1" noChangeAspect="1" noMove="1" noResize="1" noEditPoints="1" noAdjustHandles="1" noChangeArrowheads="1" noChangeShapeType="1" noTextEdit="1"/>
+              </p:cNvSpPr>
+              <p:nvPr/>
+            </p:nvSpPr>
+            <p:spPr>
+              <a:xfrm>
+                <a:off x="7839202" y="1928795"/>
+                <a:ext cx="1891928" cy="534762"/>
+              </a:xfrm>
+              <a:prstGeom prst="rect">
+                <a:avLst/>
+              </a:prstGeom>
+              <a:blipFill>
+                <a:blip r:embed="rId10"/>
+                <a:stretch>
+                  <a:fillRect/>
+                </a:stretch>
+              </a:blipFill>
+            </p:spPr>
+            <p:txBody>
+              <a:bodyPr/>
+              <a:lstStyle/>
+              <a:p>
+                <a:r>
+                  <a:rPr lang="zh-CN" altLang="en-US">
+                    <a:noFill/>
+                  </a:rPr>
+                  <a:t> </a:t>
+                </a:r>
+              </a:p>
+            </p:txBody>
+          </p:sp>
+        </mc:Fallback>
+      </mc:AlternateContent>
+      <mc:AlternateContent xmlns:mc="http://schemas.openxmlformats.org/markup-compatibility/2006">
+        <mc:Choice xmlns:a14="http://schemas.microsoft.com/office/drawing/2010/main" Requires="a14">
+          <p:sp>
+            <p:nvSpPr>
+              <p:cNvPr id="40" name="文本框 39">
+                <a:extLst>
+                  <a:ext uri="{FF2B5EF4-FFF2-40B4-BE49-F238E27FC236}">
+                    <a16:creationId xmlns:a16="http://schemas.microsoft.com/office/drawing/2014/main" id="{7879ADDD-114C-4E59-A7EE-6C2D258CB8FE}"/>
+                  </a:ext>
+                </a:extLst>
+              </p:cNvPr>
+              <p:cNvSpPr txBox="1"/>
+              <p:nvPr/>
+            </p:nvSpPr>
+            <p:spPr>
+              <a:xfrm>
+                <a:off x="11194813" y="2390547"/>
+                <a:ext cx="572593" cy="492443"/>
+              </a:xfrm>
+              <a:prstGeom prst="rect">
+                <a:avLst/>
+              </a:prstGeom>
+              <a:noFill/>
+            </p:spPr>
+            <p:txBody>
+              <a:bodyPr wrap="none" lIns="0" tIns="0" rIns="0" bIns="0" rtlCol="0">
+                <a:spAutoFit/>
+              </a:bodyPr>
+              <a:lstStyle/>
+              <a:p>
+                <a:pPr/>
+                <a14:m>
+                  <m:oMathPara xmlns:m="http://schemas.openxmlformats.org/officeDocument/2006/math">
+                    <m:oMathParaPr>
+                      <m:jc m:val="centerGroup"/>
+                    </m:oMathParaPr>
+                    <m:oMath xmlns:m="http://schemas.openxmlformats.org/officeDocument/2006/math">
+                      <m:sSub>
+                        <m:sSubPr>
+                          <m:ctrlPr>
+                            <a:rPr lang="en-US" altLang="zh-CN" sz="3200" b="0" i="1" smtClean="0">
+                              <a:latin typeface="Cambria Math" panose="02040503050406030204" pitchFamily="18" charset="0"/>
+                            </a:rPr>
+                          </m:ctrlPr>
+                        </m:sSubPr>
+                        <m:e>
+                          <m:r>
+                            <a:rPr lang="en-US" altLang="zh-CN" sz="3200" b="0" i="1" smtClean="0">
+                              <a:latin typeface="Cambria Math" panose="02040503050406030204" pitchFamily="18" charset="0"/>
+                            </a:rPr>
+                            <m:t>𝑑</m:t>
+                          </m:r>
+                        </m:e>
+                        <m:sub>
+                          <m:r>
+                            <a:rPr lang="en-US" altLang="zh-CN" sz="3200" b="0" i="1" smtClean="0">
+                              <a:latin typeface="Cambria Math" panose="02040503050406030204" pitchFamily="18" charset="0"/>
+                            </a:rPr>
+                            <m:t>𝑋</m:t>
+                          </m:r>
+                        </m:sub>
+                      </m:sSub>
+                    </m:oMath>
+                  </m:oMathPara>
+                </a14:m>
+                <a:endParaRPr lang="zh-CN" altLang="en-US" dirty="0"/>
+              </a:p>
+            </p:txBody>
+          </p:sp>
+        </mc:Choice>
+        <mc:Fallback>
+          <p:sp>
+            <p:nvSpPr>
+              <p:cNvPr id="40" name="文本框 39">
+                <a:extLst>
+                  <a:ext uri="{FF2B5EF4-FFF2-40B4-BE49-F238E27FC236}">
+                    <a16:creationId xmlns:a16="http://schemas.microsoft.com/office/drawing/2014/main" id="{7879ADDD-114C-4E59-A7EE-6C2D258CB8FE}"/>
+                  </a:ext>
+                </a:extLst>
+              </p:cNvPr>
+              <p:cNvSpPr txBox="1">
+                <a:spLocks noRot="1" noChangeAspect="1" noMove="1" noResize="1" noEditPoints="1" noAdjustHandles="1" noChangeArrowheads="1" noChangeShapeType="1" noTextEdit="1"/>
+              </p:cNvSpPr>
+              <p:nvPr/>
+            </p:nvSpPr>
+            <p:spPr>
+              <a:xfrm>
+                <a:off x="11194813" y="2390547"/>
+                <a:ext cx="572593" cy="492443"/>
+              </a:xfrm>
+              <a:prstGeom prst="rect">
+                <a:avLst/>
+              </a:prstGeom>
+              <a:blipFill>
+                <a:blip r:embed="rId11"/>
+                <a:stretch>
+                  <a:fillRect/>
+                </a:stretch>
+              </a:blipFill>
+            </p:spPr>
+            <p:txBody>
+              <a:bodyPr/>
+              <a:lstStyle/>
+              <a:p>
+                <a:r>
+                  <a:rPr lang="zh-CN" altLang="en-US">
+                    <a:noFill/>
+                  </a:rPr>
+                  <a:t> </a:t>
+                </a:r>
+              </a:p>
+            </p:txBody>
+          </p:sp>
+        </mc:Fallback>
+      </mc:AlternateContent>
+      <p:sp>
+        <p:nvSpPr>
+          <p:cNvPr id="41" name="矩形: 圆角 40">
+            <a:extLst>
+              <a:ext uri="{FF2B5EF4-FFF2-40B4-BE49-F238E27FC236}">
+                <a16:creationId xmlns:a16="http://schemas.microsoft.com/office/drawing/2014/main" id="{F3FA6308-97D7-504E-14B5-F71A5395CB65}"/>
+              </a:ext>
+            </a:extLst>
+          </p:cNvPr>
+          <p:cNvSpPr/>
+          <p:nvPr/>
+        </p:nvSpPr>
+        <p:spPr>
+          <a:xfrm>
+            <a:off x="345126" y="2500363"/>
+            <a:ext cx="557285" cy="602608"/>
+          </a:xfrm>
+          <a:prstGeom prst="roundRect">
+            <a:avLst>
+              <a:gd name="adj" fmla="val 0"/>
+            </a:avLst>
+          </a:prstGeom>
+          <a:solidFill>
+            <a:srgbClr val="FFC000">
+              <a:alpha val="14000"/>
+            </a:srgbClr>
+          </a:solidFill>
+        </p:spPr>
+        <p:style>
+          <a:lnRef idx="2">
+            <a:schemeClr val="accent1">
+              <a:shade val="15000"/>
+            </a:schemeClr>
+          </a:lnRef>
+          <a:fillRef idx="1">
+            <a:schemeClr val="accent1"/>
+          </a:fillRef>
+          <a:effectRef idx="0">
+            <a:schemeClr val="accent1"/>
+          </a:effectRef>
+          <a:fontRef idx="minor">
+            <a:schemeClr val="lt1"/>
+          </a:fontRef>
+        </p:style>
+        <p:txBody>
+          <a:bodyPr rtlCol="0" anchor="ctr"/>
+          <a:lstStyle/>
+          <a:p>
+            <a:pPr algn="ctr"/>
+            <a:endParaRPr lang="zh-CN" altLang="en-US"/>
+          </a:p>
+        </p:txBody>
+      </p:sp>
+      <p:sp>
+        <p:nvSpPr>
+          <p:cNvPr id="42" name="矩形: 圆角 41">
+            <a:extLst>
+              <a:ext uri="{FF2B5EF4-FFF2-40B4-BE49-F238E27FC236}">
+                <a16:creationId xmlns:a16="http://schemas.microsoft.com/office/drawing/2014/main" id="{3FF2B1C9-ED97-1CD2-F18D-537AC898DBBE}"/>
+              </a:ext>
+            </a:extLst>
+          </p:cNvPr>
+          <p:cNvSpPr/>
+          <p:nvPr/>
+        </p:nvSpPr>
+        <p:spPr>
+          <a:xfrm>
+            <a:off x="3524049" y="3951149"/>
+            <a:ext cx="870151" cy="697043"/>
+          </a:xfrm>
+          <a:prstGeom prst="roundRect">
+            <a:avLst>
+              <a:gd name="adj" fmla="val 0"/>
+            </a:avLst>
+          </a:prstGeom>
+          <a:solidFill>
+            <a:srgbClr val="FFC000">
+              <a:alpha val="14000"/>
+            </a:srgbClr>
+          </a:solidFill>
+        </p:spPr>
+        <p:style>
+          <a:lnRef idx="2">
+            <a:schemeClr val="accent1">
+              <a:shade val="15000"/>
+            </a:schemeClr>
+          </a:lnRef>
+          <a:fillRef idx="1">
+            <a:schemeClr val="accent1"/>
+          </a:fillRef>
+          <a:effectRef idx="0">
+            <a:schemeClr val="accent1"/>
+          </a:effectRef>
+          <a:fontRef idx="minor">
+            <a:schemeClr val="lt1"/>
+          </a:fontRef>
+        </p:style>
+        <p:txBody>
+          <a:bodyPr rtlCol="0" anchor="ctr"/>
+          <a:lstStyle/>
+          <a:p>
+            <a:pPr algn="ctr"/>
+            <a:endParaRPr lang="zh-CN" altLang="en-US"/>
+          </a:p>
+        </p:txBody>
+      </p:sp>
+      <p:sp>
+        <p:nvSpPr>
+          <p:cNvPr id="43" name="矩形: 圆角 42">
+            <a:extLst>
+              <a:ext uri="{FF2B5EF4-FFF2-40B4-BE49-F238E27FC236}">
+                <a16:creationId xmlns:a16="http://schemas.microsoft.com/office/drawing/2014/main" id="{BAFDF578-28F4-10EB-B36D-DF0861FF422B}"/>
+              </a:ext>
+            </a:extLst>
+          </p:cNvPr>
+          <p:cNvSpPr/>
+          <p:nvPr/>
+        </p:nvSpPr>
+        <p:spPr>
+          <a:xfrm>
+            <a:off x="7801226" y="198535"/>
+            <a:ext cx="904748" cy="697043"/>
+          </a:xfrm>
+          <a:prstGeom prst="roundRect">
+            <a:avLst>
+              <a:gd name="adj" fmla="val 0"/>
+            </a:avLst>
+          </a:prstGeom>
+          <a:solidFill>
+            <a:srgbClr val="FFC000">
+              <a:alpha val="14000"/>
+            </a:srgbClr>
+          </a:solidFill>
+        </p:spPr>
+        <p:style>
+          <a:lnRef idx="2">
+            <a:schemeClr val="accent1">
+              <a:shade val="15000"/>
+            </a:schemeClr>
+          </a:lnRef>
+          <a:fillRef idx="1">
+            <a:schemeClr val="accent1"/>
+          </a:fillRef>
+          <a:effectRef idx="0">
+            <a:schemeClr val="accent1"/>
+          </a:effectRef>
+          <a:fontRef idx="minor">
+            <a:schemeClr val="lt1"/>
+          </a:fontRef>
+        </p:style>
+        <p:txBody>
+          <a:bodyPr rtlCol="0" anchor="ctr"/>
+          <a:lstStyle/>
+          <a:p>
+            <a:pPr algn="ctr"/>
+            <a:endParaRPr lang="zh-CN" altLang="en-US"/>
+          </a:p>
+        </p:txBody>
+      </p:sp>
+      <p:sp>
+        <p:nvSpPr>
+          <p:cNvPr id="44" name="矩形: 圆角 43">
+            <a:extLst>
+              <a:ext uri="{FF2B5EF4-FFF2-40B4-BE49-F238E27FC236}">
+                <a16:creationId xmlns:a16="http://schemas.microsoft.com/office/drawing/2014/main" id="{D0522361-8748-6895-A7EB-7C932D714A69}"/>
+              </a:ext>
+            </a:extLst>
+          </p:cNvPr>
+          <p:cNvSpPr/>
+          <p:nvPr/>
+        </p:nvSpPr>
+        <p:spPr>
+          <a:xfrm>
+            <a:off x="7788402" y="1906779"/>
+            <a:ext cx="904748" cy="697043"/>
+          </a:xfrm>
+          <a:prstGeom prst="roundRect">
+            <a:avLst>
+              <a:gd name="adj" fmla="val 0"/>
+            </a:avLst>
+          </a:prstGeom>
+          <a:solidFill>
+            <a:srgbClr val="FFC000">
+              <a:alpha val="14000"/>
+            </a:srgbClr>
+          </a:solidFill>
+        </p:spPr>
+        <p:style>
+          <a:lnRef idx="2">
+            <a:schemeClr val="accent1">
+              <a:shade val="15000"/>
+            </a:schemeClr>
+          </a:lnRef>
+          <a:fillRef idx="1">
+            <a:schemeClr val="accent1"/>
+          </a:fillRef>
+          <a:effectRef idx="0">
+            <a:schemeClr val="accent1"/>
+          </a:effectRef>
+          <a:fontRef idx="minor">
+            <a:schemeClr val="lt1"/>
+          </a:fontRef>
+        </p:style>
+        <p:txBody>
+          <a:bodyPr rtlCol="0" anchor="ctr"/>
+          <a:lstStyle/>
+          <a:p>
+            <a:pPr algn="ctr"/>
+            <a:endParaRPr lang="zh-CN" altLang="en-US"/>
+          </a:p>
+        </p:txBody>
+      </p:sp>
+      <p:sp>
+        <p:nvSpPr>
+          <p:cNvPr id="48" name="矩形: 圆角 47">
+            <a:extLst>
+              <a:ext uri="{FF2B5EF4-FFF2-40B4-BE49-F238E27FC236}">
+                <a16:creationId xmlns:a16="http://schemas.microsoft.com/office/drawing/2014/main" id="{98A5B4DC-8F9A-CBD1-60D6-970F182F53AB}"/>
+              </a:ext>
+            </a:extLst>
+          </p:cNvPr>
+          <p:cNvSpPr/>
+          <p:nvPr/>
+        </p:nvSpPr>
+        <p:spPr>
+          <a:xfrm>
+            <a:off x="11090483" y="2288246"/>
+            <a:ext cx="781251" cy="697043"/>
+          </a:xfrm>
+          <a:prstGeom prst="roundRect">
+            <a:avLst>
+              <a:gd name="adj" fmla="val 0"/>
+            </a:avLst>
+          </a:prstGeom>
+          <a:solidFill>
+            <a:srgbClr val="FFC000">
+              <a:alpha val="14000"/>
+            </a:srgbClr>
+          </a:solidFill>
+        </p:spPr>
+        <p:style>
+          <a:lnRef idx="2">
+            <a:schemeClr val="accent1">
+              <a:shade val="15000"/>
+            </a:schemeClr>
+          </a:lnRef>
+          <a:fillRef idx="1">
+            <a:schemeClr val="accent1"/>
+          </a:fillRef>
+          <a:effectRef idx="0">
+            <a:schemeClr val="accent1"/>
+          </a:effectRef>
+          <a:fontRef idx="minor">
+            <a:schemeClr val="lt1"/>
+          </a:fontRef>
+        </p:style>
+        <p:txBody>
+          <a:bodyPr rtlCol="0" anchor="ctr"/>
+          <a:lstStyle/>
+          <a:p>
+            <a:pPr algn="ctr"/>
+            <a:endParaRPr lang="zh-CN" altLang="en-US"/>
+          </a:p>
+        </p:txBody>
+      </p:sp>
+      <p:sp>
+        <p:nvSpPr>
+          <p:cNvPr id="50" name="矩形: 圆角 49">
+            <a:extLst>
+              <a:ext uri="{FF2B5EF4-FFF2-40B4-BE49-F238E27FC236}">
+                <a16:creationId xmlns:a16="http://schemas.microsoft.com/office/drawing/2014/main" id="{0A42EEAA-7F74-2F88-B3B7-9938B5D44862}"/>
+              </a:ext>
+            </a:extLst>
+          </p:cNvPr>
+          <p:cNvSpPr/>
+          <p:nvPr/>
+        </p:nvSpPr>
+        <p:spPr>
+          <a:xfrm>
+            <a:off x="1676892" y="3951149"/>
+            <a:ext cx="781251" cy="697043"/>
+          </a:xfrm>
+          <a:prstGeom prst="roundRect">
+            <a:avLst>
+              <a:gd name="adj" fmla="val 0"/>
+            </a:avLst>
+          </a:prstGeom>
+          <a:solidFill>
+            <a:schemeClr val="accent1">
+              <a:lumMod val="40000"/>
+              <a:lumOff val="60000"/>
+              <a:alpha val="14000"/>
+            </a:schemeClr>
+          </a:solidFill>
+        </p:spPr>
+        <p:style>
+          <a:lnRef idx="2">
+            <a:schemeClr val="accent1">
+              <a:shade val="15000"/>
+            </a:schemeClr>
+          </a:lnRef>
+          <a:fillRef idx="1">
+            <a:schemeClr val="accent1"/>
+          </a:fillRef>
+          <a:effectRef idx="0">
+            <a:schemeClr val="accent1"/>
+          </a:effectRef>
+          <a:fontRef idx="minor">
+            <a:schemeClr val="lt1"/>
+          </a:fontRef>
+        </p:style>
+        <p:txBody>
+          <a:bodyPr rtlCol="0" anchor="ctr"/>
+          <a:lstStyle/>
+          <a:p>
+            <a:pPr algn="ctr"/>
+            <a:endParaRPr lang="zh-CN" altLang="en-US"/>
+          </a:p>
+        </p:txBody>
+      </p:sp>
+      <p:sp>
+        <p:nvSpPr>
+          <p:cNvPr id="51" name="矩形: 圆角 50">
+            <a:extLst>
+              <a:ext uri="{FF2B5EF4-FFF2-40B4-BE49-F238E27FC236}">
+                <a16:creationId xmlns:a16="http://schemas.microsoft.com/office/drawing/2014/main" id="{E7916779-9468-EEB3-BC1F-754DF6F08D4D}"/>
+              </a:ext>
+            </a:extLst>
+          </p:cNvPr>
+          <p:cNvSpPr/>
+          <p:nvPr/>
+        </p:nvSpPr>
+        <p:spPr>
+          <a:xfrm>
+            <a:off x="1676892" y="1020997"/>
+            <a:ext cx="781251" cy="697043"/>
+          </a:xfrm>
+          <a:prstGeom prst="roundRect">
+            <a:avLst>
+              <a:gd name="adj" fmla="val 0"/>
+            </a:avLst>
+          </a:prstGeom>
+          <a:solidFill>
+            <a:schemeClr val="accent1">
+              <a:lumMod val="40000"/>
+              <a:lumOff val="60000"/>
+              <a:alpha val="14000"/>
+            </a:schemeClr>
+          </a:solidFill>
+        </p:spPr>
+        <p:style>
+          <a:lnRef idx="2">
+            <a:schemeClr val="accent1">
+              <a:shade val="15000"/>
+            </a:schemeClr>
+          </a:lnRef>
+          <a:fillRef idx="1">
+            <a:schemeClr val="accent1"/>
+          </a:fillRef>
+          <a:effectRef idx="0">
+            <a:schemeClr val="accent1"/>
+          </a:effectRef>
+          <a:fontRef idx="minor">
+            <a:schemeClr val="lt1"/>
+          </a:fontRef>
+        </p:style>
+        <p:txBody>
+          <a:bodyPr rtlCol="0" anchor="ctr"/>
+          <a:lstStyle/>
+          <a:p>
+            <a:pPr algn="ctr"/>
+            <a:endParaRPr lang="zh-CN" altLang="en-US"/>
+          </a:p>
+        </p:txBody>
+      </p:sp>
+      <p:sp>
+        <p:nvSpPr>
+          <p:cNvPr id="52" name="矩形: 圆角 51">
+            <a:extLst>
+              <a:ext uri="{FF2B5EF4-FFF2-40B4-BE49-F238E27FC236}">
+                <a16:creationId xmlns:a16="http://schemas.microsoft.com/office/drawing/2014/main" id="{62B3F09A-0EBA-0530-827C-48F667D30148}"/>
+              </a:ext>
+            </a:extLst>
+          </p:cNvPr>
+          <p:cNvSpPr/>
+          <p:nvPr/>
+        </p:nvSpPr>
+        <p:spPr>
+          <a:xfrm>
+            <a:off x="3609844" y="1020996"/>
+            <a:ext cx="781251" cy="697043"/>
+          </a:xfrm>
+          <a:prstGeom prst="roundRect">
+            <a:avLst>
+              <a:gd name="adj" fmla="val 0"/>
+            </a:avLst>
+          </a:prstGeom>
+          <a:solidFill>
+            <a:schemeClr val="accent1">
+              <a:lumMod val="40000"/>
+              <a:lumOff val="60000"/>
+              <a:alpha val="14000"/>
+            </a:schemeClr>
+          </a:solidFill>
+        </p:spPr>
+        <p:style>
+          <a:lnRef idx="2">
+            <a:schemeClr val="accent1">
+              <a:shade val="15000"/>
+            </a:schemeClr>
+          </a:lnRef>
+          <a:fillRef idx="1">
+            <a:schemeClr val="accent1"/>
+          </a:fillRef>
+          <a:effectRef idx="0">
+            <a:schemeClr val="accent1"/>
+          </a:effectRef>
+          <a:fontRef idx="minor">
+            <a:schemeClr val="lt1"/>
+          </a:fontRef>
+        </p:style>
+        <p:txBody>
+          <a:bodyPr rtlCol="0" anchor="ctr"/>
+          <a:lstStyle/>
+          <a:p>
+            <a:pPr algn="ctr"/>
+            <a:endParaRPr lang="zh-CN" altLang="en-US"/>
+          </a:p>
+        </p:txBody>
+      </p:sp>
+      <p:sp>
+        <p:nvSpPr>
+          <p:cNvPr id="53" name="矩形: 圆角 52">
+            <a:extLst>
+              <a:ext uri="{FF2B5EF4-FFF2-40B4-BE49-F238E27FC236}">
+                <a16:creationId xmlns:a16="http://schemas.microsoft.com/office/drawing/2014/main" id="{E561E1CD-C833-DF3E-1A91-543D5CC476A0}"/>
+              </a:ext>
+            </a:extLst>
+          </p:cNvPr>
+          <p:cNvSpPr/>
+          <p:nvPr/>
+        </p:nvSpPr>
+        <p:spPr>
+          <a:xfrm>
+            <a:off x="5695730" y="1906778"/>
+            <a:ext cx="781251" cy="697043"/>
+          </a:xfrm>
+          <a:prstGeom prst="roundRect">
+            <a:avLst>
+              <a:gd name="adj" fmla="val 0"/>
+            </a:avLst>
+          </a:prstGeom>
+          <a:solidFill>
+            <a:schemeClr val="accent1">
+              <a:lumMod val="40000"/>
+              <a:lumOff val="60000"/>
+              <a:alpha val="14000"/>
+            </a:schemeClr>
+          </a:solidFill>
+        </p:spPr>
+        <p:style>
+          <a:lnRef idx="2">
+            <a:schemeClr val="accent1">
+              <a:shade val="15000"/>
+            </a:schemeClr>
+          </a:lnRef>
+          <a:fillRef idx="1">
+            <a:schemeClr val="accent1"/>
+          </a:fillRef>
+          <a:effectRef idx="0">
+            <a:schemeClr val="accent1"/>
+          </a:effectRef>
+          <a:fontRef idx="minor">
+            <a:schemeClr val="lt1"/>
+          </a:fontRef>
+        </p:style>
+        <p:txBody>
+          <a:bodyPr rtlCol="0" anchor="ctr"/>
+          <a:lstStyle/>
+          <a:p>
+            <a:pPr algn="ctr"/>
+            <a:endParaRPr lang="zh-CN" altLang="en-US"/>
+          </a:p>
+        </p:txBody>
+      </p:sp>
+      <p:sp>
+        <p:nvSpPr>
+          <p:cNvPr id="54" name="矩形: 圆角 53">
+            <a:extLst>
+              <a:ext uri="{FF2B5EF4-FFF2-40B4-BE49-F238E27FC236}">
+                <a16:creationId xmlns:a16="http://schemas.microsoft.com/office/drawing/2014/main" id="{5F074020-3FF8-0743-2FB7-BE9E806A7C97}"/>
+              </a:ext>
+            </a:extLst>
+          </p:cNvPr>
+          <p:cNvSpPr/>
+          <p:nvPr/>
+        </p:nvSpPr>
+        <p:spPr>
+          <a:xfrm>
+            <a:off x="5692957" y="198535"/>
+            <a:ext cx="781251" cy="697043"/>
+          </a:xfrm>
+          <a:prstGeom prst="roundRect">
+            <a:avLst>
+              <a:gd name="adj" fmla="val 0"/>
+            </a:avLst>
+          </a:prstGeom>
+          <a:solidFill>
+            <a:schemeClr val="accent1">
+              <a:lumMod val="40000"/>
+              <a:lumOff val="60000"/>
+              <a:alpha val="14000"/>
+            </a:schemeClr>
+          </a:solidFill>
+        </p:spPr>
+        <p:style>
+          <a:lnRef idx="2">
+            <a:schemeClr val="accent1">
+              <a:shade val="15000"/>
+            </a:schemeClr>
+          </a:lnRef>
+          <a:fillRef idx="1">
+            <a:schemeClr val="accent1"/>
+          </a:fillRef>
+          <a:effectRef idx="0">
+            <a:schemeClr val="accent1"/>
+          </a:effectRef>
+          <a:fontRef idx="minor">
+            <a:schemeClr val="lt1"/>
+          </a:fontRef>
+        </p:style>
+        <p:txBody>
+          <a:bodyPr rtlCol="0" anchor="ctr"/>
+          <a:lstStyle/>
+          <a:p>
+            <a:pPr algn="ctr"/>
+            <a:endParaRPr lang="zh-CN" altLang="en-US"/>
+          </a:p>
+        </p:txBody>
+      </p:sp>
+      <p:cxnSp>
+        <p:nvCxnSpPr>
+          <p:cNvPr id="58" name="直接箭头连接符 57">
+            <a:extLst>
+              <a:ext uri="{FF2B5EF4-FFF2-40B4-BE49-F238E27FC236}">
+                <a16:creationId xmlns:a16="http://schemas.microsoft.com/office/drawing/2014/main" id="{79471702-F10D-0724-370B-6271A3C538C0}"/>
+              </a:ext>
+            </a:extLst>
+          </p:cNvPr>
+          <p:cNvCxnSpPr>
+            <a:cxnSpLocks/>
+            <a:stCxn id="41" idx="3"/>
+            <a:endCxn id="50" idx="1"/>
+          </p:cNvCxnSpPr>
+          <p:nvPr/>
+        </p:nvCxnSpPr>
+        <p:spPr>
+          <a:xfrm>
+            <a:off x="902411" y="2801667"/>
+            <a:ext cx="774481" cy="1498004"/>
+          </a:xfrm>
+          <a:prstGeom prst="straightConnector1">
+            <a:avLst/>
+          </a:prstGeom>
+          <a:ln>
+            <a:tailEnd type="triangle"/>
+          </a:ln>
+        </p:spPr>
+        <p:style>
+          <a:lnRef idx="2">
+            <a:schemeClr val="accent1"/>
+          </a:lnRef>
+          <a:fillRef idx="0">
+            <a:schemeClr val="accent1"/>
+          </a:fillRef>
+          <a:effectRef idx="1">
+            <a:schemeClr val="accent1"/>
+          </a:effectRef>
+          <a:fontRef idx="minor">
+            <a:schemeClr val="tx1"/>
+          </a:fontRef>
+        </p:style>
+      </p:cxnSp>
+      <p:cxnSp>
+        <p:nvCxnSpPr>
+          <p:cNvPr id="61" name="直接箭头连接符 60">
+            <a:extLst>
+              <a:ext uri="{FF2B5EF4-FFF2-40B4-BE49-F238E27FC236}">
+                <a16:creationId xmlns:a16="http://schemas.microsoft.com/office/drawing/2014/main" id="{A55FA5B5-D85D-3A37-68B6-7D7F6CE1B2A1}"/>
+              </a:ext>
+            </a:extLst>
+          </p:cNvPr>
+          <p:cNvCxnSpPr>
+            <a:cxnSpLocks/>
+            <a:stCxn id="50" idx="3"/>
+            <a:endCxn id="82" idx="1"/>
+          </p:cNvCxnSpPr>
+          <p:nvPr/>
+        </p:nvCxnSpPr>
+        <p:spPr>
+          <a:xfrm flipV="1">
+            <a:off x="2458143" y="4299669"/>
+            <a:ext cx="977915" cy="2"/>
+          </a:xfrm>
+          <a:prstGeom prst="straightConnector1">
+            <a:avLst/>
+          </a:prstGeom>
+          <a:ln>
+            <a:tailEnd type="triangle"/>
+          </a:ln>
+        </p:spPr>
+        <p:style>
+          <a:lnRef idx="2">
+            <a:schemeClr val="accent1"/>
+          </a:lnRef>
+          <a:fillRef idx="0">
+            <a:schemeClr val="accent1"/>
+          </a:fillRef>
+          <a:effectRef idx="1">
+            <a:schemeClr val="accent1"/>
+          </a:effectRef>
+          <a:fontRef idx="minor">
+            <a:schemeClr val="tx1"/>
+          </a:fontRef>
+        </p:style>
+      </p:cxnSp>
+      <p:cxnSp>
+        <p:nvCxnSpPr>
+          <p:cNvPr id="66" name="直接箭头连接符 65">
+            <a:extLst>
+              <a:ext uri="{FF2B5EF4-FFF2-40B4-BE49-F238E27FC236}">
+                <a16:creationId xmlns:a16="http://schemas.microsoft.com/office/drawing/2014/main" id="{DAB05111-959F-270F-19D6-0C9E68C267A5}"/>
+              </a:ext>
+            </a:extLst>
+          </p:cNvPr>
+          <p:cNvCxnSpPr>
+            <a:cxnSpLocks/>
+            <a:stCxn id="52" idx="3"/>
+            <a:endCxn id="54" idx="1"/>
+          </p:cNvCxnSpPr>
+          <p:nvPr/>
+        </p:nvCxnSpPr>
+        <p:spPr>
+          <a:xfrm flipV="1">
+            <a:off x="4391095" y="547057"/>
+            <a:ext cx="1301862" cy="822461"/>
+          </a:xfrm>
+          <a:prstGeom prst="straightConnector1">
+            <a:avLst/>
+          </a:prstGeom>
+          <a:ln>
+            <a:tailEnd type="triangle"/>
+          </a:ln>
+        </p:spPr>
+        <p:style>
+          <a:lnRef idx="2">
+            <a:schemeClr val="accent1"/>
+          </a:lnRef>
+          <a:fillRef idx="0">
+            <a:schemeClr val="accent1"/>
+          </a:fillRef>
+          <a:effectRef idx="1">
+            <a:schemeClr val="accent1"/>
+          </a:effectRef>
+          <a:fontRef idx="minor">
+            <a:schemeClr val="tx1"/>
+          </a:fontRef>
+        </p:style>
+      </p:cxnSp>
+      <p:cxnSp>
+        <p:nvCxnSpPr>
+          <p:cNvPr id="69" name="直接箭头连接符 68">
+            <a:extLst>
+              <a:ext uri="{FF2B5EF4-FFF2-40B4-BE49-F238E27FC236}">
+                <a16:creationId xmlns:a16="http://schemas.microsoft.com/office/drawing/2014/main" id="{EFF64793-EEE2-920E-D5D9-8E3444185FB9}"/>
+              </a:ext>
+            </a:extLst>
+          </p:cNvPr>
+          <p:cNvCxnSpPr>
+            <a:cxnSpLocks/>
+            <a:stCxn id="52" idx="3"/>
+            <a:endCxn id="53" idx="1"/>
+          </p:cNvCxnSpPr>
+          <p:nvPr/>
+        </p:nvCxnSpPr>
+        <p:spPr>
+          <a:xfrm>
+            <a:off x="4391095" y="1369518"/>
+            <a:ext cx="1304635" cy="885782"/>
+          </a:xfrm>
+          <a:prstGeom prst="straightConnector1">
+            <a:avLst/>
+          </a:prstGeom>
+          <a:ln>
+            <a:tailEnd type="triangle"/>
+          </a:ln>
+        </p:spPr>
+        <p:style>
+          <a:lnRef idx="2">
+            <a:schemeClr val="accent1"/>
+          </a:lnRef>
+          <a:fillRef idx="0">
+            <a:schemeClr val="accent1"/>
+          </a:fillRef>
+          <a:effectRef idx="1">
+            <a:schemeClr val="accent1"/>
+          </a:effectRef>
+          <a:fontRef idx="minor">
+            <a:schemeClr val="tx1"/>
+          </a:fontRef>
+        </p:style>
+      </p:cxnSp>
+      <p:cxnSp>
+        <p:nvCxnSpPr>
+          <p:cNvPr id="72" name="直接箭头连接符 71">
+            <a:extLst>
+              <a:ext uri="{FF2B5EF4-FFF2-40B4-BE49-F238E27FC236}">
+                <a16:creationId xmlns:a16="http://schemas.microsoft.com/office/drawing/2014/main" id="{54F744DF-98EB-C4D5-39D4-8F1ED0A2D671}"/>
+              </a:ext>
+            </a:extLst>
+          </p:cNvPr>
+          <p:cNvCxnSpPr>
+            <a:cxnSpLocks/>
+            <a:stCxn id="53" idx="3"/>
+            <a:endCxn id="87" idx="1"/>
+          </p:cNvCxnSpPr>
+          <p:nvPr/>
+        </p:nvCxnSpPr>
+        <p:spPr>
+          <a:xfrm>
+            <a:off x="6476981" y="2255300"/>
+            <a:ext cx="1240856" cy="4376"/>
+          </a:xfrm>
+          <a:prstGeom prst="straightConnector1">
+            <a:avLst/>
+          </a:prstGeom>
+          <a:ln>
+            <a:tailEnd type="triangle"/>
+          </a:ln>
+        </p:spPr>
+        <p:style>
+          <a:lnRef idx="2">
+            <a:schemeClr val="accent1"/>
+          </a:lnRef>
+          <a:fillRef idx="0">
+            <a:schemeClr val="accent1"/>
+          </a:fillRef>
+          <a:effectRef idx="1">
+            <a:schemeClr val="accent1"/>
+          </a:effectRef>
+          <a:fontRef idx="minor">
+            <a:schemeClr val="tx1"/>
+          </a:fontRef>
+        </p:style>
+      </p:cxnSp>
+      <p:cxnSp>
+        <p:nvCxnSpPr>
+          <p:cNvPr id="75" name="直接箭头连接符 74">
+            <a:extLst>
+              <a:ext uri="{FF2B5EF4-FFF2-40B4-BE49-F238E27FC236}">
+                <a16:creationId xmlns:a16="http://schemas.microsoft.com/office/drawing/2014/main" id="{4C51E39A-ACF0-F60C-5CEC-6A97D990F79F}"/>
+              </a:ext>
+            </a:extLst>
+          </p:cNvPr>
+          <p:cNvCxnSpPr>
+            <a:cxnSpLocks/>
+            <a:stCxn id="54" idx="3"/>
+            <a:endCxn id="85" idx="1"/>
+          </p:cNvCxnSpPr>
+          <p:nvPr/>
+        </p:nvCxnSpPr>
+        <p:spPr>
+          <a:xfrm flipV="1">
+            <a:off x="6474208" y="547056"/>
+            <a:ext cx="1261329" cy="1"/>
+          </a:xfrm>
+          <a:prstGeom prst="straightConnector1">
+            <a:avLst/>
+          </a:prstGeom>
+          <a:ln>
+            <a:tailEnd type="triangle"/>
+          </a:ln>
+        </p:spPr>
+        <p:style>
+          <a:lnRef idx="2">
+            <a:schemeClr val="accent1"/>
+          </a:lnRef>
+          <a:fillRef idx="0">
+            <a:schemeClr val="accent1"/>
+          </a:fillRef>
+          <a:effectRef idx="1">
+            <a:schemeClr val="accent1"/>
+          </a:effectRef>
+          <a:fontRef idx="minor">
+            <a:schemeClr val="tx1"/>
+          </a:fontRef>
+        </p:style>
+      </p:cxnSp>
+      <p:sp>
+        <p:nvSpPr>
+          <p:cNvPr id="79" name="矩形: 圆角 78">
+            <a:extLst>
+              <a:ext uri="{FF2B5EF4-FFF2-40B4-BE49-F238E27FC236}">
+                <a16:creationId xmlns:a16="http://schemas.microsoft.com/office/drawing/2014/main" id="{ED90157F-5979-13DD-135B-5E3452228181}"/>
+              </a:ext>
+            </a:extLst>
+          </p:cNvPr>
+          <p:cNvSpPr/>
+          <p:nvPr/>
+        </p:nvSpPr>
+        <p:spPr>
+          <a:xfrm>
+            <a:off x="8827926" y="198535"/>
+            <a:ext cx="781251" cy="697043"/>
+          </a:xfrm>
+          <a:prstGeom prst="roundRect">
+            <a:avLst>
+              <a:gd name="adj" fmla="val 0"/>
+            </a:avLst>
+          </a:prstGeom>
+          <a:solidFill>
+            <a:schemeClr val="accent1">
+              <a:lumMod val="40000"/>
+              <a:lumOff val="60000"/>
+              <a:alpha val="14000"/>
+            </a:schemeClr>
+          </a:solidFill>
+        </p:spPr>
+        <p:style>
+          <a:lnRef idx="2">
+            <a:schemeClr val="accent1">
+              <a:shade val="15000"/>
+            </a:schemeClr>
+          </a:lnRef>
+          <a:fillRef idx="1">
+            <a:schemeClr val="accent1"/>
+          </a:fillRef>
+          <a:effectRef idx="0">
+            <a:schemeClr val="accent1"/>
+          </a:effectRef>
+          <a:fontRef idx="minor">
+            <a:schemeClr val="lt1"/>
+          </a:fontRef>
+        </p:style>
+        <p:txBody>
+          <a:bodyPr rtlCol="0" anchor="ctr"/>
+          <a:lstStyle/>
+          <a:p>
+            <a:pPr algn="ctr"/>
+            <a:endParaRPr lang="zh-CN" altLang="en-US"/>
+          </a:p>
+        </p:txBody>
+      </p:sp>
+      <p:sp>
+        <p:nvSpPr>
+          <p:cNvPr id="80" name="矩形: 圆角 79">
+            <a:extLst>
+              <a:ext uri="{FF2B5EF4-FFF2-40B4-BE49-F238E27FC236}">
+                <a16:creationId xmlns:a16="http://schemas.microsoft.com/office/drawing/2014/main" id="{73C22D5A-0603-BA3E-25C0-9A35F61BAC42}"/>
+              </a:ext>
+            </a:extLst>
+          </p:cNvPr>
+          <p:cNvSpPr/>
+          <p:nvPr/>
+        </p:nvSpPr>
+        <p:spPr>
+          <a:xfrm>
+            <a:off x="8827926" y="1906777"/>
+            <a:ext cx="781251" cy="697043"/>
+          </a:xfrm>
+          <a:prstGeom prst="roundRect">
+            <a:avLst>
+              <a:gd name="adj" fmla="val 0"/>
+            </a:avLst>
+          </a:prstGeom>
+          <a:solidFill>
+            <a:schemeClr val="accent1">
+              <a:lumMod val="40000"/>
+              <a:lumOff val="60000"/>
+              <a:alpha val="14000"/>
+            </a:schemeClr>
+          </a:solidFill>
+        </p:spPr>
+        <p:style>
+          <a:lnRef idx="2">
+            <a:schemeClr val="accent1">
+              <a:shade val="15000"/>
+            </a:schemeClr>
+          </a:lnRef>
+          <a:fillRef idx="1">
+            <a:schemeClr val="accent1"/>
+          </a:fillRef>
+          <a:effectRef idx="0">
+            <a:schemeClr val="accent1"/>
+          </a:effectRef>
+          <a:fontRef idx="minor">
+            <a:schemeClr val="lt1"/>
+          </a:fontRef>
+        </p:style>
+        <p:txBody>
+          <a:bodyPr rtlCol="0" anchor="ctr"/>
+          <a:lstStyle/>
+          <a:p>
+            <a:pPr algn="ctr"/>
+            <a:endParaRPr lang="zh-CN" altLang="en-US"/>
+          </a:p>
+        </p:txBody>
+      </p:sp>
+      <p:sp>
+        <p:nvSpPr>
+          <p:cNvPr id="81" name="矩形: 圆角 80">
+            <a:extLst>
+              <a:ext uri="{FF2B5EF4-FFF2-40B4-BE49-F238E27FC236}">
+                <a16:creationId xmlns:a16="http://schemas.microsoft.com/office/drawing/2014/main" id="{14A213C0-9A7F-E51D-A872-C4BEAA9C8DA7}"/>
+              </a:ext>
+            </a:extLst>
+          </p:cNvPr>
+          <p:cNvSpPr/>
+          <p:nvPr/>
+        </p:nvSpPr>
+        <p:spPr>
+          <a:xfrm>
+            <a:off x="4496830" y="3951148"/>
+            <a:ext cx="781251" cy="697043"/>
+          </a:xfrm>
+          <a:prstGeom prst="roundRect">
+            <a:avLst>
+              <a:gd name="adj" fmla="val 0"/>
+            </a:avLst>
+          </a:prstGeom>
+          <a:solidFill>
+            <a:schemeClr val="accent1">
+              <a:lumMod val="40000"/>
+              <a:lumOff val="60000"/>
+              <a:alpha val="14000"/>
+            </a:schemeClr>
+          </a:solidFill>
+        </p:spPr>
+        <p:style>
+          <a:lnRef idx="2">
+            <a:schemeClr val="accent1">
+              <a:shade val="15000"/>
+            </a:schemeClr>
+          </a:lnRef>
+          <a:fillRef idx="1">
+            <a:schemeClr val="accent1"/>
+          </a:fillRef>
+          <a:effectRef idx="0">
+            <a:schemeClr val="accent1"/>
+          </a:effectRef>
+          <a:fontRef idx="minor">
+            <a:schemeClr val="lt1"/>
+          </a:fontRef>
+        </p:style>
+        <p:txBody>
+          <a:bodyPr rtlCol="0" anchor="ctr"/>
+          <a:lstStyle/>
+          <a:p>
+            <a:pPr algn="ctr"/>
+            <a:endParaRPr lang="zh-CN" altLang="en-US"/>
+          </a:p>
+        </p:txBody>
+      </p:sp>
+      <p:sp>
+        <p:nvSpPr>
+          <p:cNvPr id="82" name="矩形: 圆角 81">
+            <a:extLst>
+              <a:ext uri="{FF2B5EF4-FFF2-40B4-BE49-F238E27FC236}">
+                <a16:creationId xmlns:a16="http://schemas.microsoft.com/office/drawing/2014/main" id="{1E353397-A6D7-9DB3-394C-6D0DBFC69B93}"/>
+              </a:ext>
+            </a:extLst>
+          </p:cNvPr>
+          <p:cNvSpPr/>
+          <p:nvPr/>
+        </p:nvSpPr>
+        <p:spPr>
+          <a:xfrm>
+            <a:off x="3436058" y="3906410"/>
+            <a:ext cx="1944653" cy="786517"/>
+          </a:xfrm>
+          <a:prstGeom prst="roundRect">
+            <a:avLst>
+              <a:gd name="adj" fmla="val 0"/>
+            </a:avLst>
+          </a:prstGeom>
+          <a:noFill/>
+          <a:ln>
+            <a:prstDash val="dash"/>
+          </a:ln>
+        </p:spPr>
+        <p:style>
+          <a:lnRef idx="2">
+            <a:schemeClr val="accent1">
+              <a:shade val="15000"/>
+            </a:schemeClr>
+          </a:lnRef>
+          <a:fillRef idx="1">
+            <a:schemeClr val="accent1"/>
+          </a:fillRef>
+          <a:effectRef idx="0">
+            <a:schemeClr val="accent1"/>
+          </a:effectRef>
+          <a:fontRef idx="minor">
+            <a:schemeClr val="lt1"/>
+          </a:fontRef>
+        </p:style>
+        <p:txBody>
+          <a:bodyPr rtlCol="0" anchor="ctr"/>
+          <a:lstStyle/>
+          <a:p>
+            <a:pPr algn="ctr"/>
+            <a:endParaRPr lang="zh-CN" altLang="en-US"/>
+          </a:p>
+        </p:txBody>
+      </p:sp>
+      <p:sp>
+        <p:nvSpPr>
+          <p:cNvPr id="85" name="矩形: 圆角 84">
+            <a:extLst>
+              <a:ext uri="{FF2B5EF4-FFF2-40B4-BE49-F238E27FC236}">
+                <a16:creationId xmlns:a16="http://schemas.microsoft.com/office/drawing/2014/main" id="{6C944D82-765C-03A9-6126-4BDC69E1E532}"/>
+              </a:ext>
+            </a:extLst>
+          </p:cNvPr>
+          <p:cNvSpPr/>
+          <p:nvPr/>
+        </p:nvSpPr>
+        <p:spPr>
+          <a:xfrm>
+            <a:off x="7735537" y="153797"/>
+            <a:ext cx="1944653" cy="786517"/>
+          </a:xfrm>
+          <a:prstGeom prst="roundRect">
+            <a:avLst>
+              <a:gd name="adj" fmla="val 0"/>
+            </a:avLst>
+          </a:prstGeom>
+          <a:noFill/>
+          <a:ln>
+            <a:prstDash val="dash"/>
+          </a:ln>
+        </p:spPr>
+        <p:style>
+          <a:lnRef idx="2">
+            <a:schemeClr val="accent1">
+              <a:shade val="15000"/>
+            </a:schemeClr>
+          </a:lnRef>
+          <a:fillRef idx="1">
+            <a:schemeClr val="accent1"/>
+          </a:fillRef>
+          <a:effectRef idx="0">
+            <a:schemeClr val="accent1"/>
+          </a:effectRef>
+          <a:fontRef idx="minor">
+            <a:schemeClr val="lt1"/>
+          </a:fontRef>
+        </p:style>
+        <p:txBody>
+          <a:bodyPr rtlCol="0" anchor="ctr"/>
+          <a:lstStyle/>
+          <a:p>
+            <a:pPr algn="ctr"/>
+            <a:endParaRPr lang="zh-CN" altLang="en-US"/>
+          </a:p>
+        </p:txBody>
+      </p:sp>
+      <p:sp>
+        <p:nvSpPr>
+          <p:cNvPr id="87" name="矩形: 圆角 86">
+            <a:extLst>
+              <a:ext uri="{FF2B5EF4-FFF2-40B4-BE49-F238E27FC236}">
+                <a16:creationId xmlns:a16="http://schemas.microsoft.com/office/drawing/2014/main" id="{FAE458E1-FC2F-3562-AD79-71CEEC7DB152}"/>
+              </a:ext>
+            </a:extLst>
+          </p:cNvPr>
+          <p:cNvSpPr/>
+          <p:nvPr/>
+        </p:nvSpPr>
+        <p:spPr>
+          <a:xfrm>
+            <a:off x="7717837" y="1866417"/>
+            <a:ext cx="1944653" cy="786517"/>
+          </a:xfrm>
+          <a:prstGeom prst="roundRect">
+            <a:avLst>
+              <a:gd name="adj" fmla="val 0"/>
+            </a:avLst>
+          </a:prstGeom>
+          <a:noFill/>
+          <a:ln>
+            <a:prstDash val="dash"/>
+          </a:ln>
+        </p:spPr>
+        <p:style>
+          <a:lnRef idx="2">
+            <a:schemeClr val="accent1">
+              <a:shade val="15000"/>
+            </a:schemeClr>
+          </a:lnRef>
+          <a:fillRef idx="1">
+            <a:schemeClr val="accent1"/>
+          </a:fillRef>
+          <a:effectRef idx="0">
+            <a:schemeClr val="accent1"/>
+          </a:effectRef>
+          <a:fontRef idx="minor">
+            <a:schemeClr val="lt1"/>
+          </a:fontRef>
+        </p:style>
+        <p:txBody>
+          <a:bodyPr rtlCol="0" anchor="ctr"/>
+          <a:lstStyle/>
+          <a:p>
+            <a:pPr algn="ctr"/>
+            <a:endParaRPr lang="zh-CN" altLang="en-US"/>
+          </a:p>
+        </p:txBody>
+      </p:sp>
+      <p:cxnSp>
+        <p:nvCxnSpPr>
+          <p:cNvPr id="89" name="直接箭头连接符 88">
+            <a:extLst>
+              <a:ext uri="{FF2B5EF4-FFF2-40B4-BE49-F238E27FC236}">
+                <a16:creationId xmlns:a16="http://schemas.microsoft.com/office/drawing/2014/main" id="{52BA1879-BAC2-CD17-7EFE-F55E035B6DBD}"/>
+              </a:ext>
+            </a:extLst>
+          </p:cNvPr>
+          <p:cNvCxnSpPr>
+            <a:cxnSpLocks/>
+            <a:stCxn id="85" idx="3"/>
+            <a:endCxn id="48" idx="1"/>
+          </p:cNvCxnSpPr>
+          <p:nvPr/>
+        </p:nvCxnSpPr>
+        <p:spPr>
+          <a:xfrm>
+            <a:off x="9680190" y="547056"/>
+            <a:ext cx="1410293" cy="2089712"/>
+          </a:xfrm>
+          <a:prstGeom prst="straightConnector1">
+            <a:avLst/>
+          </a:prstGeom>
+          <a:ln>
+            <a:tailEnd type="triangle"/>
+          </a:ln>
+        </p:spPr>
+        <p:style>
+          <a:lnRef idx="2">
+            <a:schemeClr val="accent1"/>
+          </a:lnRef>
+          <a:fillRef idx="0">
+            <a:schemeClr val="accent1"/>
+          </a:fillRef>
+          <a:effectRef idx="1">
+            <a:schemeClr val="accent1"/>
+          </a:effectRef>
+          <a:fontRef idx="minor">
+            <a:schemeClr val="tx1"/>
+          </a:fontRef>
+        </p:style>
+      </p:cxnSp>
+      <p:cxnSp>
+        <p:nvCxnSpPr>
+          <p:cNvPr id="93" name="直接箭头连接符 92">
+            <a:extLst>
+              <a:ext uri="{FF2B5EF4-FFF2-40B4-BE49-F238E27FC236}">
+                <a16:creationId xmlns:a16="http://schemas.microsoft.com/office/drawing/2014/main" id="{8BD7F3D5-CEE6-79A6-C019-8D948C13D361}"/>
+              </a:ext>
+            </a:extLst>
+          </p:cNvPr>
+          <p:cNvCxnSpPr>
+            <a:cxnSpLocks/>
+            <a:stCxn id="82" idx="3"/>
+            <a:endCxn id="48" idx="1"/>
+          </p:cNvCxnSpPr>
+          <p:nvPr/>
+        </p:nvCxnSpPr>
+        <p:spPr>
+          <a:xfrm flipV="1">
+            <a:off x="5380711" y="2636768"/>
+            <a:ext cx="5709772" cy="1662901"/>
+          </a:xfrm>
+          <a:prstGeom prst="straightConnector1">
+            <a:avLst/>
+          </a:prstGeom>
+          <a:ln>
+            <a:tailEnd type="triangle"/>
+          </a:ln>
+        </p:spPr>
+        <p:style>
+          <a:lnRef idx="2">
+            <a:schemeClr val="accent1"/>
+          </a:lnRef>
+          <a:fillRef idx="0">
+            <a:schemeClr val="accent1"/>
+          </a:fillRef>
+          <a:effectRef idx="1">
+            <a:schemeClr val="accent1"/>
+          </a:effectRef>
+          <a:fontRef idx="minor">
+            <a:schemeClr val="tx1"/>
+          </a:fontRef>
+        </p:style>
+      </p:cxnSp>
+      <p:cxnSp>
+        <p:nvCxnSpPr>
+          <p:cNvPr id="98" name="直接箭头连接符 97">
+            <a:extLst>
+              <a:ext uri="{FF2B5EF4-FFF2-40B4-BE49-F238E27FC236}">
+                <a16:creationId xmlns:a16="http://schemas.microsoft.com/office/drawing/2014/main" id="{A506FE9F-E81D-C7D5-1A8A-7886ECAA1644}"/>
+              </a:ext>
+            </a:extLst>
+          </p:cNvPr>
+          <p:cNvCxnSpPr>
+            <a:cxnSpLocks/>
+            <a:stCxn id="87" idx="3"/>
+            <a:endCxn id="48" idx="1"/>
+          </p:cNvCxnSpPr>
+          <p:nvPr/>
+        </p:nvCxnSpPr>
+        <p:spPr>
+          <a:xfrm>
+            <a:off x="9662490" y="2259676"/>
+            <a:ext cx="1427993" cy="377092"/>
+          </a:xfrm>
+          <a:prstGeom prst="straightConnector1">
+            <a:avLst/>
+          </a:prstGeom>
+          <a:ln>
+            <a:tailEnd type="triangle"/>
+          </a:ln>
+        </p:spPr>
+        <p:style>
+          <a:lnRef idx="2">
+            <a:schemeClr val="accent1"/>
+          </a:lnRef>
+          <a:fillRef idx="0">
+            <a:schemeClr val="accent1"/>
+          </a:fillRef>
+          <a:effectRef idx="1">
+            <a:schemeClr val="accent1"/>
+          </a:effectRef>
+          <a:fontRef idx="minor">
+            <a:schemeClr val="tx1"/>
+          </a:fontRef>
+        </p:style>
+      </p:cxnSp>
+      <p:sp>
+        <p:nvSpPr>
+          <p:cNvPr id="101" name="矩形: 圆角 100">
+            <a:extLst>
+              <a:ext uri="{FF2B5EF4-FFF2-40B4-BE49-F238E27FC236}">
+                <a16:creationId xmlns:a16="http://schemas.microsoft.com/office/drawing/2014/main" id="{78DF7DA6-9DA3-C6CD-885B-8EDF68D66ABD}"/>
+              </a:ext>
+            </a:extLst>
+          </p:cNvPr>
+          <p:cNvSpPr/>
+          <p:nvPr/>
+        </p:nvSpPr>
+        <p:spPr>
+          <a:xfrm>
+            <a:off x="1692775" y="6084678"/>
+            <a:ext cx="536076" cy="518717"/>
+          </a:xfrm>
+          <a:prstGeom prst="roundRect">
+            <a:avLst>
+              <a:gd name="adj" fmla="val 0"/>
+            </a:avLst>
+          </a:prstGeom>
+          <a:solidFill>
+            <a:schemeClr val="accent1">
+              <a:lumMod val="40000"/>
+              <a:lumOff val="60000"/>
+              <a:alpha val="14000"/>
+            </a:schemeClr>
+          </a:solidFill>
+        </p:spPr>
+        <p:style>
+          <a:lnRef idx="2">
+            <a:schemeClr val="accent1">
+              <a:shade val="15000"/>
+            </a:schemeClr>
+          </a:lnRef>
+          <a:fillRef idx="1">
+            <a:schemeClr val="accent1"/>
+          </a:fillRef>
+          <a:effectRef idx="0">
+            <a:schemeClr val="accent1"/>
+          </a:effectRef>
+          <a:fontRef idx="minor">
+            <a:schemeClr val="lt1"/>
+          </a:fontRef>
+        </p:style>
+        <p:txBody>
+          <a:bodyPr rtlCol="0" anchor="ctr"/>
+          <a:lstStyle/>
+          <a:p>
+            <a:pPr algn="ctr"/>
+            <a:endParaRPr lang="zh-CN" altLang="en-US"/>
+          </a:p>
+        </p:txBody>
+      </p:sp>
+      <p:sp>
+        <p:nvSpPr>
+          <p:cNvPr id="102" name="文本框 101">
+            <a:extLst>
+              <a:ext uri="{FF2B5EF4-FFF2-40B4-BE49-F238E27FC236}">
+                <a16:creationId xmlns:a16="http://schemas.microsoft.com/office/drawing/2014/main" id="{B245F2E1-57B0-0287-04AC-D824DAE02BBD}"/>
+              </a:ext>
+            </a:extLst>
+          </p:cNvPr>
+          <p:cNvSpPr txBox="1"/>
+          <p:nvPr/>
+        </p:nvSpPr>
+        <p:spPr>
+          <a:xfrm>
+            <a:off x="2308695" y="6143981"/>
+            <a:ext cx="2462597" cy="400110"/>
+          </a:xfrm>
+          <a:prstGeom prst="rect">
+            <a:avLst/>
+          </a:prstGeom>
+          <a:noFill/>
+        </p:spPr>
+        <p:txBody>
+          <a:bodyPr wrap="none" rtlCol="0">
+            <a:spAutoFit/>
+          </a:bodyPr>
+          <a:lstStyle/>
+          <a:p>
+            <a:r>
+              <a:rPr lang="en-US" altLang="zh-CN" sz="2000" dirty="0">
+                <a:latin typeface="微软雅黑" panose="020B0503020204020204" pitchFamily="34" charset="-122"/>
+                <a:ea typeface="微软雅黑" panose="020B0503020204020204" pitchFamily="34" charset="-122"/>
+              </a:rPr>
+              <a:t>Intermediate node</a:t>
+            </a:r>
+          </a:p>
+        </p:txBody>
+      </p:sp>
+      <p:sp>
+        <p:nvSpPr>
+          <p:cNvPr id="103" name="矩形: 圆角 102">
+            <a:extLst>
+              <a:ext uri="{FF2B5EF4-FFF2-40B4-BE49-F238E27FC236}">
+                <a16:creationId xmlns:a16="http://schemas.microsoft.com/office/drawing/2014/main" id="{50C78714-5ADC-CC51-109D-B6D96724CA12}"/>
+              </a:ext>
+            </a:extLst>
+          </p:cNvPr>
+          <p:cNvSpPr/>
+          <p:nvPr/>
+        </p:nvSpPr>
+        <p:spPr>
+          <a:xfrm>
+            <a:off x="7721499" y="6084677"/>
+            <a:ext cx="536076" cy="518717"/>
+          </a:xfrm>
+          <a:prstGeom prst="roundRect">
+            <a:avLst>
+              <a:gd name="adj" fmla="val 0"/>
+            </a:avLst>
+          </a:prstGeom>
+          <a:solidFill>
+            <a:srgbClr val="FFC000">
+              <a:alpha val="14000"/>
+            </a:srgbClr>
+          </a:solidFill>
+        </p:spPr>
+        <p:style>
+          <a:lnRef idx="2">
+            <a:schemeClr val="accent1">
+              <a:shade val="15000"/>
+            </a:schemeClr>
+          </a:lnRef>
+          <a:fillRef idx="1">
+            <a:schemeClr val="accent1"/>
+          </a:fillRef>
+          <a:effectRef idx="0">
+            <a:schemeClr val="accent1"/>
+          </a:effectRef>
+          <a:fontRef idx="minor">
+            <a:schemeClr val="lt1"/>
+          </a:fontRef>
+        </p:style>
+        <p:txBody>
+          <a:bodyPr rtlCol="0" anchor="ctr"/>
+          <a:lstStyle/>
+          <a:p>
+            <a:pPr algn="ctr"/>
+            <a:endParaRPr lang="zh-CN" altLang="en-US"/>
+          </a:p>
+        </p:txBody>
+      </p:sp>
+      <p:sp>
+        <p:nvSpPr>
+          <p:cNvPr id="104" name="文本框 103">
+            <a:extLst>
+              <a:ext uri="{FF2B5EF4-FFF2-40B4-BE49-F238E27FC236}">
+                <a16:creationId xmlns:a16="http://schemas.microsoft.com/office/drawing/2014/main" id="{71A26E26-A51E-5B3A-9947-C4EA93870C97}"/>
+              </a:ext>
+            </a:extLst>
+          </p:cNvPr>
+          <p:cNvSpPr txBox="1"/>
+          <p:nvPr/>
+        </p:nvSpPr>
+        <p:spPr>
+          <a:xfrm>
+            <a:off x="8362597" y="6143981"/>
+            <a:ext cx="1335622" cy="400110"/>
+          </a:xfrm>
+          <a:prstGeom prst="rect">
+            <a:avLst/>
+          </a:prstGeom>
+          <a:noFill/>
+        </p:spPr>
+        <p:txBody>
+          <a:bodyPr wrap="none" rtlCol="0">
+            <a:spAutoFit/>
+          </a:bodyPr>
+          <a:lstStyle/>
+          <a:p>
+            <a:r>
+              <a:rPr lang="en-US" altLang="zh-CN" sz="2000" dirty="0">
+                <a:latin typeface="微软雅黑" panose="020B0503020204020204" pitchFamily="34" charset="-122"/>
+                <a:ea typeface="微软雅黑" panose="020B0503020204020204" pitchFamily="34" charset="-122"/>
+              </a:rPr>
+              <a:t>leaf node</a:t>
+            </a:r>
+          </a:p>
+        </p:txBody>
+      </p:sp>
+    </p:spTree>
+    <p:extLst>
+      <p:ext uri="{BB962C8B-B14F-4D97-AF65-F5344CB8AC3E}">
+        <p14:creationId xmlns:p14="http://schemas.microsoft.com/office/powerpoint/2010/main" val="1838379132"/>
+      </p:ext>
+    </p:extLst>
+  </p:cSld>
+  <p:clrMapOvr>
+    <a:masterClrMapping/>
+  </p:clrMapOvr>
+</p:sld>
+</file>
+
+<file path=ppt/slides/slide12.xml><?xml version="1.0" encoding="utf-8"?>
+<p:sld xmlns:a="http://schemas.openxmlformats.org/drawingml/2006/main" xmlns:r="http://schemas.openxmlformats.org/officeDocument/2006/relationships" xmlns:p="http://schemas.openxmlformats.org/presentationml/2006/main">
+  <p:cSld>
+    <p:spTree>
+      <p:nvGrpSpPr>
+        <p:cNvPr id="1" name=""/>
+        <p:cNvGrpSpPr/>
+        <p:nvPr/>
+      </p:nvGrpSpPr>
+      <p:grpSpPr>
+        <a:xfrm>
+          <a:off x="0" y="0"/>
+          <a:ext cx="0" cy="0"/>
+          <a:chOff x="0" y="0"/>
+          <a:chExt cx="0" cy="0"/>
+        </a:xfrm>
+      </p:grpSpPr>
+    </p:spTree>
+    <p:extLst>
+      <p:ext uri="{BB962C8B-B14F-4D97-AF65-F5344CB8AC3E}">
+        <p14:creationId xmlns:p14="http://schemas.microsoft.com/office/powerpoint/2010/main" val="1869430196"/>
       </p:ext>
     </p:extLst>
   </p:cSld>

--- a/images/posts/2025-03-28-blog-post/新建 Microsoft PowerPoint 演示文稿.pptx
+++ b/images/posts/2025-03-28-blog-post/新建 Microsoft PowerPoint 演示文稿.pptx
@@ -270,7 +270,7 @@
           <a:p>
             <a:fld id="{9140CE54-3337-4FC0-9FD6-16A19B958699}" type="datetimeFigureOut">
               <a:rPr lang="zh-CN" altLang="en-US" smtClean="0"/>
-              <a:t>2025/9/23</a:t>
+              <a:t>2025/9/24</a:t>
             </a:fld>
             <a:endParaRPr lang="zh-CN" altLang="en-US"/>
           </a:p>
@@ -468,7 +468,7 @@
           <a:p>
             <a:fld id="{9140CE54-3337-4FC0-9FD6-16A19B958699}" type="datetimeFigureOut">
               <a:rPr lang="zh-CN" altLang="en-US" smtClean="0"/>
-              <a:t>2025/9/23</a:t>
+              <a:t>2025/9/24</a:t>
             </a:fld>
             <a:endParaRPr lang="zh-CN" altLang="en-US"/>
           </a:p>
@@ -676,7 +676,7 @@
           <a:p>
             <a:fld id="{9140CE54-3337-4FC0-9FD6-16A19B958699}" type="datetimeFigureOut">
               <a:rPr lang="zh-CN" altLang="en-US" smtClean="0"/>
-              <a:t>2025/9/23</a:t>
+              <a:t>2025/9/24</a:t>
             </a:fld>
             <a:endParaRPr lang="zh-CN" altLang="en-US"/>
           </a:p>
@@ -874,7 +874,7 @@
           <a:p>
             <a:fld id="{9140CE54-3337-4FC0-9FD6-16A19B958699}" type="datetimeFigureOut">
               <a:rPr lang="zh-CN" altLang="en-US" smtClean="0"/>
-              <a:t>2025/9/23</a:t>
+              <a:t>2025/9/24</a:t>
             </a:fld>
             <a:endParaRPr lang="zh-CN" altLang="en-US"/>
           </a:p>
@@ -1149,7 +1149,7 @@
           <a:p>
             <a:fld id="{9140CE54-3337-4FC0-9FD6-16A19B958699}" type="datetimeFigureOut">
               <a:rPr lang="zh-CN" altLang="en-US" smtClean="0"/>
-              <a:t>2025/9/23</a:t>
+              <a:t>2025/9/24</a:t>
             </a:fld>
             <a:endParaRPr lang="zh-CN" altLang="en-US"/>
           </a:p>
@@ -1414,7 +1414,7 @@
           <a:p>
             <a:fld id="{9140CE54-3337-4FC0-9FD6-16A19B958699}" type="datetimeFigureOut">
               <a:rPr lang="zh-CN" altLang="en-US" smtClean="0"/>
-              <a:t>2025/9/23</a:t>
+              <a:t>2025/9/24</a:t>
             </a:fld>
             <a:endParaRPr lang="zh-CN" altLang="en-US"/>
           </a:p>
@@ -1826,7 +1826,7 @@
           <a:p>
             <a:fld id="{9140CE54-3337-4FC0-9FD6-16A19B958699}" type="datetimeFigureOut">
               <a:rPr lang="zh-CN" altLang="en-US" smtClean="0"/>
-              <a:t>2025/9/23</a:t>
+              <a:t>2025/9/24</a:t>
             </a:fld>
             <a:endParaRPr lang="zh-CN" altLang="en-US"/>
           </a:p>
@@ -1967,7 +1967,7 @@
           <a:p>
             <a:fld id="{9140CE54-3337-4FC0-9FD6-16A19B958699}" type="datetimeFigureOut">
               <a:rPr lang="zh-CN" altLang="en-US" smtClean="0"/>
-              <a:t>2025/9/23</a:t>
+              <a:t>2025/9/24</a:t>
             </a:fld>
             <a:endParaRPr lang="zh-CN" altLang="en-US"/>
           </a:p>
@@ -2080,7 +2080,7 @@
           <a:p>
             <a:fld id="{9140CE54-3337-4FC0-9FD6-16A19B958699}" type="datetimeFigureOut">
               <a:rPr lang="zh-CN" altLang="en-US" smtClean="0"/>
-              <a:t>2025/9/23</a:t>
+              <a:t>2025/9/24</a:t>
             </a:fld>
             <a:endParaRPr lang="zh-CN" altLang="en-US"/>
           </a:p>
@@ -2391,7 +2391,7 @@
           <a:p>
             <a:fld id="{9140CE54-3337-4FC0-9FD6-16A19B958699}" type="datetimeFigureOut">
               <a:rPr lang="zh-CN" altLang="en-US" smtClean="0"/>
-              <a:t>2025/9/23</a:t>
+              <a:t>2025/9/24</a:t>
             </a:fld>
             <a:endParaRPr lang="zh-CN" altLang="en-US"/>
           </a:p>
@@ -2679,7 +2679,7 @@
           <a:p>
             <a:fld id="{9140CE54-3337-4FC0-9FD6-16A19B958699}" type="datetimeFigureOut">
               <a:rPr lang="zh-CN" altLang="en-US" smtClean="0"/>
-              <a:t>2025/9/23</a:t>
+              <a:t>2025/9/24</a:t>
             </a:fld>
             <a:endParaRPr lang="zh-CN" altLang="en-US"/>
           </a:p>
@@ -2920,7 +2920,7 @@
           <a:p>
             <a:fld id="{9140CE54-3337-4FC0-9FD6-16A19B958699}" type="datetimeFigureOut">
               <a:rPr lang="zh-CN" altLang="en-US" smtClean="0"/>
-              <a:t>2025/9/23</a:t>
+              <a:t>2025/9/24</a:t>
             </a:fld>
             <a:endParaRPr lang="zh-CN" altLang="en-US"/>
           </a:p>
@@ -9931,8 +9931,8 @@
             </p:nvSpPr>
             <p:spPr>
               <a:xfrm>
-                <a:off x="345126" y="2500363"/>
-                <a:ext cx="582211" cy="492443"/>
+                <a:off x="412446" y="2603820"/>
+                <a:ext cx="438197" cy="369332"/>
               </a:xfrm>
               <a:prstGeom prst="rect">
                 <a:avLst/>
@@ -9955,14 +9955,14 @@
                       <m:sSub>
                         <m:sSubPr>
                           <m:ctrlPr>
-                            <a:rPr lang="en-US" altLang="zh-CN" sz="3200" b="0" i="1" smtClean="0">
+                            <a:rPr lang="en-US" altLang="zh-CN" sz="2400" b="0" i="1" smtClean="0">
                               <a:latin typeface="Cambria Math" panose="02040503050406030204" pitchFamily="18" charset="0"/>
                             </a:rPr>
                           </m:ctrlPr>
                         </m:sSubPr>
                         <m:e>
                           <m:r>
-                            <a:rPr lang="en-US" altLang="zh-CN" sz="3200" b="0" i="1" smtClean="0">
+                            <a:rPr lang="en-US" altLang="zh-CN" sz="2400" b="0" i="1" smtClean="0">
                               <a:latin typeface="Cambria Math" panose="02040503050406030204" pitchFamily="18" charset="0"/>
                             </a:rPr>
                             <m:t>𝑑</m:t>
@@ -9970,7 +9970,7 @@
                         </m:e>
                         <m:sub>
                           <m:r>
-                            <a:rPr lang="en-US" altLang="zh-CN" sz="3200" b="0" i="1" smtClean="0">
+                            <a:rPr lang="en-US" altLang="zh-CN" sz="2400" b="0" i="1" smtClean="0">
                               <a:latin typeface="Cambria Math" panose="02040503050406030204" pitchFamily="18" charset="0"/>
                             </a:rPr>
                             <m:t>𝑂</m:t>
@@ -9980,7 +9980,7 @@
                     </m:oMath>
                   </m:oMathPara>
                 </a14:m>
-                <a:endParaRPr lang="zh-CN" altLang="en-US" dirty="0"/>
+                <a:endParaRPr lang="zh-CN" altLang="en-US" sz="1400" dirty="0"/>
               </a:p>
             </p:txBody>
           </p:sp>
@@ -10002,8 +10002,8 @@
             </p:nvSpPr>
             <p:spPr>
               <a:xfrm>
-                <a:off x="345126" y="2500363"/>
-                <a:ext cx="582211" cy="492443"/>
+                <a:off x="412446" y="2603820"/>
+                <a:ext cx="438197" cy="369332"/>
               </a:xfrm>
               <a:prstGeom prst="rect">
                 <a:avLst/>
@@ -10011,7 +10011,7 @@
               <a:blipFill>
                 <a:blip r:embed="rId2"/>
                 <a:stretch>
-                  <a:fillRect/>
+                  <a:fillRect l="-15278" r="-2778" b="-14754"/>
                 </a:stretch>
               </a:blipFill>
             </p:spPr>
@@ -10046,8 +10046,8 @@
             </p:nvSpPr>
             <p:spPr>
               <a:xfrm>
-                <a:off x="1793630" y="1102487"/>
-                <a:ext cx="547778" cy="492443"/>
+                <a:off x="1898730" y="1102487"/>
+                <a:ext cx="411587" cy="369332"/>
               </a:xfrm>
               <a:prstGeom prst="rect">
                 <a:avLst/>
@@ -10070,14 +10070,14 @@
                       <m:sSub>
                         <m:sSubPr>
                           <m:ctrlPr>
-                            <a:rPr lang="en-US" altLang="zh-CN" sz="3200" b="0" i="1" smtClean="0">
+                            <a:rPr lang="en-US" altLang="zh-CN" sz="2400" b="0" i="1" smtClean="0">
                               <a:latin typeface="Cambria Math" panose="02040503050406030204" pitchFamily="18" charset="0"/>
                             </a:rPr>
                           </m:ctrlPr>
                         </m:sSubPr>
                         <m:e>
                           <m:r>
-                            <a:rPr lang="en-US" altLang="zh-CN" sz="3200" b="0" i="1" smtClean="0">
+                            <a:rPr lang="en-US" altLang="zh-CN" sz="2400" b="0" i="1" smtClean="0">
                               <a:latin typeface="Cambria Math" panose="02040503050406030204" pitchFamily="18" charset="0"/>
                             </a:rPr>
                             <m:t>𝑑</m:t>
@@ -10085,7 +10085,7 @@
                         </m:e>
                         <m:sub>
                           <m:r>
-                            <a:rPr lang="en-US" altLang="zh-CN" sz="3200" b="0" i="1" smtClean="0">
+                            <a:rPr lang="en-US" altLang="zh-CN" sz="2400" b="0" i="1" smtClean="0">
                               <a:latin typeface="Cambria Math" panose="02040503050406030204" pitchFamily="18" charset="0"/>
                             </a:rPr>
                             <m:t>𝐴</m:t>
@@ -10095,7 +10095,7 @@
                     </m:oMath>
                   </m:oMathPara>
                 </a14:m>
-                <a:endParaRPr lang="zh-CN" altLang="en-US" dirty="0"/>
+                <a:endParaRPr lang="zh-CN" altLang="en-US" sz="1400" dirty="0"/>
               </a:p>
             </p:txBody>
           </p:sp>
@@ -10117,8 +10117,8 @@
             </p:nvSpPr>
             <p:spPr>
               <a:xfrm>
-                <a:off x="1793630" y="1102487"/>
-                <a:ext cx="547778" cy="492443"/>
+                <a:off x="1898730" y="1102487"/>
+                <a:ext cx="411587" cy="369332"/>
               </a:xfrm>
               <a:prstGeom prst="rect">
                 <a:avLst/>
@@ -10126,7 +10126,7 @@
               <a:blipFill>
                 <a:blip r:embed="rId3"/>
                 <a:stretch>
-                  <a:fillRect/>
+                  <a:fillRect l="-16176" r="-5882" b="-15000"/>
                 </a:stretch>
               </a:blipFill>
             </p:spPr>
@@ -10163,8 +10163,8 @@
         </p:nvCxnSpPr>
         <p:spPr>
           <a:xfrm flipV="1">
-            <a:off x="902411" y="1369519"/>
-            <a:ext cx="774481" cy="1432148"/>
+            <a:off x="849408" y="1305120"/>
+            <a:ext cx="1016672" cy="1483366"/>
           </a:xfrm>
           <a:prstGeom prst="straightConnector1">
             <a:avLst/>
@@ -10206,8 +10206,8 @@
         </p:nvCxnSpPr>
         <p:spPr>
           <a:xfrm flipV="1">
-            <a:off x="2458143" y="1369518"/>
-            <a:ext cx="1151701" cy="1"/>
+            <a:off x="2355270" y="1305119"/>
+            <a:ext cx="1443762" cy="1"/>
           </a:xfrm>
           <a:prstGeom prst="straightConnector1">
             <a:avLst/>
@@ -10247,8 +10247,8 @@
             </p:nvSpPr>
             <p:spPr>
               <a:xfrm>
-                <a:off x="1781960" y="3989781"/>
-                <a:ext cx="571117" cy="492443"/>
+                <a:off x="1923851" y="3989781"/>
+                <a:ext cx="428322" cy="369332"/>
               </a:xfrm>
               <a:prstGeom prst="rect">
                 <a:avLst/>
@@ -10271,14 +10271,14 @@
                       <m:sSub>
                         <m:sSubPr>
                           <m:ctrlPr>
-                            <a:rPr lang="en-US" altLang="zh-CN" sz="3200" b="0" i="1" smtClean="0">
+                            <a:rPr lang="en-US" altLang="zh-CN" sz="2400" b="0" i="1" smtClean="0">
                               <a:latin typeface="Cambria Math" panose="02040503050406030204" pitchFamily="18" charset="0"/>
                             </a:rPr>
                           </m:ctrlPr>
                         </m:sSubPr>
                         <m:e>
                           <m:r>
-                            <a:rPr lang="en-US" altLang="zh-CN" sz="3200" b="0" i="1" smtClean="0">
+                            <a:rPr lang="en-US" altLang="zh-CN" sz="2400" b="0" i="1" smtClean="0">
                               <a:latin typeface="Cambria Math" panose="02040503050406030204" pitchFamily="18" charset="0"/>
                             </a:rPr>
                             <m:t>𝑑</m:t>
@@ -10286,7 +10286,7 @@
                         </m:e>
                         <m:sub>
                           <m:r>
-                            <a:rPr lang="en-US" altLang="zh-CN" sz="3200" b="0" i="1" smtClean="0">
+                            <a:rPr lang="en-US" altLang="zh-CN" sz="2400" b="0" i="1" smtClean="0">
                               <a:latin typeface="Cambria Math" panose="02040503050406030204" pitchFamily="18" charset="0"/>
                             </a:rPr>
                             <m:t>𝑉</m:t>
@@ -10296,7 +10296,7 @@
                     </m:oMath>
                   </m:oMathPara>
                 </a14:m>
-                <a:endParaRPr lang="zh-CN" altLang="en-US" dirty="0"/>
+                <a:endParaRPr lang="zh-CN" altLang="en-US" sz="1400" dirty="0"/>
               </a:p>
             </p:txBody>
           </p:sp>
@@ -10318,8 +10318,8 @@
             </p:nvSpPr>
             <p:spPr>
               <a:xfrm>
-                <a:off x="1781960" y="3989781"/>
-                <a:ext cx="571117" cy="492443"/>
+                <a:off x="1923851" y="3989781"/>
+                <a:ext cx="428322" cy="369332"/>
               </a:xfrm>
               <a:prstGeom prst="rect">
                 <a:avLst/>
@@ -10327,7 +10327,7 @@
               <a:blipFill>
                 <a:blip r:embed="rId4"/>
                 <a:stretch>
-                  <a:fillRect/>
+                  <a:fillRect l="-15714" r="-2857" b="-13115"/>
                 </a:stretch>
               </a:blipFill>
             </p:spPr>
@@ -10362,8 +10362,8 @@
             </p:nvSpPr>
             <p:spPr>
               <a:xfrm>
-                <a:off x="3524049" y="3989781"/>
-                <a:ext cx="1856662" cy="537583"/>
+                <a:off x="3400680" y="3989781"/>
+                <a:ext cx="1391599" cy="403124"/>
               </a:xfrm>
               <a:prstGeom prst="rect">
                 <a:avLst/>
@@ -10386,14 +10386,14 @@
                       <m:sSub>
                         <m:sSubPr>
                           <m:ctrlPr>
-                            <a:rPr lang="en-US" altLang="zh-CN" sz="3200" b="0" i="1" smtClean="0">
+                            <a:rPr lang="en-US" altLang="zh-CN" sz="2400" b="0" i="1" smtClean="0">
                               <a:latin typeface="Cambria Math" panose="02040503050406030204" pitchFamily="18" charset="0"/>
                             </a:rPr>
                           </m:ctrlPr>
                         </m:sSubPr>
                         <m:e>
                           <m:r>
-                            <a:rPr lang="en-US" altLang="zh-CN" sz="3200" b="0" i="1" smtClean="0">
+                            <a:rPr lang="en-US" altLang="zh-CN" sz="2400" b="0" i="1" smtClean="0">
                               <a:latin typeface="Cambria Math" panose="02040503050406030204" pitchFamily="18" charset="0"/>
                             </a:rPr>
                             <m:t>𝑑</m:t>
@@ -10403,14 +10403,14 @@
                           <m:sSub>
                             <m:sSubPr>
                               <m:ctrlPr>
-                                <a:rPr lang="en-US" altLang="zh-CN" sz="3200" b="0" i="1" smtClean="0">
+                                <a:rPr lang="en-US" altLang="zh-CN" sz="2400" b="0" i="1" smtClean="0">
                                   <a:latin typeface="Cambria Math" panose="02040503050406030204" pitchFamily="18" charset="0"/>
                                 </a:rPr>
                               </m:ctrlPr>
                             </m:sSubPr>
                             <m:e>
                               <m:r>
-                                <a:rPr lang="en-US" altLang="zh-CN" sz="3200" b="0" i="1" smtClean="0">
+                                <a:rPr lang="en-US" altLang="zh-CN" sz="2400" b="0" i="1" smtClean="0">
                                   <a:latin typeface="Cambria Math" panose="02040503050406030204" pitchFamily="18" charset="0"/>
                                 </a:rPr>
                                 <m:t>𝑊</m:t>
@@ -10418,7 +10418,7 @@
                             </m:e>
                             <m:sub>
                               <m:r>
-                                <a:rPr lang="en-US" altLang="zh-CN" sz="3200" b="0" i="1" smtClean="0">
+                                <a:rPr lang="en-US" altLang="zh-CN" sz="2400" b="0" i="1" smtClean="0">
                                   <a:latin typeface="Cambria Math" panose="02040503050406030204" pitchFamily="18" charset="0"/>
                                 </a:rPr>
                                 <m:t>𝑉</m:t>
@@ -10428,7 +10428,7 @@
                         </m:sub>
                       </m:sSub>
                       <m:r>
-                        <a:rPr lang="en-US" altLang="zh-CN" sz="3200" b="0" i="1" smtClean="0">
+                        <a:rPr lang="en-US" altLang="zh-CN" sz="2400" b="0" i="1" smtClean="0">
                           <a:latin typeface="Cambria Math" panose="02040503050406030204" pitchFamily="18" charset="0"/>
                         </a:rPr>
                         <m:t>   </m:t>
@@ -10436,14 +10436,14 @@
                       <m:sSub>
                         <m:sSubPr>
                           <m:ctrlPr>
-                            <a:rPr lang="en-US" altLang="zh-CN" sz="3200" b="0" i="1" smtClean="0">
+                            <a:rPr lang="en-US" altLang="zh-CN" sz="2400" b="0" i="1" smtClean="0">
                               <a:latin typeface="Cambria Math" panose="02040503050406030204" pitchFamily="18" charset="0"/>
                             </a:rPr>
                           </m:ctrlPr>
                         </m:sSubPr>
                         <m:e>
                           <m:r>
-                            <a:rPr lang="en-US" altLang="zh-CN" sz="3200" b="0" i="1" smtClean="0">
+                            <a:rPr lang="en-US" altLang="zh-CN" sz="2400" b="0" i="1" smtClean="0">
                               <a:latin typeface="Cambria Math" panose="02040503050406030204" pitchFamily="18" charset="0"/>
                             </a:rPr>
                             <m:t>𝑑</m:t>
@@ -10453,14 +10453,14 @@
                           <m:sSub>
                             <m:sSubPr>
                               <m:ctrlPr>
-                                <a:rPr lang="en-US" altLang="zh-CN" sz="3200" b="0" i="1" smtClean="0">
+                                <a:rPr lang="en-US" altLang="zh-CN" sz="2400" b="0" i="1" smtClean="0">
                                   <a:latin typeface="Cambria Math" panose="02040503050406030204" pitchFamily="18" charset="0"/>
                                 </a:rPr>
                               </m:ctrlPr>
                             </m:sSubPr>
                             <m:e>
                               <m:r>
-                                <a:rPr lang="en-US" altLang="zh-CN" sz="3200" b="0" i="1" smtClean="0">
+                                <a:rPr lang="en-US" altLang="zh-CN" sz="2400" b="0" i="1" smtClean="0">
                                   <a:latin typeface="Cambria Math" panose="02040503050406030204" pitchFamily="18" charset="0"/>
                                 </a:rPr>
                                 <m:t>𝑋</m:t>
@@ -10468,7 +10468,7 @@
                             </m:e>
                             <m:sub>
                               <m:r>
-                                <a:rPr lang="en-US" altLang="zh-CN" sz="3200" b="0" i="1" smtClean="0">
+                                <a:rPr lang="en-US" altLang="zh-CN" sz="2400" b="0" i="1" smtClean="0">
                                   <a:latin typeface="Cambria Math" panose="02040503050406030204" pitchFamily="18" charset="0"/>
                                 </a:rPr>
                                 <m:t>𝑉</m:t>
@@ -10478,7 +10478,7 @@
                         </m:sub>
                       </m:sSub>
                       <m:r>
-                        <a:rPr lang="en-US" altLang="zh-CN" sz="3200" b="0" i="1" smtClean="0">
+                        <a:rPr lang="en-US" altLang="zh-CN" sz="2400" b="0" i="1" smtClean="0">
                           <a:latin typeface="Cambria Math" panose="02040503050406030204" pitchFamily="18" charset="0"/>
                         </a:rPr>
                         <m:t> </m:t>
@@ -10486,7 +10486,7 @@
                     </m:oMath>
                   </m:oMathPara>
                 </a14:m>
-                <a:endParaRPr lang="zh-CN" altLang="en-US" dirty="0"/>
+                <a:endParaRPr lang="zh-CN" altLang="en-US" sz="1400" dirty="0"/>
               </a:p>
             </p:txBody>
           </p:sp>
@@ -10508,8 +10508,8 @@
             </p:nvSpPr>
             <p:spPr>
               <a:xfrm>
-                <a:off x="3524049" y="3989781"/>
-                <a:ext cx="1856662" cy="537583"/>
+                <a:off x="3400680" y="3989781"/>
+                <a:ext cx="1391599" cy="403124"/>
               </a:xfrm>
               <a:prstGeom prst="rect">
                 <a:avLst/>
@@ -10517,7 +10517,7 @@
               <a:blipFill>
                 <a:blip r:embed="rId5"/>
                 <a:stretch>
-                  <a:fillRect/>
+                  <a:fillRect l="-4386" b="-13433"/>
                 </a:stretch>
               </a:blipFill>
             </p:spPr>
@@ -10552,8 +10552,8 @@
             </p:nvSpPr>
             <p:spPr>
               <a:xfrm>
-                <a:off x="3737578" y="1102486"/>
-                <a:ext cx="525785" cy="492443"/>
+                <a:off x="3842678" y="1102486"/>
+                <a:ext cx="394659" cy="369332"/>
               </a:xfrm>
               <a:prstGeom prst="rect">
                 <a:avLst/>
@@ -10576,14 +10576,14 @@
                       <m:sSub>
                         <m:sSubPr>
                           <m:ctrlPr>
-                            <a:rPr lang="en-US" altLang="zh-CN" sz="3200" b="0" i="1" smtClean="0">
+                            <a:rPr lang="en-US" altLang="zh-CN" sz="2400" b="0" i="1" smtClean="0">
                               <a:latin typeface="Cambria Math" panose="02040503050406030204" pitchFamily="18" charset="0"/>
                             </a:rPr>
                           </m:ctrlPr>
                         </m:sSubPr>
                         <m:e>
                           <m:r>
-                            <a:rPr lang="en-US" altLang="zh-CN" sz="3200" b="0" i="1" smtClean="0">
+                            <a:rPr lang="en-US" altLang="zh-CN" sz="2400" b="0" i="1" smtClean="0">
                               <a:latin typeface="Cambria Math" panose="02040503050406030204" pitchFamily="18" charset="0"/>
                             </a:rPr>
                             <m:t>𝑑</m:t>
@@ -10591,7 +10591,7 @@
                         </m:e>
                         <m:sub>
                           <m:r>
-                            <a:rPr lang="en-US" altLang="zh-CN" sz="3200" b="0" i="1" smtClean="0">
+                            <a:rPr lang="en-US" altLang="zh-CN" sz="2400" b="0" i="1" smtClean="0">
                               <a:latin typeface="Cambria Math" panose="02040503050406030204" pitchFamily="18" charset="0"/>
                             </a:rPr>
                             <m:t>𝑆</m:t>
@@ -10601,7 +10601,7 @@
                     </m:oMath>
                   </m:oMathPara>
                 </a14:m>
-                <a:endParaRPr lang="zh-CN" altLang="en-US" dirty="0"/>
+                <a:endParaRPr lang="zh-CN" altLang="en-US" sz="1400" dirty="0"/>
               </a:p>
             </p:txBody>
           </p:sp>
@@ -10623,8 +10623,8 @@
             </p:nvSpPr>
             <p:spPr>
               <a:xfrm>
-                <a:off x="3737578" y="1102486"/>
-                <a:ext cx="525785" cy="492443"/>
+                <a:off x="3842678" y="1102486"/>
+                <a:ext cx="394659" cy="369332"/>
               </a:xfrm>
               <a:prstGeom prst="rect">
                 <a:avLst/>
@@ -10632,7 +10632,7 @@
               <a:blipFill>
                 <a:blip r:embed="rId6"/>
                 <a:stretch>
-                  <a:fillRect/>
+                  <a:fillRect l="-16923" r="-4615" b="-15000"/>
                 </a:stretch>
               </a:blipFill>
             </p:spPr>
@@ -10667,8 +10667,8 @@
             </p:nvSpPr>
             <p:spPr>
               <a:xfrm>
-                <a:off x="5833107" y="261659"/>
-                <a:ext cx="582915" cy="527196"/>
+                <a:off x="5651682" y="261659"/>
+                <a:ext cx="438773" cy="395429"/>
               </a:xfrm>
               <a:prstGeom prst="rect">
                 <a:avLst/>
@@ -10691,14 +10691,14 @@
                       <m:sSub>
                         <m:sSubPr>
                           <m:ctrlPr>
-                            <a:rPr lang="en-US" altLang="zh-CN" sz="3200" b="0" i="1" smtClean="0">
+                            <a:rPr lang="en-US" altLang="zh-CN" sz="2400" b="0" i="1" smtClean="0">
                               <a:latin typeface="Cambria Math" panose="02040503050406030204" pitchFamily="18" charset="0"/>
                             </a:rPr>
                           </m:ctrlPr>
                         </m:sSubPr>
                         <m:e>
                           <m:r>
-                            <a:rPr lang="en-US" altLang="zh-CN" sz="3200" b="0" i="1" smtClean="0">
+                            <a:rPr lang="en-US" altLang="zh-CN" sz="2400" b="0" i="1" smtClean="0">
                               <a:latin typeface="Cambria Math" panose="02040503050406030204" pitchFamily="18" charset="0"/>
                             </a:rPr>
                             <m:t>𝑑</m:t>
@@ -10706,7 +10706,7 @@
                         </m:e>
                         <m:sub>
                           <m:r>
-                            <a:rPr lang="en-US" altLang="zh-CN" sz="3200" b="0" i="1" smtClean="0">
+                            <a:rPr lang="en-US" altLang="zh-CN" sz="2400" b="0" i="1" smtClean="0">
                               <a:latin typeface="Cambria Math" panose="02040503050406030204" pitchFamily="18" charset="0"/>
                             </a:rPr>
                             <m:t>𝑄</m:t>
@@ -10716,7 +10716,7 @@
                     </m:oMath>
                   </m:oMathPara>
                 </a14:m>
-                <a:endParaRPr lang="zh-CN" altLang="en-US" dirty="0"/>
+                <a:endParaRPr lang="zh-CN" altLang="en-US" sz="1400" dirty="0"/>
               </a:p>
             </p:txBody>
           </p:sp>
@@ -10738,8 +10738,8 @@
             </p:nvSpPr>
             <p:spPr>
               <a:xfrm>
-                <a:off x="5833107" y="261659"/>
-                <a:ext cx="582915" cy="527196"/>
+                <a:off x="5651682" y="261659"/>
+                <a:ext cx="438773" cy="395429"/>
               </a:xfrm>
               <a:prstGeom prst="rect">
                 <a:avLst/>
@@ -10747,7 +10747,7 @@
               <a:blipFill>
                 <a:blip r:embed="rId7"/>
                 <a:stretch>
-                  <a:fillRect/>
+                  <a:fillRect l="-15278" r="-8333" b="-21538"/>
                 </a:stretch>
               </a:blipFill>
             </p:spPr>
@@ -10782,8 +10782,8 @@
             </p:nvSpPr>
             <p:spPr>
               <a:xfrm>
-                <a:off x="5833107" y="1973167"/>
-                <a:ext cx="591957" cy="492443"/>
+                <a:off x="5651682" y="1973167"/>
+                <a:ext cx="444352" cy="369332"/>
               </a:xfrm>
               <a:prstGeom prst="rect">
                 <a:avLst/>
@@ -10806,14 +10806,14 @@
                       <m:sSub>
                         <m:sSubPr>
                           <m:ctrlPr>
-                            <a:rPr lang="en-US" altLang="zh-CN" sz="3200" b="0" i="1" smtClean="0">
+                            <a:rPr lang="en-US" altLang="zh-CN" sz="2400" b="0" i="1" smtClean="0">
                               <a:latin typeface="Cambria Math" panose="02040503050406030204" pitchFamily="18" charset="0"/>
                             </a:rPr>
                           </m:ctrlPr>
                         </m:sSubPr>
                         <m:e>
                           <m:r>
-                            <a:rPr lang="en-US" altLang="zh-CN" sz="3200" b="0" i="1" smtClean="0">
+                            <a:rPr lang="en-US" altLang="zh-CN" sz="2400" b="0" i="1" smtClean="0">
                               <a:latin typeface="Cambria Math" panose="02040503050406030204" pitchFamily="18" charset="0"/>
                             </a:rPr>
                             <m:t>𝑑</m:t>
@@ -10821,7 +10821,7 @@
                         </m:e>
                         <m:sub>
                           <m:r>
-                            <a:rPr lang="en-US" altLang="zh-CN" sz="3200" b="0" i="1" smtClean="0">
+                            <a:rPr lang="en-US" altLang="zh-CN" sz="2400" b="0" i="1" smtClean="0">
                               <a:latin typeface="Cambria Math" panose="02040503050406030204" pitchFamily="18" charset="0"/>
                             </a:rPr>
                             <m:t>𝐾</m:t>
@@ -10831,7 +10831,7 @@
                     </m:oMath>
                   </m:oMathPara>
                 </a14:m>
-                <a:endParaRPr lang="zh-CN" altLang="en-US" dirty="0"/>
+                <a:endParaRPr lang="zh-CN" altLang="en-US" sz="1400" dirty="0"/>
               </a:p>
             </p:txBody>
           </p:sp>
@@ -10853,8 +10853,8 @@
             </p:nvSpPr>
             <p:spPr>
               <a:xfrm>
-                <a:off x="5833107" y="1973167"/>
-                <a:ext cx="591957" cy="492443"/>
+                <a:off x="5651682" y="1973167"/>
+                <a:ext cx="444352" cy="369332"/>
               </a:xfrm>
               <a:prstGeom prst="rect">
                 <a:avLst/>
@@ -10862,7 +10862,7 @@
               <a:blipFill>
                 <a:blip r:embed="rId8"/>
                 <a:stretch>
-                  <a:fillRect/>
+                  <a:fillRect l="-15068" r="-2740" b="-15000"/>
                 </a:stretch>
               </a:blipFill>
             </p:spPr>
@@ -10897,8 +10897,8 @@
             </p:nvSpPr>
             <p:spPr>
               <a:xfrm>
-                <a:off x="7852026" y="198535"/>
-                <a:ext cx="1879104" cy="581185"/>
+                <a:off x="7220665" y="198535"/>
+                <a:ext cx="1542282" cy="435889"/>
               </a:xfrm>
               <a:prstGeom prst="rect">
                 <a:avLst/>
@@ -10921,14 +10921,14 @@
                       <m:sSub>
                         <m:sSubPr>
                           <m:ctrlPr>
-                            <a:rPr lang="en-US" altLang="zh-CN" sz="3200" b="0" i="1" smtClean="0">
+                            <a:rPr lang="en-US" altLang="zh-CN" sz="2400" b="0" i="1" smtClean="0">
                               <a:latin typeface="Cambria Math" panose="02040503050406030204" pitchFamily="18" charset="0"/>
                             </a:rPr>
                           </m:ctrlPr>
                         </m:sSubPr>
                         <m:e>
                           <m:r>
-                            <a:rPr lang="en-US" altLang="zh-CN" sz="3200" b="0" i="1" smtClean="0">
+                            <a:rPr lang="en-US" altLang="zh-CN" sz="2400" b="0" i="1" smtClean="0">
                               <a:latin typeface="Cambria Math" panose="02040503050406030204" pitchFamily="18" charset="0"/>
                             </a:rPr>
                             <m:t>𝑑</m:t>
@@ -10938,14 +10938,14 @@
                           <m:sSub>
                             <m:sSubPr>
                               <m:ctrlPr>
-                                <a:rPr lang="en-US" altLang="zh-CN" sz="3200" b="0" i="1" smtClean="0">
+                                <a:rPr lang="en-US" altLang="zh-CN" sz="2400" b="0" i="1" smtClean="0">
                                   <a:latin typeface="Cambria Math" panose="02040503050406030204" pitchFamily="18" charset="0"/>
                                 </a:rPr>
                               </m:ctrlPr>
                             </m:sSubPr>
                             <m:e>
                               <m:r>
-                                <a:rPr lang="en-US" altLang="zh-CN" sz="3200" b="0" i="1" smtClean="0">
+                                <a:rPr lang="en-US" altLang="zh-CN" sz="2400" b="0" i="1" smtClean="0">
                                   <a:latin typeface="Cambria Math" panose="02040503050406030204" pitchFamily="18" charset="0"/>
                                 </a:rPr>
                                 <m:t>𝑊</m:t>
@@ -10953,7 +10953,7 @@
                             </m:e>
                             <m:sub>
                               <m:r>
-                                <a:rPr lang="en-US" altLang="zh-CN" sz="3200" b="0" i="1" smtClean="0">
+                                <a:rPr lang="en-US" altLang="zh-CN" sz="2400" b="0" i="1" smtClean="0">
                                   <a:latin typeface="Cambria Math" panose="02040503050406030204" pitchFamily="18" charset="0"/>
                                 </a:rPr>
                                 <m:t>𝑄</m:t>
@@ -10963,22 +10963,34 @@
                         </m:sub>
                       </m:sSub>
                       <m:r>
-                        <a:rPr lang="en-US" altLang="zh-CN" sz="3200" b="0" i="1" smtClean="0">
+                        <a:rPr lang="en-US" altLang="zh-CN" sz="2400" b="0" i="1" smtClean="0">
                           <a:latin typeface="Cambria Math" panose="02040503050406030204" pitchFamily="18" charset="0"/>
                         </a:rPr>
-                        <m:t>   </m:t>
+                        <m:t>  </m:t>
+                      </m:r>
+                      <m:r>
+                        <a:rPr lang="en-US" altLang="zh-CN" sz="2400" b="0" i="1" smtClean="0">
+                          <a:latin typeface="Cambria Math" panose="02040503050406030204" pitchFamily="18" charset="0"/>
+                        </a:rPr>
+                        <m:t>  </m:t>
+                      </m:r>
+                      <m:r>
+                        <a:rPr lang="en-US" altLang="zh-CN" sz="2400" b="0" i="1" smtClean="0">
+                          <a:latin typeface="Cambria Math" panose="02040503050406030204" pitchFamily="18" charset="0"/>
+                        </a:rPr>
+                        <m:t> </m:t>
                       </m:r>
                       <m:sSub>
                         <m:sSubPr>
                           <m:ctrlPr>
-                            <a:rPr lang="en-US" altLang="zh-CN" sz="3200" b="0" i="1" smtClean="0">
+                            <a:rPr lang="en-US" altLang="zh-CN" sz="2400" b="0" i="1" smtClean="0">
                               <a:latin typeface="Cambria Math" panose="02040503050406030204" pitchFamily="18" charset="0"/>
                             </a:rPr>
                           </m:ctrlPr>
                         </m:sSubPr>
                         <m:e>
                           <m:r>
-                            <a:rPr lang="en-US" altLang="zh-CN" sz="3200" b="0" i="1" smtClean="0">
+                            <a:rPr lang="en-US" altLang="zh-CN" sz="2400" b="0" i="1" smtClean="0">
                               <a:latin typeface="Cambria Math" panose="02040503050406030204" pitchFamily="18" charset="0"/>
                             </a:rPr>
                             <m:t>𝑑</m:t>
@@ -10988,14 +11000,14 @@
                           <m:sSub>
                             <m:sSubPr>
                               <m:ctrlPr>
-                                <a:rPr lang="en-US" altLang="zh-CN" sz="3200" b="0" i="1" smtClean="0">
+                                <a:rPr lang="en-US" altLang="zh-CN" sz="2400" b="0" i="1" smtClean="0">
                                   <a:latin typeface="Cambria Math" panose="02040503050406030204" pitchFamily="18" charset="0"/>
                                 </a:rPr>
                               </m:ctrlPr>
                             </m:sSubPr>
                             <m:e>
                               <m:r>
-                                <a:rPr lang="en-US" altLang="zh-CN" sz="3200" b="0" i="1" smtClean="0">
+                                <a:rPr lang="en-US" altLang="zh-CN" sz="2400" b="0" i="1" smtClean="0">
                                   <a:latin typeface="Cambria Math" panose="02040503050406030204" pitchFamily="18" charset="0"/>
                                 </a:rPr>
                                 <m:t>𝑋</m:t>
@@ -11003,7 +11015,7 @@
                             </m:e>
                             <m:sub>
                               <m:r>
-                                <a:rPr lang="en-US" altLang="zh-CN" sz="3200" b="0" i="1" smtClean="0">
+                                <a:rPr lang="en-US" altLang="zh-CN" sz="2400" b="0" i="1" smtClean="0">
                                   <a:latin typeface="Cambria Math" panose="02040503050406030204" pitchFamily="18" charset="0"/>
                                 </a:rPr>
                                 <m:t>𝑄</m:t>
@@ -11013,7 +11025,7 @@
                         </m:sub>
                       </m:sSub>
                       <m:r>
-                        <a:rPr lang="en-US" altLang="zh-CN" sz="3200" b="0" i="1" smtClean="0">
+                        <a:rPr lang="en-US" altLang="zh-CN" sz="2400" b="0" i="1" smtClean="0">
                           <a:latin typeface="Cambria Math" panose="02040503050406030204" pitchFamily="18" charset="0"/>
                         </a:rPr>
                         <m:t> </m:t>
@@ -11021,7 +11033,7 @@
                     </m:oMath>
                   </m:oMathPara>
                 </a14:m>
-                <a:endParaRPr lang="zh-CN" altLang="en-US" dirty="0"/>
+                <a:endParaRPr lang="zh-CN" altLang="en-US" sz="1400" dirty="0"/>
               </a:p>
             </p:txBody>
           </p:sp>
@@ -11043,8 +11055,8 @@
             </p:nvSpPr>
             <p:spPr>
               <a:xfrm>
-                <a:off x="7852026" y="198535"/>
-                <a:ext cx="1879104" cy="581185"/>
+                <a:off x="7220665" y="198535"/>
+                <a:ext cx="1542282" cy="435889"/>
               </a:xfrm>
               <a:prstGeom prst="rect">
                 <a:avLst/>
@@ -11052,7 +11064,7 @@
               <a:blipFill>
                 <a:blip r:embed="rId9"/>
                 <a:stretch>
-                  <a:fillRect/>
+                  <a:fillRect l="-3953" b="-18310"/>
                 </a:stretch>
               </a:blipFill>
             </p:spPr>
@@ -11087,8 +11099,8 @@
             </p:nvSpPr>
             <p:spPr>
               <a:xfrm>
-                <a:off x="7839202" y="1928795"/>
-                <a:ext cx="1891928" cy="534762"/>
+                <a:off x="7243472" y="1987844"/>
+                <a:ext cx="1551900" cy="401072"/>
               </a:xfrm>
               <a:prstGeom prst="rect">
                 <a:avLst/>
@@ -11111,14 +11123,14 @@
                       <m:sSub>
                         <m:sSubPr>
                           <m:ctrlPr>
-                            <a:rPr lang="en-US" altLang="zh-CN" sz="3200" b="0" i="1" smtClean="0">
+                            <a:rPr lang="en-US" altLang="zh-CN" sz="2400" b="0" i="1" smtClean="0">
                               <a:latin typeface="Cambria Math" panose="02040503050406030204" pitchFamily="18" charset="0"/>
                             </a:rPr>
                           </m:ctrlPr>
                         </m:sSubPr>
                         <m:e>
                           <m:r>
-                            <a:rPr lang="en-US" altLang="zh-CN" sz="3200" b="0" i="1" smtClean="0">
+                            <a:rPr lang="en-US" altLang="zh-CN" sz="2400" b="0" i="1" smtClean="0">
                               <a:latin typeface="Cambria Math" panose="02040503050406030204" pitchFamily="18" charset="0"/>
                             </a:rPr>
                             <m:t>𝑑</m:t>
@@ -11128,14 +11140,14 @@
                           <m:sSub>
                             <m:sSubPr>
                               <m:ctrlPr>
-                                <a:rPr lang="en-US" altLang="zh-CN" sz="3200" b="0" i="1" smtClean="0">
+                                <a:rPr lang="en-US" altLang="zh-CN" sz="2400" b="0" i="1" smtClean="0">
                                   <a:latin typeface="Cambria Math" panose="02040503050406030204" pitchFamily="18" charset="0"/>
                                 </a:rPr>
                               </m:ctrlPr>
                             </m:sSubPr>
                             <m:e>
                               <m:r>
-                                <a:rPr lang="en-US" altLang="zh-CN" sz="3200" b="0" i="1" smtClean="0">
+                                <a:rPr lang="en-US" altLang="zh-CN" sz="2400" b="0" i="1" smtClean="0">
                                   <a:latin typeface="Cambria Math" panose="02040503050406030204" pitchFamily="18" charset="0"/>
                                 </a:rPr>
                                 <m:t>𝑊</m:t>
@@ -11143,7 +11155,7 @@
                             </m:e>
                             <m:sub>
                               <m:r>
-                                <a:rPr lang="en-US" altLang="zh-CN" sz="3200" b="0" i="1" smtClean="0">
+                                <a:rPr lang="en-US" altLang="zh-CN" sz="2400" b="0" i="1" smtClean="0">
                                   <a:latin typeface="Cambria Math" panose="02040503050406030204" pitchFamily="18" charset="0"/>
                                 </a:rPr>
                                 <m:t>𝐾</m:t>
@@ -11153,22 +11165,40 @@
                         </m:sub>
                       </m:sSub>
                       <m:r>
-                        <a:rPr lang="en-US" altLang="zh-CN" sz="3200" b="0" i="1" smtClean="0">
+                        <a:rPr lang="en-US" altLang="zh-CN" sz="2400" b="0" i="1" smtClean="0">
                           <a:latin typeface="Cambria Math" panose="02040503050406030204" pitchFamily="18" charset="0"/>
                         </a:rPr>
-                        <m:t>   </m:t>
+                        <m:t> </m:t>
+                      </m:r>
+                      <m:r>
+                        <a:rPr lang="en-US" altLang="zh-CN" sz="2400" b="0" i="1" smtClean="0">
+                          <a:latin typeface="Cambria Math" panose="02040503050406030204" pitchFamily="18" charset="0"/>
+                        </a:rPr>
+                        <m:t> </m:t>
+                      </m:r>
+                      <m:r>
+                        <a:rPr lang="en-US" altLang="zh-CN" sz="2400" b="0" i="1" smtClean="0">
+                          <a:latin typeface="Cambria Math" panose="02040503050406030204" pitchFamily="18" charset="0"/>
+                        </a:rPr>
+                        <m:t> </m:t>
+                      </m:r>
+                      <m:r>
+                        <a:rPr lang="en-US" altLang="zh-CN" sz="2400" b="0" i="1" smtClean="0">
+                          <a:latin typeface="Cambria Math" panose="02040503050406030204" pitchFamily="18" charset="0"/>
+                        </a:rPr>
+                        <m:t>  </m:t>
                       </m:r>
                       <m:sSub>
                         <m:sSubPr>
                           <m:ctrlPr>
-                            <a:rPr lang="en-US" altLang="zh-CN" sz="3200" b="0" i="1" smtClean="0">
+                            <a:rPr lang="en-US" altLang="zh-CN" sz="2400" b="0" i="1" smtClean="0">
                               <a:latin typeface="Cambria Math" panose="02040503050406030204" pitchFamily="18" charset="0"/>
                             </a:rPr>
                           </m:ctrlPr>
                         </m:sSubPr>
                         <m:e>
                           <m:r>
-                            <a:rPr lang="en-US" altLang="zh-CN" sz="3200" b="0" i="1" smtClean="0">
+                            <a:rPr lang="en-US" altLang="zh-CN" sz="2400" b="0" i="1" smtClean="0">
                               <a:latin typeface="Cambria Math" panose="02040503050406030204" pitchFamily="18" charset="0"/>
                             </a:rPr>
                             <m:t>𝑑</m:t>
@@ -11178,14 +11208,14 @@
                           <m:sSub>
                             <m:sSubPr>
                               <m:ctrlPr>
-                                <a:rPr lang="en-US" altLang="zh-CN" sz="3200" b="0" i="1" smtClean="0">
+                                <a:rPr lang="en-US" altLang="zh-CN" sz="2400" b="0" i="1" smtClean="0">
                                   <a:latin typeface="Cambria Math" panose="02040503050406030204" pitchFamily="18" charset="0"/>
                                 </a:rPr>
                               </m:ctrlPr>
                             </m:sSubPr>
                             <m:e>
                               <m:r>
-                                <a:rPr lang="en-US" altLang="zh-CN" sz="3200" b="0" i="1" smtClean="0">
+                                <a:rPr lang="en-US" altLang="zh-CN" sz="2400" b="0" i="1" smtClean="0">
                                   <a:latin typeface="Cambria Math" panose="02040503050406030204" pitchFamily="18" charset="0"/>
                                 </a:rPr>
                                 <m:t>𝑋</m:t>
@@ -11193,7 +11223,7 @@
                             </m:e>
                             <m:sub>
                               <m:r>
-                                <a:rPr lang="en-US" altLang="zh-CN" sz="3200" b="0" i="1" smtClean="0">
+                                <a:rPr lang="en-US" altLang="zh-CN" sz="2400" b="0" i="1" smtClean="0">
                                   <a:latin typeface="Cambria Math" panose="02040503050406030204" pitchFamily="18" charset="0"/>
                                 </a:rPr>
                                 <m:t>𝐾</m:t>
@@ -11203,7 +11233,7 @@
                         </m:sub>
                       </m:sSub>
                       <m:r>
-                        <a:rPr lang="en-US" altLang="zh-CN" sz="3200" b="0" i="1" smtClean="0">
+                        <a:rPr lang="en-US" altLang="zh-CN" sz="2400" b="0" i="1" smtClean="0">
                           <a:latin typeface="Cambria Math" panose="02040503050406030204" pitchFamily="18" charset="0"/>
                         </a:rPr>
                         <m:t> </m:t>
@@ -11211,7 +11241,7 @@
                     </m:oMath>
                   </m:oMathPara>
                 </a14:m>
-                <a:endParaRPr lang="zh-CN" altLang="en-US" dirty="0"/>
+                <a:endParaRPr lang="zh-CN" altLang="en-US" sz="1400" dirty="0"/>
               </a:p>
             </p:txBody>
           </p:sp>
@@ -11233,8 +11263,8 @@
             </p:nvSpPr>
             <p:spPr>
               <a:xfrm>
-                <a:off x="7839202" y="1928795"/>
-                <a:ext cx="1891928" cy="534762"/>
+                <a:off x="7243472" y="1987844"/>
+                <a:ext cx="1551900" cy="401072"/>
               </a:xfrm>
               <a:prstGeom prst="rect">
                 <a:avLst/>
@@ -11242,7 +11272,7 @@
               <a:blipFill>
                 <a:blip r:embed="rId10"/>
                 <a:stretch>
-                  <a:fillRect/>
+                  <a:fillRect l="-3922" b="-15152"/>
                 </a:stretch>
               </a:blipFill>
             </p:spPr>
@@ -11278,7 +11308,7 @@
             <p:spPr>
               <a:xfrm>
                 <a:off x="11194813" y="2390547"/>
-                <a:ext cx="572593" cy="492443"/>
+                <a:ext cx="429028" cy="369332"/>
               </a:xfrm>
               <a:prstGeom prst="rect">
                 <a:avLst/>
@@ -11301,14 +11331,14 @@
                       <m:sSub>
                         <m:sSubPr>
                           <m:ctrlPr>
-                            <a:rPr lang="en-US" altLang="zh-CN" sz="3200" b="0" i="1" smtClean="0">
+                            <a:rPr lang="en-US" altLang="zh-CN" sz="2400" b="0" i="1" smtClean="0">
                               <a:latin typeface="Cambria Math" panose="02040503050406030204" pitchFamily="18" charset="0"/>
                             </a:rPr>
                           </m:ctrlPr>
                         </m:sSubPr>
                         <m:e>
                           <m:r>
-                            <a:rPr lang="en-US" altLang="zh-CN" sz="3200" b="0" i="1" smtClean="0">
+                            <a:rPr lang="en-US" altLang="zh-CN" sz="2400" b="0" i="1" smtClean="0">
                               <a:latin typeface="Cambria Math" panose="02040503050406030204" pitchFamily="18" charset="0"/>
                             </a:rPr>
                             <m:t>𝑑</m:t>
@@ -11316,7 +11346,7 @@
                         </m:e>
                         <m:sub>
                           <m:r>
-                            <a:rPr lang="en-US" altLang="zh-CN" sz="3200" b="0" i="1" smtClean="0">
+                            <a:rPr lang="en-US" altLang="zh-CN" sz="2400" b="0" i="1" smtClean="0">
                               <a:latin typeface="Cambria Math" panose="02040503050406030204" pitchFamily="18" charset="0"/>
                             </a:rPr>
                             <m:t>𝑋</m:t>
@@ -11326,7 +11356,7 @@
                     </m:oMath>
                   </m:oMathPara>
                 </a14:m>
-                <a:endParaRPr lang="zh-CN" altLang="en-US" dirty="0"/>
+                <a:endParaRPr lang="zh-CN" altLang="en-US" sz="1400" dirty="0"/>
               </a:p>
             </p:txBody>
           </p:sp>
@@ -11349,7 +11379,7 @@
             <p:spPr>
               <a:xfrm>
                 <a:off x="11194813" y="2390547"/>
-                <a:ext cx="572593" cy="492443"/>
+                <a:ext cx="429028" cy="369332"/>
               </a:xfrm>
               <a:prstGeom prst="rect">
                 <a:avLst/>
@@ -11357,7 +11387,7 @@
               <a:blipFill>
                 <a:blip r:embed="rId11"/>
                 <a:stretch>
-                  <a:fillRect/>
+                  <a:fillRect l="-15493" r="-1408" b="-13115"/>
                 </a:stretch>
               </a:blipFill>
             </p:spPr>
@@ -11390,8 +11420,8 @@
         </p:nvSpPr>
         <p:spPr>
           <a:xfrm>
-            <a:off x="345126" y="2500363"/>
-            <a:ext cx="557285" cy="602608"/>
+            <a:off x="411211" y="2555384"/>
+            <a:ext cx="438197" cy="466203"/>
           </a:xfrm>
           <a:prstGeom prst="roundRect">
             <a:avLst>
@@ -11443,8 +11473,8 @@
         </p:nvSpPr>
         <p:spPr>
           <a:xfrm>
-            <a:off x="3524049" y="3951149"/>
-            <a:ext cx="870151" cy="697043"/>
+            <a:off x="3400681" y="3984593"/>
+            <a:ext cx="668756" cy="500690"/>
           </a:xfrm>
           <a:prstGeom prst="roundRect">
             <a:avLst>
@@ -11496,8 +11526,8 @@
         </p:nvSpPr>
         <p:spPr>
           <a:xfrm>
-            <a:off x="7801226" y="198535"/>
-            <a:ext cx="904748" cy="697043"/>
+            <a:off x="7111809" y="179569"/>
+            <a:ext cx="753201" cy="527319"/>
           </a:xfrm>
           <a:prstGeom prst="roundRect">
             <a:avLst>
@@ -11549,8 +11579,8 @@
         </p:nvSpPr>
         <p:spPr>
           <a:xfrm>
-            <a:off x="7788402" y="1906779"/>
-            <a:ext cx="904748" cy="697043"/>
+            <a:off x="7157041" y="1956702"/>
+            <a:ext cx="756789" cy="523749"/>
           </a:xfrm>
           <a:prstGeom prst="roundRect">
             <a:avLst>
@@ -11602,8 +11632,8 @@
         </p:nvSpPr>
         <p:spPr>
           <a:xfrm>
-            <a:off x="11090483" y="2288246"/>
-            <a:ext cx="781251" cy="697043"/>
+            <a:off x="11090483" y="2339048"/>
+            <a:ext cx="629803" cy="556554"/>
           </a:xfrm>
           <a:prstGeom prst="roundRect">
             <a:avLst>
@@ -11655,8 +11685,8 @@
         </p:nvSpPr>
         <p:spPr>
           <a:xfrm>
-            <a:off x="1676892" y="3951149"/>
-            <a:ext cx="781251" cy="697043"/>
+            <a:off x="1866081" y="3965051"/>
+            <a:ext cx="493676" cy="500690"/>
           </a:xfrm>
           <a:prstGeom prst="roundRect">
             <a:avLst>
@@ -11710,8 +11740,8 @@
         </p:nvSpPr>
         <p:spPr>
           <a:xfrm>
-            <a:off x="1676892" y="1020997"/>
-            <a:ext cx="781251" cy="697043"/>
+            <a:off x="1866080" y="1064025"/>
+            <a:ext cx="489190" cy="482189"/>
           </a:xfrm>
           <a:prstGeom prst="roundRect">
             <a:avLst>
@@ -11765,8 +11795,8 @@
         </p:nvSpPr>
         <p:spPr>
           <a:xfrm>
-            <a:off x="3609844" y="1020996"/>
-            <a:ext cx="781251" cy="697043"/>
+            <a:off x="3799032" y="1064024"/>
+            <a:ext cx="489190" cy="482189"/>
           </a:xfrm>
           <a:prstGeom prst="roundRect">
             <a:avLst>
@@ -11820,8 +11850,8 @@
         </p:nvSpPr>
         <p:spPr>
           <a:xfrm>
-            <a:off x="5695730" y="1906778"/>
-            <a:ext cx="781251" cy="697043"/>
+            <a:off x="5511533" y="1934930"/>
+            <a:ext cx="650391" cy="523749"/>
           </a:xfrm>
           <a:prstGeom prst="roundRect">
             <a:avLst>
@@ -11875,8 +11905,8 @@
         </p:nvSpPr>
         <p:spPr>
           <a:xfrm>
-            <a:off x="5692957" y="198535"/>
-            <a:ext cx="781251" cy="697043"/>
+            <a:off x="5511533" y="179569"/>
+            <a:ext cx="650390" cy="527319"/>
           </a:xfrm>
           <a:prstGeom prst="roundRect">
             <a:avLst>
@@ -11934,8 +11964,8 @@
         </p:nvCxnSpPr>
         <p:spPr>
           <a:xfrm>
-            <a:off x="902411" y="2801667"/>
-            <a:ext cx="774481" cy="1498004"/>
+            <a:off x="849408" y="2788486"/>
+            <a:ext cx="1016673" cy="1426910"/>
           </a:xfrm>
           <a:prstGeom prst="straightConnector1">
             <a:avLst/>
@@ -11976,9 +12006,9 @@
           <p:nvPr/>
         </p:nvCxnSpPr>
         <p:spPr>
-          <a:xfrm flipV="1">
-            <a:off x="2458143" y="4299669"/>
-            <a:ext cx="977915" cy="2"/>
+          <a:xfrm>
+            <a:off x="2359757" y="4215396"/>
+            <a:ext cx="952933" cy="19888"/>
           </a:xfrm>
           <a:prstGeom prst="straightConnector1">
             <a:avLst/>
@@ -12020,8 +12050,8 @@
         </p:nvCxnSpPr>
         <p:spPr>
           <a:xfrm flipV="1">
-            <a:off x="4391095" y="547057"/>
-            <a:ext cx="1301862" cy="822461"/>
+            <a:off x="4288222" y="443229"/>
+            <a:ext cx="1223311" cy="861890"/>
           </a:xfrm>
           <a:prstGeom prst="straightConnector1">
             <a:avLst/>
@@ -12063,8 +12093,8 @@
         </p:nvCxnSpPr>
         <p:spPr>
           <a:xfrm>
-            <a:off x="4391095" y="1369518"/>
-            <a:ext cx="1304635" cy="885782"/>
+            <a:off x="4288222" y="1305119"/>
+            <a:ext cx="1223311" cy="891686"/>
           </a:xfrm>
           <a:prstGeom prst="straightConnector1">
             <a:avLst/>
@@ -12106,8 +12136,8 @@
         </p:nvCxnSpPr>
         <p:spPr>
           <a:xfrm>
-            <a:off x="6476981" y="2255300"/>
-            <a:ext cx="1240856" cy="4376"/>
+            <a:off x="6161924" y="2196805"/>
+            <a:ext cx="924552" cy="15001"/>
           </a:xfrm>
           <a:prstGeom prst="straightConnector1">
             <a:avLst/>
@@ -12149,8 +12179,8 @@
         </p:nvCxnSpPr>
         <p:spPr>
           <a:xfrm flipV="1">
-            <a:off x="6474208" y="547056"/>
-            <a:ext cx="1261329" cy="1"/>
+            <a:off x="6161923" y="433868"/>
+            <a:ext cx="832626" cy="9361"/>
           </a:xfrm>
           <a:prstGeom prst="straightConnector1">
             <a:avLst/>
@@ -12188,8 +12218,8 @@
         </p:nvSpPr>
         <p:spPr>
           <a:xfrm>
-            <a:off x="8827926" y="198535"/>
-            <a:ext cx="781251" cy="697043"/>
+            <a:off x="8039179" y="179569"/>
+            <a:ext cx="727950" cy="527319"/>
           </a:xfrm>
           <a:prstGeom prst="roundRect">
             <a:avLst>
@@ -12243,8 +12273,8 @@
         </p:nvSpPr>
         <p:spPr>
           <a:xfrm>
-            <a:off x="8827926" y="1906777"/>
-            <a:ext cx="781251" cy="697043"/>
+            <a:off x="8073195" y="1956700"/>
+            <a:ext cx="653489" cy="523749"/>
           </a:xfrm>
           <a:prstGeom prst="roundRect">
             <a:avLst>
@@ -12298,8 +12328,8 @@
         </p:nvSpPr>
         <p:spPr>
           <a:xfrm>
-            <a:off x="4496830" y="3951148"/>
-            <a:ext cx="781251" cy="697043"/>
+            <a:off x="4173767" y="3984591"/>
+            <a:ext cx="595429" cy="500690"/>
           </a:xfrm>
           <a:prstGeom prst="roundRect">
             <a:avLst>
@@ -12353,8 +12383,8 @@
         </p:nvSpPr>
         <p:spPr>
           <a:xfrm>
-            <a:off x="3436058" y="3906410"/>
-            <a:ext cx="1944653" cy="786517"/>
+            <a:off x="3312690" y="3940551"/>
+            <a:ext cx="1566865" cy="589466"/>
           </a:xfrm>
           <a:prstGeom prst="roundRect">
             <a:avLst>
@@ -12405,8 +12435,8 @@
         </p:nvSpPr>
         <p:spPr>
           <a:xfrm>
-            <a:off x="7735537" y="153797"/>
-            <a:ext cx="1944653" cy="786517"/>
+            <a:off x="6994549" y="116111"/>
+            <a:ext cx="1822890" cy="635514"/>
           </a:xfrm>
           <a:prstGeom prst="roundRect">
             <a:avLst>
@@ -12457,8 +12487,8 @@
         </p:nvSpPr>
         <p:spPr>
           <a:xfrm>
-            <a:off x="7717837" y="1866417"/>
-            <a:ext cx="1944653" cy="786517"/>
+            <a:off x="7086476" y="1894049"/>
+            <a:ext cx="1730963" cy="635514"/>
           </a:xfrm>
           <a:prstGeom prst="roundRect">
             <a:avLst>
@@ -12513,8 +12543,8 @@
         </p:nvCxnSpPr>
         <p:spPr>
           <a:xfrm>
-            <a:off x="9680190" y="547056"/>
-            <a:ext cx="1410293" cy="2089712"/>
+            <a:off x="8817439" y="433868"/>
+            <a:ext cx="2273044" cy="2183457"/>
           </a:xfrm>
           <a:prstGeom prst="straightConnector1">
             <a:avLst/>
@@ -12556,8 +12586,8 @@
         </p:nvCxnSpPr>
         <p:spPr>
           <a:xfrm flipV="1">
-            <a:off x="5380711" y="2636768"/>
-            <a:ext cx="5709772" cy="1662901"/>
+            <a:off x="4879555" y="2617325"/>
+            <a:ext cx="6210928" cy="1617959"/>
           </a:xfrm>
           <a:prstGeom prst="straightConnector1">
             <a:avLst/>
@@ -12599,8 +12629,8 @@
         </p:nvCxnSpPr>
         <p:spPr>
           <a:xfrm>
-            <a:off x="9662490" y="2259676"/>
-            <a:ext cx="1427993" cy="377092"/>
+            <a:off x="8817439" y="2211806"/>
+            <a:ext cx="2273044" cy="405519"/>
           </a:xfrm>
           <a:prstGeom prst="straightConnector1">
             <a:avLst/>
@@ -12638,8 +12668,8 @@
         </p:nvSpPr>
         <p:spPr>
           <a:xfrm>
-            <a:off x="1692775" y="6084678"/>
-            <a:ext cx="536076" cy="518717"/>
+            <a:off x="1692775" y="5084440"/>
+            <a:ext cx="433568" cy="459414"/>
           </a:xfrm>
           <a:prstGeom prst="roundRect">
             <a:avLst>
@@ -12693,7 +12723,7 @@
         </p:nvSpPr>
         <p:spPr>
           <a:xfrm>
-            <a:off x="2308695" y="6143981"/>
+            <a:off x="2308695" y="5084440"/>
             <a:ext cx="2462597" cy="400110"/>
           </a:xfrm>
           <a:prstGeom prst="rect">
@@ -12731,8 +12761,8 @@
         </p:nvSpPr>
         <p:spPr>
           <a:xfrm>
-            <a:off x="7721499" y="6084677"/>
-            <a:ext cx="536076" cy="518717"/>
+            <a:off x="7721499" y="5084439"/>
+            <a:ext cx="433568" cy="459414"/>
           </a:xfrm>
           <a:prstGeom prst="roundRect">
             <a:avLst>
@@ -12784,7 +12814,7 @@
         </p:nvSpPr>
         <p:spPr>
           <a:xfrm>
-            <a:off x="8362597" y="6143981"/>
+            <a:off x="8362597" y="5084440"/>
             <a:ext cx="1335622" cy="400110"/>
           </a:xfrm>
           <a:prstGeom prst="rect">

--- a/images/posts/2025-03-28-blog-post/新建 Microsoft PowerPoint 演示文稿.pptx
+++ b/images/posts/2025-03-28-blog-post/新建 Microsoft PowerPoint 演示文稿.pptx
@@ -270,7 +270,7 @@
           <a:p>
             <a:fld id="{9140CE54-3337-4FC0-9FD6-16A19B958699}" type="datetimeFigureOut">
               <a:rPr lang="zh-CN" altLang="en-US" smtClean="0"/>
-              <a:t>2025/9/24</a:t>
+              <a:t>2025/9/26</a:t>
             </a:fld>
             <a:endParaRPr lang="zh-CN" altLang="en-US"/>
           </a:p>
@@ -468,7 +468,7 @@
           <a:p>
             <a:fld id="{9140CE54-3337-4FC0-9FD6-16A19B958699}" type="datetimeFigureOut">
               <a:rPr lang="zh-CN" altLang="en-US" smtClean="0"/>
-              <a:t>2025/9/24</a:t>
+              <a:t>2025/9/26</a:t>
             </a:fld>
             <a:endParaRPr lang="zh-CN" altLang="en-US"/>
           </a:p>
@@ -676,7 +676,7 @@
           <a:p>
             <a:fld id="{9140CE54-3337-4FC0-9FD6-16A19B958699}" type="datetimeFigureOut">
               <a:rPr lang="zh-CN" altLang="en-US" smtClean="0"/>
-              <a:t>2025/9/24</a:t>
+              <a:t>2025/9/26</a:t>
             </a:fld>
             <a:endParaRPr lang="zh-CN" altLang="en-US"/>
           </a:p>
@@ -874,7 +874,7 @@
           <a:p>
             <a:fld id="{9140CE54-3337-4FC0-9FD6-16A19B958699}" type="datetimeFigureOut">
               <a:rPr lang="zh-CN" altLang="en-US" smtClean="0"/>
-              <a:t>2025/9/24</a:t>
+              <a:t>2025/9/26</a:t>
             </a:fld>
             <a:endParaRPr lang="zh-CN" altLang="en-US"/>
           </a:p>
@@ -1149,7 +1149,7 @@
           <a:p>
             <a:fld id="{9140CE54-3337-4FC0-9FD6-16A19B958699}" type="datetimeFigureOut">
               <a:rPr lang="zh-CN" altLang="en-US" smtClean="0"/>
-              <a:t>2025/9/24</a:t>
+              <a:t>2025/9/26</a:t>
             </a:fld>
             <a:endParaRPr lang="zh-CN" altLang="en-US"/>
           </a:p>
@@ -1414,7 +1414,7 @@
           <a:p>
             <a:fld id="{9140CE54-3337-4FC0-9FD6-16A19B958699}" type="datetimeFigureOut">
               <a:rPr lang="zh-CN" altLang="en-US" smtClean="0"/>
-              <a:t>2025/9/24</a:t>
+              <a:t>2025/9/26</a:t>
             </a:fld>
             <a:endParaRPr lang="zh-CN" altLang="en-US"/>
           </a:p>
@@ -1826,7 +1826,7 @@
           <a:p>
             <a:fld id="{9140CE54-3337-4FC0-9FD6-16A19B958699}" type="datetimeFigureOut">
               <a:rPr lang="zh-CN" altLang="en-US" smtClean="0"/>
-              <a:t>2025/9/24</a:t>
+              <a:t>2025/9/26</a:t>
             </a:fld>
             <a:endParaRPr lang="zh-CN" altLang="en-US"/>
           </a:p>
@@ -1967,7 +1967,7 @@
           <a:p>
             <a:fld id="{9140CE54-3337-4FC0-9FD6-16A19B958699}" type="datetimeFigureOut">
               <a:rPr lang="zh-CN" altLang="en-US" smtClean="0"/>
-              <a:t>2025/9/24</a:t>
+              <a:t>2025/9/26</a:t>
             </a:fld>
             <a:endParaRPr lang="zh-CN" altLang="en-US"/>
           </a:p>
@@ -2080,7 +2080,7 @@
           <a:p>
             <a:fld id="{9140CE54-3337-4FC0-9FD6-16A19B958699}" type="datetimeFigureOut">
               <a:rPr lang="zh-CN" altLang="en-US" smtClean="0"/>
-              <a:t>2025/9/24</a:t>
+              <a:t>2025/9/26</a:t>
             </a:fld>
             <a:endParaRPr lang="zh-CN" altLang="en-US"/>
           </a:p>
@@ -2391,7 +2391,7 @@
           <a:p>
             <a:fld id="{9140CE54-3337-4FC0-9FD6-16A19B958699}" type="datetimeFigureOut">
               <a:rPr lang="zh-CN" altLang="en-US" smtClean="0"/>
-              <a:t>2025/9/24</a:t>
+              <a:t>2025/9/26</a:t>
             </a:fld>
             <a:endParaRPr lang="zh-CN" altLang="en-US"/>
           </a:p>
@@ -2679,7 +2679,7 @@
           <a:p>
             <a:fld id="{9140CE54-3337-4FC0-9FD6-16A19B958699}" type="datetimeFigureOut">
               <a:rPr lang="zh-CN" altLang="en-US" smtClean="0"/>
-              <a:t>2025/9/24</a:t>
+              <a:t>2025/9/26</a:t>
             </a:fld>
             <a:endParaRPr lang="zh-CN" altLang="en-US"/>
           </a:p>
@@ -2920,7 +2920,7 @@
           <a:p>
             <a:fld id="{9140CE54-3337-4FC0-9FD6-16A19B958699}" type="datetimeFigureOut">
               <a:rPr lang="zh-CN" altLang="en-US" smtClean="0"/>
-              <a:t>2025/9/24</a:t>
+              <a:t>2025/9/26</a:t>
             </a:fld>
             <a:endParaRPr lang="zh-CN" altLang="en-US"/>
           </a:p>
@@ -9915,8 +9915,8 @@
           <a:chExt cx="0" cy="0"/>
         </a:xfrm>
       </p:grpSpPr>
-      <mc:AlternateContent xmlns:mc="http://schemas.openxmlformats.org/markup-compatibility/2006">
-        <mc:Choice xmlns:a14="http://schemas.microsoft.com/office/drawing/2010/main" Requires="a14">
+      <mc:AlternateContent xmlns:mc="http://schemas.openxmlformats.org/markup-compatibility/2006" xmlns:a14="http://schemas.microsoft.com/office/drawing/2010/main">
+        <mc:Choice Requires="a14">
           <p:sp>
             <p:nvSpPr>
               <p:cNvPr id="4" name="文本框 3">
@@ -9985,7 +9985,7 @@
             </p:txBody>
           </p:sp>
         </mc:Choice>
-        <mc:Fallback>
+        <mc:Fallback xmlns="">
           <p:sp>
             <p:nvSpPr>
               <p:cNvPr id="4" name="文本框 3">
@@ -10030,8 +10030,8 @@
           </p:sp>
         </mc:Fallback>
       </mc:AlternateContent>
-      <mc:AlternateContent xmlns:mc="http://schemas.openxmlformats.org/markup-compatibility/2006">
-        <mc:Choice xmlns:a14="http://schemas.microsoft.com/office/drawing/2010/main" Requires="a14">
+      <mc:AlternateContent xmlns:mc="http://schemas.openxmlformats.org/markup-compatibility/2006" xmlns:a14="http://schemas.microsoft.com/office/drawing/2010/main">
+        <mc:Choice Requires="a14">
           <p:sp>
             <p:nvSpPr>
               <p:cNvPr id="5" name="文本框 4">
@@ -10100,7 +10100,7 @@
             </p:txBody>
           </p:sp>
         </mc:Choice>
-        <mc:Fallback>
+        <mc:Fallback xmlns="">
           <p:sp>
             <p:nvSpPr>
               <p:cNvPr id="5" name="文本框 4">
@@ -10231,8 +10231,8 @@
           </a:fontRef>
         </p:style>
       </p:cxnSp>
-      <mc:AlternateContent xmlns:mc="http://schemas.openxmlformats.org/markup-compatibility/2006">
-        <mc:Choice xmlns:a14="http://schemas.microsoft.com/office/drawing/2010/main" Requires="a14">
+      <mc:AlternateContent xmlns:mc="http://schemas.openxmlformats.org/markup-compatibility/2006" xmlns:a14="http://schemas.microsoft.com/office/drawing/2010/main">
+        <mc:Choice Requires="a14">
           <p:sp>
             <p:nvSpPr>
               <p:cNvPr id="17" name="文本框 16">
@@ -10301,7 +10301,7 @@
             </p:txBody>
           </p:sp>
         </mc:Choice>
-        <mc:Fallback>
+        <mc:Fallback xmlns="">
           <p:sp>
             <p:nvSpPr>
               <p:cNvPr id="17" name="文本框 16">
@@ -10346,8 +10346,8 @@
           </p:sp>
         </mc:Fallback>
       </mc:AlternateContent>
-      <mc:AlternateContent xmlns:mc="http://schemas.openxmlformats.org/markup-compatibility/2006">
-        <mc:Choice xmlns:a14="http://schemas.microsoft.com/office/drawing/2010/main" Requires="a14">
+      <mc:AlternateContent xmlns:mc="http://schemas.openxmlformats.org/markup-compatibility/2006" xmlns:a14="http://schemas.microsoft.com/office/drawing/2010/main">
+        <mc:Choice Requires="a14">
           <p:sp>
             <p:nvSpPr>
               <p:cNvPr id="20" name="文本框 19">
@@ -10491,7 +10491,7 @@
             </p:txBody>
           </p:sp>
         </mc:Choice>
-        <mc:Fallback>
+        <mc:Fallback xmlns="">
           <p:sp>
             <p:nvSpPr>
               <p:cNvPr id="20" name="文本框 19">
@@ -10536,8 +10536,8 @@
           </p:sp>
         </mc:Fallback>
       </mc:AlternateContent>
-      <mc:AlternateContent xmlns:mc="http://schemas.openxmlformats.org/markup-compatibility/2006">
-        <mc:Choice xmlns:a14="http://schemas.microsoft.com/office/drawing/2010/main" Requires="a14">
+      <mc:AlternateContent xmlns:mc="http://schemas.openxmlformats.org/markup-compatibility/2006" xmlns:a14="http://schemas.microsoft.com/office/drawing/2010/main">
+        <mc:Choice Requires="a14">
           <p:sp>
             <p:nvSpPr>
               <p:cNvPr id="26" name="文本框 25">
@@ -10606,7 +10606,7 @@
             </p:txBody>
           </p:sp>
         </mc:Choice>
-        <mc:Fallback>
+        <mc:Fallback xmlns="">
           <p:sp>
             <p:nvSpPr>
               <p:cNvPr id="26" name="文本框 25">
@@ -10651,8 +10651,8 @@
           </p:sp>
         </mc:Fallback>
       </mc:AlternateContent>
-      <mc:AlternateContent xmlns:mc="http://schemas.openxmlformats.org/markup-compatibility/2006">
-        <mc:Choice xmlns:a14="http://schemas.microsoft.com/office/drawing/2010/main" Requires="a14">
+      <mc:AlternateContent xmlns:mc="http://schemas.openxmlformats.org/markup-compatibility/2006" xmlns:a14="http://schemas.microsoft.com/office/drawing/2010/main">
+        <mc:Choice Requires="a14">
           <p:sp>
             <p:nvSpPr>
               <p:cNvPr id="34" name="文本框 33">
@@ -10721,7 +10721,7 @@
             </p:txBody>
           </p:sp>
         </mc:Choice>
-        <mc:Fallback>
+        <mc:Fallback xmlns="">
           <p:sp>
             <p:nvSpPr>
               <p:cNvPr id="34" name="文本框 33">
@@ -10766,8 +10766,8 @@
           </p:sp>
         </mc:Fallback>
       </mc:AlternateContent>
-      <mc:AlternateContent xmlns:mc="http://schemas.openxmlformats.org/markup-compatibility/2006">
-        <mc:Choice xmlns:a14="http://schemas.microsoft.com/office/drawing/2010/main" Requires="a14">
+      <mc:AlternateContent xmlns:mc="http://schemas.openxmlformats.org/markup-compatibility/2006" xmlns:a14="http://schemas.microsoft.com/office/drawing/2010/main">
+        <mc:Choice Requires="a14">
           <p:sp>
             <p:nvSpPr>
               <p:cNvPr id="35" name="文本框 34">
@@ -10836,7 +10836,7 @@
             </p:txBody>
           </p:sp>
         </mc:Choice>
-        <mc:Fallback>
+        <mc:Fallback xmlns="">
           <p:sp>
             <p:nvSpPr>
               <p:cNvPr id="35" name="文本框 34">
@@ -10881,8 +10881,8 @@
           </p:sp>
         </mc:Fallback>
       </mc:AlternateContent>
-      <mc:AlternateContent xmlns:mc="http://schemas.openxmlformats.org/markup-compatibility/2006">
-        <mc:Choice xmlns:a14="http://schemas.microsoft.com/office/drawing/2010/main" Requires="a14">
+      <mc:AlternateContent xmlns:mc="http://schemas.openxmlformats.org/markup-compatibility/2006" xmlns:a14="http://schemas.microsoft.com/office/drawing/2010/main">
+        <mc:Choice Requires="a14">
           <p:sp>
             <p:nvSpPr>
               <p:cNvPr id="37" name="文本框 36">
@@ -10966,19 +10966,7 @@
                         <a:rPr lang="en-US" altLang="zh-CN" sz="2400" b="0" i="1" smtClean="0">
                           <a:latin typeface="Cambria Math" panose="02040503050406030204" pitchFamily="18" charset="0"/>
                         </a:rPr>
-                        <m:t>  </m:t>
-                      </m:r>
-                      <m:r>
-                        <a:rPr lang="en-US" altLang="zh-CN" sz="2400" b="0" i="1" smtClean="0">
-                          <a:latin typeface="Cambria Math" panose="02040503050406030204" pitchFamily="18" charset="0"/>
-                        </a:rPr>
-                        <m:t>  </m:t>
-                      </m:r>
-                      <m:r>
-                        <a:rPr lang="en-US" altLang="zh-CN" sz="2400" b="0" i="1" smtClean="0">
-                          <a:latin typeface="Cambria Math" panose="02040503050406030204" pitchFamily="18" charset="0"/>
-                        </a:rPr>
-                        <m:t> </m:t>
+                        <m:t>     </m:t>
                       </m:r>
                       <m:sSub>
                         <m:sSubPr>
@@ -11038,7 +11026,7 @@
             </p:txBody>
           </p:sp>
         </mc:Choice>
-        <mc:Fallback>
+        <mc:Fallback xmlns="">
           <p:sp>
             <p:nvSpPr>
               <p:cNvPr id="37" name="文本框 36">
@@ -11083,8 +11071,8 @@
           </p:sp>
         </mc:Fallback>
       </mc:AlternateContent>
-      <mc:AlternateContent xmlns:mc="http://schemas.openxmlformats.org/markup-compatibility/2006">
-        <mc:Choice xmlns:a14="http://schemas.microsoft.com/office/drawing/2010/main" Requires="a14">
+      <mc:AlternateContent xmlns:mc="http://schemas.openxmlformats.org/markup-compatibility/2006" xmlns:a14="http://schemas.microsoft.com/office/drawing/2010/main">
+        <mc:Choice Requires="a14">
           <p:sp>
             <p:nvSpPr>
               <p:cNvPr id="38" name="文本框 37">
@@ -11168,25 +11156,7 @@
                         <a:rPr lang="en-US" altLang="zh-CN" sz="2400" b="0" i="1" smtClean="0">
                           <a:latin typeface="Cambria Math" panose="02040503050406030204" pitchFamily="18" charset="0"/>
                         </a:rPr>
-                        <m:t> </m:t>
-                      </m:r>
-                      <m:r>
-                        <a:rPr lang="en-US" altLang="zh-CN" sz="2400" b="0" i="1" smtClean="0">
-                          <a:latin typeface="Cambria Math" panose="02040503050406030204" pitchFamily="18" charset="0"/>
-                        </a:rPr>
-                        <m:t> </m:t>
-                      </m:r>
-                      <m:r>
-                        <a:rPr lang="en-US" altLang="zh-CN" sz="2400" b="0" i="1" smtClean="0">
-                          <a:latin typeface="Cambria Math" panose="02040503050406030204" pitchFamily="18" charset="0"/>
-                        </a:rPr>
-                        <m:t> </m:t>
-                      </m:r>
-                      <m:r>
-                        <a:rPr lang="en-US" altLang="zh-CN" sz="2400" b="0" i="1" smtClean="0">
-                          <a:latin typeface="Cambria Math" panose="02040503050406030204" pitchFamily="18" charset="0"/>
-                        </a:rPr>
-                        <m:t>  </m:t>
+                        <m:t>     </m:t>
                       </m:r>
                       <m:sSub>
                         <m:sSubPr>
@@ -11246,7 +11216,7 @@
             </p:txBody>
           </p:sp>
         </mc:Choice>
-        <mc:Fallback>
+        <mc:Fallback xmlns="">
           <p:sp>
             <p:nvSpPr>
               <p:cNvPr id="38" name="文本框 37">
@@ -11291,8 +11261,8 @@
           </p:sp>
         </mc:Fallback>
       </mc:AlternateContent>
-      <mc:AlternateContent xmlns:mc="http://schemas.openxmlformats.org/markup-compatibility/2006">
-        <mc:Choice xmlns:a14="http://schemas.microsoft.com/office/drawing/2010/main" Requires="a14">
+      <mc:AlternateContent xmlns:mc="http://schemas.openxmlformats.org/markup-compatibility/2006" xmlns:a14="http://schemas.microsoft.com/office/drawing/2010/main">
+        <mc:Choice Requires="a14">
           <p:sp>
             <p:nvSpPr>
               <p:cNvPr id="40" name="文本框 39">
@@ -11361,7 +11331,7 @@
             </p:txBody>
           </p:sp>
         </mc:Choice>
-        <mc:Fallback>
+        <mc:Fallback xmlns="">
           <p:sp>
             <p:nvSpPr>
               <p:cNvPr id="40" name="文本框 39">
@@ -12868,6 +12838,2956 @@
           <a:chExt cx="0" cy="0"/>
         </a:xfrm>
       </p:grpSpPr>
+      <p:sp>
+        <p:nvSpPr>
+          <p:cNvPr id="38" name="矩形: 圆角 37">
+            <a:extLst>
+              <a:ext uri="{FF2B5EF4-FFF2-40B4-BE49-F238E27FC236}">
+                <a16:creationId xmlns:a16="http://schemas.microsoft.com/office/drawing/2014/main" id="{518AF14F-991C-F999-AC36-4864AE2FB35A}"/>
+              </a:ext>
+            </a:extLst>
+          </p:cNvPr>
+          <p:cNvSpPr/>
+          <p:nvPr/>
+        </p:nvSpPr>
+        <p:spPr>
+          <a:xfrm>
+            <a:off x="1914488" y="4215124"/>
+            <a:ext cx="2317824" cy="400111"/>
+          </a:xfrm>
+          <a:prstGeom prst="roundRect">
+            <a:avLst>
+              <a:gd name="adj" fmla="val 0"/>
+            </a:avLst>
+          </a:prstGeom>
+          <a:solidFill>
+            <a:schemeClr val="bg2">
+              <a:lumMod val="90000"/>
+            </a:schemeClr>
+          </a:solidFill>
+          <a:ln>
+            <a:solidFill>
+              <a:schemeClr val="tx1"/>
+            </a:solidFill>
+          </a:ln>
+        </p:spPr>
+        <p:style>
+          <a:lnRef idx="2">
+            <a:schemeClr val="accent1">
+              <a:shade val="15000"/>
+            </a:schemeClr>
+          </a:lnRef>
+          <a:fillRef idx="1">
+            <a:schemeClr val="accent1"/>
+          </a:fillRef>
+          <a:effectRef idx="0">
+            <a:schemeClr val="accent1"/>
+          </a:effectRef>
+          <a:fontRef idx="minor">
+            <a:schemeClr val="lt1"/>
+          </a:fontRef>
+        </p:style>
+        <p:txBody>
+          <a:bodyPr rtlCol="0" anchor="ctr"/>
+          <a:lstStyle/>
+          <a:p>
+            <a:pPr algn="ctr"/>
+            <a:endParaRPr lang="zh-CN" altLang="en-US" sz="3189"/>
+          </a:p>
+        </p:txBody>
+      </p:sp>
+      <p:sp>
+        <p:nvSpPr>
+          <p:cNvPr id="39" name="矩形: 圆角 38">
+            <a:extLst>
+              <a:ext uri="{FF2B5EF4-FFF2-40B4-BE49-F238E27FC236}">
+                <a16:creationId xmlns:a16="http://schemas.microsoft.com/office/drawing/2014/main" id="{176A10AF-2E30-A145-9C6A-41A4ED84E6F5}"/>
+              </a:ext>
+            </a:extLst>
+          </p:cNvPr>
+          <p:cNvSpPr/>
+          <p:nvPr/>
+        </p:nvSpPr>
+        <p:spPr>
+          <a:xfrm>
+            <a:off x="1914487" y="5335546"/>
+            <a:ext cx="2317825" cy="442355"/>
+          </a:xfrm>
+          <a:prstGeom prst="roundRect">
+            <a:avLst>
+              <a:gd name="adj" fmla="val 0"/>
+            </a:avLst>
+          </a:prstGeom>
+          <a:solidFill>
+            <a:schemeClr val="tx2">
+              <a:lumMod val="10000"/>
+              <a:lumOff val="90000"/>
+            </a:schemeClr>
+          </a:solidFill>
+          <a:ln>
+            <a:solidFill>
+              <a:schemeClr val="tx1"/>
+            </a:solidFill>
+          </a:ln>
+        </p:spPr>
+        <p:style>
+          <a:lnRef idx="2">
+            <a:schemeClr val="accent1">
+              <a:shade val="15000"/>
+            </a:schemeClr>
+          </a:lnRef>
+          <a:fillRef idx="1">
+            <a:schemeClr val="accent1"/>
+          </a:fillRef>
+          <a:effectRef idx="0">
+            <a:schemeClr val="accent1"/>
+          </a:effectRef>
+          <a:fontRef idx="minor">
+            <a:schemeClr val="lt1"/>
+          </a:fontRef>
+        </p:style>
+        <p:txBody>
+          <a:bodyPr rtlCol="0" anchor="ctr"/>
+          <a:lstStyle/>
+          <a:p>
+            <a:pPr algn="ctr"/>
+            <a:endParaRPr lang="zh-CN" altLang="en-US" sz="3189"/>
+          </a:p>
+        </p:txBody>
+      </p:sp>
+      <mc:AlternateContent xmlns:mc="http://schemas.openxmlformats.org/markup-compatibility/2006">
+        <mc:Choice xmlns:a14="http://schemas.microsoft.com/office/drawing/2010/main" Requires="a14">
+          <p:sp>
+            <p:nvSpPr>
+              <p:cNvPr id="40" name="文本框 39">
+                <a:extLst>
+                  <a:ext uri="{FF2B5EF4-FFF2-40B4-BE49-F238E27FC236}">
+                    <a16:creationId xmlns:a16="http://schemas.microsoft.com/office/drawing/2014/main" id="{016E941E-25AB-D82C-793A-FE67B18312DD}"/>
+                  </a:ext>
+                </a:extLst>
+              </p:cNvPr>
+              <p:cNvSpPr txBox="1"/>
+              <p:nvPr/>
+            </p:nvSpPr>
+            <p:spPr>
+              <a:xfrm>
+                <a:off x="2573101" y="5335549"/>
+                <a:ext cx="1000595" cy="400110"/>
+              </a:xfrm>
+              <a:prstGeom prst="rect">
+                <a:avLst/>
+              </a:prstGeom>
+              <a:noFill/>
+            </p:spPr>
+            <p:txBody>
+              <a:bodyPr wrap="none" rtlCol="0">
+                <a:spAutoFit/>
+              </a:bodyPr>
+              <a:lstStyle/>
+              <a:p>
+                <a:pPr/>
+                <a14:m>
+                  <m:oMathPara xmlns:m="http://schemas.openxmlformats.org/officeDocument/2006/math">
+                    <m:oMathParaPr>
+                      <m:jc m:val="centerGroup"/>
+                    </m:oMathParaPr>
+                    <m:oMath xmlns:m="http://schemas.openxmlformats.org/officeDocument/2006/math">
+                      <m:r>
+                        <m:rPr>
+                          <m:sty m:val="p"/>
+                        </m:rPr>
+                        <a:rPr lang="en-US" altLang="zh-CN" sz="2000" b="0" i="0" dirty="0" smtClean="0">
+                          <a:latin typeface="Cambria Math" panose="02040503050406030204" pitchFamily="18" charset="0"/>
+                          <a:ea typeface="微软雅黑" panose="020B0503020204020204" pitchFamily="34" charset="-122"/>
+                        </a:rPr>
+                        <m:t>Ada</m:t>
+                      </m:r>
+                      <m:r>
+                        <m:rPr>
+                          <m:sty m:val="p"/>
+                        </m:rPr>
+                        <a:rPr lang="en-US" altLang="zh-CN" sz="2000" b="0" i="0" dirty="0" smtClean="0">
+                          <a:latin typeface="Cambria Math" panose="02040503050406030204" pitchFamily="18" charset="0"/>
+                          <a:ea typeface="微软雅黑" panose="020B0503020204020204" pitchFamily="34" charset="-122"/>
+                        </a:rPr>
+                        <m:t>LN</m:t>
+                      </m:r>
+                    </m:oMath>
+                  </m:oMathPara>
+                </a14:m>
+                <a:endParaRPr lang="zh-CN" altLang="en-US" sz="3200" dirty="0">
+                  <a:latin typeface="微软雅黑" panose="020B0503020204020204" pitchFamily="34" charset="-122"/>
+                  <a:ea typeface="微软雅黑" panose="020B0503020204020204" pitchFamily="34" charset="-122"/>
+                </a:endParaRPr>
+              </a:p>
+            </p:txBody>
+          </p:sp>
+        </mc:Choice>
+        <mc:Fallback>
+          <p:sp>
+            <p:nvSpPr>
+              <p:cNvPr id="40" name="文本框 39">
+                <a:extLst>
+                  <a:ext uri="{FF2B5EF4-FFF2-40B4-BE49-F238E27FC236}">
+                    <a16:creationId xmlns:a16="http://schemas.microsoft.com/office/drawing/2014/main" id="{016E941E-25AB-D82C-793A-FE67B18312DD}"/>
+                  </a:ext>
+                </a:extLst>
+              </p:cNvPr>
+              <p:cNvSpPr txBox="1">
+                <a:spLocks noRot="1" noChangeAspect="1" noMove="1" noResize="1" noEditPoints="1" noAdjustHandles="1" noChangeArrowheads="1" noChangeShapeType="1" noTextEdit="1"/>
+              </p:cNvSpPr>
+              <p:nvPr/>
+            </p:nvSpPr>
+            <p:spPr>
+              <a:xfrm>
+                <a:off x="2573101" y="5335549"/>
+                <a:ext cx="1000595" cy="400110"/>
+              </a:xfrm>
+              <a:prstGeom prst="rect">
+                <a:avLst/>
+              </a:prstGeom>
+              <a:blipFill>
+                <a:blip r:embed="rId2"/>
+                <a:stretch>
+                  <a:fillRect/>
+                </a:stretch>
+              </a:blipFill>
+            </p:spPr>
+            <p:txBody>
+              <a:bodyPr/>
+              <a:lstStyle/>
+              <a:p>
+                <a:r>
+                  <a:rPr lang="zh-CN" altLang="en-US">
+                    <a:noFill/>
+                  </a:rPr>
+                  <a:t> </a:t>
+                </a:r>
+              </a:p>
+            </p:txBody>
+          </p:sp>
+        </mc:Fallback>
+      </mc:AlternateContent>
+      <p:cxnSp>
+        <p:nvCxnSpPr>
+          <p:cNvPr id="41" name="直接箭头连接符 40">
+            <a:extLst>
+              <a:ext uri="{FF2B5EF4-FFF2-40B4-BE49-F238E27FC236}">
+                <a16:creationId xmlns:a16="http://schemas.microsoft.com/office/drawing/2014/main" id="{7B6C1C84-D7F4-9CF4-D74D-30BC7152CA02}"/>
+              </a:ext>
+            </a:extLst>
+          </p:cNvPr>
+          <p:cNvCxnSpPr>
+            <a:cxnSpLocks/>
+            <a:stCxn id="42" idx="0"/>
+            <a:endCxn id="39" idx="2"/>
+          </p:cNvCxnSpPr>
+          <p:nvPr/>
+        </p:nvCxnSpPr>
+        <p:spPr>
+          <a:xfrm flipH="1" flipV="1">
+            <a:off x="3073400" y="5777901"/>
+            <a:ext cx="16212" cy="679874"/>
+          </a:xfrm>
+          <a:prstGeom prst="straightConnector1">
+            <a:avLst/>
+          </a:prstGeom>
+          <a:ln w="28575">
+            <a:tailEnd type="triangle"/>
+          </a:ln>
+        </p:spPr>
+        <p:style>
+          <a:lnRef idx="2">
+            <a:schemeClr val="accent1"/>
+          </a:lnRef>
+          <a:fillRef idx="0">
+            <a:schemeClr val="accent1"/>
+          </a:fillRef>
+          <a:effectRef idx="1">
+            <a:schemeClr val="accent1"/>
+          </a:effectRef>
+          <a:fontRef idx="minor">
+            <a:schemeClr val="tx1"/>
+          </a:fontRef>
+        </p:style>
+      </p:cxnSp>
+      <mc:AlternateContent xmlns:mc="http://schemas.openxmlformats.org/markup-compatibility/2006">
+        <mc:Choice xmlns:a14="http://schemas.microsoft.com/office/drawing/2010/main" Requires="a14">
+          <p:sp>
+            <p:nvSpPr>
+              <p:cNvPr id="42" name="文本框 41">
+                <a:extLst>
+                  <a:ext uri="{FF2B5EF4-FFF2-40B4-BE49-F238E27FC236}">
+                    <a16:creationId xmlns:a16="http://schemas.microsoft.com/office/drawing/2014/main" id="{21F52FFC-7C20-52AC-3E5C-DFB5B1F194CB}"/>
+                  </a:ext>
+                </a:extLst>
+              </p:cNvPr>
+              <p:cNvSpPr txBox="1"/>
+              <p:nvPr/>
+            </p:nvSpPr>
+            <p:spPr>
+              <a:xfrm>
+                <a:off x="2958166" y="6457775"/>
+                <a:ext cx="262892" cy="369332"/>
+              </a:xfrm>
+              <a:prstGeom prst="rect">
+                <a:avLst/>
+              </a:prstGeom>
+              <a:noFill/>
+            </p:spPr>
+            <p:txBody>
+              <a:bodyPr wrap="none" lIns="0" tIns="0" rIns="0" bIns="0" rtlCol="0">
+                <a:spAutoFit/>
+              </a:bodyPr>
+              <a:lstStyle/>
+              <a:p>
+                <a:pPr/>
+                <a14:m>
+                  <m:oMathPara xmlns:m="http://schemas.openxmlformats.org/officeDocument/2006/math">
+                    <m:oMathParaPr>
+                      <m:jc m:val="centerGroup"/>
+                    </m:oMathParaPr>
+                    <m:oMath xmlns:m="http://schemas.openxmlformats.org/officeDocument/2006/math">
+                      <m:r>
+                        <a:rPr lang="en-US" altLang="zh-CN" sz="2400" b="1" i="1" smtClean="0">
+                          <a:latin typeface="Cambria Math" panose="02040503050406030204" pitchFamily="18" charset="0"/>
+                        </a:rPr>
+                        <m:t>𝒙</m:t>
+                      </m:r>
+                    </m:oMath>
+                  </m:oMathPara>
+                </a14:m>
+                <a:endParaRPr lang="zh-CN" altLang="en-US" sz="2800" b="1" dirty="0"/>
+              </a:p>
+            </p:txBody>
+          </p:sp>
+        </mc:Choice>
+        <mc:Fallback>
+          <p:sp>
+            <p:nvSpPr>
+              <p:cNvPr id="42" name="文本框 41">
+                <a:extLst>
+                  <a:ext uri="{FF2B5EF4-FFF2-40B4-BE49-F238E27FC236}">
+                    <a16:creationId xmlns:a16="http://schemas.microsoft.com/office/drawing/2014/main" id="{21F52FFC-7C20-52AC-3E5C-DFB5B1F194CB}"/>
+                  </a:ext>
+                </a:extLst>
+              </p:cNvPr>
+              <p:cNvSpPr txBox="1">
+                <a:spLocks noRot="1" noChangeAspect="1" noMove="1" noResize="1" noEditPoints="1" noAdjustHandles="1" noChangeArrowheads="1" noChangeShapeType="1" noTextEdit="1"/>
+              </p:cNvSpPr>
+              <p:nvPr/>
+            </p:nvSpPr>
+            <p:spPr>
+              <a:xfrm>
+                <a:off x="2958166" y="6457775"/>
+                <a:ext cx="262892" cy="369332"/>
+              </a:xfrm>
+              <a:prstGeom prst="rect">
+                <a:avLst/>
+              </a:prstGeom>
+              <a:blipFill>
+                <a:blip r:embed="rId3"/>
+                <a:stretch>
+                  <a:fillRect l="-13953" r="-13953"/>
+                </a:stretch>
+              </a:blipFill>
+            </p:spPr>
+            <p:txBody>
+              <a:bodyPr/>
+              <a:lstStyle/>
+              <a:p>
+                <a:r>
+                  <a:rPr lang="zh-CN" altLang="en-US">
+                    <a:noFill/>
+                  </a:rPr>
+                  <a:t> </a:t>
+                </a:r>
+              </a:p>
+            </p:txBody>
+          </p:sp>
+        </mc:Fallback>
+      </mc:AlternateContent>
+      <p:cxnSp>
+        <p:nvCxnSpPr>
+          <p:cNvPr id="43" name="连接符: 曲线 42">
+            <a:extLst>
+              <a:ext uri="{FF2B5EF4-FFF2-40B4-BE49-F238E27FC236}">
+                <a16:creationId xmlns:a16="http://schemas.microsoft.com/office/drawing/2014/main" id="{C41F4E0F-ED02-7458-4D31-B1C6838B45C4}"/>
+              </a:ext>
+            </a:extLst>
+          </p:cNvPr>
+          <p:cNvCxnSpPr>
+            <a:cxnSpLocks/>
+          </p:cNvCxnSpPr>
+          <p:nvPr/>
+        </p:nvCxnSpPr>
+        <p:spPr>
+          <a:xfrm rot="5400000" flipH="1" flipV="1">
+            <a:off x="3083218" y="3680488"/>
+            <a:ext cx="933" cy="1836086"/>
+          </a:xfrm>
+          <a:prstGeom prst="curvedConnector3">
+            <a:avLst>
+              <a:gd name="adj1" fmla="val -35913719"/>
+            </a:avLst>
+          </a:prstGeom>
+          <a:ln w="28575">
+            <a:headEnd type="triangle"/>
+            <a:tailEnd type="triangle"/>
+          </a:ln>
+        </p:spPr>
+        <p:style>
+          <a:lnRef idx="2">
+            <a:schemeClr val="accent1"/>
+          </a:lnRef>
+          <a:fillRef idx="0">
+            <a:schemeClr val="accent1"/>
+          </a:fillRef>
+          <a:effectRef idx="1">
+            <a:schemeClr val="accent1"/>
+          </a:effectRef>
+          <a:fontRef idx="minor">
+            <a:schemeClr val="tx1"/>
+          </a:fontRef>
+        </p:style>
+      </p:cxnSp>
+      <p:grpSp>
+        <p:nvGrpSpPr>
+          <p:cNvPr id="44" name="组合 43">
+            <a:extLst>
+              <a:ext uri="{FF2B5EF4-FFF2-40B4-BE49-F238E27FC236}">
+                <a16:creationId xmlns:a16="http://schemas.microsoft.com/office/drawing/2014/main" id="{38D2F63F-0D93-4BA1-3E5C-FD1D4E46387D}"/>
+              </a:ext>
+            </a:extLst>
+          </p:cNvPr>
+          <p:cNvGrpSpPr/>
+          <p:nvPr/>
+        </p:nvGrpSpPr>
+        <p:grpSpPr>
+          <a:xfrm>
+            <a:off x="2891536" y="3551592"/>
+            <a:ext cx="360000" cy="363969"/>
+            <a:chOff x="5281075" y="4315800"/>
+            <a:chExt cx="360000" cy="363969"/>
+          </a:xfrm>
+        </p:grpSpPr>
+        <p:sp>
+          <p:nvSpPr>
+            <p:cNvPr id="45" name="加号 44">
+              <a:extLst>
+                <a:ext uri="{FF2B5EF4-FFF2-40B4-BE49-F238E27FC236}">
+                  <a16:creationId xmlns:a16="http://schemas.microsoft.com/office/drawing/2014/main" id="{D7C4B634-EBF7-711A-D0C5-C6AC2C8CFC23}"/>
+                </a:ext>
+              </a:extLst>
+            </p:cNvPr>
+            <p:cNvSpPr/>
+            <p:nvPr/>
+          </p:nvSpPr>
+          <p:spPr>
+            <a:xfrm>
+              <a:off x="5281075" y="4319769"/>
+              <a:ext cx="360000" cy="360000"/>
+            </a:xfrm>
+            <a:prstGeom prst="mathPlus">
+              <a:avLst>
+                <a:gd name="adj1" fmla="val 12933"/>
+              </a:avLst>
+            </a:prstGeom>
+            <a:noFill/>
+          </p:spPr>
+          <p:style>
+            <a:lnRef idx="2">
+              <a:schemeClr val="accent1">
+                <a:shade val="15000"/>
+              </a:schemeClr>
+            </a:lnRef>
+            <a:fillRef idx="1">
+              <a:schemeClr val="accent1"/>
+            </a:fillRef>
+            <a:effectRef idx="0">
+              <a:schemeClr val="accent1"/>
+            </a:effectRef>
+            <a:fontRef idx="minor">
+              <a:schemeClr val="lt1"/>
+            </a:fontRef>
+          </p:style>
+          <p:txBody>
+            <a:bodyPr rtlCol="0" anchor="ctr"/>
+            <a:lstStyle/>
+            <a:p>
+              <a:pPr algn="ctr"/>
+              <a:endParaRPr lang="zh-CN" altLang="en-US"/>
+            </a:p>
+          </p:txBody>
+        </p:sp>
+        <p:sp>
+          <p:nvSpPr>
+            <p:cNvPr id="46" name="椭圆 45">
+              <a:extLst>
+                <a:ext uri="{FF2B5EF4-FFF2-40B4-BE49-F238E27FC236}">
+                  <a16:creationId xmlns:a16="http://schemas.microsoft.com/office/drawing/2014/main" id="{FBBBF5E7-7074-2901-7A42-B4815459B5F7}"/>
+                </a:ext>
+              </a:extLst>
+            </p:cNvPr>
+            <p:cNvSpPr/>
+            <p:nvPr/>
+          </p:nvSpPr>
+          <p:spPr>
+            <a:xfrm>
+              <a:off x="5281075" y="4315800"/>
+              <a:ext cx="360000" cy="360000"/>
+            </a:xfrm>
+            <a:prstGeom prst="ellipse">
+              <a:avLst/>
+            </a:prstGeom>
+            <a:noFill/>
+          </p:spPr>
+          <p:style>
+            <a:lnRef idx="2">
+              <a:schemeClr val="accent1">
+                <a:shade val="15000"/>
+              </a:schemeClr>
+            </a:lnRef>
+            <a:fillRef idx="1">
+              <a:schemeClr val="accent1"/>
+            </a:fillRef>
+            <a:effectRef idx="0">
+              <a:schemeClr val="accent1"/>
+            </a:effectRef>
+            <a:fontRef idx="minor">
+              <a:schemeClr val="lt1"/>
+            </a:fontRef>
+          </p:style>
+          <p:txBody>
+            <a:bodyPr rtlCol="0" anchor="ctr"/>
+            <a:lstStyle/>
+            <a:p>
+              <a:pPr algn="ctr"/>
+              <a:endParaRPr lang="zh-CN" altLang="en-US"/>
+            </a:p>
+          </p:txBody>
+        </p:sp>
+      </p:grpSp>
+      <p:cxnSp>
+        <p:nvCxnSpPr>
+          <p:cNvPr id="47" name="直接箭头连接符 46">
+            <a:extLst>
+              <a:ext uri="{FF2B5EF4-FFF2-40B4-BE49-F238E27FC236}">
+                <a16:creationId xmlns:a16="http://schemas.microsoft.com/office/drawing/2014/main" id="{100157A2-E70F-854B-63ED-3CFC1C5FC770}"/>
+              </a:ext>
+            </a:extLst>
+          </p:cNvPr>
+          <p:cNvCxnSpPr>
+            <a:cxnSpLocks/>
+            <a:stCxn id="38" idx="0"/>
+            <a:endCxn id="46" idx="4"/>
+          </p:cNvCxnSpPr>
+          <p:nvPr/>
+        </p:nvCxnSpPr>
+        <p:spPr>
+          <a:xfrm flipH="1" flipV="1">
+            <a:off x="3071536" y="3911592"/>
+            <a:ext cx="1864" cy="303532"/>
+          </a:xfrm>
+          <a:prstGeom prst="straightConnector1">
+            <a:avLst/>
+          </a:prstGeom>
+          <a:ln w="28575">
+            <a:tailEnd type="triangle"/>
+          </a:ln>
+        </p:spPr>
+        <p:style>
+          <a:lnRef idx="2">
+            <a:schemeClr val="accent1"/>
+          </a:lnRef>
+          <a:fillRef idx="0">
+            <a:schemeClr val="accent1"/>
+          </a:fillRef>
+          <a:effectRef idx="1">
+            <a:schemeClr val="accent1"/>
+          </a:effectRef>
+          <a:fontRef idx="minor">
+            <a:schemeClr val="tx1"/>
+          </a:fontRef>
+        </p:style>
+      </p:cxnSp>
+      <p:cxnSp>
+        <p:nvCxnSpPr>
+          <p:cNvPr id="48" name="直接箭头连接符 47">
+            <a:extLst>
+              <a:ext uri="{FF2B5EF4-FFF2-40B4-BE49-F238E27FC236}">
+                <a16:creationId xmlns:a16="http://schemas.microsoft.com/office/drawing/2014/main" id="{7577A427-D026-B0FE-56FE-5C935BC9DDA9}"/>
+              </a:ext>
+            </a:extLst>
+          </p:cNvPr>
+          <p:cNvCxnSpPr>
+            <a:cxnSpLocks/>
+            <a:stCxn id="39" idx="0"/>
+            <a:endCxn id="38" idx="2"/>
+          </p:cNvCxnSpPr>
+          <p:nvPr/>
+        </p:nvCxnSpPr>
+        <p:spPr>
+          <a:xfrm flipV="1">
+            <a:off x="3073400" y="4615235"/>
+            <a:ext cx="0" cy="720311"/>
+          </a:xfrm>
+          <a:prstGeom prst="straightConnector1">
+            <a:avLst/>
+          </a:prstGeom>
+          <a:ln w="28575">
+            <a:tailEnd type="triangle"/>
+          </a:ln>
+        </p:spPr>
+        <p:style>
+          <a:lnRef idx="2">
+            <a:schemeClr val="accent1"/>
+          </a:lnRef>
+          <a:fillRef idx="0">
+            <a:schemeClr val="accent1"/>
+          </a:fillRef>
+          <a:effectRef idx="1">
+            <a:schemeClr val="accent1"/>
+          </a:effectRef>
+          <a:fontRef idx="minor">
+            <a:schemeClr val="tx1"/>
+          </a:fontRef>
+        </p:style>
+      </p:cxnSp>
+      <p:sp>
+        <p:nvSpPr>
+          <p:cNvPr id="49" name="椭圆 48">
+            <a:extLst>
+              <a:ext uri="{FF2B5EF4-FFF2-40B4-BE49-F238E27FC236}">
+                <a16:creationId xmlns:a16="http://schemas.microsoft.com/office/drawing/2014/main" id="{C389E1E3-CD9A-AF41-01E7-560BAC7CDF91}"/>
+              </a:ext>
+            </a:extLst>
+          </p:cNvPr>
+          <p:cNvSpPr/>
+          <p:nvPr/>
+        </p:nvSpPr>
+        <p:spPr>
+          <a:xfrm>
+            <a:off x="3009577" y="6042406"/>
+            <a:ext cx="159445" cy="159445"/>
+          </a:xfrm>
+          <a:prstGeom prst="ellipse">
+            <a:avLst/>
+          </a:prstGeom>
+          <a:ln>
+            <a:noFill/>
+          </a:ln>
+        </p:spPr>
+        <p:style>
+          <a:lnRef idx="2">
+            <a:schemeClr val="accent1">
+              <a:shade val="15000"/>
+            </a:schemeClr>
+          </a:lnRef>
+          <a:fillRef idx="1">
+            <a:schemeClr val="accent1"/>
+          </a:fillRef>
+          <a:effectRef idx="0">
+            <a:schemeClr val="accent1"/>
+          </a:effectRef>
+          <a:fontRef idx="minor">
+            <a:schemeClr val="lt1"/>
+          </a:fontRef>
+        </p:style>
+        <p:txBody>
+          <a:bodyPr rtlCol="0" anchor="ctr"/>
+          <a:lstStyle/>
+          <a:p>
+            <a:pPr algn="ctr"/>
+            <a:endParaRPr lang="zh-CN" altLang="en-US" sz="3189"/>
+          </a:p>
+        </p:txBody>
+      </p:sp>
+      <p:cxnSp>
+        <p:nvCxnSpPr>
+          <p:cNvPr id="50" name="连接符: 肘形 49">
+            <a:extLst>
+              <a:ext uri="{FF2B5EF4-FFF2-40B4-BE49-F238E27FC236}">
+                <a16:creationId xmlns:a16="http://schemas.microsoft.com/office/drawing/2014/main" id="{5488B9C8-A68D-1A28-0FA2-D07A8955D08A}"/>
+              </a:ext>
+            </a:extLst>
+          </p:cNvPr>
+          <p:cNvCxnSpPr>
+            <a:cxnSpLocks/>
+            <a:stCxn id="49" idx="6"/>
+            <a:endCxn id="46" idx="6"/>
+          </p:cNvCxnSpPr>
+          <p:nvPr/>
+        </p:nvCxnSpPr>
+        <p:spPr>
+          <a:xfrm flipV="1">
+            <a:off x="3169022" y="3731592"/>
+            <a:ext cx="82514" cy="2390537"/>
+          </a:xfrm>
+          <a:prstGeom prst="bentConnector3">
+            <a:avLst>
+              <a:gd name="adj1" fmla="val 2000829"/>
+            </a:avLst>
+          </a:prstGeom>
+          <a:ln>
+            <a:tailEnd type="triangle"/>
+          </a:ln>
+        </p:spPr>
+        <p:style>
+          <a:lnRef idx="2">
+            <a:schemeClr val="accent1"/>
+          </a:lnRef>
+          <a:fillRef idx="0">
+            <a:schemeClr val="accent1"/>
+          </a:fillRef>
+          <a:effectRef idx="1">
+            <a:schemeClr val="accent1"/>
+          </a:effectRef>
+          <a:fontRef idx="minor">
+            <a:schemeClr val="tx1"/>
+          </a:fontRef>
+        </p:style>
+      </p:cxnSp>
+      <p:cxnSp>
+        <p:nvCxnSpPr>
+          <p:cNvPr id="51" name="直接箭头连接符 50">
+            <a:extLst>
+              <a:ext uri="{FF2B5EF4-FFF2-40B4-BE49-F238E27FC236}">
+                <a16:creationId xmlns:a16="http://schemas.microsoft.com/office/drawing/2014/main" id="{E9715FA5-5941-79FA-2320-82C6750CB997}"/>
+              </a:ext>
+            </a:extLst>
+          </p:cNvPr>
+          <p:cNvCxnSpPr>
+            <a:cxnSpLocks/>
+          </p:cNvCxnSpPr>
+          <p:nvPr/>
+        </p:nvCxnSpPr>
+        <p:spPr>
+          <a:xfrm flipV="1">
+            <a:off x="3052486" y="371395"/>
+            <a:ext cx="0" cy="369223"/>
+          </a:xfrm>
+          <a:prstGeom prst="straightConnector1">
+            <a:avLst/>
+          </a:prstGeom>
+          <a:ln w="28575">
+            <a:tailEnd type="triangle"/>
+          </a:ln>
+        </p:spPr>
+        <p:style>
+          <a:lnRef idx="2">
+            <a:schemeClr val="accent1"/>
+          </a:lnRef>
+          <a:fillRef idx="0">
+            <a:schemeClr val="accent1"/>
+          </a:fillRef>
+          <a:effectRef idx="1">
+            <a:schemeClr val="accent1"/>
+          </a:effectRef>
+          <a:fontRef idx="minor">
+            <a:schemeClr val="tx1"/>
+          </a:fontRef>
+        </p:style>
+      </p:cxnSp>
+      <mc:AlternateContent xmlns:mc="http://schemas.openxmlformats.org/markup-compatibility/2006">
+        <mc:Choice xmlns:a14="http://schemas.microsoft.com/office/drawing/2010/main" Requires="a14">
+          <p:sp>
+            <p:nvSpPr>
+              <p:cNvPr id="52" name="文本框 51">
+                <a:extLst>
+                  <a:ext uri="{FF2B5EF4-FFF2-40B4-BE49-F238E27FC236}">
+                    <a16:creationId xmlns:a16="http://schemas.microsoft.com/office/drawing/2014/main" id="{8328DE5B-1D6D-27DF-91A9-D4AD89BB3C68}"/>
+                  </a:ext>
+                </a:extLst>
+              </p:cNvPr>
+              <p:cNvSpPr txBox="1"/>
+              <p:nvPr/>
+            </p:nvSpPr>
+            <p:spPr>
+              <a:xfrm>
+                <a:off x="2673288" y="4199235"/>
+                <a:ext cx="800219" cy="400110"/>
+              </a:xfrm>
+              <a:prstGeom prst="rect">
+                <a:avLst/>
+              </a:prstGeom>
+              <a:noFill/>
+            </p:spPr>
+            <p:txBody>
+              <a:bodyPr wrap="none" rtlCol="0">
+                <a:spAutoFit/>
+              </a:bodyPr>
+              <a:lstStyle/>
+              <a:p>
+                <a:pPr/>
+                <a14:m>
+                  <m:oMathPara xmlns:m="http://schemas.openxmlformats.org/officeDocument/2006/math">
+                    <m:oMathParaPr>
+                      <m:jc m:val="centerGroup"/>
+                    </m:oMathParaPr>
+                    <m:oMath xmlns:m="http://schemas.openxmlformats.org/officeDocument/2006/math">
+                      <m:r>
+                        <m:rPr>
+                          <m:sty m:val="p"/>
+                        </m:rPr>
+                        <a:rPr lang="en-US" altLang="zh-CN" sz="2000" b="0" i="0" dirty="0" smtClean="0">
+                          <a:latin typeface="Cambria Math" panose="02040503050406030204" pitchFamily="18" charset="0"/>
+                          <a:ea typeface="微软雅黑" panose="020B0503020204020204" pitchFamily="34" charset="-122"/>
+                        </a:rPr>
+                        <m:t>MHA</m:t>
+                      </m:r>
+                    </m:oMath>
+                  </m:oMathPara>
+                </a14:m>
+                <a:endParaRPr dirty="0"/>
+              </a:p>
+            </p:txBody>
+          </p:sp>
+        </mc:Choice>
+        <mc:Fallback>
+          <p:sp>
+            <p:nvSpPr>
+              <p:cNvPr id="52" name="文本框 51">
+                <a:extLst>
+                  <a:ext uri="{FF2B5EF4-FFF2-40B4-BE49-F238E27FC236}">
+                    <a16:creationId xmlns:a16="http://schemas.microsoft.com/office/drawing/2014/main" id="{8328DE5B-1D6D-27DF-91A9-D4AD89BB3C68}"/>
+                  </a:ext>
+                </a:extLst>
+              </p:cNvPr>
+              <p:cNvSpPr txBox="1">
+                <a:spLocks noRot="1" noChangeAspect="1" noMove="1" noResize="1" noEditPoints="1" noAdjustHandles="1" noChangeArrowheads="1" noChangeShapeType="1" noTextEdit="1"/>
+              </p:cNvSpPr>
+              <p:nvPr/>
+            </p:nvSpPr>
+            <p:spPr>
+              <a:xfrm>
+                <a:off x="2673288" y="4199235"/>
+                <a:ext cx="800219" cy="400110"/>
+              </a:xfrm>
+              <a:prstGeom prst="rect">
+                <a:avLst/>
+              </a:prstGeom>
+              <a:blipFill>
+                <a:blip r:embed="rId4"/>
+                <a:stretch>
+                  <a:fillRect/>
+                </a:stretch>
+              </a:blipFill>
+            </p:spPr>
+            <p:txBody>
+              <a:bodyPr/>
+              <a:lstStyle/>
+              <a:p>
+                <a:r>
+                  <a:rPr lang="zh-CN" altLang="en-US">
+                    <a:noFill/>
+                  </a:rPr>
+                  <a:t> </a:t>
+                </a:r>
+              </a:p>
+            </p:txBody>
+          </p:sp>
+        </mc:Fallback>
+      </mc:AlternateContent>
+      <p:sp>
+        <p:nvSpPr>
+          <p:cNvPr id="94" name="矩形: 圆角 93">
+            <a:extLst>
+              <a:ext uri="{FF2B5EF4-FFF2-40B4-BE49-F238E27FC236}">
+                <a16:creationId xmlns:a16="http://schemas.microsoft.com/office/drawing/2014/main" id="{D9F34C4A-C54E-557A-5379-0278E6C592D8}"/>
+              </a:ext>
+            </a:extLst>
+          </p:cNvPr>
+          <p:cNvSpPr/>
+          <p:nvPr/>
+        </p:nvSpPr>
+        <p:spPr>
+          <a:xfrm>
+            <a:off x="1904963" y="1380899"/>
+            <a:ext cx="2317824" cy="442354"/>
+          </a:xfrm>
+          <a:prstGeom prst="roundRect">
+            <a:avLst>
+              <a:gd name="adj" fmla="val 0"/>
+            </a:avLst>
+          </a:prstGeom>
+          <a:solidFill>
+            <a:schemeClr val="bg2">
+              <a:lumMod val="90000"/>
+            </a:schemeClr>
+          </a:solidFill>
+          <a:ln>
+            <a:solidFill>
+              <a:schemeClr val="tx1"/>
+            </a:solidFill>
+          </a:ln>
+        </p:spPr>
+        <p:style>
+          <a:lnRef idx="2">
+            <a:schemeClr val="accent1">
+              <a:shade val="15000"/>
+            </a:schemeClr>
+          </a:lnRef>
+          <a:fillRef idx="1">
+            <a:schemeClr val="accent1"/>
+          </a:fillRef>
+          <a:effectRef idx="0">
+            <a:schemeClr val="accent1"/>
+          </a:effectRef>
+          <a:fontRef idx="minor">
+            <a:schemeClr val="lt1"/>
+          </a:fontRef>
+        </p:style>
+        <p:txBody>
+          <a:bodyPr rtlCol="0" anchor="ctr"/>
+          <a:lstStyle/>
+          <a:p>
+            <a:pPr algn="ctr"/>
+            <a:endParaRPr lang="zh-CN" altLang="en-US" sz="3189"/>
+          </a:p>
+        </p:txBody>
+      </p:sp>
+      <p:sp>
+        <p:nvSpPr>
+          <p:cNvPr id="95" name="矩形: 圆角 94">
+            <a:extLst>
+              <a:ext uri="{FF2B5EF4-FFF2-40B4-BE49-F238E27FC236}">
+                <a16:creationId xmlns:a16="http://schemas.microsoft.com/office/drawing/2014/main" id="{0F488E6F-E993-A2C4-91C2-0FEEFA02A38F}"/>
+              </a:ext>
+            </a:extLst>
+          </p:cNvPr>
+          <p:cNvSpPr/>
+          <p:nvPr/>
+        </p:nvSpPr>
+        <p:spPr>
+          <a:xfrm>
+            <a:off x="1904962" y="2513089"/>
+            <a:ext cx="2317825" cy="442353"/>
+          </a:xfrm>
+          <a:prstGeom prst="roundRect">
+            <a:avLst>
+              <a:gd name="adj" fmla="val 0"/>
+            </a:avLst>
+          </a:prstGeom>
+          <a:solidFill>
+            <a:schemeClr val="tx2">
+              <a:lumMod val="10000"/>
+              <a:lumOff val="90000"/>
+            </a:schemeClr>
+          </a:solidFill>
+          <a:ln>
+            <a:solidFill>
+              <a:schemeClr val="tx1"/>
+            </a:solidFill>
+          </a:ln>
+        </p:spPr>
+        <p:style>
+          <a:lnRef idx="2">
+            <a:schemeClr val="accent1">
+              <a:shade val="15000"/>
+            </a:schemeClr>
+          </a:lnRef>
+          <a:fillRef idx="1">
+            <a:schemeClr val="accent1"/>
+          </a:fillRef>
+          <a:effectRef idx="0">
+            <a:schemeClr val="accent1"/>
+          </a:effectRef>
+          <a:fontRef idx="minor">
+            <a:schemeClr val="lt1"/>
+          </a:fontRef>
+        </p:style>
+        <p:txBody>
+          <a:bodyPr rtlCol="0" anchor="ctr"/>
+          <a:lstStyle/>
+          <a:p>
+            <a:pPr algn="ctr"/>
+            <a:endParaRPr lang="zh-CN" altLang="en-US" sz="3189"/>
+          </a:p>
+        </p:txBody>
+      </p:sp>
+      <mc:AlternateContent xmlns:mc="http://schemas.openxmlformats.org/markup-compatibility/2006">
+        <mc:Choice xmlns:a14="http://schemas.microsoft.com/office/drawing/2010/main" Requires="a14">
+          <p:sp>
+            <p:nvSpPr>
+              <p:cNvPr id="96" name="文本框 95">
+                <a:extLst>
+                  <a:ext uri="{FF2B5EF4-FFF2-40B4-BE49-F238E27FC236}">
+                    <a16:creationId xmlns:a16="http://schemas.microsoft.com/office/drawing/2014/main" id="{B029A801-E03A-7934-4D91-90EE5B1D1212}"/>
+                  </a:ext>
+                </a:extLst>
+              </p:cNvPr>
+              <p:cNvSpPr txBox="1"/>
+              <p:nvPr/>
+            </p:nvSpPr>
+            <p:spPr>
+              <a:xfrm>
+                <a:off x="2563576" y="2513090"/>
+                <a:ext cx="1000595" cy="400110"/>
+              </a:xfrm>
+              <a:prstGeom prst="rect">
+                <a:avLst/>
+              </a:prstGeom>
+              <a:noFill/>
+            </p:spPr>
+            <p:txBody>
+              <a:bodyPr wrap="none" rtlCol="0">
+                <a:spAutoFit/>
+              </a:bodyPr>
+              <a:lstStyle/>
+              <a:p>
+                <a:pPr/>
+                <a14:m>
+                  <m:oMathPara xmlns:m="http://schemas.openxmlformats.org/officeDocument/2006/math">
+                    <m:oMathParaPr>
+                      <m:jc m:val="centerGroup"/>
+                    </m:oMathParaPr>
+                    <m:oMath xmlns:m="http://schemas.openxmlformats.org/officeDocument/2006/math">
+                      <m:r>
+                        <m:rPr>
+                          <m:sty m:val="p"/>
+                        </m:rPr>
+                        <a:rPr lang="en-US" altLang="zh-CN" sz="2000" b="0" i="0" dirty="0" smtClean="0">
+                          <a:latin typeface="Cambria Math" panose="02040503050406030204" pitchFamily="18" charset="0"/>
+                          <a:ea typeface="微软雅黑" panose="020B0503020204020204" pitchFamily="34" charset="-122"/>
+                        </a:rPr>
+                        <m:t>Ada</m:t>
+                      </m:r>
+                      <m:r>
+                        <m:rPr>
+                          <m:sty m:val="p"/>
+                        </m:rPr>
+                        <a:rPr lang="en-US" altLang="zh-CN" sz="2000" b="0" i="0" dirty="0" smtClean="0">
+                          <a:latin typeface="Cambria Math" panose="02040503050406030204" pitchFamily="18" charset="0"/>
+                          <a:ea typeface="微软雅黑" panose="020B0503020204020204" pitchFamily="34" charset="-122"/>
+                        </a:rPr>
+                        <m:t>LN</m:t>
+                      </m:r>
+                    </m:oMath>
+                  </m:oMathPara>
+                </a14:m>
+                <a:endParaRPr lang="zh-CN" altLang="en-US" sz="3200" dirty="0">
+                  <a:latin typeface="微软雅黑" panose="020B0503020204020204" pitchFamily="34" charset="-122"/>
+                  <a:ea typeface="微软雅黑" panose="020B0503020204020204" pitchFamily="34" charset="-122"/>
+                </a:endParaRPr>
+              </a:p>
+            </p:txBody>
+          </p:sp>
+        </mc:Choice>
+        <mc:Fallback>
+          <p:sp>
+            <p:nvSpPr>
+              <p:cNvPr id="96" name="文本框 95">
+                <a:extLst>
+                  <a:ext uri="{FF2B5EF4-FFF2-40B4-BE49-F238E27FC236}">
+                    <a16:creationId xmlns:a16="http://schemas.microsoft.com/office/drawing/2014/main" id="{B029A801-E03A-7934-4D91-90EE5B1D1212}"/>
+                  </a:ext>
+                </a:extLst>
+              </p:cNvPr>
+              <p:cNvSpPr txBox="1">
+                <a:spLocks noRot="1" noChangeAspect="1" noMove="1" noResize="1" noEditPoints="1" noAdjustHandles="1" noChangeArrowheads="1" noChangeShapeType="1" noTextEdit="1"/>
+              </p:cNvSpPr>
+              <p:nvPr/>
+            </p:nvSpPr>
+            <p:spPr>
+              <a:xfrm>
+                <a:off x="2563576" y="2513090"/>
+                <a:ext cx="1000595" cy="400110"/>
+              </a:xfrm>
+              <a:prstGeom prst="rect">
+                <a:avLst/>
+              </a:prstGeom>
+              <a:blipFill>
+                <a:blip r:embed="rId5"/>
+                <a:stretch>
+                  <a:fillRect/>
+                </a:stretch>
+              </a:blipFill>
+            </p:spPr>
+            <p:txBody>
+              <a:bodyPr/>
+              <a:lstStyle/>
+              <a:p>
+                <a:r>
+                  <a:rPr lang="zh-CN" altLang="en-US">
+                    <a:noFill/>
+                  </a:rPr>
+                  <a:t> </a:t>
+                </a:r>
+              </a:p>
+            </p:txBody>
+          </p:sp>
+        </mc:Fallback>
+      </mc:AlternateContent>
+      <p:cxnSp>
+        <p:nvCxnSpPr>
+          <p:cNvPr id="97" name="直接箭头连接符 96">
+            <a:extLst>
+              <a:ext uri="{FF2B5EF4-FFF2-40B4-BE49-F238E27FC236}">
+                <a16:creationId xmlns:a16="http://schemas.microsoft.com/office/drawing/2014/main" id="{B5F3DAD7-A3FE-2650-4687-3FC0A6D022B8}"/>
+              </a:ext>
+            </a:extLst>
+          </p:cNvPr>
+          <p:cNvCxnSpPr>
+            <a:cxnSpLocks/>
+            <a:stCxn id="46" idx="0"/>
+            <a:endCxn id="95" idx="2"/>
+          </p:cNvCxnSpPr>
+          <p:nvPr/>
+        </p:nvCxnSpPr>
+        <p:spPr>
+          <a:xfrm flipH="1" flipV="1">
+            <a:off x="3063875" y="2955442"/>
+            <a:ext cx="7661" cy="596150"/>
+          </a:xfrm>
+          <a:prstGeom prst="straightConnector1">
+            <a:avLst/>
+          </a:prstGeom>
+          <a:ln w="28575">
+            <a:tailEnd type="triangle"/>
+          </a:ln>
+        </p:spPr>
+        <p:style>
+          <a:lnRef idx="2">
+            <a:schemeClr val="accent1"/>
+          </a:lnRef>
+          <a:fillRef idx="0">
+            <a:schemeClr val="accent1"/>
+          </a:fillRef>
+          <a:effectRef idx="1">
+            <a:schemeClr val="accent1"/>
+          </a:effectRef>
+          <a:fontRef idx="minor">
+            <a:schemeClr val="tx1"/>
+          </a:fontRef>
+        </p:style>
+      </p:cxnSp>
+      <p:cxnSp>
+        <p:nvCxnSpPr>
+          <p:cNvPr id="99" name="连接符: 曲线 98">
+            <a:extLst>
+              <a:ext uri="{FF2B5EF4-FFF2-40B4-BE49-F238E27FC236}">
+                <a16:creationId xmlns:a16="http://schemas.microsoft.com/office/drawing/2014/main" id="{33F4C144-6635-7F10-6CA9-0B6C8D6E9607}"/>
+              </a:ext>
+            </a:extLst>
+          </p:cNvPr>
+          <p:cNvCxnSpPr>
+            <a:cxnSpLocks/>
+          </p:cNvCxnSpPr>
+          <p:nvPr/>
+        </p:nvCxnSpPr>
+        <p:spPr>
+          <a:xfrm rot="5400000" flipH="1" flipV="1">
+            <a:off x="3073693" y="888505"/>
+            <a:ext cx="933" cy="1836086"/>
+          </a:xfrm>
+          <a:prstGeom prst="curvedConnector3">
+            <a:avLst>
+              <a:gd name="adj1" fmla="val -35913719"/>
+            </a:avLst>
+          </a:prstGeom>
+          <a:ln w="28575">
+            <a:headEnd type="triangle"/>
+            <a:tailEnd type="triangle"/>
+          </a:ln>
+        </p:spPr>
+        <p:style>
+          <a:lnRef idx="2">
+            <a:schemeClr val="accent1"/>
+          </a:lnRef>
+          <a:fillRef idx="0">
+            <a:schemeClr val="accent1"/>
+          </a:fillRef>
+          <a:effectRef idx="1">
+            <a:schemeClr val="accent1"/>
+          </a:effectRef>
+          <a:fontRef idx="minor">
+            <a:schemeClr val="tx1"/>
+          </a:fontRef>
+        </p:style>
+      </p:cxnSp>
+      <p:grpSp>
+        <p:nvGrpSpPr>
+          <p:cNvPr id="100" name="组合 99">
+            <a:extLst>
+              <a:ext uri="{FF2B5EF4-FFF2-40B4-BE49-F238E27FC236}">
+                <a16:creationId xmlns:a16="http://schemas.microsoft.com/office/drawing/2014/main" id="{06B896C2-0F80-69F5-80C5-5E25612A7BDF}"/>
+              </a:ext>
+            </a:extLst>
+          </p:cNvPr>
+          <p:cNvGrpSpPr/>
+          <p:nvPr/>
+        </p:nvGrpSpPr>
+        <p:grpSpPr>
+          <a:xfrm>
+            <a:off x="2872486" y="731706"/>
+            <a:ext cx="360000" cy="363969"/>
+            <a:chOff x="5281075" y="4315800"/>
+            <a:chExt cx="360000" cy="363969"/>
+          </a:xfrm>
+        </p:grpSpPr>
+        <p:sp>
+          <p:nvSpPr>
+            <p:cNvPr id="101" name="加号 100">
+              <a:extLst>
+                <a:ext uri="{FF2B5EF4-FFF2-40B4-BE49-F238E27FC236}">
+                  <a16:creationId xmlns:a16="http://schemas.microsoft.com/office/drawing/2014/main" id="{78BDE8FD-4313-7B2F-CCDB-774FEF018299}"/>
+                </a:ext>
+              </a:extLst>
+            </p:cNvPr>
+            <p:cNvSpPr/>
+            <p:nvPr/>
+          </p:nvSpPr>
+          <p:spPr>
+            <a:xfrm>
+              <a:off x="5281075" y="4319769"/>
+              <a:ext cx="360000" cy="360000"/>
+            </a:xfrm>
+            <a:prstGeom prst="mathPlus">
+              <a:avLst>
+                <a:gd name="adj1" fmla="val 12933"/>
+              </a:avLst>
+            </a:prstGeom>
+            <a:noFill/>
+          </p:spPr>
+          <p:style>
+            <a:lnRef idx="2">
+              <a:schemeClr val="accent1">
+                <a:shade val="15000"/>
+              </a:schemeClr>
+            </a:lnRef>
+            <a:fillRef idx="1">
+              <a:schemeClr val="accent1"/>
+            </a:fillRef>
+            <a:effectRef idx="0">
+              <a:schemeClr val="accent1"/>
+            </a:effectRef>
+            <a:fontRef idx="minor">
+              <a:schemeClr val="lt1"/>
+            </a:fontRef>
+          </p:style>
+          <p:txBody>
+            <a:bodyPr rtlCol="0" anchor="ctr"/>
+            <a:lstStyle/>
+            <a:p>
+              <a:pPr algn="ctr"/>
+              <a:endParaRPr lang="zh-CN" altLang="en-US"/>
+            </a:p>
+          </p:txBody>
+        </p:sp>
+        <p:sp>
+          <p:nvSpPr>
+            <p:cNvPr id="102" name="椭圆 101">
+              <a:extLst>
+                <a:ext uri="{FF2B5EF4-FFF2-40B4-BE49-F238E27FC236}">
+                  <a16:creationId xmlns:a16="http://schemas.microsoft.com/office/drawing/2014/main" id="{25135EDF-2C1F-2804-63F7-63E7FF798E8E}"/>
+                </a:ext>
+              </a:extLst>
+            </p:cNvPr>
+            <p:cNvSpPr/>
+            <p:nvPr/>
+          </p:nvSpPr>
+          <p:spPr>
+            <a:xfrm>
+              <a:off x="5281075" y="4315800"/>
+              <a:ext cx="360000" cy="360000"/>
+            </a:xfrm>
+            <a:prstGeom prst="ellipse">
+              <a:avLst/>
+            </a:prstGeom>
+            <a:noFill/>
+          </p:spPr>
+          <p:style>
+            <a:lnRef idx="2">
+              <a:schemeClr val="accent1">
+                <a:shade val="15000"/>
+              </a:schemeClr>
+            </a:lnRef>
+            <a:fillRef idx="1">
+              <a:schemeClr val="accent1"/>
+            </a:fillRef>
+            <a:effectRef idx="0">
+              <a:schemeClr val="accent1"/>
+            </a:effectRef>
+            <a:fontRef idx="minor">
+              <a:schemeClr val="lt1"/>
+            </a:fontRef>
+          </p:style>
+          <p:txBody>
+            <a:bodyPr rtlCol="0" anchor="ctr"/>
+            <a:lstStyle/>
+            <a:p>
+              <a:pPr algn="ctr"/>
+              <a:endParaRPr lang="zh-CN" altLang="en-US"/>
+            </a:p>
+          </p:txBody>
+        </p:sp>
+      </p:grpSp>
+      <p:cxnSp>
+        <p:nvCxnSpPr>
+          <p:cNvPr id="103" name="直接箭头连接符 102">
+            <a:extLst>
+              <a:ext uri="{FF2B5EF4-FFF2-40B4-BE49-F238E27FC236}">
+                <a16:creationId xmlns:a16="http://schemas.microsoft.com/office/drawing/2014/main" id="{8B4D0887-BC26-C840-0F06-F2C1417319DD}"/>
+              </a:ext>
+            </a:extLst>
+          </p:cNvPr>
+          <p:cNvCxnSpPr>
+            <a:cxnSpLocks/>
+            <a:stCxn id="94" idx="0"/>
+            <a:endCxn id="102" idx="4"/>
+          </p:cNvCxnSpPr>
+          <p:nvPr/>
+        </p:nvCxnSpPr>
+        <p:spPr>
+          <a:xfrm flipH="1" flipV="1">
+            <a:off x="3052486" y="1091706"/>
+            <a:ext cx="11389" cy="289193"/>
+          </a:xfrm>
+          <a:prstGeom prst="straightConnector1">
+            <a:avLst/>
+          </a:prstGeom>
+          <a:ln w="28575">
+            <a:tailEnd type="triangle"/>
+          </a:ln>
+        </p:spPr>
+        <p:style>
+          <a:lnRef idx="2">
+            <a:schemeClr val="accent1"/>
+          </a:lnRef>
+          <a:fillRef idx="0">
+            <a:schemeClr val="accent1"/>
+          </a:fillRef>
+          <a:effectRef idx="1">
+            <a:schemeClr val="accent1"/>
+          </a:effectRef>
+          <a:fontRef idx="minor">
+            <a:schemeClr val="tx1"/>
+          </a:fontRef>
+        </p:style>
+      </p:cxnSp>
+      <p:cxnSp>
+        <p:nvCxnSpPr>
+          <p:cNvPr id="104" name="直接箭头连接符 103">
+            <a:extLst>
+              <a:ext uri="{FF2B5EF4-FFF2-40B4-BE49-F238E27FC236}">
+                <a16:creationId xmlns:a16="http://schemas.microsoft.com/office/drawing/2014/main" id="{3D451F0D-81A2-174A-DB8C-FC71FBD78247}"/>
+              </a:ext>
+            </a:extLst>
+          </p:cNvPr>
+          <p:cNvCxnSpPr>
+            <a:cxnSpLocks/>
+            <a:stCxn id="95" idx="0"/>
+            <a:endCxn id="94" idx="2"/>
+          </p:cNvCxnSpPr>
+          <p:nvPr/>
+        </p:nvCxnSpPr>
+        <p:spPr>
+          <a:xfrm flipV="1">
+            <a:off x="3063875" y="1823253"/>
+            <a:ext cx="0" cy="689836"/>
+          </a:xfrm>
+          <a:prstGeom prst="straightConnector1">
+            <a:avLst/>
+          </a:prstGeom>
+          <a:ln w="28575">
+            <a:tailEnd type="triangle"/>
+          </a:ln>
+        </p:spPr>
+        <p:style>
+          <a:lnRef idx="2">
+            <a:schemeClr val="accent1"/>
+          </a:lnRef>
+          <a:fillRef idx="0">
+            <a:schemeClr val="accent1"/>
+          </a:fillRef>
+          <a:effectRef idx="1">
+            <a:schemeClr val="accent1"/>
+          </a:effectRef>
+          <a:fontRef idx="minor">
+            <a:schemeClr val="tx1"/>
+          </a:fontRef>
+        </p:style>
+      </p:cxnSp>
+      <p:sp>
+        <p:nvSpPr>
+          <p:cNvPr id="105" name="椭圆 104">
+            <a:extLst>
+              <a:ext uri="{FF2B5EF4-FFF2-40B4-BE49-F238E27FC236}">
+                <a16:creationId xmlns:a16="http://schemas.microsoft.com/office/drawing/2014/main" id="{45583C89-D0C2-F46B-88A9-FEBF4F9ACAD1}"/>
+              </a:ext>
+            </a:extLst>
+          </p:cNvPr>
+          <p:cNvSpPr/>
+          <p:nvPr/>
+        </p:nvSpPr>
+        <p:spPr>
+          <a:xfrm>
+            <a:off x="2994411" y="3262980"/>
+            <a:ext cx="159445" cy="159445"/>
+          </a:xfrm>
+          <a:prstGeom prst="ellipse">
+            <a:avLst/>
+          </a:prstGeom>
+          <a:ln>
+            <a:noFill/>
+          </a:ln>
+        </p:spPr>
+        <p:style>
+          <a:lnRef idx="2">
+            <a:schemeClr val="accent1">
+              <a:shade val="15000"/>
+            </a:schemeClr>
+          </a:lnRef>
+          <a:fillRef idx="1">
+            <a:schemeClr val="accent1"/>
+          </a:fillRef>
+          <a:effectRef idx="0">
+            <a:schemeClr val="accent1"/>
+          </a:effectRef>
+          <a:fontRef idx="minor">
+            <a:schemeClr val="lt1"/>
+          </a:fontRef>
+        </p:style>
+        <p:txBody>
+          <a:bodyPr rtlCol="0" anchor="ctr"/>
+          <a:lstStyle/>
+          <a:p>
+            <a:pPr algn="ctr"/>
+            <a:endParaRPr lang="zh-CN" altLang="en-US" sz="3189"/>
+          </a:p>
+        </p:txBody>
+      </p:sp>
+      <p:cxnSp>
+        <p:nvCxnSpPr>
+          <p:cNvPr id="106" name="连接符: 肘形 105">
+            <a:extLst>
+              <a:ext uri="{FF2B5EF4-FFF2-40B4-BE49-F238E27FC236}">
+                <a16:creationId xmlns:a16="http://schemas.microsoft.com/office/drawing/2014/main" id="{2EE5A9F2-C333-D6EE-1A09-E9364889863F}"/>
+              </a:ext>
+            </a:extLst>
+          </p:cNvPr>
+          <p:cNvCxnSpPr>
+            <a:cxnSpLocks/>
+            <a:stCxn id="105" idx="6"/>
+            <a:endCxn id="102" idx="6"/>
+          </p:cNvCxnSpPr>
+          <p:nvPr/>
+        </p:nvCxnSpPr>
+        <p:spPr>
+          <a:xfrm flipV="1">
+            <a:off x="3153856" y="911706"/>
+            <a:ext cx="78630" cy="2430997"/>
+          </a:xfrm>
+          <a:prstGeom prst="bentConnector3">
+            <a:avLst>
+              <a:gd name="adj1" fmla="val 2118950"/>
+            </a:avLst>
+          </a:prstGeom>
+          <a:ln>
+            <a:tailEnd type="triangle"/>
+          </a:ln>
+        </p:spPr>
+        <p:style>
+          <a:lnRef idx="2">
+            <a:schemeClr val="accent1"/>
+          </a:lnRef>
+          <a:fillRef idx="0">
+            <a:schemeClr val="accent1"/>
+          </a:fillRef>
+          <a:effectRef idx="1">
+            <a:schemeClr val="accent1"/>
+          </a:effectRef>
+          <a:fontRef idx="minor">
+            <a:schemeClr val="tx1"/>
+          </a:fontRef>
+        </p:style>
+      </p:cxnSp>
+      <mc:AlternateContent xmlns:mc="http://schemas.openxmlformats.org/markup-compatibility/2006">
+        <mc:Choice xmlns:a14="http://schemas.microsoft.com/office/drawing/2010/main" Requires="a14">
+          <p:sp>
+            <p:nvSpPr>
+              <p:cNvPr id="107" name="文本框 106">
+                <a:extLst>
+                  <a:ext uri="{FF2B5EF4-FFF2-40B4-BE49-F238E27FC236}">
+                    <a16:creationId xmlns:a16="http://schemas.microsoft.com/office/drawing/2014/main" id="{18639DE0-2063-87BA-A77B-C3862CAD662B}"/>
+                  </a:ext>
+                </a:extLst>
+              </p:cNvPr>
+              <p:cNvSpPr txBox="1"/>
+              <p:nvPr/>
+            </p:nvSpPr>
+            <p:spPr>
+              <a:xfrm>
+                <a:off x="2663763" y="1407252"/>
+                <a:ext cx="705642" cy="400110"/>
+              </a:xfrm>
+              <a:prstGeom prst="rect">
+                <a:avLst/>
+              </a:prstGeom>
+              <a:noFill/>
+            </p:spPr>
+            <p:txBody>
+              <a:bodyPr wrap="none" rtlCol="0">
+                <a:spAutoFit/>
+              </a:bodyPr>
+              <a:lstStyle/>
+              <a:p>
+                <a:pPr/>
+                <a14:m>
+                  <m:oMathPara xmlns:m="http://schemas.openxmlformats.org/officeDocument/2006/math">
+                    <m:oMathParaPr>
+                      <m:jc m:val="centerGroup"/>
+                    </m:oMathParaPr>
+                    <m:oMath xmlns:m="http://schemas.openxmlformats.org/officeDocument/2006/math">
+                      <m:r>
+                        <m:rPr>
+                          <m:sty m:val="p"/>
+                        </m:rPr>
+                        <a:rPr lang="en-US" altLang="zh-CN" sz="2000" b="0" i="0" dirty="0" smtClean="0">
+                          <a:latin typeface="Cambria Math" panose="02040503050406030204" pitchFamily="18" charset="0"/>
+                          <a:ea typeface="微软雅黑" panose="020B0503020204020204" pitchFamily="34" charset="-122"/>
+                        </a:rPr>
+                        <m:t>FFN</m:t>
+                      </m:r>
+                    </m:oMath>
+                  </m:oMathPara>
+                </a14:m>
+                <a:endParaRPr dirty="0"/>
+              </a:p>
+            </p:txBody>
+          </p:sp>
+        </mc:Choice>
+        <mc:Fallback>
+          <p:sp>
+            <p:nvSpPr>
+              <p:cNvPr id="107" name="文本框 106">
+                <a:extLst>
+                  <a:ext uri="{FF2B5EF4-FFF2-40B4-BE49-F238E27FC236}">
+                    <a16:creationId xmlns:a16="http://schemas.microsoft.com/office/drawing/2014/main" id="{18639DE0-2063-87BA-A77B-C3862CAD662B}"/>
+                  </a:ext>
+                </a:extLst>
+              </p:cNvPr>
+              <p:cNvSpPr txBox="1">
+                <a:spLocks noRot="1" noChangeAspect="1" noMove="1" noResize="1" noEditPoints="1" noAdjustHandles="1" noChangeArrowheads="1" noChangeShapeType="1" noTextEdit="1"/>
+              </p:cNvSpPr>
+              <p:nvPr/>
+            </p:nvSpPr>
+            <p:spPr>
+              <a:xfrm>
+                <a:off x="2663763" y="1407252"/>
+                <a:ext cx="705642" cy="400110"/>
+              </a:xfrm>
+              <a:prstGeom prst="rect">
+                <a:avLst/>
+              </a:prstGeom>
+              <a:blipFill>
+                <a:blip r:embed="rId6"/>
+                <a:stretch>
+                  <a:fillRect/>
+                </a:stretch>
+              </a:blipFill>
+            </p:spPr>
+            <p:txBody>
+              <a:bodyPr/>
+              <a:lstStyle/>
+              <a:p>
+                <a:r>
+                  <a:rPr lang="zh-CN" altLang="en-US">
+                    <a:noFill/>
+                  </a:rPr>
+                  <a:t> </a:t>
+                </a:r>
+              </a:p>
+            </p:txBody>
+          </p:sp>
+        </mc:Fallback>
+      </mc:AlternateContent>
+      <mc:AlternateContent xmlns:mc="http://schemas.openxmlformats.org/markup-compatibility/2006">
+        <mc:Choice xmlns:a14="http://schemas.microsoft.com/office/drawing/2010/main" Requires="a14">
+          <p:sp>
+            <p:nvSpPr>
+              <p:cNvPr id="121" name="文本框 120">
+                <a:extLst>
+                  <a:ext uri="{FF2B5EF4-FFF2-40B4-BE49-F238E27FC236}">
+                    <a16:creationId xmlns:a16="http://schemas.microsoft.com/office/drawing/2014/main" id="{2AA6386B-3E1F-36F7-FB75-107FDF9834E8}"/>
+                  </a:ext>
+                </a:extLst>
+              </p:cNvPr>
+              <p:cNvSpPr txBox="1"/>
+              <p:nvPr/>
+            </p:nvSpPr>
+            <p:spPr>
+              <a:xfrm>
+                <a:off x="2940090" y="7678"/>
+                <a:ext cx="269304" cy="369332"/>
+              </a:xfrm>
+              <a:prstGeom prst="rect">
+                <a:avLst/>
+              </a:prstGeom>
+              <a:noFill/>
+            </p:spPr>
+            <p:txBody>
+              <a:bodyPr wrap="none" lIns="0" tIns="0" rIns="0" bIns="0" rtlCol="0">
+                <a:spAutoFit/>
+              </a:bodyPr>
+              <a:lstStyle/>
+              <a:p>
+                <a:pPr/>
+                <a14:m>
+                  <m:oMathPara xmlns:m="http://schemas.openxmlformats.org/officeDocument/2006/math">
+                    <m:oMathParaPr>
+                      <m:jc m:val="centerGroup"/>
+                    </m:oMathParaPr>
+                    <m:oMath xmlns:m="http://schemas.openxmlformats.org/officeDocument/2006/math">
+                      <m:r>
+                        <a:rPr lang="en-US" altLang="zh-CN" sz="2400" b="1" i="1" smtClean="0">
+                          <a:latin typeface="Cambria Math" panose="02040503050406030204" pitchFamily="18" charset="0"/>
+                        </a:rPr>
+                        <m:t>𝒚</m:t>
+                      </m:r>
+                    </m:oMath>
+                  </m:oMathPara>
+                </a14:m>
+                <a:endParaRPr lang="zh-CN" altLang="en-US" sz="2800" b="1" dirty="0"/>
+              </a:p>
+            </p:txBody>
+          </p:sp>
+        </mc:Choice>
+        <mc:Fallback>
+          <p:sp>
+            <p:nvSpPr>
+              <p:cNvPr id="121" name="文本框 120">
+                <a:extLst>
+                  <a:ext uri="{FF2B5EF4-FFF2-40B4-BE49-F238E27FC236}">
+                    <a16:creationId xmlns:a16="http://schemas.microsoft.com/office/drawing/2014/main" id="{2AA6386B-3E1F-36F7-FB75-107FDF9834E8}"/>
+                  </a:ext>
+                </a:extLst>
+              </p:cNvPr>
+              <p:cNvSpPr txBox="1">
+                <a:spLocks noRot="1" noChangeAspect="1" noMove="1" noResize="1" noEditPoints="1" noAdjustHandles="1" noChangeArrowheads="1" noChangeShapeType="1" noTextEdit="1"/>
+              </p:cNvSpPr>
+              <p:nvPr/>
+            </p:nvSpPr>
+            <p:spPr>
+              <a:xfrm>
+                <a:off x="2940090" y="7678"/>
+                <a:ext cx="269304" cy="369332"/>
+              </a:xfrm>
+              <a:prstGeom prst="rect">
+                <a:avLst/>
+              </a:prstGeom>
+              <a:blipFill>
+                <a:blip r:embed="rId7"/>
+                <a:stretch>
+                  <a:fillRect l="-25000" r="-27273" b="-26230"/>
+                </a:stretch>
+              </a:blipFill>
+            </p:spPr>
+            <p:txBody>
+              <a:bodyPr/>
+              <a:lstStyle/>
+              <a:p>
+                <a:r>
+                  <a:rPr lang="zh-CN" altLang="en-US">
+                    <a:noFill/>
+                  </a:rPr>
+                  <a:t> </a:t>
+                </a:r>
+              </a:p>
+            </p:txBody>
+          </p:sp>
+        </mc:Fallback>
+      </mc:AlternateContent>
+      <mc:AlternateContent xmlns:mc="http://schemas.openxmlformats.org/markup-compatibility/2006">
+        <mc:Choice xmlns:a14="http://schemas.microsoft.com/office/drawing/2010/main" Requires="a14">
+          <p:sp>
+            <p:nvSpPr>
+              <p:cNvPr id="126" name="文本框 125">
+                <a:extLst>
+                  <a:ext uri="{FF2B5EF4-FFF2-40B4-BE49-F238E27FC236}">
+                    <a16:creationId xmlns:a16="http://schemas.microsoft.com/office/drawing/2014/main" id="{7279F899-9B53-6D5D-8883-EB73A23DD990}"/>
+                  </a:ext>
+                </a:extLst>
+              </p:cNvPr>
+              <p:cNvSpPr txBox="1"/>
+              <p:nvPr/>
+            </p:nvSpPr>
+            <p:spPr>
+              <a:xfrm>
+                <a:off x="6178550" y="6503941"/>
+                <a:ext cx="3148298" cy="276999"/>
+              </a:xfrm>
+              <a:prstGeom prst="rect">
+                <a:avLst/>
+              </a:prstGeom>
+              <a:noFill/>
+            </p:spPr>
+            <p:txBody>
+              <a:bodyPr wrap="none" lIns="0" tIns="0" rIns="0" bIns="0" rtlCol="0">
+                <a:spAutoFit/>
+              </a:bodyPr>
+              <a:lstStyle/>
+              <a:p>
+                <a:r>
+                  <a:rPr lang="en-US" altLang="zh-CN" b="1" dirty="0"/>
+                  <a:t>I</a:t>
+                </a:r>
+                <a14:m>
+                  <m:oMath xmlns:m="http://schemas.openxmlformats.org/officeDocument/2006/math">
+                    <m:r>
+                      <a:rPr lang="en-US" altLang="zh-CN" b="1" i="0" smtClean="0">
+                        <a:latin typeface="Cambria Math" panose="02040503050406030204" pitchFamily="18" charset="0"/>
+                      </a:rPr>
+                      <m:t>𝐧𝐩𝐮𝐭</m:t>
+                    </m:r>
+                    <m:r>
+                      <a:rPr lang="en-US" altLang="zh-CN" b="0" i="1" smtClean="0">
+                        <a:latin typeface="Cambria Math" panose="02040503050406030204" pitchFamily="18" charset="0"/>
+                      </a:rPr>
+                      <m:t> </m:t>
+                    </m:r>
+                    <m:r>
+                      <a:rPr lang="en-US" altLang="zh-CN" b="1" i="0" smtClean="0">
+                        <a:latin typeface="Cambria Math" panose="02040503050406030204" pitchFamily="18" charset="0"/>
+                      </a:rPr>
+                      <m:t>𝐭𝐞𝐧𝐬𝐨𝐫</m:t>
+                    </m:r>
+                    <m:r>
+                      <a:rPr lang="en-US" altLang="zh-CN" b="0" i="1" smtClean="0">
+                        <a:latin typeface="Cambria Math" panose="02040503050406030204" pitchFamily="18" charset="0"/>
+                      </a:rPr>
+                      <m:t>: 512∗512∗128</m:t>
+                    </m:r>
+                  </m:oMath>
+                </a14:m>
+                <a:endParaRPr lang="zh-CN" altLang="en-US" dirty="0"/>
+              </a:p>
+            </p:txBody>
+          </p:sp>
+        </mc:Choice>
+        <mc:Fallback>
+          <p:sp>
+            <p:nvSpPr>
+              <p:cNvPr id="126" name="文本框 125">
+                <a:extLst>
+                  <a:ext uri="{FF2B5EF4-FFF2-40B4-BE49-F238E27FC236}">
+                    <a16:creationId xmlns:a16="http://schemas.microsoft.com/office/drawing/2014/main" id="{7279F899-9B53-6D5D-8883-EB73A23DD990}"/>
+                  </a:ext>
+                </a:extLst>
+              </p:cNvPr>
+              <p:cNvSpPr txBox="1">
+                <a:spLocks noRot="1" noChangeAspect="1" noMove="1" noResize="1" noEditPoints="1" noAdjustHandles="1" noChangeArrowheads="1" noChangeShapeType="1" noTextEdit="1"/>
+              </p:cNvSpPr>
+              <p:nvPr/>
+            </p:nvSpPr>
+            <p:spPr>
+              <a:xfrm>
+                <a:off x="6178550" y="6503941"/>
+                <a:ext cx="3148298" cy="276999"/>
+              </a:xfrm>
+              <a:prstGeom prst="rect">
+                <a:avLst/>
+              </a:prstGeom>
+              <a:blipFill>
+                <a:blip r:embed="rId8"/>
+                <a:stretch>
+                  <a:fillRect l="-4651" t="-28889" b="-51111"/>
+                </a:stretch>
+              </a:blipFill>
+            </p:spPr>
+            <p:txBody>
+              <a:bodyPr/>
+              <a:lstStyle/>
+              <a:p>
+                <a:r>
+                  <a:rPr lang="zh-CN" altLang="en-US">
+                    <a:noFill/>
+                  </a:rPr>
+                  <a:t> </a:t>
+                </a:r>
+              </a:p>
+            </p:txBody>
+          </p:sp>
+        </mc:Fallback>
+      </mc:AlternateContent>
+      <mc:AlternateContent xmlns:mc="http://schemas.openxmlformats.org/markup-compatibility/2006">
+        <mc:Choice xmlns:a14="http://schemas.microsoft.com/office/drawing/2010/main" Requires="a14">
+          <p:sp>
+            <p:nvSpPr>
+              <p:cNvPr id="127" name="文本框 126">
+                <a:extLst>
+                  <a:ext uri="{FF2B5EF4-FFF2-40B4-BE49-F238E27FC236}">
+                    <a16:creationId xmlns:a16="http://schemas.microsoft.com/office/drawing/2014/main" id="{0022BF56-44E1-D6BD-B961-043F7C45386C}"/>
+                  </a:ext>
+                </a:extLst>
+              </p:cNvPr>
+              <p:cNvSpPr txBox="1"/>
+              <p:nvPr/>
+            </p:nvSpPr>
+            <p:spPr>
+              <a:xfrm>
+                <a:off x="7651894" y="3811487"/>
+                <a:ext cx="769441" cy="276999"/>
+              </a:xfrm>
+              <a:prstGeom prst="rect">
+                <a:avLst/>
+              </a:prstGeom>
+              <a:noFill/>
+            </p:spPr>
+            <p:txBody>
+              <a:bodyPr wrap="none" lIns="0" tIns="0" rIns="0" bIns="0" rtlCol="0">
+                <a:spAutoFit/>
+              </a:bodyPr>
+              <a:lstStyle/>
+              <a:p>
+                <a14:m>
+                  <m:oMathPara xmlns:m="http://schemas.openxmlformats.org/officeDocument/2006/math">
+                    <m:oMathParaPr>
+                      <m:jc m:val="centerGroup"/>
+                    </m:oMathParaPr>
+                    <m:oMath xmlns:m="http://schemas.openxmlformats.org/officeDocument/2006/math">
+                      <m:r>
+                        <m:rPr>
+                          <m:sty m:val="p"/>
+                        </m:rPr>
+                        <a:rPr lang="en-US" altLang="zh-CN" b="0" i="0" smtClean="0">
+                          <a:latin typeface="Cambria Math" panose="02040503050406030204" pitchFamily="18" charset="0"/>
+                        </a:rPr>
+                        <m:t>head</m:t>
+                      </m:r>
+                      <m:r>
+                        <a:rPr lang="en-US" altLang="zh-CN" b="0" i="1" smtClean="0">
+                          <a:latin typeface="Cambria Math" panose="02040503050406030204" pitchFamily="18" charset="0"/>
+                        </a:rPr>
+                        <m:t>:8</m:t>
+                      </m:r>
+                    </m:oMath>
+                  </m:oMathPara>
+                </a14:m>
+                <a:endParaRPr lang="zh-CN" altLang="en-US" dirty="0"/>
+              </a:p>
+            </p:txBody>
+          </p:sp>
+        </mc:Choice>
+        <mc:Fallback>
+          <p:sp>
+            <p:nvSpPr>
+              <p:cNvPr id="127" name="文本框 126">
+                <a:extLst>
+                  <a:ext uri="{FF2B5EF4-FFF2-40B4-BE49-F238E27FC236}">
+                    <a16:creationId xmlns:a16="http://schemas.microsoft.com/office/drawing/2014/main" id="{0022BF56-44E1-D6BD-B961-043F7C45386C}"/>
+                  </a:ext>
+                </a:extLst>
+              </p:cNvPr>
+              <p:cNvSpPr txBox="1">
+                <a:spLocks noRot="1" noChangeAspect="1" noMove="1" noResize="1" noEditPoints="1" noAdjustHandles="1" noChangeArrowheads="1" noChangeShapeType="1" noTextEdit="1"/>
+              </p:cNvSpPr>
+              <p:nvPr/>
+            </p:nvSpPr>
+            <p:spPr>
+              <a:xfrm>
+                <a:off x="7651894" y="3811487"/>
+                <a:ext cx="769441" cy="276999"/>
+              </a:xfrm>
+              <a:prstGeom prst="rect">
+                <a:avLst/>
+              </a:prstGeom>
+              <a:blipFill>
+                <a:blip r:embed="rId9"/>
+                <a:stretch>
+                  <a:fillRect l="-6349" r="-7143" b="-6522"/>
+                </a:stretch>
+              </a:blipFill>
+            </p:spPr>
+            <p:txBody>
+              <a:bodyPr/>
+              <a:lstStyle/>
+              <a:p>
+                <a:r>
+                  <a:rPr lang="zh-CN" altLang="en-US">
+                    <a:noFill/>
+                  </a:rPr>
+                  <a:t> </a:t>
+                </a:r>
+              </a:p>
+            </p:txBody>
+          </p:sp>
+        </mc:Fallback>
+      </mc:AlternateContent>
+      <mc:AlternateContent xmlns:mc="http://schemas.openxmlformats.org/markup-compatibility/2006">
+        <mc:Choice xmlns:a14="http://schemas.microsoft.com/office/drawing/2010/main" Requires="a14">
+          <p:sp>
+            <p:nvSpPr>
+              <p:cNvPr id="128" name="文本框 127">
+                <a:extLst>
+                  <a:ext uri="{FF2B5EF4-FFF2-40B4-BE49-F238E27FC236}">
+                    <a16:creationId xmlns:a16="http://schemas.microsoft.com/office/drawing/2014/main" id="{6109505D-82DA-9E69-E034-2C747772BC7A}"/>
+                  </a:ext>
+                </a:extLst>
+              </p:cNvPr>
+              <p:cNvSpPr txBox="1"/>
+              <p:nvPr/>
+            </p:nvSpPr>
+            <p:spPr>
+              <a:xfrm>
+                <a:off x="7659665" y="4398075"/>
+                <a:ext cx="1333698" cy="276999"/>
+              </a:xfrm>
+              <a:prstGeom prst="rect">
+                <a:avLst/>
+              </a:prstGeom>
+              <a:noFill/>
+            </p:spPr>
+            <p:txBody>
+              <a:bodyPr wrap="none" lIns="0" tIns="0" rIns="0" bIns="0" rtlCol="0">
+                <a:spAutoFit/>
+              </a:bodyPr>
+              <a:lstStyle/>
+              <a:p>
+                <a14:m>
+                  <m:oMathPara xmlns:m="http://schemas.openxmlformats.org/officeDocument/2006/math">
+                    <m:oMathParaPr>
+                      <m:jc m:val="centerGroup"/>
+                    </m:oMathParaPr>
+                    <m:oMath xmlns:m="http://schemas.openxmlformats.org/officeDocument/2006/math">
+                      <m:r>
+                        <m:rPr>
+                          <m:sty m:val="p"/>
+                        </m:rPr>
+                        <a:rPr lang="en-US" altLang="zh-CN" b="0" i="0" smtClean="0">
+                          <a:latin typeface="Cambria Math" panose="02040503050406030204" pitchFamily="18" charset="0"/>
+                        </a:rPr>
+                        <m:t>head</m:t>
+                      </m:r>
+                      <m:r>
+                        <a:rPr lang="en-US" altLang="zh-CN" b="0" i="0" smtClean="0">
+                          <a:latin typeface="Cambria Math" panose="02040503050406030204" pitchFamily="18" charset="0"/>
+                        </a:rPr>
+                        <m:t> </m:t>
+                      </m:r>
+                      <m:r>
+                        <m:rPr>
+                          <m:sty m:val="p"/>
+                        </m:rPr>
+                        <a:rPr lang="en-US" altLang="zh-CN" b="0" i="0" smtClean="0">
+                          <a:latin typeface="Cambria Math" panose="02040503050406030204" pitchFamily="18" charset="0"/>
+                        </a:rPr>
+                        <m:t>dim</m:t>
+                      </m:r>
+                      <m:r>
+                        <a:rPr lang="en-US" altLang="zh-CN" b="0" i="0" smtClean="0">
+                          <a:latin typeface="Cambria Math" panose="02040503050406030204" pitchFamily="18" charset="0"/>
+                        </a:rPr>
+                        <m:t>:16</m:t>
+                      </m:r>
+                    </m:oMath>
+                  </m:oMathPara>
+                </a14:m>
+                <a:endParaRPr lang="zh-CN" altLang="en-US" dirty="0"/>
+              </a:p>
+            </p:txBody>
+          </p:sp>
+        </mc:Choice>
+        <mc:Fallback>
+          <p:sp>
+            <p:nvSpPr>
+              <p:cNvPr id="128" name="文本框 127">
+                <a:extLst>
+                  <a:ext uri="{FF2B5EF4-FFF2-40B4-BE49-F238E27FC236}">
+                    <a16:creationId xmlns:a16="http://schemas.microsoft.com/office/drawing/2014/main" id="{6109505D-82DA-9E69-E034-2C747772BC7A}"/>
+                  </a:ext>
+                </a:extLst>
+              </p:cNvPr>
+              <p:cNvSpPr txBox="1">
+                <a:spLocks noRot="1" noChangeAspect="1" noMove="1" noResize="1" noEditPoints="1" noAdjustHandles="1" noChangeArrowheads="1" noChangeShapeType="1" noTextEdit="1"/>
+              </p:cNvSpPr>
+              <p:nvPr/>
+            </p:nvSpPr>
+            <p:spPr>
+              <a:xfrm>
+                <a:off x="7659665" y="4398075"/>
+                <a:ext cx="1333698" cy="276999"/>
+              </a:xfrm>
+              <a:prstGeom prst="rect">
+                <a:avLst/>
+              </a:prstGeom>
+              <a:blipFill>
+                <a:blip r:embed="rId10"/>
+                <a:stretch>
+                  <a:fillRect l="-3670" r="-3670" b="-6522"/>
+                </a:stretch>
+              </a:blipFill>
+            </p:spPr>
+            <p:txBody>
+              <a:bodyPr/>
+              <a:lstStyle/>
+              <a:p>
+                <a:r>
+                  <a:rPr lang="zh-CN" altLang="en-US">
+                    <a:noFill/>
+                  </a:rPr>
+                  <a:t> </a:t>
+                </a:r>
+              </a:p>
+            </p:txBody>
+          </p:sp>
+        </mc:Fallback>
+      </mc:AlternateContent>
+      <mc:AlternateContent xmlns:mc="http://schemas.openxmlformats.org/markup-compatibility/2006">
+        <mc:Choice xmlns:a14="http://schemas.microsoft.com/office/drawing/2010/main" Requires="a14">
+          <p:sp>
+            <p:nvSpPr>
+              <p:cNvPr id="129" name="文本框 128">
+                <a:extLst>
+                  <a:ext uri="{FF2B5EF4-FFF2-40B4-BE49-F238E27FC236}">
+                    <a16:creationId xmlns:a16="http://schemas.microsoft.com/office/drawing/2014/main" id="{DD72F48D-F9E9-F6A9-FF48-8EAB8E821042}"/>
+                  </a:ext>
+                </a:extLst>
+              </p:cNvPr>
+              <p:cNvSpPr txBox="1"/>
+              <p:nvPr/>
+            </p:nvSpPr>
+            <p:spPr>
+              <a:xfrm>
+                <a:off x="7633130" y="4912924"/>
+                <a:ext cx="2397964" cy="310598"/>
+              </a:xfrm>
+              <a:prstGeom prst="rect">
+                <a:avLst/>
+              </a:prstGeom>
+              <a:noFill/>
+            </p:spPr>
+            <p:txBody>
+              <a:bodyPr wrap="none" lIns="0" tIns="0" rIns="0" bIns="0" rtlCol="0">
+                <a:spAutoFit/>
+              </a:bodyPr>
+              <a:lstStyle/>
+              <a:p>
+                <a14:m>
+                  <m:oMathPara xmlns:m="http://schemas.openxmlformats.org/officeDocument/2006/math">
+                    <m:oMathParaPr>
+                      <m:jc m:val="centerGroup"/>
+                    </m:oMathParaPr>
+                    <m:oMath xmlns:m="http://schemas.openxmlformats.org/officeDocument/2006/math">
+                      <m:sSub>
+                        <m:sSubPr>
+                          <m:ctrlPr>
+                            <a:rPr lang="en-US" altLang="zh-CN" i="0" smtClean="0">
+                              <a:latin typeface="Cambria Math" panose="02040503050406030204" pitchFamily="18" charset="0"/>
+                            </a:rPr>
+                          </m:ctrlPr>
+                        </m:sSubPr>
+                        <m:e>
+                          <m:r>
+                            <m:rPr>
+                              <m:sty m:val="p"/>
+                            </m:rPr>
+                            <a:rPr lang="en-US" altLang="zh-CN" b="0" i="0" smtClean="0">
+                              <a:latin typeface="Cambria Math" panose="02040503050406030204" pitchFamily="18" charset="0"/>
+                            </a:rPr>
+                            <m:t>W</m:t>
+                          </m:r>
+                        </m:e>
+                        <m:sub>
+                          <m:r>
+                            <m:rPr>
+                              <m:sty m:val="p"/>
+                            </m:rPr>
+                            <a:rPr lang="en-US" altLang="zh-CN" b="0" i="0" smtClean="0">
+                              <a:latin typeface="Cambria Math" panose="02040503050406030204" pitchFamily="18" charset="0"/>
+                            </a:rPr>
+                            <m:t>Q</m:t>
+                          </m:r>
+                        </m:sub>
+                      </m:sSub>
+                      <m:r>
+                        <a:rPr lang="en-US" altLang="zh-CN" b="0" i="0" smtClean="0">
+                          <a:latin typeface="Cambria Math" panose="02040503050406030204" pitchFamily="18" charset="0"/>
+                        </a:rPr>
+                        <m:t> </m:t>
+                      </m:r>
+                      <m:sSub>
+                        <m:sSubPr>
+                          <m:ctrlPr>
+                            <a:rPr lang="en-US" altLang="zh-CN" i="0" smtClean="0">
+                              <a:latin typeface="Cambria Math" panose="02040503050406030204" pitchFamily="18" charset="0"/>
+                            </a:rPr>
+                          </m:ctrlPr>
+                        </m:sSubPr>
+                        <m:e>
+                          <m:r>
+                            <m:rPr>
+                              <m:sty m:val="p"/>
+                            </m:rPr>
+                            <a:rPr lang="en-US" altLang="zh-CN" b="0" i="0" smtClean="0">
+                              <a:latin typeface="Cambria Math" panose="02040503050406030204" pitchFamily="18" charset="0"/>
+                            </a:rPr>
+                            <m:t>W</m:t>
+                          </m:r>
+                        </m:e>
+                        <m:sub>
+                          <m:r>
+                            <m:rPr>
+                              <m:sty m:val="p"/>
+                            </m:rPr>
+                            <a:rPr lang="en-US" altLang="zh-CN" b="0" i="0" smtClean="0">
+                              <a:latin typeface="Cambria Math" panose="02040503050406030204" pitchFamily="18" charset="0"/>
+                            </a:rPr>
+                            <m:t>K</m:t>
+                          </m:r>
+                        </m:sub>
+                      </m:sSub>
+                      <m:r>
+                        <a:rPr lang="en-US" altLang="zh-CN" b="0" i="0" smtClean="0">
+                          <a:latin typeface="Cambria Math" panose="02040503050406030204" pitchFamily="18" charset="0"/>
+                        </a:rPr>
+                        <m:t> </m:t>
+                      </m:r>
+                      <m:sSub>
+                        <m:sSubPr>
+                          <m:ctrlPr>
+                            <a:rPr lang="en-US" altLang="zh-CN" i="0" smtClean="0">
+                              <a:latin typeface="Cambria Math" panose="02040503050406030204" pitchFamily="18" charset="0"/>
+                            </a:rPr>
+                          </m:ctrlPr>
+                        </m:sSubPr>
+                        <m:e>
+                          <m:r>
+                            <m:rPr>
+                              <m:sty m:val="p"/>
+                            </m:rPr>
+                            <a:rPr lang="en-US" altLang="zh-CN" b="0" i="0" smtClean="0">
+                              <a:latin typeface="Cambria Math" panose="02040503050406030204" pitchFamily="18" charset="0"/>
+                            </a:rPr>
+                            <m:t>W</m:t>
+                          </m:r>
+                        </m:e>
+                        <m:sub>
+                          <m:r>
+                            <m:rPr>
+                              <m:sty m:val="p"/>
+                            </m:rPr>
+                            <a:rPr lang="en-US" altLang="zh-CN" b="0" i="0" smtClean="0">
+                              <a:latin typeface="Cambria Math" panose="02040503050406030204" pitchFamily="18" charset="0"/>
+                            </a:rPr>
+                            <m:t>V</m:t>
+                          </m:r>
+                        </m:sub>
+                      </m:sSub>
+                      <m:r>
+                        <a:rPr lang="en-US" altLang="zh-CN" b="0" i="0" smtClean="0">
+                          <a:latin typeface="Cambria Math" panose="02040503050406030204" pitchFamily="18" charset="0"/>
+                        </a:rPr>
+                        <m:t> </m:t>
+                      </m:r>
+                      <m:r>
+                        <a:rPr lang="en-US" altLang="zh-CN" b="0" i="1" smtClean="0">
+                          <a:latin typeface="Cambria Math" panose="02040503050406030204" pitchFamily="18" charset="0"/>
+                          <a:ea typeface="Cambria Math" panose="02040503050406030204" pitchFamily="18" charset="0"/>
+                        </a:rPr>
+                        <m:t>∈ </m:t>
+                      </m:r>
+                      <m:sSup>
+                        <m:sSupPr>
+                          <m:ctrlPr>
+                            <a:rPr lang="en-US" altLang="zh-CN" i="1" smtClean="0">
+                              <a:latin typeface="Cambria Math" panose="02040503050406030204" pitchFamily="18" charset="0"/>
+                              <a:ea typeface="Cambria Math" panose="02040503050406030204" pitchFamily="18" charset="0"/>
+                            </a:rPr>
+                          </m:ctrlPr>
+                        </m:sSupPr>
+                        <m:e>
+                          <m:r>
+                            <a:rPr lang="en-US" altLang="zh-CN" b="0" i="1" smtClean="0">
+                              <a:latin typeface="Cambria Math" panose="02040503050406030204" pitchFamily="18" charset="0"/>
+                              <a:ea typeface="Cambria Math" panose="02040503050406030204" pitchFamily="18" charset="0"/>
+                            </a:rPr>
+                            <m:t>ℝ</m:t>
+                          </m:r>
+                        </m:e>
+                        <m:sup>
+                          <m:r>
+                            <a:rPr lang="en-US" altLang="zh-CN" b="0" i="1" smtClean="0">
+                              <a:latin typeface="Cambria Math" panose="02040503050406030204" pitchFamily="18" charset="0"/>
+                              <a:ea typeface="Cambria Math" panose="02040503050406030204" pitchFamily="18" charset="0"/>
+                            </a:rPr>
+                            <m:t>128∗128</m:t>
+                          </m:r>
+                        </m:sup>
+                      </m:sSup>
+                    </m:oMath>
+                  </m:oMathPara>
+                </a14:m>
+                <a:endParaRPr lang="zh-CN" altLang="en-US" dirty="0"/>
+              </a:p>
+            </p:txBody>
+          </p:sp>
+        </mc:Choice>
+        <mc:Fallback>
+          <p:sp>
+            <p:nvSpPr>
+              <p:cNvPr id="129" name="文本框 128">
+                <a:extLst>
+                  <a:ext uri="{FF2B5EF4-FFF2-40B4-BE49-F238E27FC236}">
+                    <a16:creationId xmlns:a16="http://schemas.microsoft.com/office/drawing/2014/main" id="{DD72F48D-F9E9-F6A9-FF48-8EAB8E821042}"/>
+                  </a:ext>
+                </a:extLst>
+              </p:cNvPr>
+              <p:cNvSpPr txBox="1">
+                <a:spLocks noRot="1" noChangeAspect="1" noMove="1" noResize="1" noEditPoints="1" noAdjustHandles="1" noChangeArrowheads="1" noChangeShapeType="1" noTextEdit="1"/>
+              </p:cNvSpPr>
+              <p:nvPr/>
+            </p:nvSpPr>
+            <p:spPr>
+              <a:xfrm>
+                <a:off x="7633130" y="4912924"/>
+                <a:ext cx="2397964" cy="310598"/>
+              </a:xfrm>
+              <a:prstGeom prst="rect">
+                <a:avLst/>
+              </a:prstGeom>
+              <a:blipFill>
+                <a:blip r:embed="rId11"/>
+                <a:stretch>
+                  <a:fillRect l="-508" b="-21569"/>
+                </a:stretch>
+              </a:blipFill>
+            </p:spPr>
+            <p:txBody>
+              <a:bodyPr/>
+              <a:lstStyle/>
+              <a:p>
+                <a:r>
+                  <a:rPr lang="zh-CN" altLang="en-US">
+                    <a:noFill/>
+                  </a:rPr>
+                  <a:t> </a:t>
+                </a:r>
+              </a:p>
+            </p:txBody>
+          </p:sp>
+        </mc:Fallback>
+      </mc:AlternateContent>
+      <mc:AlternateContent xmlns:mc="http://schemas.openxmlformats.org/markup-compatibility/2006">
+        <mc:Choice xmlns:a14="http://schemas.microsoft.com/office/drawing/2010/main" Requires="a14">
+          <p:sp>
+            <p:nvSpPr>
+              <p:cNvPr id="130" name="文本框 129">
+                <a:extLst>
+                  <a:ext uri="{FF2B5EF4-FFF2-40B4-BE49-F238E27FC236}">
+                    <a16:creationId xmlns:a16="http://schemas.microsoft.com/office/drawing/2014/main" id="{D2051A0C-F469-1165-CEC7-1DD5256653FA}"/>
+                  </a:ext>
+                </a:extLst>
+              </p:cNvPr>
+              <p:cNvSpPr txBox="1"/>
+              <p:nvPr/>
+            </p:nvSpPr>
+            <p:spPr>
+              <a:xfrm>
+                <a:off x="6922911" y="911706"/>
+                <a:ext cx="1721561" cy="276999"/>
+              </a:xfrm>
+              <a:prstGeom prst="rect">
+                <a:avLst/>
+              </a:prstGeom>
+              <a:noFill/>
+            </p:spPr>
+            <p:txBody>
+              <a:bodyPr wrap="none" lIns="0" tIns="0" rIns="0" bIns="0" rtlCol="0">
+                <a:spAutoFit/>
+              </a:bodyPr>
+              <a:lstStyle/>
+              <a:p>
+                <a14:m>
+                  <m:oMathPara xmlns:m="http://schemas.openxmlformats.org/officeDocument/2006/math">
+                    <m:oMathParaPr>
+                      <m:jc m:val="centerGroup"/>
+                    </m:oMathParaPr>
+                    <m:oMath xmlns:m="http://schemas.openxmlformats.org/officeDocument/2006/math">
+                      <m:r>
+                        <m:rPr>
+                          <m:sty m:val="p"/>
+                        </m:rPr>
+                        <a:rPr lang="en-US" altLang="zh-CN" b="0" i="0" smtClean="0">
+                          <a:latin typeface="Cambria Math" panose="02040503050406030204" pitchFamily="18" charset="0"/>
+                        </a:rPr>
+                        <m:t>hidden</m:t>
+                      </m:r>
+                      <m:r>
+                        <a:rPr lang="en-US" altLang="zh-CN" b="0" i="0" smtClean="0">
+                          <a:latin typeface="Cambria Math" panose="02040503050406030204" pitchFamily="18" charset="0"/>
+                        </a:rPr>
+                        <m:t> </m:t>
+                      </m:r>
+                      <m:r>
+                        <m:rPr>
+                          <m:sty m:val="p"/>
+                        </m:rPr>
+                        <a:rPr lang="en-US" altLang="zh-CN" b="0" i="0" smtClean="0">
+                          <a:latin typeface="Cambria Math" panose="02040503050406030204" pitchFamily="18" charset="0"/>
+                        </a:rPr>
+                        <m:t>dim</m:t>
+                      </m:r>
+                      <m:r>
+                        <a:rPr lang="en-US" altLang="zh-CN" b="0" i="0" smtClean="0">
+                          <a:latin typeface="Cambria Math" panose="02040503050406030204" pitchFamily="18" charset="0"/>
+                        </a:rPr>
+                        <m:t>:512</m:t>
+                      </m:r>
+                    </m:oMath>
+                  </m:oMathPara>
+                </a14:m>
+                <a:endParaRPr lang="zh-CN" altLang="en-US" dirty="0"/>
+              </a:p>
+            </p:txBody>
+          </p:sp>
+        </mc:Choice>
+        <mc:Fallback>
+          <p:sp>
+            <p:nvSpPr>
+              <p:cNvPr id="130" name="文本框 129">
+                <a:extLst>
+                  <a:ext uri="{FF2B5EF4-FFF2-40B4-BE49-F238E27FC236}">
+                    <a16:creationId xmlns:a16="http://schemas.microsoft.com/office/drawing/2014/main" id="{D2051A0C-F469-1165-CEC7-1DD5256653FA}"/>
+                  </a:ext>
+                </a:extLst>
+              </p:cNvPr>
+              <p:cNvSpPr txBox="1">
+                <a:spLocks noRot="1" noChangeAspect="1" noMove="1" noResize="1" noEditPoints="1" noAdjustHandles="1" noChangeArrowheads="1" noChangeShapeType="1" noTextEdit="1"/>
+              </p:cNvSpPr>
+              <p:nvPr/>
+            </p:nvSpPr>
+            <p:spPr>
+              <a:xfrm>
+                <a:off x="6922911" y="911706"/>
+                <a:ext cx="1721561" cy="276999"/>
+              </a:xfrm>
+              <a:prstGeom prst="rect">
+                <a:avLst/>
+              </a:prstGeom>
+              <a:blipFill>
+                <a:blip r:embed="rId12"/>
+                <a:stretch>
+                  <a:fillRect l="-1064" r="-1418" b="-8889"/>
+                </a:stretch>
+              </a:blipFill>
+            </p:spPr>
+            <p:txBody>
+              <a:bodyPr/>
+              <a:lstStyle/>
+              <a:p>
+                <a:r>
+                  <a:rPr lang="zh-CN" altLang="en-US">
+                    <a:noFill/>
+                  </a:rPr>
+                  <a:t> </a:t>
+                </a:r>
+              </a:p>
+            </p:txBody>
+          </p:sp>
+        </mc:Fallback>
+      </mc:AlternateContent>
+      <mc:AlternateContent xmlns:mc="http://schemas.openxmlformats.org/markup-compatibility/2006">
+        <mc:Choice xmlns:a14="http://schemas.microsoft.com/office/drawing/2010/main" Requires="a14">
+          <p:sp>
+            <p:nvSpPr>
+              <p:cNvPr id="132" name="文本框 131">
+                <a:extLst>
+                  <a:ext uri="{FF2B5EF4-FFF2-40B4-BE49-F238E27FC236}">
+                    <a16:creationId xmlns:a16="http://schemas.microsoft.com/office/drawing/2014/main" id="{CFA5DD1A-4DB2-7E86-9F93-4E996E7BB500}"/>
+                  </a:ext>
+                </a:extLst>
+              </p:cNvPr>
+              <p:cNvSpPr txBox="1"/>
+              <p:nvPr/>
+            </p:nvSpPr>
+            <p:spPr>
+              <a:xfrm>
+                <a:off x="6960854" y="1521364"/>
+                <a:ext cx="1525867" cy="280077"/>
+              </a:xfrm>
+              <a:prstGeom prst="rect">
+                <a:avLst/>
+              </a:prstGeom>
+              <a:noFill/>
+            </p:spPr>
+            <p:txBody>
+              <a:bodyPr wrap="none" lIns="0" tIns="0" rIns="0" bIns="0" rtlCol="0">
+                <a:spAutoFit/>
+              </a:bodyPr>
+              <a:lstStyle/>
+              <a:p>
+                <a14:m>
+                  <m:oMathPara xmlns:m="http://schemas.openxmlformats.org/officeDocument/2006/math">
+                    <m:oMathParaPr>
+                      <m:jc m:val="centerGroup"/>
+                    </m:oMathParaPr>
+                    <m:oMath xmlns:m="http://schemas.openxmlformats.org/officeDocument/2006/math">
+                      <m:sSub>
+                        <m:sSubPr>
+                          <m:ctrlPr>
+                            <a:rPr lang="en-US" altLang="zh-CN" i="0" smtClean="0">
+                              <a:latin typeface="Cambria Math" panose="02040503050406030204" pitchFamily="18" charset="0"/>
+                            </a:rPr>
+                          </m:ctrlPr>
+                        </m:sSubPr>
+                        <m:e>
+                          <m:r>
+                            <m:rPr>
+                              <m:sty m:val="p"/>
+                            </m:rPr>
+                            <a:rPr lang="en-US" altLang="zh-CN" b="0" i="0" smtClean="0">
+                              <a:latin typeface="Cambria Math" panose="02040503050406030204" pitchFamily="18" charset="0"/>
+                            </a:rPr>
+                            <m:t>W</m:t>
+                          </m:r>
+                        </m:e>
+                        <m:sub>
+                          <m:r>
+                            <a:rPr lang="en-US" altLang="zh-CN" b="0" i="0" smtClean="0">
+                              <a:latin typeface="Cambria Math" panose="02040503050406030204" pitchFamily="18" charset="0"/>
+                            </a:rPr>
+                            <m:t>1</m:t>
+                          </m:r>
+                        </m:sub>
+                      </m:sSub>
+                      <m:r>
+                        <a:rPr lang="en-US" altLang="zh-CN" b="0" i="1" smtClean="0">
+                          <a:latin typeface="Cambria Math" panose="02040503050406030204" pitchFamily="18" charset="0"/>
+                          <a:ea typeface="Cambria Math" panose="02040503050406030204" pitchFamily="18" charset="0"/>
+                        </a:rPr>
+                        <m:t>∈ </m:t>
+                      </m:r>
+                      <m:sSup>
+                        <m:sSupPr>
+                          <m:ctrlPr>
+                            <a:rPr lang="en-US" altLang="zh-CN" i="1" smtClean="0">
+                              <a:latin typeface="Cambria Math" panose="02040503050406030204" pitchFamily="18" charset="0"/>
+                              <a:ea typeface="Cambria Math" panose="02040503050406030204" pitchFamily="18" charset="0"/>
+                            </a:rPr>
+                          </m:ctrlPr>
+                        </m:sSupPr>
+                        <m:e>
+                          <m:r>
+                            <a:rPr lang="en-US" altLang="zh-CN" b="0" i="1" smtClean="0">
+                              <a:latin typeface="Cambria Math" panose="02040503050406030204" pitchFamily="18" charset="0"/>
+                              <a:ea typeface="Cambria Math" panose="02040503050406030204" pitchFamily="18" charset="0"/>
+                            </a:rPr>
+                            <m:t>ℝ</m:t>
+                          </m:r>
+                        </m:e>
+                        <m:sup>
+                          <m:r>
+                            <a:rPr lang="en-US" altLang="zh-CN" b="0" i="1" smtClean="0">
+                              <a:latin typeface="Cambria Math" panose="02040503050406030204" pitchFamily="18" charset="0"/>
+                              <a:ea typeface="Cambria Math" panose="02040503050406030204" pitchFamily="18" charset="0"/>
+                            </a:rPr>
+                            <m:t>128∗512</m:t>
+                          </m:r>
+                        </m:sup>
+                      </m:sSup>
+                    </m:oMath>
+                  </m:oMathPara>
+                </a14:m>
+                <a:endParaRPr lang="zh-CN" altLang="en-US" dirty="0"/>
+              </a:p>
+            </p:txBody>
+          </p:sp>
+        </mc:Choice>
+        <mc:Fallback>
+          <p:sp>
+            <p:nvSpPr>
+              <p:cNvPr id="132" name="文本框 131">
+                <a:extLst>
+                  <a:ext uri="{FF2B5EF4-FFF2-40B4-BE49-F238E27FC236}">
+                    <a16:creationId xmlns:a16="http://schemas.microsoft.com/office/drawing/2014/main" id="{CFA5DD1A-4DB2-7E86-9F93-4E996E7BB500}"/>
+                  </a:ext>
+                </a:extLst>
+              </p:cNvPr>
+              <p:cNvSpPr txBox="1">
+                <a:spLocks noRot="1" noChangeAspect="1" noMove="1" noResize="1" noEditPoints="1" noAdjustHandles="1" noChangeArrowheads="1" noChangeShapeType="1" noTextEdit="1"/>
+              </p:cNvSpPr>
+              <p:nvPr/>
+            </p:nvSpPr>
+            <p:spPr>
+              <a:xfrm>
+                <a:off x="6960854" y="1521364"/>
+                <a:ext cx="1525867" cy="280077"/>
+              </a:xfrm>
+              <a:prstGeom prst="rect">
+                <a:avLst/>
+              </a:prstGeom>
+              <a:blipFill>
+                <a:blip r:embed="rId13"/>
+                <a:stretch>
+                  <a:fillRect l="-3200" t="-2174" r="-800" b="-15217"/>
+                </a:stretch>
+              </a:blipFill>
+            </p:spPr>
+            <p:txBody>
+              <a:bodyPr/>
+              <a:lstStyle/>
+              <a:p>
+                <a:r>
+                  <a:rPr lang="zh-CN" altLang="en-US">
+                    <a:noFill/>
+                  </a:rPr>
+                  <a:t> </a:t>
+                </a:r>
+              </a:p>
+            </p:txBody>
+          </p:sp>
+        </mc:Fallback>
+      </mc:AlternateContent>
+      <mc:AlternateContent xmlns:mc="http://schemas.openxmlformats.org/markup-compatibility/2006">
+        <mc:Choice xmlns:a14="http://schemas.microsoft.com/office/drawing/2010/main" Requires="a14">
+          <p:sp>
+            <p:nvSpPr>
+              <p:cNvPr id="133" name="文本框 132">
+                <a:extLst>
+                  <a:ext uri="{FF2B5EF4-FFF2-40B4-BE49-F238E27FC236}">
+                    <a16:creationId xmlns:a16="http://schemas.microsoft.com/office/drawing/2014/main" id="{DFD2CE48-60D0-4316-4BB5-42E16AD2BFFE}"/>
+                  </a:ext>
+                </a:extLst>
+              </p:cNvPr>
+              <p:cNvSpPr txBox="1"/>
+              <p:nvPr/>
+            </p:nvSpPr>
+            <p:spPr>
+              <a:xfrm>
+                <a:off x="6973711" y="2073621"/>
+                <a:ext cx="1536126" cy="280077"/>
+              </a:xfrm>
+              <a:prstGeom prst="rect">
+                <a:avLst/>
+              </a:prstGeom>
+              <a:noFill/>
+            </p:spPr>
+            <p:txBody>
+              <a:bodyPr wrap="none" lIns="0" tIns="0" rIns="0" bIns="0" rtlCol="0">
+                <a:spAutoFit/>
+              </a:bodyPr>
+              <a:lstStyle/>
+              <a:p>
+                <a14:m>
+                  <m:oMathPara xmlns:m="http://schemas.openxmlformats.org/officeDocument/2006/math">
+                    <m:oMathParaPr>
+                      <m:jc m:val="centerGroup"/>
+                    </m:oMathParaPr>
+                    <m:oMath xmlns:m="http://schemas.openxmlformats.org/officeDocument/2006/math">
+                      <m:sSub>
+                        <m:sSubPr>
+                          <m:ctrlPr>
+                            <a:rPr lang="en-US" altLang="zh-CN" i="0" smtClean="0">
+                              <a:latin typeface="Cambria Math" panose="02040503050406030204" pitchFamily="18" charset="0"/>
+                            </a:rPr>
+                          </m:ctrlPr>
+                        </m:sSubPr>
+                        <m:e>
+                          <m:r>
+                            <m:rPr>
+                              <m:sty m:val="p"/>
+                            </m:rPr>
+                            <a:rPr lang="en-US" altLang="zh-CN" b="0" i="0" smtClean="0">
+                              <a:latin typeface="Cambria Math" panose="02040503050406030204" pitchFamily="18" charset="0"/>
+                            </a:rPr>
+                            <m:t>W</m:t>
+                          </m:r>
+                        </m:e>
+                        <m:sub>
+                          <m:r>
+                            <a:rPr lang="en-US" altLang="zh-CN" b="0" i="0" smtClean="0">
+                              <a:latin typeface="Cambria Math" panose="02040503050406030204" pitchFamily="18" charset="0"/>
+                            </a:rPr>
+                            <m:t>2</m:t>
+                          </m:r>
+                        </m:sub>
+                      </m:sSub>
+                      <m:r>
+                        <a:rPr lang="en-US" altLang="zh-CN" b="0" i="1" smtClean="0">
+                          <a:latin typeface="Cambria Math" panose="02040503050406030204" pitchFamily="18" charset="0"/>
+                          <a:ea typeface="Cambria Math" panose="02040503050406030204" pitchFamily="18" charset="0"/>
+                        </a:rPr>
+                        <m:t>∈ </m:t>
+                      </m:r>
+                      <m:sSup>
+                        <m:sSupPr>
+                          <m:ctrlPr>
+                            <a:rPr lang="en-US" altLang="zh-CN" i="1" smtClean="0">
+                              <a:latin typeface="Cambria Math" panose="02040503050406030204" pitchFamily="18" charset="0"/>
+                              <a:ea typeface="Cambria Math" panose="02040503050406030204" pitchFamily="18" charset="0"/>
+                            </a:rPr>
+                          </m:ctrlPr>
+                        </m:sSupPr>
+                        <m:e>
+                          <m:r>
+                            <a:rPr lang="en-US" altLang="zh-CN" b="0" i="1" smtClean="0">
+                              <a:latin typeface="Cambria Math" panose="02040503050406030204" pitchFamily="18" charset="0"/>
+                              <a:ea typeface="Cambria Math" panose="02040503050406030204" pitchFamily="18" charset="0"/>
+                            </a:rPr>
+                            <m:t>ℝ</m:t>
+                          </m:r>
+                        </m:e>
+                        <m:sup>
+                          <m:r>
+                            <a:rPr lang="en-US" altLang="zh-CN" b="0" i="1" smtClean="0">
+                              <a:latin typeface="Cambria Math" panose="02040503050406030204" pitchFamily="18" charset="0"/>
+                              <a:ea typeface="Cambria Math" panose="02040503050406030204" pitchFamily="18" charset="0"/>
+                            </a:rPr>
+                            <m:t>512∗128</m:t>
+                          </m:r>
+                        </m:sup>
+                      </m:sSup>
+                    </m:oMath>
+                  </m:oMathPara>
+                </a14:m>
+                <a:endParaRPr lang="zh-CN" altLang="en-US" dirty="0"/>
+              </a:p>
+            </p:txBody>
+          </p:sp>
+        </mc:Choice>
+        <mc:Fallback>
+          <p:sp>
+            <p:nvSpPr>
+              <p:cNvPr id="133" name="文本框 132">
+                <a:extLst>
+                  <a:ext uri="{FF2B5EF4-FFF2-40B4-BE49-F238E27FC236}">
+                    <a16:creationId xmlns:a16="http://schemas.microsoft.com/office/drawing/2014/main" id="{DFD2CE48-60D0-4316-4BB5-42E16AD2BFFE}"/>
+                  </a:ext>
+                </a:extLst>
+              </p:cNvPr>
+              <p:cNvSpPr txBox="1">
+                <a:spLocks noRot="1" noChangeAspect="1" noMove="1" noResize="1" noEditPoints="1" noAdjustHandles="1" noChangeArrowheads="1" noChangeShapeType="1" noTextEdit="1"/>
+              </p:cNvSpPr>
+              <p:nvPr/>
+            </p:nvSpPr>
+            <p:spPr>
+              <a:xfrm>
+                <a:off x="6973711" y="2073621"/>
+                <a:ext cx="1536126" cy="280077"/>
+              </a:xfrm>
+              <a:prstGeom prst="rect">
+                <a:avLst/>
+              </a:prstGeom>
+              <a:blipFill>
+                <a:blip r:embed="rId14"/>
+                <a:stretch>
+                  <a:fillRect l="-3175" t="-2174" r="-794" b="-15217"/>
+                </a:stretch>
+              </a:blipFill>
+            </p:spPr>
+            <p:txBody>
+              <a:bodyPr/>
+              <a:lstStyle/>
+              <a:p>
+                <a:r>
+                  <a:rPr lang="zh-CN" altLang="en-US">
+                    <a:noFill/>
+                  </a:rPr>
+                  <a:t> </a:t>
+                </a:r>
+              </a:p>
+            </p:txBody>
+          </p:sp>
+        </mc:Fallback>
+      </mc:AlternateContent>
+      <mc:AlternateContent xmlns:mc="http://schemas.openxmlformats.org/markup-compatibility/2006">
+        <mc:Choice xmlns:a14="http://schemas.microsoft.com/office/drawing/2010/main" Requires="a14">
+          <p:sp>
+            <p:nvSpPr>
+              <p:cNvPr id="135" name="文本框 134">
+                <a:extLst>
+                  <a:ext uri="{FF2B5EF4-FFF2-40B4-BE49-F238E27FC236}">
+                    <a16:creationId xmlns:a16="http://schemas.microsoft.com/office/drawing/2014/main" id="{A2DF72AA-A7B3-DF3B-498A-BA3C107AD6B7}"/>
+                  </a:ext>
+                </a:extLst>
+              </p:cNvPr>
+              <p:cNvSpPr txBox="1"/>
+              <p:nvPr/>
+            </p:nvSpPr>
+            <p:spPr>
+              <a:xfrm>
+                <a:off x="6043910" y="4308152"/>
+                <a:ext cx="1175955" cy="369332"/>
+              </a:xfrm>
+              <a:prstGeom prst="rect">
+                <a:avLst/>
+              </a:prstGeom>
+              <a:noFill/>
+            </p:spPr>
+            <p:txBody>
+              <a:bodyPr wrap="square">
+                <a:spAutoFit/>
+              </a:bodyPr>
+              <a:lstStyle/>
+              <a:p>
+                <a:pPr/>
+                <a14:m>
+                  <m:oMathPara xmlns:m="http://schemas.openxmlformats.org/officeDocument/2006/math">
+                    <m:oMathParaPr>
+                      <m:jc m:val="centerGroup"/>
+                    </m:oMathParaPr>
+                    <m:oMath xmlns:m="http://schemas.openxmlformats.org/officeDocument/2006/math">
+                      <m:r>
+                        <a:rPr lang="en-US" altLang="zh-CN" b="1" i="0" smtClean="0">
+                          <a:latin typeface="Cambria Math" panose="02040503050406030204" pitchFamily="18" charset="0"/>
+                        </a:rPr>
+                        <m:t>𝐀𝐭𝐭𝐞𝐧𝐭𝐢𝐨𝐧</m:t>
+                      </m:r>
+                    </m:oMath>
+                  </m:oMathPara>
+                </a14:m>
+                <a:endParaRPr lang="zh-CN" altLang="en-US" dirty="0"/>
+              </a:p>
+            </p:txBody>
+          </p:sp>
+        </mc:Choice>
+        <mc:Fallback>
+          <p:sp>
+            <p:nvSpPr>
+              <p:cNvPr id="135" name="文本框 134">
+                <a:extLst>
+                  <a:ext uri="{FF2B5EF4-FFF2-40B4-BE49-F238E27FC236}">
+                    <a16:creationId xmlns:a16="http://schemas.microsoft.com/office/drawing/2014/main" id="{A2DF72AA-A7B3-DF3B-498A-BA3C107AD6B7}"/>
+                  </a:ext>
+                </a:extLst>
+              </p:cNvPr>
+              <p:cNvSpPr txBox="1">
+                <a:spLocks noRot="1" noChangeAspect="1" noMove="1" noResize="1" noEditPoints="1" noAdjustHandles="1" noChangeArrowheads="1" noChangeShapeType="1" noTextEdit="1"/>
+              </p:cNvSpPr>
+              <p:nvPr/>
+            </p:nvSpPr>
+            <p:spPr>
+              <a:xfrm>
+                <a:off x="6043910" y="4308152"/>
+                <a:ext cx="1175955" cy="369332"/>
+              </a:xfrm>
+              <a:prstGeom prst="rect">
+                <a:avLst/>
+              </a:prstGeom>
+              <a:blipFill>
+                <a:blip r:embed="rId15"/>
+                <a:stretch>
+                  <a:fillRect r="-3109"/>
+                </a:stretch>
+              </a:blipFill>
+            </p:spPr>
+            <p:txBody>
+              <a:bodyPr/>
+              <a:lstStyle/>
+              <a:p>
+                <a:r>
+                  <a:rPr lang="zh-CN" altLang="en-US">
+                    <a:noFill/>
+                  </a:rPr>
+                  <a:t> </a:t>
+                </a:r>
+              </a:p>
+            </p:txBody>
+          </p:sp>
+        </mc:Fallback>
+      </mc:AlternateContent>
+      <p:sp>
+        <p:nvSpPr>
+          <p:cNvPr id="136" name="左大括号 135">
+            <a:extLst>
+              <a:ext uri="{FF2B5EF4-FFF2-40B4-BE49-F238E27FC236}">
+                <a16:creationId xmlns:a16="http://schemas.microsoft.com/office/drawing/2014/main" id="{0519572C-46F2-2439-21BD-EEE4EB64438F}"/>
+              </a:ext>
+            </a:extLst>
+          </p:cNvPr>
+          <p:cNvSpPr/>
+          <p:nvPr/>
+        </p:nvSpPr>
+        <p:spPr>
+          <a:xfrm>
+            <a:off x="7292780" y="3917412"/>
+            <a:ext cx="267435" cy="1150811"/>
+          </a:xfrm>
+          <a:prstGeom prst="leftBrace">
+            <a:avLst>
+              <a:gd name="adj1" fmla="val 46003"/>
+              <a:gd name="adj2" fmla="val 50000"/>
+            </a:avLst>
+          </a:prstGeom>
+          <a:ln w="12700">
+            <a:solidFill>
+              <a:schemeClr val="tx1"/>
+            </a:solidFill>
+          </a:ln>
+        </p:spPr>
+        <p:style>
+          <a:lnRef idx="2">
+            <a:schemeClr val="accent1"/>
+          </a:lnRef>
+          <a:fillRef idx="0">
+            <a:schemeClr val="accent1"/>
+          </a:fillRef>
+          <a:effectRef idx="1">
+            <a:schemeClr val="accent1"/>
+          </a:effectRef>
+          <a:fontRef idx="minor">
+            <a:schemeClr val="tx1"/>
+          </a:fontRef>
+        </p:style>
+        <p:txBody>
+          <a:bodyPr rtlCol="0" anchor="ctr"/>
+          <a:lstStyle/>
+          <a:p>
+            <a:pPr algn="ctr"/>
+            <a:endParaRPr lang="zh-CN" altLang="en-US"/>
+          </a:p>
+        </p:txBody>
+      </p:sp>
+      <mc:AlternateContent xmlns:mc="http://schemas.openxmlformats.org/markup-compatibility/2006">
+        <mc:Choice xmlns:a14="http://schemas.microsoft.com/office/drawing/2010/main" Requires="a14">
+          <p:sp>
+            <p:nvSpPr>
+              <p:cNvPr id="137" name="文本框 136">
+                <a:extLst>
+                  <a:ext uri="{FF2B5EF4-FFF2-40B4-BE49-F238E27FC236}">
+                    <a16:creationId xmlns:a16="http://schemas.microsoft.com/office/drawing/2014/main" id="{9648E9DE-EE6B-42D7-C71E-0A201BCD4081}"/>
+                  </a:ext>
+                </a:extLst>
+              </p:cNvPr>
+              <p:cNvSpPr txBox="1"/>
+              <p:nvPr/>
+            </p:nvSpPr>
+            <p:spPr>
+              <a:xfrm>
+                <a:off x="5713808" y="1453921"/>
+                <a:ext cx="1175955" cy="369332"/>
+              </a:xfrm>
+              <a:prstGeom prst="rect">
+                <a:avLst/>
+              </a:prstGeom>
+              <a:noFill/>
+            </p:spPr>
+            <p:txBody>
+              <a:bodyPr wrap="square">
+                <a:spAutoFit/>
+              </a:bodyPr>
+              <a:lstStyle/>
+              <a:p>
+                <a:pPr/>
+                <a14:m>
+                  <m:oMathPara xmlns:m="http://schemas.openxmlformats.org/officeDocument/2006/math">
+                    <m:oMathParaPr>
+                      <m:jc m:val="centerGroup"/>
+                    </m:oMathParaPr>
+                    <m:oMath xmlns:m="http://schemas.openxmlformats.org/officeDocument/2006/math">
+                      <m:r>
+                        <a:rPr lang="en-US" altLang="zh-CN" b="1" i="0" smtClean="0">
+                          <a:latin typeface="Cambria Math" panose="02040503050406030204" pitchFamily="18" charset="0"/>
+                        </a:rPr>
+                        <m:t>𝐅𝐅𝐍</m:t>
+                      </m:r>
+                    </m:oMath>
+                  </m:oMathPara>
+                </a14:m>
+                <a:endParaRPr lang="zh-CN" altLang="en-US" dirty="0"/>
+              </a:p>
+            </p:txBody>
+          </p:sp>
+        </mc:Choice>
+        <mc:Fallback>
+          <p:sp>
+            <p:nvSpPr>
+              <p:cNvPr id="137" name="文本框 136">
+                <a:extLst>
+                  <a:ext uri="{FF2B5EF4-FFF2-40B4-BE49-F238E27FC236}">
+                    <a16:creationId xmlns:a16="http://schemas.microsoft.com/office/drawing/2014/main" id="{9648E9DE-EE6B-42D7-C71E-0A201BCD4081}"/>
+                  </a:ext>
+                </a:extLst>
+              </p:cNvPr>
+              <p:cNvSpPr txBox="1">
+                <a:spLocks noRot="1" noChangeAspect="1" noMove="1" noResize="1" noEditPoints="1" noAdjustHandles="1" noChangeArrowheads="1" noChangeShapeType="1" noTextEdit="1"/>
+              </p:cNvSpPr>
+              <p:nvPr/>
+            </p:nvSpPr>
+            <p:spPr>
+              <a:xfrm>
+                <a:off x="5713808" y="1453921"/>
+                <a:ext cx="1175955" cy="369332"/>
+              </a:xfrm>
+              <a:prstGeom prst="rect">
+                <a:avLst/>
+              </a:prstGeom>
+              <a:blipFill>
+                <a:blip r:embed="rId16"/>
+                <a:stretch>
+                  <a:fillRect/>
+                </a:stretch>
+              </a:blipFill>
+            </p:spPr>
+            <p:txBody>
+              <a:bodyPr/>
+              <a:lstStyle/>
+              <a:p>
+                <a:r>
+                  <a:rPr lang="zh-CN" altLang="en-US">
+                    <a:noFill/>
+                  </a:rPr>
+                  <a:t> </a:t>
+                </a:r>
+              </a:p>
+            </p:txBody>
+          </p:sp>
+        </mc:Fallback>
+      </mc:AlternateContent>
+      <p:sp>
+        <p:nvSpPr>
+          <p:cNvPr id="138" name="左大括号 137">
+            <a:extLst>
+              <a:ext uri="{FF2B5EF4-FFF2-40B4-BE49-F238E27FC236}">
+                <a16:creationId xmlns:a16="http://schemas.microsoft.com/office/drawing/2014/main" id="{89F1E8ED-2040-12EC-1982-D93AA54BC034}"/>
+              </a:ext>
+            </a:extLst>
+          </p:cNvPr>
+          <p:cNvSpPr/>
+          <p:nvPr/>
+        </p:nvSpPr>
+        <p:spPr>
+          <a:xfrm>
+            <a:off x="6632626" y="1063181"/>
+            <a:ext cx="267435" cy="1150811"/>
+          </a:xfrm>
+          <a:prstGeom prst="leftBrace">
+            <a:avLst>
+              <a:gd name="adj1" fmla="val 46003"/>
+              <a:gd name="adj2" fmla="val 50000"/>
+            </a:avLst>
+          </a:prstGeom>
+          <a:ln w="12700">
+            <a:solidFill>
+              <a:schemeClr val="tx1"/>
+            </a:solidFill>
+          </a:ln>
+        </p:spPr>
+        <p:style>
+          <a:lnRef idx="2">
+            <a:schemeClr val="accent1"/>
+          </a:lnRef>
+          <a:fillRef idx="0">
+            <a:schemeClr val="accent1"/>
+          </a:fillRef>
+          <a:effectRef idx="1">
+            <a:schemeClr val="accent1"/>
+          </a:effectRef>
+          <a:fontRef idx="minor">
+            <a:schemeClr val="tx1"/>
+          </a:fontRef>
+        </p:style>
+        <p:txBody>
+          <a:bodyPr rtlCol="0" anchor="ctr"/>
+          <a:lstStyle/>
+          <a:p>
+            <a:pPr algn="ctr"/>
+            <a:endParaRPr lang="zh-CN" altLang="en-US"/>
+          </a:p>
+        </p:txBody>
+      </p:sp>
     </p:spTree>
     <p:extLst>
       <p:ext uri="{BB962C8B-B14F-4D97-AF65-F5344CB8AC3E}">

--- a/images/posts/2025-03-28-blog-post/新建 Microsoft PowerPoint 演示文稿.pptx
+++ b/images/posts/2025-03-28-blog-post/新建 Microsoft PowerPoint 演示文稿.pptx
@@ -12955,8 +12955,8 @@
           </a:p>
         </p:txBody>
       </p:sp>
-      <mc:AlternateContent xmlns:mc="http://schemas.openxmlformats.org/markup-compatibility/2006">
-        <mc:Choice xmlns:a14="http://schemas.microsoft.com/office/drawing/2010/main" Requires="a14">
+      <mc:AlternateContent xmlns:mc="http://schemas.openxmlformats.org/markup-compatibility/2006" xmlns:a14="http://schemas.microsoft.com/office/drawing/2010/main">
+        <mc:Choice Requires="a14">
           <p:sp>
             <p:nvSpPr>
               <p:cNvPr id="40" name="文本框 39">
@@ -13000,17 +13000,7 @@
                           <a:latin typeface="Cambria Math" panose="02040503050406030204" pitchFamily="18" charset="0"/>
                           <a:ea typeface="微软雅黑" panose="020B0503020204020204" pitchFamily="34" charset="-122"/>
                         </a:rPr>
-                        <m:t>Ada</m:t>
-                      </m:r>
-                      <m:r>
-                        <m:rPr>
-                          <m:sty m:val="p"/>
-                        </m:rPr>
-                        <a:rPr lang="en-US" altLang="zh-CN" sz="2000" b="0" i="0" dirty="0" smtClean="0">
-                          <a:latin typeface="Cambria Math" panose="02040503050406030204" pitchFamily="18" charset="0"/>
-                          <a:ea typeface="微软雅黑" panose="020B0503020204020204" pitchFamily="34" charset="-122"/>
-                        </a:rPr>
-                        <m:t>LN</m:t>
+                        <m:t>AdaLN</m:t>
                       </m:r>
                     </m:oMath>
                   </m:oMathPara>
@@ -13023,7 +13013,7 @@
             </p:txBody>
           </p:sp>
         </mc:Choice>
-        <mc:Fallback>
+        <mc:Fallback xmlns="">
           <p:sp>
             <p:nvSpPr>
               <p:cNvPr id="40" name="文本框 39">
@@ -13087,7 +13077,7 @@
         <p:spPr>
           <a:xfrm flipH="1" flipV="1">
             <a:off x="3073400" y="5777901"/>
-            <a:ext cx="16212" cy="679874"/>
+            <a:ext cx="2231" cy="706149"/>
           </a:xfrm>
           <a:prstGeom prst="straightConnector1">
             <a:avLst/>
@@ -13127,8 +13117,8 @@
             </p:nvSpPr>
             <p:spPr>
               <a:xfrm>
-                <a:off x="2958166" y="6457775"/>
-                <a:ext cx="262892" cy="369332"/>
+                <a:off x="2963421" y="6484050"/>
+                <a:ext cx="224420" cy="276999"/>
               </a:xfrm>
               <a:prstGeom prst="rect">
                 <a:avLst/>
@@ -13149,10 +13139,13 @@
                     </m:oMathParaPr>
                     <m:oMath xmlns:m="http://schemas.openxmlformats.org/officeDocument/2006/math">
                       <m:r>
-                        <a:rPr lang="en-US" altLang="zh-CN" sz="2400" b="1" i="1" smtClean="0">
+                        <a:rPr lang="en-US" altLang="zh-CN" b="1" i="1" smtClean="0">
+                          <a:solidFill>
+                            <a:srgbClr val="00B0F0"/>
+                          </a:solidFill>
                           <a:latin typeface="Cambria Math" panose="02040503050406030204" pitchFamily="18" charset="0"/>
                         </a:rPr>
-                        <m:t>𝒙</m:t>
+                        <m:t>𝑿</m:t>
                       </m:r>
                     </m:oMath>
                   </m:oMathPara>
@@ -13179,8 +13172,8 @@
             </p:nvSpPr>
             <p:spPr>
               <a:xfrm>
-                <a:off x="2958166" y="6457775"/>
-                <a:ext cx="262892" cy="369332"/>
+                <a:off x="2963421" y="6484050"/>
+                <a:ext cx="224420" cy="276999"/>
               </a:xfrm>
               <a:prstGeom prst="rect">
                 <a:avLst/>
@@ -13188,7 +13181,7 @@
               <a:blipFill>
                 <a:blip r:embed="rId3"/>
                 <a:stretch>
-                  <a:fillRect l="-13953" r="-13953"/>
+                  <a:fillRect l="-21622" r="-21622" b="-6667"/>
                 </a:stretch>
               </a:blipFill>
             </p:spPr>
@@ -13265,8 +13258,8 @@
         </p:nvGrpSpPr>
         <p:grpSpPr>
           <a:xfrm>
-            <a:off x="2891536" y="3551592"/>
-            <a:ext cx="360000" cy="363969"/>
+            <a:off x="2959851" y="3593073"/>
+            <a:ext cx="230191" cy="256775"/>
             <a:chOff x="5281075" y="4315800"/>
             <a:chExt cx="360000" cy="363969"/>
           </a:xfrm>
@@ -13385,9 +13378,9 @@
           <p:nvPr/>
         </p:nvCxnSpPr>
         <p:spPr>
-          <a:xfrm flipH="1" flipV="1">
-            <a:off x="3071536" y="3911592"/>
-            <a:ext cx="1864" cy="303532"/>
+          <a:xfrm flipV="1">
+            <a:off x="3073400" y="3847048"/>
+            <a:ext cx="1547" cy="368076"/>
           </a:xfrm>
           <a:prstGeom prst="straightConnector1">
             <a:avLst/>
@@ -13521,12 +13514,12 @@
         </p:nvCxnSpPr>
         <p:spPr>
           <a:xfrm flipV="1">
-            <a:off x="3169022" y="3731592"/>
-            <a:ext cx="82514" cy="2390537"/>
+            <a:off x="3169022" y="3720061"/>
+            <a:ext cx="21020" cy="2402068"/>
           </a:xfrm>
           <a:prstGeom prst="bentConnector3">
             <a:avLst>
-              <a:gd name="adj1" fmla="val 2000829"/>
+              <a:gd name="adj1" fmla="val 8312774"/>
             </a:avLst>
           </a:prstGeom>
           <a:ln>
@@ -13589,8 +13582,8 @@
           </a:fontRef>
         </p:style>
       </p:cxnSp>
-      <mc:AlternateContent xmlns:mc="http://schemas.openxmlformats.org/markup-compatibility/2006">
-        <mc:Choice xmlns:a14="http://schemas.microsoft.com/office/drawing/2010/main" Requires="a14">
+      <mc:AlternateContent xmlns:mc="http://schemas.openxmlformats.org/markup-compatibility/2006" xmlns:a14="http://schemas.microsoft.com/office/drawing/2010/main">
+        <mc:Choice Requires="a14">
           <p:sp>
             <p:nvSpPr>
               <p:cNvPr id="52" name="文本框 51">
@@ -13644,7 +13637,7 @@
             </p:txBody>
           </p:sp>
         </mc:Choice>
-        <mc:Fallback>
+        <mc:Fallback xmlns="">
           <p:sp>
             <p:nvSpPr>
               <p:cNvPr id="52" name="文本框 51">
@@ -13806,8 +13799,8 @@
           </a:p>
         </p:txBody>
       </p:sp>
-      <mc:AlternateContent xmlns:mc="http://schemas.openxmlformats.org/markup-compatibility/2006">
-        <mc:Choice xmlns:a14="http://schemas.microsoft.com/office/drawing/2010/main" Requires="a14">
+      <mc:AlternateContent xmlns:mc="http://schemas.openxmlformats.org/markup-compatibility/2006" xmlns:a14="http://schemas.microsoft.com/office/drawing/2010/main">
+        <mc:Choice Requires="a14">
           <p:sp>
             <p:nvSpPr>
               <p:cNvPr id="96" name="文本框 95">
@@ -13851,17 +13844,7 @@
                           <a:latin typeface="Cambria Math" panose="02040503050406030204" pitchFamily="18" charset="0"/>
                           <a:ea typeface="微软雅黑" panose="020B0503020204020204" pitchFamily="34" charset="-122"/>
                         </a:rPr>
-                        <m:t>Ada</m:t>
-                      </m:r>
-                      <m:r>
-                        <m:rPr>
-                          <m:sty m:val="p"/>
-                        </m:rPr>
-                        <a:rPr lang="en-US" altLang="zh-CN" sz="2000" b="0" i="0" dirty="0" smtClean="0">
-                          <a:latin typeface="Cambria Math" panose="02040503050406030204" pitchFamily="18" charset="0"/>
-                          <a:ea typeface="微软雅黑" panose="020B0503020204020204" pitchFamily="34" charset="-122"/>
-                        </a:rPr>
-                        <m:t>LN</m:t>
+                        <m:t>AdaLN</m:t>
                       </m:r>
                     </m:oMath>
                   </m:oMathPara>
@@ -13874,7 +13857,7 @@
             </p:txBody>
           </p:sp>
         </mc:Choice>
-        <mc:Fallback>
+        <mc:Fallback xmlns="">
           <p:sp>
             <p:nvSpPr>
               <p:cNvPr id="96" name="文本框 95">
@@ -13938,56 +13921,12 @@
         <p:spPr>
           <a:xfrm flipH="1" flipV="1">
             <a:off x="3063875" y="2955442"/>
-            <a:ext cx="7661" cy="596150"/>
+            <a:ext cx="11072" cy="637631"/>
           </a:xfrm>
           <a:prstGeom prst="straightConnector1">
             <a:avLst/>
           </a:prstGeom>
           <a:ln w="28575">
-            <a:tailEnd type="triangle"/>
-          </a:ln>
-        </p:spPr>
-        <p:style>
-          <a:lnRef idx="2">
-            <a:schemeClr val="accent1"/>
-          </a:lnRef>
-          <a:fillRef idx="0">
-            <a:schemeClr val="accent1"/>
-          </a:fillRef>
-          <a:effectRef idx="1">
-            <a:schemeClr val="accent1"/>
-          </a:effectRef>
-          <a:fontRef idx="minor">
-            <a:schemeClr val="tx1"/>
-          </a:fontRef>
-        </p:style>
-      </p:cxnSp>
-      <p:cxnSp>
-        <p:nvCxnSpPr>
-          <p:cNvPr id="99" name="连接符: 曲线 98">
-            <a:extLst>
-              <a:ext uri="{FF2B5EF4-FFF2-40B4-BE49-F238E27FC236}">
-                <a16:creationId xmlns:a16="http://schemas.microsoft.com/office/drawing/2014/main" id="{33F4C144-6635-7F10-6CA9-0B6C8D6E9607}"/>
-              </a:ext>
-            </a:extLst>
-          </p:cNvPr>
-          <p:cNvCxnSpPr>
-            <a:cxnSpLocks/>
-          </p:cNvCxnSpPr>
-          <p:nvPr/>
-        </p:nvCxnSpPr>
-        <p:spPr>
-          <a:xfrm rot="5400000" flipH="1" flipV="1">
-            <a:off x="3073693" y="888505"/>
-            <a:ext cx="933" cy="1836086"/>
-          </a:xfrm>
-          <a:prstGeom prst="curvedConnector3">
-            <a:avLst>
-              <a:gd name="adj1" fmla="val -35913719"/>
-            </a:avLst>
-          </a:prstGeom>
-          <a:ln w="28575">
-            <a:headEnd type="triangle"/>
             <a:tailEnd type="triangle"/>
           </a:ln>
         </p:spPr>
@@ -14020,8 +13959,8 @@
         </p:nvGrpSpPr>
         <p:grpSpPr>
           <a:xfrm>
-            <a:off x="2872486" y="731706"/>
-            <a:ext cx="360000" cy="363969"/>
+            <a:off x="2950349" y="740468"/>
+            <a:ext cx="212834" cy="268820"/>
             <a:chOff x="5281075" y="4315800"/>
             <a:chExt cx="360000" cy="363969"/>
           </a:xfrm>
@@ -14141,8 +14080,8 @@
         </p:nvCxnSpPr>
         <p:spPr>
           <a:xfrm flipH="1" flipV="1">
-            <a:off x="3052486" y="1091706"/>
-            <a:ext cx="11389" cy="289193"/>
+            <a:off x="3056766" y="1006357"/>
+            <a:ext cx="7109" cy="374542"/>
           </a:xfrm>
           <a:prstGeom prst="straightConnector1">
             <a:avLst/>
@@ -14276,12 +14215,12 @@
         </p:nvCxnSpPr>
         <p:spPr>
           <a:xfrm flipV="1">
-            <a:off x="3153856" y="911706"/>
-            <a:ext cx="78630" cy="2430997"/>
+            <a:off x="3153856" y="873413"/>
+            <a:ext cx="9327" cy="2469290"/>
           </a:xfrm>
           <a:prstGeom prst="bentConnector3">
             <a:avLst>
-              <a:gd name="adj1" fmla="val 2118950"/>
+              <a:gd name="adj1" fmla="val 18834266"/>
             </a:avLst>
           </a:prstGeom>
           <a:ln>
@@ -14303,8 +14242,8 @@
           </a:fontRef>
         </p:style>
       </p:cxnSp>
-      <mc:AlternateContent xmlns:mc="http://schemas.openxmlformats.org/markup-compatibility/2006">
-        <mc:Choice xmlns:a14="http://schemas.microsoft.com/office/drawing/2010/main" Requires="a14">
+      <mc:AlternateContent xmlns:mc="http://schemas.openxmlformats.org/markup-compatibility/2006" xmlns:a14="http://schemas.microsoft.com/office/drawing/2010/main">
+        <mc:Choice Requires="a14">
           <p:sp>
             <p:nvSpPr>
               <p:cNvPr id="107" name="文本框 106">
@@ -14358,7 +14297,7 @@
             </p:txBody>
           </p:sp>
         </mc:Choice>
-        <mc:Fallback>
+        <mc:Fallback xmlns="">
           <p:sp>
             <p:nvSpPr>
               <p:cNvPr id="107" name="文本框 106">
@@ -14419,8 +14358,8 @@
             </p:nvSpPr>
             <p:spPr>
               <a:xfrm>
-                <a:off x="2940090" y="7678"/>
-                <a:ext cx="269304" cy="369332"/>
+                <a:off x="2966092" y="56365"/>
+                <a:ext cx="209994" cy="276999"/>
               </a:xfrm>
               <a:prstGeom prst="rect">
                 <a:avLst/>
@@ -14441,10 +14380,13 @@
                     </m:oMathParaPr>
                     <m:oMath xmlns:m="http://schemas.openxmlformats.org/officeDocument/2006/math">
                       <m:r>
-                        <a:rPr lang="en-US" altLang="zh-CN" sz="2400" b="1" i="1" smtClean="0">
+                        <a:rPr lang="en-US" altLang="zh-CN" b="1" i="1" smtClean="0">
+                          <a:solidFill>
+                            <a:srgbClr val="00B0F0"/>
+                          </a:solidFill>
                           <a:latin typeface="Cambria Math" panose="02040503050406030204" pitchFamily="18" charset="0"/>
                         </a:rPr>
-                        <m:t>𝒚</m:t>
+                        <m:t>𝒀</m:t>
                       </m:r>
                     </m:oMath>
                   </m:oMathPara>
@@ -14471,8 +14413,8 @@
             </p:nvSpPr>
             <p:spPr>
               <a:xfrm>
-                <a:off x="2940090" y="7678"/>
-                <a:ext cx="269304" cy="369332"/>
+                <a:off x="2966092" y="56365"/>
+                <a:ext cx="209994" cy="276999"/>
               </a:xfrm>
               <a:prstGeom prst="rect">
                 <a:avLst/>
@@ -14480,7 +14422,7 @@
               <a:blipFill>
                 <a:blip r:embed="rId7"/>
                 <a:stretch>
-                  <a:fillRect l="-25000" r="-27273" b="-26230"/>
+                  <a:fillRect l="-26471" r="-23529" b="-6522"/>
                 </a:stretch>
               </a:blipFill>
             </p:spPr>
@@ -14499,8 +14441,8 @@
           </p:sp>
         </mc:Fallback>
       </mc:AlternateContent>
-      <mc:AlternateContent xmlns:mc="http://schemas.openxmlformats.org/markup-compatibility/2006">
-        <mc:Choice xmlns:a14="http://schemas.microsoft.com/office/drawing/2010/main" Requires="a14">
+      <mc:AlternateContent xmlns:mc="http://schemas.openxmlformats.org/markup-compatibility/2006" xmlns:a14="http://schemas.microsoft.com/office/drawing/2010/main">
+        <mc:Choice Requires="a14">
           <p:sp>
             <p:nvSpPr>
               <p:cNvPr id="126" name="文本框 125">
@@ -14566,7 +14508,7 @@
             </p:txBody>
           </p:sp>
         </mc:Choice>
-        <mc:Fallback>
+        <mc:Fallback xmlns="">
           <p:sp>
             <p:nvSpPr>
               <p:cNvPr id="126" name="文本框 125">
@@ -14611,8 +14553,8 @@
           </p:sp>
         </mc:Fallback>
       </mc:AlternateContent>
-      <mc:AlternateContent xmlns:mc="http://schemas.openxmlformats.org/markup-compatibility/2006">
-        <mc:Choice xmlns:a14="http://schemas.microsoft.com/office/drawing/2010/main" Requires="a14">
+      <mc:AlternateContent xmlns:mc="http://schemas.openxmlformats.org/markup-compatibility/2006" xmlns:a14="http://schemas.microsoft.com/office/drawing/2010/main">
+        <mc:Choice Requires="a14">
           <p:sp>
             <p:nvSpPr>
               <p:cNvPr id="127" name="文本框 126">
@@ -14641,6 +14583,7 @@
               </a:bodyPr>
               <a:lstStyle/>
               <a:p>
+                <a:pPr/>
                 <a14:m>
                   <m:oMathPara xmlns:m="http://schemas.openxmlformats.org/officeDocument/2006/math">
                     <m:oMathParaPr>
@@ -14670,7 +14613,7 @@
             </p:txBody>
           </p:sp>
         </mc:Choice>
-        <mc:Fallback>
+        <mc:Fallback xmlns="">
           <p:sp>
             <p:nvSpPr>
               <p:cNvPr id="127" name="文本框 126">
@@ -14715,8 +14658,8 @@
           </p:sp>
         </mc:Fallback>
       </mc:AlternateContent>
-      <mc:AlternateContent xmlns:mc="http://schemas.openxmlformats.org/markup-compatibility/2006">
-        <mc:Choice xmlns:a14="http://schemas.microsoft.com/office/drawing/2010/main" Requires="a14">
+      <mc:AlternateContent xmlns:mc="http://schemas.openxmlformats.org/markup-compatibility/2006" xmlns:a14="http://schemas.microsoft.com/office/drawing/2010/main">
+        <mc:Choice Requires="a14">
           <p:sp>
             <p:nvSpPr>
               <p:cNvPr id="128" name="文本框 127">
@@ -14745,6 +14688,7 @@
               </a:bodyPr>
               <a:lstStyle/>
               <a:p>
+                <a:pPr/>
                 <a14:m>
                   <m:oMathPara xmlns:m="http://schemas.openxmlformats.org/officeDocument/2006/math">
                     <m:oMathParaPr>
@@ -14789,7 +14733,7 @@
             </p:txBody>
           </p:sp>
         </mc:Choice>
-        <mc:Fallback>
+        <mc:Fallback xmlns="">
           <p:sp>
             <p:nvSpPr>
               <p:cNvPr id="128" name="文本框 127">
@@ -14834,8 +14778,8 @@
           </p:sp>
         </mc:Fallback>
       </mc:AlternateContent>
-      <mc:AlternateContent xmlns:mc="http://schemas.openxmlformats.org/markup-compatibility/2006">
-        <mc:Choice xmlns:a14="http://schemas.microsoft.com/office/drawing/2010/main" Requires="a14">
+      <mc:AlternateContent xmlns:mc="http://schemas.openxmlformats.org/markup-compatibility/2006" xmlns:a14="http://schemas.microsoft.com/office/drawing/2010/main">
+        <mc:Choice Requires="a14">
           <p:sp>
             <p:nvSpPr>
               <p:cNvPr id="129" name="文本框 128">
@@ -14864,6 +14808,7 @@
               </a:bodyPr>
               <a:lstStyle/>
               <a:p>
+                <a:pPr/>
                 <a14:m>
                   <m:oMathPara xmlns:m="http://schemas.openxmlformats.org/officeDocument/2006/math">
                     <m:oMathParaPr>
@@ -14873,7 +14818,7 @@
                       <m:sSub>
                         <m:sSubPr>
                           <m:ctrlPr>
-                            <a:rPr lang="en-US" altLang="zh-CN" i="0" smtClean="0">
+                            <a:rPr lang="en-US" altLang="zh-CN" i="1" smtClean="0">
                               <a:latin typeface="Cambria Math" panose="02040503050406030204" pitchFamily="18" charset="0"/>
                             </a:rPr>
                           </m:ctrlPr>
@@ -14910,7 +14855,7 @@
                       <m:sSub>
                         <m:sSubPr>
                           <m:ctrlPr>
-                            <a:rPr lang="en-US" altLang="zh-CN" i="0" smtClean="0">
+                            <a:rPr lang="en-US" altLang="zh-CN" i="1" smtClean="0">
                               <a:latin typeface="Cambria Math" panose="02040503050406030204" pitchFamily="18" charset="0"/>
                             </a:rPr>
                           </m:ctrlPr>
@@ -14947,7 +14892,7 @@
                       <m:sSub>
                         <m:sSubPr>
                           <m:ctrlPr>
-                            <a:rPr lang="en-US" altLang="zh-CN" i="0" smtClean="0">
+                            <a:rPr lang="en-US" altLang="zh-CN" i="1" smtClean="0">
                               <a:latin typeface="Cambria Math" panose="02040503050406030204" pitchFamily="18" charset="0"/>
                             </a:rPr>
                           </m:ctrlPr>
@@ -15024,7 +14969,7 @@
             </p:txBody>
           </p:sp>
         </mc:Choice>
-        <mc:Fallback>
+        <mc:Fallback xmlns="">
           <p:sp>
             <p:nvSpPr>
               <p:cNvPr id="129" name="文本框 128">
@@ -15069,8 +15014,8 @@
           </p:sp>
         </mc:Fallback>
       </mc:AlternateContent>
-      <mc:AlternateContent xmlns:mc="http://schemas.openxmlformats.org/markup-compatibility/2006">
-        <mc:Choice xmlns:a14="http://schemas.microsoft.com/office/drawing/2010/main" Requires="a14">
+      <mc:AlternateContent xmlns:mc="http://schemas.openxmlformats.org/markup-compatibility/2006" xmlns:a14="http://schemas.microsoft.com/office/drawing/2010/main">
+        <mc:Choice Requires="a14">
           <p:sp>
             <p:nvSpPr>
               <p:cNvPr id="130" name="文本框 129">
@@ -15099,6 +15044,7 @@
               </a:bodyPr>
               <a:lstStyle/>
               <a:p>
+                <a:pPr/>
                 <a14:m>
                   <m:oMathPara xmlns:m="http://schemas.openxmlformats.org/officeDocument/2006/math">
                     <m:oMathParaPr>
@@ -15143,7 +15089,7 @@
             </p:txBody>
           </p:sp>
         </mc:Choice>
-        <mc:Fallback>
+        <mc:Fallback xmlns="">
           <p:sp>
             <p:nvSpPr>
               <p:cNvPr id="130" name="文本框 129">
@@ -15188,8 +15134,8 @@
           </p:sp>
         </mc:Fallback>
       </mc:AlternateContent>
-      <mc:AlternateContent xmlns:mc="http://schemas.openxmlformats.org/markup-compatibility/2006">
-        <mc:Choice xmlns:a14="http://schemas.microsoft.com/office/drawing/2010/main" Requires="a14">
+      <mc:AlternateContent xmlns:mc="http://schemas.openxmlformats.org/markup-compatibility/2006" xmlns:a14="http://schemas.microsoft.com/office/drawing/2010/main">
+        <mc:Choice Requires="a14">
           <p:sp>
             <p:nvSpPr>
               <p:cNvPr id="132" name="文本框 131">
@@ -15218,6 +15164,7 @@
               </a:bodyPr>
               <a:lstStyle/>
               <a:p>
+                <a:pPr/>
                 <a14:m>
                   <m:oMathPara xmlns:m="http://schemas.openxmlformats.org/officeDocument/2006/math">
                     <m:oMathParaPr>
@@ -15227,7 +15174,7 @@
                       <m:sSub>
                         <m:sSubPr>
                           <m:ctrlPr>
-                            <a:rPr lang="en-US" altLang="zh-CN" i="0" smtClean="0">
+                            <a:rPr lang="en-US" altLang="zh-CN" i="1" smtClean="0">
                               <a:latin typeface="Cambria Math" panose="02040503050406030204" pitchFamily="18" charset="0"/>
                             </a:rPr>
                           </m:ctrlPr>
@@ -15295,7 +15242,7 @@
             </p:txBody>
           </p:sp>
         </mc:Choice>
-        <mc:Fallback>
+        <mc:Fallback xmlns="">
           <p:sp>
             <p:nvSpPr>
               <p:cNvPr id="132" name="文本框 131">
@@ -15340,8 +15287,8 @@
           </p:sp>
         </mc:Fallback>
       </mc:AlternateContent>
-      <mc:AlternateContent xmlns:mc="http://schemas.openxmlformats.org/markup-compatibility/2006">
-        <mc:Choice xmlns:a14="http://schemas.microsoft.com/office/drawing/2010/main" Requires="a14">
+      <mc:AlternateContent xmlns:mc="http://schemas.openxmlformats.org/markup-compatibility/2006" xmlns:a14="http://schemas.microsoft.com/office/drawing/2010/main">
+        <mc:Choice Requires="a14">
           <p:sp>
             <p:nvSpPr>
               <p:cNvPr id="133" name="文本框 132">
@@ -15370,6 +15317,7 @@
               </a:bodyPr>
               <a:lstStyle/>
               <a:p>
+                <a:pPr/>
                 <a14:m>
                   <m:oMathPara xmlns:m="http://schemas.openxmlformats.org/officeDocument/2006/math">
                     <m:oMathParaPr>
@@ -15379,7 +15327,7 @@
                       <m:sSub>
                         <m:sSubPr>
                           <m:ctrlPr>
-                            <a:rPr lang="en-US" altLang="zh-CN" i="0" smtClean="0">
+                            <a:rPr lang="en-US" altLang="zh-CN" i="1" smtClean="0">
                               <a:latin typeface="Cambria Math" panose="02040503050406030204" pitchFamily="18" charset="0"/>
                             </a:rPr>
                           </m:ctrlPr>
@@ -15447,7 +15395,7 @@
             </p:txBody>
           </p:sp>
         </mc:Choice>
-        <mc:Fallback>
+        <mc:Fallback xmlns="">
           <p:sp>
             <p:nvSpPr>
               <p:cNvPr id="133" name="文本框 132">
@@ -15492,8 +15440,8 @@
           </p:sp>
         </mc:Fallback>
       </mc:AlternateContent>
-      <mc:AlternateContent xmlns:mc="http://schemas.openxmlformats.org/markup-compatibility/2006">
-        <mc:Choice xmlns:a14="http://schemas.microsoft.com/office/drawing/2010/main" Requires="a14">
+      <mc:AlternateContent xmlns:mc="http://schemas.openxmlformats.org/markup-compatibility/2006" xmlns:a14="http://schemas.microsoft.com/office/drawing/2010/main">
+        <mc:Choice Requires="a14">
           <p:sp>
             <p:nvSpPr>
               <p:cNvPr id="135" name="文本框 134">
@@ -15543,7 +15491,7 @@
             </p:txBody>
           </p:sp>
         </mc:Choice>
-        <mc:Fallback>
+        <mc:Fallback xmlns="">
           <p:sp>
             <p:nvSpPr>
               <p:cNvPr id="135" name="文本框 134">
@@ -15640,8 +15588,8 @@
           </a:p>
         </p:txBody>
       </p:sp>
-      <mc:AlternateContent xmlns:mc="http://schemas.openxmlformats.org/markup-compatibility/2006">
-        <mc:Choice xmlns:a14="http://schemas.microsoft.com/office/drawing/2010/main" Requires="a14">
+      <mc:AlternateContent xmlns:mc="http://schemas.openxmlformats.org/markup-compatibility/2006" xmlns:a14="http://schemas.microsoft.com/office/drawing/2010/main">
+        <mc:Choice Requires="a14">
           <p:sp>
             <p:nvSpPr>
               <p:cNvPr id="137" name="文本框 136">
@@ -15691,7 +15639,7 @@
             </p:txBody>
           </p:sp>
         </mc:Choice>
-        <mc:Fallback>
+        <mc:Fallback xmlns="">
           <p:sp>
             <p:nvSpPr>
               <p:cNvPr id="137" name="文本框 136">
@@ -15788,6 +15736,600 @@
           </a:p>
         </p:txBody>
       </p:sp>
+      <mc:AlternateContent xmlns:mc="http://schemas.openxmlformats.org/markup-compatibility/2006">
+        <mc:Choice xmlns:a14="http://schemas.microsoft.com/office/drawing/2010/main" Requires="a14">
+          <p:sp>
+            <p:nvSpPr>
+              <p:cNvPr id="2" name="文本框 1">
+                <a:extLst>
+                  <a:ext uri="{FF2B5EF4-FFF2-40B4-BE49-F238E27FC236}">
+                    <a16:creationId xmlns:a16="http://schemas.microsoft.com/office/drawing/2014/main" id="{EBEE8112-28BC-27AC-46A1-0C3112A313BA}"/>
+                  </a:ext>
+                </a:extLst>
+              </p:cNvPr>
+              <p:cNvSpPr txBox="1"/>
+              <p:nvPr/>
+            </p:nvSpPr>
+            <p:spPr>
+              <a:xfrm>
+                <a:off x="1904962" y="4631124"/>
+                <a:ext cx="232436" cy="276999"/>
+              </a:xfrm>
+              <a:prstGeom prst="rect">
+                <a:avLst/>
+              </a:prstGeom>
+              <a:noFill/>
+            </p:spPr>
+            <p:txBody>
+              <a:bodyPr wrap="none" lIns="0" tIns="0" rIns="0" bIns="0" rtlCol="0">
+                <a:spAutoFit/>
+              </a:bodyPr>
+              <a:lstStyle/>
+              <a:p>
+                <a:pPr/>
+                <a14:m>
+                  <m:oMathPara xmlns:m="http://schemas.openxmlformats.org/officeDocument/2006/math">
+                    <m:oMathParaPr>
+                      <m:jc m:val="centerGroup"/>
+                    </m:oMathParaPr>
+                    <m:oMath xmlns:m="http://schemas.openxmlformats.org/officeDocument/2006/math">
+                      <m:r>
+                        <a:rPr lang="en-US" altLang="zh-CN" b="1" i="1" smtClean="0">
+                          <a:solidFill>
+                            <a:srgbClr val="00B0F0"/>
+                          </a:solidFill>
+                          <a:latin typeface="Cambria Math" panose="02040503050406030204" pitchFamily="18" charset="0"/>
+                        </a:rPr>
+                        <m:t>𝑸</m:t>
+                      </m:r>
+                    </m:oMath>
+                  </m:oMathPara>
+                </a14:m>
+                <a:endParaRPr lang="zh-CN" altLang="en-US" sz="2800" b="1" dirty="0"/>
+              </a:p>
+            </p:txBody>
+          </p:sp>
+        </mc:Choice>
+        <mc:Fallback>
+          <p:sp>
+            <p:nvSpPr>
+              <p:cNvPr id="2" name="文本框 1">
+                <a:extLst>
+                  <a:ext uri="{FF2B5EF4-FFF2-40B4-BE49-F238E27FC236}">
+                    <a16:creationId xmlns:a16="http://schemas.microsoft.com/office/drawing/2014/main" id="{EBEE8112-28BC-27AC-46A1-0C3112A313BA}"/>
+                  </a:ext>
+                </a:extLst>
+              </p:cNvPr>
+              <p:cNvSpPr txBox="1">
+                <a:spLocks noRot="1" noChangeAspect="1" noMove="1" noResize="1" noEditPoints="1" noAdjustHandles="1" noChangeArrowheads="1" noChangeShapeType="1" noTextEdit="1"/>
+              </p:cNvSpPr>
+              <p:nvPr/>
+            </p:nvSpPr>
+            <p:spPr>
+              <a:xfrm>
+                <a:off x="1904962" y="4631124"/>
+                <a:ext cx="232436" cy="276999"/>
+              </a:xfrm>
+              <a:prstGeom prst="rect">
+                <a:avLst/>
+              </a:prstGeom>
+              <a:blipFill>
+                <a:blip r:embed="rId17"/>
+                <a:stretch>
+                  <a:fillRect l="-30769" r="-28205" b="-31111"/>
+                </a:stretch>
+              </a:blipFill>
+            </p:spPr>
+            <p:txBody>
+              <a:bodyPr/>
+              <a:lstStyle/>
+              <a:p>
+                <a:r>
+                  <a:rPr lang="zh-CN" altLang="en-US">
+                    <a:noFill/>
+                  </a:rPr>
+                  <a:t> </a:t>
+                </a:r>
+              </a:p>
+            </p:txBody>
+          </p:sp>
+        </mc:Fallback>
+      </mc:AlternateContent>
+      <mc:AlternateContent xmlns:mc="http://schemas.openxmlformats.org/markup-compatibility/2006">
+        <mc:Choice xmlns:a14="http://schemas.microsoft.com/office/drawing/2010/main" Requires="a14">
+          <p:sp>
+            <p:nvSpPr>
+              <p:cNvPr id="3" name="文本框 2">
+                <a:extLst>
+                  <a:ext uri="{FF2B5EF4-FFF2-40B4-BE49-F238E27FC236}">
+                    <a16:creationId xmlns:a16="http://schemas.microsoft.com/office/drawing/2014/main" id="{5FA60061-B0AC-0AC1-32B9-65CE4948779B}"/>
+                  </a:ext>
+                </a:extLst>
+              </p:cNvPr>
+              <p:cNvSpPr txBox="1"/>
+              <p:nvPr/>
+            </p:nvSpPr>
+            <p:spPr>
+              <a:xfrm>
+                <a:off x="2836210" y="4635925"/>
+                <a:ext cx="240450" cy="276999"/>
+              </a:xfrm>
+              <a:prstGeom prst="rect">
+                <a:avLst/>
+              </a:prstGeom>
+              <a:noFill/>
+            </p:spPr>
+            <p:txBody>
+              <a:bodyPr wrap="none" lIns="0" tIns="0" rIns="0" bIns="0" rtlCol="0">
+                <a:spAutoFit/>
+              </a:bodyPr>
+              <a:lstStyle/>
+              <a:p>
+                <a:pPr/>
+                <a14:m>
+                  <m:oMathPara xmlns:m="http://schemas.openxmlformats.org/officeDocument/2006/math">
+                    <m:oMathParaPr>
+                      <m:jc m:val="centerGroup"/>
+                    </m:oMathParaPr>
+                    <m:oMath xmlns:m="http://schemas.openxmlformats.org/officeDocument/2006/math">
+                      <m:r>
+                        <a:rPr lang="en-US" altLang="zh-CN" b="1" i="1" smtClean="0">
+                          <a:solidFill>
+                            <a:srgbClr val="00B0F0"/>
+                          </a:solidFill>
+                          <a:latin typeface="Cambria Math" panose="02040503050406030204" pitchFamily="18" charset="0"/>
+                        </a:rPr>
+                        <m:t>𝑲</m:t>
+                      </m:r>
+                    </m:oMath>
+                  </m:oMathPara>
+                </a14:m>
+                <a:endParaRPr lang="zh-CN" altLang="en-US" sz="2800" b="1" dirty="0"/>
+              </a:p>
+            </p:txBody>
+          </p:sp>
+        </mc:Choice>
+        <mc:Fallback>
+          <p:sp>
+            <p:nvSpPr>
+              <p:cNvPr id="3" name="文本框 2">
+                <a:extLst>
+                  <a:ext uri="{FF2B5EF4-FFF2-40B4-BE49-F238E27FC236}">
+                    <a16:creationId xmlns:a16="http://schemas.microsoft.com/office/drawing/2014/main" id="{5FA60061-B0AC-0AC1-32B9-65CE4948779B}"/>
+                  </a:ext>
+                </a:extLst>
+              </p:cNvPr>
+              <p:cNvSpPr txBox="1">
+                <a:spLocks noRot="1" noChangeAspect="1" noMove="1" noResize="1" noEditPoints="1" noAdjustHandles="1" noChangeArrowheads="1" noChangeShapeType="1" noTextEdit="1"/>
+              </p:cNvSpPr>
+              <p:nvPr/>
+            </p:nvSpPr>
+            <p:spPr>
+              <a:xfrm>
+                <a:off x="2836210" y="4635925"/>
+                <a:ext cx="240450" cy="276999"/>
+              </a:xfrm>
+              <a:prstGeom prst="rect">
+                <a:avLst/>
+              </a:prstGeom>
+              <a:blipFill>
+                <a:blip r:embed="rId18"/>
+                <a:stretch>
+                  <a:fillRect l="-20000" r="-20000" b="-6522"/>
+                </a:stretch>
+              </a:blipFill>
+            </p:spPr>
+            <p:txBody>
+              <a:bodyPr/>
+              <a:lstStyle/>
+              <a:p>
+                <a:r>
+                  <a:rPr lang="zh-CN" altLang="en-US">
+                    <a:noFill/>
+                  </a:rPr>
+                  <a:t> </a:t>
+                </a:r>
+              </a:p>
+            </p:txBody>
+          </p:sp>
+        </mc:Fallback>
+      </mc:AlternateContent>
+      <mc:AlternateContent xmlns:mc="http://schemas.openxmlformats.org/markup-compatibility/2006">
+        <mc:Choice xmlns:a14="http://schemas.microsoft.com/office/drawing/2010/main" Requires="a14">
+          <p:sp>
+            <p:nvSpPr>
+              <p:cNvPr id="4" name="文本框 3">
+                <a:extLst>
+                  <a:ext uri="{FF2B5EF4-FFF2-40B4-BE49-F238E27FC236}">
+                    <a16:creationId xmlns:a16="http://schemas.microsoft.com/office/drawing/2014/main" id="{82E00A71-70CC-44D5-516E-DD450737892E}"/>
+                  </a:ext>
+                </a:extLst>
+              </p:cNvPr>
+              <p:cNvSpPr txBox="1"/>
+              <p:nvPr/>
+            </p:nvSpPr>
+            <p:spPr>
+              <a:xfrm>
+                <a:off x="4006088" y="4638616"/>
+                <a:ext cx="213199" cy="276999"/>
+              </a:xfrm>
+              <a:prstGeom prst="rect">
+                <a:avLst/>
+              </a:prstGeom>
+              <a:noFill/>
+            </p:spPr>
+            <p:txBody>
+              <a:bodyPr wrap="none" lIns="0" tIns="0" rIns="0" bIns="0" rtlCol="0">
+                <a:spAutoFit/>
+              </a:bodyPr>
+              <a:lstStyle/>
+              <a:p>
+                <a:pPr/>
+                <a14:m>
+                  <m:oMathPara xmlns:m="http://schemas.openxmlformats.org/officeDocument/2006/math">
+                    <m:oMathParaPr>
+                      <m:jc m:val="centerGroup"/>
+                    </m:oMathParaPr>
+                    <m:oMath xmlns:m="http://schemas.openxmlformats.org/officeDocument/2006/math">
+                      <m:r>
+                        <a:rPr lang="en-US" altLang="zh-CN" b="1" i="1" smtClean="0">
+                          <a:solidFill>
+                            <a:srgbClr val="00B0F0"/>
+                          </a:solidFill>
+                          <a:latin typeface="Cambria Math" panose="02040503050406030204" pitchFamily="18" charset="0"/>
+                        </a:rPr>
+                        <m:t>𝑽</m:t>
+                      </m:r>
+                    </m:oMath>
+                  </m:oMathPara>
+                </a14:m>
+                <a:endParaRPr lang="zh-CN" altLang="en-US" sz="2800" b="1" dirty="0"/>
+              </a:p>
+            </p:txBody>
+          </p:sp>
+        </mc:Choice>
+        <mc:Fallback>
+          <p:sp>
+            <p:nvSpPr>
+              <p:cNvPr id="4" name="文本框 3">
+                <a:extLst>
+                  <a:ext uri="{FF2B5EF4-FFF2-40B4-BE49-F238E27FC236}">
+                    <a16:creationId xmlns:a16="http://schemas.microsoft.com/office/drawing/2014/main" id="{82E00A71-70CC-44D5-516E-DD450737892E}"/>
+                  </a:ext>
+                </a:extLst>
+              </p:cNvPr>
+              <p:cNvSpPr txBox="1">
+                <a:spLocks noRot="1" noChangeAspect="1" noMove="1" noResize="1" noEditPoints="1" noAdjustHandles="1" noChangeArrowheads="1" noChangeShapeType="1" noTextEdit="1"/>
+              </p:cNvSpPr>
+              <p:nvPr/>
+            </p:nvSpPr>
+            <p:spPr>
+              <a:xfrm>
+                <a:off x="4006088" y="4638616"/>
+                <a:ext cx="213199" cy="276999"/>
+              </a:xfrm>
+              <a:prstGeom prst="rect">
+                <a:avLst/>
+              </a:prstGeom>
+              <a:blipFill>
+                <a:blip r:embed="rId19"/>
+                <a:stretch>
+                  <a:fillRect l="-22857" r="-25714" b="-6667"/>
+                </a:stretch>
+              </a:blipFill>
+            </p:spPr>
+            <p:txBody>
+              <a:bodyPr/>
+              <a:lstStyle/>
+              <a:p>
+                <a:r>
+                  <a:rPr lang="zh-CN" altLang="en-US">
+                    <a:noFill/>
+                  </a:rPr>
+                  <a:t> </a:t>
+                </a:r>
+              </a:p>
+            </p:txBody>
+          </p:sp>
+        </mc:Fallback>
+      </mc:AlternateContent>
+      <mc:AlternateContent xmlns:mc="http://schemas.openxmlformats.org/markup-compatibility/2006">
+        <mc:Choice xmlns:a14="http://schemas.microsoft.com/office/drawing/2010/main" Requires="a14">
+          <p:sp>
+            <p:nvSpPr>
+              <p:cNvPr id="7" name="文本框 6">
+                <a:extLst>
+                  <a:ext uri="{FF2B5EF4-FFF2-40B4-BE49-F238E27FC236}">
+                    <a16:creationId xmlns:a16="http://schemas.microsoft.com/office/drawing/2014/main" id="{20B09DFC-1DBF-D70E-9530-501C5B5D484A}"/>
+                  </a:ext>
+                </a:extLst>
+              </p:cNvPr>
+              <p:cNvSpPr txBox="1"/>
+              <p:nvPr/>
+            </p:nvSpPr>
+            <p:spPr>
+              <a:xfrm>
+                <a:off x="3119664" y="3858403"/>
+                <a:ext cx="232436" cy="276999"/>
+              </a:xfrm>
+              <a:prstGeom prst="rect">
+                <a:avLst/>
+              </a:prstGeom>
+              <a:noFill/>
+            </p:spPr>
+            <p:txBody>
+              <a:bodyPr wrap="none" lIns="0" tIns="0" rIns="0" bIns="0" rtlCol="0">
+                <a:spAutoFit/>
+              </a:bodyPr>
+              <a:lstStyle/>
+              <a:p>
+                <a:pPr/>
+                <a14:m>
+                  <m:oMathPara xmlns:m="http://schemas.openxmlformats.org/officeDocument/2006/math">
+                    <m:oMathParaPr>
+                      <m:jc m:val="centerGroup"/>
+                    </m:oMathParaPr>
+                    <m:oMath xmlns:m="http://schemas.openxmlformats.org/officeDocument/2006/math">
+                      <m:r>
+                        <a:rPr lang="en-US" altLang="zh-CN" b="1" i="1" smtClean="0">
+                          <a:solidFill>
+                            <a:srgbClr val="00B0F0"/>
+                          </a:solidFill>
+                          <a:latin typeface="Cambria Math" panose="02040503050406030204" pitchFamily="18" charset="0"/>
+                        </a:rPr>
+                        <m:t>𝑶</m:t>
+                      </m:r>
+                    </m:oMath>
+                  </m:oMathPara>
+                </a14:m>
+                <a:endParaRPr lang="zh-CN" altLang="en-US" sz="2800" b="1" dirty="0"/>
+              </a:p>
+            </p:txBody>
+          </p:sp>
+        </mc:Choice>
+        <mc:Fallback>
+          <p:sp>
+            <p:nvSpPr>
+              <p:cNvPr id="7" name="文本框 6">
+                <a:extLst>
+                  <a:ext uri="{FF2B5EF4-FFF2-40B4-BE49-F238E27FC236}">
+                    <a16:creationId xmlns:a16="http://schemas.microsoft.com/office/drawing/2014/main" id="{20B09DFC-1DBF-D70E-9530-501C5B5D484A}"/>
+                  </a:ext>
+                </a:extLst>
+              </p:cNvPr>
+              <p:cNvSpPr txBox="1">
+                <a:spLocks noRot="1" noChangeAspect="1" noMove="1" noResize="1" noEditPoints="1" noAdjustHandles="1" noChangeArrowheads="1" noChangeShapeType="1" noTextEdit="1"/>
+              </p:cNvSpPr>
+              <p:nvPr/>
+            </p:nvSpPr>
+            <p:spPr>
+              <a:xfrm>
+                <a:off x="3119664" y="3858403"/>
+                <a:ext cx="232436" cy="276999"/>
+              </a:xfrm>
+              <a:prstGeom prst="rect">
+                <a:avLst/>
+              </a:prstGeom>
+              <a:blipFill>
+                <a:blip r:embed="rId20"/>
+                <a:stretch>
+                  <a:fillRect l="-23684" r="-21053" b="-6667"/>
+                </a:stretch>
+              </a:blipFill>
+            </p:spPr>
+            <p:txBody>
+              <a:bodyPr/>
+              <a:lstStyle/>
+              <a:p>
+                <a:r>
+                  <a:rPr lang="zh-CN" altLang="en-US">
+                    <a:noFill/>
+                  </a:rPr>
+                  <a:t> </a:t>
+                </a:r>
+              </a:p>
+            </p:txBody>
+          </p:sp>
+        </mc:Fallback>
+      </mc:AlternateContent>
+      <mc:AlternateContent xmlns:mc="http://schemas.openxmlformats.org/markup-compatibility/2006">
+        <mc:Choice xmlns:a14="http://schemas.microsoft.com/office/drawing/2010/main" Requires="a14">
+          <p:sp>
+            <p:nvSpPr>
+              <p:cNvPr id="8" name="文本框 7">
+                <a:extLst>
+                  <a:ext uri="{FF2B5EF4-FFF2-40B4-BE49-F238E27FC236}">
+                    <a16:creationId xmlns:a16="http://schemas.microsoft.com/office/drawing/2014/main" id="{4B72D4A7-D267-139F-BC5B-2E84BC28651A}"/>
+                  </a:ext>
+                </a:extLst>
+              </p:cNvPr>
+              <p:cNvSpPr txBox="1"/>
+              <p:nvPr/>
+            </p:nvSpPr>
+            <p:spPr>
+              <a:xfrm>
+                <a:off x="2709963" y="3375373"/>
+                <a:ext cx="209993" cy="276999"/>
+              </a:xfrm>
+              <a:prstGeom prst="rect">
+                <a:avLst/>
+              </a:prstGeom>
+              <a:noFill/>
+            </p:spPr>
+            <p:txBody>
+              <a:bodyPr wrap="none" lIns="0" tIns="0" rIns="0" bIns="0" rtlCol="0">
+                <a:spAutoFit/>
+              </a:bodyPr>
+              <a:lstStyle/>
+              <a:p>
+                <a:pPr/>
+                <a14:m>
+                  <m:oMathPara xmlns:m="http://schemas.openxmlformats.org/officeDocument/2006/math">
+                    <m:oMathParaPr>
+                      <m:jc m:val="centerGroup"/>
+                    </m:oMathParaPr>
+                    <m:oMath xmlns:m="http://schemas.openxmlformats.org/officeDocument/2006/math">
+                      <m:r>
+                        <a:rPr lang="en-US" altLang="zh-CN" b="1" i="1" smtClean="0">
+                          <a:solidFill>
+                            <a:srgbClr val="00B0F0"/>
+                          </a:solidFill>
+                          <a:latin typeface="Cambria Math" panose="02040503050406030204" pitchFamily="18" charset="0"/>
+                        </a:rPr>
+                        <m:t>𝒁</m:t>
+                      </m:r>
+                    </m:oMath>
+                  </m:oMathPara>
+                </a14:m>
+                <a:endParaRPr lang="zh-CN" altLang="en-US" sz="2800" b="1" dirty="0"/>
+              </a:p>
+            </p:txBody>
+          </p:sp>
+        </mc:Choice>
+        <mc:Fallback>
+          <p:sp>
+            <p:nvSpPr>
+              <p:cNvPr id="8" name="文本框 7">
+                <a:extLst>
+                  <a:ext uri="{FF2B5EF4-FFF2-40B4-BE49-F238E27FC236}">
+                    <a16:creationId xmlns:a16="http://schemas.microsoft.com/office/drawing/2014/main" id="{4B72D4A7-D267-139F-BC5B-2E84BC28651A}"/>
+                  </a:ext>
+                </a:extLst>
+              </p:cNvPr>
+              <p:cNvSpPr txBox="1">
+                <a:spLocks noRot="1" noChangeAspect="1" noMove="1" noResize="1" noEditPoints="1" noAdjustHandles="1" noChangeArrowheads="1" noChangeShapeType="1" noTextEdit="1"/>
+              </p:cNvSpPr>
+              <p:nvPr/>
+            </p:nvSpPr>
+            <p:spPr>
+              <a:xfrm>
+                <a:off x="2709963" y="3375373"/>
+                <a:ext cx="209993" cy="276999"/>
+              </a:xfrm>
+              <a:prstGeom prst="rect">
+                <a:avLst/>
+              </a:prstGeom>
+              <a:blipFill>
+                <a:blip r:embed="rId21"/>
+                <a:stretch>
+                  <a:fillRect l="-26471" r="-23529" b="-6667"/>
+                </a:stretch>
+              </a:blipFill>
+            </p:spPr>
+            <p:txBody>
+              <a:bodyPr/>
+              <a:lstStyle/>
+              <a:p>
+                <a:r>
+                  <a:rPr lang="zh-CN" altLang="en-US">
+                    <a:noFill/>
+                  </a:rPr>
+                  <a:t> </a:t>
+                </a:r>
+              </a:p>
+            </p:txBody>
+          </p:sp>
+        </mc:Fallback>
+      </mc:AlternateContent>
+      <mc:AlternateContent xmlns:mc="http://schemas.openxmlformats.org/markup-compatibility/2006">
+        <mc:Choice xmlns:a14="http://schemas.microsoft.com/office/drawing/2010/main" Requires="a14">
+          <p:sp>
+            <p:nvSpPr>
+              <p:cNvPr id="9" name="文本框 8">
+                <a:extLst>
+                  <a:ext uri="{FF2B5EF4-FFF2-40B4-BE49-F238E27FC236}">
+                    <a16:creationId xmlns:a16="http://schemas.microsoft.com/office/drawing/2014/main" id="{7521D3AC-BD6D-92AD-9B50-7D8913345A2C}"/>
+                  </a:ext>
+                </a:extLst>
+              </p:cNvPr>
+              <p:cNvSpPr txBox="1"/>
+              <p:nvPr/>
+            </p:nvSpPr>
+            <p:spPr>
+              <a:xfrm>
+                <a:off x="2740976" y="1100689"/>
+                <a:ext cx="245260" cy="276999"/>
+              </a:xfrm>
+              <a:prstGeom prst="rect">
+                <a:avLst/>
+              </a:prstGeom>
+              <a:noFill/>
+            </p:spPr>
+            <p:txBody>
+              <a:bodyPr wrap="none" lIns="0" tIns="0" rIns="0" bIns="0" rtlCol="0">
+                <a:spAutoFit/>
+              </a:bodyPr>
+              <a:lstStyle/>
+              <a:p>
+                <a:pPr/>
+                <a14:m>
+                  <m:oMathPara xmlns:m="http://schemas.openxmlformats.org/officeDocument/2006/math">
+                    <m:oMathParaPr>
+                      <m:jc m:val="centerGroup"/>
+                    </m:oMathParaPr>
+                    <m:oMath xmlns:m="http://schemas.openxmlformats.org/officeDocument/2006/math">
+                      <m:r>
+                        <a:rPr lang="en-US" altLang="zh-CN" b="1" i="1" smtClean="0">
+                          <a:solidFill>
+                            <a:srgbClr val="00B0F0"/>
+                          </a:solidFill>
+                          <a:latin typeface="Cambria Math" panose="02040503050406030204" pitchFamily="18" charset="0"/>
+                        </a:rPr>
+                        <m:t>𝑯</m:t>
+                      </m:r>
+                    </m:oMath>
+                  </m:oMathPara>
+                </a14:m>
+                <a:endParaRPr lang="zh-CN" altLang="en-US" sz="2800" b="1" dirty="0"/>
+              </a:p>
+            </p:txBody>
+          </p:sp>
+        </mc:Choice>
+        <mc:Fallback>
+          <p:sp>
+            <p:nvSpPr>
+              <p:cNvPr id="9" name="文本框 8">
+                <a:extLst>
+                  <a:ext uri="{FF2B5EF4-FFF2-40B4-BE49-F238E27FC236}">
+                    <a16:creationId xmlns:a16="http://schemas.microsoft.com/office/drawing/2014/main" id="{7521D3AC-BD6D-92AD-9B50-7D8913345A2C}"/>
+                  </a:ext>
+                </a:extLst>
+              </p:cNvPr>
+              <p:cNvSpPr txBox="1">
+                <a:spLocks noRot="1" noChangeAspect="1" noMove="1" noResize="1" noEditPoints="1" noAdjustHandles="1" noChangeArrowheads="1" noChangeShapeType="1" noTextEdit="1"/>
+              </p:cNvSpPr>
+              <p:nvPr/>
+            </p:nvSpPr>
+            <p:spPr>
+              <a:xfrm>
+                <a:off x="2740976" y="1100689"/>
+                <a:ext cx="245260" cy="276999"/>
+              </a:xfrm>
+              <a:prstGeom prst="rect">
+                <a:avLst/>
+              </a:prstGeom>
+              <a:blipFill>
+                <a:blip r:embed="rId22"/>
+                <a:stretch>
+                  <a:fillRect l="-22500" r="-20000" b="-6667"/>
+                </a:stretch>
+              </a:blipFill>
+            </p:spPr>
+            <p:txBody>
+              <a:bodyPr/>
+              <a:lstStyle/>
+              <a:p>
+                <a:r>
+                  <a:rPr lang="zh-CN" altLang="en-US">
+                    <a:noFill/>
+                  </a:rPr>
+                  <a:t> </a:t>
+                </a:r>
+              </a:p>
+            </p:txBody>
+          </p:sp>
+        </mc:Fallback>
+      </mc:AlternateContent>
     </p:spTree>
     <p:extLst>
       <p:ext uri="{BB962C8B-B14F-4D97-AF65-F5344CB8AC3E}">
